--- a/work/work.pptx
+++ b/work/work.pptx
@@ -6,7 +6,9 @@
   </p:sldMasterIdLst>
   <p:sldIdLst>
     <p:sldId id="256" r:id="rId2"/>
-    <p:sldId id="257" r:id="rId3"/>
+    <p:sldId id="262" r:id="rId3"/>
+    <p:sldId id="261" r:id="rId4"/>
+    <p:sldId id="263" r:id="rId5"/>
   </p:sldIdLst>
   <p:sldSz cx="12192000" cy="6858000"/>
   <p:notesSz cx="6858000" cy="9144000"/>
@@ -105,6 +107,11 @@
       </a:defRPr>
     </a:lvl9pPr>
   </p:defaultTextStyle>
+  <p:extLst>
+    <p:ext uri="{EFAFB233-063F-42B5-8137-9DF3F51BA10A}">
+      <p15:sldGuideLst xmlns:p15="http://schemas.microsoft.com/office/powerpoint/2012/main"/>
+    </p:ext>
+  </p:extLst>
 </p:presentation>
 </file>
 
@@ -255,7 +262,7 @@
           <a:p>
             <a:fld id="{DADCA3C0-8A91-47C6-9688-037592343C81}" type="datetimeFigureOut">
               <a:rPr kumimoji="1" lang="ja-JP" altLang="en-US" smtClean="0"/>
-              <a:t>2022/10/13</a:t>
+              <a:t>2022/10/14</a:t>
             </a:fld>
             <a:endParaRPr kumimoji="1" lang="ja-JP" altLang="en-US"/>
           </a:p>
@@ -485,7 +492,7 @@
           <a:p>
             <a:fld id="{DADCA3C0-8A91-47C6-9688-037592343C81}" type="datetimeFigureOut">
               <a:rPr kumimoji="1" lang="ja-JP" altLang="en-US" smtClean="0"/>
-              <a:t>2022/10/13</a:t>
+              <a:t>2022/10/14</a:t>
             </a:fld>
             <a:endParaRPr kumimoji="1" lang="ja-JP" altLang="en-US"/>
           </a:p>
@@ -725,7 +732,7 @@
           <a:p>
             <a:fld id="{DADCA3C0-8A91-47C6-9688-037592343C81}" type="datetimeFigureOut">
               <a:rPr kumimoji="1" lang="ja-JP" altLang="en-US" smtClean="0"/>
-              <a:t>2022/10/13</a:t>
+              <a:t>2022/10/14</a:t>
             </a:fld>
             <a:endParaRPr kumimoji="1" lang="ja-JP" altLang="en-US"/>
           </a:p>
@@ -955,7 +962,7 @@
           <a:p>
             <a:fld id="{DADCA3C0-8A91-47C6-9688-037592343C81}" type="datetimeFigureOut">
               <a:rPr kumimoji="1" lang="ja-JP" altLang="en-US" smtClean="0"/>
-              <a:t>2022/10/13</a:t>
+              <a:t>2022/10/14</a:t>
             </a:fld>
             <a:endParaRPr kumimoji="1" lang="ja-JP" altLang="en-US"/>
           </a:p>
@@ -1230,7 +1237,7 @@
           <a:p>
             <a:fld id="{DADCA3C0-8A91-47C6-9688-037592343C81}" type="datetimeFigureOut">
               <a:rPr kumimoji="1" lang="ja-JP" altLang="en-US" smtClean="0"/>
-              <a:t>2022/10/13</a:t>
+              <a:t>2022/10/14</a:t>
             </a:fld>
             <a:endParaRPr kumimoji="1" lang="ja-JP" altLang="en-US"/>
           </a:p>
@@ -1559,7 +1566,7 @@
           <a:p>
             <a:fld id="{DADCA3C0-8A91-47C6-9688-037592343C81}" type="datetimeFigureOut">
               <a:rPr kumimoji="1" lang="ja-JP" altLang="en-US" smtClean="0"/>
-              <a:t>2022/10/13</a:t>
+              <a:t>2022/10/14</a:t>
             </a:fld>
             <a:endParaRPr kumimoji="1" lang="ja-JP" altLang="en-US"/>
           </a:p>
@@ -2035,7 +2042,7 @@
           <a:p>
             <a:fld id="{DADCA3C0-8A91-47C6-9688-037592343C81}" type="datetimeFigureOut">
               <a:rPr kumimoji="1" lang="ja-JP" altLang="en-US" smtClean="0"/>
-              <a:t>2022/10/13</a:t>
+              <a:t>2022/10/14</a:t>
             </a:fld>
             <a:endParaRPr kumimoji="1" lang="ja-JP" altLang="en-US"/>
           </a:p>
@@ -2176,7 +2183,7 @@
           <a:p>
             <a:fld id="{DADCA3C0-8A91-47C6-9688-037592343C81}" type="datetimeFigureOut">
               <a:rPr kumimoji="1" lang="ja-JP" altLang="en-US" smtClean="0"/>
-              <a:t>2022/10/13</a:t>
+              <a:t>2022/10/14</a:t>
             </a:fld>
             <a:endParaRPr kumimoji="1" lang="ja-JP" altLang="en-US"/>
           </a:p>
@@ -2289,7 +2296,7 @@
           <a:p>
             <a:fld id="{DADCA3C0-8A91-47C6-9688-037592343C81}" type="datetimeFigureOut">
               <a:rPr kumimoji="1" lang="ja-JP" altLang="en-US" smtClean="0"/>
-              <a:t>2022/10/13</a:t>
+              <a:t>2022/10/14</a:t>
             </a:fld>
             <a:endParaRPr kumimoji="1" lang="ja-JP" altLang="en-US"/>
           </a:p>
@@ -2632,7 +2639,7 @@
           <a:p>
             <a:fld id="{DADCA3C0-8A91-47C6-9688-037592343C81}" type="datetimeFigureOut">
               <a:rPr kumimoji="1" lang="ja-JP" altLang="en-US" smtClean="0"/>
-              <a:t>2022/10/13</a:t>
+              <a:t>2022/10/14</a:t>
             </a:fld>
             <a:endParaRPr kumimoji="1" lang="ja-JP" altLang="en-US"/>
           </a:p>
@@ -2920,7 +2927,7 @@
           <a:p>
             <a:fld id="{DADCA3C0-8A91-47C6-9688-037592343C81}" type="datetimeFigureOut">
               <a:rPr kumimoji="1" lang="ja-JP" altLang="en-US" smtClean="0"/>
-              <a:t>2022/10/13</a:t>
+              <a:t>2022/10/14</a:t>
             </a:fld>
             <a:endParaRPr kumimoji="1" lang="ja-JP" altLang="en-US"/>
           </a:p>
@@ -3193,7 +3200,7 @@
           <a:p>
             <a:fld id="{DADCA3C0-8A91-47C6-9688-037592343C81}" type="datetimeFigureOut">
               <a:rPr kumimoji="1" lang="ja-JP" altLang="en-US" smtClean="0"/>
-              <a:t>2022/10/13</a:t>
+              <a:t>2022/10/14</a:t>
             </a:fld>
             <a:endParaRPr kumimoji="1" lang="ja-JP" altLang="en-US"/>
           </a:p>
@@ -3764,7 +3771,7 @@
         </p:nvSpPr>
         <p:spPr>
           <a:xfrm>
-            <a:off x="6153150" y="1483835"/>
+            <a:off x="6153150" y="1489525"/>
             <a:ext cx="3381858" cy="1734508"/>
           </a:xfrm>
           <a:prstGeom prst="rect">
@@ -4752,7 +4759,7 @@
           <a:p>
             <a:pPr algn="ctr"/>
             <a:r>
-              <a:rPr kumimoji="1" lang="en-US" altLang="ja-JP" sz="1200">
+              <a:rPr kumimoji="1" lang="en-US" altLang="ja-JP" sz="1200" err="1">
                 <a:latin typeface="Meiryo UI" panose="020B0604030504040204" pitchFamily="50" charset="-128"/>
                 <a:ea typeface="Meiryo UI" panose="020B0604030504040204" pitchFamily="50" charset="-128"/>
               </a:rPr>
@@ -4839,6 +4846,54 @@
               <a:gd name="adj1" fmla="val 50000"/>
             </a:avLst>
           </a:prstGeom>
+          <a:ln w="12700">
+            <a:solidFill>
+              <a:schemeClr val="accent4"/>
+            </a:solidFill>
+            <a:tailEnd type="triangle"/>
+          </a:ln>
+        </p:spPr>
+        <p:style>
+          <a:lnRef idx="1">
+            <a:schemeClr val="accent1"/>
+          </a:lnRef>
+          <a:fillRef idx="0">
+            <a:schemeClr val="accent1"/>
+          </a:fillRef>
+          <a:effectRef idx="0">
+            <a:schemeClr val="accent1"/>
+          </a:effectRef>
+          <a:fontRef idx="minor">
+            <a:schemeClr val="tx1"/>
+          </a:fontRef>
+        </p:style>
+      </p:cxnSp>
+      <p:cxnSp>
+        <p:nvCxnSpPr>
+          <p:cNvPr id="37" name="直線矢印コネクタ 24">
+            <a:extLst>
+              <a:ext uri="{FF2B5EF4-FFF2-40B4-BE49-F238E27FC236}">
+                <a16:creationId xmlns:a16="http://schemas.microsoft.com/office/drawing/2014/main" id="{E83D989B-8489-E4EC-0A6A-1A229C167686}"/>
+              </a:ext>
+            </a:extLst>
+          </p:cNvPr>
+          <p:cNvCxnSpPr>
+            <a:cxnSpLocks/>
+            <a:stCxn id="7" idx="2"/>
+            <a:endCxn id="11" idx="0"/>
+          </p:cNvCxnSpPr>
+          <p:nvPr/>
+        </p:nvCxnSpPr>
+        <p:spPr>
+          <a:xfrm rot="5400000">
+            <a:off x="3418520" y="3912011"/>
+            <a:ext cx="2257161" cy="453842"/>
+          </a:xfrm>
+          <a:prstGeom prst="bentConnector3">
+            <a:avLst>
+              <a:gd name="adj1" fmla="val 50000"/>
+            </a:avLst>
+          </a:prstGeom>
           <a:ln>
             <a:solidFill>
               <a:schemeClr val="accent4"/>
@@ -4863,10 +4918,240 @@
       </p:cxnSp>
       <p:cxnSp>
         <p:nvCxnSpPr>
-          <p:cNvPr id="37" name="直線矢印コネクタ 24">
-            <a:extLst>
-              <a:ext uri="{FF2B5EF4-FFF2-40B4-BE49-F238E27FC236}">
-                <a16:creationId xmlns:a16="http://schemas.microsoft.com/office/drawing/2014/main" id="{E83D989B-8489-E4EC-0A6A-1A229C167686}"/>
+          <p:cNvPr id="46" name="直線矢印コネクタ 24">
+            <a:extLst>
+              <a:ext uri="{FF2B5EF4-FFF2-40B4-BE49-F238E27FC236}">
+                <a16:creationId xmlns:a16="http://schemas.microsoft.com/office/drawing/2014/main" id="{C7E275B7-6104-780E-CAC1-27DD1D9BBC09}"/>
+              </a:ext>
+            </a:extLst>
+          </p:cNvPr>
+          <p:cNvCxnSpPr>
+            <a:cxnSpLocks/>
+            <a:stCxn id="6" idx="2"/>
+            <a:endCxn id="23" idx="0"/>
+          </p:cNvCxnSpPr>
+          <p:nvPr/>
+        </p:nvCxnSpPr>
+        <p:spPr>
+          <a:xfrm rot="16200000" flipH="1">
+            <a:off x="2799409" y="3357354"/>
+            <a:ext cx="1103221" cy="409213"/>
+          </a:xfrm>
+          <a:prstGeom prst="bentConnector3">
+            <a:avLst>
+              <a:gd name="adj1" fmla="val 50000"/>
+            </a:avLst>
+          </a:prstGeom>
+          <a:ln w="12700">
+            <a:solidFill>
+              <a:schemeClr val="accent4"/>
+            </a:solidFill>
+            <a:tailEnd type="triangle"/>
+          </a:ln>
+        </p:spPr>
+        <p:style>
+          <a:lnRef idx="1">
+            <a:schemeClr val="accent1"/>
+          </a:lnRef>
+          <a:fillRef idx="0">
+            <a:schemeClr val="accent1"/>
+          </a:fillRef>
+          <a:effectRef idx="0">
+            <a:schemeClr val="accent1"/>
+          </a:effectRef>
+          <a:fontRef idx="minor">
+            <a:schemeClr val="tx1"/>
+          </a:fontRef>
+        </p:style>
+      </p:cxnSp>
+      <p:cxnSp>
+        <p:nvCxnSpPr>
+          <p:cNvPr id="264" name="直線矢印コネクタ 24">
+            <a:extLst>
+              <a:ext uri="{FF2B5EF4-FFF2-40B4-BE49-F238E27FC236}">
+                <a16:creationId xmlns:a16="http://schemas.microsoft.com/office/drawing/2014/main" id="{FC06F846-B919-E0BE-564B-4B885DA17646}"/>
+              </a:ext>
+            </a:extLst>
+          </p:cNvPr>
+          <p:cNvCxnSpPr>
+            <a:cxnSpLocks/>
+            <a:stCxn id="3" idx="1"/>
+            <a:endCxn id="2" idx="3"/>
+          </p:cNvCxnSpPr>
+          <p:nvPr/>
+        </p:nvCxnSpPr>
+        <p:spPr>
+          <a:xfrm flipH="1" flipV="1">
+            <a:off x="5791683" y="2356405"/>
+            <a:ext cx="361467" cy="374"/>
+          </a:xfrm>
+          <a:prstGeom prst="straightConnector1">
+            <a:avLst/>
+          </a:prstGeom>
+          <a:ln>
+            <a:solidFill>
+              <a:schemeClr val="accent4"/>
+            </a:solidFill>
+            <a:tailEnd type="triangle"/>
+          </a:ln>
+        </p:spPr>
+        <p:style>
+          <a:lnRef idx="1">
+            <a:schemeClr val="accent1"/>
+          </a:lnRef>
+          <a:fillRef idx="0">
+            <a:schemeClr val="accent1"/>
+          </a:fillRef>
+          <a:effectRef idx="0">
+            <a:schemeClr val="accent1"/>
+          </a:effectRef>
+          <a:fontRef idx="minor">
+            <a:schemeClr val="tx1"/>
+          </a:fontRef>
+        </p:style>
+      </p:cxnSp>
+      <p:cxnSp>
+        <p:nvCxnSpPr>
+          <p:cNvPr id="24" name="直線矢印コネクタ 24">
+            <a:extLst>
+              <a:ext uri="{FF2B5EF4-FFF2-40B4-BE49-F238E27FC236}">
+                <a16:creationId xmlns:a16="http://schemas.microsoft.com/office/drawing/2014/main" id="{A705AEA6-736E-4595-9760-267E4891C9B9}"/>
+              </a:ext>
+            </a:extLst>
+          </p:cNvPr>
+          <p:cNvCxnSpPr>
+            <a:cxnSpLocks/>
+          </p:cNvCxnSpPr>
+          <p:nvPr/>
+        </p:nvCxnSpPr>
+        <p:spPr>
+          <a:xfrm rot="5400000">
+            <a:off x="3418520" y="3912012"/>
+            <a:ext cx="2257161" cy="453842"/>
+          </a:xfrm>
+          <a:prstGeom prst="bentConnector3">
+            <a:avLst>
+              <a:gd name="adj1" fmla="val 50000"/>
+            </a:avLst>
+          </a:prstGeom>
+          <a:ln>
+            <a:solidFill>
+              <a:schemeClr val="accent4"/>
+            </a:solidFill>
+            <a:tailEnd type="triangle"/>
+          </a:ln>
+        </p:spPr>
+        <p:style>
+          <a:lnRef idx="1">
+            <a:schemeClr val="accent1"/>
+          </a:lnRef>
+          <a:fillRef idx="0">
+            <a:schemeClr val="accent1"/>
+          </a:fillRef>
+          <a:effectRef idx="0">
+            <a:schemeClr val="accent1"/>
+          </a:effectRef>
+          <a:fontRef idx="minor">
+            <a:schemeClr val="tx1"/>
+          </a:fontRef>
+        </p:style>
+      </p:cxnSp>
+      <p:cxnSp>
+        <p:nvCxnSpPr>
+          <p:cNvPr id="26" name="直線矢印コネクタ 24">
+            <a:extLst>
+              <a:ext uri="{FF2B5EF4-FFF2-40B4-BE49-F238E27FC236}">
+                <a16:creationId xmlns:a16="http://schemas.microsoft.com/office/drawing/2014/main" id="{BF40281B-B3DF-470F-A2C8-584738F330A2}"/>
+              </a:ext>
+            </a:extLst>
+          </p:cNvPr>
+          <p:cNvCxnSpPr>
+            <a:cxnSpLocks/>
+          </p:cNvCxnSpPr>
+          <p:nvPr/>
+        </p:nvCxnSpPr>
+        <p:spPr>
+          <a:xfrm flipH="1">
+            <a:off x="5791683" y="2351090"/>
+            <a:ext cx="361467" cy="5316"/>
+          </a:xfrm>
+          <a:prstGeom prst="straightConnector1">
+            <a:avLst/>
+          </a:prstGeom>
+          <a:ln>
+            <a:solidFill>
+              <a:schemeClr val="accent4"/>
+            </a:solidFill>
+            <a:tailEnd type="triangle"/>
+          </a:ln>
+        </p:spPr>
+        <p:style>
+          <a:lnRef idx="1">
+            <a:schemeClr val="accent1"/>
+          </a:lnRef>
+          <a:fillRef idx="0">
+            <a:schemeClr val="accent1"/>
+          </a:fillRef>
+          <a:effectRef idx="0">
+            <a:schemeClr val="accent1"/>
+          </a:effectRef>
+          <a:fontRef idx="minor">
+            <a:schemeClr val="tx1"/>
+          </a:fontRef>
+        </p:style>
+      </p:cxnSp>
+      <p:cxnSp>
+        <p:nvCxnSpPr>
+          <p:cNvPr id="27" name="直線矢印コネクタ 24">
+            <a:extLst>
+              <a:ext uri="{FF2B5EF4-FFF2-40B4-BE49-F238E27FC236}">
+                <a16:creationId xmlns:a16="http://schemas.microsoft.com/office/drawing/2014/main" id="{6AB6C3EE-710A-4479-8645-A0338A240223}"/>
+              </a:ext>
+            </a:extLst>
+          </p:cNvPr>
+          <p:cNvCxnSpPr>
+            <a:cxnSpLocks/>
+          </p:cNvCxnSpPr>
+          <p:nvPr/>
+        </p:nvCxnSpPr>
+        <p:spPr>
+          <a:xfrm rot="16200000" flipH="1">
+            <a:off x="7923760" y="3265888"/>
+            <a:ext cx="1489874" cy="196855"/>
+          </a:xfrm>
+          <a:prstGeom prst="bentConnector3">
+            <a:avLst>
+              <a:gd name="adj1" fmla="val 50000"/>
+            </a:avLst>
+          </a:prstGeom>
+          <a:ln w="12700">
+            <a:solidFill>
+              <a:schemeClr val="accent4"/>
+            </a:solidFill>
+            <a:tailEnd type="triangle"/>
+          </a:ln>
+        </p:spPr>
+        <p:style>
+          <a:lnRef idx="1">
+            <a:schemeClr val="accent1"/>
+          </a:lnRef>
+          <a:fillRef idx="0">
+            <a:schemeClr val="accent1"/>
+          </a:fillRef>
+          <a:effectRef idx="0">
+            <a:schemeClr val="accent1"/>
+          </a:effectRef>
+          <a:fontRef idx="minor">
+            <a:schemeClr val="tx1"/>
+          </a:fontRef>
+        </p:style>
+      </p:cxnSp>
+      <p:cxnSp>
+        <p:nvCxnSpPr>
+          <p:cNvPr id="28" name="直線矢印コネクタ 24">
+            <a:extLst>
+              <a:ext uri="{FF2B5EF4-FFF2-40B4-BE49-F238E27FC236}">
+                <a16:creationId xmlns:a16="http://schemas.microsoft.com/office/drawing/2014/main" id="{8FDB31B3-A9E9-4644-A5A8-3039126E4988}"/>
               </a:ext>
             </a:extLst>
           </p:cNvPr>
@@ -4887,7 +5172,7 @@
               <a:gd name="adj1" fmla="val 50000"/>
             </a:avLst>
           </a:prstGeom>
-          <a:ln>
+          <a:ln w="12700">
             <a:solidFill>
               <a:schemeClr val="accent4"/>
             </a:solidFill>
@@ -4911,58 +5196,10 @@
       </p:cxnSp>
       <p:cxnSp>
         <p:nvCxnSpPr>
-          <p:cNvPr id="46" name="直線矢印コネクタ 24">
-            <a:extLst>
-              <a:ext uri="{FF2B5EF4-FFF2-40B4-BE49-F238E27FC236}">
-                <a16:creationId xmlns:a16="http://schemas.microsoft.com/office/drawing/2014/main" id="{C7E275B7-6104-780E-CAC1-27DD1D9BBC09}"/>
-              </a:ext>
-            </a:extLst>
-          </p:cNvPr>
-          <p:cNvCxnSpPr>
-            <a:cxnSpLocks/>
-            <a:stCxn id="6" idx="2"/>
-            <a:endCxn id="23" idx="0"/>
-          </p:cNvCxnSpPr>
-          <p:nvPr/>
-        </p:nvCxnSpPr>
-        <p:spPr>
-          <a:xfrm rot="16200000" flipH="1">
-            <a:off x="2799409" y="3357354"/>
-            <a:ext cx="1103221" cy="409213"/>
-          </a:xfrm>
-          <a:prstGeom prst="bentConnector3">
-            <a:avLst>
-              <a:gd name="adj1" fmla="val 50000"/>
-            </a:avLst>
-          </a:prstGeom>
-          <a:ln>
-            <a:solidFill>
-              <a:schemeClr val="accent4"/>
-            </a:solidFill>
-            <a:tailEnd type="triangle"/>
-          </a:ln>
-        </p:spPr>
-        <p:style>
-          <a:lnRef idx="1">
-            <a:schemeClr val="accent1"/>
-          </a:lnRef>
-          <a:fillRef idx="0">
-            <a:schemeClr val="accent1"/>
-          </a:fillRef>
-          <a:effectRef idx="0">
-            <a:schemeClr val="accent1"/>
-          </a:effectRef>
-          <a:fontRef idx="minor">
-            <a:schemeClr val="tx1"/>
-          </a:fontRef>
-        </p:style>
-      </p:cxnSp>
-      <p:cxnSp>
-        <p:nvCxnSpPr>
-          <p:cNvPr id="264" name="直線矢印コネクタ 24">
-            <a:extLst>
-              <a:ext uri="{FF2B5EF4-FFF2-40B4-BE49-F238E27FC236}">
-                <a16:creationId xmlns:a16="http://schemas.microsoft.com/office/drawing/2014/main" id="{FC06F846-B919-E0BE-564B-4B885DA17646}"/>
+          <p:cNvPr id="29" name="直線矢印コネクタ 24">
+            <a:extLst>
+              <a:ext uri="{FF2B5EF4-FFF2-40B4-BE49-F238E27FC236}">
+                <a16:creationId xmlns:a16="http://schemas.microsoft.com/office/drawing/2014/main" id="{C48BAFFF-6120-4E37-BD77-17BE76B0577B}"/>
               </a:ext>
             </a:extLst>
           </p:cNvPr>
@@ -4974,14 +5211,14 @@
           <p:nvPr/>
         </p:nvCxnSpPr>
         <p:spPr>
-          <a:xfrm flipH="1">
-            <a:off x="5791683" y="2351089"/>
-            <a:ext cx="361467" cy="5316"/>
+          <a:xfrm flipH="1" flipV="1">
+            <a:off x="5791683" y="2356405"/>
+            <a:ext cx="361467" cy="374"/>
           </a:xfrm>
           <a:prstGeom prst="straightConnector1">
             <a:avLst/>
           </a:prstGeom>
-          <a:ln>
+          <a:ln w="12700">
             <a:solidFill>
               <a:schemeClr val="accent4"/>
             </a:solidFill>
@@ -5035,10 +5272,10 @@
       </p:grpSpPr>
       <p:sp>
         <p:nvSpPr>
-          <p:cNvPr id="2" name="正方形/長方形 1">
-            <a:extLst>
-              <a:ext uri="{FF2B5EF4-FFF2-40B4-BE49-F238E27FC236}">
-                <a16:creationId xmlns:a16="http://schemas.microsoft.com/office/drawing/2014/main" id="{AE11E4AC-34A0-AA8B-4C4D-4AC3051C1FEC}"/>
+          <p:cNvPr id="47" name="正方形/長方形 46">
+            <a:extLst>
+              <a:ext uri="{FF2B5EF4-FFF2-40B4-BE49-F238E27FC236}">
+                <a16:creationId xmlns:a16="http://schemas.microsoft.com/office/drawing/2014/main" id="{10B766F9-EC15-4922-B2EE-A753174D2401}"/>
               </a:ext>
             </a:extLst>
           </p:cNvPr>
@@ -5047,247 +5284,8 @@
         </p:nvSpPr>
         <p:spPr>
           <a:xfrm>
-            <a:off x="8013754" y="2795424"/>
-            <a:ext cx="1511246" cy="341919"/>
-          </a:xfrm>
-          <a:prstGeom prst="rect">
-            <a:avLst/>
-          </a:prstGeom>
-          <a:solidFill>
-            <a:schemeClr val="accent6"/>
-          </a:solidFill>
-          <a:ln>
-            <a:noFill/>
-          </a:ln>
-        </p:spPr>
-        <p:style>
-          <a:lnRef idx="2">
-            <a:schemeClr val="accent1">
-              <a:shade val="50000"/>
-            </a:schemeClr>
-          </a:lnRef>
-          <a:fillRef idx="1">
-            <a:schemeClr val="accent1"/>
-          </a:fillRef>
-          <a:effectRef idx="0">
-            <a:schemeClr val="accent1"/>
-          </a:effectRef>
-          <a:fontRef idx="minor">
-            <a:schemeClr val="lt1"/>
-          </a:fontRef>
-        </p:style>
-        <p:txBody>
-          <a:bodyPr rtlCol="0" anchor="ctr"/>
-          <a:lstStyle/>
-          <a:p>
-            <a:pPr algn="ctr"/>
-            <a:r>
-              <a:rPr kumimoji="1" lang="en-US" altLang="ja-JP" sz="1200">
-                <a:latin typeface="Meiryo UI" panose="020B0604030504040204" pitchFamily="50" charset="-128"/>
-                <a:ea typeface="Meiryo UI" panose="020B0604030504040204" pitchFamily="50" charset="-128"/>
-              </a:rPr>
-              <a:t>CameraService</a:t>
-            </a:r>
-          </a:p>
-        </p:txBody>
-      </p:sp>
-      <p:sp>
-        <p:nvSpPr>
-          <p:cNvPr id="3" name="正方形/長方形 2">
-            <a:extLst>
-              <a:ext uri="{FF2B5EF4-FFF2-40B4-BE49-F238E27FC236}">
-                <a16:creationId xmlns:a16="http://schemas.microsoft.com/office/drawing/2014/main" id="{1184CEC5-E7A0-79C9-57F1-A1A3B70EC9FC}"/>
-              </a:ext>
-            </a:extLst>
-          </p:cNvPr>
-          <p:cNvSpPr/>
-          <p:nvPr/>
-        </p:nvSpPr>
-        <p:spPr>
-          <a:xfrm>
-            <a:off x="8013753" y="3243099"/>
-            <a:ext cx="1511246" cy="341919"/>
-          </a:xfrm>
-          <a:prstGeom prst="rect">
-            <a:avLst/>
-          </a:prstGeom>
-          <a:solidFill>
-            <a:schemeClr val="accent6"/>
-          </a:solidFill>
-          <a:ln>
-            <a:noFill/>
-          </a:ln>
-        </p:spPr>
-        <p:style>
-          <a:lnRef idx="2">
-            <a:schemeClr val="accent1">
-              <a:shade val="50000"/>
-            </a:schemeClr>
-          </a:lnRef>
-          <a:fillRef idx="1">
-            <a:schemeClr val="accent1"/>
-          </a:fillRef>
-          <a:effectRef idx="0">
-            <a:schemeClr val="accent1"/>
-          </a:effectRef>
-          <a:fontRef idx="minor">
-            <a:schemeClr val="lt1"/>
-          </a:fontRef>
-        </p:style>
-        <p:txBody>
-          <a:bodyPr rtlCol="0" anchor="ctr"/>
-          <a:lstStyle/>
-          <a:p>
-            <a:pPr algn="ctr"/>
-            <a:r>
-              <a:rPr kumimoji="1" lang="en-US" altLang="ja-JP" sz="1200">
-                <a:latin typeface="Meiryo UI" panose="020B0604030504040204" pitchFamily="50" charset="-128"/>
-                <a:ea typeface="Meiryo UI" panose="020B0604030504040204" pitchFamily="50" charset="-128"/>
-              </a:rPr>
-              <a:t>InputService</a:t>
-            </a:r>
-          </a:p>
-        </p:txBody>
-      </p:sp>
-      <p:sp>
-        <p:nvSpPr>
-          <p:cNvPr id="4" name="正方形/長方形 3">
-            <a:extLst>
-              <a:ext uri="{FF2B5EF4-FFF2-40B4-BE49-F238E27FC236}">
-                <a16:creationId xmlns:a16="http://schemas.microsoft.com/office/drawing/2014/main" id="{5452AC1D-0037-1656-E22E-7039A30FA492}"/>
-              </a:ext>
-            </a:extLst>
-          </p:cNvPr>
-          <p:cNvSpPr/>
-          <p:nvPr/>
-        </p:nvSpPr>
-        <p:spPr>
-          <a:xfrm>
-            <a:off x="8013753" y="3694392"/>
-            <a:ext cx="1511246" cy="341919"/>
-          </a:xfrm>
-          <a:prstGeom prst="rect">
-            <a:avLst/>
-          </a:prstGeom>
-          <a:solidFill>
-            <a:schemeClr val="accent6"/>
-          </a:solidFill>
-          <a:ln>
-            <a:noFill/>
-          </a:ln>
-        </p:spPr>
-        <p:style>
-          <a:lnRef idx="2">
-            <a:schemeClr val="accent1">
-              <a:shade val="50000"/>
-            </a:schemeClr>
-          </a:lnRef>
-          <a:fillRef idx="1">
-            <a:schemeClr val="accent1"/>
-          </a:fillRef>
-          <a:effectRef idx="0">
-            <a:schemeClr val="accent1"/>
-          </a:effectRef>
-          <a:fontRef idx="minor">
-            <a:schemeClr val="lt1"/>
-          </a:fontRef>
-        </p:style>
-        <p:txBody>
-          <a:bodyPr rtlCol="0" anchor="ctr"/>
-          <a:lstStyle/>
-          <a:p>
-            <a:pPr algn="ctr"/>
-            <a:r>
-              <a:rPr kumimoji="1" lang="en-US" altLang="ja-JP" sz="1200">
-                <a:latin typeface="Meiryo UI" panose="020B0604030504040204" pitchFamily="50" charset="-128"/>
-                <a:ea typeface="Meiryo UI" panose="020B0604030504040204" pitchFamily="50" charset="-128"/>
-              </a:rPr>
-              <a:t>NetworkService</a:t>
-            </a:r>
-          </a:p>
-        </p:txBody>
-      </p:sp>
-      <p:sp>
-        <p:nvSpPr>
-          <p:cNvPr id="5" name="正方形/長方形 4">
-            <a:extLst>
-              <a:ext uri="{FF2B5EF4-FFF2-40B4-BE49-F238E27FC236}">
-                <a16:creationId xmlns:a16="http://schemas.microsoft.com/office/drawing/2014/main" id="{C00303CC-4F4E-07B6-2C3A-D29B9F9EE94F}"/>
-              </a:ext>
-            </a:extLst>
-          </p:cNvPr>
-          <p:cNvSpPr/>
-          <p:nvPr/>
-        </p:nvSpPr>
-        <p:spPr>
-          <a:xfrm>
-            <a:off x="8013753" y="4145685"/>
-            <a:ext cx="1511246" cy="341919"/>
-          </a:xfrm>
-          <a:prstGeom prst="rect">
-            <a:avLst/>
-          </a:prstGeom>
-          <a:solidFill>
-            <a:schemeClr val="accent6"/>
-          </a:solidFill>
-          <a:ln>
-            <a:noFill/>
-          </a:ln>
-        </p:spPr>
-        <p:style>
-          <a:lnRef idx="2">
-            <a:schemeClr val="accent1">
-              <a:shade val="50000"/>
-            </a:schemeClr>
-          </a:lnRef>
-          <a:fillRef idx="1">
-            <a:schemeClr val="accent1"/>
-          </a:fillRef>
-          <a:effectRef idx="0">
-            <a:schemeClr val="accent1"/>
-          </a:effectRef>
-          <a:fontRef idx="minor">
-            <a:schemeClr val="lt1"/>
-          </a:fontRef>
-        </p:style>
-        <p:txBody>
-          <a:bodyPr rtlCol="0" anchor="ctr"/>
-          <a:lstStyle/>
-          <a:p>
-            <a:pPr algn="ctr"/>
-            <a:r>
-              <a:rPr lang="en-US" altLang="ja-JP" sz="1200">
-                <a:latin typeface="Meiryo UI" panose="020B0604030504040204" pitchFamily="50" charset="-128"/>
-                <a:ea typeface="Meiryo UI" panose="020B0604030504040204" pitchFamily="50" charset="-128"/>
-              </a:rPr>
-              <a:t>Player</a:t>
-            </a:r>
-            <a:r>
-              <a:rPr kumimoji="1" lang="en-US" altLang="ja-JP" sz="1200">
-                <a:latin typeface="Meiryo UI" panose="020B0604030504040204" pitchFamily="50" charset="-128"/>
-                <a:ea typeface="Meiryo UI" panose="020B0604030504040204" pitchFamily="50" charset="-128"/>
-              </a:rPr>
-              <a:t>Service</a:t>
-            </a:r>
-          </a:p>
-        </p:txBody>
-      </p:sp>
-      <p:sp>
-        <p:nvSpPr>
-          <p:cNvPr id="6" name="正方形/長方形 5">
-            <a:extLst>
-              <a:ext uri="{FF2B5EF4-FFF2-40B4-BE49-F238E27FC236}">
-                <a16:creationId xmlns:a16="http://schemas.microsoft.com/office/drawing/2014/main" id="{AE4D297A-2179-19E2-F36C-A52E16E95D13}"/>
-              </a:ext>
-            </a:extLst>
-          </p:cNvPr>
-          <p:cNvSpPr/>
-          <p:nvPr/>
-        </p:nvSpPr>
-        <p:spPr>
-          <a:xfrm>
-            <a:off x="2517829" y="708958"/>
-            <a:ext cx="1025471" cy="341919"/>
+            <a:off x="481087" y="2148430"/>
+            <a:ext cx="1829282" cy="1813970"/>
           </a:xfrm>
           <a:prstGeom prst="rect">
             <a:avLst/>
@@ -5316,6 +5314,325 @@
           </a:fontRef>
         </p:style>
         <p:txBody>
+          <a:bodyPr rtlCol="0" anchor="t"/>
+          <a:lstStyle/>
+          <a:p>
+            <a:pPr algn="ctr"/>
+            <a:endParaRPr kumimoji="1" lang="en-US" altLang="ja-JP" sz="1000">
+              <a:latin typeface="Meiryo UI" panose="020B0604030504040204" pitchFamily="50" charset="-128"/>
+              <a:ea typeface="Meiryo UI" panose="020B0604030504040204" pitchFamily="50" charset="-128"/>
+            </a:endParaRPr>
+          </a:p>
+          <a:p>
+            <a:pPr algn="ctr"/>
+            <a:r>
+              <a:rPr kumimoji="1" lang="en-US" altLang="ja-JP" sz="1000">
+                <a:latin typeface="Meiryo UI" panose="020B0604030504040204" pitchFamily="50" charset="-128"/>
+                <a:ea typeface="Meiryo UI" panose="020B0604030504040204" pitchFamily="50" charset="-128"/>
+              </a:rPr>
+              <a:t>Scene</a:t>
+            </a:r>
+            <a:endParaRPr kumimoji="1" lang="ja-JP" altLang="en-US" sz="1000">
+              <a:latin typeface="Meiryo UI" panose="020B0604030504040204" pitchFamily="50" charset="-128"/>
+              <a:ea typeface="Meiryo UI" panose="020B0604030504040204" pitchFamily="50" charset="-128"/>
+            </a:endParaRPr>
+          </a:p>
+        </p:txBody>
+      </p:sp>
+      <p:sp>
+        <p:nvSpPr>
+          <p:cNvPr id="74" name="正方形/長方形 73">
+            <a:extLst>
+              <a:ext uri="{FF2B5EF4-FFF2-40B4-BE49-F238E27FC236}">
+                <a16:creationId xmlns:a16="http://schemas.microsoft.com/office/drawing/2014/main" id="{B397733A-1FD2-41AA-A9D1-F7D685745DC2}"/>
+              </a:ext>
+            </a:extLst>
+          </p:cNvPr>
+          <p:cNvSpPr/>
+          <p:nvPr/>
+        </p:nvSpPr>
+        <p:spPr>
+          <a:xfrm>
+            <a:off x="589817" y="2645246"/>
+            <a:ext cx="1626768" cy="259099"/>
+          </a:xfrm>
+          <a:prstGeom prst="rect">
+            <a:avLst/>
+          </a:prstGeom>
+          <a:solidFill>
+            <a:schemeClr val="tx2"/>
+          </a:solidFill>
+          <a:ln>
+            <a:noFill/>
+          </a:ln>
+        </p:spPr>
+        <p:style>
+          <a:lnRef idx="2">
+            <a:schemeClr val="accent1">
+              <a:shade val="50000"/>
+            </a:schemeClr>
+          </a:lnRef>
+          <a:fillRef idx="1">
+            <a:schemeClr val="accent1"/>
+          </a:fillRef>
+          <a:effectRef idx="0">
+            <a:schemeClr val="accent1"/>
+          </a:effectRef>
+          <a:fontRef idx="minor">
+            <a:schemeClr val="lt1"/>
+          </a:fontRef>
+        </p:style>
+        <p:txBody>
+          <a:bodyPr rtlCol="0" anchor="ctr"/>
+          <a:lstStyle/>
+          <a:p>
+            <a:pPr algn="ctr"/>
+            <a:r>
+              <a:rPr kumimoji="1" lang="en-US" altLang="ja-JP" sz="1000">
+                <a:latin typeface="Meiryo UI" panose="020B0604030504040204" pitchFamily="50" charset="-128"/>
+                <a:ea typeface="Meiryo UI" panose="020B0604030504040204" pitchFamily="50" charset="-128"/>
+              </a:rPr>
+              <a:t>Main</a:t>
+            </a:r>
+            <a:endParaRPr kumimoji="1" lang="ja-JP" altLang="en-US" sz="1000">
+              <a:latin typeface="Meiryo UI" panose="020B0604030504040204" pitchFamily="50" charset="-128"/>
+              <a:ea typeface="Meiryo UI" panose="020B0604030504040204" pitchFamily="50" charset="-128"/>
+            </a:endParaRPr>
+          </a:p>
+        </p:txBody>
+      </p:sp>
+      <p:sp>
+        <p:nvSpPr>
+          <p:cNvPr id="75" name="正方形/長方形 74">
+            <a:extLst>
+              <a:ext uri="{FF2B5EF4-FFF2-40B4-BE49-F238E27FC236}">
+                <a16:creationId xmlns:a16="http://schemas.microsoft.com/office/drawing/2014/main" id="{1D9B31BE-94E7-4E6D-AAAA-EA85678BF990}"/>
+              </a:ext>
+            </a:extLst>
+          </p:cNvPr>
+          <p:cNvSpPr/>
+          <p:nvPr/>
+        </p:nvSpPr>
+        <p:spPr>
+          <a:xfrm>
+            <a:off x="584998" y="2957243"/>
+            <a:ext cx="1626768" cy="259099"/>
+          </a:xfrm>
+          <a:prstGeom prst="rect">
+            <a:avLst/>
+          </a:prstGeom>
+          <a:solidFill>
+            <a:schemeClr val="tx2"/>
+          </a:solidFill>
+          <a:ln>
+            <a:noFill/>
+          </a:ln>
+        </p:spPr>
+        <p:style>
+          <a:lnRef idx="2">
+            <a:schemeClr val="accent1">
+              <a:shade val="50000"/>
+            </a:schemeClr>
+          </a:lnRef>
+          <a:fillRef idx="1">
+            <a:schemeClr val="accent1"/>
+          </a:fillRef>
+          <a:effectRef idx="0">
+            <a:schemeClr val="accent1"/>
+          </a:effectRef>
+          <a:fontRef idx="minor">
+            <a:schemeClr val="lt1"/>
+          </a:fontRef>
+        </p:style>
+        <p:txBody>
+          <a:bodyPr rtlCol="0" anchor="ctr"/>
+          <a:lstStyle/>
+          <a:p>
+            <a:pPr algn="ctr"/>
+            <a:r>
+              <a:rPr kumimoji="1" lang="en-US" altLang="ja-JP" sz="1000" err="1">
+                <a:latin typeface="Meiryo UI" panose="020B0604030504040204" pitchFamily="50" charset="-128"/>
+                <a:ea typeface="Meiryo UI" panose="020B0604030504040204" pitchFamily="50" charset="-128"/>
+              </a:rPr>
+              <a:t>CameraControl</a:t>
+            </a:r>
+            <a:endParaRPr kumimoji="1" lang="ja-JP" altLang="en-US" sz="1000">
+              <a:latin typeface="Meiryo UI" panose="020B0604030504040204" pitchFamily="50" charset="-128"/>
+              <a:ea typeface="Meiryo UI" panose="020B0604030504040204" pitchFamily="50" charset="-128"/>
+            </a:endParaRPr>
+          </a:p>
+        </p:txBody>
+      </p:sp>
+      <p:sp>
+        <p:nvSpPr>
+          <p:cNvPr id="76" name="正方形/長方形 75">
+            <a:extLst>
+              <a:ext uri="{FF2B5EF4-FFF2-40B4-BE49-F238E27FC236}">
+                <a16:creationId xmlns:a16="http://schemas.microsoft.com/office/drawing/2014/main" id="{16D1E791-468E-4865-8856-C5202A5DE60E}"/>
+              </a:ext>
+            </a:extLst>
+          </p:cNvPr>
+          <p:cNvSpPr/>
+          <p:nvPr/>
+        </p:nvSpPr>
+        <p:spPr>
+          <a:xfrm>
+            <a:off x="584998" y="3272185"/>
+            <a:ext cx="1626768" cy="259099"/>
+          </a:xfrm>
+          <a:prstGeom prst="rect">
+            <a:avLst/>
+          </a:prstGeom>
+          <a:solidFill>
+            <a:schemeClr val="tx2"/>
+          </a:solidFill>
+          <a:ln>
+            <a:noFill/>
+          </a:ln>
+        </p:spPr>
+        <p:style>
+          <a:lnRef idx="2">
+            <a:schemeClr val="accent1">
+              <a:shade val="50000"/>
+            </a:schemeClr>
+          </a:lnRef>
+          <a:fillRef idx="1">
+            <a:schemeClr val="accent1"/>
+          </a:fillRef>
+          <a:effectRef idx="0">
+            <a:schemeClr val="accent1"/>
+          </a:effectRef>
+          <a:fontRef idx="minor">
+            <a:schemeClr val="lt1"/>
+          </a:fontRef>
+        </p:style>
+        <p:txBody>
+          <a:bodyPr rtlCol="0" anchor="ctr"/>
+          <a:lstStyle/>
+          <a:p>
+            <a:pPr algn="ctr"/>
+            <a:r>
+              <a:rPr kumimoji="1" lang="en-US" altLang="ja-JP" sz="1000" err="1">
+                <a:latin typeface="Meiryo UI" panose="020B0604030504040204" pitchFamily="50" charset="-128"/>
+                <a:ea typeface="Meiryo UI" panose="020B0604030504040204" pitchFamily="50" charset="-128"/>
+              </a:rPr>
+              <a:t>InputControl</a:t>
+            </a:r>
+            <a:endParaRPr kumimoji="1" lang="ja-JP" altLang="en-US" sz="1000">
+              <a:latin typeface="Meiryo UI" panose="020B0604030504040204" pitchFamily="50" charset="-128"/>
+              <a:ea typeface="Meiryo UI" panose="020B0604030504040204" pitchFamily="50" charset="-128"/>
+            </a:endParaRPr>
+          </a:p>
+        </p:txBody>
+      </p:sp>
+      <p:sp>
+        <p:nvSpPr>
+          <p:cNvPr id="77" name="正方形/長方形 76">
+            <a:extLst>
+              <a:ext uri="{FF2B5EF4-FFF2-40B4-BE49-F238E27FC236}">
+                <a16:creationId xmlns:a16="http://schemas.microsoft.com/office/drawing/2014/main" id="{FE173439-F1C5-4A9D-896C-B54C8DAA16BF}"/>
+              </a:ext>
+            </a:extLst>
+          </p:cNvPr>
+          <p:cNvSpPr/>
+          <p:nvPr/>
+        </p:nvSpPr>
+        <p:spPr>
+          <a:xfrm>
+            <a:off x="591337" y="3582976"/>
+            <a:ext cx="1626768" cy="259099"/>
+          </a:xfrm>
+          <a:prstGeom prst="rect">
+            <a:avLst/>
+          </a:prstGeom>
+          <a:solidFill>
+            <a:schemeClr val="tx2"/>
+          </a:solidFill>
+          <a:ln>
+            <a:noFill/>
+          </a:ln>
+        </p:spPr>
+        <p:style>
+          <a:lnRef idx="2">
+            <a:schemeClr val="accent1">
+              <a:shade val="50000"/>
+            </a:schemeClr>
+          </a:lnRef>
+          <a:fillRef idx="1">
+            <a:schemeClr val="accent1"/>
+          </a:fillRef>
+          <a:effectRef idx="0">
+            <a:schemeClr val="accent1"/>
+          </a:effectRef>
+          <a:fontRef idx="minor">
+            <a:schemeClr val="lt1"/>
+          </a:fontRef>
+        </p:style>
+        <p:txBody>
+          <a:bodyPr rtlCol="0" anchor="ctr"/>
+          <a:lstStyle/>
+          <a:p>
+            <a:pPr algn="ctr"/>
+            <a:r>
+              <a:rPr kumimoji="1" lang="en-US" altLang="ja-JP" sz="1000">
+                <a:latin typeface="Meiryo UI" panose="020B0604030504040204" pitchFamily="50" charset="-128"/>
+                <a:ea typeface="Meiryo UI" panose="020B0604030504040204" pitchFamily="50" charset="-128"/>
+              </a:rPr>
+              <a:t>TitleStage</a:t>
+            </a:r>
+            <a:endParaRPr kumimoji="1" lang="ja-JP" altLang="en-US" sz="1000">
+              <a:latin typeface="Meiryo UI" panose="020B0604030504040204" pitchFamily="50" charset="-128"/>
+              <a:ea typeface="Meiryo UI" panose="020B0604030504040204" pitchFamily="50" charset="-128"/>
+            </a:endParaRPr>
+          </a:p>
+        </p:txBody>
+      </p:sp>
+      <p:sp>
+        <p:nvSpPr>
+          <p:cNvPr id="100" name="正方形/長方形 99">
+            <a:extLst>
+              <a:ext uri="{FF2B5EF4-FFF2-40B4-BE49-F238E27FC236}">
+                <a16:creationId xmlns:a16="http://schemas.microsoft.com/office/drawing/2014/main" id="{3AB52E67-FF63-408E-B299-0022DB6E36BE}"/>
+              </a:ext>
+            </a:extLst>
+          </p:cNvPr>
+          <p:cNvSpPr/>
+          <p:nvPr/>
+        </p:nvSpPr>
+        <p:spPr>
+          <a:xfrm>
+            <a:off x="482923" y="874008"/>
+            <a:ext cx="1829282" cy="963385"/>
+          </a:xfrm>
+          <a:prstGeom prst="rect">
+            <a:avLst/>
+          </a:prstGeom>
+          <a:solidFill>
+            <a:schemeClr val="bg1">
+              <a:lumMod val="75000"/>
+            </a:schemeClr>
+          </a:solidFill>
+          <a:ln>
+            <a:noFill/>
+          </a:ln>
+        </p:spPr>
+        <p:style>
+          <a:lnRef idx="2">
+            <a:schemeClr val="accent1">
+              <a:shade val="50000"/>
+            </a:schemeClr>
+          </a:lnRef>
+          <a:fillRef idx="1">
+            <a:schemeClr val="accent1"/>
+          </a:fillRef>
+          <a:effectRef idx="0">
+            <a:schemeClr val="accent1"/>
+          </a:effectRef>
+          <a:fontRef idx="minor">
+            <a:schemeClr val="lt1"/>
+          </a:fontRef>
+        </p:style>
+        <p:txBody>
           <a:bodyPr rtlCol="0" anchor="ctr"/>
           <a:lstStyle/>
           <a:p>
@@ -5325,17 +5642,31 @@
                 <a:latin typeface="Meiryo UI" panose="020B0604030504040204" pitchFamily="50" charset="-128"/>
                 <a:ea typeface="Meiryo UI" panose="020B0604030504040204" pitchFamily="50" charset="-128"/>
               </a:rPr>
-              <a:t>Presenter</a:t>
-            </a:r>
-          </a:p>
-        </p:txBody>
-      </p:sp>
-      <p:sp>
-        <p:nvSpPr>
-          <p:cNvPr id="7" name="正方形/長方形 6">
-            <a:extLst>
-              <a:ext uri="{FF2B5EF4-FFF2-40B4-BE49-F238E27FC236}">
-                <a16:creationId xmlns:a16="http://schemas.microsoft.com/office/drawing/2014/main" id="{23A599DD-5940-C5A7-2FF7-F11BE04130B1}"/>
+              <a:t>TODO</a:t>
+            </a:r>
+          </a:p>
+          <a:p>
+            <a:pPr algn="ctr"/>
+            <a:r>
+              <a:rPr lang="ja-JP" altLang="en-US" sz="1200">
+                <a:latin typeface="Meiryo UI" panose="020B0604030504040204" pitchFamily="50" charset="-128"/>
+                <a:ea typeface="Meiryo UI" panose="020B0604030504040204" pitchFamily="50" charset="-128"/>
+              </a:rPr>
+              <a:t>サンプルアプリができたらスクリーンショットを貼る</a:t>
+            </a:r>
+            <a:endParaRPr kumimoji="1" lang="ja-JP" altLang="en-US" sz="1200">
+              <a:latin typeface="Meiryo UI" panose="020B0604030504040204" pitchFamily="50" charset="-128"/>
+              <a:ea typeface="Meiryo UI" panose="020B0604030504040204" pitchFamily="50" charset="-128"/>
+            </a:endParaRPr>
+          </a:p>
+        </p:txBody>
+      </p:sp>
+      <p:sp>
+        <p:nvSpPr>
+          <p:cNvPr id="101" name="正方形/長方形 100">
+            <a:extLst>
+              <a:ext uri="{FF2B5EF4-FFF2-40B4-BE49-F238E27FC236}">
+                <a16:creationId xmlns:a16="http://schemas.microsoft.com/office/drawing/2014/main" id="{FBD0775C-6CD3-4085-8E2B-FDEBDADB8330}"/>
               </a:ext>
             </a:extLst>
           </p:cNvPr>
@@ -5344,14 +5675,16 @@
         </p:nvSpPr>
         <p:spPr>
           <a:xfrm>
-            <a:off x="398517" y="708958"/>
-            <a:ext cx="1025471" cy="341919"/>
+            <a:off x="2945816" y="874008"/>
+            <a:ext cx="1829282" cy="963385"/>
           </a:xfrm>
           <a:prstGeom prst="rect">
             <a:avLst/>
           </a:prstGeom>
           <a:solidFill>
-            <a:schemeClr val="accent4"/>
+            <a:schemeClr val="bg1">
+              <a:lumMod val="75000"/>
+            </a:schemeClr>
           </a:solidFill>
           <a:ln>
             <a:noFill/>
@@ -5383,17 +5716,31 @@
                 <a:latin typeface="Meiryo UI" panose="020B0604030504040204" pitchFamily="50" charset="-128"/>
                 <a:ea typeface="Meiryo UI" panose="020B0604030504040204" pitchFamily="50" charset="-128"/>
               </a:rPr>
-              <a:t>View</a:t>
-            </a:r>
-          </a:p>
-        </p:txBody>
-      </p:sp>
-      <p:sp>
-        <p:nvSpPr>
-          <p:cNvPr id="8" name="正方形/長方形 7">
-            <a:extLst>
-              <a:ext uri="{FF2B5EF4-FFF2-40B4-BE49-F238E27FC236}">
-                <a16:creationId xmlns:a16="http://schemas.microsoft.com/office/drawing/2014/main" id="{C24ADA1B-A92A-1602-76CD-8E6749B2DA22}"/>
+              <a:t>TODO</a:t>
+            </a:r>
+          </a:p>
+          <a:p>
+            <a:pPr algn="ctr"/>
+            <a:r>
+              <a:rPr lang="ja-JP" altLang="en-US" sz="1200">
+                <a:latin typeface="Meiryo UI" panose="020B0604030504040204" pitchFamily="50" charset="-128"/>
+                <a:ea typeface="Meiryo UI" panose="020B0604030504040204" pitchFamily="50" charset="-128"/>
+              </a:rPr>
+              <a:t>サンプルアプリができたらスクリーンショットを貼る</a:t>
+            </a:r>
+            <a:endParaRPr kumimoji="1" lang="ja-JP" altLang="en-US" sz="1200">
+              <a:latin typeface="Meiryo UI" panose="020B0604030504040204" pitchFamily="50" charset="-128"/>
+              <a:ea typeface="Meiryo UI" panose="020B0604030504040204" pitchFamily="50" charset="-128"/>
+            </a:endParaRPr>
+          </a:p>
+        </p:txBody>
+      </p:sp>
+      <p:sp>
+        <p:nvSpPr>
+          <p:cNvPr id="102" name="正方形/長方形 101">
+            <a:extLst>
+              <a:ext uri="{FF2B5EF4-FFF2-40B4-BE49-F238E27FC236}">
+                <a16:creationId xmlns:a16="http://schemas.microsoft.com/office/drawing/2014/main" id="{3F091157-4CEE-4AB2-B981-9A290223AA08}"/>
               </a:ext>
             </a:extLst>
           </p:cNvPr>
@@ -5402,14 +5749,16 @@
         </p:nvSpPr>
         <p:spPr>
           <a:xfrm>
-            <a:off x="4641904" y="708957"/>
-            <a:ext cx="1025471" cy="341919"/>
+            <a:off x="5408709" y="874007"/>
+            <a:ext cx="1829282" cy="963385"/>
           </a:xfrm>
           <a:prstGeom prst="rect">
             <a:avLst/>
           </a:prstGeom>
           <a:solidFill>
-            <a:schemeClr val="accent6"/>
+            <a:schemeClr val="bg1">
+              <a:lumMod val="75000"/>
+            </a:schemeClr>
           </a:solidFill>
           <a:ln>
             <a:noFill/>
@@ -5441,206 +5790,31 @@
                 <a:latin typeface="Meiryo UI" panose="020B0604030504040204" pitchFamily="50" charset="-128"/>
                 <a:ea typeface="Meiryo UI" panose="020B0604030504040204" pitchFamily="50" charset="-128"/>
               </a:rPr>
-              <a:t>Model</a:t>
-            </a:r>
-          </a:p>
-        </p:txBody>
-      </p:sp>
-      <p:cxnSp>
-        <p:nvCxnSpPr>
-          <p:cNvPr id="10" name="直線矢印コネクタ 9">
-            <a:extLst>
-              <a:ext uri="{FF2B5EF4-FFF2-40B4-BE49-F238E27FC236}">
-                <a16:creationId xmlns:a16="http://schemas.microsoft.com/office/drawing/2014/main" id="{8A3A81A1-70EA-DB56-FA23-4E95309142B0}"/>
-              </a:ext>
-            </a:extLst>
-          </p:cNvPr>
-          <p:cNvCxnSpPr>
-            <a:stCxn id="6" idx="3"/>
-            <a:endCxn id="8" idx="1"/>
-          </p:cNvCxnSpPr>
-          <p:nvPr/>
-        </p:nvCxnSpPr>
-        <p:spPr>
-          <a:xfrm flipV="1">
-            <a:off x="3543300" y="879917"/>
-            <a:ext cx="1098604" cy="1"/>
-          </a:xfrm>
-          <a:prstGeom prst="straightConnector1">
-            <a:avLst/>
-          </a:prstGeom>
-          <a:ln>
-            <a:solidFill>
-              <a:schemeClr val="accent2"/>
-            </a:solidFill>
-            <a:tailEnd type="triangle"/>
-          </a:ln>
-        </p:spPr>
-        <p:style>
-          <a:lnRef idx="1">
-            <a:schemeClr val="accent1"/>
-          </a:lnRef>
-          <a:fillRef idx="0">
-            <a:schemeClr val="accent1"/>
-          </a:fillRef>
-          <a:effectRef idx="0">
-            <a:schemeClr val="accent1"/>
-          </a:effectRef>
-          <a:fontRef idx="minor">
-            <a:schemeClr val="tx1"/>
-          </a:fontRef>
-        </p:style>
-      </p:cxnSp>
-      <p:cxnSp>
-        <p:nvCxnSpPr>
-          <p:cNvPr id="11" name="直線矢印コネクタ 10">
-            <a:extLst>
-              <a:ext uri="{FF2B5EF4-FFF2-40B4-BE49-F238E27FC236}">
-                <a16:creationId xmlns:a16="http://schemas.microsoft.com/office/drawing/2014/main" id="{E74E0D1B-5B87-7685-9379-8E272FAC9153}"/>
-              </a:ext>
-            </a:extLst>
-          </p:cNvPr>
-          <p:cNvCxnSpPr>
-            <a:cxnSpLocks/>
-            <a:stCxn id="6" idx="1"/>
-            <a:endCxn id="7" idx="3"/>
-          </p:cNvCxnSpPr>
-          <p:nvPr/>
-        </p:nvCxnSpPr>
-        <p:spPr>
-          <a:xfrm flipH="1">
-            <a:off x="1423988" y="879918"/>
-            <a:ext cx="1093841" cy="0"/>
-          </a:xfrm>
-          <a:prstGeom prst="straightConnector1">
-            <a:avLst/>
-          </a:prstGeom>
-          <a:ln>
-            <a:solidFill>
-              <a:schemeClr val="tx2"/>
-            </a:solidFill>
-            <a:tailEnd type="triangle"/>
-          </a:ln>
-        </p:spPr>
-        <p:style>
-          <a:lnRef idx="1">
-            <a:schemeClr val="accent1"/>
-          </a:lnRef>
-          <a:fillRef idx="0">
-            <a:schemeClr val="accent1"/>
-          </a:fillRef>
-          <a:effectRef idx="0">
-            <a:schemeClr val="accent1"/>
-          </a:effectRef>
-          <a:fontRef idx="minor">
-            <a:schemeClr val="tx1"/>
-          </a:fontRef>
-        </p:style>
-      </p:cxnSp>
-      <p:cxnSp>
-        <p:nvCxnSpPr>
-          <p:cNvPr id="16" name="直線矢印コネクタ 15">
-            <a:extLst>
-              <a:ext uri="{FF2B5EF4-FFF2-40B4-BE49-F238E27FC236}">
-                <a16:creationId xmlns:a16="http://schemas.microsoft.com/office/drawing/2014/main" id="{E898AB46-3B79-3F61-02F0-160DE022649E}"/>
-              </a:ext>
-            </a:extLst>
-          </p:cNvPr>
-          <p:cNvCxnSpPr>
-            <a:cxnSpLocks/>
-            <a:stCxn id="7" idx="0"/>
-            <a:endCxn id="6" idx="0"/>
-          </p:cNvCxnSpPr>
-          <p:nvPr/>
-        </p:nvCxnSpPr>
-        <p:spPr>
-          <a:xfrm rot="5400000" flipH="1" flipV="1">
-            <a:off x="1970909" y="-350698"/>
-            <a:ext cx="12700" cy="2119312"/>
-          </a:xfrm>
-          <a:prstGeom prst="bentConnector3">
-            <a:avLst>
-              <a:gd name="adj1" fmla="val 1800000"/>
-            </a:avLst>
-          </a:prstGeom>
-          <a:ln>
-            <a:solidFill>
-              <a:schemeClr val="accent2"/>
-            </a:solidFill>
-            <a:prstDash val="dash"/>
-            <a:tailEnd type="triangle"/>
-          </a:ln>
-        </p:spPr>
-        <p:style>
-          <a:lnRef idx="1">
-            <a:schemeClr val="accent1"/>
-          </a:lnRef>
-          <a:fillRef idx="0">
-            <a:schemeClr val="accent1"/>
-          </a:fillRef>
-          <a:effectRef idx="0">
-            <a:schemeClr val="accent1"/>
-          </a:effectRef>
-          <a:fontRef idx="minor">
-            <a:schemeClr val="tx1"/>
-          </a:fontRef>
-        </p:style>
-      </p:cxnSp>
-      <p:cxnSp>
-        <p:nvCxnSpPr>
-          <p:cNvPr id="19" name="直線矢印コネクタ 15">
-            <a:extLst>
-              <a:ext uri="{FF2B5EF4-FFF2-40B4-BE49-F238E27FC236}">
-                <a16:creationId xmlns:a16="http://schemas.microsoft.com/office/drawing/2014/main" id="{9F9EC708-0251-4F67-93EA-E044BE4AE142}"/>
-              </a:ext>
-            </a:extLst>
-          </p:cNvPr>
-          <p:cNvCxnSpPr>
-            <a:cxnSpLocks/>
-            <a:stCxn id="8" idx="2"/>
-            <a:endCxn id="6" idx="2"/>
-          </p:cNvCxnSpPr>
-          <p:nvPr/>
-        </p:nvCxnSpPr>
-        <p:spPr>
-          <a:xfrm rot="5400000">
-            <a:off x="4092603" y="-11161"/>
-            <a:ext cx="1" cy="2124075"/>
-          </a:xfrm>
-          <a:prstGeom prst="bentConnector3">
-            <a:avLst>
-              <a:gd name="adj1" fmla="val 22860100000"/>
-            </a:avLst>
-          </a:prstGeom>
-          <a:ln>
-            <a:solidFill>
-              <a:schemeClr val="tx2"/>
-            </a:solidFill>
-            <a:prstDash val="dash"/>
-            <a:tailEnd type="triangle"/>
-          </a:ln>
-        </p:spPr>
-        <p:style>
-          <a:lnRef idx="1">
-            <a:schemeClr val="accent1"/>
-          </a:lnRef>
-          <a:fillRef idx="0">
-            <a:schemeClr val="accent1"/>
-          </a:fillRef>
-          <a:effectRef idx="0">
-            <a:schemeClr val="accent1"/>
-          </a:effectRef>
-          <a:fontRef idx="minor">
-            <a:schemeClr val="tx1"/>
-          </a:fontRef>
-        </p:style>
-      </p:cxnSp>
-      <p:sp>
-        <p:nvSpPr>
-          <p:cNvPr id="23" name="正方形/長方形 22">
-            <a:extLst>
-              <a:ext uri="{FF2B5EF4-FFF2-40B4-BE49-F238E27FC236}">
-                <a16:creationId xmlns:a16="http://schemas.microsoft.com/office/drawing/2014/main" id="{D4AF3D50-1345-BD2A-0DC8-BA178E5115E6}"/>
+              <a:t>TODO</a:t>
+            </a:r>
+          </a:p>
+          <a:p>
+            <a:pPr algn="ctr"/>
+            <a:r>
+              <a:rPr lang="ja-JP" altLang="en-US" sz="1200">
+                <a:latin typeface="Meiryo UI" panose="020B0604030504040204" pitchFamily="50" charset="-128"/>
+                <a:ea typeface="Meiryo UI" panose="020B0604030504040204" pitchFamily="50" charset="-128"/>
+              </a:rPr>
+              <a:t>サンプルアプリができたらスクリーンショットを貼る</a:t>
+            </a:r>
+            <a:endParaRPr kumimoji="1" lang="ja-JP" altLang="en-US" sz="1200">
+              <a:latin typeface="Meiryo UI" panose="020B0604030504040204" pitchFamily="50" charset="-128"/>
+              <a:ea typeface="Meiryo UI" panose="020B0604030504040204" pitchFamily="50" charset="-128"/>
+            </a:endParaRPr>
+          </a:p>
+        </p:txBody>
+      </p:sp>
+      <p:sp>
+        <p:nvSpPr>
+          <p:cNvPr id="103" name="正方形/長方形 102">
+            <a:extLst>
+              <a:ext uri="{FF2B5EF4-FFF2-40B4-BE49-F238E27FC236}">
+                <a16:creationId xmlns:a16="http://schemas.microsoft.com/office/drawing/2014/main" id="{9E7C8354-C1B0-405A-BF4D-5CA7D05B8A99}"/>
               </a:ext>
             </a:extLst>
           </p:cNvPr>
@@ -5649,13 +5823,17 @@
         </p:nvSpPr>
         <p:spPr>
           <a:xfrm>
-            <a:off x="3543300" y="1069926"/>
-            <a:ext cx="1025471" cy="208895"/>
+            <a:off x="7871602" y="874007"/>
+            <a:ext cx="1819450" cy="963385"/>
           </a:xfrm>
           <a:prstGeom prst="rect">
             <a:avLst/>
           </a:prstGeom>
-          <a:noFill/>
+          <a:solidFill>
+            <a:schemeClr val="bg1">
+              <a:lumMod val="75000"/>
+            </a:schemeClr>
+          </a:solidFill>
           <a:ln>
             <a:noFill/>
           </a:ln>
@@ -5682,24 +5860,101 @@
           <a:p>
             <a:pPr algn="ctr"/>
             <a:r>
-              <a:rPr kumimoji="1" lang="en-US" altLang="ja-JP" sz="1000">
+              <a:rPr kumimoji="1" lang="en-US" altLang="ja-JP" sz="1200">
+                <a:latin typeface="Meiryo UI" panose="020B0604030504040204" pitchFamily="50" charset="-128"/>
+                <a:ea typeface="Meiryo UI" panose="020B0604030504040204" pitchFamily="50" charset="-128"/>
+              </a:rPr>
+              <a:t>TODO</a:t>
+            </a:r>
+          </a:p>
+          <a:p>
+            <a:pPr algn="ctr"/>
+            <a:r>
+              <a:rPr lang="ja-JP" altLang="en-US" sz="1200">
+                <a:latin typeface="Meiryo UI" panose="020B0604030504040204" pitchFamily="50" charset="-128"/>
+                <a:ea typeface="Meiryo UI" panose="020B0604030504040204" pitchFamily="50" charset="-128"/>
+              </a:rPr>
+              <a:t>サンプルアプリができたらスクリーンショットを貼る</a:t>
+            </a:r>
+            <a:endParaRPr kumimoji="1" lang="ja-JP" altLang="en-US" sz="1200">
+              <a:latin typeface="Meiryo UI" panose="020B0604030504040204" pitchFamily="50" charset="-128"/>
+              <a:ea typeface="Meiryo UI" panose="020B0604030504040204" pitchFamily="50" charset="-128"/>
+            </a:endParaRPr>
+          </a:p>
+        </p:txBody>
+      </p:sp>
+      <p:sp>
+        <p:nvSpPr>
+          <p:cNvPr id="104" name="正方形/長方形 103">
+            <a:extLst>
+              <a:ext uri="{FF2B5EF4-FFF2-40B4-BE49-F238E27FC236}">
+                <a16:creationId xmlns:a16="http://schemas.microsoft.com/office/drawing/2014/main" id="{320155D2-7EB5-4DD3-BE1B-507A0BDE2851}"/>
+              </a:ext>
+            </a:extLst>
+          </p:cNvPr>
+          <p:cNvSpPr/>
+          <p:nvPr/>
+        </p:nvSpPr>
+        <p:spPr>
+          <a:xfrm>
+            <a:off x="482922" y="530319"/>
+            <a:ext cx="1829281" cy="341919"/>
+          </a:xfrm>
+          <a:prstGeom prst="rect">
+            <a:avLst/>
+          </a:prstGeom>
+          <a:noFill/>
+          <a:ln>
+            <a:noFill/>
+          </a:ln>
+        </p:spPr>
+        <p:style>
+          <a:lnRef idx="2">
+            <a:schemeClr val="accent1">
+              <a:shade val="50000"/>
+            </a:schemeClr>
+          </a:lnRef>
+          <a:fillRef idx="1">
+            <a:schemeClr val="accent1"/>
+          </a:fillRef>
+          <a:effectRef idx="0">
+            <a:schemeClr val="accent1"/>
+          </a:effectRef>
+          <a:fontRef idx="minor">
+            <a:schemeClr val="lt1"/>
+          </a:fontRef>
+        </p:style>
+        <p:txBody>
+          <a:bodyPr rtlCol="0" anchor="ctr"/>
+          <a:lstStyle/>
+          <a:p>
+            <a:pPr algn="ctr"/>
+            <a:r>
+              <a:rPr kumimoji="1" lang="en-US" altLang="ja-JP" sz="1200">
                 <a:solidFill>
                   <a:schemeClr val="tx2"/>
                 </a:solidFill>
                 <a:latin typeface="Meiryo UI" panose="020B0604030504040204" pitchFamily="50" charset="-128"/>
                 <a:ea typeface="Meiryo UI" panose="020B0604030504040204" pitchFamily="50" charset="-128"/>
               </a:rPr>
-              <a:t>subscribe</a:t>
-            </a:r>
-          </a:p>
-        </p:txBody>
-      </p:sp>
-      <p:sp>
-        <p:nvSpPr>
-          <p:cNvPr id="26" name="正方形/長方形 25">
-            <a:extLst>
-              <a:ext uri="{FF2B5EF4-FFF2-40B4-BE49-F238E27FC236}">
-                <a16:creationId xmlns:a16="http://schemas.microsoft.com/office/drawing/2014/main" id="{DC866228-CFC2-1C62-D5B3-0C53279BE358}"/>
+              <a:t>Title page</a:t>
+            </a:r>
+            <a:endParaRPr kumimoji="1" lang="ja-JP" altLang="en-US" sz="1200">
+              <a:solidFill>
+                <a:schemeClr val="tx2"/>
+              </a:solidFill>
+              <a:latin typeface="Meiryo UI" panose="020B0604030504040204" pitchFamily="50" charset="-128"/>
+              <a:ea typeface="Meiryo UI" panose="020B0604030504040204" pitchFamily="50" charset="-128"/>
+            </a:endParaRPr>
+          </a:p>
+        </p:txBody>
+      </p:sp>
+      <p:sp>
+        <p:nvSpPr>
+          <p:cNvPr id="105" name="正方形/長方形 104">
+            <a:extLst>
+              <a:ext uri="{FF2B5EF4-FFF2-40B4-BE49-F238E27FC236}">
+                <a16:creationId xmlns:a16="http://schemas.microsoft.com/office/drawing/2014/main" id="{881EDAF1-F0F1-4444-B4CD-BCA4708C7173}"/>
               </a:ext>
             </a:extLst>
           </p:cNvPr>
@@ -5708,8 +5963,8 @@
         </p:nvSpPr>
         <p:spPr>
           <a:xfrm>
-            <a:off x="3543299" y="671020"/>
-            <a:ext cx="1025471" cy="208895"/>
+            <a:off x="2945817" y="523189"/>
+            <a:ext cx="1829282" cy="341919"/>
           </a:xfrm>
           <a:prstGeom prst="rect">
             <a:avLst/>
@@ -5741,83 +5996,31 @@
           <a:p>
             <a:pPr algn="ctr"/>
             <a:r>
-              <a:rPr kumimoji="1" lang="en-US" altLang="ja-JP" sz="1000">
-                <a:solidFill>
-                  <a:schemeClr val="accent2"/>
-                </a:solidFill>
-                <a:latin typeface="Meiryo UI" panose="020B0604030504040204" pitchFamily="50" charset="-128"/>
-                <a:ea typeface="Meiryo UI" panose="020B0604030504040204" pitchFamily="50" charset="-128"/>
-              </a:rPr>
-              <a:t>invoke</a:t>
-            </a:r>
-          </a:p>
-        </p:txBody>
-      </p:sp>
-      <p:sp>
-        <p:nvSpPr>
-          <p:cNvPr id="27" name="正方形/長方形 26">
-            <a:extLst>
-              <a:ext uri="{FF2B5EF4-FFF2-40B4-BE49-F238E27FC236}">
-                <a16:creationId xmlns:a16="http://schemas.microsoft.com/office/drawing/2014/main" id="{B2E077B3-9F65-DF64-8D89-560A50FF376F}"/>
-              </a:ext>
-            </a:extLst>
-          </p:cNvPr>
-          <p:cNvSpPr/>
-          <p:nvPr/>
-        </p:nvSpPr>
-        <p:spPr>
-          <a:xfrm>
-            <a:off x="1492358" y="671020"/>
-            <a:ext cx="1025471" cy="208895"/>
-          </a:xfrm>
-          <a:prstGeom prst="rect">
-            <a:avLst/>
-          </a:prstGeom>
-          <a:noFill/>
-          <a:ln>
-            <a:noFill/>
-          </a:ln>
-        </p:spPr>
-        <p:style>
-          <a:lnRef idx="2">
-            <a:schemeClr val="accent1">
-              <a:shade val="50000"/>
-            </a:schemeClr>
-          </a:lnRef>
-          <a:fillRef idx="1">
-            <a:schemeClr val="accent1"/>
-          </a:fillRef>
-          <a:effectRef idx="0">
-            <a:schemeClr val="accent1"/>
-          </a:effectRef>
-          <a:fontRef idx="minor">
-            <a:schemeClr val="lt1"/>
-          </a:fontRef>
-        </p:style>
-        <p:txBody>
-          <a:bodyPr rtlCol="0" anchor="ctr"/>
-          <a:lstStyle/>
-          <a:p>
-            <a:pPr algn="ctr"/>
-            <a:r>
-              <a:rPr kumimoji="1" lang="en-US" altLang="ja-JP" sz="1000">
+              <a:rPr kumimoji="1" lang="en-US" altLang="ja-JP" sz="1200">
                 <a:solidFill>
                   <a:schemeClr val="tx2"/>
                 </a:solidFill>
                 <a:latin typeface="Meiryo UI" panose="020B0604030504040204" pitchFamily="50" charset="-128"/>
                 <a:ea typeface="Meiryo UI" panose="020B0604030504040204" pitchFamily="50" charset="-128"/>
               </a:rPr>
-              <a:t>invoke</a:t>
-            </a:r>
-          </a:p>
-        </p:txBody>
-      </p:sp>
-      <p:sp>
-        <p:nvSpPr>
-          <p:cNvPr id="28" name="正方形/長方形 27">
-            <a:extLst>
-              <a:ext uri="{FF2B5EF4-FFF2-40B4-BE49-F238E27FC236}">
-                <a16:creationId xmlns:a16="http://schemas.microsoft.com/office/drawing/2014/main" id="{D8FBADBF-DCF0-EB7C-DC00-37B2B1784ADB}"/>
+              <a:t>Avatar selection page</a:t>
+            </a:r>
+            <a:endParaRPr kumimoji="1" lang="ja-JP" altLang="en-US" sz="1200">
+              <a:solidFill>
+                <a:schemeClr val="tx2"/>
+              </a:solidFill>
+              <a:latin typeface="Meiryo UI" panose="020B0604030504040204" pitchFamily="50" charset="-128"/>
+              <a:ea typeface="Meiryo UI" panose="020B0604030504040204" pitchFamily="50" charset="-128"/>
+            </a:endParaRPr>
+          </a:p>
+        </p:txBody>
+      </p:sp>
+      <p:sp>
+        <p:nvSpPr>
+          <p:cNvPr id="106" name="正方形/長方形 105">
+            <a:extLst>
+              <a:ext uri="{FF2B5EF4-FFF2-40B4-BE49-F238E27FC236}">
+                <a16:creationId xmlns:a16="http://schemas.microsoft.com/office/drawing/2014/main" id="{BA6CF2C6-DFD2-4D57-9F3E-CBC83EC85BCC}"/>
               </a:ext>
             </a:extLst>
           </p:cNvPr>
@@ -5826,8 +6029,8 @@
         </p:nvSpPr>
         <p:spPr>
           <a:xfrm>
-            <a:off x="1492358" y="277356"/>
-            <a:ext cx="1025471" cy="208895"/>
+            <a:off x="5408710" y="521624"/>
+            <a:ext cx="1829282" cy="341919"/>
           </a:xfrm>
           <a:prstGeom prst="rect">
             <a:avLst/>
@@ -5859,9 +6062,2890 @@
           <a:p>
             <a:pPr algn="ctr"/>
             <a:r>
+              <a:rPr kumimoji="1" lang="en-US" altLang="ja-JP" sz="1200">
+                <a:solidFill>
+                  <a:schemeClr val="tx2"/>
+                </a:solidFill>
+                <a:latin typeface="Meiryo UI" panose="020B0604030504040204" pitchFamily="50" charset="-128"/>
+                <a:ea typeface="Meiryo UI" panose="020B0604030504040204" pitchFamily="50" charset="-128"/>
+              </a:rPr>
+              <a:t>Event selection page</a:t>
+            </a:r>
+            <a:endParaRPr kumimoji="1" lang="ja-JP" altLang="en-US" sz="1200">
+              <a:solidFill>
+                <a:schemeClr val="tx2"/>
+              </a:solidFill>
+              <a:latin typeface="Meiryo UI" panose="020B0604030504040204" pitchFamily="50" charset="-128"/>
+              <a:ea typeface="Meiryo UI" panose="020B0604030504040204" pitchFamily="50" charset="-128"/>
+            </a:endParaRPr>
+          </a:p>
+        </p:txBody>
+      </p:sp>
+      <p:sp>
+        <p:nvSpPr>
+          <p:cNvPr id="107" name="正方形/長方形 106">
+            <a:extLst>
+              <a:ext uri="{FF2B5EF4-FFF2-40B4-BE49-F238E27FC236}">
+                <a16:creationId xmlns:a16="http://schemas.microsoft.com/office/drawing/2014/main" id="{522AF406-5A91-4A7C-9E58-E7C835D25699}"/>
+              </a:ext>
+            </a:extLst>
+          </p:cNvPr>
+          <p:cNvSpPr/>
+          <p:nvPr/>
+        </p:nvSpPr>
+        <p:spPr>
+          <a:xfrm>
+            <a:off x="7871603" y="521624"/>
+            <a:ext cx="1819450" cy="341919"/>
+          </a:xfrm>
+          <a:prstGeom prst="rect">
+            <a:avLst/>
+          </a:prstGeom>
+          <a:noFill/>
+          <a:ln>
+            <a:noFill/>
+          </a:ln>
+        </p:spPr>
+        <p:style>
+          <a:lnRef idx="2">
+            <a:schemeClr val="accent1">
+              <a:shade val="50000"/>
+            </a:schemeClr>
+          </a:lnRef>
+          <a:fillRef idx="1">
+            <a:schemeClr val="accent1"/>
+          </a:fillRef>
+          <a:effectRef idx="0">
+            <a:schemeClr val="accent1"/>
+          </a:effectRef>
+          <a:fontRef idx="minor">
+            <a:schemeClr val="lt1"/>
+          </a:fontRef>
+        </p:style>
+        <p:txBody>
+          <a:bodyPr rtlCol="0" anchor="ctr"/>
+          <a:lstStyle/>
+          <a:p>
+            <a:pPr algn="ctr"/>
+            <a:r>
+              <a:rPr kumimoji="1" lang="en-US" altLang="ja-JP" sz="1200">
+                <a:solidFill>
+                  <a:schemeClr val="tx2"/>
+                </a:solidFill>
+                <a:latin typeface="Meiryo UI" panose="020B0604030504040204" pitchFamily="50" charset="-128"/>
+                <a:ea typeface="Meiryo UI" panose="020B0604030504040204" pitchFamily="50" charset="-128"/>
+              </a:rPr>
+              <a:t>Event room</a:t>
+            </a:r>
+            <a:endParaRPr kumimoji="1" lang="ja-JP" altLang="en-US" sz="1200">
+              <a:solidFill>
+                <a:schemeClr val="tx2"/>
+              </a:solidFill>
+              <a:latin typeface="Meiryo UI" panose="020B0604030504040204" pitchFamily="50" charset="-128"/>
+              <a:ea typeface="Meiryo UI" panose="020B0604030504040204" pitchFamily="50" charset="-128"/>
+            </a:endParaRPr>
+          </a:p>
+        </p:txBody>
+      </p:sp>
+      <p:cxnSp>
+        <p:nvCxnSpPr>
+          <p:cNvPr id="112" name="直線矢印コネクタ 24">
+            <a:extLst>
+              <a:ext uri="{FF2B5EF4-FFF2-40B4-BE49-F238E27FC236}">
+                <a16:creationId xmlns:a16="http://schemas.microsoft.com/office/drawing/2014/main" id="{649B2AA2-3B30-4035-B4D9-EBE8F37BC78F}"/>
+              </a:ext>
+            </a:extLst>
+          </p:cNvPr>
+          <p:cNvCxnSpPr>
+            <a:cxnSpLocks/>
+            <a:stCxn id="101" idx="1"/>
+            <a:endCxn id="100" idx="3"/>
+          </p:cNvCxnSpPr>
+          <p:nvPr/>
+        </p:nvCxnSpPr>
+        <p:spPr>
+          <a:xfrm flipH="1">
+            <a:off x="2312205" y="1355701"/>
+            <a:ext cx="633611" cy="0"/>
+          </a:xfrm>
+          <a:prstGeom prst="straightConnector1">
+            <a:avLst/>
+          </a:prstGeom>
+          <a:ln w="12700">
+            <a:solidFill>
+              <a:schemeClr val="accent5"/>
+            </a:solidFill>
+            <a:headEnd type="triangle"/>
+            <a:tailEnd type="triangle"/>
+          </a:ln>
+        </p:spPr>
+        <p:style>
+          <a:lnRef idx="1">
+            <a:schemeClr val="accent1"/>
+          </a:lnRef>
+          <a:fillRef idx="0">
+            <a:schemeClr val="accent1"/>
+          </a:fillRef>
+          <a:effectRef idx="0">
+            <a:schemeClr val="accent1"/>
+          </a:effectRef>
+          <a:fontRef idx="minor">
+            <a:schemeClr val="tx1"/>
+          </a:fontRef>
+        </p:style>
+      </p:cxnSp>
+      <p:cxnSp>
+        <p:nvCxnSpPr>
+          <p:cNvPr id="116" name="直線矢印コネクタ 24">
+            <a:extLst>
+              <a:ext uri="{FF2B5EF4-FFF2-40B4-BE49-F238E27FC236}">
+                <a16:creationId xmlns:a16="http://schemas.microsoft.com/office/drawing/2014/main" id="{CE78C548-EBD3-4C08-A00E-01B03C2ABBCF}"/>
+              </a:ext>
+            </a:extLst>
+          </p:cNvPr>
+          <p:cNvCxnSpPr>
+            <a:cxnSpLocks/>
+            <a:stCxn id="102" idx="1"/>
+            <a:endCxn id="101" idx="3"/>
+          </p:cNvCxnSpPr>
+          <p:nvPr/>
+        </p:nvCxnSpPr>
+        <p:spPr>
+          <a:xfrm flipH="1">
+            <a:off x="4775098" y="1355700"/>
+            <a:ext cx="633611" cy="1"/>
+          </a:xfrm>
+          <a:prstGeom prst="straightConnector1">
+            <a:avLst/>
+          </a:prstGeom>
+          <a:ln w="12700">
+            <a:solidFill>
+              <a:schemeClr val="accent5"/>
+            </a:solidFill>
+            <a:headEnd type="triangle"/>
+            <a:tailEnd type="triangle"/>
+          </a:ln>
+        </p:spPr>
+        <p:style>
+          <a:lnRef idx="1">
+            <a:schemeClr val="accent1"/>
+          </a:lnRef>
+          <a:fillRef idx="0">
+            <a:schemeClr val="accent1"/>
+          </a:fillRef>
+          <a:effectRef idx="0">
+            <a:schemeClr val="accent1"/>
+          </a:effectRef>
+          <a:fontRef idx="minor">
+            <a:schemeClr val="tx1"/>
+          </a:fontRef>
+        </p:style>
+      </p:cxnSp>
+      <p:cxnSp>
+        <p:nvCxnSpPr>
+          <p:cNvPr id="119" name="直線矢印コネクタ 24">
+            <a:extLst>
+              <a:ext uri="{FF2B5EF4-FFF2-40B4-BE49-F238E27FC236}">
+                <a16:creationId xmlns:a16="http://schemas.microsoft.com/office/drawing/2014/main" id="{923171F1-BEC2-46FE-A03F-5A2888C7E474}"/>
+              </a:ext>
+            </a:extLst>
+          </p:cNvPr>
+          <p:cNvCxnSpPr>
+            <a:cxnSpLocks/>
+            <a:stCxn id="103" idx="1"/>
+            <a:endCxn id="102" idx="3"/>
+          </p:cNvCxnSpPr>
+          <p:nvPr/>
+        </p:nvCxnSpPr>
+        <p:spPr>
+          <a:xfrm flipH="1">
+            <a:off x="7237991" y="1355700"/>
+            <a:ext cx="633611" cy="0"/>
+          </a:xfrm>
+          <a:prstGeom prst="straightConnector1">
+            <a:avLst/>
+          </a:prstGeom>
+          <a:ln w="12700">
+            <a:solidFill>
+              <a:schemeClr val="accent5"/>
+            </a:solidFill>
+            <a:headEnd type="triangle"/>
+            <a:tailEnd type="triangle"/>
+          </a:ln>
+        </p:spPr>
+        <p:style>
+          <a:lnRef idx="1">
+            <a:schemeClr val="accent1"/>
+          </a:lnRef>
+          <a:fillRef idx="0">
+            <a:schemeClr val="accent1"/>
+          </a:fillRef>
+          <a:effectRef idx="0">
+            <a:schemeClr val="accent1"/>
+          </a:effectRef>
+          <a:fontRef idx="minor">
+            <a:schemeClr val="tx1"/>
+          </a:fontRef>
+        </p:style>
+      </p:cxnSp>
+      <p:sp>
+        <p:nvSpPr>
+          <p:cNvPr id="39" name="正方形/長方形 38">
+            <a:extLst>
+              <a:ext uri="{FF2B5EF4-FFF2-40B4-BE49-F238E27FC236}">
+                <a16:creationId xmlns:a16="http://schemas.microsoft.com/office/drawing/2014/main" id="{C0A7A9D2-3BF1-449E-AA3B-8EDC6DFAFF6A}"/>
+              </a:ext>
+            </a:extLst>
+          </p:cNvPr>
+          <p:cNvSpPr/>
+          <p:nvPr/>
+        </p:nvSpPr>
+        <p:spPr>
+          <a:xfrm>
+            <a:off x="345691" y="2001472"/>
+            <a:ext cx="9439935" cy="3685225"/>
+          </a:xfrm>
+          <a:prstGeom prst="rect">
+            <a:avLst/>
+          </a:prstGeom>
+          <a:noFill/>
+          <a:ln>
+            <a:solidFill>
+              <a:schemeClr val="accent4"/>
+            </a:solidFill>
+            <a:prstDash val="dash"/>
+          </a:ln>
+        </p:spPr>
+        <p:style>
+          <a:lnRef idx="2">
+            <a:schemeClr val="accent1">
+              <a:shade val="50000"/>
+            </a:schemeClr>
+          </a:lnRef>
+          <a:fillRef idx="1">
+            <a:schemeClr val="accent1"/>
+          </a:fillRef>
+          <a:effectRef idx="0">
+            <a:schemeClr val="accent1"/>
+          </a:effectRef>
+          <a:fontRef idx="minor">
+            <a:schemeClr val="lt1"/>
+          </a:fontRef>
+        </p:style>
+        <p:txBody>
+          <a:bodyPr rtlCol="0" anchor="t"/>
+          <a:lstStyle/>
+          <a:p>
+            <a:pPr algn="ctr"/>
+            <a:endParaRPr lang="en-US" altLang="ja-JP" sz="1200">
+              <a:latin typeface="Meiryo UI" panose="020B0604030504040204" pitchFamily="50" charset="-128"/>
+              <a:ea typeface="Meiryo UI" panose="020B0604030504040204" pitchFamily="50" charset="-128"/>
+            </a:endParaRPr>
+          </a:p>
+        </p:txBody>
+      </p:sp>
+      <p:cxnSp>
+        <p:nvCxnSpPr>
+          <p:cNvPr id="51" name="直線矢印コネクタ 24">
+            <a:extLst>
+              <a:ext uri="{FF2B5EF4-FFF2-40B4-BE49-F238E27FC236}">
+                <a16:creationId xmlns:a16="http://schemas.microsoft.com/office/drawing/2014/main" id="{A14A133A-C87C-43EF-B1B4-C0A56342BAF2}"/>
+              </a:ext>
+            </a:extLst>
+          </p:cNvPr>
+          <p:cNvCxnSpPr>
+            <a:cxnSpLocks/>
+          </p:cNvCxnSpPr>
+          <p:nvPr/>
+        </p:nvCxnSpPr>
+        <p:spPr>
+          <a:xfrm flipH="1" flipV="1">
+            <a:off x="2305934" y="3180143"/>
+            <a:ext cx="635448" cy="471974"/>
+          </a:xfrm>
+          <a:prstGeom prst="straightConnector1">
+            <a:avLst/>
+          </a:prstGeom>
+          <a:ln w="12700">
+            <a:solidFill>
+              <a:schemeClr val="accent5"/>
+            </a:solidFill>
+            <a:headEnd type="triangle"/>
+            <a:tailEnd type="triangle"/>
+          </a:ln>
+        </p:spPr>
+        <p:style>
+          <a:lnRef idx="1">
+            <a:schemeClr val="accent1"/>
+          </a:lnRef>
+          <a:fillRef idx="0">
+            <a:schemeClr val="accent1"/>
+          </a:fillRef>
+          <a:effectRef idx="0">
+            <a:schemeClr val="accent1"/>
+          </a:effectRef>
+          <a:fontRef idx="minor">
+            <a:schemeClr val="tx1"/>
+          </a:fontRef>
+        </p:style>
+      </p:cxnSp>
+      <p:cxnSp>
+        <p:nvCxnSpPr>
+          <p:cNvPr id="54" name="直線矢印コネクタ 24">
+            <a:extLst>
+              <a:ext uri="{FF2B5EF4-FFF2-40B4-BE49-F238E27FC236}">
+                <a16:creationId xmlns:a16="http://schemas.microsoft.com/office/drawing/2014/main" id="{752A3F71-02B5-4878-9A2A-06BD70A1A94B}"/>
+              </a:ext>
+            </a:extLst>
+          </p:cNvPr>
+          <p:cNvCxnSpPr>
+            <a:cxnSpLocks/>
+          </p:cNvCxnSpPr>
+          <p:nvPr/>
+        </p:nvCxnSpPr>
+        <p:spPr>
+          <a:xfrm flipH="1" flipV="1">
+            <a:off x="4966735" y="3652117"/>
+            <a:ext cx="437539" cy="200826"/>
+          </a:xfrm>
+          <a:prstGeom prst="straightConnector1">
+            <a:avLst/>
+          </a:prstGeom>
+          <a:ln w="12700">
+            <a:solidFill>
+              <a:schemeClr val="accent5"/>
+            </a:solidFill>
+            <a:headEnd type="triangle"/>
+            <a:tailEnd type="triangle"/>
+          </a:ln>
+        </p:spPr>
+        <p:style>
+          <a:lnRef idx="1">
+            <a:schemeClr val="accent1"/>
+          </a:lnRef>
+          <a:fillRef idx="0">
+            <a:schemeClr val="accent1"/>
+          </a:fillRef>
+          <a:effectRef idx="0">
+            <a:schemeClr val="accent1"/>
+          </a:effectRef>
+          <a:fontRef idx="minor">
+            <a:schemeClr val="tx1"/>
+          </a:fontRef>
+        </p:style>
+      </p:cxnSp>
+      <p:cxnSp>
+        <p:nvCxnSpPr>
+          <p:cNvPr id="57" name="直線矢印コネクタ 24">
+            <a:extLst>
+              <a:ext uri="{FF2B5EF4-FFF2-40B4-BE49-F238E27FC236}">
+                <a16:creationId xmlns:a16="http://schemas.microsoft.com/office/drawing/2014/main" id="{A86B8FE2-D235-4A63-AF5A-8E0FA4E61FB5}"/>
+              </a:ext>
+            </a:extLst>
+          </p:cNvPr>
+          <p:cNvCxnSpPr>
+            <a:cxnSpLocks/>
+          </p:cNvCxnSpPr>
+          <p:nvPr/>
+        </p:nvCxnSpPr>
+        <p:spPr>
+          <a:xfrm>
+            <a:off x="7429628" y="3852943"/>
+            <a:ext cx="437539" cy="409957"/>
+          </a:xfrm>
+          <a:prstGeom prst="straightConnector1">
+            <a:avLst/>
+          </a:prstGeom>
+          <a:ln w="12700">
+            <a:solidFill>
+              <a:schemeClr val="accent5"/>
+            </a:solidFill>
+            <a:headEnd type="triangle"/>
+            <a:tailEnd type="triangle"/>
+          </a:ln>
+        </p:spPr>
+        <p:style>
+          <a:lnRef idx="1">
+            <a:schemeClr val="accent1"/>
+          </a:lnRef>
+          <a:fillRef idx="0">
+            <a:schemeClr val="accent1"/>
+          </a:fillRef>
+          <a:effectRef idx="0">
+            <a:schemeClr val="accent1"/>
+          </a:effectRef>
+          <a:fontRef idx="minor">
+            <a:schemeClr val="tx1"/>
+          </a:fontRef>
+        </p:style>
+      </p:cxnSp>
+      <p:sp>
+        <p:nvSpPr>
+          <p:cNvPr id="137" name="正方形/長方形 136">
+            <a:extLst>
+              <a:ext uri="{FF2B5EF4-FFF2-40B4-BE49-F238E27FC236}">
+                <a16:creationId xmlns:a16="http://schemas.microsoft.com/office/drawing/2014/main" id="{5D0229FF-4727-4606-97C7-6A8A678E9013}"/>
+              </a:ext>
+            </a:extLst>
+          </p:cNvPr>
+          <p:cNvSpPr/>
+          <p:nvPr/>
+        </p:nvSpPr>
+        <p:spPr>
+          <a:xfrm>
+            <a:off x="2943980" y="2148430"/>
+            <a:ext cx="1829282" cy="2423570"/>
+          </a:xfrm>
+          <a:prstGeom prst="rect">
+            <a:avLst/>
+          </a:prstGeom>
+          <a:solidFill>
+            <a:schemeClr val="accent5"/>
+          </a:solidFill>
+          <a:ln>
+            <a:noFill/>
+          </a:ln>
+        </p:spPr>
+        <p:style>
+          <a:lnRef idx="2">
+            <a:schemeClr val="accent1">
+              <a:shade val="50000"/>
+            </a:schemeClr>
+          </a:lnRef>
+          <a:fillRef idx="1">
+            <a:schemeClr val="accent1"/>
+          </a:fillRef>
+          <a:effectRef idx="0">
+            <a:schemeClr val="accent1"/>
+          </a:effectRef>
+          <a:fontRef idx="minor">
+            <a:schemeClr val="lt1"/>
+          </a:fontRef>
+        </p:style>
+        <p:txBody>
+          <a:bodyPr rtlCol="0" anchor="t"/>
+          <a:lstStyle/>
+          <a:p>
+            <a:pPr algn="ctr"/>
+            <a:endParaRPr kumimoji="1" lang="en-US" altLang="ja-JP" sz="1000">
+              <a:latin typeface="Meiryo UI" panose="020B0604030504040204" pitchFamily="50" charset="-128"/>
+              <a:ea typeface="Meiryo UI" panose="020B0604030504040204" pitchFamily="50" charset="-128"/>
+            </a:endParaRPr>
+          </a:p>
+          <a:p>
+            <a:pPr algn="ctr"/>
+            <a:r>
+              <a:rPr kumimoji="1" lang="en-US" altLang="ja-JP" sz="1000">
+                <a:latin typeface="Meiryo UI" panose="020B0604030504040204" pitchFamily="50" charset="-128"/>
+                <a:ea typeface="Meiryo UI" panose="020B0604030504040204" pitchFamily="50" charset="-128"/>
+              </a:rPr>
+              <a:t>Scene</a:t>
+            </a:r>
+            <a:endParaRPr kumimoji="1" lang="ja-JP" altLang="en-US" sz="1000">
+              <a:latin typeface="Meiryo UI" panose="020B0604030504040204" pitchFamily="50" charset="-128"/>
+              <a:ea typeface="Meiryo UI" panose="020B0604030504040204" pitchFamily="50" charset="-128"/>
+            </a:endParaRPr>
+          </a:p>
+        </p:txBody>
+      </p:sp>
+      <p:sp>
+        <p:nvSpPr>
+          <p:cNvPr id="138" name="正方形/長方形 137">
+            <a:extLst>
+              <a:ext uri="{FF2B5EF4-FFF2-40B4-BE49-F238E27FC236}">
+                <a16:creationId xmlns:a16="http://schemas.microsoft.com/office/drawing/2014/main" id="{579C4BBF-5D01-4816-BAF0-988CC3B5F922}"/>
+              </a:ext>
+            </a:extLst>
+          </p:cNvPr>
+          <p:cNvSpPr/>
+          <p:nvPr/>
+        </p:nvSpPr>
+        <p:spPr>
+          <a:xfrm>
+            <a:off x="3052710" y="2645246"/>
+            <a:ext cx="1626768" cy="259099"/>
+          </a:xfrm>
+          <a:prstGeom prst="rect">
+            <a:avLst/>
+          </a:prstGeom>
+          <a:solidFill>
+            <a:schemeClr val="tx2"/>
+          </a:solidFill>
+          <a:ln>
+            <a:noFill/>
+          </a:ln>
+        </p:spPr>
+        <p:style>
+          <a:lnRef idx="2">
+            <a:schemeClr val="accent1">
+              <a:shade val="50000"/>
+            </a:schemeClr>
+          </a:lnRef>
+          <a:fillRef idx="1">
+            <a:schemeClr val="accent1"/>
+          </a:fillRef>
+          <a:effectRef idx="0">
+            <a:schemeClr val="accent1"/>
+          </a:effectRef>
+          <a:fontRef idx="minor">
+            <a:schemeClr val="lt1"/>
+          </a:fontRef>
+        </p:style>
+        <p:txBody>
+          <a:bodyPr rtlCol="0" anchor="ctr"/>
+          <a:lstStyle/>
+          <a:p>
+            <a:pPr algn="ctr"/>
+            <a:r>
+              <a:rPr kumimoji="1" lang="en-US" altLang="ja-JP" sz="1000">
+                <a:latin typeface="Meiryo UI" panose="020B0604030504040204" pitchFamily="50" charset="-128"/>
+                <a:ea typeface="Meiryo UI" panose="020B0604030504040204" pitchFamily="50" charset="-128"/>
+              </a:rPr>
+              <a:t>Main</a:t>
+            </a:r>
+            <a:endParaRPr kumimoji="1" lang="ja-JP" altLang="en-US" sz="1000">
+              <a:latin typeface="Meiryo UI" panose="020B0604030504040204" pitchFamily="50" charset="-128"/>
+              <a:ea typeface="Meiryo UI" panose="020B0604030504040204" pitchFamily="50" charset="-128"/>
+            </a:endParaRPr>
+          </a:p>
+        </p:txBody>
+      </p:sp>
+      <p:sp>
+        <p:nvSpPr>
+          <p:cNvPr id="139" name="正方形/長方形 138">
+            <a:extLst>
+              <a:ext uri="{FF2B5EF4-FFF2-40B4-BE49-F238E27FC236}">
+                <a16:creationId xmlns:a16="http://schemas.microsoft.com/office/drawing/2014/main" id="{B35D3175-1D6F-40E3-8842-0436E042A6A5}"/>
+              </a:ext>
+            </a:extLst>
+          </p:cNvPr>
+          <p:cNvSpPr/>
+          <p:nvPr/>
+        </p:nvSpPr>
+        <p:spPr>
+          <a:xfrm>
+            <a:off x="3047891" y="2957243"/>
+            <a:ext cx="1626768" cy="259099"/>
+          </a:xfrm>
+          <a:prstGeom prst="rect">
+            <a:avLst/>
+          </a:prstGeom>
+          <a:solidFill>
+            <a:schemeClr val="tx2"/>
+          </a:solidFill>
+          <a:ln>
+            <a:noFill/>
+          </a:ln>
+        </p:spPr>
+        <p:style>
+          <a:lnRef idx="2">
+            <a:schemeClr val="accent1">
+              <a:shade val="50000"/>
+            </a:schemeClr>
+          </a:lnRef>
+          <a:fillRef idx="1">
+            <a:schemeClr val="accent1"/>
+          </a:fillRef>
+          <a:effectRef idx="0">
+            <a:schemeClr val="accent1"/>
+          </a:effectRef>
+          <a:fontRef idx="minor">
+            <a:schemeClr val="lt1"/>
+          </a:fontRef>
+        </p:style>
+        <p:txBody>
+          <a:bodyPr rtlCol="0" anchor="ctr"/>
+          <a:lstStyle/>
+          <a:p>
+            <a:pPr algn="ctr"/>
+            <a:r>
+              <a:rPr kumimoji="1" lang="en-US" altLang="ja-JP" sz="1000" err="1">
+                <a:latin typeface="Meiryo UI" panose="020B0604030504040204" pitchFamily="50" charset="-128"/>
+                <a:ea typeface="Meiryo UI" panose="020B0604030504040204" pitchFamily="50" charset="-128"/>
+              </a:rPr>
+              <a:t>CameraControl</a:t>
+            </a:r>
+            <a:endParaRPr kumimoji="1" lang="ja-JP" altLang="en-US" sz="1000">
+              <a:latin typeface="Meiryo UI" panose="020B0604030504040204" pitchFamily="50" charset="-128"/>
+              <a:ea typeface="Meiryo UI" panose="020B0604030504040204" pitchFamily="50" charset="-128"/>
+            </a:endParaRPr>
+          </a:p>
+        </p:txBody>
+      </p:sp>
+      <p:sp>
+        <p:nvSpPr>
+          <p:cNvPr id="140" name="正方形/長方形 139">
+            <a:extLst>
+              <a:ext uri="{FF2B5EF4-FFF2-40B4-BE49-F238E27FC236}">
+                <a16:creationId xmlns:a16="http://schemas.microsoft.com/office/drawing/2014/main" id="{58079B81-B42D-4FB3-B463-1B3C0146F3BF}"/>
+              </a:ext>
+            </a:extLst>
+          </p:cNvPr>
+          <p:cNvSpPr/>
+          <p:nvPr/>
+        </p:nvSpPr>
+        <p:spPr>
+          <a:xfrm>
+            <a:off x="3047891" y="3272185"/>
+            <a:ext cx="1626768" cy="259099"/>
+          </a:xfrm>
+          <a:prstGeom prst="rect">
+            <a:avLst/>
+          </a:prstGeom>
+          <a:solidFill>
+            <a:schemeClr val="tx2"/>
+          </a:solidFill>
+          <a:ln>
+            <a:noFill/>
+          </a:ln>
+        </p:spPr>
+        <p:style>
+          <a:lnRef idx="2">
+            <a:schemeClr val="accent1">
+              <a:shade val="50000"/>
+            </a:schemeClr>
+          </a:lnRef>
+          <a:fillRef idx="1">
+            <a:schemeClr val="accent1"/>
+          </a:fillRef>
+          <a:effectRef idx="0">
+            <a:schemeClr val="accent1"/>
+          </a:effectRef>
+          <a:fontRef idx="minor">
+            <a:schemeClr val="lt1"/>
+          </a:fontRef>
+        </p:style>
+        <p:txBody>
+          <a:bodyPr rtlCol="0" anchor="ctr"/>
+          <a:lstStyle/>
+          <a:p>
+            <a:pPr algn="ctr"/>
+            <a:r>
+              <a:rPr kumimoji="1" lang="en-US" altLang="ja-JP" sz="1000" err="1">
+                <a:latin typeface="Meiryo UI" panose="020B0604030504040204" pitchFamily="50" charset="-128"/>
+                <a:ea typeface="Meiryo UI" panose="020B0604030504040204" pitchFamily="50" charset="-128"/>
+              </a:rPr>
+              <a:t>InputControl</a:t>
+            </a:r>
+            <a:endParaRPr kumimoji="1" lang="ja-JP" altLang="en-US" sz="1000">
+              <a:latin typeface="Meiryo UI" panose="020B0604030504040204" pitchFamily="50" charset="-128"/>
+              <a:ea typeface="Meiryo UI" panose="020B0604030504040204" pitchFamily="50" charset="-128"/>
+            </a:endParaRPr>
+          </a:p>
+        </p:txBody>
+      </p:sp>
+      <p:sp>
+        <p:nvSpPr>
+          <p:cNvPr id="141" name="正方形/長方形 140">
+            <a:extLst>
+              <a:ext uri="{FF2B5EF4-FFF2-40B4-BE49-F238E27FC236}">
+                <a16:creationId xmlns:a16="http://schemas.microsoft.com/office/drawing/2014/main" id="{776C5B74-F8BE-4D31-9262-3E339C78FE33}"/>
+              </a:ext>
+            </a:extLst>
+          </p:cNvPr>
+          <p:cNvSpPr/>
+          <p:nvPr/>
+        </p:nvSpPr>
+        <p:spPr>
+          <a:xfrm>
+            <a:off x="3054230" y="3582976"/>
+            <a:ext cx="1626768" cy="259099"/>
+          </a:xfrm>
+          <a:prstGeom prst="rect">
+            <a:avLst/>
+          </a:prstGeom>
+          <a:solidFill>
+            <a:schemeClr val="tx2"/>
+          </a:solidFill>
+          <a:ln>
+            <a:noFill/>
+          </a:ln>
+        </p:spPr>
+        <p:style>
+          <a:lnRef idx="2">
+            <a:schemeClr val="accent1">
+              <a:shade val="50000"/>
+            </a:schemeClr>
+          </a:lnRef>
+          <a:fillRef idx="1">
+            <a:schemeClr val="accent1"/>
+          </a:fillRef>
+          <a:effectRef idx="0">
+            <a:schemeClr val="accent1"/>
+          </a:effectRef>
+          <a:fontRef idx="minor">
+            <a:schemeClr val="lt1"/>
+          </a:fontRef>
+        </p:style>
+        <p:txBody>
+          <a:bodyPr rtlCol="0" anchor="ctr"/>
+          <a:lstStyle/>
+          <a:p>
+            <a:pPr algn="ctr"/>
+            <a:r>
+              <a:rPr kumimoji="1" lang="en-US" altLang="ja-JP" sz="1000">
+                <a:latin typeface="Meiryo UI" panose="020B0604030504040204" pitchFamily="50" charset="-128"/>
+                <a:ea typeface="Meiryo UI" panose="020B0604030504040204" pitchFamily="50" charset="-128"/>
+              </a:rPr>
+              <a:t>NetworkControl</a:t>
+            </a:r>
+            <a:endParaRPr kumimoji="1" lang="ja-JP" altLang="en-US" sz="1000">
+              <a:latin typeface="Meiryo UI" panose="020B0604030504040204" pitchFamily="50" charset="-128"/>
+              <a:ea typeface="Meiryo UI" panose="020B0604030504040204" pitchFamily="50" charset="-128"/>
+            </a:endParaRPr>
+          </a:p>
+        </p:txBody>
+      </p:sp>
+      <p:sp>
+        <p:nvSpPr>
+          <p:cNvPr id="142" name="正方形/長方形 141">
+            <a:extLst>
+              <a:ext uri="{FF2B5EF4-FFF2-40B4-BE49-F238E27FC236}">
+                <a16:creationId xmlns:a16="http://schemas.microsoft.com/office/drawing/2014/main" id="{4C882D40-B175-4F55-9ECE-369336DFF436}"/>
+              </a:ext>
+            </a:extLst>
+          </p:cNvPr>
+          <p:cNvSpPr/>
+          <p:nvPr/>
+        </p:nvSpPr>
+        <p:spPr>
+          <a:xfrm>
+            <a:off x="3057544" y="3893767"/>
+            <a:ext cx="1626768" cy="259099"/>
+          </a:xfrm>
+          <a:prstGeom prst="rect">
+            <a:avLst/>
+          </a:prstGeom>
+          <a:solidFill>
+            <a:schemeClr val="tx2"/>
+          </a:solidFill>
+          <a:ln>
+            <a:noFill/>
+          </a:ln>
+        </p:spPr>
+        <p:style>
+          <a:lnRef idx="2">
+            <a:schemeClr val="accent1">
+              <a:shade val="50000"/>
+            </a:schemeClr>
+          </a:lnRef>
+          <a:fillRef idx="1">
+            <a:schemeClr val="accent1"/>
+          </a:fillRef>
+          <a:effectRef idx="0">
+            <a:schemeClr val="accent1"/>
+          </a:effectRef>
+          <a:fontRef idx="minor">
+            <a:schemeClr val="lt1"/>
+          </a:fontRef>
+        </p:style>
+        <p:txBody>
+          <a:bodyPr rtlCol="0" anchor="ctr"/>
+          <a:lstStyle/>
+          <a:p>
+            <a:pPr algn="ctr"/>
+            <a:r>
+              <a:rPr kumimoji="1" lang="en-US" altLang="ja-JP" sz="1000">
+                <a:latin typeface="Meiryo UI" panose="020B0604030504040204" pitchFamily="50" charset="-128"/>
+                <a:ea typeface="Meiryo UI" panose="020B0604030504040204" pitchFamily="50" charset="-128"/>
+              </a:rPr>
+              <a:t>PlayerControl</a:t>
+            </a:r>
+            <a:endParaRPr kumimoji="1" lang="ja-JP" altLang="en-US" sz="1000">
+              <a:latin typeface="Meiryo UI" panose="020B0604030504040204" pitchFamily="50" charset="-128"/>
+              <a:ea typeface="Meiryo UI" panose="020B0604030504040204" pitchFamily="50" charset="-128"/>
+            </a:endParaRPr>
+          </a:p>
+        </p:txBody>
+      </p:sp>
+      <p:sp>
+        <p:nvSpPr>
+          <p:cNvPr id="143" name="正方形/長方形 142">
+            <a:extLst>
+              <a:ext uri="{FF2B5EF4-FFF2-40B4-BE49-F238E27FC236}">
+                <a16:creationId xmlns:a16="http://schemas.microsoft.com/office/drawing/2014/main" id="{EADC5B07-C306-49FA-A9AE-F1A387D805C5}"/>
+              </a:ext>
+            </a:extLst>
+          </p:cNvPr>
+          <p:cNvSpPr/>
+          <p:nvPr/>
+        </p:nvSpPr>
+        <p:spPr>
+          <a:xfrm>
+            <a:off x="3057544" y="4201305"/>
+            <a:ext cx="1626768" cy="259099"/>
+          </a:xfrm>
+          <a:prstGeom prst="rect">
+            <a:avLst/>
+          </a:prstGeom>
+          <a:solidFill>
+            <a:schemeClr val="tx2"/>
+          </a:solidFill>
+          <a:ln>
+            <a:noFill/>
+          </a:ln>
+        </p:spPr>
+        <p:style>
+          <a:lnRef idx="2">
+            <a:schemeClr val="accent1">
+              <a:shade val="50000"/>
+            </a:schemeClr>
+          </a:lnRef>
+          <a:fillRef idx="1">
+            <a:schemeClr val="accent1"/>
+          </a:fillRef>
+          <a:effectRef idx="0">
+            <a:schemeClr val="accent1"/>
+          </a:effectRef>
+          <a:fontRef idx="minor">
+            <a:schemeClr val="lt1"/>
+          </a:fontRef>
+        </p:style>
+        <p:txBody>
+          <a:bodyPr rtlCol="0" anchor="ctr"/>
+          <a:lstStyle/>
+          <a:p>
+            <a:pPr algn="ctr"/>
+            <a:r>
+              <a:rPr kumimoji="1" lang="en-US" altLang="ja-JP" sz="1000">
+                <a:latin typeface="Meiryo UI" panose="020B0604030504040204" pitchFamily="50" charset="-128"/>
+                <a:ea typeface="Meiryo UI" panose="020B0604030504040204" pitchFamily="50" charset="-128"/>
+              </a:rPr>
+              <a:t>AvatarSelectionStage</a:t>
+            </a:r>
+            <a:endParaRPr kumimoji="1" lang="ja-JP" altLang="en-US" sz="1000">
+              <a:latin typeface="Meiryo UI" panose="020B0604030504040204" pitchFamily="50" charset="-128"/>
+              <a:ea typeface="Meiryo UI" panose="020B0604030504040204" pitchFamily="50" charset="-128"/>
+            </a:endParaRPr>
+          </a:p>
+        </p:txBody>
+      </p:sp>
+      <p:sp>
+        <p:nvSpPr>
+          <p:cNvPr id="144" name="正方形/長方形 143">
+            <a:extLst>
+              <a:ext uri="{FF2B5EF4-FFF2-40B4-BE49-F238E27FC236}">
+                <a16:creationId xmlns:a16="http://schemas.microsoft.com/office/drawing/2014/main" id="{129F975E-DA92-4F82-85FF-80C4B602D2CC}"/>
+              </a:ext>
+            </a:extLst>
+          </p:cNvPr>
+          <p:cNvSpPr/>
+          <p:nvPr/>
+        </p:nvSpPr>
+        <p:spPr>
+          <a:xfrm>
+            <a:off x="5406873" y="2148430"/>
+            <a:ext cx="1829282" cy="2745787"/>
+          </a:xfrm>
+          <a:prstGeom prst="rect">
+            <a:avLst/>
+          </a:prstGeom>
+          <a:solidFill>
+            <a:schemeClr val="accent5"/>
+          </a:solidFill>
+          <a:ln>
+            <a:noFill/>
+          </a:ln>
+        </p:spPr>
+        <p:style>
+          <a:lnRef idx="2">
+            <a:schemeClr val="accent1">
+              <a:shade val="50000"/>
+            </a:schemeClr>
+          </a:lnRef>
+          <a:fillRef idx="1">
+            <a:schemeClr val="accent1"/>
+          </a:fillRef>
+          <a:effectRef idx="0">
+            <a:schemeClr val="accent1"/>
+          </a:effectRef>
+          <a:fontRef idx="minor">
+            <a:schemeClr val="lt1"/>
+          </a:fontRef>
+        </p:style>
+        <p:txBody>
+          <a:bodyPr rtlCol="0" anchor="t"/>
+          <a:lstStyle/>
+          <a:p>
+            <a:pPr algn="ctr"/>
+            <a:endParaRPr kumimoji="1" lang="en-US" altLang="ja-JP" sz="1000">
+              <a:latin typeface="Meiryo UI" panose="020B0604030504040204" pitchFamily="50" charset="-128"/>
+              <a:ea typeface="Meiryo UI" panose="020B0604030504040204" pitchFamily="50" charset="-128"/>
+            </a:endParaRPr>
+          </a:p>
+          <a:p>
+            <a:pPr algn="ctr"/>
+            <a:r>
+              <a:rPr kumimoji="1" lang="en-US" altLang="ja-JP" sz="1000">
+                <a:latin typeface="Meiryo UI" panose="020B0604030504040204" pitchFamily="50" charset="-128"/>
+                <a:ea typeface="Meiryo UI" panose="020B0604030504040204" pitchFamily="50" charset="-128"/>
+              </a:rPr>
+              <a:t>Scene</a:t>
+            </a:r>
+            <a:endParaRPr kumimoji="1" lang="ja-JP" altLang="en-US" sz="1000">
+              <a:latin typeface="Meiryo UI" panose="020B0604030504040204" pitchFamily="50" charset="-128"/>
+              <a:ea typeface="Meiryo UI" panose="020B0604030504040204" pitchFamily="50" charset="-128"/>
+            </a:endParaRPr>
+          </a:p>
+        </p:txBody>
+      </p:sp>
+      <p:sp>
+        <p:nvSpPr>
+          <p:cNvPr id="145" name="正方形/長方形 144">
+            <a:extLst>
+              <a:ext uri="{FF2B5EF4-FFF2-40B4-BE49-F238E27FC236}">
+                <a16:creationId xmlns:a16="http://schemas.microsoft.com/office/drawing/2014/main" id="{60D8A70F-4D43-4BBD-80DD-73E2DBF2C917}"/>
+              </a:ext>
+            </a:extLst>
+          </p:cNvPr>
+          <p:cNvSpPr/>
+          <p:nvPr/>
+        </p:nvSpPr>
+        <p:spPr>
+          <a:xfrm>
+            <a:off x="5515603" y="2645246"/>
+            <a:ext cx="1626768" cy="259099"/>
+          </a:xfrm>
+          <a:prstGeom prst="rect">
+            <a:avLst/>
+          </a:prstGeom>
+          <a:solidFill>
+            <a:schemeClr val="tx2"/>
+          </a:solidFill>
+          <a:ln>
+            <a:noFill/>
+          </a:ln>
+        </p:spPr>
+        <p:style>
+          <a:lnRef idx="2">
+            <a:schemeClr val="accent1">
+              <a:shade val="50000"/>
+            </a:schemeClr>
+          </a:lnRef>
+          <a:fillRef idx="1">
+            <a:schemeClr val="accent1"/>
+          </a:fillRef>
+          <a:effectRef idx="0">
+            <a:schemeClr val="accent1"/>
+          </a:effectRef>
+          <a:fontRef idx="minor">
+            <a:schemeClr val="lt1"/>
+          </a:fontRef>
+        </p:style>
+        <p:txBody>
+          <a:bodyPr rtlCol="0" anchor="ctr"/>
+          <a:lstStyle/>
+          <a:p>
+            <a:pPr algn="ctr"/>
+            <a:r>
+              <a:rPr kumimoji="1" lang="en-US" altLang="ja-JP" sz="1000">
+                <a:latin typeface="Meiryo UI" panose="020B0604030504040204" pitchFamily="50" charset="-128"/>
+                <a:ea typeface="Meiryo UI" panose="020B0604030504040204" pitchFamily="50" charset="-128"/>
+              </a:rPr>
+              <a:t>Main</a:t>
+            </a:r>
+            <a:endParaRPr kumimoji="1" lang="ja-JP" altLang="en-US" sz="1000">
+              <a:latin typeface="Meiryo UI" panose="020B0604030504040204" pitchFamily="50" charset="-128"/>
+              <a:ea typeface="Meiryo UI" panose="020B0604030504040204" pitchFamily="50" charset="-128"/>
+            </a:endParaRPr>
+          </a:p>
+        </p:txBody>
+      </p:sp>
+      <p:sp>
+        <p:nvSpPr>
+          <p:cNvPr id="146" name="正方形/長方形 145">
+            <a:extLst>
+              <a:ext uri="{FF2B5EF4-FFF2-40B4-BE49-F238E27FC236}">
+                <a16:creationId xmlns:a16="http://schemas.microsoft.com/office/drawing/2014/main" id="{553021E5-9632-4795-8623-34287211D53D}"/>
+              </a:ext>
+            </a:extLst>
+          </p:cNvPr>
+          <p:cNvSpPr/>
+          <p:nvPr/>
+        </p:nvSpPr>
+        <p:spPr>
+          <a:xfrm>
+            <a:off x="5510784" y="2957243"/>
+            <a:ext cx="1626768" cy="259099"/>
+          </a:xfrm>
+          <a:prstGeom prst="rect">
+            <a:avLst/>
+          </a:prstGeom>
+          <a:solidFill>
+            <a:schemeClr val="tx2"/>
+          </a:solidFill>
+          <a:ln>
+            <a:noFill/>
+          </a:ln>
+        </p:spPr>
+        <p:style>
+          <a:lnRef idx="2">
+            <a:schemeClr val="accent1">
+              <a:shade val="50000"/>
+            </a:schemeClr>
+          </a:lnRef>
+          <a:fillRef idx="1">
+            <a:schemeClr val="accent1"/>
+          </a:fillRef>
+          <a:effectRef idx="0">
+            <a:schemeClr val="accent1"/>
+          </a:effectRef>
+          <a:fontRef idx="minor">
+            <a:schemeClr val="lt1"/>
+          </a:fontRef>
+        </p:style>
+        <p:txBody>
+          <a:bodyPr rtlCol="0" anchor="ctr"/>
+          <a:lstStyle/>
+          <a:p>
+            <a:pPr algn="ctr"/>
+            <a:r>
+              <a:rPr kumimoji="1" lang="en-US" altLang="ja-JP" sz="1000" err="1">
+                <a:latin typeface="Meiryo UI" panose="020B0604030504040204" pitchFamily="50" charset="-128"/>
+                <a:ea typeface="Meiryo UI" panose="020B0604030504040204" pitchFamily="50" charset="-128"/>
+              </a:rPr>
+              <a:t>CameraControl</a:t>
+            </a:r>
+            <a:endParaRPr kumimoji="1" lang="ja-JP" altLang="en-US" sz="1000">
+              <a:latin typeface="Meiryo UI" panose="020B0604030504040204" pitchFamily="50" charset="-128"/>
+              <a:ea typeface="Meiryo UI" panose="020B0604030504040204" pitchFamily="50" charset="-128"/>
+            </a:endParaRPr>
+          </a:p>
+        </p:txBody>
+      </p:sp>
+      <p:sp>
+        <p:nvSpPr>
+          <p:cNvPr id="147" name="正方形/長方形 146">
+            <a:extLst>
+              <a:ext uri="{FF2B5EF4-FFF2-40B4-BE49-F238E27FC236}">
+                <a16:creationId xmlns:a16="http://schemas.microsoft.com/office/drawing/2014/main" id="{97358E12-9536-44C7-983E-0CBDF32A7028}"/>
+              </a:ext>
+            </a:extLst>
+          </p:cNvPr>
+          <p:cNvSpPr/>
+          <p:nvPr/>
+        </p:nvSpPr>
+        <p:spPr>
+          <a:xfrm>
+            <a:off x="5510784" y="3272185"/>
+            <a:ext cx="1626768" cy="259099"/>
+          </a:xfrm>
+          <a:prstGeom prst="rect">
+            <a:avLst/>
+          </a:prstGeom>
+          <a:solidFill>
+            <a:schemeClr val="tx2"/>
+          </a:solidFill>
+          <a:ln>
+            <a:noFill/>
+          </a:ln>
+        </p:spPr>
+        <p:style>
+          <a:lnRef idx="2">
+            <a:schemeClr val="accent1">
+              <a:shade val="50000"/>
+            </a:schemeClr>
+          </a:lnRef>
+          <a:fillRef idx="1">
+            <a:schemeClr val="accent1"/>
+          </a:fillRef>
+          <a:effectRef idx="0">
+            <a:schemeClr val="accent1"/>
+          </a:effectRef>
+          <a:fontRef idx="minor">
+            <a:schemeClr val="lt1"/>
+          </a:fontRef>
+        </p:style>
+        <p:txBody>
+          <a:bodyPr rtlCol="0" anchor="ctr"/>
+          <a:lstStyle/>
+          <a:p>
+            <a:pPr algn="ctr"/>
+            <a:r>
+              <a:rPr kumimoji="1" lang="en-US" altLang="ja-JP" sz="1000" err="1">
+                <a:latin typeface="Meiryo UI" panose="020B0604030504040204" pitchFamily="50" charset="-128"/>
+                <a:ea typeface="Meiryo UI" panose="020B0604030504040204" pitchFamily="50" charset="-128"/>
+              </a:rPr>
+              <a:t>InputControl</a:t>
+            </a:r>
+            <a:endParaRPr kumimoji="1" lang="ja-JP" altLang="en-US" sz="1000">
+              <a:latin typeface="Meiryo UI" panose="020B0604030504040204" pitchFamily="50" charset="-128"/>
+              <a:ea typeface="Meiryo UI" panose="020B0604030504040204" pitchFamily="50" charset="-128"/>
+            </a:endParaRPr>
+          </a:p>
+        </p:txBody>
+      </p:sp>
+      <p:sp>
+        <p:nvSpPr>
+          <p:cNvPr id="148" name="正方形/長方形 147">
+            <a:extLst>
+              <a:ext uri="{FF2B5EF4-FFF2-40B4-BE49-F238E27FC236}">
+                <a16:creationId xmlns:a16="http://schemas.microsoft.com/office/drawing/2014/main" id="{018D1B63-0E15-4DD1-A484-4C78AE13518E}"/>
+              </a:ext>
+            </a:extLst>
+          </p:cNvPr>
+          <p:cNvSpPr/>
+          <p:nvPr/>
+        </p:nvSpPr>
+        <p:spPr>
+          <a:xfrm>
+            <a:off x="5517123" y="3582976"/>
+            <a:ext cx="1626768" cy="259099"/>
+          </a:xfrm>
+          <a:prstGeom prst="rect">
+            <a:avLst/>
+          </a:prstGeom>
+          <a:solidFill>
+            <a:schemeClr val="tx2"/>
+          </a:solidFill>
+          <a:ln>
+            <a:noFill/>
+          </a:ln>
+        </p:spPr>
+        <p:style>
+          <a:lnRef idx="2">
+            <a:schemeClr val="accent1">
+              <a:shade val="50000"/>
+            </a:schemeClr>
+          </a:lnRef>
+          <a:fillRef idx="1">
+            <a:schemeClr val="accent1"/>
+          </a:fillRef>
+          <a:effectRef idx="0">
+            <a:schemeClr val="accent1"/>
+          </a:effectRef>
+          <a:fontRef idx="minor">
+            <a:schemeClr val="lt1"/>
+          </a:fontRef>
+        </p:style>
+        <p:txBody>
+          <a:bodyPr rtlCol="0" anchor="ctr"/>
+          <a:lstStyle/>
+          <a:p>
+            <a:pPr algn="ctr"/>
+            <a:r>
+              <a:rPr kumimoji="1" lang="en-US" altLang="ja-JP" sz="1000">
+                <a:latin typeface="Meiryo UI" panose="020B0604030504040204" pitchFamily="50" charset="-128"/>
+                <a:ea typeface="Meiryo UI" panose="020B0604030504040204" pitchFamily="50" charset="-128"/>
+              </a:rPr>
+              <a:t>NetworkControl</a:t>
+            </a:r>
+            <a:endParaRPr kumimoji="1" lang="ja-JP" altLang="en-US" sz="1000">
+              <a:latin typeface="Meiryo UI" panose="020B0604030504040204" pitchFamily="50" charset="-128"/>
+              <a:ea typeface="Meiryo UI" panose="020B0604030504040204" pitchFamily="50" charset="-128"/>
+            </a:endParaRPr>
+          </a:p>
+        </p:txBody>
+      </p:sp>
+      <p:sp>
+        <p:nvSpPr>
+          <p:cNvPr id="149" name="正方形/長方形 148">
+            <a:extLst>
+              <a:ext uri="{FF2B5EF4-FFF2-40B4-BE49-F238E27FC236}">
+                <a16:creationId xmlns:a16="http://schemas.microsoft.com/office/drawing/2014/main" id="{49B86AD9-5A9B-4936-AE91-DF32C5DA7E27}"/>
+              </a:ext>
+            </a:extLst>
+          </p:cNvPr>
+          <p:cNvSpPr/>
+          <p:nvPr/>
+        </p:nvSpPr>
+        <p:spPr>
+          <a:xfrm>
+            <a:off x="5520437" y="3893767"/>
+            <a:ext cx="1626768" cy="259099"/>
+          </a:xfrm>
+          <a:prstGeom prst="rect">
+            <a:avLst/>
+          </a:prstGeom>
+          <a:solidFill>
+            <a:schemeClr val="tx2"/>
+          </a:solidFill>
+          <a:ln>
+            <a:noFill/>
+          </a:ln>
+        </p:spPr>
+        <p:style>
+          <a:lnRef idx="2">
+            <a:schemeClr val="accent1">
+              <a:shade val="50000"/>
+            </a:schemeClr>
+          </a:lnRef>
+          <a:fillRef idx="1">
+            <a:schemeClr val="accent1"/>
+          </a:fillRef>
+          <a:effectRef idx="0">
+            <a:schemeClr val="accent1"/>
+          </a:effectRef>
+          <a:fontRef idx="minor">
+            <a:schemeClr val="lt1"/>
+          </a:fontRef>
+        </p:style>
+        <p:txBody>
+          <a:bodyPr rtlCol="0" anchor="ctr"/>
+          <a:lstStyle/>
+          <a:p>
+            <a:pPr algn="ctr"/>
+            <a:r>
+              <a:rPr kumimoji="1" lang="en-US" altLang="ja-JP" sz="1000">
+                <a:latin typeface="Meiryo UI" panose="020B0604030504040204" pitchFamily="50" charset="-128"/>
+                <a:ea typeface="Meiryo UI" panose="020B0604030504040204" pitchFamily="50" charset="-128"/>
+              </a:rPr>
+              <a:t>PlayerControl</a:t>
+            </a:r>
+            <a:endParaRPr kumimoji="1" lang="ja-JP" altLang="en-US" sz="1000">
+              <a:latin typeface="Meiryo UI" panose="020B0604030504040204" pitchFamily="50" charset="-128"/>
+              <a:ea typeface="Meiryo UI" panose="020B0604030504040204" pitchFamily="50" charset="-128"/>
+            </a:endParaRPr>
+          </a:p>
+        </p:txBody>
+      </p:sp>
+      <p:sp>
+        <p:nvSpPr>
+          <p:cNvPr id="150" name="正方形/長方形 149">
+            <a:extLst>
+              <a:ext uri="{FF2B5EF4-FFF2-40B4-BE49-F238E27FC236}">
+                <a16:creationId xmlns:a16="http://schemas.microsoft.com/office/drawing/2014/main" id="{275B624B-8592-4F3B-B072-F9239BA40F87}"/>
+              </a:ext>
+            </a:extLst>
+          </p:cNvPr>
+          <p:cNvSpPr/>
+          <p:nvPr/>
+        </p:nvSpPr>
+        <p:spPr>
+          <a:xfrm>
+            <a:off x="5520437" y="4201305"/>
+            <a:ext cx="1626768" cy="259099"/>
+          </a:xfrm>
+          <a:prstGeom prst="rect">
+            <a:avLst/>
+          </a:prstGeom>
+          <a:solidFill>
+            <a:schemeClr val="tx2"/>
+          </a:solidFill>
+          <a:ln>
+            <a:noFill/>
+          </a:ln>
+        </p:spPr>
+        <p:style>
+          <a:lnRef idx="2">
+            <a:schemeClr val="accent1">
+              <a:shade val="50000"/>
+            </a:schemeClr>
+          </a:lnRef>
+          <a:fillRef idx="1">
+            <a:schemeClr val="accent1"/>
+          </a:fillRef>
+          <a:effectRef idx="0">
+            <a:schemeClr val="accent1"/>
+          </a:effectRef>
+          <a:fontRef idx="minor">
+            <a:schemeClr val="lt1"/>
+          </a:fontRef>
+        </p:style>
+        <p:txBody>
+          <a:bodyPr rtlCol="0" anchor="ctr"/>
+          <a:lstStyle/>
+          <a:p>
+            <a:pPr algn="ctr"/>
+            <a:r>
+              <a:rPr kumimoji="1" lang="en-US" altLang="ja-JP" sz="1000">
+                <a:latin typeface="Meiryo UI" panose="020B0604030504040204" pitchFamily="50" charset="-128"/>
+                <a:ea typeface="Meiryo UI" panose="020B0604030504040204" pitchFamily="50" charset="-128"/>
+              </a:rPr>
+              <a:t>LobbyControl</a:t>
+            </a:r>
+            <a:endParaRPr kumimoji="1" lang="ja-JP" altLang="en-US" sz="1000">
+              <a:latin typeface="Meiryo UI" panose="020B0604030504040204" pitchFamily="50" charset="-128"/>
+              <a:ea typeface="Meiryo UI" panose="020B0604030504040204" pitchFamily="50" charset="-128"/>
+            </a:endParaRPr>
+          </a:p>
+        </p:txBody>
+      </p:sp>
+      <p:sp>
+        <p:nvSpPr>
+          <p:cNvPr id="151" name="正方形/長方形 150">
+            <a:extLst>
+              <a:ext uri="{FF2B5EF4-FFF2-40B4-BE49-F238E27FC236}">
+                <a16:creationId xmlns:a16="http://schemas.microsoft.com/office/drawing/2014/main" id="{4F86E3BC-E061-4478-894C-5542BA2EFCF9}"/>
+              </a:ext>
+            </a:extLst>
+          </p:cNvPr>
+          <p:cNvSpPr/>
+          <p:nvPr/>
+        </p:nvSpPr>
+        <p:spPr>
+          <a:xfrm>
+            <a:off x="5520437" y="4508843"/>
+            <a:ext cx="1626768" cy="259099"/>
+          </a:xfrm>
+          <a:prstGeom prst="rect">
+            <a:avLst/>
+          </a:prstGeom>
+          <a:solidFill>
+            <a:schemeClr val="tx2"/>
+          </a:solidFill>
+          <a:ln>
+            <a:noFill/>
+          </a:ln>
+        </p:spPr>
+        <p:style>
+          <a:lnRef idx="2">
+            <a:schemeClr val="accent1">
+              <a:shade val="50000"/>
+            </a:schemeClr>
+          </a:lnRef>
+          <a:fillRef idx="1">
+            <a:schemeClr val="accent1"/>
+          </a:fillRef>
+          <a:effectRef idx="0">
+            <a:schemeClr val="accent1"/>
+          </a:effectRef>
+          <a:fontRef idx="minor">
+            <a:schemeClr val="lt1"/>
+          </a:fontRef>
+        </p:style>
+        <p:txBody>
+          <a:bodyPr rtlCol="0" anchor="ctr"/>
+          <a:lstStyle/>
+          <a:p>
+            <a:pPr algn="ctr"/>
+            <a:r>
+              <a:rPr kumimoji="1" lang="en-US" altLang="ja-JP" sz="1000">
+                <a:latin typeface="Meiryo UI" panose="020B0604030504040204" pitchFamily="50" charset="-128"/>
+                <a:ea typeface="Meiryo UI" panose="020B0604030504040204" pitchFamily="50" charset="-128"/>
+              </a:rPr>
+              <a:t>EventSelectionStage</a:t>
+            </a:r>
+            <a:endParaRPr kumimoji="1" lang="ja-JP" altLang="en-US" sz="1000">
+              <a:latin typeface="Meiryo UI" panose="020B0604030504040204" pitchFamily="50" charset="-128"/>
+              <a:ea typeface="Meiryo UI" panose="020B0604030504040204" pitchFamily="50" charset="-128"/>
+            </a:endParaRPr>
+          </a:p>
+        </p:txBody>
+      </p:sp>
+      <p:sp>
+        <p:nvSpPr>
+          <p:cNvPr id="152" name="正方形/長方形 151">
+            <a:extLst>
+              <a:ext uri="{FF2B5EF4-FFF2-40B4-BE49-F238E27FC236}">
+                <a16:creationId xmlns:a16="http://schemas.microsoft.com/office/drawing/2014/main" id="{46B2E74E-4B24-4410-8A55-0188227C5C25}"/>
+              </a:ext>
+            </a:extLst>
+          </p:cNvPr>
+          <p:cNvSpPr/>
+          <p:nvPr/>
+        </p:nvSpPr>
+        <p:spPr>
+          <a:xfrm>
+            <a:off x="7859934" y="2144744"/>
+            <a:ext cx="1829282" cy="3357556"/>
+          </a:xfrm>
+          <a:prstGeom prst="rect">
+            <a:avLst/>
+          </a:prstGeom>
+          <a:solidFill>
+            <a:schemeClr val="accent5"/>
+          </a:solidFill>
+          <a:ln>
+            <a:noFill/>
+          </a:ln>
+        </p:spPr>
+        <p:style>
+          <a:lnRef idx="2">
+            <a:schemeClr val="accent1">
+              <a:shade val="50000"/>
+            </a:schemeClr>
+          </a:lnRef>
+          <a:fillRef idx="1">
+            <a:schemeClr val="accent1"/>
+          </a:fillRef>
+          <a:effectRef idx="0">
+            <a:schemeClr val="accent1"/>
+          </a:effectRef>
+          <a:fontRef idx="minor">
+            <a:schemeClr val="lt1"/>
+          </a:fontRef>
+        </p:style>
+        <p:txBody>
+          <a:bodyPr rtlCol="0" anchor="t"/>
+          <a:lstStyle/>
+          <a:p>
+            <a:pPr algn="ctr"/>
+            <a:endParaRPr kumimoji="1" lang="en-US" altLang="ja-JP" sz="1000">
+              <a:latin typeface="Meiryo UI" panose="020B0604030504040204" pitchFamily="50" charset="-128"/>
+              <a:ea typeface="Meiryo UI" panose="020B0604030504040204" pitchFamily="50" charset="-128"/>
+            </a:endParaRPr>
+          </a:p>
+          <a:p>
+            <a:pPr algn="ctr"/>
+            <a:r>
+              <a:rPr kumimoji="1" lang="en-US" altLang="ja-JP" sz="1000">
+                <a:latin typeface="Meiryo UI" panose="020B0604030504040204" pitchFamily="50" charset="-128"/>
+                <a:ea typeface="Meiryo UI" panose="020B0604030504040204" pitchFamily="50" charset="-128"/>
+              </a:rPr>
+              <a:t>Scene</a:t>
+            </a:r>
+            <a:endParaRPr kumimoji="1" lang="ja-JP" altLang="en-US" sz="1000">
+              <a:latin typeface="Meiryo UI" panose="020B0604030504040204" pitchFamily="50" charset="-128"/>
+              <a:ea typeface="Meiryo UI" panose="020B0604030504040204" pitchFamily="50" charset="-128"/>
+            </a:endParaRPr>
+          </a:p>
+        </p:txBody>
+      </p:sp>
+      <p:sp>
+        <p:nvSpPr>
+          <p:cNvPr id="153" name="正方形/長方形 152">
+            <a:extLst>
+              <a:ext uri="{FF2B5EF4-FFF2-40B4-BE49-F238E27FC236}">
+                <a16:creationId xmlns:a16="http://schemas.microsoft.com/office/drawing/2014/main" id="{F5B7338B-DF5A-40A4-976D-AF2BAE83414C}"/>
+              </a:ext>
+            </a:extLst>
+          </p:cNvPr>
+          <p:cNvSpPr/>
+          <p:nvPr/>
+        </p:nvSpPr>
+        <p:spPr>
+          <a:xfrm>
+            <a:off x="7968664" y="2641560"/>
+            <a:ext cx="1626768" cy="259099"/>
+          </a:xfrm>
+          <a:prstGeom prst="rect">
+            <a:avLst/>
+          </a:prstGeom>
+          <a:solidFill>
+            <a:schemeClr val="tx2"/>
+          </a:solidFill>
+          <a:ln>
+            <a:noFill/>
+          </a:ln>
+        </p:spPr>
+        <p:style>
+          <a:lnRef idx="2">
+            <a:schemeClr val="accent1">
+              <a:shade val="50000"/>
+            </a:schemeClr>
+          </a:lnRef>
+          <a:fillRef idx="1">
+            <a:schemeClr val="accent1"/>
+          </a:fillRef>
+          <a:effectRef idx="0">
+            <a:schemeClr val="accent1"/>
+          </a:effectRef>
+          <a:fontRef idx="minor">
+            <a:schemeClr val="lt1"/>
+          </a:fontRef>
+        </p:style>
+        <p:txBody>
+          <a:bodyPr rtlCol="0" anchor="ctr"/>
+          <a:lstStyle/>
+          <a:p>
+            <a:pPr algn="ctr"/>
+            <a:r>
+              <a:rPr kumimoji="1" lang="en-US" altLang="ja-JP" sz="1000">
+                <a:latin typeface="Meiryo UI" panose="020B0604030504040204" pitchFamily="50" charset="-128"/>
+                <a:ea typeface="Meiryo UI" panose="020B0604030504040204" pitchFamily="50" charset="-128"/>
+              </a:rPr>
+              <a:t>Main</a:t>
+            </a:r>
+            <a:endParaRPr kumimoji="1" lang="ja-JP" altLang="en-US" sz="1000">
+              <a:latin typeface="Meiryo UI" panose="020B0604030504040204" pitchFamily="50" charset="-128"/>
+              <a:ea typeface="Meiryo UI" panose="020B0604030504040204" pitchFamily="50" charset="-128"/>
+            </a:endParaRPr>
+          </a:p>
+        </p:txBody>
+      </p:sp>
+      <p:sp>
+        <p:nvSpPr>
+          <p:cNvPr id="154" name="正方形/長方形 153">
+            <a:extLst>
+              <a:ext uri="{FF2B5EF4-FFF2-40B4-BE49-F238E27FC236}">
+                <a16:creationId xmlns:a16="http://schemas.microsoft.com/office/drawing/2014/main" id="{BCE80D03-9AB6-4421-B196-4D12E645D186}"/>
+              </a:ext>
+            </a:extLst>
+          </p:cNvPr>
+          <p:cNvSpPr/>
+          <p:nvPr/>
+        </p:nvSpPr>
+        <p:spPr>
+          <a:xfrm>
+            <a:off x="7963845" y="2953557"/>
+            <a:ext cx="1626768" cy="259099"/>
+          </a:xfrm>
+          <a:prstGeom prst="rect">
+            <a:avLst/>
+          </a:prstGeom>
+          <a:solidFill>
+            <a:schemeClr val="tx2"/>
+          </a:solidFill>
+          <a:ln>
+            <a:noFill/>
+          </a:ln>
+        </p:spPr>
+        <p:style>
+          <a:lnRef idx="2">
+            <a:schemeClr val="accent1">
+              <a:shade val="50000"/>
+            </a:schemeClr>
+          </a:lnRef>
+          <a:fillRef idx="1">
+            <a:schemeClr val="accent1"/>
+          </a:fillRef>
+          <a:effectRef idx="0">
+            <a:schemeClr val="accent1"/>
+          </a:effectRef>
+          <a:fontRef idx="minor">
+            <a:schemeClr val="lt1"/>
+          </a:fontRef>
+        </p:style>
+        <p:txBody>
+          <a:bodyPr rtlCol="0" anchor="ctr"/>
+          <a:lstStyle/>
+          <a:p>
+            <a:pPr algn="ctr"/>
+            <a:r>
+              <a:rPr kumimoji="1" lang="en-US" altLang="ja-JP" sz="1000" err="1">
+                <a:latin typeface="Meiryo UI" panose="020B0604030504040204" pitchFamily="50" charset="-128"/>
+                <a:ea typeface="Meiryo UI" panose="020B0604030504040204" pitchFamily="50" charset="-128"/>
+              </a:rPr>
+              <a:t>CameraControl</a:t>
+            </a:r>
+            <a:endParaRPr kumimoji="1" lang="ja-JP" altLang="en-US" sz="1000">
+              <a:latin typeface="Meiryo UI" panose="020B0604030504040204" pitchFamily="50" charset="-128"/>
+              <a:ea typeface="Meiryo UI" panose="020B0604030504040204" pitchFamily="50" charset="-128"/>
+            </a:endParaRPr>
+          </a:p>
+        </p:txBody>
+      </p:sp>
+      <p:sp>
+        <p:nvSpPr>
+          <p:cNvPr id="155" name="正方形/長方形 154">
+            <a:extLst>
+              <a:ext uri="{FF2B5EF4-FFF2-40B4-BE49-F238E27FC236}">
+                <a16:creationId xmlns:a16="http://schemas.microsoft.com/office/drawing/2014/main" id="{EAEAB2DD-541B-46B9-B19B-3B5583B09833}"/>
+              </a:ext>
+            </a:extLst>
+          </p:cNvPr>
+          <p:cNvSpPr/>
+          <p:nvPr/>
+        </p:nvSpPr>
+        <p:spPr>
+          <a:xfrm>
+            <a:off x="7963845" y="3268499"/>
+            <a:ext cx="1626768" cy="259099"/>
+          </a:xfrm>
+          <a:prstGeom prst="rect">
+            <a:avLst/>
+          </a:prstGeom>
+          <a:solidFill>
+            <a:schemeClr val="tx2"/>
+          </a:solidFill>
+          <a:ln>
+            <a:noFill/>
+          </a:ln>
+        </p:spPr>
+        <p:style>
+          <a:lnRef idx="2">
+            <a:schemeClr val="accent1">
+              <a:shade val="50000"/>
+            </a:schemeClr>
+          </a:lnRef>
+          <a:fillRef idx="1">
+            <a:schemeClr val="accent1"/>
+          </a:fillRef>
+          <a:effectRef idx="0">
+            <a:schemeClr val="accent1"/>
+          </a:effectRef>
+          <a:fontRef idx="minor">
+            <a:schemeClr val="lt1"/>
+          </a:fontRef>
+        </p:style>
+        <p:txBody>
+          <a:bodyPr rtlCol="0" anchor="ctr"/>
+          <a:lstStyle/>
+          <a:p>
+            <a:pPr algn="ctr"/>
+            <a:r>
+              <a:rPr kumimoji="1" lang="en-US" altLang="ja-JP" sz="1000" err="1">
+                <a:latin typeface="Meiryo UI" panose="020B0604030504040204" pitchFamily="50" charset="-128"/>
+                <a:ea typeface="Meiryo UI" panose="020B0604030504040204" pitchFamily="50" charset="-128"/>
+              </a:rPr>
+              <a:t>InputControl</a:t>
+            </a:r>
+            <a:endParaRPr kumimoji="1" lang="ja-JP" altLang="en-US" sz="1000">
+              <a:latin typeface="Meiryo UI" panose="020B0604030504040204" pitchFamily="50" charset="-128"/>
+              <a:ea typeface="Meiryo UI" panose="020B0604030504040204" pitchFamily="50" charset="-128"/>
+            </a:endParaRPr>
+          </a:p>
+        </p:txBody>
+      </p:sp>
+      <p:sp>
+        <p:nvSpPr>
+          <p:cNvPr id="156" name="正方形/長方形 155">
+            <a:extLst>
+              <a:ext uri="{FF2B5EF4-FFF2-40B4-BE49-F238E27FC236}">
+                <a16:creationId xmlns:a16="http://schemas.microsoft.com/office/drawing/2014/main" id="{7AF348D0-FCD0-4CC9-8431-1F266A5FFBF9}"/>
+              </a:ext>
+            </a:extLst>
+          </p:cNvPr>
+          <p:cNvSpPr/>
+          <p:nvPr/>
+        </p:nvSpPr>
+        <p:spPr>
+          <a:xfrm>
+            <a:off x="7970184" y="3579290"/>
+            <a:ext cx="1626768" cy="259099"/>
+          </a:xfrm>
+          <a:prstGeom prst="rect">
+            <a:avLst/>
+          </a:prstGeom>
+          <a:solidFill>
+            <a:schemeClr val="tx2"/>
+          </a:solidFill>
+          <a:ln>
+            <a:noFill/>
+          </a:ln>
+        </p:spPr>
+        <p:style>
+          <a:lnRef idx="2">
+            <a:schemeClr val="accent1">
+              <a:shade val="50000"/>
+            </a:schemeClr>
+          </a:lnRef>
+          <a:fillRef idx="1">
+            <a:schemeClr val="accent1"/>
+          </a:fillRef>
+          <a:effectRef idx="0">
+            <a:schemeClr val="accent1"/>
+          </a:effectRef>
+          <a:fontRef idx="minor">
+            <a:schemeClr val="lt1"/>
+          </a:fontRef>
+        </p:style>
+        <p:txBody>
+          <a:bodyPr rtlCol="0" anchor="ctr"/>
+          <a:lstStyle/>
+          <a:p>
+            <a:pPr algn="ctr"/>
+            <a:r>
+              <a:rPr kumimoji="1" lang="en-US" altLang="ja-JP" sz="1000">
+                <a:latin typeface="Meiryo UI" panose="020B0604030504040204" pitchFamily="50" charset="-128"/>
+                <a:ea typeface="Meiryo UI" panose="020B0604030504040204" pitchFamily="50" charset="-128"/>
+              </a:rPr>
+              <a:t>NetworkControl</a:t>
+            </a:r>
+            <a:endParaRPr kumimoji="1" lang="ja-JP" altLang="en-US" sz="1000">
+              <a:latin typeface="Meiryo UI" panose="020B0604030504040204" pitchFamily="50" charset="-128"/>
+              <a:ea typeface="Meiryo UI" panose="020B0604030504040204" pitchFamily="50" charset="-128"/>
+            </a:endParaRPr>
+          </a:p>
+        </p:txBody>
+      </p:sp>
+      <p:sp>
+        <p:nvSpPr>
+          <p:cNvPr id="157" name="正方形/長方形 156">
+            <a:extLst>
+              <a:ext uri="{FF2B5EF4-FFF2-40B4-BE49-F238E27FC236}">
+                <a16:creationId xmlns:a16="http://schemas.microsoft.com/office/drawing/2014/main" id="{AD2BE2D6-27E1-4D93-96C6-3DE0D724C1FC}"/>
+              </a:ext>
+            </a:extLst>
+          </p:cNvPr>
+          <p:cNvSpPr/>
+          <p:nvPr/>
+        </p:nvSpPr>
+        <p:spPr>
+          <a:xfrm>
+            <a:off x="7973498" y="3890081"/>
+            <a:ext cx="1626768" cy="259099"/>
+          </a:xfrm>
+          <a:prstGeom prst="rect">
+            <a:avLst/>
+          </a:prstGeom>
+          <a:solidFill>
+            <a:schemeClr val="tx2"/>
+          </a:solidFill>
+          <a:ln>
+            <a:noFill/>
+          </a:ln>
+        </p:spPr>
+        <p:style>
+          <a:lnRef idx="2">
+            <a:schemeClr val="accent1">
+              <a:shade val="50000"/>
+            </a:schemeClr>
+          </a:lnRef>
+          <a:fillRef idx="1">
+            <a:schemeClr val="accent1"/>
+          </a:fillRef>
+          <a:effectRef idx="0">
+            <a:schemeClr val="accent1"/>
+          </a:effectRef>
+          <a:fontRef idx="minor">
+            <a:schemeClr val="lt1"/>
+          </a:fontRef>
+        </p:style>
+        <p:txBody>
+          <a:bodyPr rtlCol="0" anchor="ctr"/>
+          <a:lstStyle/>
+          <a:p>
+            <a:pPr algn="ctr"/>
+            <a:r>
+              <a:rPr kumimoji="1" lang="en-US" altLang="ja-JP" sz="1000">
+                <a:latin typeface="Meiryo UI" panose="020B0604030504040204" pitchFamily="50" charset="-128"/>
+                <a:ea typeface="Meiryo UI" panose="020B0604030504040204" pitchFamily="50" charset="-128"/>
+              </a:rPr>
+              <a:t>PlayerControl</a:t>
+            </a:r>
+            <a:endParaRPr kumimoji="1" lang="ja-JP" altLang="en-US" sz="1000">
+              <a:latin typeface="Meiryo UI" panose="020B0604030504040204" pitchFamily="50" charset="-128"/>
+              <a:ea typeface="Meiryo UI" panose="020B0604030504040204" pitchFamily="50" charset="-128"/>
+            </a:endParaRPr>
+          </a:p>
+        </p:txBody>
+      </p:sp>
+      <p:sp>
+        <p:nvSpPr>
+          <p:cNvPr id="158" name="正方形/長方形 157">
+            <a:extLst>
+              <a:ext uri="{FF2B5EF4-FFF2-40B4-BE49-F238E27FC236}">
+                <a16:creationId xmlns:a16="http://schemas.microsoft.com/office/drawing/2014/main" id="{63302712-51BE-4B2C-B4D1-E494AA5FBCB5}"/>
+              </a:ext>
+            </a:extLst>
+          </p:cNvPr>
+          <p:cNvSpPr/>
+          <p:nvPr/>
+        </p:nvSpPr>
+        <p:spPr>
+          <a:xfrm>
+            <a:off x="7973498" y="4197619"/>
+            <a:ext cx="1626768" cy="259099"/>
+          </a:xfrm>
+          <a:prstGeom prst="rect">
+            <a:avLst/>
+          </a:prstGeom>
+          <a:solidFill>
+            <a:schemeClr val="tx2"/>
+          </a:solidFill>
+          <a:ln>
+            <a:noFill/>
+          </a:ln>
+        </p:spPr>
+        <p:style>
+          <a:lnRef idx="2">
+            <a:schemeClr val="accent1">
+              <a:shade val="50000"/>
+            </a:schemeClr>
+          </a:lnRef>
+          <a:fillRef idx="1">
+            <a:schemeClr val="accent1"/>
+          </a:fillRef>
+          <a:effectRef idx="0">
+            <a:schemeClr val="accent1"/>
+          </a:effectRef>
+          <a:fontRef idx="minor">
+            <a:schemeClr val="lt1"/>
+          </a:fontRef>
+        </p:style>
+        <p:txBody>
+          <a:bodyPr rtlCol="0" anchor="ctr"/>
+          <a:lstStyle/>
+          <a:p>
+            <a:pPr algn="ctr"/>
+            <a:r>
+              <a:rPr kumimoji="1" lang="en-US" altLang="ja-JP" sz="1000">
+                <a:latin typeface="Meiryo UI" panose="020B0604030504040204" pitchFamily="50" charset="-128"/>
+                <a:ea typeface="Meiryo UI" panose="020B0604030504040204" pitchFamily="50" charset="-128"/>
+              </a:rPr>
+              <a:t>TextChatControl</a:t>
+            </a:r>
+            <a:endParaRPr kumimoji="1" lang="ja-JP" altLang="en-US" sz="1000">
+              <a:latin typeface="Meiryo UI" panose="020B0604030504040204" pitchFamily="50" charset="-128"/>
+              <a:ea typeface="Meiryo UI" panose="020B0604030504040204" pitchFamily="50" charset="-128"/>
+            </a:endParaRPr>
+          </a:p>
+        </p:txBody>
+      </p:sp>
+      <p:sp>
+        <p:nvSpPr>
+          <p:cNvPr id="159" name="正方形/長方形 158">
+            <a:extLst>
+              <a:ext uri="{FF2B5EF4-FFF2-40B4-BE49-F238E27FC236}">
+                <a16:creationId xmlns:a16="http://schemas.microsoft.com/office/drawing/2014/main" id="{1AEE5956-E4E9-4382-9A7E-D0BA01053C8E}"/>
+              </a:ext>
+            </a:extLst>
+          </p:cNvPr>
+          <p:cNvSpPr/>
+          <p:nvPr/>
+        </p:nvSpPr>
+        <p:spPr>
+          <a:xfrm>
+            <a:off x="7973498" y="4505157"/>
+            <a:ext cx="1626768" cy="259099"/>
+          </a:xfrm>
+          <a:prstGeom prst="rect">
+            <a:avLst/>
+          </a:prstGeom>
+          <a:solidFill>
+            <a:schemeClr val="tx2"/>
+          </a:solidFill>
+          <a:ln>
+            <a:noFill/>
+          </a:ln>
+        </p:spPr>
+        <p:style>
+          <a:lnRef idx="2">
+            <a:schemeClr val="accent1">
+              <a:shade val="50000"/>
+            </a:schemeClr>
+          </a:lnRef>
+          <a:fillRef idx="1">
+            <a:schemeClr val="accent1"/>
+          </a:fillRef>
+          <a:effectRef idx="0">
+            <a:schemeClr val="accent1"/>
+          </a:effectRef>
+          <a:fontRef idx="minor">
+            <a:schemeClr val="lt1"/>
+          </a:fontRef>
+        </p:style>
+        <p:txBody>
+          <a:bodyPr rtlCol="0" anchor="ctr"/>
+          <a:lstStyle/>
+          <a:p>
+            <a:pPr algn="ctr"/>
+            <a:r>
+              <a:rPr kumimoji="1" lang="en-US" altLang="ja-JP" sz="1000">
+                <a:latin typeface="Meiryo UI" panose="020B0604030504040204" pitchFamily="50" charset="-128"/>
+                <a:ea typeface="Meiryo UI" panose="020B0604030504040204" pitchFamily="50" charset="-128"/>
+              </a:rPr>
+              <a:t>VoiceChatControl</a:t>
+            </a:r>
+            <a:endParaRPr kumimoji="1" lang="ja-JP" altLang="en-US" sz="1000">
+              <a:latin typeface="Meiryo UI" panose="020B0604030504040204" pitchFamily="50" charset="-128"/>
+              <a:ea typeface="Meiryo UI" panose="020B0604030504040204" pitchFamily="50" charset="-128"/>
+            </a:endParaRPr>
+          </a:p>
+        </p:txBody>
+      </p:sp>
+      <p:sp>
+        <p:nvSpPr>
+          <p:cNvPr id="160" name="正方形/長方形 159">
+            <a:extLst>
+              <a:ext uri="{FF2B5EF4-FFF2-40B4-BE49-F238E27FC236}">
+                <a16:creationId xmlns:a16="http://schemas.microsoft.com/office/drawing/2014/main" id="{AB7D5AB4-5EDD-4A36-91E2-C774E5A11C56}"/>
+              </a:ext>
+            </a:extLst>
+          </p:cNvPr>
+          <p:cNvSpPr/>
+          <p:nvPr/>
+        </p:nvSpPr>
+        <p:spPr>
+          <a:xfrm>
+            <a:off x="7973498" y="4809680"/>
+            <a:ext cx="1626768" cy="259099"/>
+          </a:xfrm>
+          <a:prstGeom prst="rect">
+            <a:avLst/>
+          </a:prstGeom>
+          <a:solidFill>
+            <a:schemeClr val="tx2"/>
+          </a:solidFill>
+          <a:ln>
+            <a:noFill/>
+          </a:ln>
+        </p:spPr>
+        <p:style>
+          <a:lnRef idx="2">
+            <a:schemeClr val="accent1">
+              <a:shade val="50000"/>
+            </a:schemeClr>
+          </a:lnRef>
+          <a:fillRef idx="1">
+            <a:schemeClr val="accent1"/>
+          </a:fillRef>
+          <a:effectRef idx="0">
+            <a:schemeClr val="accent1"/>
+          </a:effectRef>
+          <a:fontRef idx="minor">
+            <a:schemeClr val="lt1"/>
+          </a:fontRef>
+        </p:style>
+        <p:txBody>
+          <a:bodyPr rtlCol="0" anchor="ctr"/>
+          <a:lstStyle/>
+          <a:p>
+            <a:pPr algn="ctr"/>
+            <a:r>
+              <a:rPr kumimoji="1" lang="en-US" altLang="ja-JP" sz="1000">
+                <a:latin typeface="Meiryo UI" panose="020B0604030504040204" pitchFamily="50" charset="-128"/>
+                <a:ea typeface="Meiryo UI" panose="020B0604030504040204" pitchFamily="50" charset="-128"/>
+              </a:rPr>
+              <a:t>ReactionControl</a:t>
+            </a:r>
+            <a:endParaRPr kumimoji="1" lang="ja-JP" altLang="en-US" sz="1000">
+              <a:latin typeface="Meiryo UI" panose="020B0604030504040204" pitchFamily="50" charset="-128"/>
+              <a:ea typeface="Meiryo UI" panose="020B0604030504040204" pitchFamily="50" charset="-128"/>
+            </a:endParaRPr>
+          </a:p>
+        </p:txBody>
+      </p:sp>
+      <p:sp>
+        <p:nvSpPr>
+          <p:cNvPr id="161" name="正方形/長方形 160">
+            <a:extLst>
+              <a:ext uri="{FF2B5EF4-FFF2-40B4-BE49-F238E27FC236}">
+                <a16:creationId xmlns:a16="http://schemas.microsoft.com/office/drawing/2014/main" id="{4492C901-5D9C-40D8-B33E-6D9C7C5F259B}"/>
+              </a:ext>
+            </a:extLst>
+          </p:cNvPr>
+          <p:cNvSpPr/>
+          <p:nvPr/>
+        </p:nvSpPr>
+        <p:spPr>
+          <a:xfrm>
+            <a:off x="7973498" y="5114203"/>
+            <a:ext cx="1626768" cy="259099"/>
+          </a:xfrm>
+          <a:prstGeom prst="rect">
+            <a:avLst/>
+          </a:prstGeom>
+          <a:solidFill>
+            <a:schemeClr val="tx2"/>
+          </a:solidFill>
+          <a:ln>
+            <a:noFill/>
+          </a:ln>
+        </p:spPr>
+        <p:style>
+          <a:lnRef idx="2">
+            <a:schemeClr val="accent1">
+              <a:shade val="50000"/>
+            </a:schemeClr>
+          </a:lnRef>
+          <a:fillRef idx="1">
+            <a:schemeClr val="accent1"/>
+          </a:fillRef>
+          <a:effectRef idx="0">
+            <a:schemeClr val="accent1"/>
+          </a:effectRef>
+          <a:fontRef idx="minor">
+            <a:schemeClr val="lt1"/>
+          </a:fontRef>
+        </p:style>
+        <p:txBody>
+          <a:bodyPr rtlCol="0" anchor="ctr"/>
+          <a:lstStyle/>
+          <a:p>
+            <a:pPr algn="ctr"/>
+            <a:r>
+              <a:rPr kumimoji="1" lang="en-US" altLang="ja-JP" sz="1000">
+                <a:latin typeface="Meiryo UI" panose="020B0604030504040204" pitchFamily="50" charset="-128"/>
+                <a:ea typeface="Meiryo UI" panose="020B0604030504040204" pitchFamily="50" charset="-128"/>
+              </a:rPr>
+              <a:t>EventStage</a:t>
+            </a:r>
+            <a:endParaRPr kumimoji="1" lang="ja-JP" altLang="en-US" sz="1000">
+              <a:latin typeface="Meiryo UI" panose="020B0604030504040204" pitchFamily="50" charset="-128"/>
+              <a:ea typeface="Meiryo UI" panose="020B0604030504040204" pitchFamily="50" charset="-128"/>
+            </a:endParaRPr>
+          </a:p>
+        </p:txBody>
+      </p:sp>
+      <p:sp>
+        <p:nvSpPr>
+          <p:cNvPr id="162" name="正方形/長方形 161">
+            <a:extLst>
+              <a:ext uri="{FF2B5EF4-FFF2-40B4-BE49-F238E27FC236}">
+                <a16:creationId xmlns:a16="http://schemas.microsoft.com/office/drawing/2014/main" id="{6CCC83E0-17E6-4BFE-8CF2-F6C0A6875A18}"/>
+              </a:ext>
+            </a:extLst>
+          </p:cNvPr>
+          <p:cNvSpPr/>
+          <p:nvPr/>
+        </p:nvSpPr>
+        <p:spPr>
+          <a:xfrm>
+            <a:off x="10220206" y="2414826"/>
+            <a:ext cx="1598983" cy="2065233"/>
+          </a:xfrm>
+          <a:prstGeom prst="rect">
+            <a:avLst/>
+          </a:prstGeom>
+          <a:solidFill>
+            <a:srgbClr val="6667AB"/>
+          </a:solidFill>
+          <a:ln>
+            <a:noFill/>
+          </a:ln>
+        </p:spPr>
+        <p:style>
+          <a:lnRef idx="2">
+            <a:schemeClr val="accent1">
+              <a:shade val="50000"/>
+            </a:schemeClr>
+          </a:lnRef>
+          <a:fillRef idx="1">
+            <a:schemeClr val="accent1"/>
+          </a:fillRef>
+          <a:effectRef idx="0">
+            <a:schemeClr val="accent1"/>
+          </a:effectRef>
+          <a:fontRef idx="minor">
+            <a:schemeClr val="lt1"/>
+          </a:fontRef>
+        </p:style>
+        <p:txBody>
+          <a:bodyPr rtlCol="0" anchor="t"/>
+          <a:lstStyle/>
+          <a:p>
+            <a:pPr algn="ctr"/>
+            <a:endParaRPr kumimoji="1" lang="en-US" altLang="ja-JP" sz="1200">
+              <a:latin typeface="Meiryo UI" panose="020B0604030504040204" pitchFamily="50" charset="-128"/>
+              <a:ea typeface="Meiryo UI" panose="020B0604030504040204" pitchFamily="50" charset="-128"/>
+            </a:endParaRPr>
+          </a:p>
+          <a:p>
+            <a:pPr algn="ctr"/>
+            <a:r>
+              <a:rPr kumimoji="1" lang="en-US" altLang="ja-JP" sz="1200">
+                <a:latin typeface="Meiryo UI" panose="020B0604030504040204" pitchFamily="50" charset="-128"/>
+                <a:ea typeface="Meiryo UI" panose="020B0604030504040204" pitchFamily="50" charset="-128"/>
+              </a:rPr>
+              <a:t>Framework</a:t>
+            </a:r>
+            <a:endParaRPr kumimoji="1" lang="ja-JP" altLang="en-US" sz="1200">
+              <a:latin typeface="Meiryo UI" panose="020B0604030504040204" pitchFamily="50" charset="-128"/>
+              <a:ea typeface="Meiryo UI" panose="020B0604030504040204" pitchFamily="50" charset="-128"/>
+            </a:endParaRPr>
+          </a:p>
+        </p:txBody>
+      </p:sp>
+      <p:sp>
+        <p:nvSpPr>
+          <p:cNvPr id="163" name="正方形/長方形 162">
+            <a:extLst>
+              <a:ext uri="{FF2B5EF4-FFF2-40B4-BE49-F238E27FC236}">
+                <a16:creationId xmlns:a16="http://schemas.microsoft.com/office/drawing/2014/main" id="{D6E1DA13-7C4D-45C6-8B34-E1E5A23C7BF1}"/>
+              </a:ext>
+            </a:extLst>
+          </p:cNvPr>
+          <p:cNvSpPr/>
+          <p:nvPr/>
+        </p:nvSpPr>
+        <p:spPr>
+          <a:xfrm>
+            <a:off x="10429520" y="3040959"/>
+            <a:ext cx="1186191" cy="1163824"/>
+          </a:xfrm>
+          <a:prstGeom prst="rect">
+            <a:avLst/>
+          </a:prstGeom>
+          <a:solidFill>
+            <a:srgbClr val="6667AB"/>
+          </a:solidFill>
+          <a:ln>
+            <a:solidFill>
+              <a:schemeClr val="bg1"/>
+            </a:solidFill>
+          </a:ln>
+        </p:spPr>
+        <p:style>
+          <a:lnRef idx="2">
+            <a:schemeClr val="accent1">
+              <a:shade val="50000"/>
+            </a:schemeClr>
+          </a:lnRef>
+          <a:fillRef idx="1">
+            <a:schemeClr val="accent1"/>
+          </a:fillRef>
+          <a:effectRef idx="0">
+            <a:schemeClr val="accent1"/>
+          </a:effectRef>
+          <a:fontRef idx="minor">
+            <a:schemeClr val="lt1"/>
+          </a:fontRef>
+        </p:style>
+        <p:txBody>
+          <a:bodyPr rtlCol="0" anchor="t"/>
+          <a:lstStyle/>
+          <a:p>
+            <a:pPr algn="ctr"/>
+            <a:endParaRPr kumimoji="1" lang="en-US" altLang="ja-JP" sz="1200">
+              <a:latin typeface="Meiryo UI" panose="020B0604030504040204" pitchFamily="50" charset="-128"/>
+              <a:ea typeface="Meiryo UI" panose="020B0604030504040204" pitchFamily="50" charset="-128"/>
+            </a:endParaRPr>
+          </a:p>
+          <a:p>
+            <a:pPr algn="ctr"/>
+            <a:r>
+              <a:rPr kumimoji="1" lang="en-US" altLang="ja-JP" sz="1200">
+                <a:latin typeface="Meiryo UI" panose="020B0604030504040204" pitchFamily="50" charset="-128"/>
+                <a:ea typeface="Meiryo UI" panose="020B0604030504040204" pitchFamily="50" charset="-128"/>
+              </a:rPr>
+              <a:t>Core</a:t>
+            </a:r>
+            <a:endParaRPr kumimoji="1" lang="ja-JP" altLang="en-US" sz="1200">
+              <a:latin typeface="Meiryo UI" panose="020B0604030504040204" pitchFamily="50" charset="-128"/>
+              <a:ea typeface="Meiryo UI" panose="020B0604030504040204" pitchFamily="50" charset="-128"/>
+            </a:endParaRPr>
+          </a:p>
+        </p:txBody>
+      </p:sp>
+      <p:sp>
+        <p:nvSpPr>
+          <p:cNvPr id="164" name="正方形/長方形 163">
+            <a:extLst>
+              <a:ext uri="{FF2B5EF4-FFF2-40B4-BE49-F238E27FC236}">
+                <a16:creationId xmlns:a16="http://schemas.microsoft.com/office/drawing/2014/main" id="{2EBEDCBE-652F-4E9D-B252-5B41F7A963D9}"/>
+              </a:ext>
+            </a:extLst>
+          </p:cNvPr>
+          <p:cNvSpPr/>
+          <p:nvPr/>
+        </p:nvSpPr>
+        <p:spPr>
+          <a:xfrm>
+            <a:off x="10552146" y="3611631"/>
+            <a:ext cx="957942" cy="446595"/>
+          </a:xfrm>
+          <a:prstGeom prst="rect">
+            <a:avLst/>
+          </a:prstGeom>
+          <a:solidFill>
+            <a:srgbClr val="6667AB"/>
+          </a:solidFill>
+          <a:ln>
+            <a:solidFill>
+              <a:schemeClr val="bg1"/>
+            </a:solidFill>
+          </a:ln>
+        </p:spPr>
+        <p:style>
+          <a:lnRef idx="2">
+            <a:schemeClr val="accent1">
+              <a:shade val="50000"/>
+            </a:schemeClr>
+          </a:lnRef>
+          <a:fillRef idx="1">
+            <a:schemeClr val="accent1"/>
+          </a:fillRef>
+          <a:effectRef idx="0">
+            <a:schemeClr val="accent1"/>
+          </a:effectRef>
+          <a:fontRef idx="minor">
+            <a:schemeClr val="lt1"/>
+          </a:fontRef>
+        </p:style>
+        <p:txBody>
+          <a:bodyPr rtlCol="0" anchor="ctr"/>
+          <a:lstStyle/>
+          <a:p>
+            <a:pPr algn="ctr"/>
+            <a:r>
+              <a:rPr kumimoji="1" lang="en-US" altLang="ja-JP" sz="1200">
+                <a:latin typeface="Meiryo UI" panose="020B0604030504040204" pitchFamily="50" charset="-128"/>
+                <a:ea typeface="Meiryo UI" panose="020B0604030504040204" pitchFamily="50" charset="-128"/>
+              </a:rPr>
+              <a:t>Scene</a:t>
+            </a:r>
+          </a:p>
+          <a:p>
+            <a:pPr algn="ctr"/>
+            <a:r>
+              <a:rPr kumimoji="1" lang="en-US" altLang="ja-JP" sz="1200">
+                <a:latin typeface="Meiryo UI" panose="020B0604030504040204" pitchFamily="50" charset="-128"/>
+                <a:ea typeface="Meiryo UI" panose="020B0604030504040204" pitchFamily="50" charset="-128"/>
+              </a:rPr>
+              <a:t>Transition</a:t>
+            </a:r>
+            <a:endParaRPr kumimoji="1" lang="ja-JP" altLang="en-US" sz="1200">
+              <a:latin typeface="Meiryo UI" panose="020B0604030504040204" pitchFamily="50" charset="-128"/>
+              <a:ea typeface="Meiryo UI" panose="020B0604030504040204" pitchFamily="50" charset="-128"/>
+            </a:endParaRPr>
+          </a:p>
+        </p:txBody>
+      </p:sp>
+      <p:cxnSp>
+        <p:nvCxnSpPr>
+          <p:cNvPr id="165" name="直線矢印コネクタ 24">
+            <a:extLst>
+              <a:ext uri="{FF2B5EF4-FFF2-40B4-BE49-F238E27FC236}">
+                <a16:creationId xmlns:a16="http://schemas.microsoft.com/office/drawing/2014/main" id="{901AE9E7-EE15-42E2-90B2-66A7EABD471E}"/>
+              </a:ext>
+            </a:extLst>
+          </p:cNvPr>
+          <p:cNvCxnSpPr>
+            <a:cxnSpLocks/>
+            <a:stCxn id="164" idx="1"/>
+            <a:endCxn id="39" idx="3"/>
+          </p:cNvCxnSpPr>
+          <p:nvPr/>
+        </p:nvCxnSpPr>
+        <p:spPr>
+          <a:xfrm flipH="1">
+            <a:off x="9785626" y="3834929"/>
+            <a:ext cx="766520" cy="9156"/>
+          </a:xfrm>
+          <a:prstGeom prst="straightConnector1">
+            <a:avLst/>
+          </a:prstGeom>
+          <a:ln w="12700">
+            <a:solidFill>
+              <a:schemeClr val="accent4"/>
+            </a:solidFill>
+            <a:tailEnd type="triangle"/>
+          </a:ln>
+        </p:spPr>
+        <p:style>
+          <a:lnRef idx="1">
+            <a:schemeClr val="accent1"/>
+          </a:lnRef>
+          <a:fillRef idx="0">
+            <a:schemeClr val="accent1"/>
+          </a:fillRef>
+          <a:effectRef idx="0">
+            <a:schemeClr val="accent1"/>
+          </a:effectRef>
+          <a:fontRef idx="minor">
+            <a:schemeClr val="tx1"/>
+          </a:fontRef>
+        </p:style>
+      </p:cxnSp>
+      <p:sp>
+        <p:nvSpPr>
+          <p:cNvPr id="167" name="正方形/長方形 166">
+            <a:extLst>
+              <a:ext uri="{FF2B5EF4-FFF2-40B4-BE49-F238E27FC236}">
+                <a16:creationId xmlns:a16="http://schemas.microsoft.com/office/drawing/2014/main" id="{7FAE003D-582A-40E2-AE48-C97083F8091E}"/>
+              </a:ext>
+            </a:extLst>
+          </p:cNvPr>
+          <p:cNvSpPr/>
+          <p:nvPr/>
+        </p:nvSpPr>
+        <p:spPr>
+          <a:xfrm>
+            <a:off x="481087" y="5276621"/>
+            <a:ext cx="1626768" cy="259099"/>
+          </a:xfrm>
+          <a:prstGeom prst="rect">
+            <a:avLst/>
+          </a:prstGeom>
+          <a:solidFill>
+            <a:schemeClr val="tx2"/>
+          </a:solidFill>
+          <a:ln>
+            <a:noFill/>
+          </a:ln>
+        </p:spPr>
+        <p:style>
+          <a:lnRef idx="2">
+            <a:schemeClr val="accent1">
+              <a:shade val="50000"/>
+            </a:schemeClr>
+          </a:lnRef>
+          <a:fillRef idx="1">
+            <a:schemeClr val="accent1"/>
+          </a:fillRef>
+          <a:effectRef idx="0">
+            <a:schemeClr val="accent1"/>
+          </a:effectRef>
+          <a:fontRef idx="minor">
+            <a:schemeClr val="lt1"/>
+          </a:fontRef>
+        </p:style>
+        <p:txBody>
+          <a:bodyPr rtlCol="0" anchor="ctr"/>
+          <a:lstStyle/>
+          <a:p>
+            <a:pPr algn="ctr"/>
+            <a:r>
+              <a:rPr kumimoji="1" lang="en-US" altLang="ja-JP" sz="1000">
+                <a:latin typeface="Meiryo UI" panose="020B0604030504040204" pitchFamily="50" charset="-128"/>
+                <a:ea typeface="Meiryo UI" panose="020B0604030504040204" pitchFamily="50" charset="-128"/>
+              </a:rPr>
+              <a:t>Unity Scene</a:t>
+            </a:r>
+            <a:endParaRPr kumimoji="1" lang="ja-JP" altLang="en-US" sz="1000">
+              <a:latin typeface="Meiryo UI" panose="020B0604030504040204" pitchFamily="50" charset="-128"/>
+              <a:ea typeface="Meiryo UI" panose="020B0604030504040204" pitchFamily="50" charset="-128"/>
+            </a:endParaRPr>
+          </a:p>
+        </p:txBody>
+      </p:sp>
+      <p:sp>
+        <p:nvSpPr>
+          <p:cNvPr id="168" name="正方形/長方形 167">
+            <a:extLst>
+              <a:ext uri="{FF2B5EF4-FFF2-40B4-BE49-F238E27FC236}">
+                <a16:creationId xmlns:a16="http://schemas.microsoft.com/office/drawing/2014/main" id="{25E67E7F-F55A-41CA-8EF4-81B7E011A0FA}"/>
+              </a:ext>
+            </a:extLst>
+          </p:cNvPr>
+          <p:cNvSpPr/>
+          <p:nvPr/>
+        </p:nvSpPr>
+        <p:spPr>
+          <a:xfrm>
+            <a:off x="481087" y="4939229"/>
+            <a:ext cx="4506788" cy="259099"/>
+          </a:xfrm>
+          <a:prstGeom prst="rect">
+            <a:avLst/>
+          </a:prstGeom>
+          <a:solidFill>
+            <a:schemeClr val="accent5"/>
+          </a:solidFill>
+          <a:ln>
+            <a:noFill/>
+          </a:ln>
+        </p:spPr>
+        <p:style>
+          <a:lnRef idx="2">
+            <a:schemeClr val="accent1">
+              <a:shade val="50000"/>
+            </a:schemeClr>
+          </a:lnRef>
+          <a:fillRef idx="1">
+            <a:schemeClr val="accent1"/>
+          </a:fillRef>
+          <a:effectRef idx="0">
+            <a:schemeClr val="accent1"/>
+          </a:effectRef>
+          <a:fontRef idx="minor">
+            <a:schemeClr val="lt1"/>
+          </a:fontRef>
+        </p:style>
+        <p:txBody>
+          <a:bodyPr rtlCol="0" anchor="ctr"/>
+          <a:lstStyle/>
+          <a:p>
+            <a:pPr algn="ctr"/>
+            <a:r>
+              <a:rPr kumimoji="1" lang="en-US" altLang="ja-JP" sz="1000">
+                <a:latin typeface="Meiryo UI" panose="020B0604030504040204" pitchFamily="50" charset="-128"/>
+                <a:ea typeface="Meiryo UI" panose="020B0604030504040204" pitchFamily="50" charset="-128"/>
+              </a:rPr>
+              <a:t>Scene defined in the Framework composed of multiple Unity Scenes</a:t>
+            </a:r>
+            <a:endParaRPr kumimoji="1" lang="ja-JP" altLang="en-US" sz="1000">
+              <a:latin typeface="Meiryo UI" panose="020B0604030504040204" pitchFamily="50" charset="-128"/>
+              <a:ea typeface="Meiryo UI" panose="020B0604030504040204" pitchFamily="50" charset="-128"/>
+            </a:endParaRPr>
+          </a:p>
+        </p:txBody>
+      </p:sp>
+    </p:spTree>
+    <p:extLst>
+      <p:ext uri="{BB962C8B-B14F-4D97-AF65-F5344CB8AC3E}">
+        <p14:creationId xmlns:p14="http://schemas.microsoft.com/office/powerpoint/2010/main" val="3053063929"/>
+      </p:ext>
+    </p:extLst>
+  </p:cSld>
+  <p:clrMapOvr>
+    <a:masterClrMapping/>
+  </p:clrMapOvr>
+</p:sld>
+</file>
+
+<file path=ppt/slides/slide3.xml><?xml version="1.0" encoding="utf-8"?>
+<p:sld xmlns:a="http://schemas.openxmlformats.org/drawingml/2006/main" xmlns:r="http://schemas.openxmlformats.org/officeDocument/2006/relationships" xmlns:p="http://schemas.openxmlformats.org/presentationml/2006/main">
+  <p:cSld>
+    <p:spTree>
+      <p:nvGrpSpPr>
+        <p:cNvPr id="1" name=""/>
+        <p:cNvGrpSpPr/>
+        <p:nvPr/>
+      </p:nvGrpSpPr>
+      <p:grpSpPr>
+        <a:xfrm>
+          <a:off x="0" y="0"/>
+          <a:ext cx="0" cy="0"/>
+          <a:chOff x="0" y="0"/>
+          <a:chExt cx="0" cy="0"/>
+        </a:xfrm>
+      </p:grpSpPr>
+      <p:sp>
+        <p:nvSpPr>
+          <p:cNvPr id="55" name="正方形/長方形 54">
+            <a:extLst>
+              <a:ext uri="{FF2B5EF4-FFF2-40B4-BE49-F238E27FC236}">
+                <a16:creationId xmlns:a16="http://schemas.microsoft.com/office/drawing/2014/main" id="{C80D912E-1905-4B17-87B2-015C4A1F17F5}"/>
+              </a:ext>
+            </a:extLst>
+          </p:cNvPr>
+          <p:cNvSpPr/>
+          <p:nvPr/>
+        </p:nvSpPr>
+        <p:spPr>
+          <a:xfrm>
+            <a:off x="1124590" y="1831649"/>
+            <a:ext cx="5919108" cy="2065233"/>
+          </a:xfrm>
+          <a:prstGeom prst="rect">
+            <a:avLst/>
+          </a:prstGeom>
+          <a:solidFill>
+            <a:schemeClr val="tx2"/>
+          </a:solidFill>
+          <a:ln>
+            <a:noFill/>
+          </a:ln>
+        </p:spPr>
+        <p:style>
+          <a:lnRef idx="2">
+            <a:schemeClr val="accent1">
+              <a:shade val="50000"/>
+            </a:schemeClr>
+          </a:lnRef>
+          <a:fillRef idx="1">
+            <a:schemeClr val="accent1"/>
+          </a:fillRef>
+          <a:effectRef idx="0">
+            <a:schemeClr val="accent1"/>
+          </a:effectRef>
+          <a:fontRef idx="minor">
+            <a:schemeClr val="lt1"/>
+          </a:fontRef>
+        </p:style>
+        <p:txBody>
+          <a:bodyPr rtlCol="0" anchor="t"/>
+          <a:lstStyle/>
+          <a:p>
+            <a:pPr algn="ctr"/>
+            <a:endParaRPr lang="en-US" altLang="ja-JP" sz="1200">
+              <a:latin typeface="Meiryo UI" panose="020B0604030504040204" pitchFamily="50" charset="-128"/>
+              <a:ea typeface="Meiryo UI" panose="020B0604030504040204" pitchFamily="50" charset="-128"/>
+            </a:endParaRPr>
+          </a:p>
+          <a:p>
+            <a:pPr algn="ctr"/>
+            <a:r>
+              <a:rPr lang="en-US" altLang="ja-JP" sz="1200">
+                <a:latin typeface="Meiryo UI" panose="020B0604030504040204" pitchFamily="50" charset="-128"/>
+                <a:ea typeface="Meiryo UI" panose="020B0604030504040204" pitchFamily="50" charset="-128"/>
+              </a:rPr>
+              <a:t>Scene</a:t>
+            </a:r>
+            <a:endParaRPr kumimoji="1" lang="ja-JP" altLang="en-US" sz="1200">
+              <a:latin typeface="Meiryo UI" panose="020B0604030504040204" pitchFamily="50" charset="-128"/>
+              <a:ea typeface="Meiryo UI" panose="020B0604030504040204" pitchFamily="50" charset="-128"/>
+            </a:endParaRPr>
+          </a:p>
+        </p:txBody>
+      </p:sp>
+      <p:sp>
+        <p:nvSpPr>
+          <p:cNvPr id="6" name="正方形/長方形 5">
+            <a:extLst>
+              <a:ext uri="{FF2B5EF4-FFF2-40B4-BE49-F238E27FC236}">
+                <a16:creationId xmlns:a16="http://schemas.microsoft.com/office/drawing/2014/main" id="{AE4D297A-2179-19E2-F36C-A52E16E95D13}"/>
+              </a:ext>
+            </a:extLst>
+          </p:cNvPr>
+          <p:cNvSpPr/>
+          <p:nvPr/>
+        </p:nvSpPr>
+        <p:spPr>
+          <a:xfrm>
+            <a:off x="3568941" y="2949302"/>
+            <a:ext cx="1025471" cy="341919"/>
+          </a:xfrm>
+          <a:prstGeom prst="rect">
+            <a:avLst/>
+          </a:prstGeom>
+          <a:solidFill>
+            <a:schemeClr val="accent2"/>
+          </a:solidFill>
+          <a:ln>
+            <a:noFill/>
+          </a:ln>
+        </p:spPr>
+        <p:style>
+          <a:lnRef idx="2">
+            <a:schemeClr val="accent1">
+              <a:shade val="50000"/>
+            </a:schemeClr>
+          </a:lnRef>
+          <a:fillRef idx="1">
+            <a:schemeClr val="accent1"/>
+          </a:fillRef>
+          <a:effectRef idx="0">
+            <a:schemeClr val="accent1"/>
+          </a:effectRef>
+          <a:fontRef idx="minor">
+            <a:schemeClr val="lt1"/>
+          </a:fontRef>
+        </p:style>
+        <p:txBody>
+          <a:bodyPr rtlCol="0" anchor="ctr"/>
+          <a:lstStyle/>
+          <a:p>
+            <a:pPr algn="ctr"/>
+            <a:r>
+              <a:rPr kumimoji="1" lang="en-US" altLang="ja-JP" sz="1200">
+                <a:latin typeface="Meiryo UI" panose="020B0604030504040204" pitchFamily="50" charset="-128"/>
+                <a:ea typeface="Meiryo UI" panose="020B0604030504040204" pitchFamily="50" charset="-128"/>
+              </a:rPr>
+              <a:t>Presenter</a:t>
+            </a:r>
+          </a:p>
+        </p:txBody>
+      </p:sp>
+      <p:sp>
+        <p:nvSpPr>
+          <p:cNvPr id="7" name="正方形/長方形 6">
+            <a:extLst>
+              <a:ext uri="{FF2B5EF4-FFF2-40B4-BE49-F238E27FC236}">
+                <a16:creationId xmlns:a16="http://schemas.microsoft.com/office/drawing/2014/main" id="{23A599DD-5940-C5A7-2FF7-F11BE04130B1}"/>
+              </a:ext>
+            </a:extLst>
+          </p:cNvPr>
+          <p:cNvSpPr/>
+          <p:nvPr/>
+        </p:nvSpPr>
+        <p:spPr>
+          <a:xfrm>
+            <a:off x="1449629" y="2949302"/>
+            <a:ext cx="1025471" cy="341919"/>
+          </a:xfrm>
+          <a:prstGeom prst="rect">
+            <a:avLst/>
+          </a:prstGeom>
+          <a:solidFill>
+            <a:schemeClr val="accent5"/>
+          </a:solidFill>
+          <a:ln>
+            <a:noFill/>
+          </a:ln>
+        </p:spPr>
+        <p:style>
+          <a:lnRef idx="2">
+            <a:schemeClr val="accent1">
+              <a:shade val="50000"/>
+            </a:schemeClr>
+          </a:lnRef>
+          <a:fillRef idx="1">
+            <a:schemeClr val="accent1"/>
+          </a:fillRef>
+          <a:effectRef idx="0">
+            <a:schemeClr val="accent1"/>
+          </a:effectRef>
+          <a:fontRef idx="minor">
+            <a:schemeClr val="lt1"/>
+          </a:fontRef>
+        </p:style>
+        <p:txBody>
+          <a:bodyPr rtlCol="0" anchor="ctr"/>
+          <a:lstStyle/>
+          <a:p>
+            <a:pPr algn="ctr"/>
+            <a:r>
+              <a:rPr kumimoji="1" lang="en-US" altLang="ja-JP" sz="1200">
+                <a:latin typeface="Meiryo UI" panose="020B0604030504040204" pitchFamily="50" charset="-128"/>
+                <a:ea typeface="Meiryo UI" panose="020B0604030504040204" pitchFamily="50" charset="-128"/>
+              </a:rPr>
+              <a:t>View</a:t>
+            </a:r>
+          </a:p>
+        </p:txBody>
+      </p:sp>
+      <p:sp>
+        <p:nvSpPr>
+          <p:cNvPr id="8" name="正方形/長方形 7">
+            <a:extLst>
+              <a:ext uri="{FF2B5EF4-FFF2-40B4-BE49-F238E27FC236}">
+                <a16:creationId xmlns:a16="http://schemas.microsoft.com/office/drawing/2014/main" id="{C24ADA1B-A92A-1602-76CD-8E6749B2DA22}"/>
+              </a:ext>
+            </a:extLst>
+          </p:cNvPr>
+          <p:cNvSpPr/>
+          <p:nvPr/>
+        </p:nvSpPr>
+        <p:spPr>
+          <a:xfrm>
+            <a:off x="5693016" y="2949301"/>
+            <a:ext cx="1025471" cy="341919"/>
+          </a:xfrm>
+          <a:prstGeom prst="rect">
+            <a:avLst/>
+          </a:prstGeom>
+          <a:solidFill>
+            <a:schemeClr val="accent6"/>
+          </a:solidFill>
+          <a:ln>
+            <a:noFill/>
+          </a:ln>
+        </p:spPr>
+        <p:style>
+          <a:lnRef idx="2">
+            <a:schemeClr val="accent1">
+              <a:shade val="50000"/>
+            </a:schemeClr>
+          </a:lnRef>
+          <a:fillRef idx="1">
+            <a:schemeClr val="accent1"/>
+          </a:fillRef>
+          <a:effectRef idx="0">
+            <a:schemeClr val="accent1"/>
+          </a:effectRef>
+          <a:fontRef idx="minor">
+            <a:schemeClr val="lt1"/>
+          </a:fontRef>
+        </p:style>
+        <p:txBody>
+          <a:bodyPr rtlCol="0" anchor="ctr"/>
+          <a:lstStyle/>
+          <a:p>
+            <a:pPr algn="ctr"/>
+            <a:r>
+              <a:rPr kumimoji="1" lang="en-US" altLang="ja-JP" sz="1200">
+                <a:latin typeface="Meiryo UI" panose="020B0604030504040204" pitchFamily="50" charset="-128"/>
+                <a:ea typeface="Meiryo UI" panose="020B0604030504040204" pitchFamily="50" charset="-128"/>
+              </a:rPr>
+              <a:t>Model</a:t>
+            </a:r>
+          </a:p>
+        </p:txBody>
+      </p:sp>
+      <p:cxnSp>
+        <p:nvCxnSpPr>
+          <p:cNvPr id="10" name="直線矢印コネクタ 9">
+            <a:extLst>
+              <a:ext uri="{FF2B5EF4-FFF2-40B4-BE49-F238E27FC236}">
+                <a16:creationId xmlns:a16="http://schemas.microsoft.com/office/drawing/2014/main" id="{8A3A81A1-70EA-DB56-FA23-4E95309142B0}"/>
+              </a:ext>
+            </a:extLst>
+          </p:cNvPr>
+          <p:cNvCxnSpPr>
+            <a:stCxn id="6" idx="3"/>
+            <a:endCxn id="8" idx="1"/>
+          </p:cNvCxnSpPr>
+          <p:nvPr/>
+        </p:nvCxnSpPr>
+        <p:spPr>
+          <a:xfrm flipV="1">
+            <a:off x="4594412" y="3120261"/>
+            <a:ext cx="1098604" cy="1"/>
+          </a:xfrm>
+          <a:prstGeom prst="straightConnector1">
+            <a:avLst/>
+          </a:prstGeom>
+          <a:ln w="12700">
+            <a:solidFill>
+              <a:schemeClr val="accent6"/>
+            </a:solidFill>
+            <a:tailEnd type="triangle"/>
+          </a:ln>
+        </p:spPr>
+        <p:style>
+          <a:lnRef idx="1">
+            <a:schemeClr val="accent1"/>
+          </a:lnRef>
+          <a:fillRef idx="0">
+            <a:schemeClr val="accent1"/>
+          </a:fillRef>
+          <a:effectRef idx="0">
+            <a:schemeClr val="accent1"/>
+          </a:effectRef>
+          <a:fontRef idx="minor">
+            <a:schemeClr val="tx1"/>
+          </a:fontRef>
+        </p:style>
+      </p:cxnSp>
+      <p:cxnSp>
+        <p:nvCxnSpPr>
+          <p:cNvPr id="11" name="直線矢印コネクタ 10">
+            <a:extLst>
+              <a:ext uri="{FF2B5EF4-FFF2-40B4-BE49-F238E27FC236}">
+                <a16:creationId xmlns:a16="http://schemas.microsoft.com/office/drawing/2014/main" id="{E74E0D1B-5B87-7685-9379-8E272FAC9153}"/>
+              </a:ext>
+            </a:extLst>
+          </p:cNvPr>
+          <p:cNvCxnSpPr>
+            <a:cxnSpLocks/>
+            <a:stCxn id="6" idx="1"/>
+            <a:endCxn id="7" idx="3"/>
+          </p:cNvCxnSpPr>
+          <p:nvPr/>
+        </p:nvCxnSpPr>
+        <p:spPr>
+          <a:xfrm flipH="1">
+            <a:off x="2475100" y="3120262"/>
+            <a:ext cx="1093841" cy="0"/>
+          </a:xfrm>
+          <a:prstGeom prst="straightConnector1">
+            <a:avLst/>
+          </a:prstGeom>
+          <a:ln w="12700">
+            <a:solidFill>
+              <a:schemeClr val="accent5"/>
+            </a:solidFill>
+            <a:tailEnd type="triangle"/>
+          </a:ln>
+        </p:spPr>
+        <p:style>
+          <a:lnRef idx="1">
+            <a:schemeClr val="accent1"/>
+          </a:lnRef>
+          <a:fillRef idx="0">
+            <a:schemeClr val="accent1"/>
+          </a:fillRef>
+          <a:effectRef idx="0">
+            <a:schemeClr val="accent1"/>
+          </a:effectRef>
+          <a:fontRef idx="minor">
+            <a:schemeClr val="tx1"/>
+          </a:fontRef>
+        </p:style>
+      </p:cxnSp>
+      <p:cxnSp>
+        <p:nvCxnSpPr>
+          <p:cNvPr id="16" name="直線矢印コネクタ 15">
+            <a:extLst>
+              <a:ext uri="{FF2B5EF4-FFF2-40B4-BE49-F238E27FC236}">
+                <a16:creationId xmlns:a16="http://schemas.microsoft.com/office/drawing/2014/main" id="{E898AB46-3B79-3F61-02F0-160DE022649E}"/>
+              </a:ext>
+            </a:extLst>
+          </p:cNvPr>
+          <p:cNvCxnSpPr>
+            <a:cxnSpLocks/>
+            <a:stCxn id="6" idx="0"/>
+            <a:endCxn id="7" idx="0"/>
+          </p:cNvCxnSpPr>
+          <p:nvPr/>
+        </p:nvCxnSpPr>
+        <p:spPr>
+          <a:xfrm rot="16200000" flipV="1">
+            <a:off x="3022021" y="1889646"/>
+            <a:ext cx="12700" cy="2119312"/>
+          </a:xfrm>
+          <a:prstGeom prst="bentConnector3">
+            <a:avLst>
+              <a:gd name="adj1" fmla="val 1800000"/>
+            </a:avLst>
+          </a:prstGeom>
+          <a:ln w="12700">
+            <a:solidFill>
+              <a:schemeClr val="accent6"/>
+            </a:solidFill>
+            <a:prstDash val="dash"/>
+            <a:tailEnd type="triangle"/>
+          </a:ln>
+        </p:spPr>
+        <p:style>
+          <a:lnRef idx="1">
+            <a:schemeClr val="accent1"/>
+          </a:lnRef>
+          <a:fillRef idx="0">
+            <a:schemeClr val="accent1"/>
+          </a:fillRef>
+          <a:effectRef idx="0">
+            <a:schemeClr val="accent1"/>
+          </a:effectRef>
+          <a:fontRef idx="minor">
+            <a:schemeClr val="tx1"/>
+          </a:fontRef>
+        </p:style>
+      </p:cxnSp>
+      <p:cxnSp>
+        <p:nvCxnSpPr>
+          <p:cNvPr id="19" name="直線矢印コネクタ 15">
+            <a:extLst>
+              <a:ext uri="{FF2B5EF4-FFF2-40B4-BE49-F238E27FC236}">
+                <a16:creationId xmlns:a16="http://schemas.microsoft.com/office/drawing/2014/main" id="{9F9EC708-0251-4F67-93EA-E044BE4AE142}"/>
+              </a:ext>
+            </a:extLst>
+          </p:cNvPr>
+          <p:cNvCxnSpPr>
+            <a:cxnSpLocks/>
+            <a:stCxn id="6" idx="2"/>
+            <a:endCxn id="8" idx="2"/>
+          </p:cNvCxnSpPr>
+          <p:nvPr/>
+        </p:nvCxnSpPr>
+        <p:spPr>
+          <a:xfrm rot="5400000" flipH="1" flipV="1">
+            <a:off x="5143713" y="2229183"/>
+            <a:ext cx="1" cy="2124075"/>
+          </a:xfrm>
+          <a:prstGeom prst="bentConnector3">
+            <a:avLst>
+              <a:gd name="adj1" fmla="val -22860000000"/>
+            </a:avLst>
+          </a:prstGeom>
+          <a:ln w="12700">
+            <a:solidFill>
+              <a:schemeClr val="accent5"/>
+            </a:solidFill>
+            <a:prstDash val="dash"/>
+            <a:tailEnd type="triangle"/>
+          </a:ln>
+        </p:spPr>
+        <p:style>
+          <a:lnRef idx="1">
+            <a:schemeClr val="accent1"/>
+          </a:lnRef>
+          <a:fillRef idx="0">
+            <a:schemeClr val="accent1"/>
+          </a:fillRef>
+          <a:effectRef idx="0">
+            <a:schemeClr val="accent1"/>
+          </a:effectRef>
+          <a:fontRef idx="minor">
+            <a:schemeClr val="tx1"/>
+          </a:fontRef>
+        </p:style>
+      </p:cxnSp>
+      <p:sp>
+        <p:nvSpPr>
+          <p:cNvPr id="23" name="正方形/長方形 22">
+            <a:extLst>
+              <a:ext uri="{FF2B5EF4-FFF2-40B4-BE49-F238E27FC236}">
+                <a16:creationId xmlns:a16="http://schemas.microsoft.com/office/drawing/2014/main" id="{D4AF3D50-1345-BD2A-0DC8-BA178E5115E6}"/>
+              </a:ext>
+            </a:extLst>
+          </p:cNvPr>
+          <p:cNvSpPr/>
+          <p:nvPr/>
+        </p:nvSpPr>
+        <p:spPr>
+          <a:xfrm>
+            <a:off x="4594412" y="3310270"/>
+            <a:ext cx="1025471" cy="208895"/>
+          </a:xfrm>
+          <a:prstGeom prst="rect">
+            <a:avLst/>
+          </a:prstGeom>
+          <a:noFill/>
+          <a:ln>
+            <a:noFill/>
+          </a:ln>
+        </p:spPr>
+        <p:style>
+          <a:lnRef idx="2">
+            <a:schemeClr val="accent1">
+              <a:shade val="50000"/>
+            </a:schemeClr>
+          </a:lnRef>
+          <a:fillRef idx="1">
+            <a:schemeClr val="accent1"/>
+          </a:fillRef>
+          <a:effectRef idx="0">
+            <a:schemeClr val="accent1"/>
+          </a:effectRef>
+          <a:fontRef idx="minor">
+            <a:schemeClr val="lt1"/>
+          </a:fontRef>
+        </p:style>
+        <p:txBody>
+          <a:bodyPr rtlCol="0" anchor="ctr"/>
+          <a:lstStyle/>
+          <a:p>
+            <a:pPr algn="ctr"/>
+            <a:r>
               <a:rPr kumimoji="1" lang="en-US" altLang="ja-JP" sz="1000">
                 <a:solidFill>
-                  <a:schemeClr val="accent2"/>
+                  <a:schemeClr val="accent5"/>
                 </a:solidFill>
                 <a:latin typeface="Meiryo UI" panose="020B0604030504040204" pitchFamily="50" charset="-128"/>
                 <a:ea typeface="Meiryo UI" panose="020B0604030504040204" pitchFamily="50" charset="-128"/>
@@ -5871,10 +8955,1622 @@
           </a:p>
         </p:txBody>
       </p:sp>
+      <p:sp>
+        <p:nvSpPr>
+          <p:cNvPr id="26" name="正方形/長方形 25">
+            <a:extLst>
+              <a:ext uri="{FF2B5EF4-FFF2-40B4-BE49-F238E27FC236}">
+                <a16:creationId xmlns:a16="http://schemas.microsoft.com/office/drawing/2014/main" id="{DC866228-CFC2-1C62-D5B3-0C53279BE358}"/>
+              </a:ext>
+            </a:extLst>
+          </p:cNvPr>
+          <p:cNvSpPr/>
+          <p:nvPr/>
+        </p:nvSpPr>
+        <p:spPr>
+          <a:xfrm>
+            <a:off x="4594411" y="2911364"/>
+            <a:ext cx="1025471" cy="208895"/>
+          </a:xfrm>
+          <a:prstGeom prst="rect">
+            <a:avLst/>
+          </a:prstGeom>
+          <a:noFill/>
+          <a:ln>
+            <a:noFill/>
+          </a:ln>
+        </p:spPr>
+        <p:style>
+          <a:lnRef idx="2">
+            <a:schemeClr val="accent1">
+              <a:shade val="50000"/>
+            </a:schemeClr>
+          </a:lnRef>
+          <a:fillRef idx="1">
+            <a:schemeClr val="accent1"/>
+          </a:fillRef>
+          <a:effectRef idx="0">
+            <a:schemeClr val="accent1"/>
+          </a:effectRef>
+          <a:fontRef idx="minor">
+            <a:schemeClr val="lt1"/>
+          </a:fontRef>
+        </p:style>
+        <p:txBody>
+          <a:bodyPr rtlCol="0" anchor="ctr"/>
+          <a:lstStyle/>
+          <a:p>
+            <a:pPr algn="ctr"/>
+            <a:r>
+              <a:rPr kumimoji="1" lang="en-US" altLang="ja-JP" sz="1000">
+                <a:solidFill>
+                  <a:schemeClr val="accent6"/>
+                </a:solidFill>
+                <a:latin typeface="Meiryo UI" panose="020B0604030504040204" pitchFamily="50" charset="-128"/>
+                <a:ea typeface="Meiryo UI" panose="020B0604030504040204" pitchFamily="50" charset="-128"/>
+              </a:rPr>
+              <a:t>use</a:t>
+            </a:r>
+          </a:p>
+        </p:txBody>
+      </p:sp>
+      <p:sp>
+        <p:nvSpPr>
+          <p:cNvPr id="27" name="正方形/長方形 26">
+            <a:extLst>
+              <a:ext uri="{FF2B5EF4-FFF2-40B4-BE49-F238E27FC236}">
+                <a16:creationId xmlns:a16="http://schemas.microsoft.com/office/drawing/2014/main" id="{B2E077B3-9F65-DF64-8D89-560A50FF376F}"/>
+              </a:ext>
+            </a:extLst>
+          </p:cNvPr>
+          <p:cNvSpPr/>
+          <p:nvPr/>
+        </p:nvSpPr>
+        <p:spPr>
+          <a:xfrm>
+            <a:off x="2543470" y="2911364"/>
+            <a:ext cx="1025471" cy="208895"/>
+          </a:xfrm>
+          <a:prstGeom prst="rect">
+            <a:avLst/>
+          </a:prstGeom>
+          <a:noFill/>
+          <a:ln>
+            <a:noFill/>
+          </a:ln>
+        </p:spPr>
+        <p:style>
+          <a:lnRef idx="2">
+            <a:schemeClr val="accent1">
+              <a:shade val="50000"/>
+            </a:schemeClr>
+          </a:lnRef>
+          <a:fillRef idx="1">
+            <a:schemeClr val="accent1"/>
+          </a:fillRef>
+          <a:effectRef idx="0">
+            <a:schemeClr val="accent1"/>
+          </a:effectRef>
+          <a:fontRef idx="minor">
+            <a:schemeClr val="lt1"/>
+          </a:fontRef>
+        </p:style>
+        <p:txBody>
+          <a:bodyPr rtlCol="0" anchor="ctr"/>
+          <a:lstStyle/>
+          <a:p>
+            <a:pPr algn="ctr"/>
+            <a:r>
+              <a:rPr kumimoji="1" lang="en-US" altLang="ja-JP" sz="1000">
+                <a:solidFill>
+                  <a:schemeClr val="accent5"/>
+                </a:solidFill>
+                <a:latin typeface="Meiryo UI" panose="020B0604030504040204" pitchFamily="50" charset="-128"/>
+                <a:ea typeface="Meiryo UI" panose="020B0604030504040204" pitchFamily="50" charset="-128"/>
+              </a:rPr>
+              <a:t>use</a:t>
+            </a:r>
+          </a:p>
+        </p:txBody>
+      </p:sp>
+      <p:sp>
+        <p:nvSpPr>
+          <p:cNvPr id="28" name="正方形/長方形 27">
+            <a:extLst>
+              <a:ext uri="{FF2B5EF4-FFF2-40B4-BE49-F238E27FC236}">
+                <a16:creationId xmlns:a16="http://schemas.microsoft.com/office/drawing/2014/main" id="{D8FBADBF-DCF0-EB7C-DC00-37B2B1784ADB}"/>
+              </a:ext>
+            </a:extLst>
+          </p:cNvPr>
+          <p:cNvSpPr/>
+          <p:nvPr/>
+        </p:nvSpPr>
+        <p:spPr>
+          <a:xfrm>
+            <a:off x="2543470" y="2517700"/>
+            <a:ext cx="1025471" cy="208895"/>
+          </a:xfrm>
+          <a:prstGeom prst="rect">
+            <a:avLst/>
+          </a:prstGeom>
+          <a:noFill/>
+          <a:ln>
+            <a:noFill/>
+          </a:ln>
+        </p:spPr>
+        <p:style>
+          <a:lnRef idx="2">
+            <a:schemeClr val="accent1">
+              <a:shade val="50000"/>
+            </a:schemeClr>
+          </a:lnRef>
+          <a:fillRef idx="1">
+            <a:schemeClr val="accent1"/>
+          </a:fillRef>
+          <a:effectRef idx="0">
+            <a:schemeClr val="accent1"/>
+          </a:effectRef>
+          <a:fontRef idx="minor">
+            <a:schemeClr val="lt1"/>
+          </a:fontRef>
+        </p:style>
+        <p:txBody>
+          <a:bodyPr rtlCol="0" anchor="ctr"/>
+          <a:lstStyle/>
+          <a:p>
+            <a:pPr algn="ctr"/>
+            <a:r>
+              <a:rPr kumimoji="1" lang="en-US" altLang="ja-JP" sz="1000">
+                <a:solidFill>
+                  <a:schemeClr val="accent6"/>
+                </a:solidFill>
+                <a:latin typeface="Meiryo UI" panose="020B0604030504040204" pitchFamily="50" charset="-128"/>
+                <a:ea typeface="Meiryo UI" panose="020B0604030504040204" pitchFamily="50" charset="-128"/>
+              </a:rPr>
+              <a:t>subscribe</a:t>
+            </a:r>
+          </a:p>
+        </p:txBody>
+      </p:sp>
+      <p:sp>
+        <p:nvSpPr>
+          <p:cNvPr id="25" name="正方形/長方形 24">
+            <a:extLst>
+              <a:ext uri="{FF2B5EF4-FFF2-40B4-BE49-F238E27FC236}">
+                <a16:creationId xmlns:a16="http://schemas.microsoft.com/office/drawing/2014/main" id="{8BE1B9DA-E3D2-4B35-9854-F88ED167579B}"/>
+              </a:ext>
+            </a:extLst>
+          </p:cNvPr>
+          <p:cNvSpPr/>
+          <p:nvPr/>
+        </p:nvSpPr>
+        <p:spPr>
+          <a:xfrm>
+            <a:off x="1276990" y="2424793"/>
+            <a:ext cx="5613667" cy="1298121"/>
+          </a:xfrm>
+          <a:prstGeom prst="rect">
+            <a:avLst/>
+          </a:prstGeom>
+          <a:noFill/>
+          <a:ln>
+            <a:solidFill>
+              <a:schemeClr val="accent4"/>
+            </a:solidFill>
+            <a:prstDash val="dash"/>
+          </a:ln>
+        </p:spPr>
+        <p:style>
+          <a:lnRef idx="2">
+            <a:schemeClr val="accent1">
+              <a:shade val="50000"/>
+            </a:schemeClr>
+          </a:lnRef>
+          <a:fillRef idx="1">
+            <a:schemeClr val="accent1"/>
+          </a:fillRef>
+          <a:effectRef idx="0">
+            <a:schemeClr val="accent1"/>
+          </a:effectRef>
+          <a:fontRef idx="minor">
+            <a:schemeClr val="lt1"/>
+          </a:fontRef>
+        </p:style>
+        <p:txBody>
+          <a:bodyPr rtlCol="0" anchor="t"/>
+          <a:lstStyle/>
+          <a:p>
+            <a:pPr algn="ctr"/>
+            <a:endParaRPr lang="en-US" altLang="ja-JP" sz="1200">
+              <a:latin typeface="Meiryo UI" panose="020B0604030504040204" pitchFamily="50" charset="-128"/>
+              <a:ea typeface="Meiryo UI" panose="020B0604030504040204" pitchFamily="50" charset="-128"/>
+            </a:endParaRPr>
+          </a:p>
+        </p:txBody>
+      </p:sp>
+      <p:sp>
+        <p:nvSpPr>
+          <p:cNvPr id="33" name="正方形/長方形 32">
+            <a:extLst>
+              <a:ext uri="{FF2B5EF4-FFF2-40B4-BE49-F238E27FC236}">
+                <a16:creationId xmlns:a16="http://schemas.microsoft.com/office/drawing/2014/main" id="{D95514FD-5BF4-41F5-8786-6D02DE8B5F81}"/>
+              </a:ext>
+            </a:extLst>
+          </p:cNvPr>
+          <p:cNvSpPr/>
+          <p:nvPr/>
+        </p:nvSpPr>
+        <p:spPr>
+          <a:xfrm>
+            <a:off x="8159352" y="1055026"/>
+            <a:ext cx="1598983" cy="2065233"/>
+          </a:xfrm>
+          <a:prstGeom prst="rect">
+            <a:avLst/>
+          </a:prstGeom>
+          <a:solidFill>
+            <a:srgbClr val="6667AB"/>
+          </a:solidFill>
+          <a:ln>
+            <a:noFill/>
+          </a:ln>
+        </p:spPr>
+        <p:style>
+          <a:lnRef idx="2">
+            <a:schemeClr val="accent1">
+              <a:shade val="50000"/>
+            </a:schemeClr>
+          </a:lnRef>
+          <a:fillRef idx="1">
+            <a:schemeClr val="accent1"/>
+          </a:fillRef>
+          <a:effectRef idx="0">
+            <a:schemeClr val="accent1"/>
+          </a:effectRef>
+          <a:fontRef idx="minor">
+            <a:schemeClr val="lt1"/>
+          </a:fontRef>
+        </p:style>
+        <p:txBody>
+          <a:bodyPr rtlCol="0" anchor="t"/>
+          <a:lstStyle/>
+          <a:p>
+            <a:pPr algn="ctr"/>
+            <a:endParaRPr kumimoji="1" lang="en-US" altLang="ja-JP" sz="1200">
+              <a:latin typeface="Meiryo UI" panose="020B0604030504040204" pitchFamily="50" charset="-128"/>
+              <a:ea typeface="Meiryo UI" panose="020B0604030504040204" pitchFamily="50" charset="-128"/>
+            </a:endParaRPr>
+          </a:p>
+          <a:p>
+            <a:pPr algn="ctr"/>
+            <a:r>
+              <a:rPr kumimoji="1" lang="en-US" altLang="ja-JP" sz="1200">
+                <a:latin typeface="Meiryo UI" panose="020B0604030504040204" pitchFamily="50" charset="-128"/>
+                <a:ea typeface="Meiryo UI" panose="020B0604030504040204" pitchFamily="50" charset="-128"/>
+              </a:rPr>
+              <a:t>Framework</a:t>
+            </a:r>
+            <a:endParaRPr kumimoji="1" lang="ja-JP" altLang="en-US" sz="1200">
+              <a:latin typeface="Meiryo UI" panose="020B0604030504040204" pitchFamily="50" charset="-128"/>
+              <a:ea typeface="Meiryo UI" panose="020B0604030504040204" pitchFamily="50" charset="-128"/>
+            </a:endParaRPr>
+          </a:p>
+        </p:txBody>
+      </p:sp>
+      <p:sp>
+        <p:nvSpPr>
+          <p:cNvPr id="34" name="正方形/長方形 33">
+            <a:extLst>
+              <a:ext uri="{FF2B5EF4-FFF2-40B4-BE49-F238E27FC236}">
+                <a16:creationId xmlns:a16="http://schemas.microsoft.com/office/drawing/2014/main" id="{4B96B345-79D5-4B4F-BB70-1489F70185D6}"/>
+              </a:ext>
+            </a:extLst>
+          </p:cNvPr>
+          <p:cNvSpPr/>
+          <p:nvPr/>
+        </p:nvSpPr>
+        <p:spPr>
+          <a:xfrm>
+            <a:off x="8368666" y="1681159"/>
+            <a:ext cx="1186191" cy="1163824"/>
+          </a:xfrm>
+          <a:prstGeom prst="rect">
+            <a:avLst/>
+          </a:prstGeom>
+          <a:solidFill>
+            <a:srgbClr val="6667AB"/>
+          </a:solidFill>
+          <a:ln>
+            <a:solidFill>
+              <a:schemeClr val="bg1"/>
+            </a:solidFill>
+          </a:ln>
+        </p:spPr>
+        <p:style>
+          <a:lnRef idx="2">
+            <a:schemeClr val="accent1">
+              <a:shade val="50000"/>
+            </a:schemeClr>
+          </a:lnRef>
+          <a:fillRef idx="1">
+            <a:schemeClr val="accent1"/>
+          </a:fillRef>
+          <a:effectRef idx="0">
+            <a:schemeClr val="accent1"/>
+          </a:effectRef>
+          <a:fontRef idx="minor">
+            <a:schemeClr val="lt1"/>
+          </a:fontRef>
+        </p:style>
+        <p:txBody>
+          <a:bodyPr rtlCol="0" anchor="t"/>
+          <a:lstStyle/>
+          <a:p>
+            <a:pPr algn="ctr"/>
+            <a:endParaRPr kumimoji="1" lang="en-US" altLang="ja-JP" sz="1200">
+              <a:latin typeface="Meiryo UI" panose="020B0604030504040204" pitchFamily="50" charset="-128"/>
+              <a:ea typeface="Meiryo UI" panose="020B0604030504040204" pitchFamily="50" charset="-128"/>
+            </a:endParaRPr>
+          </a:p>
+          <a:p>
+            <a:pPr algn="ctr"/>
+            <a:r>
+              <a:rPr kumimoji="1" lang="en-US" altLang="ja-JP" sz="1200">
+                <a:latin typeface="Meiryo UI" panose="020B0604030504040204" pitchFamily="50" charset="-128"/>
+                <a:ea typeface="Meiryo UI" panose="020B0604030504040204" pitchFamily="50" charset="-128"/>
+              </a:rPr>
+              <a:t>Core</a:t>
+            </a:r>
+            <a:endParaRPr kumimoji="1" lang="ja-JP" altLang="en-US" sz="1200">
+              <a:latin typeface="Meiryo UI" panose="020B0604030504040204" pitchFamily="50" charset="-128"/>
+              <a:ea typeface="Meiryo UI" panose="020B0604030504040204" pitchFamily="50" charset="-128"/>
+            </a:endParaRPr>
+          </a:p>
+        </p:txBody>
+      </p:sp>
+      <p:sp>
+        <p:nvSpPr>
+          <p:cNvPr id="35" name="正方形/長方形 34">
+            <a:extLst>
+              <a:ext uri="{FF2B5EF4-FFF2-40B4-BE49-F238E27FC236}">
+                <a16:creationId xmlns:a16="http://schemas.microsoft.com/office/drawing/2014/main" id="{7F321FE7-924F-4917-9BC1-EA77B4BCA56B}"/>
+              </a:ext>
+            </a:extLst>
+          </p:cNvPr>
+          <p:cNvSpPr/>
+          <p:nvPr/>
+        </p:nvSpPr>
+        <p:spPr>
+          <a:xfrm>
+            <a:off x="8491292" y="2251831"/>
+            <a:ext cx="957942" cy="357317"/>
+          </a:xfrm>
+          <a:prstGeom prst="rect">
+            <a:avLst/>
+          </a:prstGeom>
+          <a:solidFill>
+            <a:srgbClr val="6667AB"/>
+          </a:solidFill>
+          <a:ln>
+            <a:solidFill>
+              <a:schemeClr val="bg1"/>
+            </a:solidFill>
+          </a:ln>
+        </p:spPr>
+        <p:style>
+          <a:lnRef idx="2">
+            <a:schemeClr val="accent1">
+              <a:shade val="50000"/>
+            </a:schemeClr>
+          </a:lnRef>
+          <a:fillRef idx="1">
+            <a:schemeClr val="accent1"/>
+          </a:fillRef>
+          <a:effectRef idx="0">
+            <a:schemeClr val="accent1"/>
+          </a:effectRef>
+          <a:fontRef idx="minor">
+            <a:schemeClr val="lt1"/>
+          </a:fontRef>
+        </p:style>
+        <p:txBody>
+          <a:bodyPr rtlCol="0" anchor="ctr"/>
+          <a:lstStyle/>
+          <a:p>
+            <a:pPr algn="ctr"/>
+            <a:r>
+              <a:rPr kumimoji="1" lang="en-US" altLang="ja-JP" sz="1200">
+                <a:latin typeface="Meiryo UI" panose="020B0604030504040204" pitchFamily="50" charset="-128"/>
+                <a:ea typeface="Meiryo UI" panose="020B0604030504040204" pitchFamily="50" charset="-128"/>
+              </a:rPr>
+              <a:t>Lufecycle</a:t>
+            </a:r>
+            <a:endParaRPr kumimoji="1" lang="ja-JP" altLang="en-US" sz="1200">
+              <a:latin typeface="Meiryo UI" panose="020B0604030504040204" pitchFamily="50" charset="-128"/>
+              <a:ea typeface="Meiryo UI" panose="020B0604030504040204" pitchFamily="50" charset="-128"/>
+            </a:endParaRPr>
+          </a:p>
+        </p:txBody>
+      </p:sp>
+      <p:sp>
+        <p:nvSpPr>
+          <p:cNvPr id="36" name="正方形/長方形 35">
+            <a:extLst>
+              <a:ext uri="{FF2B5EF4-FFF2-40B4-BE49-F238E27FC236}">
+                <a16:creationId xmlns:a16="http://schemas.microsoft.com/office/drawing/2014/main" id="{7B01361E-808B-4750-9D37-A6131F36BF89}"/>
+              </a:ext>
+            </a:extLst>
+          </p:cNvPr>
+          <p:cNvSpPr/>
+          <p:nvPr/>
+        </p:nvSpPr>
+        <p:spPr>
+          <a:xfrm>
+            <a:off x="8168818" y="3325020"/>
+            <a:ext cx="1589517" cy="1265762"/>
+          </a:xfrm>
+          <a:prstGeom prst="rect">
+            <a:avLst/>
+          </a:prstGeom>
+          <a:solidFill>
+            <a:schemeClr val="tx1">
+              <a:lumMod val="75000"/>
+              <a:lumOff val="25000"/>
+            </a:schemeClr>
+          </a:solidFill>
+          <a:ln>
+            <a:noFill/>
+          </a:ln>
+        </p:spPr>
+        <p:style>
+          <a:lnRef idx="2">
+            <a:schemeClr val="accent1">
+              <a:shade val="50000"/>
+            </a:schemeClr>
+          </a:lnRef>
+          <a:fillRef idx="1">
+            <a:schemeClr val="accent1"/>
+          </a:fillRef>
+          <a:effectRef idx="0">
+            <a:schemeClr val="accent1"/>
+          </a:effectRef>
+          <a:fontRef idx="minor">
+            <a:schemeClr val="lt1"/>
+          </a:fontRef>
+        </p:style>
+        <p:txBody>
+          <a:bodyPr rtlCol="0" anchor="t"/>
+          <a:lstStyle/>
+          <a:p>
+            <a:pPr algn="ctr"/>
+            <a:endParaRPr kumimoji="1" lang="en-US" altLang="ja-JP" sz="1200">
+              <a:latin typeface="Meiryo UI" panose="020B0604030504040204" pitchFamily="50" charset="-128"/>
+              <a:ea typeface="Meiryo UI" panose="020B0604030504040204" pitchFamily="50" charset="-128"/>
+            </a:endParaRPr>
+          </a:p>
+          <a:p>
+            <a:pPr algn="ctr"/>
+            <a:r>
+              <a:rPr kumimoji="1" lang="en-US" altLang="ja-JP" sz="1200">
+                <a:latin typeface="Meiryo UI" panose="020B0604030504040204" pitchFamily="50" charset="-128"/>
+                <a:ea typeface="Meiryo UI" panose="020B0604030504040204" pitchFamily="50" charset="-128"/>
+              </a:rPr>
+              <a:t>Third</a:t>
+            </a:r>
+            <a:r>
+              <a:rPr kumimoji="1" lang="ja-JP" altLang="en-US" sz="1200">
+                <a:latin typeface="Meiryo UI" panose="020B0604030504040204" pitchFamily="50" charset="-128"/>
+                <a:ea typeface="Meiryo UI" panose="020B0604030504040204" pitchFamily="50" charset="-128"/>
+              </a:rPr>
+              <a:t> </a:t>
+            </a:r>
+            <a:r>
+              <a:rPr kumimoji="1" lang="en-US" altLang="ja-JP" sz="1200">
+                <a:latin typeface="Meiryo UI" panose="020B0604030504040204" pitchFamily="50" charset="-128"/>
+                <a:ea typeface="Meiryo UI" panose="020B0604030504040204" pitchFamily="50" charset="-128"/>
+              </a:rPr>
+              <a:t>party</a:t>
+            </a:r>
+            <a:endParaRPr kumimoji="1" lang="ja-JP" altLang="en-US" sz="1200">
+              <a:latin typeface="Meiryo UI" panose="020B0604030504040204" pitchFamily="50" charset="-128"/>
+              <a:ea typeface="Meiryo UI" panose="020B0604030504040204" pitchFamily="50" charset="-128"/>
+            </a:endParaRPr>
+          </a:p>
+        </p:txBody>
+      </p:sp>
+      <p:sp>
+        <p:nvSpPr>
+          <p:cNvPr id="37" name="正方形/長方形 36">
+            <a:extLst>
+              <a:ext uri="{FF2B5EF4-FFF2-40B4-BE49-F238E27FC236}">
+                <a16:creationId xmlns:a16="http://schemas.microsoft.com/office/drawing/2014/main" id="{2EC80A5E-671E-418D-B017-D4077E6610EB}"/>
+              </a:ext>
+            </a:extLst>
+          </p:cNvPr>
+          <p:cNvSpPr/>
+          <p:nvPr/>
+        </p:nvSpPr>
+        <p:spPr>
+          <a:xfrm>
+            <a:off x="8548707" y="4015716"/>
+            <a:ext cx="843111" cy="341919"/>
+          </a:xfrm>
+          <a:prstGeom prst="rect">
+            <a:avLst/>
+          </a:prstGeom>
+          <a:solidFill>
+            <a:schemeClr val="tx1">
+              <a:lumMod val="75000"/>
+              <a:lumOff val="25000"/>
+            </a:schemeClr>
+          </a:solidFill>
+          <a:ln>
+            <a:solidFill>
+              <a:schemeClr val="bg1"/>
+            </a:solidFill>
+          </a:ln>
+        </p:spPr>
+        <p:style>
+          <a:lnRef idx="2">
+            <a:schemeClr val="accent1">
+              <a:shade val="50000"/>
+            </a:schemeClr>
+          </a:lnRef>
+          <a:fillRef idx="1">
+            <a:schemeClr val="accent1"/>
+          </a:fillRef>
+          <a:effectRef idx="0">
+            <a:schemeClr val="accent1"/>
+          </a:effectRef>
+          <a:fontRef idx="minor">
+            <a:schemeClr val="lt1"/>
+          </a:fontRef>
+        </p:style>
+        <p:txBody>
+          <a:bodyPr rtlCol="0" anchor="ctr"/>
+          <a:lstStyle/>
+          <a:p>
+            <a:pPr algn="ctr"/>
+            <a:r>
+              <a:rPr kumimoji="1" lang="en-US" altLang="ja-JP" sz="1200">
+                <a:latin typeface="Meiryo UI" panose="020B0604030504040204" pitchFamily="50" charset="-128"/>
+                <a:ea typeface="Meiryo UI" panose="020B0604030504040204" pitchFamily="50" charset="-128"/>
+              </a:rPr>
+              <a:t>UniRx</a:t>
+            </a:r>
+            <a:endParaRPr kumimoji="1" lang="ja-JP" altLang="en-US" sz="1200">
+              <a:latin typeface="Meiryo UI" panose="020B0604030504040204" pitchFamily="50" charset="-128"/>
+              <a:ea typeface="Meiryo UI" panose="020B0604030504040204" pitchFamily="50" charset="-128"/>
+            </a:endParaRPr>
+          </a:p>
+        </p:txBody>
+      </p:sp>
+      <p:cxnSp>
+        <p:nvCxnSpPr>
+          <p:cNvPr id="24" name="直線矢印コネクタ 24">
+            <a:extLst>
+              <a:ext uri="{FF2B5EF4-FFF2-40B4-BE49-F238E27FC236}">
+                <a16:creationId xmlns:a16="http://schemas.microsoft.com/office/drawing/2014/main" id="{75BDC6D5-869A-4270-A444-1C6CE8ECE523}"/>
+              </a:ext>
+            </a:extLst>
+          </p:cNvPr>
+          <p:cNvCxnSpPr>
+            <a:cxnSpLocks/>
+            <a:stCxn id="37" idx="1"/>
+            <a:endCxn id="23" idx="2"/>
+          </p:cNvCxnSpPr>
+          <p:nvPr/>
+        </p:nvCxnSpPr>
+        <p:spPr>
+          <a:xfrm rot="10800000">
+            <a:off x="5107149" y="3519166"/>
+            <a:ext cx="3441559" cy="667511"/>
+          </a:xfrm>
+          <a:prstGeom prst="bentConnector2">
+            <a:avLst/>
+          </a:prstGeom>
+          <a:ln w="12700">
+            <a:solidFill>
+              <a:schemeClr val="accent4"/>
+            </a:solidFill>
+            <a:tailEnd type="triangle"/>
+          </a:ln>
+        </p:spPr>
+        <p:style>
+          <a:lnRef idx="1">
+            <a:schemeClr val="accent1"/>
+          </a:lnRef>
+          <a:fillRef idx="0">
+            <a:schemeClr val="accent1"/>
+          </a:fillRef>
+          <a:effectRef idx="0">
+            <a:schemeClr val="accent1"/>
+          </a:effectRef>
+          <a:fontRef idx="minor">
+            <a:schemeClr val="tx1"/>
+          </a:fontRef>
+        </p:style>
+      </p:cxnSp>
+      <p:cxnSp>
+        <p:nvCxnSpPr>
+          <p:cNvPr id="18" name="直線矢印コネクタ 24">
+            <a:extLst>
+              <a:ext uri="{FF2B5EF4-FFF2-40B4-BE49-F238E27FC236}">
+                <a16:creationId xmlns:a16="http://schemas.microsoft.com/office/drawing/2014/main" id="{0CF64C4F-C9D8-457F-B428-6194731C3B86}"/>
+              </a:ext>
+            </a:extLst>
+          </p:cNvPr>
+          <p:cNvCxnSpPr>
+            <a:cxnSpLocks/>
+            <a:stCxn id="35" idx="1"/>
+            <a:endCxn id="25" idx="3"/>
+          </p:cNvCxnSpPr>
+          <p:nvPr/>
+        </p:nvCxnSpPr>
+        <p:spPr>
+          <a:xfrm rot="10800000" flipV="1">
+            <a:off x="6890658" y="2430490"/>
+            <a:ext cx="1600635" cy="643364"/>
+          </a:xfrm>
+          <a:prstGeom prst="bentConnector3">
+            <a:avLst>
+              <a:gd name="adj1" fmla="val 50000"/>
+            </a:avLst>
+          </a:prstGeom>
+          <a:ln w="12700">
+            <a:solidFill>
+              <a:schemeClr val="accent4"/>
+            </a:solidFill>
+            <a:tailEnd type="triangle"/>
+          </a:ln>
+        </p:spPr>
+        <p:style>
+          <a:lnRef idx="1">
+            <a:schemeClr val="accent1"/>
+          </a:lnRef>
+          <a:fillRef idx="0">
+            <a:schemeClr val="accent1"/>
+          </a:fillRef>
+          <a:effectRef idx="0">
+            <a:schemeClr val="accent1"/>
+          </a:effectRef>
+          <a:fontRef idx="minor">
+            <a:schemeClr val="tx1"/>
+          </a:fontRef>
+        </p:style>
+      </p:cxnSp>
     </p:spTree>
     <p:extLst>
       <p:ext uri="{BB962C8B-B14F-4D97-AF65-F5344CB8AC3E}">
-        <p14:creationId xmlns:p14="http://schemas.microsoft.com/office/powerpoint/2010/main" val="412337612"/>
+        <p14:creationId xmlns:p14="http://schemas.microsoft.com/office/powerpoint/2010/main" val="770288212"/>
+      </p:ext>
+    </p:extLst>
+  </p:cSld>
+  <p:clrMapOvr>
+    <a:masterClrMapping/>
+  </p:clrMapOvr>
+</p:sld>
+</file>
+
+<file path=ppt/slides/slide4.xml><?xml version="1.0" encoding="utf-8"?>
+<p:sld xmlns:a="http://schemas.openxmlformats.org/drawingml/2006/main" xmlns:r="http://schemas.openxmlformats.org/officeDocument/2006/relationships" xmlns:p="http://schemas.openxmlformats.org/presentationml/2006/main">
+  <p:cSld>
+    <p:spTree>
+      <p:nvGrpSpPr>
+        <p:cNvPr id="1" name=""/>
+        <p:cNvGrpSpPr/>
+        <p:nvPr/>
+      </p:nvGrpSpPr>
+      <p:grpSpPr>
+        <a:xfrm>
+          <a:off x="0" y="0"/>
+          <a:ext cx="0" cy="0"/>
+          <a:chOff x="0" y="0"/>
+          <a:chExt cx="0" cy="0"/>
+        </a:xfrm>
+      </p:grpSpPr>
+      <p:sp>
+        <p:nvSpPr>
+          <p:cNvPr id="55" name="正方形/長方形 54">
+            <a:extLst>
+              <a:ext uri="{FF2B5EF4-FFF2-40B4-BE49-F238E27FC236}">
+                <a16:creationId xmlns:a16="http://schemas.microsoft.com/office/drawing/2014/main" id="{C80D912E-1905-4B17-87B2-015C4A1F17F5}"/>
+              </a:ext>
+            </a:extLst>
+          </p:cNvPr>
+          <p:cNvSpPr/>
+          <p:nvPr/>
+        </p:nvSpPr>
+        <p:spPr>
+          <a:xfrm>
+            <a:off x="1124590" y="1831649"/>
+            <a:ext cx="5919108" cy="2065233"/>
+          </a:xfrm>
+          <a:prstGeom prst="rect">
+            <a:avLst/>
+          </a:prstGeom>
+          <a:solidFill>
+            <a:schemeClr val="tx2"/>
+          </a:solidFill>
+          <a:ln>
+            <a:noFill/>
+          </a:ln>
+        </p:spPr>
+        <p:style>
+          <a:lnRef idx="2">
+            <a:schemeClr val="accent1">
+              <a:shade val="50000"/>
+            </a:schemeClr>
+          </a:lnRef>
+          <a:fillRef idx="1">
+            <a:schemeClr val="accent1"/>
+          </a:fillRef>
+          <a:effectRef idx="0">
+            <a:schemeClr val="accent1"/>
+          </a:effectRef>
+          <a:fontRef idx="minor">
+            <a:schemeClr val="lt1"/>
+          </a:fontRef>
+        </p:style>
+        <p:txBody>
+          <a:bodyPr rtlCol="0" anchor="t"/>
+          <a:lstStyle/>
+          <a:p>
+            <a:pPr algn="ctr"/>
+            <a:endParaRPr lang="en-US" altLang="ja-JP" sz="1200">
+              <a:latin typeface="Meiryo UI" panose="020B0604030504040204" pitchFamily="50" charset="-128"/>
+              <a:ea typeface="Meiryo UI" panose="020B0604030504040204" pitchFamily="50" charset="-128"/>
+            </a:endParaRPr>
+          </a:p>
+          <a:p>
+            <a:pPr algn="ctr"/>
+            <a:r>
+              <a:rPr lang="en-US" altLang="ja-JP" sz="1200">
+                <a:latin typeface="Meiryo UI" panose="020B0604030504040204" pitchFamily="50" charset="-128"/>
+                <a:ea typeface="Meiryo UI" panose="020B0604030504040204" pitchFamily="50" charset="-128"/>
+              </a:rPr>
+              <a:t>TextChatControl</a:t>
+            </a:r>
+            <a:endParaRPr kumimoji="1" lang="ja-JP" altLang="en-US" sz="1200">
+              <a:latin typeface="Meiryo UI" panose="020B0604030504040204" pitchFamily="50" charset="-128"/>
+              <a:ea typeface="Meiryo UI" panose="020B0604030504040204" pitchFamily="50" charset="-128"/>
+            </a:endParaRPr>
+          </a:p>
+        </p:txBody>
+      </p:sp>
+      <p:sp>
+        <p:nvSpPr>
+          <p:cNvPr id="6" name="正方形/長方形 5">
+            <a:extLst>
+              <a:ext uri="{FF2B5EF4-FFF2-40B4-BE49-F238E27FC236}">
+                <a16:creationId xmlns:a16="http://schemas.microsoft.com/office/drawing/2014/main" id="{AE4D297A-2179-19E2-F36C-A52E16E95D13}"/>
+              </a:ext>
+            </a:extLst>
+          </p:cNvPr>
+          <p:cNvSpPr/>
+          <p:nvPr/>
+        </p:nvSpPr>
+        <p:spPr>
+          <a:xfrm>
+            <a:off x="3285586" y="2522345"/>
+            <a:ext cx="1635448" cy="341919"/>
+          </a:xfrm>
+          <a:prstGeom prst="rect">
+            <a:avLst/>
+          </a:prstGeom>
+          <a:solidFill>
+            <a:schemeClr val="accent2"/>
+          </a:solidFill>
+          <a:ln>
+            <a:noFill/>
+          </a:ln>
+        </p:spPr>
+        <p:style>
+          <a:lnRef idx="2">
+            <a:schemeClr val="accent1">
+              <a:shade val="50000"/>
+            </a:schemeClr>
+          </a:lnRef>
+          <a:fillRef idx="1">
+            <a:schemeClr val="accent1"/>
+          </a:fillRef>
+          <a:effectRef idx="0">
+            <a:schemeClr val="accent1"/>
+          </a:effectRef>
+          <a:fontRef idx="minor">
+            <a:schemeClr val="lt1"/>
+          </a:fontRef>
+        </p:style>
+        <p:txBody>
+          <a:bodyPr rtlCol="0" anchor="ctr"/>
+          <a:lstStyle/>
+          <a:p>
+            <a:pPr algn="ctr"/>
+            <a:r>
+              <a:rPr kumimoji="1" lang="en-US" altLang="ja-JP" sz="1200">
+                <a:latin typeface="Meiryo UI" panose="020B0604030504040204" pitchFamily="50" charset="-128"/>
+                <a:ea typeface="Meiryo UI" panose="020B0604030504040204" pitchFamily="50" charset="-128"/>
+              </a:rPr>
+              <a:t>TextChatPresenter</a:t>
+            </a:r>
+          </a:p>
+        </p:txBody>
+      </p:sp>
+      <p:sp>
+        <p:nvSpPr>
+          <p:cNvPr id="7" name="正方形/長方形 6">
+            <a:extLst>
+              <a:ext uri="{FF2B5EF4-FFF2-40B4-BE49-F238E27FC236}">
+                <a16:creationId xmlns:a16="http://schemas.microsoft.com/office/drawing/2014/main" id="{23A599DD-5940-C5A7-2FF7-F11BE04130B1}"/>
+              </a:ext>
+            </a:extLst>
+          </p:cNvPr>
+          <p:cNvSpPr/>
+          <p:nvPr/>
+        </p:nvSpPr>
+        <p:spPr>
+          <a:xfrm>
+            <a:off x="1265404" y="3157968"/>
+            <a:ext cx="1671785" cy="476534"/>
+          </a:xfrm>
+          <a:prstGeom prst="rect">
+            <a:avLst/>
+          </a:prstGeom>
+          <a:solidFill>
+            <a:schemeClr val="accent5"/>
+          </a:solidFill>
+          <a:ln>
+            <a:noFill/>
+          </a:ln>
+        </p:spPr>
+        <p:style>
+          <a:lnRef idx="2">
+            <a:schemeClr val="accent1">
+              <a:shade val="50000"/>
+            </a:schemeClr>
+          </a:lnRef>
+          <a:fillRef idx="1">
+            <a:schemeClr val="accent1"/>
+          </a:fillRef>
+          <a:effectRef idx="0">
+            <a:schemeClr val="accent1"/>
+          </a:effectRef>
+          <a:fontRef idx="minor">
+            <a:schemeClr val="lt1"/>
+          </a:fontRef>
+        </p:style>
+        <p:txBody>
+          <a:bodyPr rtlCol="0" anchor="ctr"/>
+          <a:lstStyle/>
+          <a:p>
+            <a:pPr algn="ctr"/>
+            <a:r>
+              <a:rPr kumimoji="1" lang="en-US" altLang="ja-JP" sz="1200">
+                <a:latin typeface="Meiryo UI" panose="020B0604030504040204" pitchFamily="50" charset="-128"/>
+                <a:ea typeface="Meiryo UI" panose="020B0604030504040204" pitchFamily="50" charset="-128"/>
+              </a:rPr>
+              <a:t>&lt;&lt;GameObject&gt;&gt;</a:t>
+            </a:r>
+          </a:p>
+          <a:p>
+            <a:pPr algn="ctr"/>
+            <a:r>
+              <a:rPr kumimoji="1" lang="en-US" altLang="ja-JP" sz="1200">
+                <a:latin typeface="Meiryo UI" panose="020B0604030504040204" pitchFamily="50" charset="-128"/>
+                <a:ea typeface="Meiryo UI" panose="020B0604030504040204" pitchFamily="50" charset="-128"/>
+              </a:rPr>
+              <a:t>TextChatUI</a:t>
+            </a:r>
+          </a:p>
+        </p:txBody>
+      </p:sp>
+      <p:sp>
+        <p:nvSpPr>
+          <p:cNvPr id="8" name="正方形/長方形 7">
+            <a:extLst>
+              <a:ext uri="{FF2B5EF4-FFF2-40B4-BE49-F238E27FC236}">
+                <a16:creationId xmlns:a16="http://schemas.microsoft.com/office/drawing/2014/main" id="{C24ADA1B-A92A-1602-76CD-8E6749B2DA22}"/>
+              </a:ext>
+            </a:extLst>
+          </p:cNvPr>
+          <p:cNvSpPr/>
+          <p:nvPr/>
+        </p:nvSpPr>
+        <p:spPr>
+          <a:xfrm>
+            <a:off x="5476810" y="2522344"/>
+            <a:ext cx="1331439" cy="341919"/>
+          </a:xfrm>
+          <a:prstGeom prst="rect">
+            <a:avLst/>
+          </a:prstGeom>
+          <a:solidFill>
+            <a:schemeClr val="accent6"/>
+          </a:solidFill>
+          <a:ln>
+            <a:noFill/>
+          </a:ln>
+        </p:spPr>
+        <p:style>
+          <a:lnRef idx="2">
+            <a:schemeClr val="accent1">
+              <a:shade val="50000"/>
+            </a:schemeClr>
+          </a:lnRef>
+          <a:fillRef idx="1">
+            <a:schemeClr val="accent1"/>
+          </a:fillRef>
+          <a:effectRef idx="0">
+            <a:schemeClr val="accent1"/>
+          </a:effectRef>
+          <a:fontRef idx="minor">
+            <a:schemeClr val="lt1"/>
+          </a:fontRef>
+        </p:style>
+        <p:txBody>
+          <a:bodyPr rtlCol="0" anchor="ctr"/>
+          <a:lstStyle/>
+          <a:p>
+            <a:pPr algn="ctr"/>
+            <a:r>
+              <a:rPr kumimoji="1" lang="en-US" altLang="ja-JP" sz="1200">
+                <a:latin typeface="Meiryo UI" panose="020B0604030504040204" pitchFamily="50" charset="-128"/>
+                <a:ea typeface="Meiryo UI" panose="020B0604030504040204" pitchFamily="50" charset="-128"/>
+              </a:rPr>
+              <a:t>TextChatModel</a:t>
+            </a:r>
+          </a:p>
+        </p:txBody>
+      </p:sp>
+      <p:cxnSp>
+        <p:nvCxnSpPr>
+          <p:cNvPr id="10" name="直線矢印コネクタ 9">
+            <a:extLst>
+              <a:ext uri="{FF2B5EF4-FFF2-40B4-BE49-F238E27FC236}">
+                <a16:creationId xmlns:a16="http://schemas.microsoft.com/office/drawing/2014/main" id="{8A3A81A1-70EA-DB56-FA23-4E95309142B0}"/>
+              </a:ext>
+            </a:extLst>
+          </p:cNvPr>
+          <p:cNvCxnSpPr>
+            <a:cxnSpLocks/>
+            <a:stCxn id="29" idx="2"/>
+            <a:endCxn id="7" idx="0"/>
+          </p:cNvCxnSpPr>
+          <p:nvPr/>
+        </p:nvCxnSpPr>
+        <p:spPr>
+          <a:xfrm>
+            <a:off x="2101296" y="2864263"/>
+            <a:ext cx="1" cy="293705"/>
+          </a:xfrm>
+          <a:prstGeom prst="straightConnector1">
+            <a:avLst/>
+          </a:prstGeom>
+          <a:ln w="12700">
+            <a:solidFill>
+              <a:schemeClr val="accent4"/>
+            </a:solidFill>
+            <a:tailEnd type="triangle"/>
+          </a:ln>
+        </p:spPr>
+        <p:style>
+          <a:lnRef idx="1">
+            <a:schemeClr val="accent1"/>
+          </a:lnRef>
+          <a:fillRef idx="0">
+            <a:schemeClr val="accent1"/>
+          </a:fillRef>
+          <a:effectRef idx="0">
+            <a:schemeClr val="accent1"/>
+          </a:effectRef>
+          <a:fontRef idx="minor">
+            <a:schemeClr val="tx1"/>
+          </a:fontRef>
+        </p:style>
+      </p:cxnSp>
+      <p:sp>
+        <p:nvSpPr>
+          <p:cNvPr id="14" name="正方形/長方形 13">
+            <a:extLst>
+              <a:ext uri="{FF2B5EF4-FFF2-40B4-BE49-F238E27FC236}">
+                <a16:creationId xmlns:a16="http://schemas.microsoft.com/office/drawing/2014/main" id="{92D21843-2C07-4F80-B5FF-6CC004C16162}"/>
+              </a:ext>
+            </a:extLst>
+          </p:cNvPr>
+          <p:cNvSpPr/>
+          <p:nvPr/>
+        </p:nvSpPr>
+        <p:spPr>
+          <a:xfrm>
+            <a:off x="7283641" y="1831649"/>
+            <a:ext cx="1598983" cy="2065233"/>
+          </a:xfrm>
+          <a:prstGeom prst="rect">
+            <a:avLst/>
+          </a:prstGeom>
+          <a:solidFill>
+            <a:srgbClr val="6667AB"/>
+          </a:solidFill>
+          <a:ln>
+            <a:noFill/>
+          </a:ln>
+        </p:spPr>
+        <p:style>
+          <a:lnRef idx="2">
+            <a:schemeClr val="accent1">
+              <a:shade val="50000"/>
+            </a:schemeClr>
+          </a:lnRef>
+          <a:fillRef idx="1">
+            <a:schemeClr val="accent1"/>
+          </a:fillRef>
+          <a:effectRef idx="0">
+            <a:schemeClr val="accent1"/>
+          </a:effectRef>
+          <a:fontRef idx="minor">
+            <a:schemeClr val="lt1"/>
+          </a:fontRef>
+        </p:style>
+        <p:txBody>
+          <a:bodyPr rtlCol="0" anchor="t"/>
+          <a:lstStyle/>
+          <a:p>
+            <a:pPr algn="ctr"/>
+            <a:endParaRPr kumimoji="1" lang="en-US" altLang="ja-JP" sz="1200">
+              <a:latin typeface="Meiryo UI" panose="020B0604030504040204" pitchFamily="50" charset="-128"/>
+              <a:ea typeface="Meiryo UI" panose="020B0604030504040204" pitchFamily="50" charset="-128"/>
+            </a:endParaRPr>
+          </a:p>
+          <a:p>
+            <a:pPr algn="ctr"/>
+            <a:r>
+              <a:rPr kumimoji="1" lang="en-US" altLang="ja-JP" sz="1200">
+                <a:latin typeface="Meiryo UI" panose="020B0604030504040204" pitchFamily="50" charset="-128"/>
+                <a:ea typeface="Meiryo UI" panose="020B0604030504040204" pitchFamily="50" charset="-128"/>
+              </a:rPr>
+              <a:t>Framework</a:t>
+            </a:r>
+            <a:endParaRPr kumimoji="1" lang="ja-JP" altLang="en-US" sz="1200">
+              <a:latin typeface="Meiryo UI" panose="020B0604030504040204" pitchFamily="50" charset="-128"/>
+              <a:ea typeface="Meiryo UI" panose="020B0604030504040204" pitchFamily="50" charset="-128"/>
+            </a:endParaRPr>
+          </a:p>
+        </p:txBody>
+      </p:sp>
+      <p:sp>
+        <p:nvSpPr>
+          <p:cNvPr id="15" name="正方形/長方形 14">
+            <a:extLst>
+              <a:ext uri="{FF2B5EF4-FFF2-40B4-BE49-F238E27FC236}">
+                <a16:creationId xmlns:a16="http://schemas.microsoft.com/office/drawing/2014/main" id="{3FBEB2E3-D7FF-4F01-A88E-E38AADFAB519}"/>
+              </a:ext>
+            </a:extLst>
+          </p:cNvPr>
+          <p:cNvSpPr/>
+          <p:nvPr/>
+        </p:nvSpPr>
+        <p:spPr>
+          <a:xfrm>
+            <a:off x="7492955" y="2457782"/>
+            <a:ext cx="1186191" cy="1163824"/>
+          </a:xfrm>
+          <a:prstGeom prst="rect">
+            <a:avLst/>
+          </a:prstGeom>
+          <a:solidFill>
+            <a:srgbClr val="6667AB"/>
+          </a:solidFill>
+          <a:ln>
+            <a:solidFill>
+              <a:schemeClr val="bg1"/>
+            </a:solidFill>
+          </a:ln>
+        </p:spPr>
+        <p:style>
+          <a:lnRef idx="2">
+            <a:schemeClr val="accent1">
+              <a:shade val="50000"/>
+            </a:schemeClr>
+          </a:lnRef>
+          <a:fillRef idx="1">
+            <a:schemeClr val="accent1"/>
+          </a:fillRef>
+          <a:effectRef idx="0">
+            <a:schemeClr val="accent1"/>
+          </a:effectRef>
+          <a:fontRef idx="minor">
+            <a:schemeClr val="lt1"/>
+          </a:fontRef>
+        </p:style>
+        <p:txBody>
+          <a:bodyPr rtlCol="0" anchor="t"/>
+          <a:lstStyle/>
+          <a:p>
+            <a:pPr algn="ctr"/>
+            <a:endParaRPr kumimoji="1" lang="en-US" altLang="ja-JP" sz="1200">
+              <a:latin typeface="Meiryo UI" panose="020B0604030504040204" pitchFamily="50" charset="-128"/>
+              <a:ea typeface="Meiryo UI" panose="020B0604030504040204" pitchFamily="50" charset="-128"/>
+            </a:endParaRPr>
+          </a:p>
+          <a:p>
+            <a:pPr algn="ctr"/>
+            <a:r>
+              <a:rPr kumimoji="1" lang="en-US" altLang="ja-JP" sz="1200">
+                <a:latin typeface="Meiryo UI" panose="020B0604030504040204" pitchFamily="50" charset="-128"/>
+                <a:ea typeface="Meiryo UI" panose="020B0604030504040204" pitchFamily="50" charset="-128"/>
+              </a:rPr>
+              <a:t>Integration</a:t>
+            </a:r>
+            <a:endParaRPr kumimoji="1" lang="ja-JP" altLang="en-US" sz="1200">
+              <a:latin typeface="Meiryo UI" panose="020B0604030504040204" pitchFamily="50" charset="-128"/>
+              <a:ea typeface="Meiryo UI" panose="020B0604030504040204" pitchFamily="50" charset="-128"/>
+            </a:endParaRPr>
+          </a:p>
+        </p:txBody>
+      </p:sp>
+      <p:sp>
+        <p:nvSpPr>
+          <p:cNvPr id="17" name="正方形/長方形 16">
+            <a:extLst>
+              <a:ext uri="{FF2B5EF4-FFF2-40B4-BE49-F238E27FC236}">
+                <a16:creationId xmlns:a16="http://schemas.microsoft.com/office/drawing/2014/main" id="{67D702A6-1372-4512-928B-3F15F940AC61}"/>
+              </a:ext>
+            </a:extLst>
+          </p:cNvPr>
+          <p:cNvSpPr/>
+          <p:nvPr/>
+        </p:nvSpPr>
+        <p:spPr>
+          <a:xfrm>
+            <a:off x="7809102" y="3028454"/>
+            <a:ext cx="548060" cy="357317"/>
+          </a:xfrm>
+          <a:prstGeom prst="rect">
+            <a:avLst/>
+          </a:prstGeom>
+          <a:solidFill>
+            <a:srgbClr val="6667AB"/>
+          </a:solidFill>
+          <a:ln>
+            <a:solidFill>
+              <a:schemeClr val="bg1"/>
+            </a:solidFill>
+          </a:ln>
+        </p:spPr>
+        <p:style>
+          <a:lnRef idx="2">
+            <a:schemeClr val="accent1">
+              <a:shade val="50000"/>
+            </a:schemeClr>
+          </a:lnRef>
+          <a:fillRef idx="1">
+            <a:schemeClr val="accent1"/>
+          </a:fillRef>
+          <a:effectRef idx="0">
+            <a:schemeClr val="accent1"/>
+          </a:effectRef>
+          <a:fontRef idx="minor">
+            <a:schemeClr val="lt1"/>
+          </a:fontRef>
+        </p:style>
+        <p:txBody>
+          <a:bodyPr rtlCol="0" anchor="ctr"/>
+          <a:lstStyle/>
+          <a:p>
+            <a:pPr algn="ctr"/>
+            <a:r>
+              <a:rPr kumimoji="1" lang="en-US" altLang="ja-JP" sz="1200">
+                <a:latin typeface="Meiryo UI" panose="020B0604030504040204" pitchFamily="50" charset="-128"/>
+                <a:ea typeface="Meiryo UI" panose="020B0604030504040204" pitchFamily="50" charset="-128"/>
+              </a:rPr>
+              <a:t>Chat</a:t>
+            </a:r>
+            <a:endParaRPr kumimoji="1" lang="ja-JP" altLang="en-US" sz="1200">
+              <a:latin typeface="Meiryo UI" panose="020B0604030504040204" pitchFamily="50" charset="-128"/>
+              <a:ea typeface="Meiryo UI" panose="020B0604030504040204" pitchFamily="50" charset="-128"/>
+            </a:endParaRPr>
+          </a:p>
+        </p:txBody>
+      </p:sp>
+      <p:sp>
+        <p:nvSpPr>
+          <p:cNvPr id="29" name="正方形/長方形 28">
+            <a:extLst>
+              <a:ext uri="{FF2B5EF4-FFF2-40B4-BE49-F238E27FC236}">
+                <a16:creationId xmlns:a16="http://schemas.microsoft.com/office/drawing/2014/main" id="{27669344-5326-4961-AC72-C3085D897BF6}"/>
+              </a:ext>
+            </a:extLst>
+          </p:cNvPr>
+          <p:cNvSpPr/>
+          <p:nvPr/>
+        </p:nvSpPr>
+        <p:spPr>
+          <a:xfrm>
+            <a:off x="1472781" y="2522344"/>
+            <a:ext cx="1257029" cy="341919"/>
+          </a:xfrm>
+          <a:prstGeom prst="rect">
+            <a:avLst/>
+          </a:prstGeom>
+          <a:solidFill>
+            <a:schemeClr val="accent5"/>
+          </a:solidFill>
+          <a:ln>
+            <a:noFill/>
+          </a:ln>
+        </p:spPr>
+        <p:style>
+          <a:lnRef idx="2">
+            <a:schemeClr val="accent1">
+              <a:shade val="50000"/>
+            </a:schemeClr>
+          </a:lnRef>
+          <a:fillRef idx="1">
+            <a:schemeClr val="accent1"/>
+          </a:fillRef>
+          <a:effectRef idx="0">
+            <a:schemeClr val="accent1"/>
+          </a:effectRef>
+          <a:fontRef idx="minor">
+            <a:schemeClr val="lt1"/>
+          </a:fontRef>
+        </p:style>
+        <p:txBody>
+          <a:bodyPr rtlCol="0" anchor="ctr"/>
+          <a:lstStyle/>
+          <a:p>
+            <a:pPr algn="ctr"/>
+            <a:r>
+              <a:rPr kumimoji="1" lang="en-US" altLang="ja-JP" sz="1200">
+                <a:latin typeface="Meiryo UI" panose="020B0604030504040204" pitchFamily="50" charset="-128"/>
+                <a:ea typeface="Meiryo UI" panose="020B0604030504040204" pitchFamily="50" charset="-128"/>
+              </a:rPr>
+              <a:t>TextChatView</a:t>
+            </a:r>
+          </a:p>
+        </p:txBody>
+      </p:sp>
+      <p:cxnSp>
+        <p:nvCxnSpPr>
+          <p:cNvPr id="30" name="直線矢印コネクタ 29">
+            <a:extLst>
+              <a:ext uri="{FF2B5EF4-FFF2-40B4-BE49-F238E27FC236}">
+                <a16:creationId xmlns:a16="http://schemas.microsoft.com/office/drawing/2014/main" id="{12CC24C9-7AC2-478C-8BAB-00F6EED267CA}"/>
+              </a:ext>
+            </a:extLst>
+          </p:cNvPr>
+          <p:cNvCxnSpPr>
+            <a:cxnSpLocks/>
+            <a:stCxn id="6" idx="1"/>
+            <a:endCxn id="29" idx="3"/>
+          </p:cNvCxnSpPr>
+          <p:nvPr/>
+        </p:nvCxnSpPr>
+        <p:spPr>
+          <a:xfrm flipH="1" flipV="1">
+            <a:off x="2729810" y="2693304"/>
+            <a:ext cx="555776" cy="1"/>
+          </a:xfrm>
+          <a:prstGeom prst="straightConnector1">
+            <a:avLst/>
+          </a:prstGeom>
+          <a:ln w="12700">
+            <a:solidFill>
+              <a:schemeClr val="accent4"/>
+            </a:solidFill>
+            <a:tailEnd type="triangle"/>
+          </a:ln>
+        </p:spPr>
+        <p:style>
+          <a:lnRef idx="1">
+            <a:schemeClr val="accent1"/>
+          </a:lnRef>
+          <a:fillRef idx="0">
+            <a:schemeClr val="accent1"/>
+          </a:fillRef>
+          <a:effectRef idx="0">
+            <a:schemeClr val="accent1"/>
+          </a:effectRef>
+          <a:fontRef idx="minor">
+            <a:schemeClr val="tx1"/>
+          </a:fontRef>
+        </p:style>
+      </p:cxnSp>
+      <p:cxnSp>
+        <p:nvCxnSpPr>
+          <p:cNvPr id="31" name="直線矢印コネクタ 30">
+            <a:extLst>
+              <a:ext uri="{FF2B5EF4-FFF2-40B4-BE49-F238E27FC236}">
+                <a16:creationId xmlns:a16="http://schemas.microsoft.com/office/drawing/2014/main" id="{993081C4-AA2D-4CAE-A652-8FBBD97F9E2F}"/>
+              </a:ext>
+            </a:extLst>
+          </p:cNvPr>
+          <p:cNvCxnSpPr>
+            <a:cxnSpLocks/>
+            <a:stCxn id="6" idx="3"/>
+            <a:endCxn id="8" idx="1"/>
+          </p:cNvCxnSpPr>
+          <p:nvPr/>
+        </p:nvCxnSpPr>
+        <p:spPr>
+          <a:xfrm flipV="1">
+            <a:off x="4921034" y="2693304"/>
+            <a:ext cx="555776" cy="1"/>
+          </a:xfrm>
+          <a:prstGeom prst="straightConnector1">
+            <a:avLst/>
+          </a:prstGeom>
+          <a:ln w="12700">
+            <a:solidFill>
+              <a:schemeClr val="accent4"/>
+            </a:solidFill>
+            <a:tailEnd type="triangle"/>
+          </a:ln>
+        </p:spPr>
+        <p:style>
+          <a:lnRef idx="1">
+            <a:schemeClr val="accent1"/>
+          </a:lnRef>
+          <a:fillRef idx="0">
+            <a:schemeClr val="accent1"/>
+          </a:fillRef>
+          <a:effectRef idx="0">
+            <a:schemeClr val="accent1"/>
+          </a:effectRef>
+          <a:fontRef idx="minor">
+            <a:schemeClr val="tx1"/>
+          </a:fontRef>
+        </p:style>
+      </p:cxnSp>
+      <p:sp>
+        <p:nvSpPr>
+          <p:cNvPr id="35" name="正方形/長方形 34">
+            <a:extLst>
+              <a:ext uri="{FF2B5EF4-FFF2-40B4-BE49-F238E27FC236}">
+                <a16:creationId xmlns:a16="http://schemas.microsoft.com/office/drawing/2014/main" id="{46EBD290-DD53-4176-AA84-015F806A1D5A}"/>
+              </a:ext>
+            </a:extLst>
+          </p:cNvPr>
+          <p:cNvSpPr/>
+          <p:nvPr/>
+        </p:nvSpPr>
+        <p:spPr>
+          <a:xfrm>
+            <a:off x="9122567" y="1831648"/>
+            <a:ext cx="1536973" cy="2065233"/>
+          </a:xfrm>
+          <a:prstGeom prst="rect">
+            <a:avLst/>
+          </a:prstGeom>
+          <a:solidFill>
+            <a:schemeClr val="tx1">
+              <a:lumMod val="75000"/>
+              <a:lumOff val="25000"/>
+            </a:schemeClr>
+          </a:solidFill>
+          <a:ln>
+            <a:noFill/>
+          </a:ln>
+        </p:spPr>
+        <p:style>
+          <a:lnRef idx="2">
+            <a:schemeClr val="accent1">
+              <a:shade val="50000"/>
+            </a:schemeClr>
+          </a:lnRef>
+          <a:fillRef idx="1">
+            <a:schemeClr val="accent1"/>
+          </a:fillRef>
+          <a:effectRef idx="0">
+            <a:schemeClr val="accent1"/>
+          </a:effectRef>
+          <a:fontRef idx="minor">
+            <a:schemeClr val="lt1"/>
+          </a:fontRef>
+        </p:style>
+        <p:txBody>
+          <a:bodyPr rtlCol="0" anchor="t"/>
+          <a:lstStyle/>
+          <a:p>
+            <a:pPr algn="ctr"/>
+            <a:endParaRPr kumimoji="1" lang="en-US" altLang="ja-JP" sz="1200">
+              <a:latin typeface="Meiryo UI" panose="020B0604030504040204" pitchFamily="50" charset="-128"/>
+              <a:ea typeface="Meiryo UI" panose="020B0604030504040204" pitchFamily="50" charset="-128"/>
+            </a:endParaRPr>
+          </a:p>
+          <a:p>
+            <a:pPr algn="ctr"/>
+            <a:r>
+              <a:rPr kumimoji="1" lang="en-US" altLang="ja-JP" sz="1200">
+                <a:latin typeface="Meiryo UI" panose="020B0604030504040204" pitchFamily="50" charset="-128"/>
+                <a:ea typeface="Meiryo UI" panose="020B0604030504040204" pitchFamily="50" charset="-128"/>
+              </a:rPr>
+              <a:t>Third</a:t>
+            </a:r>
+            <a:r>
+              <a:rPr kumimoji="1" lang="ja-JP" altLang="en-US" sz="1200">
+                <a:latin typeface="Meiryo UI" panose="020B0604030504040204" pitchFamily="50" charset="-128"/>
+                <a:ea typeface="Meiryo UI" panose="020B0604030504040204" pitchFamily="50" charset="-128"/>
+              </a:rPr>
+              <a:t> </a:t>
+            </a:r>
+            <a:r>
+              <a:rPr kumimoji="1" lang="en-US" altLang="ja-JP" sz="1200">
+                <a:latin typeface="Meiryo UI" panose="020B0604030504040204" pitchFamily="50" charset="-128"/>
+                <a:ea typeface="Meiryo UI" panose="020B0604030504040204" pitchFamily="50" charset="-128"/>
+              </a:rPr>
+              <a:t>party</a:t>
+            </a:r>
+            <a:endParaRPr kumimoji="1" lang="ja-JP" altLang="en-US" sz="1200">
+              <a:latin typeface="Meiryo UI" panose="020B0604030504040204" pitchFamily="50" charset="-128"/>
+              <a:ea typeface="Meiryo UI" panose="020B0604030504040204" pitchFamily="50" charset="-128"/>
+            </a:endParaRPr>
+          </a:p>
+        </p:txBody>
+      </p:sp>
+      <p:sp>
+        <p:nvSpPr>
+          <p:cNvPr id="36" name="正方形/長方形 35">
+            <a:extLst>
+              <a:ext uri="{FF2B5EF4-FFF2-40B4-BE49-F238E27FC236}">
+                <a16:creationId xmlns:a16="http://schemas.microsoft.com/office/drawing/2014/main" id="{EDA7601E-8B0C-444E-B5F8-918F1FC2510C}"/>
+              </a:ext>
+            </a:extLst>
+          </p:cNvPr>
+          <p:cNvSpPr/>
+          <p:nvPr/>
+        </p:nvSpPr>
+        <p:spPr>
+          <a:xfrm>
+            <a:off x="9480350" y="3028454"/>
+            <a:ext cx="815241" cy="341919"/>
+          </a:xfrm>
+          <a:prstGeom prst="rect">
+            <a:avLst/>
+          </a:prstGeom>
+          <a:solidFill>
+            <a:schemeClr val="tx1">
+              <a:lumMod val="75000"/>
+              <a:lumOff val="25000"/>
+            </a:schemeClr>
+          </a:solidFill>
+          <a:ln>
+            <a:solidFill>
+              <a:schemeClr val="bg1"/>
+            </a:solidFill>
+          </a:ln>
+        </p:spPr>
+        <p:style>
+          <a:lnRef idx="2">
+            <a:schemeClr val="accent1">
+              <a:shade val="50000"/>
+            </a:schemeClr>
+          </a:lnRef>
+          <a:fillRef idx="1">
+            <a:schemeClr val="accent1"/>
+          </a:fillRef>
+          <a:effectRef idx="0">
+            <a:schemeClr val="accent1"/>
+          </a:effectRef>
+          <a:fontRef idx="minor">
+            <a:schemeClr val="lt1"/>
+          </a:fontRef>
+        </p:style>
+        <p:txBody>
+          <a:bodyPr rtlCol="0" anchor="ctr"/>
+          <a:lstStyle/>
+          <a:p>
+            <a:pPr algn="ctr"/>
+            <a:r>
+              <a:rPr kumimoji="1" lang="en-US" altLang="ja-JP" sz="1200">
+                <a:latin typeface="Meiryo UI" panose="020B0604030504040204" pitchFamily="50" charset="-128"/>
+                <a:ea typeface="Meiryo UI" panose="020B0604030504040204" pitchFamily="50" charset="-128"/>
+              </a:rPr>
+              <a:t>Vivox</a:t>
+            </a:r>
+            <a:endParaRPr kumimoji="1" lang="ja-JP" altLang="en-US" sz="1200">
+              <a:latin typeface="Meiryo UI" panose="020B0604030504040204" pitchFamily="50" charset="-128"/>
+              <a:ea typeface="Meiryo UI" panose="020B0604030504040204" pitchFamily="50" charset="-128"/>
+            </a:endParaRPr>
+          </a:p>
+        </p:txBody>
+      </p:sp>
+      <p:cxnSp>
+        <p:nvCxnSpPr>
+          <p:cNvPr id="37" name="直線矢印コネクタ 36">
+            <a:extLst>
+              <a:ext uri="{FF2B5EF4-FFF2-40B4-BE49-F238E27FC236}">
+                <a16:creationId xmlns:a16="http://schemas.microsoft.com/office/drawing/2014/main" id="{76087E37-EC5E-4159-B9AA-7B502701B459}"/>
+              </a:ext>
+            </a:extLst>
+          </p:cNvPr>
+          <p:cNvCxnSpPr>
+            <a:cxnSpLocks/>
+            <a:stCxn id="8" idx="2"/>
+            <a:endCxn id="17" idx="1"/>
+          </p:cNvCxnSpPr>
+          <p:nvPr/>
+        </p:nvCxnSpPr>
+        <p:spPr>
+          <a:xfrm rot="16200000" flipH="1">
+            <a:off x="6804391" y="2202402"/>
+            <a:ext cx="342850" cy="1666572"/>
+          </a:xfrm>
+          <a:prstGeom prst="bentConnector2">
+            <a:avLst/>
+          </a:prstGeom>
+          <a:ln w="12700">
+            <a:solidFill>
+              <a:schemeClr val="accent4"/>
+            </a:solidFill>
+            <a:tailEnd type="triangle"/>
+          </a:ln>
+        </p:spPr>
+        <p:style>
+          <a:lnRef idx="1">
+            <a:schemeClr val="accent1"/>
+          </a:lnRef>
+          <a:fillRef idx="0">
+            <a:schemeClr val="accent1"/>
+          </a:fillRef>
+          <a:effectRef idx="0">
+            <a:schemeClr val="accent1"/>
+          </a:effectRef>
+          <a:fontRef idx="minor">
+            <a:schemeClr val="tx1"/>
+          </a:fontRef>
+        </p:style>
+      </p:cxnSp>
+      <p:cxnSp>
+        <p:nvCxnSpPr>
+          <p:cNvPr id="40" name="直線矢印コネクタ 39">
+            <a:extLst>
+              <a:ext uri="{FF2B5EF4-FFF2-40B4-BE49-F238E27FC236}">
+                <a16:creationId xmlns:a16="http://schemas.microsoft.com/office/drawing/2014/main" id="{4E5DD74A-A523-409E-AB40-C115F1F96275}"/>
+              </a:ext>
+            </a:extLst>
+          </p:cNvPr>
+          <p:cNvCxnSpPr>
+            <a:cxnSpLocks/>
+            <a:stCxn id="17" idx="3"/>
+            <a:endCxn id="36" idx="1"/>
+          </p:cNvCxnSpPr>
+          <p:nvPr/>
+        </p:nvCxnSpPr>
+        <p:spPr>
+          <a:xfrm flipV="1">
+            <a:off x="8357162" y="3199414"/>
+            <a:ext cx="1123188" cy="7699"/>
+          </a:xfrm>
+          <a:prstGeom prst="straightConnector1">
+            <a:avLst/>
+          </a:prstGeom>
+          <a:ln w="12700">
+            <a:solidFill>
+              <a:schemeClr val="accent4"/>
+            </a:solidFill>
+            <a:tailEnd type="triangle"/>
+          </a:ln>
+        </p:spPr>
+        <p:style>
+          <a:lnRef idx="1">
+            <a:schemeClr val="accent1"/>
+          </a:lnRef>
+          <a:fillRef idx="0">
+            <a:schemeClr val="accent1"/>
+          </a:fillRef>
+          <a:effectRef idx="0">
+            <a:schemeClr val="accent1"/>
+          </a:effectRef>
+          <a:fontRef idx="minor">
+            <a:schemeClr val="tx1"/>
+          </a:fontRef>
+        </p:style>
+      </p:cxnSp>
+    </p:spTree>
+    <p:extLst>
+      <p:ext uri="{BB962C8B-B14F-4D97-AF65-F5344CB8AC3E}">
+        <p14:creationId xmlns:p14="http://schemas.microsoft.com/office/powerpoint/2010/main" val="2322832321"/>
       </p:ext>
     </p:extLst>
   </p:cSld>

--- a/work/work.pptx
+++ b/work/work.pptx
@@ -6355,13 +6355,15 @@
           </p:cNvPr>
           <p:cNvCxnSpPr>
             <a:cxnSpLocks/>
+            <a:stCxn id="137" idx="1"/>
+            <a:endCxn id="47" idx="3"/>
           </p:cNvCxnSpPr>
           <p:nvPr/>
         </p:nvCxnSpPr>
         <p:spPr>
           <a:xfrm flipH="1" flipV="1">
-            <a:off x="2305934" y="3180143"/>
-            <a:ext cx="635448" cy="471974"/>
+            <a:off x="2310369" y="3055415"/>
+            <a:ext cx="633611" cy="304800"/>
           </a:xfrm>
           <a:prstGeom prst="straightConnector1">
             <a:avLst/>
@@ -6400,13 +6402,15 @@
           </p:cNvPr>
           <p:cNvCxnSpPr>
             <a:cxnSpLocks/>
+            <a:stCxn id="144" idx="1"/>
+            <a:endCxn id="137" idx="3"/>
           </p:cNvCxnSpPr>
           <p:nvPr/>
         </p:nvCxnSpPr>
         <p:spPr>
           <a:xfrm flipH="1" flipV="1">
-            <a:off x="4966735" y="3652117"/>
-            <a:ext cx="437539" cy="200826"/>
+            <a:off x="4773262" y="3360215"/>
+            <a:ext cx="633611" cy="161109"/>
           </a:xfrm>
           <a:prstGeom prst="straightConnector1">
             <a:avLst/>
@@ -6445,13 +6449,15 @@
           </p:cNvPr>
           <p:cNvCxnSpPr>
             <a:cxnSpLocks/>
+            <a:stCxn id="144" idx="3"/>
+            <a:endCxn id="152" idx="1"/>
           </p:cNvCxnSpPr>
           <p:nvPr/>
         </p:nvCxnSpPr>
         <p:spPr>
           <a:xfrm>
-            <a:off x="7429628" y="3852943"/>
-            <a:ext cx="437539" cy="409957"/>
+            <a:off x="7236155" y="3521324"/>
+            <a:ext cx="623779" cy="302198"/>
           </a:xfrm>
           <a:prstGeom prst="straightConnector1">
             <a:avLst/>

--- a/work/work.pptx
+++ b/work/work.pptx
@@ -262,7 +262,7 @@
           <a:p>
             <a:fld id="{DADCA3C0-8A91-47C6-9688-037592343C81}" type="datetimeFigureOut">
               <a:rPr kumimoji="1" lang="ja-JP" altLang="en-US" smtClean="0"/>
-              <a:t>2022/10/14</a:t>
+              <a:t>2022/10/17</a:t>
             </a:fld>
             <a:endParaRPr kumimoji="1" lang="ja-JP" altLang="en-US"/>
           </a:p>
@@ -492,7 +492,7 @@
           <a:p>
             <a:fld id="{DADCA3C0-8A91-47C6-9688-037592343C81}" type="datetimeFigureOut">
               <a:rPr kumimoji="1" lang="ja-JP" altLang="en-US" smtClean="0"/>
-              <a:t>2022/10/14</a:t>
+              <a:t>2022/10/17</a:t>
             </a:fld>
             <a:endParaRPr kumimoji="1" lang="ja-JP" altLang="en-US"/>
           </a:p>
@@ -732,7 +732,7 @@
           <a:p>
             <a:fld id="{DADCA3C0-8A91-47C6-9688-037592343C81}" type="datetimeFigureOut">
               <a:rPr kumimoji="1" lang="ja-JP" altLang="en-US" smtClean="0"/>
-              <a:t>2022/10/14</a:t>
+              <a:t>2022/10/17</a:t>
             </a:fld>
             <a:endParaRPr kumimoji="1" lang="ja-JP" altLang="en-US"/>
           </a:p>
@@ -962,7 +962,7 @@
           <a:p>
             <a:fld id="{DADCA3C0-8A91-47C6-9688-037592343C81}" type="datetimeFigureOut">
               <a:rPr kumimoji="1" lang="ja-JP" altLang="en-US" smtClean="0"/>
-              <a:t>2022/10/14</a:t>
+              <a:t>2022/10/17</a:t>
             </a:fld>
             <a:endParaRPr kumimoji="1" lang="ja-JP" altLang="en-US"/>
           </a:p>
@@ -1237,7 +1237,7 @@
           <a:p>
             <a:fld id="{DADCA3C0-8A91-47C6-9688-037592343C81}" type="datetimeFigureOut">
               <a:rPr kumimoji="1" lang="ja-JP" altLang="en-US" smtClean="0"/>
-              <a:t>2022/10/14</a:t>
+              <a:t>2022/10/17</a:t>
             </a:fld>
             <a:endParaRPr kumimoji="1" lang="ja-JP" altLang="en-US"/>
           </a:p>
@@ -1566,7 +1566,7 @@
           <a:p>
             <a:fld id="{DADCA3C0-8A91-47C6-9688-037592343C81}" type="datetimeFigureOut">
               <a:rPr kumimoji="1" lang="ja-JP" altLang="en-US" smtClean="0"/>
-              <a:t>2022/10/14</a:t>
+              <a:t>2022/10/17</a:t>
             </a:fld>
             <a:endParaRPr kumimoji="1" lang="ja-JP" altLang="en-US"/>
           </a:p>
@@ -2042,7 +2042,7 @@
           <a:p>
             <a:fld id="{DADCA3C0-8A91-47C6-9688-037592343C81}" type="datetimeFigureOut">
               <a:rPr kumimoji="1" lang="ja-JP" altLang="en-US" smtClean="0"/>
-              <a:t>2022/10/14</a:t>
+              <a:t>2022/10/17</a:t>
             </a:fld>
             <a:endParaRPr kumimoji="1" lang="ja-JP" altLang="en-US"/>
           </a:p>
@@ -2183,7 +2183,7 @@
           <a:p>
             <a:fld id="{DADCA3C0-8A91-47C6-9688-037592343C81}" type="datetimeFigureOut">
               <a:rPr kumimoji="1" lang="ja-JP" altLang="en-US" smtClean="0"/>
-              <a:t>2022/10/14</a:t>
+              <a:t>2022/10/17</a:t>
             </a:fld>
             <a:endParaRPr kumimoji="1" lang="ja-JP" altLang="en-US"/>
           </a:p>
@@ -2296,7 +2296,7 @@
           <a:p>
             <a:fld id="{DADCA3C0-8A91-47C6-9688-037592343C81}" type="datetimeFigureOut">
               <a:rPr kumimoji="1" lang="ja-JP" altLang="en-US" smtClean="0"/>
-              <a:t>2022/10/14</a:t>
+              <a:t>2022/10/17</a:t>
             </a:fld>
             <a:endParaRPr kumimoji="1" lang="ja-JP" altLang="en-US"/>
           </a:p>
@@ -2639,7 +2639,7 @@
           <a:p>
             <a:fld id="{DADCA3C0-8A91-47C6-9688-037592343C81}" type="datetimeFigureOut">
               <a:rPr kumimoji="1" lang="ja-JP" altLang="en-US" smtClean="0"/>
-              <a:t>2022/10/14</a:t>
+              <a:t>2022/10/17</a:t>
             </a:fld>
             <a:endParaRPr kumimoji="1" lang="ja-JP" altLang="en-US"/>
           </a:p>
@@ -2927,7 +2927,7 @@
           <a:p>
             <a:fld id="{DADCA3C0-8A91-47C6-9688-037592343C81}" type="datetimeFigureOut">
               <a:rPr kumimoji="1" lang="ja-JP" altLang="en-US" smtClean="0"/>
-              <a:t>2022/10/14</a:t>
+              <a:t>2022/10/17</a:t>
             </a:fld>
             <a:endParaRPr kumimoji="1" lang="ja-JP" altLang="en-US"/>
           </a:p>
@@ -3200,7 +3200,7 @@
           <a:p>
             <a:fld id="{DADCA3C0-8A91-47C6-9688-037592343C81}" type="datetimeFigureOut">
               <a:rPr kumimoji="1" lang="ja-JP" altLang="en-US" smtClean="0"/>
-              <a:t>2022/10/14</a:t>
+              <a:t>2022/10/17</a:t>
             </a:fld>
             <a:endParaRPr kumimoji="1" lang="ja-JP" altLang="en-US"/>
           </a:p>
@@ -4759,11 +4759,11 @@
           <a:p>
             <a:pPr algn="ctr"/>
             <a:r>
-              <a:rPr kumimoji="1" lang="en-US" altLang="ja-JP" sz="1200" err="1">
+              <a:rPr kumimoji="1" lang="en-US" altLang="ja-JP" sz="1200">
                 <a:latin typeface="Meiryo UI" panose="020B0604030504040204" pitchFamily="50" charset="-128"/>
                 <a:ea typeface="Meiryo UI" panose="020B0604030504040204" pitchFamily="50" charset="-128"/>
               </a:rPr>
-              <a:t>vContainer</a:t>
+              <a:t>VContainer</a:t>
             </a:r>
             <a:endParaRPr kumimoji="1" lang="ja-JP" altLang="en-US" sz="1200">
               <a:latin typeface="Meiryo UI" panose="020B0604030504040204" pitchFamily="50" charset="-128"/>

--- a/work/work.pptx
+++ b/work/work.pptx
@@ -9015,7 +9015,7 @@
                 <a:latin typeface="Meiryo UI" panose="020B0604030504040204" pitchFamily="50" charset="-128"/>
                 <a:ea typeface="Meiryo UI" panose="020B0604030504040204" pitchFamily="50" charset="-128"/>
               </a:rPr>
-              <a:t>use</a:t>
+              <a:t>call</a:t>
             </a:r>
           </a:p>
         </p:txBody>
@@ -9074,7 +9074,7 @@
                 <a:latin typeface="Meiryo UI" panose="020B0604030504040204" pitchFamily="50" charset="-128"/>
                 <a:ea typeface="Meiryo UI" panose="020B0604030504040204" pitchFamily="50" charset="-128"/>
               </a:rPr>
-              <a:t>use</a:t>
+              <a:t>call</a:t>
             </a:r>
           </a:p>
         </p:txBody>

--- a/work/work.pptx
+++ b/work/work.pptx
@@ -9389,7 +9389,7 @@
                 <a:latin typeface="Meiryo UI" panose="020B0604030504040204" pitchFamily="50" charset="-128"/>
                 <a:ea typeface="Meiryo UI" panose="020B0604030504040204" pitchFamily="50" charset="-128"/>
               </a:rPr>
-              <a:t>Lufecycle</a:t>
+              <a:t>Lifecycle</a:t>
             </a:r>
             <a:endParaRPr kumimoji="1" lang="ja-JP" altLang="en-US" sz="1200">
               <a:latin typeface="Meiryo UI" panose="020B0604030504040204" pitchFamily="50" charset="-128"/>

--- a/work/work.pptx
+++ b/work/work.pptx
@@ -262,7 +262,7 @@
           <a:p>
             <a:fld id="{DADCA3C0-8A91-47C6-9688-037592343C81}" type="datetimeFigureOut">
               <a:rPr kumimoji="1" lang="ja-JP" altLang="en-US" smtClean="0"/>
-              <a:t>2022/10/17</a:t>
+              <a:t>2022/10/21</a:t>
             </a:fld>
             <a:endParaRPr kumimoji="1" lang="ja-JP" altLang="en-US"/>
           </a:p>
@@ -492,7 +492,7 @@
           <a:p>
             <a:fld id="{DADCA3C0-8A91-47C6-9688-037592343C81}" type="datetimeFigureOut">
               <a:rPr kumimoji="1" lang="ja-JP" altLang="en-US" smtClean="0"/>
-              <a:t>2022/10/17</a:t>
+              <a:t>2022/10/21</a:t>
             </a:fld>
             <a:endParaRPr kumimoji="1" lang="ja-JP" altLang="en-US"/>
           </a:p>
@@ -732,7 +732,7 @@
           <a:p>
             <a:fld id="{DADCA3C0-8A91-47C6-9688-037592343C81}" type="datetimeFigureOut">
               <a:rPr kumimoji="1" lang="ja-JP" altLang="en-US" smtClean="0"/>
-              <a:t>2022/10/17</a:t>
+              <a:t>2022/10/21</a:t>
             </a:fld>
             <a:endParaRPr kumimoji="1" lang="ja-JP" altLang="en-US"/>
           </a:p>
@@ -962,7 +962,7 @@
           <a:p>
             <a:fld id="{DADCA3C0-8A91-47C6-9688-037592343C81}" type="datetimeFigureOut">
               <a:rPr kumimoji="1" lang="ja-JP" altLang="en-US" smtClean="0"/>
-              <a:t>2022/10/17</a:t>
+              <a:t>2022/10/21</a:t>
             </a:fld>
             <a:endParaRPr kumimoji="1" lang="ja-JP" altLang="en-US"/>
           </a:p>
@@ -1237,7 +1237,7 @@
           <a:p>
             <a:fld id="{DADCA3C0-8A91-47C6-9688-037592343C81}" type="datetimeFigureOut">
               <a:rPr kumimoji="1" lang="ja-JP" altLang="en-US" smtClean="0"/>
-              <a:t>2022/10/17</a:t>
+              <a:t>2022/10/21</a:t>
             </a:fld>
             <a:endParaRPr kumimoji="1" lang="ja-JP" altLang="en-US"/>
           </a:p>
@@ -1566,7 +1566,7 @@
           <a:p>
             <a:fld id="{DADCA3C0-8A91-47C6-9688-037592343C81}" type="datetimeFigureOut">
               <a:rPr kumimoji="1" lang="ja-JP" altLang="en-US" smtClean="0"/>
-              <a:t>2022/10/17</a:t>
+              <a:t>2022/10/21</a:t>
             </a:fld>
             <a:endParaRPr kumimoji="1" lang="ja-JP" altLang="en-US"/>
           </a:p>
@@ -2042,7 +2042,7 @@
           <a:p>
             <a:fld id="{DADCA3C0-8A91-47C6-9688-037592343C81}" type="datetimeFigureOut">
               <a:rPr kumimoji="1" lang="ja-JP" altLang="en-US" smtClean="0"/>
-              <a:t>2022/10/17</a:t>
+              <a:t>2022/10/21</a:t>
             </a:fld>
             <a:endParaRPr kumimoji="1" lang="ja-JP" altLang="en-US"/>
           </a:p>
@@ -2183,7 +2183,7 @@
           <a:p>
             <a:fld id="{DADCA3C0-8A91-47C6-9688-037592343C81}" type="datetimeFigureOut">
               <a:rPr kumimoji="1" lang="ja-JP" altLang="en-US" smtClean="0"/>
-              <a:t>2022/10/17</a:t>
+              <a:t>2022/10/21</a:t>
             </a:fld>
             <a:endParaRPr kumimoji="1" lang="ja-JP" altLang="en-US"/>
           </a:p>
@@ -2296,7 +2296,7 @@
           <a:p>
             <a:fld id="{DADCA3C0-8A91-47C6-9688-037592343C81}" type="datetimeFigureOut">
               <a:rPr kumimoji="1" lang="ja-JP" altLang="en-US" smtClean="0"/>
-              <a:t>2022/10/17</a:t>
+              <a:t>2022/10/21</a:t>
             </a:fld>
             <a:endParaRPr kumimoji="1" lang="ja-JP" altLang="en-US"/>
           </a:p>
@@ -2639,7 +2639,7 @@
           <a:p>
             <a:fld id="{DADCA3C0-8A91-47C6-9688-037592343C81}" type="datetimeFigureOut">
               <a:rPr kumimoji="1" lang="ja-JP" altLang="en-US" smtClean="0"/>
-              <a:t>2022/10/17</a:t>
+              <a:t>2022/10/21</a:t>
             </a:fld>
             <a:endParaRPr kumimoji="1" lang="ja-JP" altLang="en-US"/>
           </a:p>
@@ -2927,7 +2927,7 @@
           <a:p>
             <a:fld id="{DADCA3C0-8A91-47C6-9688-037592343C81}" type="datetimeFigureOut">
               <a:rPr kumimoji="1" lang="ja-JP" altLang="en-US" smtClean="0"/>
-              <a:t>2022/10/17</a:t>
+              <a:t>2022/10/21</a:t>
             </a:fld>
             <a:endParaRPr kumimoji="1" lang="ja-JP" altLang="en-US"/>
           </a:p>
@@ -3200,7 +3200,7 @@
           <a:p>
             <a:fld id="{DADCA3C0-8A91-47C6-9688-037592343C81}" type="datetimeFigureOut">
               <a:rPr kumimoji="1" lang="ja-JP" altLang="en-US" smtClean="0"/>
-              <a:t>2022/10/17</a:t>
+              <a:t>2022/10/21</a:t>
             </a:fld>
             <a:endParaRPr kumimoji="1" lang="ja-JP" altLang="en-US"/>
           </a:p>
@@ -3958,10 +3958,10 @@
       </p:sp>
       <p:sp>
         <p:nvSpPr>
-          <p:cNvPr id="6" name="正方形/長方形 5">
-            <a:extLst>
-              <a:ext uri="{FF2B5EF4-FFF2-40B4-BE49-F238E27FC236}">
-                <a16:creationId xmlns:a16="http://schemas.microsoft.com/office/drawing/2014/main" id="{CF3F5155-A1C8-1B49-1F3D-D262B3A174D4}"/>
+          <p:cNvPr id="7" name="正方形/長方形 6">
+            <a:extLst>
+              <a:ext uri="{FF2B5EF4-FFF2-40B4-BE49-F238E27FC236}">
+                <a16:creationId xmlns:a16="http://schemas.microsoft.com/office/drawing/2014/main" id="{BCA1D956-1380-D572-17DE-B03A2229DF00}"/>
               </a:ext>
             </a:extLst>
           </p:cNvPr>
@@ -3970,71 +3970,7 @@
         </p:nvSpPr>
         <p:spPr>
           <a:xfrm>
-            <a:off x="2620542" y="2668432"/>
-            <a:ext cx="1051742" cy="341919"/>
-          </a:xfrm>
-          <a:prstGeom prst="rect">
-            <a:avLst/>
-          </a:prstGeom>
-          <a:solidFill>
-            <a:srgbClr val="6667AB"/>
-          </a:solidFill>
-          <a:ln>
-            <a:solidFill>
-              <a:schemeClr val="bg1"/>
-            </a:solidFill>
-          </a:ln>
-        </p:spPr>
-        <p:style>
-          <a:lnRef idx="2">
-            <a:schemeClr val="accent1">
-              <a:shade val="50000"/>
-            </a:schemeClr>
-          </a:lnRef>
-          <a:fillRef idx="1">
-            <a:schemeClr val="accent1"/>
-          </a:fillRef>
-          <a:effectRef idx="0">
-            <a:schemeClr val="accent1"/>
-          </a:effectRef>
-          <a:fontRef idx="minor">
-            <a:schemeClr val="lt1"/>
-          </a:fontRef>
-        </p:style>
-        <p:txBody>
-          <a:bodyPr rtlCol="0" anchor="ctr"/>
-          <a:lstStyle/>
-          <a:p>
-            <a:pPr algn="ctr"/>
-            <a:r>
-              <a:rPr kumimoji="1" lang="en-US" altLang="ja-JP" sz="1200">
-                <a:latin typeface="Meiryo UI" panose="020B0604030504040204" pitchFamily="50" charset="-128"/>
-                <a:ea typeface="Meiryo UI" panose="020B0604030504040204" pitchFamily="50" charset="-128"/>
-              </a:rPr>
-              <a:t>Lifecycle</a:t>
-            </a:r>
-            <a:endParaRPr kumimoji="1" lang="ja-JP" altLang="en-US" sz="1200">
-              <a:latin typeface="Meiryo UI" panose="020B0604030504040204" pitchFamily="50" charset="-128"/>
-              <a:ea typeface="Meiryo UI" panose="020B0604030504040204" pitchFamily="50" charset="-128"/>
-            </a:endParaRPr>
-          </a:p>
-        </p:txBody>
-      </p:sp>
-      <p:sp>
-        <p:nvSpPr>
-          <p:cNvPr id="7" name="正方形/長方形 6">
-            <a:extLst>
-              <a:ext uri="{FF2B5EF4-FFF2-40B4-BE49-F238E27FC236}">
-                <a16:creationId xmlns:a16="http://schemas.microsoft.com/office/drawing/2014/main" id="{BCA1D956-1380-D572-17DE-B03A2229DF00}"/>
-              </a:ext>
-            </a:extLst>
-          </p:cNvPr>
-          <p:cNvSpPr/>
-          <p:nvPr/>
-        </p:nvSpPr>
-        <p:spPr>
-          <a:xfrm>
-            <a:off x="3956866" y="2668433"/>
+            <a:off x="3260828" y="2668433"/>
             <a:ext cx="1634310" cy="341919"/>
           </a:xfrm>
           <a:prstGeom prst="rect">
@@ -4719,7 +4655,7 @@
         </p:nvSpPr>
         <p:spPr>
           <a:xfrm>
-            <a:off x="3030561" y="4113572"/>
+            <a:off x="3027853" y="4109252"/>
             <a:ext cx="1050130" cy="341919"/>
           </a:xfrm>
           <a:prstGeom prst="rect">
@@ -4885,13 +4821,13 @@
           <p:nvPr/>
         </p:nvCxnSpPr>
         <p:spPr>
-          <a:xfrm rot="5400000">
-            <a:off x="3418520" y="3912011"/>
-            <a:ext cx="2257161" cy="453842"/>
+          <a:xfrm rot="16200000" flipH="1">
+            <a:off x="3070501" y="4017834"/>
+            <a:ext cx="2257161" cy="242196"/>
           </a:xfrm>
           <a:prstGeom prst="bentConnector3">
             <a:avLst>
-              <a:gd name="adj1" fmla="val 50000"/>
+              <a:gd name="adj1" fmla="val 40136"/>
             </a:avLst>
           </a:prstGeom>
           <a:ln>
@@ -4918,54 +4854,6 @@
       </p:cxnSp>
       <p:cxnSp>
         <p:nvCxnSpPr>
-          <p:cNvPr id="46" name="直線矢印コネクタ 24">
-            <a:extLst>
-              <a:ext uri="{FF2B5EF4-FFF2-40B4-BE49-F238E27FC236}">
-                <a16:creationId xmlns:a16="http://schemas.microsoft.com/office/drawing/2014/main" id="{C7E275B7-6104-780E-CAC1-27DD1D9BBC09}"/>
-              </a:ext>
-            </a:extLst>
-          </p:cNvPr>
-          <p:cNvCxnSpPr>
-            <a:cxnSpLocks/>
-            <a:stCxn id="6" idx="2"/>
-            <a:endCxn id="23" idx="0"/>
-          </p:cNvCxnSpPr>
-          <p:nvPr/>
-        </p:nvCxnSpPr>
-        <p:spPr>
-          <a:xfrm rot="16200000" flipH="1">
-            <a:off x="2799409" y="3357354"/>
-            <a:ext cx="1103221" cy="409213"/>
-          </a:xfrm>
-          <a:prstGeom prst="bentConnector3">
-            <a:avLst>
-              <a:gd name="adj1" fmla="val 50000"/>
-            </a:avLst>
-          </a:prstGeom>
-          <a:ln w="12700">
-            <a:solidFill>
-              <a:schemeClr val="accent4"/>
-            </a:solidFill>
-            <a:tailEnd type="triangle"/>
-          </a:ln>
-        </p:spPr>
-        <p:style>
-          <a:lnRef idx="1">
-            <a:schemeClr val="accent1"/>
-          </a:lnRef>
-          <a:fillRef idx="0">
-            <a:schemeClr val="accent1"/>
-          </a:fillRef>
-          <a:effectRef idx="0">
-            <a:schemeClr val="accent1"/>
-          </a:effectRef>
-          <a:fontRef idx="minor">
-            <a:schemeClr val="tx1"/>
-          </a:fontRef>
-        </p:style>
-      </p:cxnSp>
-      <p:cxnSp>
-        <p:nvCxnSpPr>
           <p:cNvPr id="264" name="直線矢印コネクタ 24">
             <a:extLst>
               <a:ext uri="{FF2B5EF4-FFF2-40B4-BE49-F238E27FC236}">
@@ -5012,10 +4900,10 @@
       </p:cxnSp>
       <p:cxnSp>
         <p:nvCxnSpPr>
-          <p:cNvPr id="24" name="直線矢印コネクタ 24">
-            <a:extLst>
-              <a:ext uri="{FF2B5EF4-FFF2-40B4-BE49-F238E27FC236}">
-                <a16:creationId xmlns:a16="http://schemas.microsoft.com/office/drawing/2014/main" id="{A705AEA6-736E-4595-9760-267E4891C9B9}"/>
+          <p:cNvPr id="26" name="直線矢印コネクタ 24">
+            <a:extLst>
+              <a:ext uri="{FF2B5EF4-FFF2-40B4-BE49-F238E27FC236}">
+                <a16:creationId xmlns:a16="http://schemas.microsoft.com/office/drawing/2014/main" id="{BF40281B-B3DF-470F-A2C8-584738F330A2}"/>
               </a:ext>
             </a:extLst>
           </p:cNvPr>
@@ -5025,14 +4913,12 @@
           <p:nvPr/>
         </p:nvCxnSpPr>
         <p:spPr>
-          <a:xfrm rot="5400000">
-            <a:off x="3418520" y="3912012"/>
-            <a:ext cx="2257161" cy="453842"/>
-          </a:xfrm>
-          <a:prstGeom prst="bentConnector3">
-            <a:avLst>
-              <a:gd name="adj1" fmla="val 50000"/>
-            </a:avLst>
+          <a:xfrm flipH="1">
+            <a:off x="5791683" y="2351090"/>
+            <a:ext cx="361467" cy="5316"/>
+          </a:xfrm>
+          <a:prstGeom prst="straightConnector1">
+            <a:avLst/>
           </a:prstGeom>
           <a:ln>
             <a:solidFill>
@@ -5058,10 +4944,10 @@
       </p:cxnSp>
       <p:cxnSp>
         <p:nvCxnSpPr>
-          <p:cNvPr id="26" name="直線矢印コネクタ 24">
-            <a:extLst>
-              <a:ext uri="{FF2B5EF4-FFF2-40B4-BE49-F238E27FC236}">
-                <a16:creationId xmlns:a16="http://schemas.microsoft.com/office/drawing/2014/main" id="{BF40281B-B3DF-470F-A2C8-584738F330A2}"/>
+          <p:cNvPr id="27" name="直線矢印コネクタ 24">
+            <a:extLst>
+              <a:ext uri="{FF2B5EF4-FFF2-40B4-BE49-F238E27FC236}">
+                <a16:creationId xmlns:a16="http://schemas.microsoft.com/office/drawing/2014/main" id="{6AB6C3EE-710A-4479-8645-A0338A240223}"/>
               </a:ext>
             </a:extLst>
           </p:cNvPr>
@@ -5071,101 +4957,9 @@
           <p:nvPr/>
         </p:nvCxnSpPr>
         <p:spPr>
-          <a:xfrm flipH="1">
-            <a:off x="5791683" y="2351090"/>
-            <a:ext cx="361467" cy="5316"/>
-          </a:xfrm>
-          <a:prstGeom prst="straightConnector1">
-            <a:avLst/>
-          </a:prstGeom>
-          <a:ln>
-            <a:solidFill>
-              <a:schemeClr val="accent4"/>
-            </a:solidFill>
-            <a:tailEnd type="triangle"/>
-          </a:ln>
-        </p:spPr>
-        <p:style>
-          <a:lnRef idx="1">
-            <a:schemeClr val="accent1"/>
-          </a:lnRef>
-          <a:fillRef idx="0">
-            <a:schemeClr val="accent1"/>
-          </a:fillRef>
-          <a:effectRef idx="0">
-            <a:schemeClr val="accent1"/>
-          </a:effectRef>
-          <a:fontRef idx="minor">
-            <a:schemeClr val="tx1"/>
-          </a:fontRef>
-        </p:style>
-      </p:cxnSp>
-      <p:cxnSp>
-        <p:nvCxnSpPr>
-          <p:cNvPr id="27" name="直線矢印コネクタ 24">
-            <a:extLst>
-              <a:ext uri="{FF2B5EF4-FFF2-40B4-BE49-F238E27FC236}">
-                <a16:creationId xmlns:a16="http://schemas.microsoft.com/office/drawing/2014/main" id="{6AB6C3EE-710A-4479-8645-A0338A240223}"/>
-              </a:ext>
-            </a:extLst>
-          </p:cNvPr>
-          <p:cNvCxnSpPr>
-            <a:cxnSpLocks/>
-          </p:cNvCxnSpPr>
-          <p:nvPr/>
-        </p:nvCxnSpPr>
-        <p:spPr>
           <a:xfrm rot="16200000" flipH="1">
             <a:off x="7923760" y="3265888"/>
             <a:ext cx="1489874" cy="196855"/>
-          </a:xfrm>
-          <a:prstGeom prst="bentConnector3">
-            <a:avLst>
-              <a:gd name="adj1" fmla="val 50000"/>
-            </a:avLst>
-          </a:prstGeom>
-          <a:ln w="12700">
-            <a:solidFill>
-              <a:schemeClr val="accent4"/>
-            </a:solidFill>
-            <a:tailEnd type="triangle"/>
-          </a:ln>
-        </p:spPr>
-        <p:style>
-          <a:lnRef idx="1">
-            <a:schemeClr val="accent1"/>
-          </a:lnRef>
-          <a:fillRef idx="0">
-            <a:schemeClr val="accent1"/>
-          </a:fillRef>
-          <a:effectRef idx="0">
-            <a:schemeClr val="accent1"/>
-          </a:effectRef>
-          <a:fontRef idx="minor">
-            <a:schemeClr val="tx1"/>
-          </a:fontRef>
-        </p:style>
-      </p:cxnSp>
-      <p:cxnSp>
-        <p:nvCxnSpPr>
-          <p:cNvPr id="28" name="直線矢印コネクタ 24">
-            <a:extLst>
-              <a:ext uri="{FF2B5EF4-FFF2-40B4-BE49-F238E27FC236}">
-                <a16:creationId xmlns:a16="http://schemas.microsoft.com/office/drawing/2014/main" id="{8FDB31B3-A9E9-4644-A5A8-3039126E4988}"/>
-              </a:ext>
-            </a:extLst>
-          </p:cNvPr>
-          <p:cNvCxnSpPr>
-            <a:cxnSpLocks/>
-            <a:stCxn id="7" idx="2"/>
-            <a:endCxn id="11" idx="0"/>
-          </p:cNvCxnSpPr>
-          <p:nvPr/>
-        </p:nvCxnSpPr>
-        <p:spPr>
-          <a:xfrm rot="5400000">
-            <a:off x="3418520" y="3912011"/>
-            <a:ext cx="2257161" cy="453842"/>
           </a:xfrm>
           <a:prstGeom prst="bentConnector3">
             <a:avLst>
@@ -9196,10 +8990,10 @@
       </p:sp>
       <p:sp>
         <p:nvSpPr>
-          <p:cNvPr id="33" name="正方形/長方形 32">
-            <a:extLst>
-              <a:ext uri="{FF2B5EF4-FFF2-40B4-BE49-F238E27FC236}">
-                <a16:creationId xmlns:a16="http://schemas.microsoft.com/office/drawing/2014/main" id="{D95514FD-5BF4-41F5-8786-6D02DE8B5F81}"/>
+          <p:cNvPr id="36" name="正方形/長方形 35">
+            <a:extLst>
+              <a:ext uri="{FF2B5EF4-FFF2-40B4-BE49-F238E27FC236}">
+                <a16:creationId xmlns:a16="http://schemas.microsoft.com/office/drawing/2014/main" id="{7B01361E-808B-4750-9D37-A6131F36BF89}"/>
               </a:ext>
             </a:extLst>
           </p:cNvPr>
@@ -9208,212 +9002,8 @@
         </p:nvSpPr>
         <p:spPr>
           <a:xfrm>
-            <a:off x="8159352" y="1055026"/>
-            <a:ext cx="1598983" cy="2065233"/>
-          </a:xfrm>
-          <a:prstGeom prst="rect">
-            <a:avLst/>
-          </a:prstGeom>
-          <a:solidFill>
-            <a:srgbClr val="6667AB"/>
-          </a:solidFill>
-          <a:ln>
-            <a:noFill/>
-          </a:ln>
-        </p:spPr>
-        <p:style>
-          <a:lnRef idx="2">
-            <a:schemeClr val="accent1">
-              <a:shade val="50000"/>
-            </a:schemeClr>
-          </a:lnRef>
-          <a:fillRef idx="1">
-            <a:schemeClr val="accent1"/>
-          </a:fillRef>
-          <a:effectRef idx="0">
-            <a:schemeClr val="accent1"/>
-          </a:effectRef>
-          <a:fontRef idx="minor">
-            <a:schemeClr val="lt1"/>
-          </a:fontRef>
-        </p:style>
-        <p:txBody>
-          <a:bodyPr rtlCol="0" anchor="t"/>
-          <a:lstStyle/>
-          <a:p>
-            <a:pPr algn="ctr"/>
-            <a:endParaRPr kumimoji="1" lang="en-US" altLang="ja-JP" sz="1200">
-              <a:latin typeface="Meiryo UI" panose="020B0604030504040204" pitchFamily="50" charset="-128"/>
-              <a:ea typeface="Meiryo UI" panose="020B0604030504040204" pitchFamily="50" charset="-128"/>
-            </a:endParaRPr>
-          </a:p>
-          <a:p>
-            <a:pPr algn="ctr"/>
-            <a:r>
-              <a:rPr kumimoji="1" lang="en-US" altLang="ja-JP" sz="1200">
-                <a:latin typeface="Meiryo UI" panose="020B0604030504040204" pitchFamily="50" charset="-128"/>
-                <a:ea typeface="Meiryo UI" panose="020B0604030504040204" pitchFamily="50" charset="-128"/>
-              </a:rPr>
-              <a:t>Framework</a:t>
-            </a:r>
-            <a:endParaRPr kumimoji="1" lang="ja-JP" altLang="en-US" sz="1200">
-              <a:latin typeface="Meiryo UI" panose="020B0604030504040204" pitchFamily="50" charset="-128"/>
-              <a:ea typeface="Meiryo UI" panose="020B0604030504040204" pitchFamily="50" charset="-128"/>
-            </a:endParaRPr>
-          </a:p>
-        </p:txBody>
-      </p:sp>
-      <p:sp>
-        <p:nvSpPr>
-          <p:cNvPr id="34" name="正方形/長方形 33">
-            <a:extLst>
-              <a:ext uri="{FF2B5EF4-FFF2-40B4-BE49-F238E27FC236}">
-                <a16:creationId xmlns:a16="http://schemas.microsoft.com/office/drawing/2014/main" id="{4B96B345-79D5-4B4F-BB70-1489F70185D6}"/>
-              </a:ext>
-            </a:extLst>
-          </p:cNvPr>
-          <p:cNvSpPr/>
-          <p:nvPr/>
-        </p:nvSpPr>
-        <p:spPr>
-          <a:xfrm>
-            <a:off x="8368666" y="1681159"/>
-            <a:ext cx="1186191" cy="1163824"/>
-          </a:xfrm>
-          <a:prstGeom prst="rect">
-            <a:avLst/>
-          </a:prstGeom>
-          <a:solidFill>
-            <a:srgbClr val="6667AB"/>
-          </a:solidFill>
-          <a:ln>
-            <a:solidFill>
-              <a:schemeClr val="bg1"/>
-            </a:solidFill>
-          </a:ln>
-        </p:spPr>
-        <p:style>
-          <a:lnRef idx="2">
-            <a:schemeClr val="accent1">
-              <a:shade val="50000"/>
-            </a:schemeClr>
-          </a:lnRef>
-          <a:fillRef idx="1">
-            <a:schemeClr val="accent1"/>
-          </a:fillRef>
-          <a:effectRef idx="0">
-            <a:schemeClr val="accent1"/>
-          </a:effectRef>
-          <a:fontRef idx="minor">
-            <a:schemeClr val="lt1"/>
-          </a:fontRef>
-        </p:style>
-        <p:txBody>
-          <a:bodyPr rtlCol="0" anchor="t"/>
-          <a:lstStyle/>
-          <a:p>
-            <a:pPr algn="ctr"/>
-            <a:endParaRPr kumimoji="1" lang="en-US" altLang="ja-JP" sz="1200">
-              <a:latin typeface="Meiryo UI" panose="020B0604030504040204" pitchFamily="50" charset="-128"/>
-              <a:ea typeface="Meiryo UI" panose="020B0604030504040204" pitchFamily="50" charset="-128"/>
-            </a:endParaRPr>
-          </a:p>
-          <a:p>
-            <a:pPr algn="ctr"/>
-            <a:r>
-              <a:rPr kumimoji="1" lang="en-US" altLang="ja-JP" sz="1200">
-                <a:latin typeface="Meiryo UI" panose="020B0604030504040204" pitchFamily="50" charset="-128"/>
-                <a:ea typeface="Meiryo UI" panose="020B0604030504040204" pitchFamily="50" charset="-128"/>
-              </a:rPr>
-              <a:t>Core</a:t>
-            </a:r>
-            <a:endParaRPr kumimoji="1" lang="ja-JP" altLang="en-US" sz="1200">
-              <a:latin typeface="Meiryo UI" panose="020B0604030504040204" pitchFamily="50" charset="-128"/>
-              <a:ea typeface="Meiryo UI" panose="020B0604030504040204" pitchFamily="50" charset="-128"/>
-            </a:endParaRPr>
-          </a:p>
-        </p:txBody>
-      </p:sp>
-      <p:sp>
-        <p:nvSpPr>
-          <p:cNvPr id="35" name="正方形/長方形 34">
-            <a:extLst>
-              <a:ext uri="{FF2B5EF4-FFF2-40B4-BE49-F238E27FC236}">
-                <a16:creationId xmlns:a16="http://schemas.microsoft.com/office/drawing/2014/main" id="{7F321FE7-924F-4917-9BC1-EA77B4BCA56B}"/>
-              </a:ext>
-            </a:extLst>
-          </p:cNvPr>
-          <p:cNvSpPr/>
-          <p:nvPr/>
-        </p:nvSpPr>
-        <p:spPr>
-          <a:xfrm>
-            <a:off x="8491292" y="2251831"/>
-            <a:ext cx="957942" cy="357317"/>
-          </a:xfrm>
-          <a:prstGeom prst="rect">
-            <a:avLst/>
-          </a:prstGeom>
-          <a:solidFill>
-            <a:srgbClr val="6667AB"/>
-          </a:solidFill>
-          <a:ln>
-            <a:solidFill>
-              <a:schemeClr val="bg1"/>
-            </a:solidFill>
-          </a:ln>
-        </p:spPr>
-        <p:style>
-          <a:lnRef idx="2">
-            <a:schemeClr val="accent1">
-              <a:shade val="50000"/>
-            </a:schemeClr>
-          </a:lnRef>
-          <a:fillRef idx="1">
-            <a:schemeClr val="accent1"/>
-          </a:fillRef>
-          <a:effectRef idx="0">
-            <a:schemeClr val="accent1"/>
-          </a:effectRef>
-          <a:fontRef idx="minor">
-            <a:schemeClr val="lt1"/>
-          </a:fontRef>
-        </p:style>
-        <p:txBody>
-          <a:bodyPr rtlCol="0" anchor="ctr"/>
-          <a:lstStyle/>
-          <a:p>
-            <a:pPr algn="ctr"/>
-            <a:r>
-              <a:rPr kumimoji="1" lang="en-US" altLang="ja-JP" sz="1200">
-                <a:latin typeface="Meiryo UI" panose="020B0604030504040204" pitchFamily="50" charset="-128"/>
-                <a:ea typeface="Meiryo UI" panose="020B0604030504040204" pitchFamily="50" charset="-128"/>
-              </a:rPr>
-              <a:t>Lifecycle</a:t>
-            </a:r>
-            <a:endParaRPr kumimoji="1" lang="ja-JP" altLang="en-US" sz="1200">
-              <a:latin typeface="Meiryo UI" panose="020B0604030504040204" pitchFamily="50" charset="-128"/>
-              <a:ea typeface="Meiryo UI" panose="020B0604030504040204" pitchFamily="50" charset="-128"/>
-            </a:endParaRPr>
-          </a:p>
-        </p:txBody>
-      </p:sp>
-      <p:sp>
-        <p:nvSpPr>
-          <p:cNvPr id="36" name="正方形/長方形 35">
-            <a:extLst>
-              <a:ext uri="{FF2B5EF4-FFF2-40B4-BE49-F238E27FC236}">
-                <a16:creationId xmlns:a16="http://schemas.microsoft.com/office/drawing/2014/main" id="{7B01361E-808B-4750-9D37-A6131F36BF89}"/>
-              </a:ext>
-            </a:extLst>
-          </p:cNvPr>
-          <p:cNvSpPr/>
-          <p:nvPr/>
-        </p:nvSpPr>
-        <p:spPr>
-          <a:xfrm>
-            <a:off x="8168818" y="3325020"/>
-            <a:ext cx="1589517" cy="1265762"/>
+            <a:off x="7852494" y="1831650"/>
+            <a:ext cx="1589517" cy="2065232"/>
           </a:xfrm>
           <a:prstGeom prst="rect">
             <a:avLst/>
@@ -9498,8 +9088,8 @@
         </p:nvSpPr>
         <p:spPr>
           <a:xfrm>
-            <a:off x="8548707" y="4015716"/>
-            <a:ext cx="843111" cy="341919"/>
+            <a:off x="8232383" y="3238218"/>
+            <a:ext cx="843111" cy="356343"/>
           </a:xfrm>
           <a:prstGeom prst="rect">
             <a:avLst/>
@@ -9562,18 +9152,20 @@
           </p:cNvPr>
           <p:cNvCxnSpPr>
             <a:cxnSpLocks/>
-            <a:stCxn id="37" idx="1"/>
+            <a:stCxn id="37" idx="2"/>
             <a:endCxn id="23" idx="2"/>
           </p:cNvCxnSpPr>
           <p:nvPr/>
         </p:nvCxnSpPr>
         <p:spPr>
-          <a:xfrm rot="10800000">
-            <a:off x="5107149" y="3519166"/>
-            <a:ext cx="3441559" cy="667511"/>
-          </a:xfrm>
-          <a:prstGeom prst="bentConnector2">
-            <a:avLst/>
+          <a:xfrm rot="5400000" flipH="1">
+            <a:off x="6842846" y="1783468"/>
+            <a:ext cx="75396" cy="3546791"/>
+          </a:xfrm>
+          <a:prstGeom prst="bentConnector3">
+            <a:avLst>
+              <a:gd name="adj1" fmla="val -303199"/>
+            </a:avLst>
           </a:prstGeom>
           <a:ln w="12700">
             <a:solidFill>
@@ -9608,15 +9200,15 @@
           </p:cNvPr>
           <p:cNvCxnSpPr>
             <a:cxnSpLocks/>
-            <a:stCxn id="35" idx="1"/>
+            <a:stCxn id="2" idx="1"/>
             <a:endCxn id="25" idx="3"/>
           </p:cNvCxnSpPr>
           <p:nvPr/>
         </p:nvCxnSpPr>
         <p:spPr>
           <a:xfrm rot="10800000" flipV="1">
-            <a:off x="6890658" y="2430490"/>
-            <a:ext cx="1600635" cy="643364"/>
+            <a:off x="6890658" y="2731450"/>
+            <a:ext cx="1238217" cy="342404"/>
           </a:xfrm>
           <a:prstGeom prst="bentConnector3">
             <a:avLst>
@@ -9645,6 +9237,73 @@
           </a:fontRef>
         </p:style>
       </p:cxnSp>
+      <p:sp>
+        <p:nvSpPr>
+          <p:cNvPr id="2" name="正方形/長方形 1">
+            <a:extLst>
+              <a:ext uri="{FF2B5EF4-FFF2-40B4-BE49-F238E27FC236}">
+                <a16:creationId xmlns:a16="http://schemas.microsoft.com/office/drawing/2014/main" id="{B4A60252-C243-5BB8-71CE-03EE3C13F5DC}"/>
+              </a:ext>
+            </a:extLst>
+          </p:cNvPr>
+          <p:cNvSpPr/>
+          <p:nvPr/>
+        </p:nvSpPr>
+        <p:spPr>
+          <a:xfrm>
+            <a:off x="8128874" y="2553278"/>
+            <a:ext cx="1050130" cy="356343"/>
+          </a:xfrm>
+          <a:prstGeom prst="rect">
+            <a:avLst/>
+          </a:prstGeom>
+          <a:solidFill>
+            <a:schemeClr val="tx1">
+              <a:lumMod val="75000"/>
+              <a:lumOff val="25000"/>
+            </a:schemeClr>
+          </a:solidFill>
+          <a:ln>
+            <a:solidFill>
+              <a:schemeClr val="bg1"/>
+            </a:solidFill>
+          </a:ln>
+        </p:spPr>
+        <p:style>
+          <a:lnRef idx="2">
+            <a:schemeClr val="accent1">
+              <a:shade val="50000"/>
+            </a:schemeClr>
+          </a:lnRef>
+          <a:fillRef idx="1">
+            <a:schemeClr val="accent1"/>
+          </a:fillRef>
+          <a:effectRef idx="0">
+            <a:schemeClr val="accent1"/>
+          </a:effectRef>
+          <a:fontRef idx="minor">
+            <a:schemeClr val="lt1"/>
+          </a:fontRef>
+        </p:style>
+        <p:txBody>
+          <a:bodyPr rtlCol="0" anchor="ctr"/>
+          <a:lstStyle/>
+          <a:p>
+            <a:pPr algn="ctr"/>
+            <a:r>
+              <a:rPr kumimoji="1" lang="en-US" altLang="ja-JP" sz="1200">
+                <a:latin typeface="Meiryo UI" panose="020B0604030504040204" pitchFamily="50" charset="-128"/>
+                <a:ea typeface="Meiryo UI" panose="020B0604030504040204" pitchFamily="50" charset="-128"/>
+              </a:rPr>
+              <a:t>VContainer</a:t>
+            </a:r>
+            <a:endParaRPr kumimoji="1" lang="ja-JP" altLang="en-US" sz="1200">
+              <a:latin typeface="Meiryo UI" panose="020B0604030504040204" pitchFamily="50" charset="-128"/>
+              <a:ea typeface="Meiryo UI" panose="020B0604030504040204" pitchFamily="50" charset="-128"/>
+            </a:endParaRPr>
+          </a:p>
+        </p:txBody>
+      </p:sp>
     </p:spTree>
     <p:extLst>
       <p:ext uri="{BB962C8B-B14F-4D97-AF65-F5344CB8AC3E}">

--- a/work/work.pptx
+++ b/work/work.pptx
@@ -262,7 +262,7 @@
           <a:p>
             <a:fld id="{DADCA3C0-8A91-47C6-9688-037592343C81}" type="datetimeFigureOut">
               <a:rPr kumimoji="1" lang="ja-JP" altLang="en-US" smtClean="0"/>
-              <a:t>2022/10/21</a:t>
+              <a:t>2022/11/6</a:t>
             </a:fld>
             <a:endParaRPr kumimoji="1" lang="ja-JP" altLang="en-US"/>
           </a:p>
@@ -492,7 +492,7 @@
           <a:p>
             <a:fld id="{DADCA3C0-8A91-47C6-9688-037592343C81}" type="datetimeFigureOut">
               <a:rPr kumimoji="1" lang="ja-JP" altLang="en-US" smtClean="0"/>
-              <a:t>2022/10/21</a:t>
+              <a:t>2022/11/6</a:t>
             </a:fld>
             <a:endParaRPr kumimoji="1" lang="ja-JP" altLang="en-US"/>
           </a:p>
@@ -732,7 +732,7 @@
           <a:p>
             <a:fld id="{DADCA3C0-8A91-47C6-9688-037592343C81}" type="datetimeFigureOut">
               <a:rPr kumimoji="1" lang="ja-JP" altLang="en-US" smtClean="0"/>
-              <a:t>2022/10/21</a:t>
+              <a:t>2022/11/6</a:t>
             </a:fld>
             <a:endParaRPr kumimoji="1" lang="ja-JP" altLang="en-US"/>
           </a:p>
@@ -962,7 +962,7 @@
           <a:p>
             <a:fld id="{DADCA3C0-8A91-47C6-9688-037592343C81}" type="datetimeFigureOut">
               <a:rPr kumimoji="1" lang="ja-JP" altLang="en-US" smtClean="0"/>
-              <a:t>2022/10/21</a:t>
+              <a:t>2022/11/6</a:t>
             </a:fld>
             <a:endParaRPr kumimoji="1" lang="ja-JP" altLang="en-US"/>
           </a:p>
@@ -1237,7 +1237,7 @@
           <a:p>
             <a:fld id="{DADCA3C0-8A91-47C6-9688-037592343C81}" type="datetimeFigureOut">
               <a:rPr kumimoji="1" lang="ja-JP" altLang="en-US" smtClean="0"/>
-              <a:t>2022/10/21</a:t>
+              <a:t>2022/11/6</a:t>
             </a:fld>
             <a:endParaRPr kumimoji="1" lang="ja-JP" altLang="en-US"/>
           </a:p>
@@ -1566,7 +1566,7 @@
           <a:p>
             <a:fld id="{DADCA3C0-8A91-47C6-9688-037592343C81}" type="datetimeFigureOut">
               <a:rPr kumimoji="1" lang="ja-JP" altLang="en-US" smtClean="0"/>
-              <a:t>2022/10/21</a:t>
+              <a:t>2022/11/6</a:t>
             </a:fld>
             <a:endParaRPr kumimoji="1" lang="ja-JP" altLang="en-US"/>
           </a:p>
@@ -2042,7 +2042,7 @@
           <a:p>
             <a:fld id="{DADCA3C0-8A91-47C6-9688-037592343C81}" type="datetimeFigureOut">
               <a:rPr kumimoji="1" lang="ja-JP" altLang="en-US" smtClean="0"/>
-              <a:t>2022/10/21</a:t>
+              <a:t>2022/11/6</a:t>
             </a:fld>
             <a:endParaRPr kumimoji="1" lang="ja-JP" altLang="en-US"/>
           </a:p>
@@ -2183,7 +2183,7 @@
           <a:p>
             <a:fld id="{DADCA3C0-8A91-47C6-9688-037592343C81}" type="datetimeFigureOut">
               <a:rPr kumimoji="1" lang="ja-JP" altLang="en-US" smtClean="0"/>
-              <a:t>2022/10/21</a:t>
+              <a:t>2022/11/6</a:t>
             </a:fld>
             <a:endParaRPr kumimoji="1" lang="ja-JP" altLang="en-US"/>
           </a:p>
@@ -2296,7 +2296,7 @@
           <a:p>
             <a:fld id="{DADCA3C0-8A91-47C6-9688-037592343C81}" type="datetimeFigureOut">
               <a:rPr kumimoji="1" lang="ja-JP" altLang="en-US" smtClean="0"/>
-              <a:t>2022/10/21</a:t>
+              <a:t>2022/11/6</a:t>
             </a:fld>
             <a:endParaRPr kumimoji="1" lang="ja-JP" altLang="en-US"/>
           </a:p>
@@ -2639,7 +2639,7 @@
           <a:p>
             <a:fld id="{DADCA3C0-8A91-47C6-9688-037592343C81}" type="datetimeFigureOut">
               <a:rPr kumimoji="1" lang="ja-JP" altLang="en-US" smtClean="0"/>
-              <a:t>2022/10/21</a:t>
+              <a:t>2022/11/6</a:t>
             </a:fld>
             <a:endParaRPr kumimoji="1" lang="ja-JP" altLang="en-US"/>
           </a:p>
@@ -2927,7 +2927,7 @@
           <a:p>
             <a:fld id="{DADCA3C0-8A91-47C6-9688-037592343C81}" type="datetimeFigureOut">
               <a:rPr kumimoji="1" lang="ja-JP" altLang="en-US" smtClean="0"/>
-              <a:t>2022/10/21</a:t>
+              <a:t>2022/11/6</a:t>
             </a:fld>
             <a:endParaRPr kumimoji="1" lang="ja-JP" altLang="en-US"/>
           </a:p>
@@ -3200,7 +3200,7 @@
           <a:p>
             <a:fld id="{DADCA3C0-8A91-47C6-9688-037592343C81}" type="datetimeFigureOut">
               <a:rPr kumimoji="1" lang="ja-JP" altLang="en-US" smtClean="0"/>
-              <a:t>2022/10/21</a:t>
+              <a:t>2022/11/6</a:t>
             </a:fld>
             <a:endParaRPr kumimoji="1" lang="ja-JP" altLang="en-US"/>
           </a:p>
@@ -5731,7 +5731,7 @@
                 <a:latin typeface="Meiryo UI" panose="020B0604030504040204" pitchFamily="50" charset="-128"/>
                 <a:ea typeface="Meiryo UI" panose="020B0604030504040204" pitchFamily="50" charset="-128"/>
               </a:rPr>
-              <a:t>Title page</a:t>
+              <a:t>Title screen</a:t>
             </a:r>
             <a:endParaRPr kumimoji="1" lang="ja-JP" altLang="en-US" sz="1200">
               <a:solidFill>
@@ -5757,8 +5757,8 @@
         </p:nvSpPr>
         <p:spPr>
           <a:xfrm>
-            <a:off x="2945817" y="523189"/>
-            <a:ext cx="1829282" cy="341919"/>
+            <a:off x="2902163" y="526858"/>
+            <a:ext cx="1927862" cy="341919"/>
           </a:xfrm>
           <a:prstGeom prst="rect">
             <a:avLst/>
@@ -5797,7 +5797,7 @@
                 <a:latin typeface="Meiryo UI" panose="020B0604030504040204" pitchFamily="50" charset="-128"/>
                 <a:ea typeface="Meiryo UI" panose="020B0604030504040204" pitchFamily="50" charset="-128"/>
               </a:rPr>
-              <a:t>Avatar selection page</a:t>
+              <a:t>Avatar selection screen</a:t>
             </a:r>
             <a:endParaRPr kumimoji="1" lang="ja-JP" altLang="en-US" sz="1200">
               <a:solidFill>
@@ -5823,8 +5823,8 @@
         </p:nvSpPr>
         <p:spPr>
           <a:xfrm>
-            <a:off x="5408710" y="521624"/>
-            <a:ext cx="1829282" cy="341919"/>
+            <a:off x="5365056" y="526858"/>
+            <a:ext cx="1927862" cy="341919"/>
           </a:xfrm>
           <a:prstGeom prst="rect">
             <a:avLst/>
@@ -5863,7 +5863,7 @@
                 <a:latin typeface="Meiryo UI" panose="020B0604030504040204" pitchFamily="50" charset="-128"/>
                 <a:ea typeface="Meiryo UI" panose="020B0604030504040204" pitchFamily="50" charset="-128"/>
               </a:rPr>
-              <a:t>Event selection page</a:t>
+              <a:t>Event selection screen</a:t>
             </a:r>
             <a:endParaRPr kumimoji="1" lang="ja-JP" altLang="en-US" sz="1200">
               <a:solidFill>

--- a/work/work.pptx
+++ b/work/work.pptx
@@ -3883,7 +3883,7 @@
                 <a:latin typeface="Meiryo UI" panose="020B0604030504040204" pitchFamily="50" charset="-128"/>
                 <a:ea typeface="Meiryo UI" panose="020B0604030504040204" pitchFamily="50" charset="-128"/>
               </a:rPr>
-              <a:t>SceneTransition</a:t>
+              <a:t>Stage Navigation</a:t>
             </a:r>
             <a:endParaRPr kumimoji="1" lang="ja-JP" altLang="en-US" sz="1200">
               <a:latin typeface="Meiryo UI" panose="020B0604030504040204" pitchFamily="50" charset="-128"/>
@@ -4011,7 +4011,7 @@
                 <a:latin typeface="Meiryo UI" panose="020B0604030504040204" pitchFamily="50" charset="-128"/>
                 <a:ea typeface="Meiryo UI" panose="020B0604030504040204" pitchFamily="50" charset="-128"/>
               </a:rPr>
-              <a:t>ResourceProvider</a:t>
+              <a:t>Resource Provider</a:t>
             </a:r>
             <a:endParaRPr kumimoji="1" lang="ja-JP" altLang="en-US" sz="1200">
               <a:latin typeface="Meiryo UI" panose="020B0604030504040204" pitchFamily="50" charset="-128"/>
@@ -5124,7 +5124,7 @@
                 <a:latin typeface="Meiryo UI" panose="020B0604030504040204" pitchFamily="50" charset="-128"/>
                 <a:ea typeface="Meiryo UI" panose="020B0604030504040204" pitchFamily="50" charset="-128"/>
               </a:rPr>
-              <a:t>Scene</a:t>
+              <a:t>TitleScreen</a:t>
             </a:r>
             <a:endParaRPr kumimoji="1" lang="ja-JP" altLang="en-US" sz="1000">
               <a:latin typeface="Meiryo UI" panose="020B0604030504040204" pitchFamily="50" charset="-128"/>
@@ -5186,7 +5186,7 @@
                 <a:latin typeface="Meiryo UI" panose="020B0604030504040204" pitchFamily="50" charset="-128"/>
                 <a:ea typeface="Meiryo UI" panose="020B0604030504040204" pitchFamily="50" charset="-128"/>
               </a:rPr>
-              <a:t>Main</a:t>
+              <a:t>App</a:t>
             </a:r>
             <a:endParaRPr kumimoji="1" lang="ja-JP" altLang="en-US" sz="1000">
               <a:latin typeface="Meiryo UI" panose="020B0604030504040204" pitchFamily="50" charset="-128"/>
@@ -5244,7 +5244,7 @@
           <a:p>
             <a:pPr algn="ctr"/>
             <a:r>
-              <a:rPr kumimoji="1" lang="en-US" altLang="ja-JP" sz="1000" err="1">
+              <a:rPr kumimoji="1" lang="en-US" altLang="ja-JP" sz="1000">
                 <a:latin typeface="Meiryo UI" panose="020B0604030504040204" pitchFamily="50" charset="-128"/>
                 <a:ea typeface="Meiryo UI" panose="020B0604030504040204" pitchFamily="50" charset="-128"/>
               </a:rPr>
@@ -5306,7 +5306,7 @@
           <a:p>
             <a:pPr algn="ctr"/>
             <a:r>
-              <a:rPr kumimoji="1" lang="en-US" altLang="ja-JP" sz="1000" err="1">
+              <a:rPr kumimoji="1" lang="en-US" altLang="ja-JP" sz="1000">
                 <a:latin typeface="Meiryo UI" panose="020B0604030504040204" pitchFamily="50" charset="-128"/>
                 <a:ea typeface="Meiryo UI" panose="020B0604030504040204" pitchFamily="50" charset="-128"/>
               </a:rPr>
@@ -5372,7 +5372,7 @@
                 <a:latin typeface="Meiryo UI" panose="020B0604030504040204" pitchFamily="50" charset="-128"/>
                 <a:ea typeface="Meiryo UI" panose="020B0604030504040204" pitchFamily="50" charset="-128"/>
               </a:rPr>
-              <a:t>TitleStage</a:t>
+              <a:t>TitleScree</a:t>
             </a:r>
             <a:endParaRPr kumimoji="1" lang="ja-JP" altLang="en-US" sz="1000">
               <a:latin typeface="Meiryo UI" panose="020B0604030504040204" pitchFamily="50" charset="-128"/>
@@ -6339,7 +6339,7 @@
                 <a:latin typeface="Meiryo UI" panose="020B0604030504040204" pitchFamily="50" charset="-128"/>
                 <a:ea typeface="Meiryo UI" panose="020B0604030504040204" pitchFamily="50" charset="-128"/>
               </a:rPr>
-              <a:t>Scene</a:t>
+              <a:t>AvatarSelectionScreen</a:t>
             </a:r>
             <a:endParaRPr kumimoji="1" lang="ja-JP" altLang="en-US" sz="1000">
               <a:latin typeface="Meiryo UI" panose="020B0604030504040204" pitchFamily="50" charset="-128"/>
@@ -6401,7 +6401,7 @@
                 <a:latin typeface="Meiryo UI" panose="020B0604030504040204" pitchFamily="50" charset="-128"/>
                 <a:ea typeface="Meiryo UI" panose="020B0604030504040204" pitchFamily="50" charset="-128"/>
               </a:rPr>
-              <a:t>Main</a:t>
+              <a:t>App</a:t>
             </a:r>
             <a:endParaRPr kumimoji="1" lang="ja-JP" altLang="en-US" sz="1000">
               <a:latin typeface="Meiryo UI" panose="020B0604030504040204" pitchFamily="50" charset="-128"/>
@@ -6459,6 +6459,447 @@
           <a:p>
             <a:pPr algn="ctr"/>
             <a:r>
+              <a:rPr kumimoji="1" lang="en-US" altLang="ja-JP" sz="1000">
+                <a:latin typeface="Meiryo UI" panose="020B0604030504040204" pitchFamily="50" charset="-128"/>
+                <a:ea typeface="Meiryo UI" panose="020B0604030504040204" pitchFamily="50" charset="-128"/>
+              </a:rPr>
+              <a:t>CameraControl</a:t>
+            </a:r>
+            <a:endParaRPr kumimoji="1" lang="ja-JP" altLang="en-US" sz="1000">
+              <a:latin typeface="Meiryo UI" panose="020B0604030504040204" pitchFamily="50" charset="-128"/>
+              <a:ea typeface="Meiryo UI" panose="020B0604030504040204" pitchFamily="50" charset="-128"/>
+            </a:endParaRPr>
+          </a:p>
+        </p:txBody>
+      </p:sp>
+      <p:sp>
+        <p:nvSpPr>
+          <p:cNvPr id="140" name="正方形/長方形 139">
+            <a:extLst>
+              <a:ext uri="{FF2B5EF4-FFF2-40B4-BE49-F238E27FC236}">
+                <a16:creationId xmlns:a16="http://schemas.microsoft.com/office/drawing/2014/main" id="{58079B81-B42D-4FB3-B463-1B3C0146F3BF}"/>
+              </a:ext>
+            </a:extLst>
+          </p:cNvPr>
+          <p:cNvSpPr/>
+          <p:nvPr/>
+        </p:nvSpPr>
+        <p:spPr>
+          <a:xfrm>
+            <a:off x="3047891" y="3272185"/>
+            <a:ext cx="1626768" cy="259099"/>
+          </a:xfrm>
+          <a:prstGeom prst="rect">
+            <a:avLst/>
+          </a:prstGeom>
+          <a:solidFill>
+            <a:schemeClr val="tx2"/>
+          </a:solidFill>
+          <a:ln>
+            <a:noFill/>
+          </a:ln>
+        </p:spPr>
+        <p:style>
+          <a:lnRef idx="2">
+            <a:schemeClr val="accent1">
+              <a:shade val="50000"/>
+            </a:schemeClr>
+          </a:lnRef>
+          <a:fillRef idx="1">
+            <a:schemeClr val="accent1"/>
+          </a:fillRef>
+          <a:effectRef idx="0">
+            <a:schemeClr val="accent1"/>
+          </a:effectRef>
+          <a:fontRef idx="minor">
+            <a:schemeClr val="lt1"/>
+          </a:fontRef>
+        </p:style>
+        <p:txBody>
+          <a:bodyPr rtlCol="0" anchor="ctr"/>
+          <a:lstStyle/>
+          <a:p>
+            <a:pPr algn="ctr"/>
+            <a:r>
+              <a:rPr kumimoji="1" lang="en-US" altLang="ja-JP" sz="1000">
+                <a:latin typeface="Meiryo UI" panose="020B0604030504040204" pitchFamily="50" charset="-128"/>
+                <a:ea typeface="Meiryo UI" panose="020B0604030504040204" pitchFamily="50" charset="-128"/>
+              </a:rPr>
+              <a:t>InputControl</a:t>
+            </a:r>
+            <a:endParaRPr kumimoji="1" lang="ja-JP" altLang="en-US" sz="1000">
+              <a:latin typeface="Meiryo UI" panose="020B0604030504040204" pitchFamily="50" charset="-128"/>
+              <a:ea typeface="Meiryo UI" panose="020B0604030504040204" pitchFamily="50" charset="-128"/>
+            </a:endParaRPr>
+          </a:p>
+        </p:txBody>
+      </p:sp>
+      <p:sp>
+        <p:nvSpPr>
+          <p:cNvPr id="141" name="正方形/長方形 140">
+            <a:extLst>
+              <a:ext uri="{FF2B5EF4-FFF2-40B4-BE49-F238E27FC236}">
+                <a16:creationId xmlns:a16="http://schemas.microsoft.com/office/drawing/2014/main" id="{776C5B74-F8BE-4D31-9262-3E339C78FE33}"/>
+              </a:ext>
+            </a:extLst>
+          </p:cNvPr>
+          <p:cNvSpPr/>
+          <p:nvPr/>
+        </p:nvSpPr>
+        <p:spPr>
+          <a:xfrm>
+            <a:off x="3054230" y="3582976"/>
+            <a:ext cx="1626768" cy="259099"/>
+          </a:xfrm>
+          <a:prstGeom prst="rect">
+            <a:avLst/>
+          </a:prstGeom>
+          <a:solidFill>
+            <a:schemeClr val="tx2"/>
+          </a:solidFill>
+          <a:ln>
+            <a:noFill/>
+          </a:ln>
+        </p:spPr>
+        <p:style>
+          <a:lnRef idx="2">
+            <a:schemeClr val="accent1">
+              <a:shade val="50000"/>
+            </a:schemeClr>
+          </a:lnRef>
+          <a:fillRef idx="1">
+            <a:schemeClr val="accent1"/>
+          </a:fillRef>
+          <a:effectRef idx="0">
+            <a:schemeClr val="accent1"/>
+          </a:effectRef>
+          <a:fontRef idx="minor">
+            <a:schemeClr val="lt1"/>
+          </a:fontRef>
+        </p:style>
+        <p:txBody>
+          <a:bodyPr rtlCol="0" anchor="ctr"/>
+          <a:lstStyle/>
+          <a:p>
+            <a:pPr algn="ctr"/>
+            <a:r>
+              <a:rPr kumimoji="1" lang="en-US" altLang="ja-JP" sz="1000">
+                <a:latin typeface="Meiryo UI" panose="020B0604030504040204" pitchFamily="50" charset="-128"/>
+                <a:ea typeface="Meiryo UI" panose="020B0604030504040204" pitchFamily="50" charset="-128"/>
+              </a:rPr>
+              <a:t>NetworkControl</a:t>
+            </a:r>
+            <a:endParaRPr kumimoji="1" lang="ja-JP" altLang="en-US" sz="1000">
+              <a:latin typeface="Meiryo UI" panose="020B0604030504040204" pitchFamily="50" charset="-128"/>
+              <a:ea typeface="Meiryo UI" panose="020B0604030504040204" pitchFamily="50" charset="-128"/>
+            </a:endParaRPr>
+          </a:p>
+        </p:txBody>
+      </p:sp>
+      <p:sp>
+        <p:nvSpPr>
+          <p:cNvPr id="142" name="正方形/長方形 141">
+            <a:extLst>
+              <a:ext uri="{FF2B5EF4-FFF2-40B4-BE49-F238E27FC236}">
+                <a16:creationId xmlns:a16="http://schemas.microsoft.com/office/drawing/2014/main" id="{4C882D40-B175-4F55-9ECE-369336DFF436}"/>
+              </a:ext>
+            </a:extLst>
+          </p:cNvPr>
+          <p:cNvSpPr/>
+          <p:nvPr/>
+        </p:nvSpPr>
+        <p:spPr>
+          <a:xfrm>
+            <a:off x="3057544" y="3893767"/>
+            <a:ext cx="1626768" cy="259099"/>
+          </a:xfrm>
+          <a:prstGeom prst="rect">
+            <a:avLst/>
+          </a:prstGeom>
+          <a:solidFill>
+            <a:schemeClr val="tx2"/>
+          </a:solidFill>
+          <a:ln>
+            <a:noFill/>
+          </a:ln>
+        </p:spPr>
+        <p:style>
+          <a:lnRef idx="2">
+            <a:schemeClr val="accent1">
+              <a:shade val="50000"/>
+            </a:schemeClr>
+          </a:lnRef>
+          <a:fillRef idx="1">
+            <a:schemeClr val="accent1"/>
+          </a:fillRef>
+          <a:effectRef idx="0">
+            <a:schemeClr val="accent1"/>
+          </a:effectRef>
+          <a:fontRef idx="minor">
+            <a:schemeClr val="lt1"/>
+          </a:fontRef>
+        </p:style>
+        <p:txBody>
+          <a:bodyPr rtlCol="0" anchor="ctr"/>
+          <a:lstStyle/>
+          <a:p>
+            <a:pPr algn="ctr"/>
+            <a:r>
+              <a:rPr kumimoji="1" lang="en-US" altLang="ja-JP" sz="1000">
+                <a:latin typeface="Meiryo UI" panose="020B0604030504040204" pitchFamily="50" charset="-128"/>
+                <a:ea typeface="Meiryo UI" panose="020B0604030504040204" pitchFamily="50" charset="-128"/>
+              </a:rPr>
+              <a:t>PlayerControl</a:t>
+            </a:r>
+            <a:endParaRPr kumimoji="1" lang="ja-JP" altLang="en-US" sz="1000">
+              <a:latin typeface="Meiryo UI" panose="020B0604030504040204" pitchFamily="50" charset="-128"/>
+              <a:ea typeface="Meiryo UI" panose="020B0604030504040204" pitchFamily="50" charset="-128"/>
+            </a:endParaRPr>
+          </a:p>
+        </p:txBody>
+      </p:sp>
+      <p:sp>
+        <p:nvSpPr>
+          <p:cNvPr id="143" name="正方形/長方形 142">
+            <a:extLst>
+              <a:ext uri="{FF2B5EF4-FFF2-40B4-BE49-F238E27FC236}">
+                <a16:creationId xmlns:a16="http://schemas.microsoft.com/office/drawing/2014/main" id="{EADC5B07-C306-49FA-A9AE-F1A387D805C5}"/>
+              </a:ext>
+            </a:extLst>
+          </p:cNvPr>
+          <p:cNvSpPr/>
+          <p:nvPr/>
+        </p:nvSpPr>
+        <p:spPr>
+          <a:xfrm>
+            <a:off x="3057544" y="4201305"/>
+            <a:ext cx="1626768" cy="259099"/>
+          </a:xfrm>
+          <a:prstGeom prst="rect">
+            <a:avLst/>
+          </a:prstGeom>
+          <a:solidFill>
+            <a:schemeClr val="tx2"/>
+          </a:solidFill>
+          <a:ln>
+            <a:noFill/>
+          </a:ln>
+        </p:spPr>
+        <p:style>
+          <a:lnRef idx="2">
+            <a:schemeClr val="accent1">
+              <a:shade val="50000"/>
+            </a:schemeClr>
+          </a:lnRef>
+          <a:fillRef idx="1">
+            <a:schemeClr val="accent1"/>
+          </a:fillRef>
+          <a:effectRef idx="0">
+            <a:schemeClr val="accent1"/>
+          </a:effectRef>
+          <a:fontRef idx="minor">
+            <a:schemeClr val="lt1"/>
+          </a:fontRef>
+        </p:style>
+        <p:txBody>
+          <a:bodyPr rtlCol="0" anchor="ctr"/>
+          <a:lstStyle/>
+          <a:p>
+            <a:pPr algn="ctr"/>
+            <a:r>
+              <a:rPr kumimoji="1" lang="en-US" altLang="ja-JP" sz="1000">
+                <a:latin typeface="Meiryo UI" panose="020B0604030504040204" pitchFamily="50" charset="-128"/>
+                <a:ea typeface="Meiryo UI" panose="020B0604030504040204" pitchFamily="50" charset="-128"/>
+              </a:rPr>
+              <a:t>AvatarSelectionScreen</a:t>
+            </a:r>
+            <a:endParaRPr kumimoji="1" lang="ja-JP" altLang="en-US" sz="1000">
+              <a:latin typeface="Meiryo UI" panose="020B0604030504040204" pitchFamily="50" charset="-128"/>
+              <a:ea typeface="Meiryo UI" panose="020B0604030504040204" pitchFamily="50" charset="-128"/>
+            </a:endParaRPr>
+          </a:p>
+        </p:txBody>
+      </p:sp>
+      <p:sp>
+        <p:nvSpPr>
+          <p:cNvPr id="144" name="正方形/長方形 143">
+            <a:extLst>
+              <a:ext uri="{FF2B5EF4-FFF2-40B4-BE49-F238E27FC236}">
+                <a16:creationId xmlns:a16="http://schemas.microsoft.com/office/drawing/2014/main" id="{129F975E-DA92-4F82-85FF-80C4B602D2CC}"/>
+              </a:ext>
+            </a:extLst>
+          </p:cNvPr>
+          <p:cNvSpPr/>
+          <p:nvPr/>
+        </p:nvSpPr>
+        <p:spPr>
+          <a:xfrm>
+            <a:off x="5406873" y="2148430"/>
+            <a:ext cx="1829282" cy="2745787"/>
+          </a:xfrm>
+          <a:prstGeom prst="rect">
+            <a:avLst/>
+          </a:prstGeom>
+          <a:solidFill>
+            <a:schemeClr val="accent5"/>
+          </a:solidFill>
+          <a:ln>
+            <a:noFill/>
+          </a:ln>
+        </p:spPr>
+        <p:style>
+          <a:lnRef idx="2">
+            <a:schemeClr val="accent1">
+              <a:shade val="50000"/>
+            </a:schemeClr>
+          </a:lnRef>
+          <a:fillRef idx="1">
+            <a:schemeClr val="accent1"/>
+          </a:fillRef>
+          <a:effectRef idx="0">
+            <a:schemeClr val="accent1"/>
+          </a:effectRef>
+          <a:fontRef idx="minor">
+            <a:schemeClr val="lt1"/>
+          </a:fontRef>
+        </p:style>
+        <p:txBody>
+          <a:bodyPr rtlCol="0" anchor="t"/>
+          <a:lstStyle/>
+          <a:p>
+            <a:pPr algn="ctr"/>
+            <a:endParaRPr kumimoji="1" lang="en-US" altLang="ja-JP" sz="1000">
+              <a:latin typeface="Meiryo UI" panose="020B0604030504040204" pitchFamily="50" charset="-128"/>
+              <a:ea typeface="Meiryo UI" panose="020B0604030504040204" pitchFamily="50" charset="-128"/>
+            </a:endParaRPr>
+          </a:p>
+          <a:p>
+            <a:pPr algn="ctr"/>
+            <a:r>
+              <a:rPr kumimoji="1" lang="en-US" altLang="ja-JP" sz="1000">
+                <a:latin typeface="Meiryo UI" panose="020B0604030504040204" pitchFamily="50" charset="-128"/>
+                <a:ea typeface="Meiryo UI" panose="020B0604030504040204" pitchFamily="50" charset="-128"/>
+              </a:rPr>
+              <a:t>EventSelectionScreen</a:t>
+            </a:r>
+            <a:endParaRPr kumimoji="1" lang="ja-JP" altLang="en-US" sz="1000">
+              <a:latin typeface="Meiryo UI" panose="020B0604030504040204" pitchFamily="50" charset="-128"/>
+              <a:ea typeface="Meiryo UI" panose="020B0604030504040204" pitchFamily="50" charset="-128"/>
+            </a:endParaRPr>
+          </a:p>
+        </p:txBody>
+      </p:sp>
+      <p:sp>
+        <p:nvSpPr>
+          <p:cNvPr id="145" name="正方形/長方形 144">
+            <a:extLst>
+              <a:ext uri="{FF2B5EF4-FFF2-40B4-BE49-F238E27FC236}">
+                <a16:creationId xmlns:a16="http://schemas.microsoft.com/office/drawing/2014/main" id="{60D8A70F-4D43-4BBD-80DD-73E2DBF2C917}"/>
+              </a:ext>
+            </a:extLst>
+          </p:cNvPr>
+          <p:cNvSpPr/>
+          <p:nvPr/>
+        </p:nvSpPr>
+        <p:spPr>
+          <a:xfrm>
+            <a:off x="5515603" y="2645246"/>
+            <a:ext cx="1626768" cy="259099"/>
+          </a:xfrm>
+          <a:prstGeom prst="rect">
+            <a:avLst/>
+          </a:prstGeom>
+          <a:solidFill>
+            <a:schemeClr val="tx2"/>
+          </a:solidFill>
+          <a:ln>
+            <a:noFill/>
+          </a:ln>
+        </p:spPr>
+        <p:style>
+          <a:lnRef idx="2">
+            <a:schemeClr val="accent1">
+              <a:shade val="50000"/>
+            </a:schemeClr>
+          </a:lnRef>
+          <a:fillRef idx="1">
+            <a:schemeClr val="accent1"/>
+          </a:fillRef>
+          <a:effectRef idx="0">
+            <a:schemeClr val="accent1"/>
+          </a:effectRef>
+          <a:fontRef idx="minor">
+            <a:schemeClr val="lt1"/>
+          </a:fontRef>
+        </p:style>
+        <p:txBody>
+          <a:bodyPr rtlCol="0" anchor="ctr"/>
+          <a:lstStyle/>
+          <a:p>
+            <a:pPr algn="ctr"/>
+            <a:r>
+              <a:rPr kumimoji="1" lang="en-US" altLang="ja-JP" sz="1000">
+                <a:latin typeface="Meiryo UI" panose="020B0604030504040204" pitchFamily="50" charset="-128"/>
+                <a:ea typeface="Meiryo UI" panose="020B0604030504040204" pitchFamily="50" charset="-128"/>
+              </a:rPr>
+              <a:t>App</a:t>
+            </a:r>
+            <a:endParaRPr kumimoji="1" lang="ja-JP" altLang="en-US" sz="1000">
+              <a:latin typeface="Meiryo UI" panose="020B0604030504040204" pitchFamily="50" charset="-128"/>
+              <a:ea typeface="Meiryo UI" panose="020B0604030504040204" pitchFamily="50" charset="-128"/>
+            </a:endParaRPr>
+          </a:p>
+        </p:txBody>
+      </p:sp>
+      <p:sp>
+        <p:nvSpPr>
+          <p:cNvPr id="146" name="正方形/長方形 145">
+            <a:extLst>
+              <a:ext uri="{FF2B5EF4-FFF2-40B4-BE49-F238E27FC236}">
+                <a16:creationId xmlns:a16="http://schemas.microsoft.com/office/drawing/2014/main" id="{553021E5-9632-4795-8623-34287211D53D}"/>
+              </a:ext>
+            </a:extLst>
+          </p:cNvPr>
+          <p:cNvSpPr/>
+          <p:nvPr/>
+        </p:nvSpPr>
+        <p:spPr>
+          <a:xfrm>
+            <a:off x="5510784" y="2957243"/>
+            <a:ext cx="1626768" cy="259099"/>
+          </a:xfrm>
+          <a:prstGeom prst="rect">
+            <a:avLst/>
+          </a:prstGeom>
+          <a:solidFill>
+            <a:schemeClr val="tx2"/>
+          </a:solidFill>
+          <a:ln>
+            <a:noFill/>
+          </a:ln>
+        </p:spPr>
+        <p:style>
+          <a:lnRef idx="2">
+            <a:schemeClr val="accent1">
+              <a:shade val="50000"/>
+            </a:schemeClr>
+          </a:lnRef>
+          <a:fillRef idx="1">
+            <a:schemeClr val="accent1"/>
+          </a:fillRef>
+          <a:effectRef idx="0">
+            <a:schemeClr val="accent1"/>
+          </a:effectRef>
+          <a:fontRef idx="minor">
+            <a:schemeClr val="lt1"/>
+          </a:fontRef>
+        </p:style>
+        <p:txBody>
+          <a:bodyPr rtlCol="0" anchor="ctr"/>
+          <a:lstStyle/>
+          <a:p>
+            <a:pPr algn="ctr"/>
+            <a:r>
               <a:rPr kumimoji="1" lang="en-US" altLang="ja-JP" sz="1000" err="1">
                 <a:latin typeface="Meiryo UI" panose="020B0604030504040204" pitchFamily="50" charset="-128"/>
                 <a:ea typeface="Meiryo UI" panose="020B0604030504040204" pitchFamily="50" charset="-128"/>
@@ -6474,10 +6915,10 @@
       </p:sp>
       <p:sp>
         <p:nvSpPr>
-          <p:cNvPr id="140" name="正方形/長方形 139">
-            <a:extLst>
-              <a:ext uri="{FF2B5EF4-FFF2-40B4-BE49-F238E27FC236}">
-                <a16:creationId xmlns:a16="http://schemas.microsoft.com/office/drawing/2014/main" id="{58079B81-B42D-4FB3-B463-1B3C0146F3BF}"/>
+          <p:cNvPr id="147" name="正方形/長方形 146">
+            <a:extLst>
+              <a:ext uri="{FF2B5EF4-FFF2-40B4-BE49-F238E27FC236}">
+                <a16:creationId xmlns:a16="http://schemas.microsoft.com/office/drawing/2014/main" id="{97358E12-9536-44C7-983E-0CBDF32A7028}"/>
               </a:ext>
             </a:extLst>
           </p:cNvPr>
@@ -6486,7 +6927,7 @@
         </p:nvSpPr>
         <p:spPr>
           <a:xfrm>
-            <a:off x="3047891" y="3272185"/>
+            <a:off x="5510784" y="3272185"/>
             <a:ext cx="1626768" cy="259099"/>
           </a:xfrm>
           <a:prstGeom prst="rect">
@@ -6536,10 +6977,10 @@
       </p:sp>
       <p:sp>
         <p:nvSpPr>
-          <p:cNvPr id="141" name="正方形/長方形 140">
-            <a:extLst>
-              <a:ext uri="{FF2B5EF4-FFF2-40B4-BE49-F238E27FC236}">
-                <a16:creationId xmlns:a16="http://schemas.microsoft.com/office/drawing/2014/main" id="{776C5B74-F8BE-4D31-9262-3E339C78FE33}"/>
+          <p:cNvPr id="148" name="正方形/長方形 147">
+            <a:extLst>
+              <a:ext uri="{FF2B5EF4-FFF2-40B4-BE49-F238E27FC236}">
+                <a16:creationId xmlns:a16="http://schemas.microsoft.com/office/drawing/2014/main" id="{018D1B63-0E15-4DD1-A484-4C78AE13518E}"/>
               </a:ext>
             </a:extLst>
           </p:cNvPr>
@@ -6548,7 +6989,7 @@
         </p:nvSpPr>
         <p:spPr>
           <a:xfrm>
-            <a:off x="3054230" y="3582976"/>
+            <a:off x="5517123" y="3582976"/>
             <a:ext cx="1626768" cy="259099"/>
           </a:xfrm>
           <a:prstGeom prst="rect">
@@ -6598,10 +7039,10 @@
       </p:sp>
       <p:sp>
         <p:nvSpPr>
-          <p:cNvPr id="142" name="正方形/長方形 141">
-            <a:extLst>
-              <a:ext uri="{FF2B5EF4-FFF2-40B4-BE49-F238E27FC236}">
-                <a16:creationId xmlns:a16="http://schemas.microsoft.com/office/drawing/2014/main" id="{4C882D40-B175-4F55-9ECE-369336DFF436}"/>
+          <p:cNvPr id="149" name="正方形/長方形 148">
+            <a:extLst>
+              <a:ext uri="{FF2B5EF4-FFF2-40B4-BE49-F238E27FC236}">
+                <a16:creationId xmlns:a16="http://schemas.microsoft.com/office/drawing/2014/main" id="{49B86AD9-5A9B-4936-AE91-DF32C5DA7E27}"/>
               </a:ext>
             </a:extLst>
           </p:cNvPr>
@@ -6610,7 +7051,7 @@
         </p:nvSpPr>
         <p:spPr>
           <a:xfrm>
-            <a:off x="3057544" y="3893767"/>
+            <a:off x="5520437" y="3893767"/>
             <a:ext cx="1626768" cy="259099"/>
           </a:xfrm>
           <a:prstGeom prst="rect">
@@ -6660,10 +7101,10 @@
       </p:sp>
       <p:sp>
         <p:nvSpPr>
-          <p:cNvPr id="143" name="正方形/長方形 142">
-            <a:extLst>
-              <a:ext uri="{FF2B5EF4-FFF2-40B4-BE49-F238E27FC236}">
-                <a16:creationId xmlns:a16="http://schemas.microsoft.com/office/drawing/2014/main" id="{EADC5B07-C306-49FA-A9AE-F1A387D805C5}"/>
+          <p:cNvPr id="150" name="正方形/長方形 149">
+            <a:extLst>
+              <a:ext uri="{FF2B5EF4-FFF2-40B4-BE49-F238E27FC236}">
+                <a16:creationId xmlns:a16="http://schemas.microsoft.com/office/drawing/2014/main" id="{275B624B-8592-4F3B-B072-F9239BA40F87}"/>
               </a:ext>
             </a:extLst>
           </p:cNvPr>
@@ -6672,7 +7113,7 @@
         </p:nvSpPr>
         <p:spPr>
           <a:xfrm>
-            <a:off x="3057544" y="4201305"/>
+            <a:off x="5520437" y="4201305"/>
             <a:ext cx="1626768" cy="259099"/>
           </a:xfrm>
           <a:prstGeom prst="rect">
@@ -6711,7 +7152,7 @@
                 <a:latin typeface="Meiryo UI" panose="020B0604030504040204" pitchFamily="50" charset="-128"/>
                 <a:ea typeface="Meiryo UI" panose="020B0604030504040204" pitchFamily="50" charset="-128"/>
               </a:rPr>
-              <a:t>AvatarSelectionStage</a:t>
+              <a:t>LobbyControl</a:t>
             </a:r>
             <a:endParaRPr kumimoji="1" lang="ja-JP" altLang="en-US" sz="1000">
               <a:latin typeface="Meiryo UI" panose="020B0604030504040204" pitchFamily="50" charset="-128"/>
@@ -6722,10 +7163,10 @@
       </p:sp>
       <p:sp>
         <p:nvSpPr>
-          <p:cNvPr id="144" name="正方形/長方形 143">
-            <a:extLst>
-              <a:ext uri="{FF2B5EF4-FFF2-40B4-BE49-F238E27FC236}">
-                <a16:creationId xmlns:a16="http://schemas.microsoft.com/office/drawing/2014/main" id="{129F975E-DA92-4F82-85FF-80C4B602D2CC}"/>
+          <p:cNvPr id="151" name="正方形/長方形 150">
+            <a:extLst>
+              <a:ext uri="{FF2B5EF4-FFF2-40B4-BE49-F238E27FC236}">
+                <a16:creationId xmlns:a16="http://schemas.microsoft.com/office/drawing/2014/main" id="{4F86E3BC-E061-4478-894C-5542BA2EFCF9}"/>
               </a:ext>
             </a:extLst>
           </p:cNvPr>
@@ -6734,8 +7175,70 @@
         </p:nvSpPr>
         <p:spPr>
           <a:xfrm>
-            <a:off x="5406873" y="2148430"/>
-            <a:ext cx="1829282" cy="2745787"/>
+            <a:off x="5520437" y="4508843"/>
+            <a:ext cx="1626768" cy="259099"/>
+          </a:xfrm>
+          <a:prstGeom prst="rect">
+            <a:avLst/>
+          </a:prstGeom>
+          <a:solidFill>
+            <a:schemeClr val="tx2"/>
+          </a:solidFill>
+          <a:ln>
+            <a:noFill/>
+          </a:ln>
+        </p:spPr>
+        <p:style>
+          <a:lnRef idx="2">
+            <a:schemeClr val="accent1">
+              <a:shade val="50000"/>
+            </a:schemeClr>
+          </a:lnRef>
+          <a:fillRef idx="1">
+            <a:schemeClr val="accent1"/>
+          </a:fillRef>
+          <a:effectRef idx="0">
+            <a:schemeClr val="accent1"/>
+          </a:effectRef>
+          <a:fontRef idx="minor">
+            <a:schemeClr val="lt1"/>
+          </a:fontRef>
+        </p:style>
+        <p:txBody>
+          <a:bodyPr rtlCol="0" anchor="ctr"/>
+          <a:lstStyle/>
+          <a:p>
+            <a:pPr algn="ctr"/>
+            <a:r>
+              <a:rPr kumimoji="1" lang="en-US" altLang="ja-JP" sz="1000">
+                <a:latin typeface="Meiryo UI" panose="020B0604030504040204" pitchFamily="50" charset="-128"/>
+                <a:ea typeface="Meiryo UI" panose="020B0604030504040204" pitchFamily="50" charset="-128"/>
+              </a:rPr>
+              <a:t>EventSelectionScreen</a:t>
+            </a:r>
+            <a:endParaRPr kumimoji="1" lang="ja-JP" altLang="en-US" sz="1000">
+              <a:latin typeface="Meiryo UI" panose="020B0604030504040204" pitchFamily="50" charset="-128"/>
+              <a:ea typeface="Meiryo UI" panose="020B0604030504040204" pitchFamily="50" charset="-128"/>
+            </a:endParaRPr>
+          </a:p>
+        </p:txBody>
+      </p:sp>
+      <p:sp>
+        <p:nvSpPr>
+          <p:cNvPr id="152" name="正方形/長方形 151">
+            <a:extLst>
+              <a:ext uri="{FF2B5EF4-FFF2-40B4-BE49-F238E27FC236}">
+                <a16:creationId xmlns:a16="http://schemas.microsoft.com/office/drawing/2014/main" id="{46B2E74E-4B24-4410-8A55-0188227C5C25}"/>
+              </a:ext>
+            </a:extLst>
+          </p:cNvPr>
+          <p:cNvSpPr/>
+          <p:nvPr/>
+        </p:nvSpPr>
+        <p:spPr>
+          <a:xfrm>
+            <a:off x="7859934" y="2144744"/>
+            <a:ext cx="1829282" cy="3357556"/>
           </a:xfrm>
           <a:prstGeom prst="rect">
             <a:avLst/>
@@ -6780,7 +7283,7 @@
                 <a:latin typeface="Meiryo UI" panose="020B0604030504040204" pitchFamily="50" charset="-128"/>
                 <a:ea typeface="Meiryo UI" panose="020B0604030504040204" pitchFamily="50" charset="-128"/>
               </a:rPr>
-              <a:t>Scene</a:t>
+              <a:t>EventRoom</a:t>
             </a:r>
             <a:endParaRPr kumimoji="1" lang="ja-JP" altLang="en-US" sz="1000">
               <a:latin typeface="Meiryo UI" panose="020B0604030504040204" pitchFamily="50" charset="-128"/>
@@ -6791,10 +7294,10 @@
       </p:sp>
       <p:sp>
         <p:nvSpPr>
-          <p:cNvPr id="145" name="正方形/長方形 144">
-            <a:extLst>
-              <a:ext uri="{FF2B5EF4-FFF2-40B4-BE49-F238E27FC236}">
-                <a16:creationId xmlns:a16="http://schemas.microsoft.com/office/drawing/2014/main" id="{60D8A70F-4D43-4BBD-80DD-73E2DBF2C917}"/>
+          <p:cNvPr id="153" name="正方形/長方形 152">
+            <a:extLst>
+              <a:ext uri="{FF2B5EF4-FFF2-40B4-BE49-F238E27FC236}">
+                <a16:creationId xmlns:a16="http://schemas.microsoft.com/office/drawing/2014/main" id="{F5B7338B-DF5A-40A4-976D-AF2BAE83414C}"/>
               </a:ext>
             </a:extLst>
           </p:cNvPr>
@@ -6803,7 +7306,7 @@
         </p:nvSpPr>
         <p:spPr>
           <a:xfrm>
-            <a:off x="5515603" y="2645246"/>
+            <a:off x="7968664" y="2641560"/>
             <a:ext cx="1626768" cy="259099"/>
           </a:xfrm>
           <a:prstGeom prst="rect">
@@ -6842,7 +7345,7 @@
                 <a:latin typeface="Meiryo UI" panose="020B0604030504040204" pitchFamily="50" charset="-128"/>
                 <a:ea typeface="Meiryo UI" panose="020B0604030504040204" pitchFamily="50" charset="-128"/>
               </a:rPr>
-              <a:t>Main</a:t>
+              <a:t>App</a:t>
             </a:r>
             <a:endParaRPr kumimoji="1" lang="ja-JP" altLang="en-US" sz="1000">
               <a:latin typeface="Meiryo UI" panose="020B0604030504040204" pitchFamily="50" charset="-128"/>
@@ -6853,10 +7356,10 @@
       </p:sp>
       <p:sp>
         <p:nvSpPr>
-          <p:cNvPr id="146" name="正方形/長方形 145">
-            <a:extLst>
-              <a:ext uri="{FF2B5EF4-FFF2-40B4-BE49-F238E27FC236}">
-                <a16:creationId xmlns:a16="http://schemas.microsoft.com/office/drawing/2014/main" id="{553021E5-9632-4795-8623-34287211D53D}"/>
+          <p:cNvPr id="154" name="正方形/長方形 153">
+            <a:extLst>
+              <a:ext uri="{FF2B5EF4-FFF2-40B4-BE49-F238E27FC236}">
+                <a16:creationId xmlns:a16="http://schemas.microsoft.com/office/drawing/2014/main" id="{BCE80D03-9AB6-4421-B196-4D12E645D186}"/>
               </a:ext>
             </a:extLst>
           </p:cNvPr>
@@ -6865,7 +7368,7 @@
         </p:nvSpPr>
         <p:spPr>
           <a:xfrm>
-            <a:off x="5510784" y="2957243"/>
+            <a:off x="7963845" y="2953557"/>
             <a:ext cx="1626768" cy="259099"/>
           </a:xfrm>
           <a:prstGeom prst="rect">
@@ -6915,10 +7418,10 @@
       </p:sp>
       <p:sp>
         <p:nvSpPr>
-          <p:cNvPr id="147" name="正方形/長方形 146">
-            <a:extLst>
-              <a:ext uri="{FF2B5EF4-FFF2-40B4-BE49-F238E27FC236}">
-                <a16:creationId xmlns:a16="http://schemas.microsoft.com/office/drawing/2014/main" id="{97358E12-9536-44C7-983E-0CBDF32A7028}"/>
+          <p:cNvPr id="155" name="正方形/長方形 154">
+            <a:extLst>
+              <a:ext uri="{FF2B5EF4-FFF2-40B4-BE49-F238E27FC236}">
+                <a16:creationId xmlns:a16="http://schemas.microsoft.com/office/drawing/2014/main" id="{EAEAB2DD-541B-46B9-B19B-3B5583B09833}"/>
               </a:ext>
             </a:extLst>
           </p:cNvPr>
@@ -6927,7 +7430,7 @@
         </p:nvSpPr>
         <p:spPr>
           <a:xfrm>
-            <a:off x="5510784" y="3272185"/>
+            <a:off x="7963845" y="3268499"/>
             <a:ext cx="1626768" cy="259099"/>
           </a:xfrm>
           <a:prstGeom prst="rect">
@@ -6977,10 +7480,10 @@
       </p:sp>
       <p:sp>
         <p:nvSpPr>
-          <p:cNvPr id="148" name="正方形/長方形 147">
-            <a:extLst>
-              <a:ext uri="{FF2B5EF4-FFF2-40B4-BE49-F238E27FC236}">
-                <a16:creationId xmlns:a16="http://schemas.microsoft.com/office/drawing/2014/main" id="{018D1B63-0E15-4DD1-A484-4C78AE13518E}"/>
+          <p:cNvPr id="156" name="正方形/長方形 155">
+            <a:extLst>
+              <a:ext uri="{FF2B5EF4-FFF2-40B4-BE49-F238E27FC236}">
+                <a16:creationId xmlns:a16="http://schemas.microsoft.com/office/drawing/2014/main" id="{7AF348D0-FCD0-4CC9-8431-1F266A5FFBF9}"/>
               </a:ext>
             </a:extLst>
           </p:cNvPr>
@@ -6989,7 +7492,7 @@
         </p:nvSpPr>
         <p:spPr>
           <a:xfrm>
-            <a:off x="5517123" y="3582976"/>
+            <a:off x="7970184" y="3579290"/>
             <a:ext cx="1626768" cy="259099"/>
           </a:xfrm>
           <a:prstGeom prst="rect">
@@ -7039,10 +7542,10 @@
       </p:sp>
       <p:sp>
         <p:nvSpPr>
-          <p:cNvPr id="149" name="正方形/長方形 148">
-            <a:extLst>
-              <a:ext uri="{FF2B5EF4-FFF2-40B4-BE49-F238E27FC236}">
-                <a16:creationId xmlns:a16="http://schemas.microsoft.com/office/drawing/2014/main" id="{49B86AD9-5A9B-4936-AE91-DF32C5DA7E27}"/>
+          <p:cNvPr id="157" name="正方形/長方形 156">
+            <a:extLst>
+              <a:ext uri="{FF2B5EF4-FFF2-40B4-BE49-F238E27FC236}">
+                <a16:creationId xmlns:a16="http://schemas.microsoft.com/office/drawing/2014/main" id="{AD2BE2D6-27E1-4D93-96C6-3DE0D724C1FC}"/>
               </a:ext>
             </a:extLst>
           </p:cNvPr>
@@ -7051,7 +7554,7 @@
         </p:nvSpPr>
         <p:spPr>
           <a:xfrm>
-            <a:off x="5520437" y="3893767"/>
+            <a:off x="7973498" y="3890081"/>
             <a:ext cx="1626768" cy="259099"/>
           </a:xfrm>
           <a:prstGeom prst="rect">
@@ -7101,10 +7604,10 @@
       </p:sp>
       <p:sp>
         <p:nvSpPr>
-          <p:cNvPr id="150" name="正方形/長方形 149">
-            <a:extLst>
-              <a:ext uri="{FF2B5EF4-FFF2-40B4-BE49-F238E27FC236}">
-                <a16:creationId xmlns:a16="http://schemas.microsoft.com/office/drawing/2014/main" id="{275B624B-8592-4F3B-B072-F9239BA40F87}"/>
+          <p:cNvPr id="158" name="正方形/長方形 157">
+            <a:extLst>
+              <a:ext uri="{FF2B5EF4-FFF2-40B4-BE49-F238E27FC236}">
+                <a16:creationId xmlns:a16="http://schemas.microsoft.com/office/drawing/2014/main" id="{63302712-51BE-4B2C-B4D1-E494AA5FBCB5}"/>
               </a:ext>
             </a:extLst>
           </p:cNvPr>
@@ -7113,7 +7616,7 @@
         </p:nvSpPr>
         <p:spPr>
           <a:xfrm>
-            <a:off x="5520437" y="4201305"/>
+            <a:off x="7973498" y="4197619"/>
             <a:ext cx="1626768" cy="259099"/>
           </a:xfrm>
           <a:prstGeom prst="rect">
@@ -7152,7 +7655,7 @@
                 <a:latin typeface="Meiryo UI" panose="020B0604030504040204" pitchFamily="50" charset="-128"/>
                 <a:ea typeface="Meiryo UI" panose="020B0604030504040204" pitchFamily="50" charset="-128"/>
               </a:rPr>
-              <a:t>LobbyControl</a:t>
+              <a:t>TextChatControl</a:t>
             </a:r>
             <a:endParaRPr kumimoji="1" lang="ja-JP" altLang="en-US" sz="1000">
               <a:latin typeface="Meiryo UI" panose="020B0604030504040204" pitchFamily="50" charset="-128"/>
@@ -7163,10 +7666,10 @@
       </p:sp>
       <p:sp>
         <p:nvSpPr>
-          <p:cNvPr id="151" name="正方形/長方形 150">
-            <a:extLst>
-              <a:ext uri="{FF2B5EF4-FFF2-40B4-BE49-F238E27FC236}">
-                <a16:creationId xmlns:a16="http://schemas.microsoft.com/office/drawing/2014/main" id="{4F86E3BC-E061-4478-894C-5542BA2EFCF9}"/>
+          <p:cNvPr id="159" name="正方形/長方形 158">
+            <a:extLst>
+              <a:ext uri="{FF2B5EF4-FFF2-40B4-BE49-F238E27FC236}">
+                <a16:creationId xmlns:a16="http://schemas.microsoft.com/office/drawing/2014/main" id="{1AEE5956-E4E9-4382-9A7E-D0BA01053C8E}"/>
               </a:ext>
             </a:extLst>
           </p:cNvPr>
@@ -7175,7 +7678,7 @@
         </p:nvSpPr>
         <p:spPr>
           <a:xfrm>
-            <a:off x="5520437" y="4508843"/>
+            <a:off x="7973498" y="4505157"/>
             <a:ext cx="1626768" cy="259099"/>
           </a:xfrm>
           <a:prstGeom prst="rect">
@@ -7214,7 +7717,7 @@
                 <a:latin typeface="Meiryo UI" panose="020B0604030504040204" pitchFamily="50" charset="-128"/>
                 <a:ea typeface="Meiryo UI" panose="020B0604030504040204" pitchFamily="50" charset="-128"/>
               </a:rPr>
-              <a:t>EventSelectionStage</a:t>
+              <a:t>VoiceChatControl</a:t>
             </a:r>
             <a:endParaRPr kumimoji="1" lang="ja-JP" altLang="en-US" sz="1000">
               <a:latin typeface="Meiryo UI" panose="020B0604030504040204" pitchFamily="50" charset="-128"/>
@@ -7225,10 +7728,10 @@
       </p:sp>
       <p:sp>
         <p:nvSpPr>
-          <p:cNvPr id="152" name="正方形/長方形 151">
-            <a:extLst>
-              <a:ext uri="{FF2B5EF4-FFF2-40B4-BE49-F238E27FC236}">
-                <a16:creationId xmlns:a16="http://schemas.microsoft.com/office/drawing/2014/main" id="{46B2E74E-4B24-4410-8A55-0188227C5C25}"/>
+          <p:cNvPr id="160" name="正方形/長方形 159">
+            <a:extLst>
+              <a:ext uri="{FF2B5EF4-FFF2-40B4-BE49-F238E27FC236}">
+                <a16:creationId xmlns:a16="http://schemas.microsoft.com/office/drawing/2014/main" id="{AB7D5AB4-5EDD-4A36-91E2-C774E5A11C56}"/>
               </a:ext>
             </a:extLst>
           </p:cNvPr>
@@ -7237,76 +7740,7 @@
         </p:nvSpPr>
         <p:spPr>
           <a:xfrm>
-            <a:off x="7859934" y="2144744"/>
-            <a:ext cx="1829282" cy="3357556"/>
-          </a:xfrm>
-          <a:prstGeom prst="rect">
-            <a:avLst/>
-          </a:prstGeom>
-          <a:solidFill>
-            <a:schemeClr val="accent5"/>
-          </a:solidFill>
-          <a:ln>
-            <a:noFill/>
-          </a:ln>
-        </p:spPr>
-        <p:style>
-          <a:lnRef idx="2">
-            <a:schemeClr val="accent1">
-              <a:shade val="50000"/>
-            </a:schemeClr>
-          </a:lnRef>
-          <a:fillRef idx="1">
-            <a:schemeClr val="accent1"/>
-          </a:fillRef>
-          <a:effectRef idx="0">
-            <a:schemeClr val="accent1"/>
-          </a:effectRef>
-          <a:fontRef idx="minor">
-            <a:schemeClr val="lt1"/>
-          </a:fontRef>
-        </p:style>
-        <p:txBody>
-          <a:bodyPr rtlCol="0" anchor="t"/>
-          <a:lstStyle/>
-          <a:p>
-            <a:pPr algn="ctr"/>
-            <a:endParaRPr kumimoji="1" lang="en-US" altLang="ja-JP" sz="1000">
-              <a:latin typeface="Meiryo UI" panose="020B0604030504040204" pitchFamily="50" charset="-128"/>
-              <a:ea typeface="Meiryo UI" panose="020B0604030504040204" pitchFamily="50" charset="-128"/>
-            </a:endParaRPr>
-          </a:p>
-          <a:p>
-            <a:pPr algn="ctr"/>
-            <a:r>
-              <a:rPr kumimoji="1" lang="en-US" altLang="ja-JP" sz="1000">
-                <a:latin typeface="Meiryo UI" panose="020B0604030504040204" pitchFamily="50" charset="-128"/>
-                <a:ea typeface="Meiryo UI" panose="020B0604030504040204" pitchFamily="50" charset="-128"/>
-              </a:rPr>
-              <a:t>Scene</a:t>
-            </a:r>
-            <a:endParaRPr kumimoji="1" lang="ja-JP" altLang="en-US" sz="1000">
-              <a:latin typeface="Meiryo UI" panose="020B0604030504040204" pitchFamily="50" charset="-128"/>
-              <a:ea typeface="Meiryo UI" panose="020B0604030504040204" pitchFamily="50" charset="-128"/>
-            </a:endParaRPr>
-          </a:p>
-        </p:txBody>
-      </p:sp>
-      <p:sp>
-        <p:nvSpPr>
-          <p:cNvPr id="153" name="正方形/長方形 152">
-            <a:extLst>
-              <a:ext uri="{FF2B5EF4-FFF2-40B4-BE49-F238E27FC236}">
-                <a16:creationId xmlns:a16="http://schemas.microsoft.com/office/drawing/2014/main" id="{F5B7338B-DF5A-40A4-976D-AF2BAE83414C}"/>
-              </a:ext>
-            </a:extLst>
-          </p:cNvPr>
-          <p:cNvSpPr/>
-          <p:nvPr/>
-        </p:nvSpPr>
-        <p:spPr>
-          <a:xfrm>
-            <a:off x="7968664" y="2641560"/>
+            <a:off x="7973498" y="4809680"/>
             <a:ext cx="1626768" cy="259099"/>
           </a:xfrm>
           <a:prstGeom prst="rect">
@@ -7345,7 +7779,7 @@
                 <a:latin typeface="Meiryo UI" panose="020B0604030504040204" pitchFamily="50" charset="-128"/>
                 <a:ea typeface="Meiryo UI" panose="020B0604030504040204" pitchFamily="50" charset="-128"/>
               </a:rPr>
-              <a:t>Main</a:t>
+              <a:t>ReactionControl</a:t>
             </a:r>
             <a:endParaRPr kumimoji="1" lang="ja-JP" altLang="en-US" sz="1000">
               <a:latin typeface="Meiryo UI" panose="020B0604030504040204" pitchFamily="50" charset="-128"/>
@@ -7356,10 +7790,10 @@
       </p:sp>
       <p:sp>
         <p:nvSpPr>
-          <p:cNvPr id="154" name="正方形/長方形 153">
-            <a:extLst>
-              <a:ext uri="{FF2B5EF4-FFF2-40B4-BE49-F238E27FC236}">
-                <a16:creationId xmlns:a16="http://schemas.microsoft.com/office/drawing/2014/main" id="{BCE80D03-9AB6-4421-B196-4D12E645D186}"/>
+          <p:cNvPr id="161" name="正方形/長方形 160">
+            <a:extLst>
+              <a:ext uri="{FF2B5EF4-FFF2-40B4-BE49-F238E27FC236}">
+                <a16:creationId xmlns:a16="http://schemas.microsoft.com/office/drawing/2014/main" id="{4492C901-5D9C-40D8-B33E-6D9C7C5F259B}"/>
               </a:ext>
             </a:extLst>
           </p:cNvPr>
@@ -7368,7 +7802,7 @@
         </p:nvSpPr>
         <p:spPr>
           <a:xfrm>
-            <a:off x="7963845" y="2953557"/>
+            <a:off x="7973498" y="5114203"/>
             <a:ext cx="1626768" cy="259099"/>
           </a:xfrm>
           <a:prstGeom prst="rect">
@@ -7403,11 +7837,11 @@
           <a:p>
             <a:pPr algn="ctr"/>
             <a:r>
-              <a:rPr kumimoji="1" lang="en-US" altLang="ja-JP" sz="1000" err="1">
+              <a:rPr kumimoji="1" lang="en-US" altLang="ja-JP" sz="1000">
                 <a:latin typeface="Meiryo UI" panose="020B0604030504040204" pitchFamily="50" charset="-128"/>
                 <a:ea typeface="Meiryo UI" panose="020B0604030504040204" pitchFamily="50" charset="-128"/>
               </a:rPr>
-              <a:t>CameraControl</a:t>
+              <a:t>EventRoom</a:t>
             </a:r>
             <a:endParaRPr kumimoji="1" lang="ja-JP" altLang="en-US" sz="1000">
               <a:latin typeface="Meiryo UI" panose="020B0604030504040204" pitchFamily="50" charset="-128"/>
@@ -7418,10 +7852,10 @@
       </p:sp>
       <p:sp>
         <p:nvSpPr>
-          <p:cNvPr id="155" name="正方形/長方形 154">
-            <a:extLst>
-              <a:ext uri="{FF2B5EF4-FFF2-40B4-BE49-F238E27FC236}">
-                <a16:creationId xmlns:a16="http://schemas.microsoft.com/office/drawing/2014/main" id="{EAEAB2DD-541B-46B9-B19B-3B5583B09833}"/>
+          <p:cNvPr id="162" name="正方形/長方形 161">
+            <a:extLst>
+              <a:ext uri="{FF2B5EF4-FFF2-40B4-BE49-F238E27FC236}">
+                <a16:creationId xmlns:a16="http://schemas.microsoft.com/office/drawing/2014/main" id="{6CCC83E0-17E6-4BFE-8CF2-F6C0A6875A18}"/>
               </a:ext>
             </a:extLst>
           </p:cNvPr>
@@ -7430,442 +7864,8 @@
         </p:nvSpPr>
         <p:spPr>
           <a:xfrm>
-            <a:off x="7963845" y="3268499"/>
-            <a:ext cx="1626768" cy="259099"/>
-          </a:xfrm>
-          <a:prstGeom prst="rect">
-            <a:avLst/>
-          </a:prstGeom>
-          <a:solidFill>
-            <a:schemeClr val="tx2"/>
-          </a:solidFill>
-          <a:ln>
-            <a:noFill/>
-          </a:ln>
-        </p:spPr>
-        <p:style>
-          <a:lnRef idx="2">
-            <a:schemeClr val="accent1">
-              <a:shade val="50000"/>
-            </a:schemeClr>
-          </a:lnRef>
-          <a:fillRef idx="1">
-            <a:schemeClr val="accent1"/>
-          </a:fillRef>
-          <a:effectRef idx="0">
-            <a:schemeClr val="accent1"/>
-          </a:effectRef>
-          <a:fontRef idx="minor">
-            <a:schemeClr val="lt1"/>
-          </a:fontRef>
-        </p:style>
-        <p:txBody>
-          <a:bodyPr rtlCol="0" anchor="ctr"/>
-          <a:lstStyle/>
-          <a:p>
-            <a:pPr algn="ctr"/>
-            <a:r>
-              <a:rPr kumimoji="1" lang="en-US" altLang="ja-JP" sz="1000" err="1">
-                <a:latin typeface="Meiryo UI" panose="020B0604030504040204" pitchFamily="50" charset="-128"/>
-                <a:ea typeface="Meiryo UI" panose="020B0604030504040204" pitchFamily="50" charset="-128"/>
-              </a:rPr>
-              <a:t>InputControl</a:t>
-            </a:r>
-            <a:endParaRPr kumimoji="1" lang="ja-JP" altLang="en-US" sz="1000">
-              <a:latin typeface="Meiryo UI" panose="020B0604030504040204" pitchFamily="50" charset="-128"/>
-              <a:ea typeface="Meiryo UI" panose="020B0604030504040204" pitchFamily="50" charset="-128"/>
-            </a:endParaRPr>
-          </a:p>
-        </p:txBody>
-      </p:sp>
-      <p:sp>
-        <p:nvSpPr>
-          <p:cNvPr id="156" name="正方形/長方形 155">
-            <a:extLst>
-              <a:ext uri="{FF2B5EF4-FFF2-40B4-BE49-F238E27FC236}">
-                <a16:creationId xmlns:a16="http://schemas.microsoft.com/office/drawing/2014/main" id="{7AF348D0-FCD0-4CC9-8431-1F266A5FFBF9}"/>
-              </a:ext>
-            </a:extLst>
-          </p:cNvPr>
-          <p:cNvSpPr/>
-          <p:nvPr/>
-        </p:nvSpPr>
-        <p:spPr>
-          <a:xfrm>
-            <a:off x="7970184" y="3579290"/>
-            <a:ext cx="1626768" cy="259099"/>
-          </a:xfrm>
-          <a:prstGeom prst="rect">
-            <a:avLst/>
-          </a:prstGeom>
-          <a:solidFill>
-            <a:schemeClr val="tx2"/>
-          </a:solidFill>
-          <a:ln>
-            <a:noFill/>
-          </a:ln>
-        </p:spPr>
-        <p:style>
-          <a:lnRef idx="2">
-            <a:schemeClr val="accent1">
-              <a:shade val="50000"/>
-            </a:schemeClr>
-          </a:lnRef>
-          <a:fillRef idx="1">
-            <a:schemeClr val="accent1"/>
-          </a:fillRef>
-          <a:effectRef idx="0">
-            <a:schemeClr val="accent1"/>
-          </a:effectRef>
-          <a:fontRef idx="minor">
-            <a:schemeClr val="lt1"/>
-          </a:fontRef>
-        </p:style>
-        <p:txBody>
-          <a:bodyPr rtlCol="0" anchor="ctr"/>
-          <a:lstStyle/>
-          <a:p>
-            <a:pPr algn="ctr"/>
-            <a:r>
-              <a:rPr kumimoji="1" lang="en-US" altLang="ja-JP" sz="1000">
-                <a:latin typeface="Meiryo UI" panose="020B0604030504040204" pitchFamily="50" charset="-128"/>
-                <a:ea typeface="Meiryo UI" panose="020B0604030504040204" pitchFamily="50" charset="-128"/>
-              </a:rPr>
-              <a:t>NetworkControl</a:t>
-            </a:r>
-            <a:endParaRPr kumimoji="1" lang="ja-JP" altLang="en-US" sz="1000">
-              <a:latin typeface="Meiryo UI" panose="020B0604030504040204" pitchFamily="50" charset="-128"/>
-              <a:ea typeface="Meiryo UI" panose="020B0604030504040204" pitchFamily="50" charset="-128"/>
-            </a:endParaRPr>
-          </a:p>
-        </p:txBody>
-      </p:sp>
-      <p:sp>
-        <p:nvSpPr>
-          <p:cNvPr id="157" name="正方形/長方形 156">
-            <a:extLst>
-              <a:ext uri="{FF2B5EF4-FFF2-40B4-BE49-F238E27FC236}">
-                <a16:creationId xmlns:a16="http://schemas.microsoft.com/office/drawing/2014/main" id="{AD2BE2D6-27E1-4D93-96C6-3DE0D724C1FC}"/>
-              </a:ext>
-            </a:extLst>
-          </p:cNvPr>
-          <p:cNvSpPr/>
-          <p:nvPr/>
-        </p:nvSpPr>
-        <p:spPr>
-          <a:xfrm>
-            <a:off x="7973498" y="3890081"/>
-            <a:ext cx="1626768" cy="259099"/>
-          </a:xfrm>
-          <a:prstGeom prst="rect">
-            <a:avLst/>
-          </a:prstGeom>
-          <a:solidFill>
-            <a:schemeClr val="tx2"/>
-          </a:solidFill>
-          <a:ln>
-            <a:noFill/>
-          </a:ln>
-        </p:spPr>
-        <p:style>
-          <a:lnRef idx="2">
-            <a:schemeClr val="accent1">
-              <a:shade val="50000"/>
-            </a:schemeClr>
-          </a:lnRef>
-          <a:fillRef idx="1">
-            <a:schemeClr val="accent1"/>
-          </a:fillRef>
-          <a:effectRef idx="0">
-            <a:schemeClr val="accent1"/>
-          </a:effectRef>
-          <a:fontRef idx="minor">
-            <a:schemeClr val="lt1"/>
-          </a:fontRef>
-        </p:style>
-        <p:txBody>
-          <a:bodyPr rtlCol="0" anchor="ctr"/>
-          <a:lstStyle/>
-          <a:p>
-            <a:pPr algn="ctr"/>
-            <a:r>
-              <a:rPr kumimoji="1" lang="en-US" altLang="ja-JP" sz="1000">
-                <a:latin typeface="Meiryo UI" panose="020B0604030504040204" pitchFamily="50" charset="-128"/>
-                <a:ea typeface="Meiryo UI" panose="020B0604030504040204" pitchFamily="50" charset="-128"/>
-              </a:rPr>
-              <a:t>PlayerControl</a:t>
-            </a:r>
-            <a:endParaRPr kumimoji="1" lang="ja-JP" altLang="en-US" sz="1000">
-              <a:latin typeface="Meiryo UI" panose="020B0604030504040204" pitchFamily="50" charset="-128"/>
-              <a:ea typeface="Meiryo UI" panose="020B0604030504040204" pitchFamily="50" charset="-128"/>
-            </a:endParaRPr>
-          </a:p>
-        </p:txBody>
-      </p:sp>
-      <p:sp>
-        <p:nvSpPr>
-          <p:cNvPr id="158" name="正方形/長方形 157">
-            <a:extLst>
-              <a:ext uri="{FF2B5EF4-FFF2-40B4-BE49-F238E27FC236}">
-                <a16:creationId xmlns:a16="http://schemas.microsoft.com/office/drawing/2014/main" id="{63302712-51BE-4B2C-B4D1-E494AA5FBCB5}"/>
-              </a:ext>
-            </a:extLst>
-          </p:cNvPr>
-          <p:cNvSpPr/>
-          <p:nvPr/>
-        </p:nvSpPr>
-        <p:spPr>
-          <a:xfrm>
-            <a:off x="7973498" y="4197619"/>
-            <a:ext cx="1626768" cy="259099"/>
-          </a:xfrm>
-          <a:prstGeom prst="rect">
-            <a:avLst/>
-          </a:prstGeom>
-          <a:solidFill>
-            <a:schemeClr val="tx2"/>
-          </a:solidFill>
-          <a:ln>
-            <a:noFill/>
-          </a:ln>
-        </p:spPr>
-        <p:style>
-          <a:lnRef idx="2">
-            <a:schemeClr val="accent1">
-              <a:shade val="50000"/>
-            </a:schemeClr>
-          </a:lnRef>
-          <a:fillRef idx="1">
-            <a:schemeClr val="accent1"/>
-          </a:fillRef>
-          <a:effectRef idx="0">
-            <a:schemeClr val="accent1"/>
-          </a:effectRef>
-          <a:fontRef idx="minor">
-            <a:schemeClr val="lt1"/>
-          </a:fontRef>
-        </p:style>
-        <p:txBody>
-          <a:bodyPr rtlCol="0" anchor="ctr"/>
-          <a:lstStyle/>
-          <a:p>
-            <a:pPr algn="ctr"/>
-            <a:r>
-              <a:rPr kumimoji="1" lang="en-US" altLang="ja-JP" sz="1000">
-                <a:latin typeface="Meiryo UI" panose="020B0604030504040204" pitchFamily="50" charset="-128"/>
-                <a:ea typeface="Meiryo UI" panose="020B0604030504040204" pitchFamily="50" charset="-128"/>
-              </a:rPr>
-              <a:t>TextChatControl</a:t>
-            </a:r>
-            <a:endParaRPr kumimoji="1" lang="ja-JP" altLang="en-US" sz="1000">
-              <a:latin typeface="Meiryo UI" panose="020B0604030504040204" pitchFamily="50" charset="-128"/>
-              <a:ea typeface="Meiryo UI" panose="020B0604030504040204" pitchFamily="50" charset="-128"/>
-            </a:endParaRPr>
-          </a:p>
-        </p:txBody>
-      </p:sp>
-      <p:sp>
-        <p:nvSpPr>
-          <p:cNvPr id="159" name="正方形/長方形 158">
-            <a:extLst>
-              <a:ext uri="{FF2B5EF4-FFF2-40B4-BE49-F238E27FC236}">
-                <a16:creationId xmlns:a16="http://schemas.microsoft.com/office/drawing/2014/main" id="{1AEE5956-E4E9-4382-9A7E-D0BA01053C8E}"/>
-              </a:ext>
-            </a:extLst>
-          </p:cNvPr>
-          <p:cNvSpPr/>
-          <p:nvPr/>
-        </p:nvSpPr>
-        <p:spPr>
-          <a:xfrm>
-            <a:off x="7973498" y="4505157"/>
-            <a:ext cx="1626768" cy="259099"/>
-          </a:xfrm>
-          <a:prstGeom prst="rect">
-            <a:avLst/>
-          </a:prstGeom>
-          <a:solidFill>
-            <a:schemeClr val="tx2"/>
-          </a:solidFill>
-          <a:ln>
-            <a:noFill/>
-          </a:ln>
-        </p:spPr>
-        <p:style>
-          <a:lnRef idx="2">
-            <a:schemeClr val="accent1">
-              <a:shade val="50000"/>
-            </a:schemeClr>
-          </a:lnRef>
-          <a:fillRef idx="1">
-            <a:schemeClr val="accent1"/>
-          </a:fillRef>
-          <a:effectRef idx="0">
-            <a:schemeClr val="accent1"/>
-          </a:effectRef>
-          <a:fontRef idx="minor">
-            <a:schemeClr val="lt1"/>
-          </a:fontRef>
-        </p:style>
-        <p:txBody>
-          <a:bodyPr rtlCol="0" anchor="ctr"/>
-          <a:lstStyle/>
-          <a:p>
-            <a:pPr algn="ctr"/>
-            <a:r>
-              <a:rPr kumimoji="1" lang="en-US" altLang="ja-JP" sz="1000">
-                <a:latin typeface="Meiryo UI" panose="020B0604030504040204" pitchFamily="50" charset="-128"/>
-                <a:ea typeface="Meiryo UI" panose="020B0604030504040204" pitchFamily="50" charset="-128"/>
-              </a:rPr>
-              <a:t>VoiceChatControl</a:t>
-            </a:r>
-            <a:endParaRPr kumimoji="1" lang="ja-JP" altLang="en-US" sz="1000">
-              <a:latin typeface="Meiryo UI" panose="020B0604030504040204" pitchFamily="50" charset="-128"/>
-              <a:ea typeface="Meiryo UI" panose="020B0604030504040204" pitchFamily="50" charset="-128"/>
-            </a:endParaRPr>
-          </a:p>
-        </p:txBody>
-      </p:sp>
-      <p:sp>
-        <p:nvSpPr>
-          <p:cNvPr id="160" name="正方形/長方形 159">
-            <a:extLst>
-              <a:ext uri="{FF2B5EF4-FFF2-40B4-BE49-F238E27FC236}">
-                <a16:creationId xmlns:a16="http://schemas.microsoft.com/office/drawing/2014/main" id="{AB7D5AB4-5EDD-4A36-91E2-C774E5A11C56}"/>
-              </a:ext>
-            </a:extLst>
-          </p:cNvPr>
-          <p:cNvSpPr/>
-          <p:nvPr/>
-        </p:nvSpPr>
-        <p:spPr>
-          <a:xfrm>
-            <a:off x="7973498" y="4809680"/>
-            <a:ext cx="1626768" cy="259099"/>
-          </a:xfrm>
-          <a:prstGeom prst="rect">
-            <a:avLst/>
-          </a:prstGeom>
-          <a:solidFill>
-            <a:schemeClr val="tx2"/>
-          </a:solidFill>
-          <a:ln>
-            <a:noFill/>
-          </a:ln>
-        </p:spPr>
-        <p:style>
-          <a:lnRef idx="2">
-            <a:schemeClr val="accent1">
-              <a:shade val="50000"/>
-            </a:schemeClr>
-          </a:lnRef>
-          <a:fillRef idx="1">
-            <a:schemeClr val="accent1"/>
-          </a:fillRef>
-          <a:effectRef idx="0">
-            <a:schemeClr val="accent1"/>
-          </a:effectRef>
-          <a:fontRef idx="minor">
-            <a:schemeClr val="lt1"/>
-          </a:fontRef>
-        </p:style>
-        <p:txBody>
-          <a:bodyPr rtlCol="0" anchor="ctr"/>
-          <a:lstStyle/>
-          <a:p>
-            <a:pPr algn="ctr"/>
-            <a:r>
-              <a:rPr kumimoji="1" lang="en-US" altLang="ja-JP" sz="1000">
-                <a:latin typeface="Meiryo UI" panose="020B0604030504040204" pitchFamily="50" charset="-128"/>
-                <a:ea typeface="Meiryo UI" panose="020B0604030504040204" pitchFamily="50" charset="-128"/>
-              </a:rPr>
-              <a:t>ReactionControl</a:t>
-            </a:r>
-            <a:endParaRPr kumimoji="1" lang="ja-JP" altLang="en-US" sz="1000">
-              <a:latin typeface="Meiryo UI" panose="020B0604030504040204" pitchFamily="50" charset="-128"/>
-              <a:ea typeface="Meiryo UI" panose="020B0604030504040204" pitchFamily="50" charset="-128"/>
-            </a:endParaRPr>
-          </a:p>
-        </p:txBody>
-      </p:sp>
-      <p:sp>
-        <p:nvSpPr>
-          <p:cNvPr id="161" name="正方形/長方形 160">
-            <a:extLst>
-              <a:ext uri="{FF2B5EF4-FFF2-40B4-BE49-F238E27FC236}">
-                <a16:creationId xmlns:a16="http://schemas.microsoft.com/office/drawing/2014/main" id="{4492C901-5D9C-40D8-B33E-6D9C7C5F259B}"/>
-              </a:ext>
-            </a:extLst>
-          </p:cNvPr>
-          <p:cNvSpPr/>
-          <p:nvPr/>
-        </p:nvSpPr>
-        <p:spPr>
-          <a:xfrm>
-            <a:off x="7973498" y="5114203"/>
-            <a:ext cx="1626768" cy="259099"/>
-          </a:xfrm>
-          <a:prstGeom prst="rect">
-            <a:avLst/>
-          </a:prstGeom>
-          <a:solidFill>
-            <a:schemeClr val="tx2"/>
-          </a:solidFill>
-          <a:ln>
-            <a:noFill/>
-          </a:ln>
-        </p:spPr>
-        <p:style>
-          <a:lnRef idx="2">
-            <a:schemeClr val="accent1">
-              <a:shade val="50000"/>
-            </a:schemeClr>
-          </a:lnRef>
-          <a:fillRef idx="1">
-            <a:schemeClr val="accent1"/>
-          </a:fillRef>
-          <a:effectRef idx="0">
-            <a:schemeClr val="accent1"/>
-          </a:effectRef>
-          <a:fontRef idx="minor">
-            <a:schemeClr val="lt1"/>
-          </a:fontRef>
-        </p:style>
-        <p:txBody>
-          <a:bodyPr rtlCol="0" anchor="ctr"/>
-          <a:lstStyle/>
-          <a:p>
-            <a:pPr algn="ctr"/>
-            <a:r>
-              <a:rPr kumimoji="1" lang="en-US" altLang="ja-JP" sz="1000">
-                <a:latin typeface="Meiryo UI" panose="020B0604030504040204" pitchFamily="50" charset="-128"/>
-                <a:ea typeface="Meiryo UI" panose="020B0604030504040204" pitchFamily="50" charset="-128"/>
-              </a:rPr>
-              <a:t>EventStage</a:t>
-            </a:r>
-            <a:endParaRPr kumimoji="1" lang="ja-JP" altLang="en-US" sz="1000">
-              <a:latin typeface="Meiryo UI" panose="020B0604030504040204" pitchFamily="50" charset="-128"/>
-              <a:ea typeface="Meiryo UI" panose="020B0604030504040204" pitchFamily="50" charset="-128"/>
-            </a:endParaRPr>
-          </a:p>
-        </p:txBody>
-      </p:sp>
-      <p:sp>
-        <p:nvSpPr>
-          <p:cNvPr id="162" name="正方形/長方形 161">
-            <a:extLst>
-              <a:ext uri="{FF2B5EF4-FFF2-40B4-BE49-F238E27FC236}">
-                <a16:creationId xmlns:a16="http://schemas.microsoft.com/office/drawing/2014/main" id="{6CCC83E0-17E6-4BFE-8CF2-F6C0A6875A18}"/>
-              </a:ext>
-            </a:extLst>
-          </p:cNvPr>
-          <p:cNvSpPr/>
-          <p:nvPr/>
-        </p:nvSpPr>
-        <p:spPr>
-          <a:xfrm>
             <a:off x="10220206" y="2414826"/>
-            <a:ext cx="1598983" cy="2065233"/>
+            <a:ext cx="1781681" cy="2065233"/>
           </a:xfrm>
           <a:prstGeom prst="rect">
             <a:avLst/>
@@ -7934,7 +7934,7 @@
         <p:spPr>
           <a:xfrm>
             <a:off x="10429520" y="3040959"/>
-            <a:ext cx="1186191" cy="1163824"/>
+            <a:ext cx="1281393" cy="1163824"/>
           </a:xfrm>
           <a:prstGeom prst="rect">
             <a:avLst/>
@@ -8004,8 +8004,8 @@
         </p:nvSpPr>
         <p:spPr>
           <a:xfrm>
-            <a:off x="10552146" y="3611631"/>
-            <a:ext cx="957942" cy="446595"/>
+            <a:off x="10552145" y="3611631"/>
+            <a:ext cx="1048517" cy="446595"/>
           </a:xfrm>
           <a:prstGeom prst="rect">
             <a:avLst/>
@@ -8045,7 +8045,7 @@
                 <a:latin typeface="Meiryo UI" panose="020B0604030504040204" pitchFamily="50" charset="-128"/>
                 <a:ea typeface="Meiryo UI" panose="020B0604030504040204" pitchFamily="50" charset="-128"/>
               </a:rPr>
-              <a:t>Scene</a:t>
+              <a:t>Stage</a:t>
             </a:r>
           </a:p>
           <a:p>
@@ -8055,7 +8055,7 @@
                 <a:latin typeface="Meiryo UI" panose="020B0604030504040204" pitchFamily="50" charset="-128"/>
                 <a:ea typeface="Meiryo UI" panose="020B0604030504040204" pitchFamily="50" charset="-128"/>
               </a:rPr>
-              <a:t>Transition</a:t>
+              <a:t>Navigation</a:t>
             </a:r>
             <a:endParaRPr kumimoji="1" lang="ja-JP" altLang="en-US" sz="1200">
               <a:latin typeface="Meiryo UI" panose="020B0604030504040204" pitchFamily="50" charset="-128"/>
@@ -8083,7 +8083,7 @@
         <p:spPr>
           <a:xfrm flipH="1">
             <a:off x="9785626" y="3834929"/>
-            <a:ext cx="766520" cy="9156"/>
+            <a:ext cx="766519" cy="9156"/>
           </a:xfrm>
           <a:prstGeom prst="straightConnector1">
             <a:avLst/>
@@ -8125,7 +8125,7 @@
         <p:spPr>
           <a:xfrm>
             <a:off x="481087" y="5276621"/>
-            <a:ext cx="1626768" cy="259099"/>
+            <a:ext cx="783833" cy="259099"/>
           </a:xfrm>
           <a:prstGeom prst="rect">
             <a:avLst/>
@@ -8163,7 +8163,7 @@
                 <a:latin typeface="Meiryo UI" panose="020B0604030504040204" pitchFamily="50" charset="-128"/>
                 <a:ea typeface="Meiryo UI" panose="020B0604030504040204" pitchFamily="50" charset="-128"/>
               </a:rPr>
-              <a:t>Unity Scene</a:t>
+              <a:t>Scene</a:t>
             </a:r>
             <a:endParaRPr kumimoji="1" lang="ja-JP" altLang="en-US" sz="1000">
               <a:latin typeface="Meiryo UI" panose="020B0604030504040204" pitchFamily="50" charset="-128"/>
@@ -8187,7 +8187,7 @@
         <p:spPr>
           <a:xfrm>
             <a:off x="481087" y="4939229"/>
-            <a:ext cx="4506788" cy="259099"/>
+            <a:ext cx="783833" cy="259099"/>
           </a:xfrm>
           <a:prstGeom prst="rect">
             <a:avLst/>
@@ -8225,7 +8225,7 @@
                 <a:latin typeface="Meiryo UI" panose="020B0604030504040204" pitchFamily="50" charset="-128"/>
                 <a:ea typeface="Meiryo UI" panose="020B0604030504040204" pitchFamily="50" charset="-128"/>
               </a:rPr>
-              <a:t>Scene defined in the Framework composed of multiple Unity Scenes</a:t>
+              <a:t>Stage</a:t>
             </a:r>
             <a:endParaRPr kumimoji="1" lang="ja-JP" altLang="en-US" sz="1000">
               <a:latin typeface="Meiryo UI" panose="020B0604030504040204" pitchFamily="50" charset="-128"/>

--- a/work/work.pptx
+++ b/work/work.pptx
@@ -5863,7 +5863,7 @@
                 <a:latin typeface="Meiryo UI" panose="020B0604030504040204" pitchFamily="50" charset="-128"/>
                 <a:ea typeface="Meiryo UI" panose="020B0604030504040204" pitchFamily="50" charset="-128"/>
               </a:rPr>
-              <a:t>Event selection screen</a:t>
+              <a:t>Space selection screen</a:t>
             </a:r>
             <a:endParaRPr kumimoji="1" lang="ja-JP" altLang="en-US" sz="1200">
               <a:solidFill>
@@ -5929,7 +5929,27 @@
                 <a:latin typeface="Meiryo UI" panose="020B0604030504040204" pitchFamily="50" charset="-128"/>
                 <a:ea typeface="Meiryo UI" panose="020B0604030504040204" pitchFamily="50" charset="-128"/>
               </a:rPr>
-              <a:t>Event room</a:t>
+              <a:t>Virtual</a:t>
+            </a:r>
+            <a:r>
+              <a:rPr kumimoji="1" lang="ja-JP" altLang="en-US" sz="1200">
+                <a:solidFill>
+                  <a:schemeClr val="tx2"/>
+                </a:solidFill>
+                <a:latin typeface="Meiryo UI" panose="020B0604030504040204" pitchFamily="50" charset="-128"/>
+                <a:ea typeface="Meiryo UI" panose="020B0604030504040204" pitchFamily="50" charset="-128"/>
+              </a:rPr>
+              <a:t> </a:t>
+            </a:r>
+            <a:r>
+              <a:rPr kumimoji="1" lang="en-US" altLang="ja-JP" sz="1200">
+                <a:solidFill>
+                  <a:schemeClr val="tx2"/>
+                </a:solidFill>
+                <a:latin typeface="Meiryo UI" panose="020B0604030504040204" pitchFamily="50" charset="-128"/>
+                <a:ea typeface="Meiryo UI" panose="020B0604030504040204" pitchFamily="50" charset="-128"/>
+              </a:rPr>
+              <a:t>space</a:t>
             </a:r>
             <a:endParaRPr kumimoji="1" lang="ja-JP" altLang="en-US" sz="1200">
               <a:solidFill>
@@ -6776,11 +6796,18 @@
           <a:p>
             <a:pPr algn="ctr"/>
             <a:r>
+              <a:rPr lang="en-US" altLang="ja-JP" sz="1000">
+                <a:latin typeface="Meiryo UI" panose="020B0604030504040204" pitchFamily="50" charset="-128"/>
+                <a:ea typeface="Meiryo UI" panose="020B0604030504040204" pitchFamily="50" charset="-128"/>
+              </a:rPr>
+              <a:t>Space</a:t>
+            </a:r>
+            <a:r>
               <a:rPr kumimoji="1" lang="en-US" altLang="ja-JP" sz="1000">
                 <a:latin typeface="Meiryo UI" panose="020B0604030504040204" pitchFamily="50" charset="-128"/>
                 <a:ea typeface="Meiryo UI" panose="020B0604030504040204" pitchFamily="50" charset="-128"/>
               </a:rPr>
-              <a:t>EventSelectionScreen</a:t>
+              <a:t>SelectionScreen</a:t>
             </a:r>
             <a:endParaRPr kumimoji="1" lang="ja-JP" altLang="en-US" sz="1000">
               <a:latin typeface="Meiryo UI" panose="020B0604030504040204" pitchFamily="50" charset="-128"/>
@@ -7210,11 +7237,18 @@
           <a:p>
             <a:pPr algn="ctr"/>
             <a:r>
+              <a:rPr lang="en-US" altLang="ja-JP" sz="1000">
+                <a:latin typeface="Meiryo UI" panose="020B0604030504040204" pitchFamily="50" charset="-128"/>
+                <a:ea typeface="Meiryo UI" panose="020B0604030504040204" pitchFamily="50" charset="-128"/>
+              </a:rPr>
+              <a:t>Space</a:t>
+            </a:r>
+            <a:r>
               <a:rPr kumimoji="1" lang="en-US" altLang="ja-JP" sz="1000">
                 <a:latin typeface="Meiryo UI" panose="020B0604030504040204" pitchFamily="50" charset="-128"/>
                 <a:ea typeface="Meiryo UI" panose="020B0604030504040204" pitchFamily="50" charset="-128"/>
               </a:rPr>
-              <a:t>EventSelectionScreen</a:t>
+              <a:t>SelectionScreen</a:t>
             </a:r>
             <a:endParaRPr kumimoji="1" lang="ja-JP" altLang="en-US" sz="1000">
               <a:latin typeface="Meiryo UI" panose="020B0604030504040204" pitchFamily="50" charset="-128"/>
@@ -7283,7 +7317,7 @@
                 <a:latin typeface="Meiryo UI" panose="020B0604030504040204" pitchFamily="50" charset="-128"/>
                 <a:ea typeface="Meiryo UI" panose="020B0604030504040204" pitchFamily="50" charset="-128"/>
               </a:rPr>
-              <a:t>EventRoom</a:t>
+              <a:t>VirtualSpace</a:t>
             </a:r>
             <a:endParaRPr kumimoji="1" lang="ja-JP" altLang="en-US" sz="1000">
               <a:latin typeface="Meiryo UI" panose="020B0604030504040204" pitchFamily="50" charset="-128"/>
@@ -7841,7 +7875,7 @@
                 <a:latin typeface="Meiryo UI" panose="020B0604030504040204" pitchFamily="50" charset="-128"/>
                 <a:ea typeface="Meiryo UI" panose="020B0604030504040204" pitchFamily="50" charset="-128"/>
               </a:rPr>
-              <a:t>EventRoom</a:t>
+              <a:t>VirtualSpace</a:t>
             </a:r>
             <a:endParaRPr kumimoji="1" lang="ja-JP" altLang="en-US" sz="1000">
               <a:latin typeface="Meiryo UI" panose="020B0604030504040204" pitchFamily="50" charset="-128"/>

--- a/work/work.pptx
+++ b/work/work.pptx
@@ -262,7 +262,7 @@
           <a:p>
             <a:fld id="{DADCA3C0-8A91-47C6-9688-037592343C81}" type="datetimeFigureOut">
               <a:rPr kumimoji="1" lang="ja-JP" altLang="en-US" smtClean="0"/>
-              <a:t>2022/11/6</a:t>
+              <a:t>2022/11/8</a:t>
             </a:fld>
             <a:endParaRPr kumimoji="1" lang="ja-JP" altLang="en-US"/>
           </a:p>
@@ -492,7 +492,7 @@
           <a:p>
             <a:fld id="{DADCA3C0-8A91-47C6-9688-037592343C81}" type="datetimeFigureOut">
               <a:rPr kumimoji="1" lang="ja-JP" altLang="en-US" smtClean="0"/>
-              <a:t>2022/11/6</a:t>
+              <a:t>2022/11/8</a:t>
             </a:fld>
             <a:endParaRPr kumimoji="1" lang="ja-JP" altLang="en-US"/>
           </a:p>
@@ -732,7 +732,7 @@
           <a:p>
             <a:fld id="{DADCA3C0-8A91-47C6-9688-037592343C81}" type="datetimeFigureOut">
               <a:rPr kumimoji="1" lang="ja-JP" altLang="en-US" smtClean="0"/>
-              <a:t>2022/11/6</a:t>
+              <a:t>2022/11/8</a:t>
             </a:fld>
             <a:endParaRPr kumimoji="1" lang="ja-JP" altLang="en-US"/>
           </a:p>
@@ -962,7 +962,7 @@
           <a:p>
             <a:fld id="{DADCA3C0-8A91-47C6-9688-037592343C81}" type="datetimeFigureOut">
               <a:rPr kumimoji="1" lang="ja-JP" altLang="en-US" smtClean="0"/>
-              <a:t>2022/11/6</a:t>
+              <a:t>2022/11/8</a:t>
             </a:fld>
             <a:endParaRPr kumimoji="1" lang="ja-JP" altLang="en-US"/>
           </a:p>
@@ -1237,7 +1237,7 @@
           <a:p>
             <a:fld id="{DADCA3C0-8A91-47C6-9688-037592343C81}" type="datetimeFigureOut">
               <a:rPr kumimoji="1" lang="ja-JP" altLang="en-US" smtClean="0"/>
-              <a:t>2022/11/6</a:t>
+              <a:t>2022/11/8</a:t>
             </a:fld>
             <a:endParaRPr kumimoji="1" lang="ja-JP" altLang="en-US"/>
           </a:p>
@@ -1566,7 +1566,7 @@
           <a:p>
             <a:fld id="{DADCA3C0-8A91-47C6-9688-037592343C81}" type="datetimeFigureOut">
               <a:rPr kumimoji="1" lang="ja-JP" altLang="en-US" smtClean="0"/>
-              <a:t>2022/11/6</a:t>
+              <a:t>2022/11/8</a:t>
             </a:fld>
             <a:endParaRPr kumimoji="1" lang="ja-JP" altLang="en-US"/>
           </a:p>
@@ -2042,7 +2042,7 @@
           <a:p>
             <a:fld id="{DADCA3C0-8A91-47C6-9688-037592343C81}" type="datetimeFigureOut">
               <a:rPr kumimoji="1" lang="ja-JP" altLang="en-US" smtClean="0"/>
-              <a:t>2022/11/6</a:t>
+              <a:t>2022/11/8</a:t>
             </a:fld>
             <a:endParaRPr kumimoji="1" lang="ja-JP" altLang="en-US"/>
           </a:p>
@@ -2183,7 +2183,7 @@
           <a:p>
             <a:fld id="{DADCA3C0-8A91-47C6-9688-037592343C81}" type="datetimeFigureOut">
               <a:rPr kumimoji="1" lang="ja-JP" altLang="en-US" smtClean="0"/>
-              <a:t>2022/11/6</a:t>
+              <a:t>2022/11/8</a:t>
             </a:fld>
             <a:endParaRPr kumimoji="1" lang="ja-JP" altLang="en-US"/>
           </a:p>
@@ -2296,7 +2296,7 @@
           <a:p>
             <a:fld id="{DADCA3C0-8A91-47C6-9688-037592343C81}" type="datetimeFigureOut">
               <a:rPr kumimoji="1" lang="ja-JP" altLang="en-US" smtClean="0"/>
-              <a:t>2022/11/6</a:t>
+              <a:t>2022/11/8</a:t>
             </a:fld>
             <a:endParaRPr kumimoji="1" lang="ja-JP" altLang="en-US"/>
           </a:p>
@@ -2639,7 +2639,7 @@
           <a:p>
             <a:fld id="{DADCA3C0-8A91-47C6-9688-037592343C81}" type="datetimeFigureOut">
               <a:rPr kumimoji="1" lang="ja-JP" altLang="en-US" smtClean="0"/>
-              <a:t>2022/11/6</a:t>
+              <a:t>2022/11/8</a:t>
             </a:fld>
             <a:endParaRPr kumimoji="1" lang="ja-JP" altLang="en-US"/>
           </a:p>
@@ -2927,7 +2927,7 @@
           <a:p>
             <a:fld id="{DADCA3C0-8A91-47C6-9688-037592343C81}" type="datetimeFigureOut">
               <a:rPr kumimoji="1" lang="ja-JP" altLang="en-US" smtClean="0"/>
-              <a:t>2022/11/6</a:t>
+              <a:t>2022/11/8</a:t>
             </a:fld>
             <a:endParaRPr kumimoji="1" lang="ja-JP" altLang="en-US"/>
           </a:p>
@@ -3200,7 +3200,7 @@
           <a:p>
             <a:fld id="{DADCA3C0-8A91-47C6-9688-037592343C81}" type="datetimeFigureOut">
               <a:rPr kumimoji="1" lang="ja-JP" altLang="en-US" smtClean="0"/>
-              <a:t>2022/11/6</a:t>
+              <a:t>2022/11/8</a:t>
             </a:fld>
             <a:endParaRPr kumimoji="1" lang="ja-JP" altLang="en-US"/>
           </a:p>
@@ -5372,7 +5372,7 @@
                 <a:latin typeface="Meiryo UI" panose="020B0604030504040204" pitchFamily="50" charset="-128"/>
                 <a:ea typeface="Meiryo UI" panose="020B0604030504040204" pitchFamily="50" charset="-128"/>
               </a:rPr>
-              <a:t>TitleScree</a:t>
+              <a:t>TitleScreen</a:t>
             </a:r>
             <a:endParaRPr kumimoji="1" lang="ja-JP" altLang="en-US" sz="1000">
               <a:latin typeface="Meiryo UI" panose="020B0604030504040204" pitchFamily="50" charset="-128"/>

--- a/work/work.pptx
+++ b/work/work.pptx
@@ -262,7 +262,7 @@
           <a:p>
             <a:fld id="{DADCA3C0-8A91-47C6-9688-037592343C81}" type="datetimeFigureOut">
               <a:rPr kumimoji="1" lang="ja-JP" altLang="en-US" smtClean="0"/>
-              <a:t>2022/10/21</a:t>
+              <a:t>2022/11/8</a:t>
             </a:fld>
             <a:endParaRPr kumimoji="1" lang="ja-JP" altLang="en-US"/>
           </a:p>
@@ -492,7 +492,7 @@
           <a:p>
             <a:fld id="{DADCA3C0-8A91-47C6-9688-037592343C81}" type="datetimeFigureOut">
               <a:rPr kumimoji="1" lang="ja-JP" altLang="en-US" smtClean="0"/>
-              <a:t>2022/10/21</a:t>
+              <a:t>2022/11/8</a:t>
             </a:fld>
             <a:endParaRPr kumimoji="1" lang="ja-JP" altLang="en-US"/>
           </a:p>
@@ -732,7 +732,7 @@
           <a:p>
             <a:fld id="{DADCA3C0-8A91-47C6-9688-037592343C81}" type="datetimeFigureOut">
               <a:rPr kumimoji="1" lang="ja-JP" altLang="en-US" smtClean="0"/>
-              <a:t>2022/10/21</a:t>
+              <a:t>2022/11/8</a:t>
             </a:fld>
             <a:endParaRPr kumimoji="1" lang="ja-JP" altLang="en-US"/>
           </a:p>
@@ -962,7 +962,7 @@
           <a:p>
             <a:fld id="{DADCA3C0-8A91-47C6-9688-037592343C81}" type="datetimeFigureOut">
               <a:rPr kumimoji="1" lang="ja-JP" altLang="en-US" smtClean="0"/>
-              <a:t>2022/10/21</a:t>
+              <a:t>2022/11/8</a:t>
             </a:fld>
             <a:endParaRPr kumimoji="1" lang="ja-JP" altLang="en-US"/>
           </a:p>
@@ -1237,7 +1237,7 @@
           <a:p>
             <a:fld id="{DADCA3C0-8A91-47C6-9688-037592343C81}" type="datetimeFigureOut">
               <a:rPr kumimoji="1" lang="ja-JP" altLang="en-US" smtClean="0"/>
-              <a:t>2022/10/21</a:t>
+              <a:t>2022/11/8</a:t>
             </a:fld>
             <a:endParaRPr kumimoji="1" lang="ja-JP" altLang="en-US"/>
           </a:p>
@@ -1566,7 +1566,7 @@
           <a:p>
             <a:fld id="{DADCA3C0-8A91-47C6-9688-037592343C81}" type="datetimeFigureOut">
               <a:rPr kumimoji="1" lang="ja-JP" altLang="en-US" smtClean="0"/>
-              <a:t>2022/10/21</a:t>
+              <a:t>2022/11/8</a:t>
             </a:fld>
             <a:endParaRPr kumimoji="1" lang="ja-JP" altLang="en-US"/>
           </a:p>
@@ -2042,7 +2042,7 @@
           <a:p>
             <a:fld id="{DADCA3C0-8A91-47C6-9688-037592343C81}" type="datetimeFigureOut">
               <a:rPr kumimoji="1" lang="ja-JP" altLang="en-US" smtClean="0"/>
-              <a:t>2022/10/21</a:t>
+              <a:t>2022/11/8</a:t>
             </a:fld>
             <a:endParaRPr kumimoji="1" lang="ja-JP" altLang="en-US"/>
           </a:p>
@@ -2183,7 +2183,7 @@
           <a:p>
             <a:fld id="{DADCA3C0-8A91-47C6-9688-037592343C81}" type="datetimeFigureOut">
               <a:rPr kumimoji="1" lang="ja-JP" altLang="en-US" smtClean="0"/>
-              <a:t>2022/10/21</a:t>
+              <a:t>2022/11/8</a:t>
             </a:fld>
             <a:endParaRPr kumimoji="1" lang="ja-JP" altLang="en-US"/>
           </a:p>
@@ -2296,7 +2296,7 @@
           <a:p>
             <a:fld id="{DADCA3C0-8A91-47C6-9688-037592343C81}" type="datetimeFigureOut">
               <a:rPr kumimoji="1" lang="ja-JP" altLang="en-US" smtClean="0"/>
-              <a:t>2022/10/21</a:t>
+              <a:t>2022/11/8</a:t>
             </a:fld>
             <a:endParaRPr kumimoji="1" lang="ja-JP" altLang="en-US"/>
           </a:p>
@@ -2639,7 +2639,7 @@
           <a:p>
             <a:fld id="{DADCA3C0-8A91-47C6-9688-037592343C81}" type="datetimeFigureOut">
               <a:rPr kumimoji="1" lang="ja-JP" altLang="en-US" smtClean="0"/>
-              <a:t>2022/10/21</a:t>
+              <a:t>2022/11/8</a:t>
             </a:fld>
             <a:endParaRPr kumimoji="1" lang="ja-JP" altLang="en-US"/>
           </a:p>
@@ -2927,7 +2927,7 @@
           <a:p>
             <a:fld id="{DADCA3C0-8A91-47C6-9688-037592343C81}" type="datetimeFigureOut">
               <a:rPr kumimoji="1" lang="ja-JP" altLang="en-US" smtClean="0"/>
-              <a:t>2022/10/21</a:t>
+              <a:t>2022/11/8</a:t>
             </a:fld>
             <a:endParaRPr kumimoji="1" lang="ja-JP" altLang="en-US"/>
           </a:p>
@@ -3200,7 +3200,7 @@
           <a:p>
             <a:fld id="{DADCA3C0-8A91-47C6-9688-037592343C81}" type="datetimeFigureOut">
               <a:rPr kumimoji="1" lang="ja-JP" altLang="en-US" smtClean="0"/>
-              <a:t>2022/10/21</a:t>
+              <a:t>2022/11/8</a:t>
             </a:fld>
             <a:endParaRPr kumimoji="1" lang="ja-JP" altLang="en-US"/>
           </a:p>
@@ -3883,7 +3883,7 @@
                 <a:latin typeface="Meiryo UI" panose="020B0604030504040204" pitchFamily="50" charset="-128"/>
                 <a:ea typeface="Meiryo UI" panose="020B0604030504040204" pitchFamily="50" charset="-128"/>
               </a:rPr>
-              <a:t>SceneTransition</a:t>
+              <a:t>Stage Navigation</a:t>
             </a:r>
             <a:endParaRPr kumimoji="1" lang="ja-JP" altLang="en-US" sz="1200">
               <a:latin typeface="Meiryo UI" panose="020B0604030504040204" pitchFamily="50" charset="-128"/>
@@ -4011,7 +4011,7 @@
                 <a:latin typeface="Meiryo UI" panose="020B0604030504040204" pitchFamily="50" charset="-128"/>
                 <a:ea typeface="Meiryo UI" panose="020B0604030504040204" pitchFamily="50" charset="-128"/>
               </a:rPr>
-              <a:t>ResourceProvider</a:t>
+              <a:t>Resource Provider</a:t>
             </a:r>
             <a:endParaRPr kumimoji="1" lang="ja-JP" altLang="en-US" sz="1200">
               <a:latin typeface="Meiryo UI" panose="020B0604030504040204" pitchFamily="50" charset="-128"/>
@@ -5124,7 +5124,7 @@
                 <a:latin typeface="Meiryo UI" panose="020B0604030504040204" pitchFamily="50" charset="-128"/>
                 <a:ea typeface="Meiryo UI" panose="020B0604030504040204" pitchFamily="50" charset="-128"/>
               </a:rPr>
-              <a:t>Scene</a:t>
+              <a:t>TitleScreen</a:t>
             </a:r>
             <a:endParaRPr kumimoji="1" lang="ja-JP" altLang="en-US" sz="1000">
               <a:latin typeface="Meiryo UI" panose="020B0604030504040204" pitchFamily="50" charset="-128"/>
@@ -5186,7 +5186,7 @@
                 <a:latin typeface="Meiryo UI" panose="020B0604030504040204" pitchFamily="50" charset="-128"/>
                 <a:ea typeface="Meiryo UI" panose="020B0604030504040204" pitchFamily="50" charset="-128"/>
               </a:rPr>
-              <a:t>Main</a:t>
+              <a:t>App</a:t>
             </a:r>
             <a:endParaRPr kumimoji="1" lang="ja-JP" altLang="en-US" sz="1000">
               <a:latin typeface="Meiryo UI" panose="020B0604030504040204" pitchFamily="50" charset="-128"/>
@@ -5244,7 +5244,7 @@
           <a:p>
             <a:pPr algn="ctr"/>
             <a:r>
-              <a:rPr kumimoji="1" lang="en-US" altLang="ja-JP" sz="1000" err="1">
+              <a:rPr kumimoji="1" lang="en-US" altLang="ja-JP" sz="1000">
                 <a:latin typeface="Meiryo UI" panose="020B0604030504040204" pitchFamily="50" charset="-128"/>
                 <a:ea typeface="Meiryo UI" panose="020B0604030504040204" pitchFamily="50" charset="-128"/>
               </a:rPr>
@@ -5306,7 +5306,7 @@
           <a:p>
             <a:pPr algn="ctr"/>
             <a:r>
-              <a:rPr kumimoji="1" lang="en-US" altLang="ja-JP" sz="1000" err="1">
+              <a:rPr kumimoji="1" lang="en-US" altLang="ja-JP" sz="1000">
                 <a:latin typeface="Meiryo UI" panose="020B0604030504040204" pitchFamily="50" charset="-128"/>
                 <a:ea typeface="Meiryo UI" panose="020B0604030504040204" pitchFamily="50" charset="-128"/>
               </a:rPr>
@@ -5372,7 +5372,7 @@
                 <a:latin typeface="Meiryo UI" panose="020B0604030504040204" pitchFamily="50" charset="-128"/>
                 <a:ea typeface="Meiryo UI" panose="020B0604030504040204" pitchFamily="50" charset="-128"/>
               </a:rPr>
-              <a:t>TitleStage</a:t>
+              <a:t>TitleScreen</a:t>
             </a:r>
             <a:endParaRPr kumimoji="1" lang="ja-JP" altLang="en-US" sz="1000">
               <a:latin typeface="Meiryo UI" panose="020B0604030504040204" pitchFamily="50" charset="-128"/>
@@ -5731,7 +5731,7 @@
                 <a:latin typeface="Meiryo UI" panose="020B0604030504040204" pitchFamily="50" charset="-128"/>
                 <a:ea typeface="Meiryo UI" panose="020B0604030504040204" pitchFamily="50" charset="-128"/>
               </a:rPr>
-              <a:t>Title page</a:t>
+              <a:t>Title screen</a:t>
             </a:r>
             <a:endParaRPr kumimoji="1" lang="ja-JP" altLang="en-US" sz="1200">
               <a:solidFill>
@@ -5757,8 +5757,8 @@
         </p:nvSpPr>
         <p:spPr>
           <a:xfrm>
-            <a:off x="2945817" y="523189"/>
-            <a:ext cx="1829282" cy="341919"/>
+            <a:off x="2902163" y="526858"/>
+            <a:ext cx="1927862" cy="341919"/>
           </a:xfrm>
           <a:prstGeom prst="rect">
             <a:avLst/>
@@ -5797,7 +5797,7 @@
                 <a:latin typeface="Meiryo UI" panose="020B0604030504040204" pitchFamily="50" charset="-128"/>
                 <a:ea typeface="Meiryo UI" panose="020B0604030504040204" pitchFamily="50" charset="-128"/>
               </a:rPr>
-              <a:t>Avatar selection page</a:t>
+              <a:t>Avatar selection screen</a:t>
             </a:r>
             <a:endParaRPr kumimoji="1" lang="ja-JP" altLang="en-US" sz="1200">
               <a:solidFill>
@@ -5823,8 +5823,8 @@
         </p:nvSpPr>
         <p:spPr>
           <a:xfrm>
-            <a:off x="5408710" y="521624"/>
-            <a:ext cx="1829282" cy="341919"/>
+            <a:off x="5365056" y="526858"/>
+            <a:ext cx="1927862" cy="341919"/>
           </a:xfrm>
           <a:prstGeom prst="rect">
             <a:avLst/>
@@ -5863,7 +5863,7 @@
                 <a:latin typeface="Meiryo UI" panose="020B0604030504040204" pitchFamily="50" charset="-128"/>
                 <a:ea typeface="Meiryo UI" panose="020B0604030504040204" pitchFamily="50" charset="-128"/>
               </a:rPr>
-              <a:t>Event selection page</a:t>
+              <a:t>Space selection screen</a:t>
             </a:r>
             <a:endParaRPr kumimoji="1" lang="ja-JP" altLang="en-US" sz="1200">
               <a:solidFill>
@@ -5929,7 +5929,27 @@
                 <a:latin typeface="Meiryo UI" panose="020B0604030504040204" pitchFamily="50" charset="-128"/>
                 <a:ea typeface="Meiryo UI" panose="020B0604030504040204" pitchFamily="50" charset="-128"/>
               </a:rPr>
-              <a:t>Event room</a:t>
+              <a:t>Virtual</a:t>
+            </a:r>
+            <a:r>
+              <a:rPr kumimoji="1" lang="ja-JP" altLang="en-US" sz="1200">
+                <a:solidFill>
+                  <a:schemeClr val="tx2"/>
+                </a:solidFill>
+                <a:latin typeface="Meiryo UI" panose="020B0604030504040204" pitchFamily="50" charset="-128"/>
+                <a:ea typeface="Meiryo UI" panose="020B0604030504040204" pitchFamily="50" charset="-128"/>
+              </a:rPr>
+              <a:t> </a:t>
+            </a:r>
+            <a:r>
+              <a:rPr kumimoji="1" lang="en-US" altLang="ja-JP" sz="1200">
+                <a:solidFill>
+                  <a:schemeClr val="tx2"/>
+                </a:solidFill>
+                <a:latin typeface="Meiryo UI" panose="020B0604030504040204" pitchFamily="50" charset="-128"/>
+                <a:ea typeface="Meiryo UI" panose="020B0604030504040204" pitchFamily="50" charset="-128"/>
+              </a:rPr>
+              <a:t>space</a:t>
             </a:r>
             <a:endParaRPr kumimoji="1" lang="ja-JP" altLang="en-US" sz="1200">
               <a:solidFill>
@@ -6339,7 +6359,7 @@
                 <a:latin typeface="Meiryo UI" panose="020B0604030504040204" pitchFamily="50" charset="-128"/>
                 <a:ea typeface="Meiryo UI" panose="020B0604030504040204" pitchFamily="50" charset="-128"/>
               </a:rPr>
-              <a:t>Scene</a:t>
+              <a:t>AvatarSelectionScreen</a:t>
             </a:r>
             <a:endParaRPr kumimoji="1" lang="ja-JP" altLang="en-US" sz="1000">
               <a:latin typeface="Meiryo UI" panose="020B0604030504040204" pitchFamily="50" charset="-128"/>
@@ -6401,7 +6421,7 @@
                 <a:latin typeface="Meiryo UI" panose="020B0604030504040204" pitchFamily="50" charset="-128"/>
                 <a:ea typeface="Meiryo UI" panose="020B0604030504040204" pitchFamily="50" charset="-128"/>
               </a:rPr>
-              <a:t>Main</a:t>
+              <a:t>App</a:t>
             </a:r>
             <a:endParaRPr kumimoji="1" lang="ja-JP" altLang="en-US" sz="1000">
               <a:latin typeface="Meiryo UI" panose="020B0604030504040204" pitchFamily="50" charset="-128"/>
@@ -6459,6 +6479,454 @@
           <a:p>
             <a:pPr algn="ctr"/>
             <a:r>
+              <a:rPr kumimoji="1" lang="en-US" altLang="ja-JP" sz="1000">
+                <a:latin typeface="Meiryo UI" panose="020B0604030504040204" pitchFamily="50" charset="-128"/>
+                <a:ea typeface="Meiryo UI" panose="020B0604030504040204" pitchFamily="50" charset="-128"/>
+              </a:rPr>
+              <a:t>CameraControl</a:t>
+            </a:r>
+            <a:endParaRPr kumimoji="1" lang="ja-JP" altLang="en-US" sz="1000">
+              <a:latin typeface="Meiryo UI" panose="020B0604030504040204" pitchFamily="50" charset="-128"/>
+              <a:ea typeface="Meiryo UI" panose="020B0604030504040204" pitchFamily="50" charset="-128"/>
+            </a:endParaRPr>
+          </a:p>
+        </p:txBody>
+      </p:sp>
+      <p:sp>
+        <p:nvSpPr>
+          <p:cNvPr id="140" name="正方形/長方形 139">
+            <a:extLst>
+              <a:ext uri="{FF2B5EF4-FFF2-40B4-BE49-F238E27FC236}">
+                <a16:creationId xmlns:a16="http://schemas.microsoft.com/office/drawing/2014/main" id="{58079B81-B42D-4FB3-B463-1B3C0146F3BF}"/>
+              </a:ext>
+            </a:extLst>
+          </p:cNvPr>
+          <p:cNvSpPr/>
+          <p:nvPr/>
+        </p:nvSpPr>
+        <p:spPr>
+          <a:xfrm>
+            <a:off x="3047891" y="3272185"/>
+            <a:ext cx="1626768" cy="259099"/>
+          </a:xfrm>
+          <a:prstGeom prst="rect">
+            <a:avLst/>
+          </a:prstGeom>
+          <a:solidFill>
+            <a:schemeClr val="tx2"/>
+          </a:solidFill>
+          <a:ln>
+            <a:noFill/>
+          </a:ln>
+        </p:spPr>
+        <p:style>
+          <a:lnRef idx="2">
+            <a:schemeClr val="accent1">
+              <a:shade val="50000"/>
+            </a:schemeClr>
+          </a:lnRef>
+          <a:fillRef idx="1">
+            <a:schemeClr val="accent1"/>
+          </a:fillRef>
+          <a:effectRef idx="0">
+            <a:schemeClr val="accent1"/>
+          </a:effectRef>
+          <a:fontRef idx="minor">
+            <a:schemeClr val="lt1"/>
+          </a:fontRef>
+        </p:style>
+        <p:txBody>
+          <a:bodyPr rtlCol="0" anchor="ctr"/>
+          <a:lstStyle/>
+          <a:p>
+            <a:pPr algn="ctr"/>
+            <a:r>
+              <a:rPr kumimoji="1" lang="en-US" altLang="ja-JP" sz="1000">
+                <a:latin typeface="Meiryo UI" panose="020B0604030504040204" pitchFamily="50" charset="-128"/>
+                <a:ea typeface="Meiryo UI" panose="020B0604030504040204" pitchFamily="50" charset="-128"/>
+              </a:rPr>
+              <a:t>InputControl</a:t>
+            </a:r>
+            <a:endParaRPr kumimoji="1" lang="ja-JP" altLang="en-US" sz="1000">
+              <a:latin typeface="Meiryo UI" panose="020B0604030504040204" pitchFamily="50" charset="-128"/>
+              <a:ea typeface="Meiryo UI" panose="020B0604030504040204" pitchFamily="50" charset="-128"/>
+            </a:endParaRPr>
+          </a:p>
+        </p:txBody>
+      </p:sp>
+      <p:sp>
+        <p:nvSpPr>
+          <p:cNvPr id="141" name="正方形/長方形 140">
+            <a:extLst>
+              <a:ext uri="{FF2B5EF4-FFF2-40B4-BE49-F238E27FC236}">
+                <a16:creationId xmlns:a16="http://schemas.microsoft.com/office/drawing/2014/main" id="{776C5B74-F8BE-4D31-9262-3E339C78FE33}"/>
+              </a:ext>
+            </a:extLst>
+          </p:cNvPr>
+          <p:cNvSpPr/>
+          <p:nvPr/>
+        </p:nvSpPr>
+        <p:spPr>
+          <a:xfrm>
+            <a:off x="3054230" y="3582976"/>
+            <a:ext cx="1626768" cy="259099"/>
+          </a:xfrm>
+          <a:prstGeom prst="rect">
+            <a:avLst/>
+          </a:prstGeom>
+          <a:solidFill>
+            <a:schemeClr val="tx2"/>
+          </a:solidFill>
+          <a:ln>
+            <a:noFill/>
+          </a:ln>
+        </p:spPr>
+        <p:style>
+          <a:lnRef idx="2">
+            <a:schemeClr val="accent1">
+              <a:shade val="50000"/>
+            </a:schemeClr>
+          </a:lnRef>
+          <a:fillRef idx="1">
+            <a:schemeClr val="accent1"/>
+          </a:fillRef>
+          <a:effectRef idx="0">
+            <a:schemeClr val="accent1"/>
+          </a:effectRef>
+          <a:fontRef idx="minor">
+            <a:schemeClr val="lt1"/>
+          </a:fontRef>
+        </p:style>
+        <p:txBody>
+          <a:bodyPr rtlCol="0" anchor="ctr"/>
+          <a:lstStyle/>
+          <a:p>
+            <a:pPr algn="ctr"/>
+            <a:r>
+              <a:rPr kumimoji="1" lang="en-US" altLang="ja-JP" sz="1000">
+                <a:latin typeface="Meiryo UI" panose="020B0604030504040204" pitchFamily="50" charset="-128"/>
+                <a:ea typeface="Meiryo UI" panose="020B0604030504040204" pitchFamily="50" charset="-128"/>
+              </a:rPr>
+              <a:t>NetworkControl</a:t>
+            </a:r>
+            <a:endParaRPr kumimoji="1" lang="ja-JP" altLang="en-US" sz="1000">
+              <a:latin typeface="Meiryo UI" panose="020B0604030504040204" pitchFamily="50" charset="-128"/>
+              <a:ea typeface="Meiryo UI" panose="020B0604030504040204" pitchFamily="50" charset="-128"/>
+            </a:endParaRPr>
+          </a:p>
+        </p:txBody>
+      </p:sp>
+      <p:sp>
+        <p:nvSpPr>
+          <p:cNvPr id="142" name="正方形/長方形 141">
+            <a:extLst>
+              <a:ext uri="{FF2B5EF4-FFF2-40B4-BE49-F238E27FC236}">
+                <a16:creationId xmlns:a16="http://schemas.microsoft.com/office/drawing/2014/main" id="{4C882D40-B175-4F55-9ECE-369336DFF436}"/>
+              </a:ext>
+            </a:extLst>
+          </p:cNvPr>
+          <p:cNvSpPr/>
+          <p:nvPr/>
+        </p:nvSpPr>
+        <p:spPr>
+          <a:xfrm>
+            <a:off x="3057544" y="3893767"/>
+            <a:ext cx="1626768" cy="259099"/>
+          </a:xfrm>
+          <a:prstGeom prst="rect">
+            <a:avLst/>
+          </a:prstGeom>
+          <a:solidFill>
+            <a:schemeClr val="tx2"/>
+          </a:solidFill>
+          <a:ln>
+            <a:noFill/>
+          </a:ln>
+        </p:spPr>
+        <p:style>
+          <a:lnRef idx="2">
+            <a:schemeClr val="accent1">
+              <a:shade val="50000"/>
+            </a:schemeClr>
+          </a:lnRef>
+          <a:fillRef idx="1">
+            <a:schemeClr val="accent1"/>
+          </a:fillRef>
+          <a:effectRef idx="0">
+            <a:schemeClr val="accent1"/>
+          </a:effectRef>
+          <a:fontRef idx="minor">
+            <a:schemeClr val="lt1"/>
+          </a:fontRef>
+        </p:style>
+        <p:txBody>
+          <a:bodyPr rtlCol="0" anchor="ctr"/>
+          <a:lstStyle/>
+          <a:p>
+            <a:pPr algn="ctr"/>
+            <a:r>
+              <a:rPr kumimoji="1" lang="en-US" altLang="ja-JP" sz="1000">
+                <a:latin typeface="Meiryo UI" panose="020B0604030504040204" pitchFamily="50" charset="-128"/>
+                <a:ea typeface="Meiryo UI" panose="020B0604030504040204" pitchFamily="50" charset="-128"/>
+              </a:rPr>
+              <a:t>PlayerControl</a:t>
+            </a:r>
+            <a:endParaRPr kumimoji="1" lang="ja-JP" altLang="en-US" sz="1000">
+              <a:latin typeface="Meiryo UI" panose="020B0604030504040204" pitchFamily="50" charset="-128"/>
+              <a:ea typeface="Meiryo UI" panose="020B0604030504040204" pitchFamily="50" charset="-128"/>
+            </a:endParaRPr>
+          </a:p>
+        </p:txBody>
+      </p:sp>
+      <p:sp>
+        <p:nvSpPr>
+          <p:cNvPr id="143" name="正方形/長方形 142">
+            <a:extLst>
+              <a:ext uri="{FF2B5EF4-FFF2-40B4-BE49-F238E27FC236}">
+                <a16:creationId xmlns:a16="http://schemas.microsoft.com/office/drawing/2014/main" id="{EADC5B07-C306-49FA-A9AE-F1A387D805C5}"/>
+              </a:ext>
+            </a:extLst>
+          </p:cNvPr>
+          <p:cNvSpPr/>
+          <p:nvPr/>
+        </p:nvSpPr>
+        <p:spPr>
+          <a:xfrm>
+            <a:off x="3057544" y="4201305"/>
+            <a:ext cx="1626768" cy="259099"/>
+          </a:xfrm>
+          <a:prstGeom prst="rect">
+            <a:avLst/>
+          </a:prstGeom>
+          <a:solidFill>
+            <a:schemeClr val="tx2"/>
+          </a:solidFill>
+          <a:ln>
+            <a:noFill/>
+          </a:ln>
+        </p:spPr>
+        <p:style>
+          <a:lnRef idx="2">
+            <a:schemeClr val="accent1">
+              <a:shade val="50000"/>
+            </a:schemeClr>
+          </a:lnRef>
+          <a:fillRef idx="1">
+            <a:schemeClr val="accent1"/>
+          </a:fillRef>
+          <a:effectRef idx="0">
+            <a:schemeClr val="accent1"/>
+          </a:effectRef>
+          <a:fontRef idx="minor">
+            <a:schemeClr val="lt1"/>
+          </a:fontRef>
+        </p:style>
+        <p:txBody>
+          <a:bodyPr rtlCol="0" anchor="ctr"/>
+          <a:lstStyle/>
+          <a:p>
+            <a:pPr algn="ctr"/>
+            <a:r>
+              <a:rPr kumimoji="1" lang="en-US" altLang="ja-JP" sz="1000">
+                <a:latin typeface="Meiryo UI" panose="020B0604030504040204" pitchFamily="50" charset="-128"/>
+                <a:ea typeface="Meiryo UI" panose="020B0604030504040204" pitchFamily="50" charset="-128"/>
+              </a:rPr>
+              <a:t>AvatarSelectionScreen</a:t>
+            </a:r>
+            <a:endParaRPr kumimoji="1" lang="ja-JP" altLang="en-US" sz="1000">
+              <a:latin typeface="Meiryo UI" panose="020B0604030504040204" pitchFamily="50" charset="-128"/>
+              <a:ea typeface="Meiryo UI" panose="020B0604030504040204" pitchFamily="50" charset="-128"/>
+            </a:endParaRPr>
+          </a:p>
+        </p:txBody>
+      </p:sp>
+      <p:sp>
+        <p:nvSpPr>
+          <p:cNvPr id="144" name="正方形/長方形 143">
+            <a:extLst>
+              <a:ext uri="{FF2B5EF4-FFF2-40B4-BE49-F238E27FC236}">
+                <a16:creationId xmlns:a16="http://schemas.microsoft.com/office/drawing/2014/main" id="{129F975E-DA92-4F82-85FF-80C4B602D2CC}"/>
+              </a:ext>
+            </a:extLst>
+          </p:cNvPr>
+          <p:cNvSpPr/>
+          <p:nvPr/>
+        </p:nvSpPr>
+        <p:spPr>
+          <a:xfrm>
+            <a:off x="5406873" y="2148430"/>
+            <a:ext cx="1829282" cy="2745787"/>
+          </a:xfrm>
+          <a:prstGeom prst="rect">
+            <a:avLst/>
+          </a:prstGeom>
+          <a:solidFill>
+            <a:schemeClr val="accent5"/>
+          </a:solidFill>
+          <a:ln>
+            <a:noFill/>
+          </a:ln>
+        </p:spPr>
+        <p:style>
+          <a:lnRef idx="2">
+            <a:schemeClr val="accent1">
+              <a:shade val="50000"/>
+            </a:schemeClr>
+          </a:lnRef>
+          <a:fillRef idx="1">
+            <a:schemeClr val="accent1"/>
+          </a:fillRef>
+          <a:effectRef idx="0">
+            <a:schemeClr val="accent1"/>
+          </a:effectRef>
+          <a:fontRef idx="minor">
+            <a:schemeClr val="lt1"/>
+          </a:fontRef>
+        </p:style>
+        <p:txBody>
+          <a:bodyPr rtlCol="0" anchor="t"/>
+          <a:lstStyle/>
+          <a:p>
+            <a:pPr algn="ctr"/>
+            <a:endParaRPr kumimoji="1" lang="en-US" altLang="ja-JP" sz="1000">
+              <a:latin typeface="Meiryo UI" panose="020B0604030504040204" pitchFamily="50" charset="-128"/>
+              <a:ea typeface="Meiryo UI" panose="020B0604030504040204" pitchFamily="50" charset="-128"/>
+            </a:endParaRPr>
+          </a:p>
+          <a:p>
+            <a:pPr algn="ctr"/>
+            <a:r>
+              <a:rPr lang="en-US" altLang="ja-JP" sz="1000">
+                <a:latin typeface="Meiryo UI" panose="020B0604030504040204" pitchFamily="50" charset="-128"/>
+                <a:ea typeface="Meiryo UI" panose="020B0604030504040204" pitchFamily="50" charset="-128"/>
+              </a:rPr>
+              <a:t>Space</a:t>
+            </a:r>
+            <a:r>
+              <a:rPr kumimoji="1" lang="en-US" altLang="ja-JP" sz="1000">
+                <a:latin typeface="Meiryo UI" panose="020B0604030504040204" pitchFamily="50" charset="-128"/>
+                <a:ea typeface="Meiryo UI" panose="020B0604030504040204" pitchFamily="50" charset="-128"/>
+              </a:rPr>
+              <a:t>SelectionScreen</a:t>
+            </a:r>
+            <a:endParaRPr kumimoji="1" lang="ja-JP" altLang="en-US" sz="1000">
+              <a:latin typeface="Meiryo UI" panose="020B0604030504040204" pitchFamily="50" charset="-128"/>
+              <a:ea typeface="Meiryo UI" panose="020B0604030504040204" pitchFamily="50" charset="-128"/>
+            </a:endParaRPr>
+          </a:p>
+        </p:txBody>
+      </p:sp>
+      <p:sp>
+        <p:nvSpPr>
+          <p:cNvPr id="145" name="正方形/長方形 144">
+            <a:extLst>
+              <a:ext uri="{FF2B5EF4-FFF2-40B4-BE49-F238E27FC236}">
+                <a16:creationId xmlns:a16="http://schemas.microsoft.com/office/drawing/2014/main" id="{60D8A70F-4D43-4BBD-80DD-73E2DBF2C917}"/>
+              </a:ext>
+            </a:extLst>
+          </p:cNvPr>
+          <p:cNvSpPr/>
+          <p:nvPr/>
+        </p:nvSpPr>
+        <p:spPr>
+          <a:xfrm>
+            <a:off x="5515603" y="2645246"/>
+            <a:ext cx="1626768" cy="259099"/>
+          </a:xfrm>
+          <a:prstGeom prst="rect">
+            <a:avLst/>
+          </a:prstGeom>
+          <a:solidFill>
+            <a:schemeClr val="tx2"/>
+          </a:solidFill>
+          <a:ln>
+            <a:noFill/>
+          </a:ln>
+        </p:spPr>
+        <p:style>
+          <a:lnRef idx="2">
+            <a:schemeClr val="accent1">
+              <a:shade val="50000"/>
+            </a:schemeClr>
+          </a:lnRef>
+          <a:fillRef idx="1">
+            <a:schemeClr val="accent1"/>
+          </a:fillRef>
+          <a:effectRef idx="0">
+            <a:schemeClr val="accent1"/>
+          </a:effectRef>
+          <a:fontRef idx="minor">
+            <a:schemeClr val="lt1"/>
+          </a:fontRef>
+        </p:style>
+        <p:txBody>
+          <a:bodyPr rtlCol="0" anchor="ctr"/>
+          <a:lstStyle/>
+          <a:p>
+            <a:pPr algn="ctr"/>
+            <a:r>
+              <a:rPr kumimoji="1" lang="en-US" altLang="ja-JP" sz="1000">
+                <a:latin typeface="Meiryo UI" panose="020B0604030504040204" pitchFamily="50" charset="-128"/>
+                <a:ea typeface="Meiryo UI" panose="020B0604030504040204" pitchFamily="50" charset="-128"/>
+              </a:rPr>
+              <a:t>App</a:t>
+            </a:r>
+            <a:endParaRPr kumimoji="1" lang="ja-JP" altLang="en-US" sz="1000">
+              <a:latin typeface="Meiryo UI" panose="020B0604030504040204" pitchFamily="50" charset="-128"/>
+              <a:ea typeface="Meiryo UI" panose="020B0604030504040204" pitchFamily="50" charset="-128"/>
+            </a:endParaRPr>
+          </a:p>
+        </p:txBody>
+      </p:sp>
+      <p:sp>
+        <p:nvSpPr>
+          <p:cNvPr id="146" name="正方形/長方形 145">
+            <a:extLst>
+              <a:ext uri="{FF2B5EF4-FFF2-40B4-BE49-F238E27FC236}">
+                <a16:creationId xmlns:a16="http://schemas.microsoft.com/office/drawing/2014/main" id="{553021E5-9632-4795-8623-34287211D53D}"/>
+              </a:ext>
+            </a:extLst>
+          </p:cNvPr>
+          <p:cNvSpPr/>
+          <p:nvPr/>
+        </p:nvSpPr>
+        <p:spPr>
+          <a:xfrm>
+            <a:off x="5510784" y="2957243"/>
+            <a:ext cx="1626768" cy="259099"/>
+          </a:xfrm>
+          <a:prstGeom prst="rect">
+            <a:avLst/>
+          </a:prstGeom>
+          <a:solidFill>
+            <a:schemeClr val="tx2"/>
+          </a:solidFill>
+          <a:ln>
+            <a:noFill/>
+          </a:ln>
+        </p:spPr>
+        <p:style>
+          <a:lnRef idx="2">
+            <a:schemeClr val="accent1">
+              <a:shade val="50000"/>
+            </a:schemeClr>
+          </a:lnRef>
+          <a:fillRef idx="1">
+            <a:schemeClr val="accent1"/>
+          </a:fillRef>
+          <a:effectRef idx="0">
+            <a:schemeClr val="accent1"/>
+          </a:effectRef>
+          <a:fontRef idx="minor">
+            <a:schemeClr val="lt1"/>
+          </a:fontRef>
+        </p:style>
+        <p:txBody>
+          <a:bodyPr rtlCol="0" anchor="ctr"/>
+          <a:lstStyle/>
+          <a:p>
+            <a:pPr algn="ctr"/>
+            <a:r>
               <a:rPr kumimoji="1" lang="en-US" altLang="ja-JP" sz="1000" err="1">
                 <a:latin typeface="Meiryo UI" panose="020B0604030504040204" pitchFamily="50" charset="-128"/>
                 <a:ea typeface="Meiryo UI" panose="020B0604030504040204" pitchFamily="50" charset="-128"/>
@@ -6474,10 +6942,10 @@
       </p:sp>
       <p:sp>
         <p:nvSpPr>
-          <p:cNvPr id="140" name="正方形/長方形 139">
-            <a:extLst>
-              <a:ext uri="{FF2B5EF4-FFF2-40B4-BE49-F238E27FC236}">
-                <a16:creationId xmlns:a16="http://schemas.microsoft.com/office/drawing/2014/main" id="{58079B81-B42D-4FB3-B463-1B3C0146F3BF}"/>
+          <p:cNvPr id="147" name="正方形/長方形 146">
+            <a:extLst>
+              <a:ext uri="{FF2B5EF4-FFF2-40B4-BE49-F238E27FC236}">
+                <a16:creationId xmlns:a16="http://schemas.microsoft.com/office/drawing/2014/main" id="{97358E12-9536-44C7-983E-0CBDF32A7028}"/>
               </a:ext>
             </a:extLst>
           </p:cNvPr>
@@ -6486,7 +6954,7 @@
         </p:nvSpPr>
         <p:spPr>
           <a:xfrm>
-            <a:off x="3047891" y="3272185"/>
+            <a:off x="5510784" y="3272185"/>
             <a:ext cx="1626768" cy="259099"/>
           </a:xfrm>
           <a:prstGeom prst="rect">
@@ -6536,10 +7004,10 @@
       </p:sp>
       <p:sp>
         <p:nvSpPr>
-          <p:cNvPr id="141" name="正方形/長方形 140">
-            <a:extLst>
-              <a:ext uri="{FF2B5EF4-FFF2-40B4-BE49-F238E27FC236}">
-                <a16:creationId xmlns:a16="http://schemas.microsoft.com/office/drawing/2014/main" id="{776C5B74-F8BE-4D31-9262-3E339C78FE33}"/>
+          <p:cNvPr id="148" name="正方形/長方形 147">
+            <a:extLst>
+              <a:ext uri="{FF2B5EF4-FFF2-40B4-BE49-F238E27FC236}">
+                <a16:creationId xmlns:a16="http://schemas.microsoft.com/office/drawing/2014/main" id="{018D1B63-0E15-4DD1-A484-4C78AE13518E}"/>
               </a:ext>
             </a:extLst>
           </p:cNvPr>
@@ -6548,7 +7016,7 @@
         </p:nvSpPr>
         <p:spPr>
           <a:xfrm>
-            <a:off x="3054230" y="3582976"/>
+            <a:off x="5517123" y="3582976"/>
             <a:ext cx="1626768" cy="259099"/>
           </a:xfrm>
           <a:prstGeom prst="rect">
@@ -6598,10 +7066,10 @@
       </p:sp>
       <p:sp>
         <p:nvSpPr>
-          <p:cNvPr id="142" name="正方形/長方形 141">
-            <a:extLst>
-              <a:ext uri="{FF2B5EF4-FFF2-40B4-BE49-F238E27FC236}">
-                <a16:creationId xmlns:a16="http://schemas.microsoft.com/office/drawing/2014/main" id="{4C882D40-B175-4F55-9ECE-369336DFF436}"/>
+          <p:cNvPr id="149" name="正方形/長方形 148">
+            <a:extLst>
+              <a:ext uri="{FF2B5EF4-FFF2-40B4-BE49-F238E27FC236}">
+                <a16:creationId xmlns:a16="http://schemas.microsoft.com/office/drawing/2014/main" id="{49B86AD9-5A9B-4936-AE91-DF32C5DA7E27}"/>
               </a:ext>
             </a:extLst>
           </p:cNvPr>
@@ -6610,7 +7078,7 @@
         </p:nvSpPr>
         <p:spPr>
           <a:xfrm>
-            <a:off x="3057544" y="3893767"/>
+            <a:off x="5520437" y="3893767"/>
             <a:ext cx="1626768" cy="259099"/>
           </a:xfrm>
           <a:prstGeom prst="rect">
@@ -6660,10 +7128,10 @@
       </p:sp>
       <p:sp>
         <p:nvSpPr>
-          <p:cNvPr id="143" name="正方形/長方形 142">
-            <a:extLst>
-              <a:ext uri="{FF2B5EF4-FFF2-40B4-BE49-F238E27FC236}">
-                <a16:creationId xmlns:a16="http://schemas.microsoft.com/office/drawing/2014/main" id="{EADC5B07-C306-49FA-A9AE-F1A387D805C5}"/>
+          <p:cNvPr id="150" name="正方形/長方形 149">
+            <a:extLst>
+              <a:ext uri="{FF2B5EF4-FFF2-40B4-BE49-F238E27FC236}">
+                <a16:creationId xmlns:a16="http://schemas.microsoft.com/office/drawing/2014/main" id="{275B624B-8592-4F3B-B072-F9239BA40F87}"/>
               </a:ext>
             </a:extLst>
           </p:cNvPr>
@@ -6672,7 +7140,7 @@
         </p:nvSpPr>
         <p:spPr>
           <a:xfrm>
-            <a:off x="3057544" y="4201305"/>
+            <a:off x="5520437" y="4201305"/>
             <a:ext cx="1626768" cy="259099"/>
           </a:xfrm>
           <a:prstGeom prst="rect">
@@ -6711,7 +7179,7 @@
                 <a:latin typeface="Meiryo UI" panose="020B0604030504040204" pitchFamily="50" charset="-128"/>
                 <a:ea typeface="Meiryo UI" panose="020B0604030504040204" pitchFamily="50" charset="-128"/>
               </a:rPr>
-              <a:t>AvatarSelectionStage</a:t>
+              <a:t>LobbyControl</a:t>
             </a:r>
             <a:endParaRPr kumimoji="1" lang="ja-JP" altLang="en-US" sz="1000">
               <a:latin typeface="Meiryo UI" panose="020B0604030504040204" pitchFamily="50" charset="-128"/>
@@ -6722,10 +7190,10 @@
       </p:sp>
       <p:sp>
         <p:nvSpPr>
-          <p:cNvPr id="144" name="正方形/長方形 143">
-            <a:extLst>
-              <a:ext uri="{FF2B5EF4-FFF2-40B4-BE49-F238E27FC236}">
-                <a16:creationId xmlns:a16="http://schemas.microsoft.com/office/drawing/2014/main" id="{129F975E-DA92-4F82-85FF-80C4B602D2CC}"/>
+          <p:cNvPr id="151" name="正方形/長方形 150">
+            <a:extLst>
+              <a:ext uri="{FF2B5EF4-FFF2-40B4-BE49-F238E27FC236}">
+                <a16:creationId xmlns:a16="http://schemas.microsoft.com/office/drawing/2014/main" id="{4F86E3BC-E061-4478-894C-5542BA2EFCF9}"/>
               </a:ext>
             </a:extLst>
           </p:cNvPr>
@@ -6734,8 +7202,77 @@
         </p:nvSpPr>
         <p:spPr>
           <a:xfrm>
-            <a:off x="5406873" y="2148430"/>
-            <a:ext cx="1829282" cy="2745787"/>
+            <a:off x="5520437" y="4508843"/>
+            <a:ext cx="1626768" cy="259099"/>
+          </a:xfrm>
+          <a:prstGeom prst="rect">
+            <a:avLst/>
+          </a:prstGeom>
+          <a:solidFill>
+            <a:schemeClr val="tx2"/>
+          </a:solidFill>
+          <a:ln>
+            <a:noFill/>
+          </a:ln>
+        </p:spPr>
+        <p:style>
+          <a:lnRef idx="2">
+            <a:schemeClr val="accent1">
+              <a:shade val="50000"/>
+            </a:schemeClr>
+          </a:lnRef>
+          <a:fillRef idx="1">
+            <a:schemeClr val="accent1"/>
+          </a:fillRef>
+          <a:effectRef idx="0">
+            <a:schemeClr val="accent1"/>
+          </a:effectRef>
+          <a:fontRef idx="minor">
+            <a:schemeClr val="lt1"/>
+          </a:fontRef>
+        </p:style>
+        <p:txBody>
+          <a:bodyPr rtlCol="0" anchor="ctr"/>
+          <a:lstStyle/>
+          <a:p>
+            <a:pPr algn="ctr"/>
+            <a:r>
+              <a:rPr lang="en-US" altLang="ja-JP" sz="1000">
+                <a:latin typeface="Meiryo UI" panose="020B0604030504040204" pitchFamily="50" charset="-128"/>
+                <a:ea typeface="Meiryo UI" panose="020B0604030504040204" pitchFamily="50" charset="-128"/>
+              </a:rPr>
+              <a:t>Space</a:t>
+            </a:r>
+            <a:r>
+              <a:rPr kumimoji="1" lang="en-US" altLang="ja-JP" sz="1000">
+                <a:latin typeface="Meiryo UI" panose="020B0604030504040204" pitchFamily="50" charset="-128"/>
+                <a:ea typeface="Meiryo UI" panose="020B0604030504040204" pitchFamily="50" charset="-128"/>
+              </a:rPr>
+              <a:t>SelectionScreen</a:t>
+            </a:r>
+            <a:endParaRPr kumimoji="1" lang="ja-JP" altLang="en-US" sz="1000">
+              <a:latin typeface="Meiryo UI" panose="020B0604030504040204" pitchFamily="50" charset="-128"/>
+              <a:ea typeface="Meiryo UI" panose="020B0604030504040204" pitchFamily="50" charset="-128"/>
+            </a:endParaRPr>
+          </a:p>
+        </p:txBody>
+      </p:sp>
+      <p:sp>
+        <p:nvSpPr>
+          <p:cNvPr id="152" name="正方形/長方形 151">
+            <a:extLst>
+              <a:ext uri="{FF2B5EF4-FFF2-40B4-BE49-F238E27FC236}">
+                <a16:creationId xmlns:a16="http://schemas.microsoft.com/office/drawing/2014/main" id="{46B2E74E-4B24-4410-8A55-0188227C5C25}"/>
+              </a:ext>
+            </a:extLst>
+          </p:cNvPr>
+          <p:cNvSpPr/>
+          <p:nvPr/>
+        </p:nvSpPr>
+        <p:spPr>
+          <a:xfrm>
+            <a:off x="7859934" y="2144744"/>
+            <a:ext cx="1829282" cy="3357556"/>
           </a:xfrm>
           <a:prstGeom prst="rect">
             <a:avLst/>
@@ -6780,7 +7317,7 @@
                 <a:latin typeface="Meiryo UI" panose="020B0604030504040204" pitchFamily="50" charset="-128"/>
                 <a:ea typeface="Meiryo UI" panose="020B0604030504040204" pitchFamily="50" charset="-128"/>
               </a:rPr>
-              <a:t>Scene</a:t>
+              <a:t>VirtualSpace</a:t>
             </a:r>
             <a:endParaRPr kumimoji="1" lang="ja-JP" altLang="en-US" sz="1000">
               <a:latin typeface="Meiryo UI" panose="020B0604030504040204" pitchFamily="50" charset="-128"/>
@@ -6791,10 +7328,10 @@
       </p:sp>
       <p:sp>
         <p:nvSpPr>
-          <p:cNvPr id="145" name="正方形/長方形 144">
-            <a:extLst>
-              <a:ext uri="{FF2B5EF4-FFF2-40B4-BE49-F238E27FC236}">
-                <a16:creationId xmlns:a16="http://schemas.microsoft.com/office/drawing/2014/main" id="{60D8A70F-4D43-4BBD-80DD-73E2DBF2C917}"/>
+          <p:cNvPr id="153" name="正方形/長方形 152">
+            <a:extLst>
+              <a:ext uri="{FF2B5EF4-FFF2-40B4-BE49-F238E27FC236}">
+                <a16:creationId xmlns:a16="http://schemas.microsoft.com/office/drawing/2014/main" id="{F5B7338B-DF5A-40A4-976D-AF2BAE83414C}"/>
               </a:ext>
             </a:extLst>
           </p:cNvPr>
@@ -6803,7 +7340,7 @@
         </p:nvSpPr>
         <p:spPr>
           <a:xfrm>
-            <a:off x="5515603" y="2645246"/>
+            <a:off x="7968664" y="2641560"/>
             <a:ext cx="1626768" cy="259099"/>
           </a:xfrm>
           <a:prstGeom prst="rect">
@@ -6842,7 +7379,7 @@
                 <a:latin typeface="Meiryo UI" panose="020B0604030504040204" pitchFamily="50" charset="-128"/>
                 <a:ea typeface="Meiryo UI" panose="020B0604030504040204" pitchFamily="50" charset="-128"/>
               </a:rPr>
-              <a:t>Main</a:t>
+              <a:t>App</a:t>
             </a:r>
             <a:endParaRPr kumimoji="1" lang="ja-JP" altLang="en-US" sz="1000">
               <a:latin typeface="Meiryo UI" panose="020B0604030504040204" pitchFamily="50" charset="-128"/>
@@ -6853,10 +7390,10 @@
       </p:sp>
       <p:sp>
         <p:nvSpPr>
-          <p:cNvPr id="146" name="正方形/長方形 145">
-            <a:extLst>
-              <a:ext uri="{FF2B5EF4-FFF2-40B4-BE49-F238E27FC236}">
-                <a16:creationId xmlns:a16="http://schemas.microsoft.com/office/drawing/2014/main" id="{553021E5-9632-4795-8623-34287211D53D}"/>
+          <p:cNvPr id="154" name="正方形/長方形 153">
+            <a:extLst>
+              <a:ext uri="{FF2B5EF4-FFF2-40B4-BE49-F238E27FC236}">
+                <a16:creationId xmlns:a16="http://schemas.microsoft.com/office/drawing/2014/main" id="{BCE80D03-9AB6-4421-B196-4D12E645D186}"/>
               </a:ext>
             </a:extLst>
           </p:cNvPr>
@@ -6865,7 +7402,7 @@
         </p:nvSpPr>
         <p:spPr>
           <a:xfrm>
-            <a:off x="5510784" y="2957243"/>
+            <a:off x="7963845" y="2953557"/>
             <a:ext cx="1626768" cy="259099"/>
           </a:xfrm>
           <a:prstGeom prst="rect">
@@ -6915,10 +7452,10 @@
       </p:sp>
       <p:sp>
         <p:nvSpPr>
-          <p:cNvPr id="147" name="正方形/長方形 146">
-            <a:extLst>
-              <a:ext uri="{FF2B5EF4-FFF2-40B4-BE49-F238E27FC236}">
-                <a16:creationId xmlns:a16="http://schemas.microsoft.com/office/drawing/2014/main" id="{97358E12-9536-44C7-983E-0CBDF32A7028}"/>
+          <p:cNvPr id="155" name="正方形/長方形 154">
+            <a:extLst>
+              <a:ext uri="{FF2B5EF4-FFF2-40B4-BE49-F238E27FC236}">
+                <a16:creationId xmlns:a16="http://schemas.microsoft.com/office/drawing/2014/main" id="{EAEAB2DD-541B-46B9-B19B-3B5583B09833}"/>
               </a:ext>
             </a:extLst>
           </p:cNvPr>
@@ -6927,7 +7464,7 @@
         </p:nvSpPr>
         <p:spPr>
           <a:xfrm>
-            <a:off x="5510784" y="3272185"/>
+            <a:off x="7963845" y="3268499"/>
             <a:ext cx="1626768" cy="259099"/>
           </a:xfrm>
           <a:prstGeom prst="rect">
@@ -6977,10 +7514,10 @@
       </p:sp>
       <p:sp>
         <p:nvSpPr>
-          <p:cNvPr id="148" name="正方形/長方形 147">
-            <a:extLst>
-              <a:ext uri="{FF2B5EF4-FFF2-40B4-BE49-F238E27FC236}">
-                <a16:creationId xmlns:a16="http://schemas.microsoft.com/office/drawing/2014/main" id="{018D1B63-0E15-4DD1-A484-4C78AE13518E}"/>
+          <p:cNvPr id="156" name="正方形/長方形 155">
+            <a:extLst>
+              <a:ext uri="{FF2B5EF4-FFF2-40B4-BE49-F238E27FC236}">
+                <a16:creationId xmlns:a16="http://schemas.microsoft.com/office/drawing/2014/main" id="{7AF348D0-FCD0-4CC9-8431-1F266A5FFBF9}"/>
               </a:ext>
             </a:extLst>
           </p:cNvPr>
@@ -6989,7 +7526,7 @@
         </p:nvSpPr>
         <p:spPr>
           <a:xfrm>
-            <a:off x="5517123" y="3582976"/>
+            <a:off x="7970184" y="3579290"/>
             <a:ext cx="1626768" cy="259099"/>
           </a:xfrm>
           <a:prstGeom prst="rect">
@@ -7039,10 +7576,10 @@
       </p:sp>
       <p:sp>
         <p:nvSpPr>
-          <p:cNvPr id="149" name="正方形/長方形 148">
-            <a:extLst>
-              <a:ext uri="{FF2B5EF4-FFF2-40B4-BE49-F238E27FC236}">
-                <a16:creationId xmlns:a16="http://schemas.microsoft.com/office/drawing/2014/main" id="{49B86AD9-5A9B-4936-AE91-DF32C5DA7E27}"/>
+          <p:cNvPr id="157" name="正方形/長方形 156">
+            <a:extLst>
+              <a:ext uri="{FF2B5EF4-FFF2-40B4-BE49-F238E27FC236}">
+                <a16:creationId xmlns:a16="http://schemas.microsoft.com/office/drawing/2014/main" id="{AD2BE2D6-27E1-4D93-96C6-3DE0D724C1FC}"/>
               </a:ext>
             </a:extLst>
           </p:cNvPr>
@@ -7051,7 +7588,7 @@
         </p:nvSpPr>
         <p:spPr>
           <a:xfrm>
-            <a:off x="5520437" y="3893767"/>
+            <a:off x="7973498" y="3890081"/>
             <a:ext cx="1626768" cy="259099"/>
           </a:xfrm>
           <a:prstGeom prst="rect">
@@ -7101,10 +7638,10 @@
       </p:sp>
       <p:sp>
         <p:nvSpPr>
-          <p:cNvPr id="150" name="正方形/長方形 149">
-            <a:extLst>
-              <a:ext uri="{FF2B5EF4-FFF2-40B4-BE49-F238E27FC236}">
-                <a16:creationId xmlns:a16="http://schemas.microsoft.com/office/drawing/2014/main" id="{275B624B-8592-4F3B-B072-F9239BA40F87}"/>
+          <p:cNvPr id="158" name="正方形/長方形 157">
+            <a:extLst>
+              <a:ext uri="{FF2B5EF4-FFF2-40B4-BE49-F238E27FC236}">
+                <a16:creationId xmlns:a16="http://schemas.microsoft.com/office/drawing/2014/main" id="{63302712-51BE-4B2C-B4D1-E494AA5FBCB5}"/>
               </a:ext>
             </a:extLst>
           </p:cNvPr>
@@ -7113,7 +7650,7 @@
         </p:nvSpPr>
         <p:spPr>
           <a:xfrm>
-            <a:off x="5520437" y="4201305"/>
+            <a:off x="7973498" y="4197619"/>
             <a:ext cx="1626768" cy="259099"/>
           </a:xfrm>
           <a:prstGeom prst="rect">
@@ -7152,7 +7689,7 @@
                 <a:latin typeface="Meiryo UI" panose="020B0604030504040204" pitchFamily="50" charset="-128"/>
                 <a:ea typeface="Meiryo UI" panose="020B0604030504040204" pitchFamily="50" charset="-128"/>
               </a:rPr>
-              <a:t>LobbyControl</a:t>
+              <a:t>TextChatControl</a:t>
             </a:r>
             <a:endParaRPr kumimoji="1" lang="ja-JP" altLang="en-US" sz="1000">
               <a:latin typeface="Meiryo UI" panose="020B0604030504040204" pitchFamily="50" charset="-128"/>
@@ -7163,10 +7700,10 @@
       </p:sp>
       <p:sp>
         <p:nvSpPr>
-          <p:cNvPr id="151" name="正方形/長方形 150">
-            <a:extLst>
-              <a:ext uri="{FF2B5EF4-FFF2-40B4-BE49-F238E27FC236}">
-                <a16:creationId xmlns:a16="http://schemas.microsoft.com/office/drawing/2014/main" id="{4F86E3BC-E061-4478-894C-5542BA2EFCF9}"/>
+          <p:cNvPr id="159" name="正方形/長方形 158">
+            <a:extLst>
+              <a:ext uri="{FF2B5EF4-FFF2-40B4-BE49-F238E27FC236}">
+                <a16:creationId xmlns:a16="http://schemas.microsoft.com/office/drawing/2014/main" id="{1AEE5956-E4E9-4382-9A7E-D0BA01053C8E}"/>
               </a:ext>
             </a:extLst>
           </p:cNvPr>
@@ -7175,7 +7712,7 @@
         </p:nvSpPr>
         <p:spPr>
           <a:xfrm>
-            <a:off x="5520437" y="4508843"/>
+            <a:off x="7973498" y="4505157"/>
             <a:ext cx="1626768" cy="259099"/>
           </a:xfrm>
           <a:prstGeom prst="rect">
@@ -7214,7 +7751,7 @@
                 <a:latin typeface="Meiryo UI" panose="020B0604030504040204" pitchFamily="50" charset="-128"/>
                 <a:ea typeface="Meiryo UI" panose="020B0604030504040204" pitchFamily="50" charset="-128"/>
               </a:rPr>
-              <a:t>EventSelectionStage</a:t>
+              <a:t>VoiceChatControl</a:t>
             </a:r>
             <a:endParaRPr kumimoji="1" lang="ja-JP" altLang="en-US" sz="1000">
               <a:latin typeface="Meiryo UI" panose="020B0604030504040204" pitchFamily="50" charset="-128"/>
@@ -7225,10 +7762,10 @@
       </p:sp>
       <p:sp>
         <p:nvSpPr>
-          <p:cNvPr id="152" name="正方形/長方形 151">
-            <a:extLst>
-              <a:ext uri="{FF2B5EF4-FFF2-40B4-BE49-F238E27FC236}">
-                <a16:creationId xmlns:a16="http://schemas.microsoft.com/office/drawing/2014/main" id="{46B2E74E-4B24-4410-8A55-0188227C5C25}"/>
+          <p:cNvPr id="160" name="正方形/長方形 159">
+            <a:extLst>
+              <a:ext uri="{FF2B5EF4-FFF2-40B4-BE49-F238E27FC236}">
+                <a16:creationId xmlns:a16="http://schemas.microsoft.com/office/drawing/2014/main" id="{AB7D5AB4-5EDD-4A36-91E2-C774E5A11C56}"/>
               </a:ext>
             </a:extLst>
           </p:cNvPr>
@@ -7237,76 +7774,7 @@
         </p:nvSpPr>
         <p:spPr>
           <a:xfrm>
-            <a:off x="7859934" y="2144744"/>
-            <a:ext cx="1829282" cy="3357556"/>
-          </a:xfrm>
-          <a:prstGeom prst="rect">
-            <a:avLst/>
-          </a:prstGeom>
-          <a:solidFill>
-            <a:schemeClr val="accent5"/>
-          </a:solidFill>
-          <a:ln>
-            <a:noFill/>
-          </a:ln>
-        </p:spPr>
-        <p:style>
-          <a:lnRef idx="2">
-            <a:schemeClr val="accent1">
-              <a:shade val="50000"/>
-            </a:schemeClr>
-          </a:lnRef>
-          <a:fillRef idx="1">
-            <a:schemeClr val="accent1"/>
-          </a:fillRef>
-          <a:effectRef idx="0">
-            <a:schemeClr val="accent1"/>
-          </a:effectRef>
-          <a:fontRef idx="minor">
-            <a:schemeClr val="lt1"/>
-          </a:fontRef>
-        </p:style>
-        <p:txBody>
-          <a:bodyPr rtlCol="0" anchor="t"/>
-          <a:lstStyle/>
-          <a:p>
-            <a:pPr algn="ctr"/>
-            <a:endParaRPr kumimoji="1" lang="en-US" altLang="ja-JP" sz="1000">
-              <a:latin typeface="Meiryo UI" panose="020B0604030504040204" pitchFamily="50" charset="-128"/>
-              <a:ea typeface="Meiryo UI" panose="020B0604030504040204" pitchFamily="50" charset="-128"/>
-            </a:endParaRPr>
-          </a:p>
-          <a:p>
-            <a:pPr algn="ctr"/>
-            <a:r>
-              <a:rPr kumimoji="1" lang="en-US" altLang="ja-JP" sz="1000">
-                <a:latin typeface="Meiryo UI" panose="020B0604030504040204" pitchFamily="50" charset="-128"/>
-                <a:ea typeface="Meiryo UI" panose="020B0604030504040204" pitchFamily="50" charset="-128"/>
-              </a:rPr>
-              <a:t>Scene</a:t>
-            </a:r>
-            <a:endParaRPr kumimoji="1" lang="ja-JP" altLang="en-US" sz="1000">
-              <a:latin typeface="Meiryo UI" panose="020B0604030504040204" pitchFamily="50" charset="-128"/>
-              <a:ea typeface="Meiryo UI" panose="020B0604030504040204" pitchFamily="50" charset="-128"/>
-            </a:endParaRPr>
-          </a:p>
-        </p:txBody>
-      </p:sp>
-      <p:sp>
-        <p:nvSpPr>
-          <p:cNvPr id="153" name="正方形/長方形 152">
-            <a:extLst>
-              <a:ext uri="{FF2B5EF4-FFF2-40B4-BE49-F238E27FC236}">
-                <a16:creationId xmlns:a16="http://schemas.microsoft.com/office/drawing/2014/main" id="{F5B7338B-DF5A-40A4-976D-AF2BAE83414C}"/>
-              </a:ext>
-            </a:extLst>
-          </p:cNvPr>
-          <p:cNvSpPr/>
-          <p:nvPr/>
-        </p:nvSpPr>
-        <p:spPr>
-          <a:xfrm>
-            <a:off x="7968664" y="2641560"/>
+            <a:off x="7973498" y="4809680"/>
             <a:ext cx="1626768" cy="259099"/>
           </a:xfrm>
           <a:prstGeom prst="rect">
@@ -7345,7 +7813,7 @@
                 <a:latin typeface="Meiryo UI" panose="020B0604030504040204" pitchFamily="50" charset="-128"/>
                 <a:ea typeface="Meiryo UI" panose="020B0604030504040204" pitchFamily="50" charset="-128"/>
               </a:rPr>
-              <a:t>Main</a:t>
+              <a:t>ReactionControl</a:t>
             </a:r>
             <a:endParaRPr kumimoji="1" lang="ja-JP" altLang="en-US" sz="1000">
               <a:latin typeface="Meiryo UI" panose="020B0604030504040204" pitchFamily="50" charset="-128"/>
@@ -7356,10 +7824,10 @@
       </p:sp>
       <p:sp>
         <p:nvSpPr>
-          <p:cNvPr id="154" name="正方形/長方形 153">
-            <a:extLst>
-              <a:ext uri="{FF2B5EF4-FFF2-40B4-BE49-F238E27FC236}">
-                <a16:creationId xmlns:a16="http://schemas.microsoft.com/office/drawing/2014/main" id="{BCE80D03-9AB6-4421-B196-4D12E645D186}"/>
+          <p:cNvPr id="161" name="正方形/長方形 160">
+            <a:extLst>
+              <a:ext uri="{FF2B5EF4-FFF2-40B4-BE49-F238E27FC236}">
+                <a16:creationId xmlns:a16="http://schemas.microsoft.com/office/drawing/2014/main" id="{4492C901-5D9C-40D8-B33E-6D9C7C5F259B}"/>
               </a:ext>
             </a:extLst>
           </p:cNvPr>
@@ -7368,7 +7836,7 @@
         </p:nvSpPr>
         <p:spPr>
           <a:xfrm>
-            <a:off x="7963845" y="2953557"/>
+            <a:off x="7973498" y="5114203"/>
             <a:ext cx="1626768" cy="259099"/>
           </a:xfrm>
           <a:prstGeom prst="rect">
@@ -7403,11 +7871,11 @@
           <a:p>
             <a:pPr algn="ctr"/>
             <a:r>
-              <a:rPr kumimoji="1" lang="en-US" altLang="ja-JP" sz="1000" err="1">
+              <a:rPr kumimoji="1" lang="en-US" altLang="ja-JP" sz="1000">
                 <a:latin typeface="Meiryo UI" panose="020B0604030504040204" pitchFamily="50" charset="-128"/>
                 <a:ea typeface="Meiryo UI" panose="020B0604030504040204" pitchFamily="50" charset="-128"/>
               </a:rPr>
-              <a:t>CameraControl</a:t>
+              <a:t>VirtualSpace</a:t>
             </a:r>
             <a:endParaRPr kumimoji="1" lang="ja-JP" altLang="en-US" sz="1000">
               <a:latin typeface="Meiryo UI" panose="020B0604030504040204" pitchFamily="50" charset="-128"/>
@@ -7418,10 +7886,10 @@
       </p:sp>
       <p:sp>
         <p:nvSpPr>
-          <p:cNvPr id="155" name="正方形/長方形 154">
-            <a:extLst>
-              <a:ext uri="{FF2B5EF4-FFF2-40B4-BE49-F238E27FC236}">
-                <a16:creationId xmlns:a16="http://schemas.microsoft.com/office/drawing/2014/main" id="{EAEAB2DD-541B-46B9-B19B-3B5583B09833}"/>
+          <p:cNvPr id="162" name="正方形/長方形 161">
+            <a:extLst>
+              <a:ext uri="{FF2B5EF4-FFF2-40B4-BE49-F238E27FC236}">
+                <a16:creationId xmlns:a16="http://schemas.microsoft.com/office/drawing/2014/main" id="{6CCC83E0-17E6-4BFE-8CF2-F6C0A6875A18}"/>
               </a:ext>
             </a:extLst>
           </p:cNvPr>
@@ -7430,442 +7898,8 @@
         </p:nvSpPr>
         <p:spPr>
           <a:xfrm>
-            <a:off x="7963845" y="3268499"/>
-            <a:ext cx="1626768" cy="259099"/>
-          </a:xfrm>
-          <a:prstGeom prst="rect">
-            <a:avLst/>
-          </a:prstGeom>
-          <a:solidFill>
-            <a:schemeClr val="tx2"/>
-          </a:solidFill>
-          <a:ln>
-            <a:noFill/>
-          </a:ln>
-        </p:spPr>
-        <p:style>
-          <a:lnRef idx="2">
-            <a:schemeClr val="accent1">
-              <a:shade val="50000"/>
-            </a:schemeClr>
-          </a:lnRef>
-          <a:fillRef idx="1">
-            <a:schemeClr val="accent1"/>
-          </a:fillRef>
-          <a:effectRef idx="0">
-            <a:schemeClr val="accent1"/>
-          </a:effectRef>
-          <a:fontRef idx="minor">
-            <a:schemeClr val="lt1"/>
-          </a:fontRef>
-        </p:style>
-        <p:txBody>
-          <a:bodyPr rtlCol="0" anchor="ctr"/>
-          <a:lstStyle/>
-          <a:p>
-            <a:pPr algn="ctr"/>
-            <a:r>
-              <a:rPr kumimoji="1" lang="en-US" altLang="ja-JP" sz="1000" err="1">
-                <a:latin typeface="Meiryo UI" panose="020B0604030504040204" pitchFamily="50" charset="-128"/>
-                <a:ea typeface="Meiryo UI" panose="020B0604030504040204" pitchFamily="50" charset="-128"/>
-              </a:rPr>
-              <a:t>InputControl</a:t>
-            </a:r>
-            <a:endParaRPr kumimoji="1" lang="ja-JP" altLang="en-US" sz="1000">
-              <a:latin typeface="Meiryo UI" panose="020B0604030504040204" pitchFamily="50" charset="-128"/>
-              <a:ea typeface="Meiryo UI" panose="020B0604030504040204" pitchFamily="50" charset="-128"/>
-            </a:endParaRPr>
-          </a:p>
-        </p:txBody>
-      </p:sp>
-      <p:sp>
-        <p:nvSpPr>
-          <p:cNvPr id="156" name="正方形/長方形 155">
-            <a:extLst>
-              <a:ext uri="{FF2B5EF4-FFF2-40B4-BE49-F238E27FC236}">
-                <a16:creationId xmlns:a16="http://schemas.microsoft.com/office/drawing/2014/main" id="{7AF348D0-FCD0-4CC9-8431-1F266A5FFBF9}"/>
-              </a:ext>
-            </a:extLst>
-          </p:cNvPr>
-          <p:cNvSpPr/>
-          <p:nvPr/>
-        </p:nvSpPr>
-        <p:spPr>
-          <a:xfrm>
-            <a:off x="7970184" y="3579290"/>
-            <a:ext cx="1626768" cy="259099"/>
-          </a:xfrm>
-          <a:prstGeom prst="rect">
-            <a:avLst/>
-          </a:prstGeom>
-          <a:solidFill>
-            <a:schemeClr val="tx2"/>
-          </a:solidFill>
-          <a:ln>
-            <a:noFill/>
-          </a:ln>
-        </p:spPr>
-        <p:style>
-          <a:lnRef idx="2">
-            <a:schemeClr val="accent1">
-              <a:shade val="50000"/>
-            </a:schemeClr>
-          </a:lnRef>
-          <a:fillRef idx="1">
-            <a:schemeClr val="accent1"/>
-          </a:fillRef>
-          <a:effectRef idx="0">
-            <a:schemeClr val="accent1"/>
-          </a:effectRef>
-          <a:fontRef idx="minor">
-            <a:schemeClr val="lt1"/>
-          </a:fontRef>
-        </p:style>
-        <p:txBody>
-          <a:bodyPr rtlCol="0" anchor="ctr"/>
-          <a:lstStyle/>
-          <a:p>
-            <a:pPr algn="ctr"/>
-            <a:r>
-              <a:rPr kumimoji="1" lang="en-US" altLang="ja-JP" sz="1000">
-                <a:latin typeface="Meiryo UI" panose="020B0604030504040204" pitchFamily="50" charset="-128"/>
-                <a:ea typeface="Meiryo UI" panose="020B0604030504040204" pitchFamily="50" charset="-128"/>
-              </a:rPr>
-              <a:t>NetworkControl</a:t>
-            </a:r>
-            <a:endParaRPr kumimoji="1" lang="ja-JP" altLang="en-US" sz="1000">
-              <a:latin typeface="Meiryo UI" panose="020B0604030504040204" pitchFamily="50" charset="-128"/>
-              <a:ea typeface="Meiryo UI" panose="020B0604030504040204" pitchFamily="50" charset="-128"/>
-            </a:endParaRPr>
-          </a:p>
-        </p:txBody>
-      </p:sp>
-      <p:sp>
-        <p:nvSpPr>
-          <p:cNvPr id="157" name="正方形/長方形 156">
-            <a:extLst>
-              <a:ext uri="{FF2B5EF4-FFF2-40B4-BE49-F238E27FC236}">
-                <a16:creationId xmlns:a16="http://schemas.microsoft.com/office/drawing/2014/main" id="{AD2BE2D6-27E1-4D93-96C6-3DE0D724C1FC}"/>
-              </a:ext>
-            </a:extLst>
-          </p:cNvPr>
-          <p:cNvSpPr/>
-          <p:nvPr/>
-        </p:nvSpPr>
-        <p:spPr>
-          <a:xfrm>
-            <a:off x="7973498" y="3890081"/>
-            <a:ext cx="1626768" cy="259099"/>
-          </a:xfrm>
-          <a:prstGeom prst="rect">
-            <a:avLst/>
-          </a:prstGeom>
-          <a:solidFill>
-            <a:schemeClr val="tx2"/>
-          </a:solidFill>
-          <a:ln>
-            <a:noFill/>
-          </a:ln>
-        </p:spPr>
-        <p:style>
-          <a:lnRef idx="2">
-            <a:schemeClr val="accent1">
-              <a:shade val="50000"/>
-            </a:schemeClr>
-          </a:lnRef>
-          <a:fillRef idx="1">
-            <a:schemeClr val="accent1"/>
-          </a:fillRef>
-          <a:effectRef idx="0">
-            <a:schemeClr val="accent1"/>
-          </a:effectRef>
-          <a:fontRef idx="minor">
-            <a:schemeClr val="lt1"/>
-          </a:fontRef>
-        </p:style>
-        <p:txBody>
-          <a:bodyPr rtlCol="0" anchor="ctr"/>
-          <a:lstStyle/>
-          <a:p>
-            <a:pPr algn="ctr"/>
-            <a:r>
-              <a:rPr kumimoji="1" lang="en-US" altLang="ja-JP" sz="1000">
-                <a:latin typeface="Meiryo UI" panose="020B0604030504040204" pitchFamily="50" charset="-128"/>
-                <a:ea typeface="Meiryo UI" panose="020B0604030504040204" pitchFamily="50" charset="-128"/>
-              </a:rPr>
-              <a:t>PlayerControl</a:t>
-            </a:r>
-            <a:endParaRPr kumimoji="1" lang="ja-JP" altLang="en-US" sz="1000">
-              <a:latin typeface="Meiryo UI" panose="020B0604030504040204" pitchFamily="50" charset="-128"/>
-              <a:ea typeface="Meiryo UI" panose="020B0604030504040204" pitchFamily="50" charset="-128"/>
-            </a:endParaRPr>
-          </a:p>
-        </p:txBody>
-      </p:sp>
-      <p:sp>
-        <p:nvSpPr>
-          <p:cNvPr id="158" name="正方形/長方形 157">
-            <a:extLst>
-              <a:ext uri="{FF2B5EF4-FFF2-40B4-BE49-F238E27FC236}">
-                <a16:creationId xmlns:a16="http://schemas.microsoft.com/office/drawing/2014/main" id="{63302712-51BE-4B2C-B4D1-E494AA5FBCB5}"/>
-              </a:ext>
-            </a:extLst>
-          </p:cNvPr>
-          <p:cNvSpPr/>
-          <p:nvPr/>
-        </p:nvSpPr>
-        <p:spPr>
-          <a:xfrm>
-            <a:off x="7973498" y="4197619"/>
-            <a:ext cx="1626768" cy="259099"/>
-          </a:xfrm>
-          <a:prstGeom prst="rect">
-            <a:avLst/>
-          </a:prstGeom>
-          <a:solidFill>
-            <a:schemeClr val="tx2"/>
-          </a:solidFill>
-          <a:ln>
-            <a:noFill/>
-          </a:ln>
-        </p:spPr>
-        <p:style>
-          <a:lnRef idx="2">
-            <a:schemeClr val="accent1">
-              <a:shade val="50000"/>
-            </a:schemeClr>
-          </a:lnRef>
-          <a:fillRef idx="1">
-            <a:schemeClr val="accent1"/>
-          </a:fillRef>
-          <a:effectRef idx="0">
-            <a:schemeClr val="accent1"/>
-          </a:effectRef>
-          <a:fontRef idx="minor">
-            <a:schemeClr val="lt1"/>
-          </a:fontRef>
-        </p:style>
-        <p:txBody>
-          <a:bodyPr rtlCol="0" anchor="ctr"/>
-          <a:lstStyle/>
-          <a:p>
-            <a:pPr algn="ctr"/>
-            <a:r>
-              <a:rPr kumimoji="1" lang="en-US" altLang="ja-JP" sz="1000">
-                <a:latin typeface="Meiryo UI" panose="020B0604030504040204" pitchFamily="50" charset="-128"/>
-                <a:ea typeface="Meiryo UI" panose="020B0604030504040204" pitchFamily="50" charset="-128"/>
-              </a:rPr>
-              <a:t>TextChatControl</a:t>
-            </a:r>
-            <a:endParaRPr kumimoji="1" lang="ja-JP" altLang="en-US" sz="1000">
-              <a:latin typeface="Meiryo UI" panose="020B0604030504040204" pitchFamily="50" charset="-128"/>
-              <a:ea typeface="Meiryo UI" panose="020B0604030504040204" pitchFamily="50" charset="-128"/>
-            </a:endParaRPr>
-          </a:p>
-        </p:txBody>
-      </p:sp>
-      <p:sp>
-        <p:nvSpPr>
-          <p:cNvPr id="159" name="正方形/長方形 158">
-            <a:extLst>
-              <a:ext uri="{FF2B5EF4-FFF2-40B4-BE49-F238E27FC236}">
-                <a16:creationId xmlns:a16="http://schemas.microsoft.com/office/drawing/2014/main" id="{1AEE5956-E4E9-4382-9A7E-D0BA01053C8E}"/>
-              </a:ext>
-            </a:extLst>
-          </p:cNvPr>
-          <p:cNvSpPr/>
-          <p:nvPr/>
-        </p:nvSpPr>
-        <p:spPr>
-          <a:xfrm>
-            <a:off x="7973498" y="4505157"/>
-            <a:ext cx="1626768" cy="259099"/>
-          </a:xfrm>
-          <a:prstGeom prst="rect">
-            <a:avLst/>
-          </a:prstGeom>
-          <a:solidFill>
-            <a:schemeClr val="tx2"/>
-          </a:solidFill>
-          <a:ln>
-            <a:noFill/>
-          </a:ln>
-        </p:spPr>
-        <p:style>
-          <a:lnRef idx="2">
-            <a:schemeClr val="accent1">
-              <a:shade val="50000"/>
-            </a:schemeClr>
-          </a:lnRef>
-          <a:fillRef idx="1">
-            <a:schemeClr val="accent1"/>
-          </a:fillRef>
-          <a:effectRef idx="0">
-            <a:schemeClr val="accent1"/>
-          </a:effectRef>
-          <a:fontRef idx="minor">
-            <a:schemeClr val="lt1"/>
-          </a:fontRef>
-        </p:style>
-        <p:txBody>
-          <a:bodyPr rtlCol="0" anchor="ctr"/>
-          <a:lstStyle/>
-          <a:p>
-            <a:pPr algn="ctr"/>
-            <a:r>
-              <a:rPr kumimoji="1" lang="en-US" altLang="ja-JP" sz="1000">
-                <a:latin typeface="Meiryo UI" panose="020B0604030504040204" pitchFamily="50" charset="-128"/>
-                <a:ea typeface="Meiryo UI" panose="020B0604030504040204" pitchFamily="50" charset="-128"/>
-              </a:rPr>
-              <a:t>VoiceChatControl</a:t>
-            </a:r>
-            <a:endParaRPr kumimoji="1" lang="ja-JP" altLang="en-US" sz="1000">
-              <a:latin typeface="Meiryo UI" panose="020B0604030504040204" pitchFamily="50" charset="-128"/>
-              <a:ea typeface="Meiryo UI" panose="020B0604030504040204" pitchFamily="50" charset="-128"/>
-            </a:endParaRPr>
-          </a:p>
-        </p:txBody>
-      </p:sp>
-      <p:sp>
-        <p:nvSpPr>
-          <p:cNvPr id="160" name="正方形/長方形 159">
-            <a:extLst>
-              <a:ext uri="{FF2B5EF4-FFF2-40B4-BE49-F238E27FC236}">
-                <a16:creationId xmlns:a16="http://schemas.microsoft.com/office/drawing/2014/main" id="{AB7D5AB4-5EDD-4A36-91E2-C774E5A11C56}"/>
-              </a:ext>
-            </a:extLst>
-          </p:cNvPr>
-          <p:cNvSpPr/>
-          <p:nvPr/>
-        </p:nvSpPr>
-        <p:spPr>
-          <a:xfrm>
-            <a:off x="7973498" y="4809680"/>
-            <a:ext cx="1626768" cy="259099"/>
-          </a:xfrm>
-          <a:prstGeom prst="rect">
-            <a:avLst/>
-          </a:prstGeom>
-          <a:solidFill>
-            <a:schemeClr val="tx2"/>
-          </a:solidFill>
-          <a:ln>
-            <a:noFill/>
-          </a:ln>
-        </p:spPr>
-        <p:style>
-          <a:lnRef idx="2">
-            <a:schemeClr val="accent1">
-              <a:shade val="50000"/>
-            </a:schemeClr>
-          </a:lnRef>
-          <a:fillRef idx="1">
-            <a:schemeClr val="accent1"/>
-          </a:fillRef>
-          <a:effectRef idx="0">
-            <a:schemeClr val="accent1"/>
-          </a:effectRef>
-          <a:fontRef idx="minor">
-            <a:schemeClr val="lt1"/>
-          </a:fontRef>
-        </p:style>
-        <p:txBody>
-          <a:bodyPr rtlCol="0" anchor="ctr"/>
-          <a:lstStyle/>
-          <a:p>
-            <a:pPr algn="ctr"/>
-            <a:r>
-              <a:rPr kumimoji="1" lang="en-US" altLang="ja-JP" sz="1000">
-                <a:latin typeface="Meiryo UI" panose="020B0604030504040204" pitchFamily="50" charset="-128"/>
-                <a:ea typeface="Meiryo UI" panose="020B0604030504040204" pitchFamily="50" charset="-128"/>
-              </a:rPr>
-              <a:t>ReactionControl</a:t>
-            </a:r>
-            <a:endParaRPr kumimoji="1" lang="ja-JP" altLang="en-US" sz="1000">
-              <a:latin typeface="Meiryo UI" panose="020B0604030504040204" pitchFamily="50" charset="-128"/>
-              <a:ea typeface="Meiryo UI" panose="020B0604030504040204" pitchFamily="50" charset="-128"/>
-            </a:endParaRPr>
-          </a:p>
-        </p:txBody>
-      </p:sp>
-      <p:sp>
-        <p:nvSpPr>
-          <p:cNvPr id="161" name="正方形/長方形 160">
-            <a:extLst>
-              <a:ext uri="{FF2B5EF4-FFF2-40B4-BE49-F238E27FC236}">
-                <a16:creationId xmlns:a16="http://schemas.microsoft.com/office/drawing/2014/main" id="{4492C901-5D9C-40D8-B33E-6D9C7C5F259B}"/>
-              </a:ext>
-            </a:extLst>
-          </p:cNvPr>
-          <p:cNvSpPr/>
-          <p:nvPr/>
-        </p:nvSpPr>
-        <p:spPr>
-          <a:xfrm>
-            <a:off x="7973498" y="5114203"/>
-            <a:ext cx="1626768" cy="259099"/>
-          </a:xfrm>
-          <a:prstGeom prst="rect">
-            <a:avLst/>
-          </a:prstGeom>
-          <a:solidFill>
-            <a:schemeClr val="tx2"/>
-          </a:solidFill>
-          <a:ln>
-            <a:noFill/>
-          </a:ln>
-        </p:spPr>
-        <p:style>
-          <a:lnRef idx="2">
-            <a:schemeClr val="accent1">
-              <a:shade val="50000"/>
-            </a:schemeClr>
-          </a:lnRef>
-          <a:fillRef idx="1">
-            <a:schemeClr val="accent1"/>
-          </a:fillRef>
-          <a:effectRef idx="0">
-            <a:schemeClr val="accent1"/>
-          </a:effectRef>
-          <a:fontRef idx="minor">
-            <a:schemeClr val="lt1"/>
-          </a:fontRef>
-        </p:style>
-        <p:txBody>
-          <a:bodyPr rtlCol="0" anchor="ctr"/>
-          <a:lstStyle/>
-          <a:p>
-            <a:pPr algn="ctr"/>
-            <a:r>
-              <a:rPr kumimoji="1" lang="en-US" altLang="ja-JP" sz="1000">
-                <a:latin typeface="Meiryo UI" panose="020B0604030504040204" pitchFamily="50" charset="-128"/>
-                <a:ea typeface="Meiryo UI" panose="020B0604030504040204" pitchFamily="50" charset="-128"/>
-              </a:rPr>
-              <a:t>EventStage</a:t>
-            </a:r>
-            <a:endParaRPr kumimoji="1" lang="ja-JP" altLang="en-US" sz="1000">
-              <a:latin typeface="Meiryo UI" panose="020B0604030504040204" pitchFamily="50" charset="-128"/>
-              <a:ea typeface="Meiryo UI" panose="020B0604030504040204" pitchFamily="50" charset="-128"/>
-            </a:endParaRPr>
-          </a:p>
-        </p:txBody>
-      </p:sp>
-      <p:sp>
-        <p:nvSpPr>
-          <p:cNvPr id="162" name="正方形/長方形 161">
-            <a:extLst>
-              <a:ext uri="{FF2B5EF4-FFF2-40B4-BE49-F238E27FC236}">
-                <a16:creationId xmlns:a16="http://schemas.microsoft.com/office/drawing/2014/main" id="{6CCC83E0-17E6-4BFE-8CF2-F6C0A6875A18}"/>
-              </a:ext>
-            </a:extLst>
-          </p:cNvPr>
-          <p:cNvSpPr/>
-          <p:nvPr/>
-        </p:nvSpPr>
-        <p:spPr>
-          <a:xfrm>
             <a:off x="10220206" y="2414826"/>
-            <a:ext cx="1598983" cy="2065233"/>
+            <a:ext cx="1781681" cy="2065233"/>
           </a:xfrm>
           <a:prstGeom prst="rect">
             <a:avLst/>
@@ -7934,7 +7968,7 @@
         <p:spPr>
           <a:xfrm>
             <a:off x="10429520" y="3040959"/>
-            <a:ext cx="1186191" cy="1163824"/>
+            <a:ext cx="1281393" cy="1163824"/>
           </a:xfrm>
           <a:prstGeom prst="rect">
             <a:avLst/>
@@ -8004,8 +8038,8 @@
         </p:nvSpPr>
         <p:spPr>
           <a:xfrm>
-            <a:off x="10552146" y="3611631"/>
-            <a:ext cx="957942" cy="446595"/>
+            <a:off x="10552145" y="3611631"/>
+            <a:ext cx="1048517" cy="446595"/>
           </a:xfrm>
           <a:prstGeom prst="rect">
             <a:avLst/>
@@ -8045,7 +8079,7 @@
                 <a:latin typeface="Meiryo UI" panose="020B0604030504040204" pitchFamily="50" charset="-128"/>
                 <a:ea typeface="Meiryo UI" panose="020B0604030504040204" pitchFamily="50" charset="-128"/>
               </a:rPr>
-              <a:t>Scene</a:t>
+              <a:t>Stage</a:t>
             </a:r>
           </a:p>
           <a:p>
@@ -8055,7 +8089,7 @@
                 <a:latin typeface="Meiryo UI" panose="020B0604030504040204" pitchFamily="50" charset="-128"/>
                 <a:ea typeface="Meiryo UI" panose="020B0604030504040204" pitchFamily="50" charset="-128"/>
               </a:rPr>
-              <a:t>Transition</a:t>
+              <a:t>Navigation</a:t>
             </a:r>
             <a:endParaRPr kumimoji="1" lang="ja-JP" altLang="en-US" sz="1200">
               <a:latin typeface="Meiryo UI" panose="020B0604030504040204" pitchFamily="50" charset="-128"/>
@@ -8083,7 +8117,7 @@
         <p:spPr>
           <a:xfrm flipH="1">
             <a:off x="9785626" y="3834929"/>
-            <a:ext cx="766520" cy="9156"/>
+            <a:ext cx="766519" cy="9156"/>
           </a:xfrm>
           <a:prstGeom prst="straightConnector1">
             <a:avLst/>
@@ -8125,7 +8159,7 @@
         <p:spPr>
           <a:xfrm>
             <a:off x="481087" y="5276621"/>
-            <a:ext cx="1626768" cy="259099"/>
+            <a:ext cx="783833" cy="259099"/>
           </a:xfrm>
           <a:prstGeom prst="rect">
             <a:avLst/>
@@ -8163,7 +8197,7 @@
                 <a:latin typeface="Meiryo UI" panose="020B0604030504040204" pitchFamily="50" charset="-128"/>
                 <a:ea typeface="Meiryo UI" panose="020B0604030504040204" pitchFamily="50" charset="-128"/>
               </a:rPr>
-              <a:t>Unity Scene</a:t>
+              <a:t>Scene</a:t>
             </a:r>
             <a:endParaRPr kumimoji="1" lang="ja-JP" altLang="en-US" sz="1000">
               <a:latin typeface="Meiryo UI" panose="020B0604030504040204" pitchFamily="50" charset="-128"/>
@@ -8187,7 +8221,7 @@
         <p:spPr>
           <a:xfrm>
             <a:off x="481087" y="4939229"/>
-            <a:ext cx="4506788" cy="259099"/>
+            <a:ext cx="783833" cy="259099"/>
           </a:xfrm>
           <a:prstGeom prst="rect">
             <a:avLst/>
@@ -8225,7 +8259,7 @@
                 <a:latin typeface="Meiryo UI" panose="020B0604030504040204" pitchFamily="50" charset="-128"/>
                 <a:ea typeface="Meiryo UI" panose="020B0604030504040204" pitchFamily="50" charset="-128"/>
               </a:rPr>
-              <a:t>Scene defined in the Framework composed of multiple Unity Scenes</a:t>
+              <a:t>Stage</a:t>
             </a:r>
             <a:endParaRPr kumimoji="1" lang="ja-JP" altLang="en-US" sz="1000">
               <a:latin typeface="Meiryo UI" panose="020B0604030504040204" pitchFamily="50" charset="-128"/>

--- a/work/work.pptx
+++ b/work/work.pptx
@@ -14,6 +14,8 @@
     <p:sldId id="266" r:id="rId8"/>
     <p:sldId id="264" r:id="rId9"/>
     <p:sldId id="265" r:id="rId10"/>
+    <p:sldId id="269" r:id="rId11"/>
+    <p:sldId id="270" r:id="rId12"/>
   </p:sldIdLst>
   <p:sldSz cx="12192000" cy="6858000"/>
   <p:notesSz cx="6858000" cy="9144000"/>
@@ -3705,6 +3707,965 @@
 </p:sld>
 </file>
 
+<file path=ppt/slides/slide10.xml><?xml version="1.0" encoding="utf-8"?>
+<p:sld xmlns:a="http://schemas.openxmlformats.org/drawingml/2006/main" xmlns:r="http://schemas.openxmlformats.org/officeDocument/2006/relationships" xmlns:p="http://schemas.openxmlformats.org/presentationml/2006/main">
+  <p:cSld>
+    <p:spTree>
+      <p:nvGrpSpPr>
+        <p:cNvPr id="1" name=""/>
+        <p:cNvGrpSpPr/>
+        <p:nvPr/>
+      </p:nvGrpSpPr>
+      <p:grpSpPr>
+        <a:xfrm>
+          <a:off x="0" y="0"/>
+          <a:ext cx="0" cy="0"/>
+          <a:chOff x="0" y="0"/>
+          <a:chExt cx="0" cy="0"/>
+        </a:xfrm>
+      </p:grpSpPr>
+      <p:pic>
+        <p:nvPicPr>
+          <p:cNvPr id="3" name="図 2">
+            <a:extLst>
+              <a:ext uri="{FF2B5EF4-FFF2-40B4-BE49-F238E27FC236}">
+                <a16:creationId xmlns:a16="http://schemas.microsoft.com/office/drawing/2014/main" id="{10B71FC0-554C-6F1A-AB39-06D237A95C71}"/>
+              </a:ext>
+            </a:extLst>
+          </p:cNvPr>
+          <p:cNvPicPr>
+            <a:picLocks noChangeAspect="1"/>
+          </p:cNvPicPr>
+          <p:nvPr/>
+        </p:nvPicPr>
+        <p:blipFill>
+          <a:blip r:embed="rId2"/>
+          <a:stretch>
+            <a:fillRect/>
+          </a:stretch>
+        </p:blipFill>
+        <p:spPr>
+          <a:xfrm>
+            <a:off x="1749983" y="1418464"/>
+            <a:ext cx="2422621" cy="2654036"/>
+          </a:xfrm>
+          <a:prstGeom prst="rect">
+            <a:avLst/>
+          </a:prstGeom>
+        </p:spPr>
+      </p:pic>
+      <p:pic>
+        <p:nvPicPr>
+          <p:cNvPr id="5" name="図 4">
+            <a:extLst>
+              <a:ext uri="{FF2B5EF4-FFF2-40B4-BE49-F238E27FC236}">
+                <a16:creationId xmlns:a16="http://schemas.microsoft.com/office/drawing/2014/main" id="{06CAD6C4-CB33-7801-EC72-D8664DE64BCC}"/>
+              </a:ext>
+            </a:extLst>
+          </p:cNvPr>
+          <p:cNvPicPr>
+            <a:picLocks noChangeAspect="1"/>
+          </p:cNvPicPr>
+          <p:nvPr/>
+        </p:nvPicPr>
+        <p:blipFill>
+          <a:blip r:embed="rId3"/>
+          <a:stretch>
+            <a:fillRect/>
+          </a:stretch>
+        </p:blipFill>
+        <p:spPr>
+          <a:xfrm>
+            <a:off x="4578993" y="1418464"/>
+            <a:ext cx="2415390" cy="2813134"/>
+          </a:xfrm>
+          <a:prstGeom prst="rect">
+            <a:avLst/>
+          </a:prstGeom>
+        </p:spPr>
+      </p:pic>
+      <p:pic>
+        <p:nvPicPr>
+          <p:cNvPr id="7" name="図 6">
+            <a:extLst>
+              <a:ext uri="{FF2B5EF4-FFF2-40B4-BE49-F238E27FC236}">
+                <a16:creationId xmlns:a16="http://schemas.microsoft.com/office/drawing/2014/main" id="{ED552429-A373-C6C1-1DE9-8FD41A3FBABE}"/>
+              </a:ext>
+            </a:extLst>
+          </p:cNvPr>
+          <p:cNvPicPr>
+            <a:picLocks noChangeAspect="1"/>
+          </p:cNvPicPr>
+          <p:nvPr/>
+        </p:nvPicPr>
+        <p:blipFill>
+          <a:blip r:embed="rId4"/>
+          <a:stretch>
+            <a:fillRect/>
+          </a:stretch>
+        </p:blipFill>
+        <p:spPr>
+          <a:xfrm>
+            <a:off x="7400772" y="1419528"/>
+            <a:ext cx="2415390" cy="2682963"/>
+          </a:xfrm>
+          <a:prstGeom prst="rect">
+            <a:avLst/>
+          </a:prstGeom>
+        </p:spPr>
+      </p:pic>
+      <p:sp>
+        <p:nvSpPr>
+          <p:cNvPr id="8" name="正方形/長方形 7">
+            <a:extLst>
+              <a:ext uri="{FF2B5EF4-FFF2-40B4-BE49-F238E27FC236}">
+                <a16:creationId xmlns:a16="http://schemas.microsoft.com/office/drawing/2014/main" id="{7228F451-B06A-25A2-E9C3-B698B909EBE6}"/>
+              </a:ext>
+            </a:extLst>
+          </p:cNvPr>
+          <p:cNvSpPr/>
+          <p:nvPr/>
+        </p:nvSpPr>
+        <p:spPr>
+          <a:xfrm>
+            <a:off x="1749983" y="1081539"/>
+            <a:ext cx="2422621" cy="259099"/>
+          </a:xfrm>
+          <a:prstGeom prst="rect">
+            <a:avLst/>
+          </a:prstGeom>
+          <a:solidFill>
+            <a:schemeClr val="bg1"/>
+          </a:solidFill>
+          <a:ln>
+            <a:noFill/>
+          </a:ln>
+        </p:spPr>
+        <p:style>
+          <a:lnRef idx="2">
+            <a:schemeClr val="accent1">
+              <a:shade val="50000"/>
+            </a:schemeClr>
+          </a:lnRef>
+          <a:fillRef idx="1">
+            <a:schemeClr val="accent1"/>
+          </a:fillRef>
+          <a:effectRef idx="0">
+            <a:schemeClr val="accent1"/>
+          </a:effectRef>
+          <a:fontRef idx="minor">
+            <a:schemeClr val="lt1"/>
+          </a:fontRef>
+        </p:style>
+        <p:txBody>
+          <a:bodyPr rtlCol="0" anchor="ctr"/>
+          <a:lstStyle/>
+          <a:p>
+            <a:pPr algn="ctr"/>
+            <a:r>
+              <a:rPr kumimoji="1" lang="en-US" altLang="ja-JP" sz="1000">
+                <a:solidFill>
+                  <a:schemeClr val="tx2"/>
+                </a:solidFill>
+                <a:latin typeface="Meiryo UI" panose="020B0604030504040204" pitchFamily="50" charset="-128"/>
+                <a:ea typeface="Meiryo UI" panose="020B0604030504040204" pitchFamily="50" charset="-128"/>
+              </a:rPr>
+              <a:t>App</a:t>
+            </a:r>
+            <a:r>
+              <a:rPr kumimoji="1" lang="ja-JP" altLang="en-US" sz="1000">
+                <a:solidFill>
+                  <a:schemeClr val="tx2"/>
+                </a:solidFill>
+                <a:latin typeface="Meiryo UI" panose="020B0604030504040204" pitchFamily="50" charset="-128"/>
+                <a:ea typeface="Meiryo UI" panose="020B0604030504040204" pitchFamily="50" charset="-128"/>
+              </a:rPr>
+              <a:t> </a:t>
+            </a:r>
+            <a:r>
+              <a:rPr kumimoji="1" lang="en-US" altLang="ja-JP" sz="1000">
+                <a:solidFill>
+                  <a:schemeClr val="tx2"/>
+                </a:solidFill>
+                <a:latin typeface="Meiryo UI" panose="020B0604030504040204" pitchFamily="50" charset="-128"/>
+                <a:ea typeface="Meiryo UI" panose="020B0604030504040204" pitchFamily="50" charset="-128"/>
+              </a:rPr>
+              <a:t>scene</a:t>
+            </a:r>
+            <a:endParaRPr kumimoji="1" lang="ja-JP" altLang="en-US" sz="1000">
+              <a:solidFill>
+                <a:schemeClr val="tx2"/>
+              </a:solidFill>
+              <a:latin typeface="Meiryo UI" panose="020B0604030504040204" pitchFamily="50" charset="-128"/>
+              <a:ea typeface="Meiryo UI" panose="020B0604030504040204" pitchFamily="50" charset="-128"/>
+            </a:endParaRPr>
+          </a:p>
+        </p:txBody>
+      </p:sp>
+      <p:sp>
+        <p:nvSpPr>
+          <p:cNvPr id="9" name="正方形/長方形 8">
+            <a:extLst>
+              <a:ext uri="{FF2B5EF4-FFF2-40B4-BE49-F238E27FC236}">
+                <a16:creationId xmlns:a16="http://schemas.microsoft.com/office/drawing/2014/main" id="{1C4223E7-3B1F-05EC-06EB-776A3576F0C5}"/>
+              </a:ext>
+            </a:extLst>
+          </p:cNvPr>
+          <p:cNvSpPr/>
+          <p:nvPr/>
+        </p:nvSpPr>
+        <p:spPr>
+          <a:xfrm>
+            <a:off x="4571762" y="1081539"/>
+            <a:ext cx="2422621" cy="259099"/>
+          </a:xfrm>
+          <a:prstGeom prst="rect">
+            <a:avLst/>
+          </a:prstGeom>
+          <a:solidFill>
+            <a:schemeClr val="bg1"/>
+          </a:solidFill>
+          <a:ln>
+            <a:noFill/>
+          </a:ln>
+        </p:spPr>
+        <p:style>
+          <a:lnRef idx="2">
+            <a:schemeClr val="accent1">
+              <a:shade val="50000"/>
+            </a:schemeClr>
+          </a:lnRef>
+          <a:fillRef idx="1">
+            <a:schemeClr val="accent1"/>
+          </a:fillRef>
+          <a:effectRef idx="0">
+            <a:schemeClr val="accent1"/>
+          </a:effectRef>
+          <a:fontRef idx="minor">
+            <a:schemeClr val="lt1"/>
+          </a:fontRef>
+        </p:style>
+        <p:txBody>
+          <a:bodyPr rtlCol="0" anchor="ctr"/>
+          <a:lstStyle/>
+          <a:p>
+            <a:pPr algn="ctr"/>
+            <a:r>
+              <a:rPr kumimoji="1" lang="en-US" altLang="ja-JP" sz="1000">
+                <a:solidFill>
+                  <a:schemeClr val="tx2"/>
+                </a:solidFill>
+                <a:latin typeface="Meiryo UI" panose="020B0604030504040204" pitchFamily="50" charset="-128"/>
+                <a:ea typeface="Meiryo UI" panose="020B0604030504040204" pitchFamily="50" charset="-128"/>
+              </a:rPr>
+              <a:t>Models</a:t>
+            </a:r>
+            <a:r>
+              <a:rPr kumimoji="1" lang="ja-JP" altLang="en-US" sz="1000">
+                <a:solidFill>
+                  <a:schemeClr val="tx2"/>
+                </a:solidFill>
+                <a:latin typeface="Meiryo UI" panose="020B0604030504040204" pitchFamily="50" charset="-128"/>
+                <a:ea typeface="Meiryo UI" panose="020B0604030504040204" pitchFamily="50" charset="-128"/>
+              </a:rPr>
+              <a:t> </a:t>
+            </a:r>
+            <a:r>
+              <a:rPr kumimoji="1" lang="en-US" altLang="ja-JP" sz="1000">
+                <a:solidFill>
+                  <a:schemeClr val="tx2"/>
+                </a:solidFill>
+                <a:latin typeface="Meiryo UI" panose="020B0604030504040204" pitchFamily="50" charset="-128"/>
+                <a:ea typeface="Meiryo UI" panose="020B0604030504040204" pitchFamily="50" charset="-128"/>
+              </a:rPr>
+              <a:t>scene</a:t>
+            </a:r>
+            <a:endParaRPr kumimoji="1" lang="ja-JP" altLang="en-US" sz="1000">
+              <a:solidFill>
+                <a:schemeClr val="tx2"/>
+              </a:solidFill>
+              <a:latin typeface="Meiryo UI" panose="020B0604030504040204" pitchFamily="50" charset="-128"/>
+              <a:ea typeface="Meiryo UI" panose="020B0604030504040204" pitchFamily="50" charset="-128"/>
+            </a:endParaRPr>
+          </a:p>
+        </p:txBody>
+      </p:sp>
+      <p:sp>
+        <p:nvSpPr>
+          <p:cNvPr id="10" name="正方形/長方形 9">
+            <a:extLst>
+              <a:ext uri="{FF2B5EF4-FFF2-40B4-BE49-F238E27FC236}">
+                <a16:creationId xmlns:a16="http://schemas.microsoft.com/office/drawing/2014/main" id="{BF38C3C3-90A3-4B79-8B7A-F232043E6CAC}"/>
+              </a:ext>
+            </a:extLst>
+          </p:cNvPr>
+          <p:cNvSpPr/>
+          <p:nvPr/>
+        </p:nvSpPr>
+        <p:spPr>
+          <a:xfrm>
+            <a:off x="7393541" y="1081538"/>
+            <a:ext cx="2422621" cy="259099"/>
+          </a:xfrm>
+          <a:prstGeom prst="rect">
+            <a:avLst/>
+          </a:prstGeom>
+          <a:solidFill>
+            <a:schemeClr val="bg1"/>
+          </a:solidFill>
+          <a:ln>
+            <a:noFill/>
+          </a:ln>
+        </p:spPr>
+        <p:style>
+          <a:lnRef idx="2">
+            <a:schemeClr val="accent1">
+              <a:shade val="50000"/>
+            </a:schemeClr>
+          </a:lnRef>
+          <a:fillRef idx="1">
+            <a:schemeClr val="accent1"/>
+          </a:fillRef>
+          <a:effectRef idx="0">
+            <a:schemeClr val="accent1"/>
+          </a:effectRef>
+          <a:fontRef idx="minor">
+            <a:schemeClr val="lt1"/>
+          </a:fontRef>
+        </p:style>
+        <p:txBody>
+          <a:bodyPr rtlCol="0" anchor="ctr"/>
+          <a:lstStyle/>
+          <a:p>
+            <a:pPr algn="ctr"/>
+            <a:r>
+              <a:rPr kumimoji="1" lang="en-US" altLang="ja-JP" sz="1000">
+                <a:solidFill>
+                  <a:schemeClr val="tx2"/>
+                </a:solidFill>
+                <a:latin typeface="Meiryo UI" panose="020B0604030504040204" pitchFamily="50" charset="-128"/>
+                <a:ea typeface="Meiryo UI" panose="020B0604030504040204" pitchFamily="50" charset="-128"/>
+              </a:rPr>
+              <a:t>AvatarSelectionScreen</a:t>
+            </a:r>
+            <a:r>
+              <a:rPr kumimoji="1" lang="ja-JP" altLang="en-US" sz="1000">
+                <a:solidFill>
+                  <a:schemeClr val="tx2"/>
+                </a:solidFill>
+                <a:latin typeface="Meiryo UI" panose="020B0604030504040204" pitchFamily="50" charset="-128"/>
+                <a:ea typeface="Meiryo UI" panose="020B0604030504040204" pitchFamily="50" charset="-128"/>
+              </a:rPr>
+              <a:t> </a:t>
+            </a:r>
+            <a:r>
+              <a:rPr kumimoji="1" lang="en-US" altLang="ja-JP" sz="1000">
+                <a:solidFill>
+                  <a:schemeClr val="tx2"/>
+                </a:solidFill>
+                <a:latin typeface="Meiryo UI" panose="020B0604030504040204" pitchFamily="50" charset="-128"/>
+                <a:ea typeface="Meiryo UI" panose="020B0604030504040204" pitchFamily="50" charset="-128"/>
+              </a:rPr>
+              <a:t>scene</a:t>
+            </a:r>
+            <a:endParaRPr kumimoji="1" lang="ja-JP" altLang="en-US" sz="1000">
+              <a:solidFill>
+                <a:schemeClr val="tx2"/>
+              </a:solidFill>
+              <a:latin typeface="Meiryo UI" panose="020B0604030504040204" pitchFamily="50" charset="-128"/>
+              <a:ea typeface="Meiryo UI" panose="020B0604030504040204" pitchFamily="50" charset="-128"/>
+            </a:endParaRPr>
+          </a:p>
+        </p:txBody>
+      </p:sp>
+      <p:cxnSp>
+        <p:nvCxnSpPr>
+          <p:cNvPr id="14" name="直線矢印コネクタ 24">
+            <a:extLst>
+              <a:ext uri="{FF2B5EF4-FFF2-40B4-BE49-F238E27FC236}">
+                <a16:creationId xmlns:a16="http://schemas.microsoft.com/office/drawing/2014/main" id="{6E5F0D0B-4697-4FAE-2FA8-73D133491FC4}"/>
+              </a:ext>
+            </a:extLst>
+          </p:cNvPr>
+          <p:cNvCxnSpPr>
+            <a:cxnSpLocks/>
+          </p:cNvCxnSpPr>
+          <p:nvPr/>
+        </p:nvCxnSpPr>
+        <p:spPr>
+          <a:xfrm flipH="1" flipV="1">
+            <a:off x="3417455" y="2964873"/>
+            <a:ext cx="1330036" cy="277091"/>
+          </a:xfrm>
+          <a:prstGeom prst="straightConnector1">
+            <a:avLst/>
+          </a:prstGeom>
+          <a:ln w="12700">
+            <a:solidFill>
+              <a:srgbClr val="FF6F61"/>
+            </a:solidFill>
+            <a:tailEnd type="triangle"/>
+          </a:ln>
+        </p:spPr>
+        <p:style>
+          <a:lnRef idx="1">
+            <a:schemeClr val="accent1"/>
+          </a:lnRef>
+          <a:fillRef idx="0">
+            <a:schemeClr val="accent1"/>
+          </a:fillRef>
+          <a:effectRef idx="0">
+            <a:schemeClr val="accent1"/>
+          </a:effectRef>
+          <a:fontRef idx="minor">
+            <a:schemeClr val="tx1"/>
+          </a:fontRef>
+        </p:style>
+      </p:cxnSp>
+      <p:cxnSp>
+        <p:nvCxnSpPr>
+          <p:cNvPr id="17" name="直線矢印コネクタ 24">
+            <a:extLst>
+              <a:ext uri="{FF2B5EF4-FFF2-40B4-BE49-F238E27FC236}">
+                <a16:creationId xmlns:a16="http://schemas.microsoft.com/office/drawing/2014/main" id="{2ADAC91D-1C39-BD05-3AB1-2ADA8D4AE489}"/>
+              </a:ext>
+            </a:extLst>
+          </p:cNvPr>
+          <p:cNvCxnSpPr>
+            <a:cxnSpLocks/>
+          </p:cNvCxnSpPr>
+          <p:nvPr/>
+        </p:nvCxnSpPr>
+        <p:spPr>
+          <a:xfrm flipH="1" flipV="1">
+            <a:off x="6336145" y="2964873"/>
+            <a:ext cx="1209964" cy="277091"/>
+          </a:xfrm>
+          <a:prstGeom prst="straightConnector1">
+            <a:avLst/>
+          </a:prstGeom>
+          <a:ln w="12700">
+            <a:solidFill>
+              <a:srgbClr val="FF6F61"/>
+            </a:solidFill>
+            <a:tailEnd type="triangle"/>
+          </a:ln>
+        </p:spPr>
+        <p:style>
+          <a:lnRef idx="1">
+            <a:schemeClr val="accent1"/>
+          </a:lnRef>
+          <a:fillRef idx="0">
+            <a:schemeClr val="accent1"/>
+          </a:fillRef>
+          <a:effectRef idx="0">
+            <a:schemeClr val="accent1"/>
+          </a:effectRef>
+          <a:fontRef idx="minor">
+            <a:schemeClr val="tx1"/>
+          </a:fontRef>
+        </p:style>
+      </p:cxnSp>
+    </p:spTree>
+    <p:extLst>
+      <p:ext uri="{BB962C8B-B14F-4D97-AF65-F5344CB8AC3E}">
+        <p14:creationId xmlns:p14="http://schemas.microsoft.com/office/powerpoint/2010/main" val="4007105653"/>
+      </p:ext>
+    </p:extLst>
+  </p:cSld>
+  <p:clrMapOvr>
+    <a:masterClrMapping/>
+  </p:clrMapOvr>
+</p:sld>
+</file>
+
+<file path=ppt/slides/slide11.xml><?xml version="1.0" encoding="utf-8"?>
+<p:sld xmlns:a="http://schemas.openxmlformats.org/drawingml/2006/main" xmlns:r="http://schemas.openxmlformats.org/officeDocument/2006/relationships" xmlns:p="http://schemas.openxmlformats.org/presentationml/2006/main">
+  <p:cSld>
+    <p:spTree>
+      <p:nvGrpSpPr>
+        <p:cNvPr id="1" name=""/>
+        <p:cNvGrpSpPr/>
+        <p:nvPr/>
+      </p:nvGrpSpPr>
+      <p:grpSpPr>
+        <a:xfrm>
+          <a:off x="0" y="0"/>
+          <a:ext cx="0" cy="0"/>
+          <a:chOff x="0" y="0"/>
+          <a:chExt cx="0" cy="0"/>
+        </a:xfrm>
+      </p:grpSpPr>
+      <p:pic>
+        <p:nvPicPr>
+          <p:cNvPr id="3" name="図 2">
+            <a:extLst>
+              <a:ext uri="{FF2B5EF4-FFF2-40B4-BE49-F238E27FC236}">
+                <a16:creationId xmlns:a16="http://schemas.microsoft.com/office/drawing/2014/main" id="{CA51928B-3D83-C12B-54FE-2D008F8D7786}"/>
+              </a:ext>
+            </a:extLst>
+          </p:cNvPr>
+          <p:cNvPicPr>
+            <a:picLocks noChangeAspect="1"/>
+          </p:cNvPicPr>
+          <p:nvPr/>
+        </p:nvPicPr>
+        <p:blipFill>
+          <a:blip r:embed="rId2"/>
+          <a:stretch>
+            <a:fillRect/>
+          </a:stretch>
+        </p:blipFill>
+        <p:spPr>
+          <a:xfrm>
+            <a:off x="2032000" y="2749786"/>
+            <a:ext cx="2247634" cy="1732395"/>
+          </a:xfrm>
+          <a:prstGeom prst="rect">
+            <a:avLst/>
+          </a:prstGeom>
+        </p:spPr>
+      </p:pic>
+      <p:pic>
+        <p:nvPicPr>
+          <p:cNvPr id="5" name="図 4">
+            <a:extLst>
+              <a:ext uri="{FF2B5EF4-FFF2-40B4-BE49-F238E27FC236}">
+                <a16:creationId xmlns:a16="http://schemas.microsoft.com/office/drawing/2014/main" id="{F4F92ADF-2757-2A23-5B49-0EBB623A8337}"/>
+              </a:ext>
+            </a:extLst>
+          </p:cNvPr>
+          <p:cNvPicPr>
+            <a:picLocks noChangeAspect="1"/>
+          </p:cNvPicPr>
+          <p:nvPr/>
+        </p:nvPicPr>
+        <p:blipFill>
+          <a:blip r:embed="rId3"/>
+          <a:stretch>
+            <a:fillRect/>
+          </a:stretch>
+        </p:blipFill>
+        <p:spPr>
+          <a:xfrm>
+            <a:off x="4612147" y="388301"/>
+            <a:ext cx="3158635" cy="2747938"/>
+          </a:xfrm>
+          <a:prstGeom prst="rect">
+            <a:avLst/>
+          </a:prstGeom>
+        </p:spPr>
+      </p:pic>
+      <p:pic>
+        <p:nvPicPr>
+          <p:cNvPr id="7" name="図 6">
+            <a:extLst>
+              <a:ext uri="{FF2B5EF4-FFF2-40B4-BE49-F238E27FC236}">
+                <a16:creationId xmlns:a16="http://schemas.microsoft.com/office/drawing/2014/main" id="{14492DB4-4DCC-AF77-89EF-99440FE7E502}"/>
+              </a:ext>
+            </a:extLst>
+          </p:cNvPr>
+          <p:cNvPicPr>
+            <a:picLocks noChangeAspect="1"/>
+          </p:cNvPicPr>
+          <p:nvPr/>
+        </p:nvPicPr>
+        <p:blipFill>
+          <a:blip r:embed="rId4"/>
+          <a:stretch>
+            <a:fillRect/>
+          </a:stretch>
+        </p:blipFill>
+        <p:spPr>
+          <a:xfrm>
+            <a:off x="4604679" y="3456609"/>
+            <a:ext cx="3166103" cy="2456716"/>
+          </a:xfrm>
+          <a:prstGeom prst="rect">
+            <a:avLst/>
+          </a:prstGeom>
+        </p:spPr>
+      </p:pic>
+      <p:pic>
+        <p:nvPicPr>
+          <p:cNvPr id="9" name="図 8">
+            <a:extLst>
+              <a:ext uri="{FF2B5EF4-FFF2-40B4-BE49-F238E27FC236}">
+                <a16:creationId xmlns:a16="http://schemas.microsoft.com/office/drawing/2014/main" id="{8D8B3CF8-409C-1F39-EEB7-2C9675C69F52}"/>
+              </a:ext>
+            </a:extLst>
+          </p:cNvPr>
+          <p:cNvPicPr>
+            <a:picLocks noChangeAspect="1"/>
+          </p:cNvPicPr>
+          <p:nvPr/>
+        </p:nvPicPr>
+        <p:blipFill rotWithShape="1">
+          <a:blip r:embed="rId5"/>
+          <a:srcRect r="13444" b="37517"/>
+          <a:stretch/>
+        </p:blipFill>
+        <p:spPr>
+          <a:xfrm>
+            <a:off x="8114516" y="1953479"/>
+            <a:ext cx="3839225" cy="1870949"/>
+          </a:xfrm>
+          <a:prstGeom prst="rect">
+            <a:avLst/>
+          </a:prstGeom>
+        </p:spPr>
+      </p:pic>
+      <p:cxnSp>
+        <p:nvCxnSpPr>
+          <p:cNvPr id="10" name="直線矢印コネクタ 24">
+            <a:extLst>
+              <a:ext uri="{FF2B5EF4-FFF2-40B4-BE49-F238E27FC236}">
+                <a16:creationId xmlns:a16="http://schemas.microsoft.com/office/drawing/2014/main" id="{2E74A260-D0E4-9D16-76F8-1151E0157A7C}"/>
+              </a:ext>
+            </a:extLst>
+          </p:cNvPr>
+          <p:cNvCxnSpPr>
+            <a:cxnSpLocks/>
+          </p:cNvCxnSpPr>
+          <p:nvPr/>
+        </p:nvCxnSpPr>
+        <p:spPr>
+          <a:xfrm flipV="1">
+            <a:off x="2908845" y="728020"/>
+            <a:ext cx="1794389" cy="2504548"/>
+          </a:xfrm>
+          <a:prstGeom prst="straightConnector1">
+            <a:avLst/>
+          </a:prstGeom>
+          <a:ln w="12700">
+            <a:solidFill>
+              <a:srgbClr val="FF6F61"/>
+            </a:solidFill>
+            <a:tailEnd type="triangle"/>
+          </a:ln>
+        </p:spPr>
+        <p:style>
+          <a:lnRef idx="1">
+            <a:schemeClr val="accent1"/>
+          </a:lnRef>
+          <a:fillRef idx="0">
+            <a:schemeClr val="accent1"/>
+          </a:fillRef>
+          <a:effectRef idx="0">
+            <a:schemeClr val="accent1"/>
+          </a:effectRef>
+          <a:fontRef idx="minor">
+            <a:schemeClr val="tx1"/>
+          </a:fontRef>
+        </p:style>
+      </p:cxnSp>
+      <p:cxnSp>
+        <p:nvCxnSpPr>
+          <p:cNvPr id="14" name="直線矢印コネクタ 24">
+            <a:extLst>
+              <a:ext uri="{FF2B5EF4-FFF2-40B4-BE49-F238E27FC236}">
+                <a16:creationId xmlns:a16="http://schemas.microsoft.com/office/drawing/2014/main" id="{2E56AE25-F07D-D703-033C-388353162F0E}"/>
+              </a:ext>
+            </a:extLst>
+          </p:cNvPr>
+          <p:cNvCxnSpPr>
+            <a:cxnSpLocks/>
+          </p:cNvCxnSpPr>
+          <p:nvPr/>
+        </p:nvCxnSpPr>
+        <p:spPr>
+          <a:xfrm>
+            <a:off x="2820901" y="3360280"/>
+            <a:ext cx="1871323" cy="392014"/>
+          </a:xfrm>
+          <a:prstGeom prst="straightConnector1">
+            <a:avLst/>
+          </a:prstGeom>
+          <a:ln w="12700">
+            <a:solidFill>
+              <a:srgbClr val="FF6F61"/>
+            </a:solidFill>
+            <a:tailEnd type="triangle"/>
+          </a:ln>
+        </p:spPr>
+        <p:style>
+          <a:lnRef idx="1">
+            <a:schemeClr val="accent1"/>
+          </a:lnRef>
+          <a:fillRef idx="0">
+            <a:schemeClr val="accent1"/>
+          </a:fillRef>
+          <a:effectRef idx="0">
+            <a:schemeClr val="accent1"/>
+          </a:effectRef>
+          <a:fontRef idx="minor">
+            <a:schemeClr val="tx1"/>
+          </a:fontRef>
+        </p:style>
+      </p:cxnSp>
+      <p:cxnSp>
+        <p:nvCxnSpPr>
+          <p:cNvPr id="18" name="直線矢印コネクタ 24">
+            <a:extLst>
+              <a:ext uri="{FF2B5EF4-FFF2-40B4-BE49-F238E27FC236}">
+                <a16:creationId xmlns:a16="http://schemas.microsoft.com/office/drawing/2014/main" id="{C40112FD-7429-D565-D1AB-B214EF18367D}"/>
+              </a:ext>
+            </a:extLst>
+          </p:cNvPr>
+          <p:cNvCxnSpPr>
+            <a:cxnSpLocks/>
+          </p:cNvCxnSpPr>
+          <p:nvPr/>
+        </p:nvCxnSpPr>
+        <p:spPr>
+          <a:xfrm flipH="1" flipV="1">
+            <a:off x="6797964" y="1815856"/>
+            <a:ext cx="3362036" cy="882864"/>
+          </a:xfrm>
+          <a:prstGeom prst="straightConnector1">
+            <a:avLst/>
+          </a:prstGeom>
+          <a:ln w="12700">
+            <a:solidFill>
+              <a:srgbClr val="FF6F61"/>
+            </a:solidFill>
+            <a:tailEnd type="triangle"/>
+          </a:ln>
+        </p:spPr>
+        <p:style>
+          <a:lnRef idx="1">
+            <a:schemeClr val="accent1"/>
+          </a:lnRef>
+          <a:fillRef idx="0">
+            <a:schemeClr val="accent1"/>
+          </a:fillRef>
+          <a:effectRef idx="0">
+            <a:schemeClr val="accent1"/>
+          </a:effectRef>
+          <a:fontRef idx="minor">
+            <a:schemeClr val="tx1"/>
+          </a:fontRef>
+        </p:style>
+      </p:cxnSp>
+      <p:cxnSp>
+        <p:nvCxnSpPr>
+          <p:cNvPr id="21" name="直線矢印コネクタ 24">
+            <a:extLst>
+              <a:ext uri="{FF2B5EF4-FFF2-40B4-BE49-F238E27FC236}">
+                <a16:creationId xmlns:a16="http://schemas.microsoft.com/office/drawing/2014/main" id="{895EC089-6456-ACEB-3739-09F4AF3B1689}"/>
+              </a:ext>
+            </a:extLst>
+          </p:cNvPr>
+          <p:cNvCxnSpPr>
+            <a:cxnSpLocks/>
+          </p:cNvCxnSpPr>
+          <p:nvPr/>
+        </p:nvCxnSpPr>
+        <p:spPr>
+          <a:xfrm flipH="1">
+            <a:off x="6714836" y="2822046"/>
+            <a:ext cx="3445164" cy="2036281"/>
+          </a:xfrm>
+          <a:prstGeom prst="straightConnector1">
+            <a:avLst/>
+          </a:prstGeom>
+          <a:ln w="12700">
+            <a:solidFill>
+              <a:srgbClr val="FF6F61"/>
+            </a:solidFill>
+            <a:tailEnd type="triangle"/>
+          </a:ln>
+        </p:spPr>
+        <p:style>
+          <a:lnRef idx="1">
+            <a:schemeClr val="accent1"/>
+          </a:lnRef>
+          <a:fillRef idx="0">
+            <a:schemeClr val="accent1"/>
+          </a:fillRef>
+          <a:effectRef idx="0">
+            <a:schemeClr val="accent1"/>
+          </a:effectRef>
+          <a:fontRef idx="minor">
+            <a:schemeClr val="tx1"/>
+          </a:fontRef>
+        </p:style>
+      </p:cxnSp>
+      <p:cxnSp>
+        <p:nvCxnSpPr>
+          <p:cNvPr id="35" name="直線矢印コネクタ 24">
+            <a:extLst>
+              <a:ext uri="{FF2B5EF4-FFF2-40B4-BE49-F238E27FC236}">
+                <a16:creationId xmlns:a16="http://schemas.microsoft.com/office/drawing/2014/main" id="{8BBC4392-B3D3-E34B-2E75-62A248BD1750}"/>
+              </a:ext>
+            </a:extLst>
+          </p:cNvPr>
+          <p:cNvCxnSpPr>
+            <a:cxnSpLocks/>
+          </p:cNvCxnSpPr>
+          <p:nvPr/>
+        </p:nvCxnSpPr>
+        <p:spPr>
+          <a:xfrm>
+            <a:off x="3676073" y="4048468"/>
+            <a:ext cx="1007449" cy="1290148"/>
+          </a:xfrm>
+          <a:prstGeom prst="straightConnector1">
+            <a:avLst/>
+          </a:prstGeom>
+          <a:ln w="12700">
+            <a:solidFill>
+              <a:srgbClr val="FF6F61"/>
+            </a:solidFill>
+            <a:tailEnd type="triangle"/>
+          </a:ln>
+        </p:spPr>
+        <p:style>
+          <a:lnRef idx="1">
+            <a:schemeClr val="accent1"/>
+          </a:lnRef>
+          <a:fillRef idx="0">
+            <a:schemeClr val="accent1"/>
+          </a:fillRef>
+          <a:effectRef idx="0">
+            <a:schemeClr val="accent1"/>
+          </a:effectRef>
+          <a:fontRef idx="minor">
+            <a:schemeClr val="tx1"/>
+          </a:fontRef>
+        </p:style>
+      </p:cxnSp>
+      <p:cxnSp>
+        <p:nvCxnSpPr>
+          <p:cNvPr id="37" name="直線矢印コネクタ 24">
+            <a:extLst>
+              <a:ext uri="{FF2B5EF4-FFF2-40B4-BE49-F238E27FC236}">
+                <a16:creationId xmlns:a16="http://schemas.microsoft.com/office/drawing/2014/main" id="{79830161-351D-481B-6040-6E13764AF9E2}"/>
+              </a:ext>
+            </a:extLst>
+          </p:cNvPr>
+          <p:cNvCxnSpPr>
+            <a:cxnSpLocks/>
+          </p:cNvCxnSpPr>
+          <p:nvPr/>
+        </p:nvCxnSpPr>
+        <p:spPr>
+          <a:xfrm>
+            <a:off x="4712470" y="5107707"/>
+            <a:ext cx="0" cy="461819"/>
+          </a:xfrm>
+          <a:prstGeom prst="straightConnector1">
+            <a:avLst/>
+          </a:prstGeom>
+          <a:ln w="38100">
+            <a:solidFill>
+              <a:srgbClr val="FF6F61"/>
+            </a:solidFill>
+            <a:tailEnd type="none"/>
+          </a:ln>
+        </p:spPr>
+        <p:style>
+          <a:lnRef idx="1">
+            <a:schemeClr val="accent1"/>
+          </a:lnRef>
+          <a:fillRef idx="0">
+            <a:schemeClr val="accent1"/>
+          </a:fillRef>
+          <a:effectRef idx="0">
+            <a:schemeClr val="accent1"/>
+          </a:effectRef>
+          <a:fontRef idx="minor">
+            <a:schemeClr val="tx1"/>
+          </a:fontRef>
+        </p:style>
+      </p:cxnSp>
+      <p:cxnSp>
+        <p:nvCxnSpPr>
+          <p:cNvPr id="40" name="直線矢印コネクタ 24">
+            <a:extLst>
+              <a:ext uri="{FF2B5EF4-FFF2-40B4-BE49-F238E27FC236}">
+                <a16:creationId xmlns:a16="http://schemas.microsoft.com/office/drawing/2014/main" id="{7DB2475B-9D99-B96F-0605-06EBC66F7DC3}"/>
+              </a:ext>
+            </a:extLst>
+          </p:cNvPr>
+          <p:cNvCxnSpPr>
+            <a:cxnSpLocks/>
+          </p:cNvCxnSpPr>
+          <p:nvPr/>
+        </p:nvCxnSpPr>
+        <p:spPr>
+          <a:xfrm>
+            <a:off x="3676073" y="3861372"/>
+            <a:ext cx="0" cy="374193"/>
+          </a:xfrm>
+          <a:prstGeom prst="straightConnector1">
+            <a:avLst/>
+          </a:prstGeom>
+          <a:ln w="38100">
+            <a:solidFill>
+              <a:srgbClr val="FF6F61"/>
+            </a:solidFill>
+            <a:tailEnd type="none"/>
+          </a:ln>
+        </p:spPr>
+        <p:style>
+          <a:lnRef idx="1">
+            <a:schemeClr val="accent1"/>
+          </a:lnRef>
+          <a:fillRef idx="0">
+            <a:schemeClr val="accent1"/>
+          </a:fillRef>
+          <a:effectRef idx="0">
+            <a:schemeClr val="accent1"/>
+          </a:effectRef>
+          <a:fontRef idx="minor">
+            <a:schemeClr val="tx1"/>
+          </a:fontRef>
+        </p:style>
+      </p:cxnSp>
+      <p:pic>
+        <p:nvPicPr>
+          <p:cNvPr id="61" name="図 60">
+            <a:extLst>
+              <a:ext uri="{FF2B5EF4-FFF2-40B4-BE49-F238E27FC236}">
+                <a16:creationId xmlns:a16="http://schemas.microsoft.com/office/drawing/2014/main" id="{C6BA4231-956A-77EA-7ABA-AB13CCEB0A54}"/>
+              </a:ext>
+            </a:extLst>
+          </p:cNvPr>
+          <p:cNvPicPr>
+            <a:picLocks noChangeAspect="1"/>
+          </p:cNvPicPr>
+          <p:nvPr/>
+        </p:nvPicPr>
+        <p:blipFill>
+          <a:blip r:embed="rId6"/>
+          <a:stretch>
+            <a:fillRect/>
+          </a:stretch>
+        </p:blipFill>
+        <p:spPr>
+          <a:xfrm>
+            <a:off x="195211" y="388301"/>
+            <a:ext cx="2960606" cy="2000250"/>
+          </a:xfrm>
+          <a:prstGeom prst="rect">
+            <a:avLst/>
+          </a:prstGeom>
+        </p:spPr>
+      </p:pic>
+    </p:spTree>
+    <p:extLst>
+      <p:ext uri="{BB962C8B-B14F-4D97-AF65-F5344CB8AC3E}">
+        <p14:creationId xmlns:p14="http://schemas.microsoft.com/office/powerpoint/2010/main" val="2061840096"/>
+      </p:ext>
+    </p:extLst>
+  </p:cSld>
+  <p:clrMapOvr>
+    <a:masterClrMapping/>
+  </p:clrMapOvr>
+</p:sld>
+</file>
+
 <file path=ppt/slides/slide2.xml><?xml version="1.0" encoding="utf-8"?>
 <p:sld xmlns:a="http://schemas.openxmlformats.org/drawingml/2006/main" xmlns:r="http://schemas.openxmlformats.org/officeDocument/2006/relationships" xmlns:p="http://schemas.openxmlformats.org/presentationml/2006/main">
   <p:cSld>

--- a/work/work.pptx
+++ b/work/work.pptx
@@ -16,6 +16,14 @@
     <p:sldId id="265" r:id="rId10"/>
     <p:sldId id="269" r:id="rId11"/>
     <p:sldId id="270" r:id="rId12"/>
+    <p:sldId id="272" r:id="rId13"/>
+    <p:sldId id="271" r:id="rId14"/>
+    <p:sldId id="274" r:id="rId15"/>
+    <p:sldId id="273" r:id="rId16"/>
+    <p:sldId id="275" r:id="rId17"/>
+    <p:sldId id="276" r:id="rId18"/>
+    <p:sldId id="277" r:id="rId19"/>
+    <p:sldId id="278" r:id="rId20"/>
   </p:sldIdLst>
   <p:sldSz cx="12192000" cy="6858000"/>
   <p:notesSz cx="6858000" cy="9144000"/>
@@ -269,7 +277,7 @@
           <a:p>
             <a:fld id="{DADCA3C0-8A91-47C6-9688-037592343C81}" type="datetimeFigureOut">
               <a:rPr kumimoji="1" lang="ja-JP" altLang="en-US" smtClean="0"/>
-              <a:t>2022/11/11</a:t>
+              <a:t>2022/11/14</a:t>
             </a:fld>
             <a:endParaRPr kumimoji="1" lang="ja-JP" altLang="en-US"/>
           </a:p>
@@ -499,7 +507,7 @@
           <a:p>
             <a:fld id="{DADCA3C0-8A91-47C6-9688-037592343C81}" type="datetimeFigureOut">
               <a:rPr kumimoji="1" lang="ja-JP" altLang="en-US" smtClean="0"/>
-              <a:t>2022/11/11</a:t>
+              <a:t>2022/11/14</a:t>
             </a:fld>
             <a:endParaRPr kumimoji="1" lang="ja-JP" altLang="en-US"/>
           </a:p>
@@ -739,7 +747,7 @@
           <a:p>
             <a:fld id="{DADCA3C0-8A91-47C6-9688-037592343C81}" type="datetimeFigureOut">
               <a:rPr kumimoji="1" lang="ja-JP" altLang="en-US" smtClean="0"/>
-              <a:t>2022/11/11</a:t>
+              <a:t>2022/11/14</a:t>
             </a:fld>
             <a:endParaRPr kumimoji="1" lang="ja-JP" altLang="en-US"/>
           </a:p>
@@ -969,7 +977,7 @@
           <a:p>
             <a:fld id="{DADCA3C0-8A91-47C6-9688-037592343C81}" type="datetimeFigureOut">
               <a:rPr kumimoji="1" lang="ja-JP" altLang="en-US" smtClean="0"/>
-              <a:t>2022/11/11</a:t>
+              <a:t>2022/11/14</a:t>
             </a:fld>
             <a:endParaRPr kumimoji="1" lang="ja-JP" altLang="en-US"/>
           </a:p>
@@ -1244,7 +1252,7 @@
           <a:p>
             <a:fld id="{DADCA3C0-8A91-47C6-9688-037592343C81}" type="datetimeFigureOut">
               <a:rPr kumimoji="1" lang="ja-JP" altLang="en-US" smtClean="0"/>
-              <a:t>2022/11/11</a:t>
+              <a:t>2022/11/14</a:t>
             </a:fld>
             <a:endParaRPr kumimoji="1" lang="ja-JP" altLang="en-US"/>
           </a:p>
@@ -1573,7 +1581,7 @@
           <a:p>
             <a:fld id="{DADCA3C0-8A91-47C6-9688-037592343C81}" type="datetimeFigureOut">
               <a:rPr kumimoji="1" lang="ja-JP" altLang="en-US" smtClean="0"/>
-              <a:t>2022/11/11</a:t>
+              <a:t>2022/11/14</a:t>
             </a:fld>
             <a:endParaRPr kumimoji="1" lang="ja-JP" altLang="en-US"/>
           </a:p>
@@ -2049,7 +2057,7 @@
           <a:p>
             <a:fld id="{DADCA3C0-8A91-47C6-9688-037592343C81}" type="datetimeFigureOut">
               <a:rPr kumimoji="1" lang="ja-JP" altLang="en-US" smtClean="0"/>
-              <a:t>2022/11/11</a:t>
+              <a:t>2022/11/14</a:t>
             </a:fld>
             <a:endParaRPr kumimoji="1" lang="ja-JP" altLang="en-US"/>
           </a:p>
@@ -2190,7 +2198,7 @@
           <a:p>
             <a:fld id="{DADCA3C0-8A91-47C6-9688-037592343C81}" type="datetimeFigureOut">
               <a:rPr kumimoji="1" lang="ja-JP" altLang="en-US" smtClean="0"/>
-              <a:t>2022/11/11</a:t>
+              <a:t>2022/11/14</a:t>
             </a:fld>
             <a:endParaRPr kumimoji="1" lang="ja-JP" altLang="en-US"/>
           </a:p>
@@ -2303,7 +2311,7 @@
           <a:p>
             <a:fld id="{DADCA3C0-8A91-47C6-9688-037592343C81}" type="datetimeFigureOut">
               <a:rPr kumimoji="1" lang="ja-JP" altLang="en-US" smtClean="0"/>
-              <a:t>2022/11/11</a:t>
+              <a:t>2022/11/14</a:t>
             </a:fld>
             <a:endParaRPr kumimoji="1" lang="ja-JP" altLang="en-US"/>
           </a:p>
@@ -2646,7 +2654,7 @@
           <a:p>
             <a:fld id="{DADCA3C0-8A91-47C6-9688-037592343C81}" type="datetimeFigureOut">
               <a:rPr kumimoji="1" lang="ja-JP" altLang="en-US" smtClean="0"/>
-              <a:t>2022/11/11</a:t>
+              <a:t>2022/11/14</a:t>
             </a:fld>
             <a:endParaRPr kumimoji="1" lang="ja-JP" altLang="en-US"/>
           </a:p>
@@ -2934,7 +2942,7 @@
           <a:p>
             <a:fld id="{DADCA3C0-8A91-47C6-9688-037592343C81}" type="datetimeFigureOut">
               <a:rPr kumimoji="1" lang="ja-JP" altLang="en-US" smtClean="0"/>
-              <a:t>2022/11/11</a:t>
+              <a:t>2022/11/14</a:t>
             </a:fld>
             <a:endParaRPr kumimoji="1" lang="ja-JP" altLang="en-US"/>
           </a:p>
@@ -3207,7 +3215,7 @@
           <a:p>
             <a:fld id="{DADCA3C0-8A91-47C6-9688-037592343C81}" type="datetimeFigureOut">
               <a:rPr kumimoji="1" lang="ja-JP" altLang="en-US" smtClean="0"/>
-              <a:t>2022/11/11</a:t>
+              <a:t>2022/11/14</a:t>
             </a:fld>
             <a:endParaRPr kumimoji="1" lang="ja-JP" altLang="en-US"/>
           </a:p>
@@ -4666,6 +4674,684 @@
 </p:sld>
 </file>
 
+<file path=ppt/slides/slide12.xml><?xml version="1.0" encoding="utf-8"?>
+<p:sld xmlns:a="http://schemas.openxmlformats.org/drawingml/2006/main" xmlns:r="http://schemas.openxmlformats.org/officeDocument/2006/relationships" xmlns:p="http://schemas.openxmlformats.org/presentationml/2006/main">
+  <p:cSld>
+    <p:spTree>
+      <p:nvGrpSpPr>
+        <p:cNvPr id="1" name=""/>
+        <p:cNvGrpSpPr/>
+        <p:nvPr/>
+      </p:nvGrpSpPr>
+      <p:grpSpPr>
+        <a:xfrm>
+          <a:off x="0" y="0"/>
+          <a:ext cx="0" cy="0"/>
+          <a:chOff x="0" y="0"/>
+          <a:chExt cx="0" cy="0"/>
+        </a:xfrm>
+      </p:grpSpPr>
+      <p:sp>
+        <p:nvSpPr>
+          <p:cNvPr id="2" name="正方形/長方形 1">
+            <a:extLst>
+              <a:ext uri="{FF2B5EF4-FFF2-40B4-BE49-F238E27FC236}">
+                <a16:creationId xmlns:a16="http://schemas.microsoft.com/office/drawing/2014/main" id="{118C2B25-EF84-FA7C-A8E5-DC4461F3FC34}"/>
+              </a:ext>
+            </a:extLst>
+          </p:cNvPr>
+          <p:cNvSpPr/>
+          <p:nvPr/>
+        </p:nvSpPr>
+        <p:spPr>
+          <a:xfrm>
+            <a:off x="0" y="0"/>
+            <a:ext cx="12192000" cy="6857999"/>
+          </a:xfrm>
+          <a:prstGeom prst="rect">
+            <a:avLst/>
+          </a:prstGeom>
+          <a:solidFill>
+            <a:srgbClr val="FF6F61"/>
+          </a:solidFill>
+          <a:ln>
+            <a:solidFill>
+              <a:schemeClr val="bg1"/>
+            </a:solidFill>
+          </a:ln>
+        </p:spPr>
+        <p:style>
+          <a:lnRef idx="2">
+            <a:schemeClr val="accent1">
+              <a:shade val="50000"/>
+            </a:schemeClr>
+          </a:lnRef>
+          <a:fillRef idx="1">
+            <a:schemeClr val="accent1"/>
+          </a:fillRef>
+          <a:effectRef idx="0">
+            <a:schemeClr val="accent1"/>
+          </a:effectRef>
+          <a:fontRef idx="minor">
+            <a:schemeClr val="lt1"/>
+          </a:fontRef>
+        </p:style>
+        <p:txBody>
+          <a:bodyPr rtlCol="0" anchor="ctr"/>
+          <a:lstStyle/>
+          <a:p>
+            <a:pPr algn="ctr"/>
+            <a:r>
+              <a:rPr kumimoji="1" lang="en-US" altLang="ja-JP" sz="4800">
+                <a:solidFill>
+                  <a:schemeClr val="bg1"/>
+                </a:solidFill>
+                <a:latin typeface="Meiryo UI" panose="020B0604030504040204" pitchFamily="50" charset="-128"/>
+                <a:ea typeface="Meiryo UI" panose="020B0604030504040204" pitchFamily="50" charset="-128"/>
+              </a:rPr>
+              <a:t>Learning</a:t>
+            </a:r>
+            <a:endParaRPr kumimoji="1" lang="ja-JP" altLang="en-US" sz="4800">
+              <a:solidFill>
+                <a:schemeClr val="bg1"/>
+              </a:solidFill>
+              <a:latin typeface="Meiryo UI" panose="020B0604030504040204" pitchFamily="50" charset="-128"/>
+              <a:ea typeface="Meiryo UI" panose="020B0604030504040204" pitchFamily="50" charset="-128"/>
+            </a:endParaRPr>
+          </a:p>
+        </p:txBody>
+      </p:sp>
+    </p:spTree>
+    <p:extLst>
+      <p:ext uri="{BB962C8B-B14F-4D97-AF65-F5344CB8AC3E}">
+        <p14:creationId xmlns:p14="http://schemas.microsoft.com/office/powerpoint/2010/main" val="87252734"/>
+      </p:ext>
+    </p:extLst>
+  </p:cSld>
+  <p:clrMapOvr>
+    <a:masterClrMapping/>
+  </p:clrMapOvr>
+</p:sld>
+</file>
+
+<file path=ppt/slides/slide13.xml><?xml version="1.0" encoding="utf-8"?>
+<p:sld xmlns:a="http://schemas.openxmlformats.org/drawingml/2006/main" xmlns:r="http://schemas.openxmlformats.org/officeDocument/2006/relationships" xmlns:p="http://schemas.openxmlformats.org/presentationml/2006/main">
+  <p:cSld>
+    <p:spTree>
+      <p:nvGrpSpPr>
+        <p:cNvPr id="1" name=""/>
+        <p:cNvGrpSpPr/>
+        <p:nvPr/>
+      </p:nvGrpSpPr>
+      <p:grpSpPr>
+        <a:xfrm>
+          <a:off x="0" y="0"/>
+          <a:ext cx="0" cy="0"/>
+          <a:chOff x="0" y="0"/>
+          <a:chExt cx="0" cy="0"/>
+        </a:xfrm>
+      </p:grpSpPr>
+      <p:pic>
+        <p:nvPicPr>
+          <p:cNvPr id="3" name="図 2">
+            <a:extLst>
+              <a:ext uri="{FF2B5EF4-FFF2-40B4-BE49-F238E27FC236}">
+                <a16:creationId xmlns:a16="http://schemas.microsoft.com/office/drawing/2014/main" id="{B59878D4-E132-E6A1-6EF9-61878481B412}"/>
+              </a:ext>
+            </a:extLst>
+          </p:cNvPr>
+          <p:cNvPicPr>
+            <a:picLocks noChangeAspect="1"/>
+          </p:cNvPicPr>
+          <p:nvPr/>
+        </p:nvPicPr>
+        <p:blipFill>
+          <a:blip r:embed="rId2"/>
+          <a:stretch>
+            <a:fillRect/>
+          </a:stretch>
+        </p:blipFill>
+        <p:spPr>
+          <a:xfrm>
+            <a:off x="3250366" y="1478942"/>
+            <a:ext cx="6265035" cy="3670920"/>
+          </a:xfrm>
+          <a:prstGeom prst="rect">
+            <a:avLst/>
+          </a:prstGeom>
+        </p:spPr>
+      </p:pic>
+    </p:spTree>
+    <p:extLst>
+      <p:ext uri="{BB962C8B-B14F-4D97-AF65-F5344CB8AC3E}">
+        <p14:creationId xmlns:p14="http://schemas.microsoft.com/office/powerpoint/2010/main" val="98335032"/>
+      </p:ext>
+    </p:extLst>
+  </p:cSld>
+  <p:clrMapOvr>
+    <a:masterClrMapping/>
+  </p:clrMapOvr>
+</p:sld>
+</file>
+
+<file path=ppt/slides/slide14.xml><?xml version="1.0" encoding="utf-8"?>
+<p:sld xmlns:a="http://schemas.openxmlformats.org/drawingml/2006/main" xmlns:r="http://schemas.openxmlformats.org/officeDocument/2006/relationships" xmlns:p="http://schemas.openxmlformats.org/presentationml/2006/main">
+  <p:cSld>
+    <p:spTree>
+      <p:nvGrpSpPr>
+        <p:cNvPr id="1" name=""/>
+        <p:cNvGrpSpPr/>
+        <p:nvPr/>
+      </p:nvGrpSpPr>
+      <p:grpSpPr>
+        <a:xfrm>
+          <a:off x="0" y="0"/>
+          <a:ext cx="0" cy="0"/>
+          <a:chOff x="0" y="0"/>
+          <a:chExt cx="0" cy="0"/>
+        </a:xfrm>
+      </p:grpSpPr>
+      <p:pic>
+        <p:nvPicPr>
+          <p:cNvPr id="3" name="図 2">
+            <a:extLst>
+              <a:ext uri="{FF2B5EF4-FFF2-40B4-BE49-F238E27FC236}">
+                <a16:creationId xmlns:a16="http://schemas.microsoft.com/office/drawing/2014/main" id="{73272BBF-4420-BC31-B548-A98B5668BECB}"/>
+              </a:ext>
+            </a:extLst>
+          </p:cNvPr>
+          <p:cNvPicPr>
+            <a:picLocks noChangeAspect="1"/>
+          </p:cNvPicPr>
+          <p:nvPr/>
+        </p:nvPicPr>
+        <p:blipFill>
+          <a:blip r:embed="rId2"/>
+          <a:stretch>
+            <a:fillRect/>
+          </a:stretch>
+        </p:blipFill>
+        <p:spPr>
+          <a:xfrm>
+            <a:off x="3890654" y="1871445"/>
+            <a:ext cx="4410691" cy="3115110"/>
+          </a:xfrm>
+          <a:prstGeom prst="rect">
+            <a:avLst/>
+          </a:prstGeom>
+        </p:spPr>
+      </p:pic>
+    </p:spTree>
+    <p:extLst>
+      <p:ext uri="{BB962C8B-B14F-4D97-AF65-F5344CB8AC3E}">
+        <p14:creationId xmlns:p14="http://schemas.microsoft.com/office/powerpoint/2010/main" val="3277588058"/>
+      </p:ext>
+    </p:extLst>
+  </p:cSld>
+  <p:clrMapOvr>
+    <a:masterClrMapping/>
+  </p:clrMapOvr>
+</p:sld>
+</file>
+
+<file path=ppt/slides/slide15.xml><?xml version="1.0" encoding="utf-8"?>
+<p:sld xmlns:a="http://schemas.openxmlformats.org/drawingml/2006/main" xmlns:r="http://schemas.openxmlformats.org/officeDocument/2006/relationships" xmlns:p="http://schemas.openxmlformats.org/presentationml/2006/main">
+  <p:cSld>
+    <p:spTree>
+      <p:nvGrpSpPr>
+        <p:cNvPr id="1" name=""/>
+        <p:cNvGrpSpPr/>
+        <p:nvPr/>
+      </p:nvGrpSpPr>
+      <p:grpSpPr>
+        <a:xfrm>
+          <a:off x="0" y="0"/>
+          <a:ext cx="0" cy="0"/>
+          <a:chOff x="0" y="0"/>
+          <a:chExt cx="0" cy="0"/>
+        </a:xfrm>
+      </p:grpSpPr>
+      <p:pic>
+        <p:nvPicPr>
+          <p:cNvPr id="5" name="図 4">
+            <a:extLst>
+              <a:ext uri="{FF2B5EF4-FFF2-40B4-BE49-F238E27FC236}">
+                <a16:creationId xmlns:a16="http://schemas.microsoft.com/office/drawing/2014/main" id="{DF46F414-1667-A538-9B24-5E12F6CE0079}"/>
+              </a:ext>
+            </a:extLst>
+          </p:cNvPr>
+          <p:cNvPicPr>
+            <a:picLocks noChangeAspect="1"/>
+          </p:cNvPicPr>
+          <p:nvPr/>
+        </p:nvPicPr>
+        <p:blipFill>
+          <a:blip r:embed="rId2"/>
+          <a:stretch>
+            <a:fillRect/>
+          </a:stretch>
+        </p:blipFill>
+        <p:spPr>
+          <a:xfrm>
+            <a:off x="3077153" y="1303803"/>
+            <a:ext cx="5884747" cy="3881585"/>
+          </a:xfrm>
+          <a:prstGeom prst="rect">
+            <a:avLst/>
+          </a:prstGeom>
+        </p:spPr>
+      </p:pic>
+    </p:spTree>
+    <p:extLst>
+      <p:ext uri="{BB962C8B-B14F-4D97-AF65-F5344CB8AC3E}">
+        <p14:creationId xmlns:p14="http://schemas.microsoft.com/office/powerpoint/2010/main" val="2746979175"/>
+      </p:ext>
+    </p:extLst>
+  </p:cSld>
+  <p:clrMapOvr>
+    <a:masterClrMapping/>
+  </p:clrMapOvr>
+</p:sld>
+</file>
+
+<file path=ppt/slides/slide16.xml><?xml version="1.0" encoding="utf-8"?>
+<p:sld xmlns:a="http://schemas.openxmlformats.org/drawingml/2006/main" xmlns:r="http://schemas.openxmlformats.org/officeDocument/2006/relationships" xmlns:p="http://schemas.openxmlformats.org/presentationml/2006/main">
+  <p:cSld>
+    <p:spTree>
+      <p:nvGrpSpPr>
+        <p:cNvPr id="1" name=""/>
+        <p:cNvGrpSpPr/>
+        <p:nvPr/>
+      </p:nvGrpSpPr>
+      <p:grpSpPr>
+        <a:xfrm>
+          <a:off x="0" y="0"/>
+          <a:ext cx="0" cy="0"/>
+          <a:chOff x="0" y="0"/>
+          <a:chExt cx="0" cy="0"/>
+        </a:xfrm>
+      </p:grpSpPr>
+      <p:pic>
+        <p:nvPicPr>
+          <p:cNvPr id="3" name="図 2">
+            <a:extLst>
+              <a:ext uri="{FF2B5EF4-FFF2-40B4-BE49-F238E27FC236}">
+                <a16:creationId xmlns:a16="http://schemas.microsoft.com/office/drawing/2014/main" id="{69ADB5F5-E87A-6365-60E8-20AABD571085}"/>
+              </a:ext>
+            </a:extLst>
+          </p:cNvPr>
+          <p:cNvPicPr>
+            <a:picLocks noChangeAspect="1"/>
+          </p:cNvPicPr>
+          <p:nvPr/>
+        </p:nvPicPr>
+        <p:blipFill>
+          <a:blip r:embed="rId2"/>
+          <a:stretch>
+            <a:fillRect/>
+          </a:stretch>
+        </p:blipFill>
+        <p:spPr>
+          <a:xfrm>
+            <a:off x="1617058" y="1037457"/>
+            <a:ext cx="3846231" cy="1467204"/>
+          </a:xfrm>
+          <a:prstGeom prst="rect">
+            <a:avLst/>
+          </a:prstGeom>
+        </p:spPr>
+      </p:pic>
+      <p:pic>
+        <p:nvPicPr>
+          <p:cNvPr id="5" name="図 4">
+            <a:extLst>
+              <a:ext uri="{FF2B5EF4-FFF2-40B4-BE49-F238E27FC236}">
+                <a16:creationId xmlns:a16="http://schemas.microsoft.com/office/drawing/2014/main" id="{0243E6DD-0DF2-F48B-2242-E974C664ED3D}"/>
+              </a:ext>
+            </a:extLst>
+          </p:cNvPr>
+          <p:cNvPicPr>
+            <a:picLocks noChangeAspect="1"/>
+          </p:cNvPicPr>
+          <p:nvPr/>
+        </p:nvPicPr>
+        <p:blipFill>
+          <a:blip r:embed="rId3"/>
+          <a:stretch>
+            <a:fillRect/>
+          </a:stretch>
+        </p:blipFill>
+        <p:spPr>
+          <a:xfrm>
+            <a:off x="6663610" y="870762"/>
+            <a:ext cx="3050459" cy="3995438"/>
+          </a:xfrm>
+          <a:prstGeom prst="rect">
+            <a:avLst/>
+          </a:prstGeom>
+        </p:spPr>
+      </p:pic>
+      <p:cxnSp>
+        <p:nvCxnSpPr>
+          <p:cNvPr id="6" name="直線矢印コネクタ 24">
+            <a:extLst>
+              <a:ext uri="{FF2B5EF4-FFF2-40B4-BE49-F238E27FC236}">
+                <a16:creationId xmlns:a16="http://schemas.microsoft.com/office/drawing/2014/main" id="{AE88893D-70C3-41D5-1929-8116E4FB4EBA}"/>
+              </a:ext>
+            </a:extLst>
+          </p:cNvPr>
+          <p:cNvCxnSpPr>
+            <a:cxnSpLocks/>
+          </p:cNvCxnSpPr>
+          <p:nvPr/>
+        </p:nvCxnSpPr>
+        <p:spPr>
+          <a:xfrm flipV="1">
+            <a:off x="4524292" y="1240403"/>
+            <a:ext cx="2218414" cy="530656"/>
+          </a:xfrm>
+          <a:prstGeom prst="straightConnector1">
+            <a:avLst/>
+          </a:prstGeom>
+          <a:ln w="12700">
+            <a:solidFill>
+              <a:srgbClr val="FF6F61"/>
+            </a:solidFill>
+            <a:tailEnd type="triangle"/>
+          </a:ln>
+        </p:spPr>
+        <p:style>
+          <a:lnRef idx="1">
+            <a:schemeClr val="accent1"/>
+          </a:lnRef>
+          <a:fillRef idx="0">
+            <a:schemeClr val="accent1"/>
+          </a:fillRef>
+          <a:effectRef idx="0">
+            <a:schemeClr val="accent1"/>
+          </a:effectRef>
+          <a:fontRef idx="minor">
+            <a:schemeClr val="tx1"/>
+          </a:fontRef>
+        </p:style>
+      </p:cxnSp>
+      <p:sp>
+        <p:nvSpPr>
+          <p:cNvPr id="9" name="四角形: 角を丸くする 8">
+            <a:extLst>
+              <a:ext uri="{FF2B5EF4-FFF2-40B4-BE49-F238E27FC236}">
+                <a16:creationId xmlns:a16="http://schemas.microsoft.com/office/drawing/2014/main" id="{F76D6728-364B-92A3-E583-FBE9BE8DB95C}"/>
+              </a:ext>
+            </a:extLst>
+          </p:cNvPr>
+          <p:cNvSpPr/>
+          <p:nvPr/>
+        </p:nvSpPr>
+        <p:spPr>
+          <a:xfrm>
+            <a:off x="6742706" y="3323645"/>
+            <a:ext cx="2971363" cy="858741"/>
+          </a:xfrm>
+          <a:prstGeom prst="roundRect">
+            <a:avLst>
+              <a:gd name="adj" fmla="val 4167"/>
+            </a:avLst>
+          </a:prstGeom>
+          <a:noFill/>
+          <a:ln>
+            <a:solidFill>
+              <a:srgbClr val="FF6F61"/>
+            </a:solidFill>
+          </a:ln>
+        </p:spPr>
+        <p:style>
+          <a:lnRef idx="2">
+            <a:schemeClr val="accent1">
+              <a:shade val="50000"/>
+            </a:schemeClr>
+          </a:lnRef>
+          <a:fillRef idx="1">
+            <a:schemeClr val="accent1"/>
+          </a:fillRef>
+          <a:effectRef idx="0">
+            <a:schemeClr val="accent1"/>
+          </a:effectRef>
+          <a:fontRef idx="minor">
+            <a:schemeClr val="lt1"/>
+          </a:fontRef>
+        </p:style>
+        <p:txBody>
+          <a:bodyPr rtlCol="0" anchor="ctr"/>
+          <a:lstStyle/>
+          <a:p>
+            <a:pPr algn="ctr"/>
+            <a:endParaRPr kumimoji="1" lang="ja-JP" altLang="en-US"/>
+          </a:p>
+        </p:txBody>
+      </p:sp>
+    </p:spTree>
+    <p:extLst>
+      <p:ext uri="{BB962C8B-B14F-4D97-AF65-F5344CB8AC3E}">
+        <p14:creationId xmlns:p14="http://schemas.microsoft.com/office/powerpoint/2010/main" val="3077331776"/>
+      </p:ext>
+    </p:extLst>
+  </p:cSld>
+  <p:clrMapOvr>
+    <a:masterClrMapping/>
+  </p:clrMapOvr>
+</p:sld>
+</file>
+
+<file path=ppt/slides/slide17.xml><?xml version="1.0" encoding="utf-8"?>
+<p:sld xmlns:a="http://schemas.openxmlformats.org/drawingml/2006/main" xmlns:r="http://schemas.openxmlformats.org/officeDocument/2006/relationships" xmlns:p="http://schemas.openxmlformats.org/presentationml/2006/main">
+  <p:cSld>
+    <p:spTree>
+      <p:nvGrpSpPr>
+        <p:cNvPr id="1" name=""/>
+        <p:cNvGrpSpPr/>
+        <p:nvPr/>
+      </p:nvGrpSpPr>
+      <p:grpSpPr>
+        <a:xfrm>
+          <a:off x="0" y="0"/>
+          <a:ext cx="0" cy="0"/>
+          <a:chOff x="0" y="0"/>
+          <a:chExt cx="0" cy="0"/>
+        </a:xfrm>
+      </p:grpSpPr>
+      <p:pic>
+        <p:nvPicPr>
+          <p:cNvPr id="3" name="図 2">
+            <a:extLst>
+              <a:ext uri="{FF2B5EF4-FFF2-40B4-BE49-F238E27FC236}">
+                <a16:creationId xmlns:a16="http://schemas.microsoft.com/office/drawing/2014/main" id="{7EC74E15-8451-5A6E-7F32-D0D81944F8BE}"/>
+              </a:ext>
+            </a:extLst>
+          </p:cNvPr>
+          <p:cNvPicPr>
+            <a:picLocks noChangeAspect="1"/>
+          </p:cNvPicPr>
+          <p:nvPr/>
+        </p:nvPicPr>
+        <p:blipFill>
+          <a:blip r:embed="rId2"/>
+          <a:stretch>
+            <a:fillRect/>
+          </a:stretch>
+        </p:blipFill>
+        <p:spPr>
+          <a:xfrm>
+            <a:off x="3871602" y="2795499"/>
+            <a:ext cx="4448796" cy="1267002"/>
+          </a:xfrm>
+          <a:prstGeom prst="rect">
+            <a:avLst/>
+          </a:prstGeom>
+        </p:spPr>
+      </p:pic>
+    </p:spTree>
+    <p:extLst>
+      <p:ext uri="{BB962C8B-B14F-4D97-AF65-F5344CB8AC3E}">
+        <p14:creationId xmlns:p14="http://schemas.microsoft.com/office/powerpoint/2010/main" val="1354909815"/>
+      </p:ext>
+    </p:extLst>
+  </p:cSld>
+  <p:clrMapOvr>
+    <a:masterClrMapping/>
+  </p:clrMapOvr>
+</p:sld>
+</file>
+
+<file path=ppt/slides/slide18.xml><?xml version="1.0" encoding="utf-8"?>
+<p:sld xmlns:a="http://schemas.openxmlformats.org/drawingml/2006/main" xmlns:r="http://schemas.openxmlformats.org/officeDocument/2006/relationships" xmlns:p="http://schemas.openxmlformats.org/presentationml/2006/main">
+  <p:cSld>
+    <p:spTree>
+      <p:nvGrpSpPr>
+        <p:cNvPr id="1" name=""/>
+        <p:cNvGrpSpPr/>
+        <p:nvPr/>
+      </p:nvGrpSpPr>
+      <p:grpSpPr>
+        <a:xfrm>
+          <a:off x="0" y="0"/>
+          <a:ext cx="0" cy="0"/>
+          <a:chOff x="0" y="0"/>
+          <a:chExt cx="0" cy="0"/>
+        </a:xfrm>
+      </p:grpSpPr>
+      <p:pic>
+        <p:nvPicPr>
+          <p:cNvPr id="3" name="図 2">
+            <a:extLst>
+              <a:ext uri="{FF2B5EF4-FFF2-40B4-BE49-F238E27FC236}">
+                <a16:creationId xmlns:a16="http://schemas.microsoft.com/office/drawing/2014/main" id="{AB7459ED-82E5-4480-33D5-49E80EF405C6}"/>
+              </a:ext>
+            </a:extLst>
+          </p:cNvPr>
+          <p:cNvPicPr>
+            <a:picLocks noChangeAspect="1"/>
+          </p:cNvPicPr>
+          <p:nvPr/>
+        </p:nvPicPr>
+        <p:blipFill>
+          <a:blip r:embed="rId2"/>
+          <a:stretch>
+            <a:fillRect/>
+          </a:stretch>
+        </p:blipFill>
+        <p:spPr>
+          <a:xfrm>
+            <a:off x="3482671" y="920841"/>
+            <a:ext cx="4866478" cy="5016317"/>
+          </a:xfrm>
+          <a:prstGeom prst="rect">
+            <a:avLst/>
+          </a:prstGeom>
+        </p:spPr>
+      </p:pic>
+    </p:spTree>
+    <p:extLst>
+      <p:ext uri="{BB962C8B-B14F-4D97-AF65-F5344CB8AC3E}">
+        <p14:creationId xmlns:p14="http://schemas.microsoft.com/office/powerpoint/2010/main" val="3389473115"/>
+      </p:ext>
+    </p:extLst>
+  </p:cSld>
+  <p:clrMapOvr>
+    <a:masterClrMapping/>
+  </p:clrMapOvr>
+</p:sld>
+</file>
+
+<file path=ppt/slides/slide19.xml><?xml version="1.0" encoding="utf-8"?>
+<p:sld xmlns:a="http://schemas.openxmlformats.org/drawingml/2006/main" xmlns:r="http://schemas.openxmlformats.org/officeDocument/2006/relationships" xmlns:p="http://schemas.openxmlformats.org/presentationml/2006/main">
+  <p:cSld>
+    <p:spTree>
+      <p:nvGrpSpPr>
+        <p:cNvPr id="1" name=""/>
+        <p:cNvGrpSpPr/>
+        <p:nvPr/>
+      </p:nvGrpSpPr>
+      <p:grpSpPr>
+        <a:xfrm>
+          <a:off x="0" y="0"/>
+          <a:ext cx="0" cy="0"/>
+          <a:chOff x="0" y="0"/>
+          <a:chExt cx="0" cy="0"/>
+        </a:xfrm>
+      </p:grpSpPr>
+      <p:pic>
+        <p:nvPicPr>
+          <p:cNvPr id="3" name="図 2">
+            <a:extLst>
+              <a:ext uri="{FF2B5EF4-FFF2-40B4-BE49-F238E27FC236}">
+                <a16:creationId xmlns:a16="http://schemas.microsoft.com/office/drawing/2014/main" id="{33E94753-E175-1E76-176B-601B6785EBF9}"/>
+              </a:ext>
+            </a:extLst>
+          </p:cNvPr>
+          <p:cNvPicPr>
+            <a:picLocks noChangeAspect="1"/>
+          </p:cNvPicPr>
+          <p:nvPr/>
+        </p:nvPicPr>
+        <p:blipFill>
+          <a:blip r:embed="rId2"/>
+          <a:stretch>
+            <a:fillRect/>
+          </a:stretch>
+        </p:blipFill>
+        <p:spPr>
+          <a:xfrm>
+            <a:off x="1051440" y="1354559"/>
+            <a:ext cx="5564978" cy="3670665"/>
+          </a:xfrm>
+          <a:prstGeom prst="rect">
+            <a:avLst/>
+          </a:prstGeom>
+        </p:spPr>
+      </p:pic>
+      <p:pic>
+        <p:nvPicPr>
+          <p:cNvPr id="5" name="図 4">
+            <a:extLst>
+              <a:ext uri="{FF2B5EF4-FFF2-40B4-BE49-F238E27FC236}">
+                <a16:creationId xmlns:a16="http://schemas.microsoft.com/office/drawing/2014/main" id="{E7694B74-1B28-DA7E-3FC8-238CABF073C7}"/>
+              </a:ext>
+            </a:extLst>
+          </p:cNvPr>
+          <p:cNvPicPr>
+            <a:picLocks noChangeAspect="1"/>
+          </p:cNvPicPr>
+          <p:nvPr/>
+        </p:nvPicPr>
+        <p:blipFill>
+          <a:blip r:embed="rId3"/>
+          <a:stretch>
+            <a:fillRect/>
+          </a:stretch>
+        </p:blipFill>
+        <p:spPr>
+          <a:xfrm>
+            <a:off x="7377366" y="1354559"/>
+            <a:ext cx="2570866" cy="3670665"/>
+          </a:xfrm>
+          <a:prstGeom prst="rect">
+            <a:avLst/>
+          </a:prstGeom>
+        </p:spPr>
+      </p:pic>
+    </p:spTree>
+    <p:extLst>
+      <p:ext uri="{BB962C8B-B14F-4D97-AF65-F5344CB8AC3E}">
+        <p14:creationId xmlns:p14="http://schemas.microsoft.com/office/powerpoint/2010/main" val="3669843080"/>
+      </p:ext>
+    </p:extLst>
+  </p:cSld>
+  <p:clrMapOvr>
+    <a:masterClrMapping/>
+  </p:clrMapOvr>
+</p:sld>
+</file>
+
 <file path=ppt/slides/slide2.xml><?xml version="1.0" encoding="utf-8"?>
 <p:sld xmlns:a="http://schemas.openxmlformats.org/drawingml/2006/main" xmlns:r="http://schemas.openxmlformats.org/officeDocument/2006/relationships" xmlns:p="http://schemas.openxmlformats.org/presentationml/2006/main">
   <p:cSld>

--- a/work/work.pptx
+++ b/work/work.pptx
@@ -24,6 +24,17 @@
     <p:sldId id="276" r:id="rId18"/>
     <p:sldId id="277" r:id="rId19"/>
     <p:sldId id="278" r:id="rId20"/>
+    <p:sldId id="286" r:id="rId21"/>
+    <p:sldId id="285" r:id="rId22"/>
+    <p:sldId id="287" r:id="rId23"/>
+    <p:sldId id="279" r:id="rId24"/>
+    <p:sldId id="280" r:id="rId25"/>
+    <p:sldId id="281" r:id="rId26"/>
+    <p:sldId id="282" r:id="rId27"/>
+    <p:sldId id="283" r:id="rId28"/>
+    <p:sldId id="288" r:id="rId29"/>
+    <p:sldId id="289" r:id="rId30"/>
+    <p:sldId id="284" r:id="rId31"/>
   </p:sldIdLst>
   <p:sldSz cx="12192000" cy="6858000"/>
   <p:notesSz cx="6858000" cy="9144000"/>
@@ -5233,22 +5244,75 @@
           </p:cNvPicPr>
           <p:nvPr/>
         </p:nvPicPr>
-        <p:blipFill>
+        <p:blipFill rotWithShape="1">
           <a:blip r:embed="rId2"/>
-          <a:stretch>
-            <a:fillRect/>
-          </a:stretch>
+          <a:srcRect b="28007"/>
+          <a:stretch/>
         </p:blipFill>
         <p:spPr>
           <a:xfrm>
-            <a:off x="3482671" y="920841"/>
-            <a:ext cx="4866478" cy="5016317"/>
+            <a:off x="3482671" y="920842"/>
+            <a:ext cx="4866478" cy="3611402"/>
           </a:xfrm>
           <a:prstGeom prst="rect">
             <a:avLst/>
           </a:prstGeom>
         </p:spPr>
       </p:pic>
+      <p:sp>
+        <p:nvSpPr>
+          <p:cNvPr id="4" name="四角形: 角を丸くする 3">
+            <a:extLst>
+              <a:ext uri="{FF2B5EF4-FFF2-40B4-BE49-F238E27FC236}">
+                <a16:creationId xmlns:a16="http://schemas.microsoft.com/office/drawing/2014/main" id="{5CC035FB-7D66-22DA-B8D9-044F51805CEF}"/>
+              </a:ext>
+            </a:extLst>
+          </p:cNvPr>
+          <p:cNvSpPr/>
+          <p:nvPr/>
+        </p:nvSpPr>
+        <p:spPr>
+          <a:xfrm>
+            <a:off x="4853904" y="2214948"/>
+            <a:ext cx="3407500" cy="1999243"/>
+          </a:xfrm>
+          <a:prstGeom prst="roundRect">
+            <a:avLst>
+              <a:gd name="adj" fmla="val 2576"/>
+            </a:avLst>
+          </a:prstGeom>
+          <a:noFill/>
+          <a:ln>
+            <a:solidFill>
+              <a:srgbClr val="FF6F61"/>
+            </a:solidFill>
+          </a:ln>
+        </p:spPr>
+        <p:style>
+          <a:lnRef idx="2">
+            <a:schemeClr val="accent1">
+              <a:shade val="50000"/>
+            </a:schemeClr>
+          </a:lnRef>
+          <a:fillRef idx="1">
+            <a:schemeClr val="accent1"/>
+          </a:fillRef>
+          <a:effectRef idx="0">
+            <a:schemeClr val="accent1"/>
+          </a:effectRef>
+          <a:fontRef idx="minor">
+            <a:schemeClr val="lt1"/>
+          </a:fontRef>
+        </p:style>
+        <p:txBody>
+          <a:bodyPr rtlCol="0" anchor="ctr"/>
+          <a:lstStyle/>
+          <a:p>
+            <a:pPr algn="ctr"/>
+            <a:endParaRPr kumimoji="1" lang="ja-JP" altLang="en-US"/>
+          </a:p>
+        </p:txBody>
+      </p:sp>
     </p:spTree>
     <p:extLst>
       <p:ext uri="{BB962C8B-B14F-4D97-AF65-F5344CB8AC3E}">
@@ -5339,6 +5403,60 @@
           </a:prstGeom>
         </p:spPr>
       </p:pic>
+      <p:sp>
+        <p:nvSpPr>
+          <p:cNvPr id="6" name="四角形: 角を丸くする 5">
+            <a:extLst>
+              <a:ext uri="{FF2B5EF4-FFF2-40B4-BE49-F238E27FC236}">
+                <a16:creationId xmlns:a16="http://schemas.microsoft.com/office/drawing/2014/main" id="{B21EA2AB-D50B-C579-507A-902E493172EA}"/>
+              </a:ext>
+            </a:extLst>
+          </p:cNvPr>
+          <p:cNvSpPr/>
+          <p:nvPr/>
+        </p:nvSpPr>
+        <p:spPr>
+          <a:xfrm>
+            <a:off x="7450372" y="3429000"/>
+            <a:ext cx="2497860" cy="1047584"/>
+          </a:xfrm>
+          <a:prstGeom prst="roundRect">
+            <a:avLst>
+              <a:gd name="adj" fmla="val 2576"/>
+            </a:avLst>
+          </a:prstGeom>
+          <a:noFill/>
+          <a:ln>
+            <a:solidFill>
+              <a:srgbClr val="FF6F61"/>
+            </a:solidFill>
+          </a:ln>
+        </p:spPr>
+        <p:style>
+          <a:lnRef idx="2">
+            <a:schemeClr val="accent1">
+              <a:shade val="50000"/>
+            </a:schemeClr>
+          </a:lnRef>
+          <a:fillRef idx="1">
+            <a:schemeClr val="accent1"/>
+          </a:fillRef>
+          <a:effectRef idx="0">
+            <a:schemeClr val="accent1"/>
+          </a:effectRef>
+          <a:fontRef idx="minor">
+            <a:schemeClr val="lt1"/>
+          </a:fontRef>
+        </p:style>
+        <p:txBody>
+          <a:bodyPr rtlCol="0" anchor="ctr"/>
+          <a:lstStyle/>
+          <a:p>
+            <a:pPr algn="ctr"/>
+            <a:endParaRPr kumimoji="1" lang="ja-JP" altLang="en-US"/>
+          </a:p>
+        </p:txBody>
+      </p:sp>
     </p:spTree>
     <p:extLst>
       <p:ext uri="{BB962C8B-B14F-4D97-AF65-F5344CB8AC3E}">
@@ -6799,6 +6917,1407 @@
 </p:sld>
 </file>
 
+<file path=ppt/slides/slide20.xml><?xml version="1.0" encoding="utf-8"?>
+<p:sld xmlns:a="http://schemas.openxmlformats.org/drawingml/2006/main" xmlns:r="http://schemas.openxmlformats.org/officeDocument/2006/relationships" xmlns:p="http://schemas.openxmlformats.org/presentationml/2006/main">
+  <p:cSld>
+    <p:spTree>
+      <p:nvGrpSpPr>
+        <p:cNvPr id="1" name=""/>
+        <p:cNvGrpSpPr/>
+        <p:nvPr/>
+      </p:nvGrpSpPr>
+      <p:grpSpPr>
+        <a:xfrm>
+          <a:off x="0" y="0"/>
+          <a:ext cx="0" cy="0"/>
+          <a:chOff x="0" y="0"/>
+          <a:chExt cx="0" cy="0"/>
+        </a:xfrm>
+      </p:grpSpPr>
+      <p:pic>
+        <p:nvPicPr>
+          <p:cNvPr id="3" name="図 2">
+            <a:extLst>
+              <a:ext uri="{FF2B5EF4-FFF2-40B4-BE49-F238E27FC236}">
+                <a16:creationId xmlns:a16="http://schemas.microsoft.com/office/drawing/2014/main" id="{487B7400-6FB4-A812-2C63-4466015AFED5}"/>
+              </a:ext>
+            </a:extLst>
+          </p:cNvPr>
+          <p:cNvPicPr>
+            <a:picLocks noChangeAspect="1"/>
+          </p:cNvPicPr>
+          <p:nvPr/>
+        </p:nvPicPr>
+        <p:blipFill>
+          <a:blip r:embed="rId2"/>
+          <a:stretch>
+            <a:fillRect/>
+          </a:stretch>
+        </p:blipFill>
+        <p:spPr>
+          <a:xfrm>
+            <a:off x="3644050" y="2463310"/>
+            <a:ext cx="4267796" cy="1486107"/>
+          </a:xfrm>
+          <a:prstGeom prst="rect">
+            <a:avLst/>
+          </a:prstGeom>
+        </p:spPr>
+      </p:pic>
+      <p:sp>
+        <p:nvSpPr>
+          <p:cNvPr id="2" name="四角形: 角を丸くする 1">
+            <a:extLst>
+              <a:ext uri="{FF2B5EF4-FFF2-40B4-BE49-F238E27FC236}">
+                <a16:creationId xmlns:a16="http://schemas.microsoft.com/office/drawing/2014/main" id="{025ECEBA-090C-2DF7-48DA-95884E1F081E}"/>
+              </a:ext>
+            </a:extLst>
+          </p:cNvPr>
+          <p:cNvSpPr/>
+          <p:nvPr/>
+        </p:nvSpPr>
+        <p:spPr>
+          <a:xfrm>
+            <a:off x="5343276" y="2673627"/>
+            <a:ext cx="2568570" cy="268357"/>
+          </a:xfrm>
+          <a:prstGeom prst="roundRect">
+            <a:avLst>
+              <a:gd name="adj" fmla="val 2576"/>
+            </a:avLst>
+          </a:prstGeom>
+          <a:noFill/>
+          <a:ln>
+            <a:solidFill>
+              <a:srgbClr val="FF6F61"/>
+            </a:solidFill>
+          </a:ln>
+        </p:spPr>
+        <p:style>
+          <a:lnRef idx="2">
+            <a:schemeClr val="accent1">
+              <a:shade val="50000"/>
+            </a:schemeClr>
+          </a:lnRef>
+          <a:fillRef idx="1">
+            <a:schemeClr val="accent1"/>
+          </a:fillRef>
+          <a:effectRef idx="0">
+            <a:schemeClr val="accent1"/>
+          </a:effectRef>
+          <a:fontRef idx="minor">
+            <a:schemeClr val="lt1"/>
+          </a:fontRef>
+        </p:style>
+        <p:txBody>
+          <a:bodyPr rtlCol="0" anchor="ctr"/>
+          <a:lstStyle/>
+          <a:p>
+            <a:pPr algn="ctr"/>
+            <a:endParaRPr kumimoji="1" lang="ja-JP" altLang="en-US"/>
+          </a:p>
+        </p:txBody>
+      </p:sp>
+    </p:spTree>
+    <p:extLst>
+      <p:ext uri="{BB962C8B-B14F-4D97-AF65-F5344CB8AC3E}">
+        <p14:creationId xmlns:p14="http://schemas.microsoft.com/office/powerpoint/2010/main" val="4223811269"/>
+      </p:ext>
+    </p:extLst>
+  </p:cSld>
+  <p:clrMapOvr>
+    <a:masterClrMapping/>
+  </p:clrMapOvr>
+</p:sld>
+</file>
+
+<file path=ppt/slides/slide21.xml><?xml version="1.0" encoding="utf-8"?>
+<p:sld xmlns:a="http://schemas.openxmlformats.org/drawingml/2006/main" xmlns:r="http://schemas.openxmlformats.org/officeDocument/2006/relationships" xmlns:p="http://schemas.openxmlformats.org/presentationml/2006/main">
+  <p:cSld>
+    <p:spTree>
+      <p:nvGrpSpPr>
+        <p:cNvPr id="1" name=""/>
+        <p:cNvGrpSpPr/>
+        <p:nvPr/>
+      </p:nvGrpSpPr>
+      <p:grpSpPr>
+        <a:xfrm>
+          <a:off x="0" y="0"/>
+          <a:ext cx="0" cy="0"/>
+          <a:chOff x="0" y="0"/>
+          <a:chExt cx="0" cy="0"/>
+        </a:xfrm>
+      </p:grpSpPr>
+      <p:pic>
+        <p:nvPicPr>
+          <p:cNvPr id="5" name="図 4">
+            <a:extLst>
+              <a:ext uri="{FF2B5EF4-FFF2-40B4-BE49-F238E27FC236}">
+                <a16:creationId xmlns:a16="http://schemas.microsoft.com/office/drawing/2014/main" id="{D6C3A604-7B39-C4E6-47CA-EDCE19C9798C}"/>
+              </a:ext>
+            </a:extLst>
+          </p:cNvPr>
+          <p:cNvPicPr>
+            <a:picLocks noChangeAspect="1"/>
+          </p:cNvPicPr>
+          <p:nvPr/>
+        </p:nvPicPr>
+        <p:blipFill>
+          <a:blip r:embed="rId2"/>
+          <a:stretch>
+            <a:fillRect/>
+          </a:stretch>
+        </p:blipFill>
+        <p:spPr>
+          <a:xfrm>
+            <a:off x="4243585" y="1609674"/>
+            <a:ext cx="4277322" cy="1905266"/>
+          </a:xfrm>
+          <a:prstGeom prst="rect">
+            <a:avLst/>
+          </a:prstGeom>
+        </p:spPr>
+      </p:pic>
+      <p:pic>
+        <p:nvPicPr>
+          <p:cNvPr id="7" name="図 6">
+            <a:extLst>
+              <a:ext uri="{FF2B5EF4-FFF2-40B4-BE49-F238E27FC236}">
+                <a16:creationId xmlns:a16="http://schemas.microsoft.com/office/drawing/2014/main" id="{B489D712-310A-496F-3216-637240BB27FB}"/>
+              </a:ext>
+            </a:extLst>
+          </p:cNvPr>
+          <p:cNvPicPr>
+            <a:picLocks noChangeAspect="1"/>
+          </p:cNvPicPr>
+          <p:nvPr/>
+        </p:nvPicPr>
+        <p:blipFill>
+          <a:blip r:embed="rId3"/>
+          <a:stretch>
+            <a:fillRect/>
+          </a:stretch>
+        </p:blipFill>
+        <p:spPr>
+          <a:xfrm>
+            <a:off x="4243585" y="3743166"/>
+            <a:ext cx="4277322" cy="1505160"/>
+          </a:xfrm>
+          <a:prstGeom prst="rect">
+            <a:avLst/>
+          </a:prstGeom>
+        </p:spPr>
+      </p:pic>
+      <p:sp>
+        <p:nvSpPr>
+          <p:cNvPr id="10" name="四角形: 角を丸くする 9">
+            <a:extLst>
+              <a:ext uri="{FF2B5EF4-FFF2-40B4-BE49-F238E27FC236}">
+                <a16:creationId xmlns:a16="http://schemas.microsoft.com/office/drawing/2014/main" id="{3ED37A61-71E6-C4D7-0D37-9C3D96D8B9A1}"/>
+              </a:ext>
+            </a:extLst>
+          </p:cNvPr>
+          <p:cNvSpPr/>
+          <p:nvPr/>
+        </p:nvSpPr>
+        <p:spPr>
+          <a:xfrm>
+            <a:off x="4293705" y="1886448"/>
+            <a:ext cx="699715" cy="665921"/>
+          </a:xfrm>
+          <a:prstGeom prst="roundRect">
+            <a:avLst>
+              <a:gd name="adj" fmla="val 2576"/>
+            </a:avLst>
+          </a:prstGeom>
+          <a:noFill/>
+          <a:ln>
+            <a:solidFill>
+              <a:srgbClr val="FF6F61"/>
+            </a:solidFill>
+          </a:ln>
+        </p:spPr>
+        <p:style>
+          <a:lnRef idx="2">
+            <a:schemeClr val="accent1">
+              <a:shade val="50000"/>
+            </a:schemeClr>
+          </a:lnRef>
+          <a:fillRef idx="1">
+            <a:schemeClr val="accent1"/>
+          </a:fillRef>
+          <a:effectRef idx="0">
+            <a:schemeClr val="accent1"/>
+          </a:effectRef>
+          <a:fontRef idx="minor">
+            <a:schemeClr val="lt1"/>
+          </a:fontRef>
+        </p:style>
+        <p:txBody>
+          <a:bodyPr rtlCol="0" anchor="ctr"/>
+          <a:lstStyle/>
+          <a:p>
+            <a:pPr algn="ctr"/>
+            <a:endParaRPr kumimoji="1" lang="ja-JP" altLang="en-US"/>
+          </a:p>
+        </p:txBody>
+      </p:sp>
+      <p:sp>
+        <p:nvSpPr>
+          <p:cNvPr id="11" name="四角形: 角を丸くする 10">
+            <a:extLst>
+              <a:ext uri="{FF2B5EF4-FFF2-40B4-BE49-F238E27FC236}">
+                <a16:creationId xmlns:a16="http://schemas.microsoft.com/office/drawing/2014/main" id="{B6BF4A62-662B-4DFE-BDEC-25818A0B12B1}"/>
+              </a:ext>
+            </a:extLst>
+          </p:cNvPr>
+          <p:cNvSpPr/>
+          <p:nvPr/>
+        </p:nvSpPr>
+        <p:spPr>
+          <a:xfrm>
+            <a:off x="5861437" y="1886447"/>
+            <a:ext cx="2659470" cy="785191"/>
+          </a:xfrm>
+          <a:prstGeom prst="roundRect">
+            <a:avLst>
+              <a:gd name="adj" fmla="val 2576"/>
+            </a:avLst>
+          </a:prstGeom>
+          <a:noFill/>
+          <a:ln>
+            <a:solidFill>
+              <a:srgbClr val="FF6F61"/>
+            </a:solidFill>
+          </a:ln>
+        </p:spPr>
+        <p:style>
+          <a:lnRef idx="2">
+            <a:schemeClr val="accent1">
+              <a:shade val="50000"/>
+            </a:schemeClr>
+          </a:lnRef>
+          <a:fillRef idx="1">
+            <a:schemeClr val="accent1"/>
+          </a:fillRef>
+          <a:effectRef idx="0">
+            <a:schemeClr val="accent1"/>
+          </a:effectRef>
+          <a:fontRef idx="minor">
+            <a:schemeClr val="lt1"/>
+          </a:fontRef>
+        </p:style>
+        <p:txBody>
+          <a:bodyPr rtlCol="0" anchor="ctr"/>
+          <a:lstStyle/>
+          <a:p>
+            <a:pPr algn="ctr"/>
+            <a:endParaRPr kumimoji="1" lang="ja-JP" altLang="en-US"/>
+          </a:p>
+        </p:txBody>
+      </p:sp>
+      <p:sp>
+        <p:nvSpPr>
+          <p:cNvPr id="12" name="四角形: 角を丸くする 11">
+            <a:extLst>
+              <a:ext uri="{FF2B5EF4-FFF2-40B4-BE49-F238E27FC236}">
+                <a16:creationId xmlns:a16="http://schemas.microsoft.com/office/drawing/2014/main" id="{E0DB4254-2566-B265-BE54-91D5E0909944}"/>
+              </a:ext>
+            </a:extLst>
+          </p:cNvPr>
+          <p:cNvSpPr/>
+          <p:nvPr/>
+        </p:nvSpPr>
+        <p:spPr>
+          <a:xfrm>
+            <a:off x="5917097" y="4162786"/>
+            <a:ext cx="2587908" cy="210432"/>
+          </a:xfrm>
+          <a:prstGeom prst="roundRect">
+            <a:avLst>
+              <a:gd name="adj" fmla="val 2576"/>
+            </a:avLst>
+          </a:prstGeom>
+          <a:noFill/>
+          <a:ln>
+            <a:solidFill>
+              <a:srgbClr val="FF6F61"/>
+            </a:solidFill>
+          </a:ln>
+        </p:spPr>
+        <p:style>
+          <a:lnRef idx="2">
+            <a:schemeClr val="accent1">
+              <a:shade val="50000"/>
+            </a:schemeClr>
+          </a:lnRef>
+          <a:fillRef idx="1">
+            <a:schemeClr val="accent1"/>
+          </a:fillRef>
+          <a:effectRef idx="0">
+            <a:schemeClr val="accent1"/>
+          </a:effectRef>
+          <a:fontRef idx="minor">
+            <a:schemeClr val="lt1"/>
+          </a:fontRef>
+        </p:style>
+        <p:txBody>
+          <a:bodyPr rtlCol="0" anchor="ctr"/>
+          <a:lstStyle/>
+          <a:p>
+            <a:pPr algn="ctr"/>
+            <a:endParaRPr kumimoji="1" lang="ja-JP" altLang="en-US"/>
+          </a:p>
+        </p:txBody>
+      </p:sp>
+    </p:spTree>
+    <p:extLst>
+      <p:ext uri="{BB962C8B-B14F-4D97-AF65-F5344CB8AC3E}">
+        <p14:creationId xmlns:p14="http://schemas.microsoft.com/office/powerpoint/2010/main" val="2015049987"/>
+      </p:ext>
+    </p:extLst>
+  </p:cSld>
+  <p:clrMapOvr>
+    <a:masterClrMapping/>
+  </p:clrMapOvr>
+</p:sld>
+</file>
+
+<file path=ppt/slides/slide22.xml><?xml version="1.0" encoding="utf-8"?>
+<p:sld xmlns:a="http://schemas.openxmlformats.org/drawingml/2006/main" xmlns:r="http://schemas.openxmlformats.org/officeDocument/2006/relationships" xmlns:p="http://schemas.openxmlformats.org/presentationml/2006/main">
+  <p:cSld>
+    <p:spTree>
+      <p:nvGrpSpPr>
+        <p:cNvPr id="1" name=""/>
+        <p:cNvGrpSpPr/>
+        <p:nvPr/>
+      </p:nvGrpSpPr>
+      <p:grpSpPr>
+        <a:xfrm>
+          <a:off x="0" y="0"/>
+          <a:ext cx="0" cy="0"/>
+          <a:chOff x="0" y="0"/>
+          <a:chExt cx="0" cy="0"/>
+        </a:xfrm>
+      </p:grpSpPr>
+      <p:pic>
+        <p:nvPicPr>
+          <p:cNvPr id="3" name="図 2">
+            <a:extLst>
+              <a:ext uri="{FF2B5EF4-FFF2-40B4-BE49-F238E27FC236}">
+                <a16:creationId xmlns:a16="http://schemas.microsoft.com/office/drawing/2014/main" id="{7B4BF600-2F30-2AD2-08E5-CA443CC20142}"/>
+              </a:ext>
+            </a:extLst>
+          </p:cNvPr>
+          <p:cNvPicPr>
+            <a:picLocks noChangeAspect="1"/>
+          </p:cNvPicPr>
+          <p:nvPr/>
+        </p:nvPicPr>
+        <p:blipFill>
+          <a:blip r:embed="rId2"/>
+          <a:stretch>
+            <a:fillRect/>
+          </a:stretch>
+        </p:blipFill>
+        <p:spPr>
+          <a:xfrm>
+            <a:off x="2938022" y="871180"/>
+            <a:ext cx="6315956" cy="5115639"/>
+          </a:xfrm>
+          <a:prstGeom prst="rect">
+            <a:avLst/>
+          </a:prstGeom>
+        </p:spPr>
+      </p:pic>
+    </p:spTree>
+    <p:extLst>
+      <p:ext uri="{BB962C8B-B14F-4D97-AF65-F5344CB8AC3E}">
+        <p14:creationId xmlns:p14="http://schemas.microsoft.com/office/powerpoint/2010/main" val="3110030472"/>
+      </p:ext>
+    </p:extLst>
+  </p:cSld>
+  <p:clrMapOvr>
+    <a:masterClrMapping/>
+  </p:clrMapOvr>
+</p:sld>
+</file>
+
+<file path=ppt/slides/slide23.xml><?xml version="1.0" encoding="utf-8"?>
+<p:sld xmlns:a="http://schemas.openxmlformats.org/drawingml/2006/main" xmlns:r="http://schemas.openxmlformats.org/officeDocument/2006/relationships" xmlns:p="http://schemas.openxmlformats.org/presentationml/2006/main">
+  <p:cSld>
+    <p:spTree>
+      <p:nvGrpSpPr>
+        <p:cNvPr id="1" name=""/>
+        <p:cNvGrpSpPr/>
+        <p:nvPr/>
+      </p:nvGrpSpPr>
+      <p:grpSpPr>
+        <a:xfrm>
+          <a:off x="0" y="0"/>
+          <a:ext cx="0" cy="0"/>
+          <a:chOff x="0" y="0"/>
+          <a:chExt cx="0" cy="0"/>
+        </a:xfrm>
+      </p:grpSpPr>
+      <p:pic>
+        <p:nvPicPr>
+          <p:cNvPr id="5" name="図 4">
+            <a:extLst>
+              <a:ext uri="{FF2B5EF4-FFF2-40B4-BE49-F238E27FC236}">
+                <a16:creationId xmlns:a16="http://schemas.microsoft.com/office/drawing/2014/main" id="{A8E87213-ED6F-0298-F773-CFC728A96D52}"/>
+              </a:ext>
+            </a:extLst>
+          </p:cNvPr>
+          <p:cNvPicPr>
+            <a:picLocks noChangeAspect="1"/>
+          </p:cNvPicPr>
+          <p:nvPr/>
+        </p:nvPicPr>
+        <p:blipFill>
+          <a:blip r:embed="rId2"/>
+          <a:stretch>
+            <a:fillRect/>
+          </a:stretch>
+        </p:blipFill>
+        <p:spPr>
+          <a:xfrm>
+            <a:off x="1973389" y="3194423"/>
+            <a:ext cx="4360323" cy="1326418"/>
+          </a:xfrm>
+          <a:prstGeom prst="rect">
+            <a:avLst/>
+          </a:prstGeom>
+        </p:spPr>
+      </p:pic>
+      <p:pic>
+        <p:nvPicPr>
+          <p:cNvPr id="7" name="図 6">
+            <a:extLst>
+              <a:ext uri="{FF2B5EF4-FFF2-40B4-BE49-F238E27FC236}">
+                <a16:creationId xmlns:a16="http://schemas.microsoft.com/office/drawing/2014/main" id="{64D98D73-4B32-A6FC-07E2-805B65EF69E1}"/>
+              </a:ext>
+            </a:extLst>
+          </p:cNvPr>
+          <p:cNvPicPr>
+            <a:picLocks noChangeAspect="1"/>
+          </p:cNvPicPr>
+          <p:nvPr/>
+        </p:nvPicPr>
+        <p:blipFill>
+          <a:blip r:embed="rId3"/>
+          <a:stretch>
+            <a:fillRect/>
+          </a:stretch>
+        </p:blipFill>
+        <p:spPr>
+          <a:xfrm>
+            <a:off x="7243184" y="1755785"/>
+            <a:ext cx="3642152" cy="2572224"/>
+          </a:xfrm>
+          <a:prstGeom prst="rect">
+            <a:avLst/>
+          </a:prstGeom>
+        </p:spPr>
+      </p:pic>
+      <p:pic>
+        <p:nvPicPr>
+          <p:cNvPr id="9" name="図 8">
+            <a:extLst>
+              <a:ext uri="{FF2B5EF4-FFF2-40B4-BE49-F238E27FC236}">
+                <a16:creationId xmlns:a16="http://schemas.microsoft.com/office/drawing/2014/main" id="{70756106-E8F9-F238-C079-D26736D9D96D}"/>
+              </a:ext>
+            </a:extLst>
+          </p:cNvPr>
+          <p:cNvPicPr>
+            <a:picLocks noChangeAspect="1"/>
+          </p:cNvPicPr>
+          <p:nvPr/>
+        </p:nvPicPr>
+        <p:blipFill>
+          <a:blip r:embed="rId4"/>
+          <a:stretch>
+            <a:fillRect/>
+          </a:stretch>
+        </p:blipFill>
+        <p:spPr>
+          <a:xfrm>
+            <a:off x="1074929" y="1588439"/>
+            <a:ext cx="5417809" cy="860838"/>
+          </a:xfrm>
+          <a:prstGeom prst="rect">
+            <a:avLst/>
+          </a:prstGeom>
+        </p:spPr>
+      </p:pic>
+      <p:cxnSp>
+        <p:nvCxnSpPr>
+          <p:cNvPr id="10" name="直線矢印コネクタ 24">
+            <a:extLst>
+              <a:ext uri="{FF2B5EF4-FFF2-40B4-BE49-F238E27FC236}">
+                <a16:creationId xmlns:a16="http://schemas.microsoft.com/office/drawing/2014/main" id="{A6ED5A5A-57B7-3D1D-668E-E02FF003124E}"/>
+              </a:ext>
+            </a:extLst>
+          </p:cNvPr>
+          <p:cNvCxnSpPr>
+            <a:cxnSpLocks/>
+          </p:cNvCxnSpPr>
+          <p:nvPr/>
+        </p:nvCxnSpPr>
+        <p:spPr>
+          <a:xfrm flipH="1">
+            <a:off x="4198289" y="2091193"/>
+            <a:ext cx="1566407" cy="1876508"/>
+          </a:xfrm>
+          <a:prstGeom prst="straightConnector1">
+            <a:avLst/>
+          </a:prstGeom>
+          <a:ln w="12700">
+            <a:solidFill>
+              <a:srgbClr val="FF6F61"/>
+            </a:solidFill>
+            <a:tailEnd type="triangle"/>
+          </a:ln>
+        </p:spPr>
+        <p:style>
+          <a:lnRef idx="1">
+            <a:schemeClr val="accent1"/>
+          </a:lnRef>
+          <a:fillRef idx="0">
+            <a:schemeClr val="accent1"/>
+          </a:fillRef>
+          <a:effectRef idx="0">
+            <a:schemeClr val="accent1"/>
+          </a:effectRef>
+          <a:fontRef idx="minor">
+            <a:schemeClr val="tx1"/>
+          </a:fontRef>
+        </p:style>
+      </p:cxnSp>
+      <p:cxnSp>
+        <p:nvCxnSpPr>
+          <p:cNvPr id="13" name="直線矢印コネクタ 24">
+            <a:extLst>
+              <a:ext uri="{FF2B5EF4-FFF2-40B4-BE49-F238E27FC236}">
+                <a16:creationId xmlns:a16="http://schemas.microsoft.com/office/drawing/2014/main" id="{C11B71DB-1B33-87D1-8B28-18D161EADDD7}"/>
+              </a:ext>
+            </a:extLst>
+          </p:cNvPr>
+          <p:cNvCxnSpPr>
+            <a:cxnSpLocks/>
+          </p:cNvCxnSpPr>
+          <p:nvPr/>
+        </p:nvCxnSpPr>
+        <p:spPr>
+          <a:xfrm flipV="1">
+            <a:off x="4253948" y="2146852"/>
+            <a:ext cx="3101009" cy="1916265"/>
+          </a:xfrm>
+          <a:prstGeom prst="straightConnector1">
+            <a:avLst/>
+          </a:prstGeom>
+          <a:ln w="12700">
+            <a:solidFill>
+              <a:srgbClr val="FF6F61"/>
+            </a:solidFill>
+            <a:tailEnd type="triangle"/>
+          </a:ln>
+        </p:spPr>
+        <p:style>
+          <a:lnRef idx="1">
+            <a:schemeClr val="accent1"/>
+          </a:lnRef>
+          <a:fillRef idx="0">
+            <a:schemeClr val="accent1"/>
+          </a:fillRef>
+          <a:effectRef idx="0">
+            <a:schemeClr val="accent1"/>
+          </a:effectRef>
+          <a:fontRef idx="minor">
+            <a:schemeClr val="tx1"/>
+          </a:fontRef>
+        </p:style>
+      </p:cxnSp>
+      <p:sp>
+        <p:nvSpPr>
+          <p:cNvPr id="16" name="四角形: 角を丸くする 15">
+            <a:extLst>
+              <a:ext uri="{FF2B5EF4-FFF2-40B4-BE49-F238E27FC236}">
+                <a16:creationId xmlns:a16="http://schemas.microsoft.com/office/drawing/2014/main" id="{FBEDA373-19E1-A1A9-0044-40E05C350C07}"/>
+              </a:ext>
+            </a:extLst>
+          </p:cNvPr>
+          <p:cNvSpPr/>
+          <p:nvPr/>
+        </p:nvSpPr>
+        <p:spPr>
+          <a:xfrm>
+            <a:off x="7247248" y="2990940"/>
+            <a:ext cx="3638088" cy="1183495"/>
+          </a:xfrm>
+          <a:prstGeom prst="roundRect">
+            <a:avLst>
+              <a:gd name="adj" fmla="val 4167"/>
+            </a:avLst>
+          </a:prstGeom>
+          <a:noFill/>
+          <a:ln>
+            <a:solidFill>
+              <a:srgbClr val="FF6F61"/>
+            </a:solidFill>
+          </a:ln>
+        </p:spPr>
+        <p:style>
+          <a:lnRef idx="2">
+            <a:schemeClr val="accent1">
+              <a:shade val="50000"/>
+            </a:schemeClr>
+          </a:lnRef>
+          <a:fillRef idx="1">
+            <a:schemeClr val="accent1"/>
+          </a:fillRef>
+          <a:effectRef idx="0">
+            <a:schemeClr val="accent1"/>
+          </a:effectRef>
+          <a:fontRef idx="minor">
+            <a:schemeClr val="lt1"/>
+          </a:fontRef>
+        </p:style>
+        <p:txBody>
+          <a:bodyPr rtlCol="0" anchor="ctr"/>
+          <a:lstStyle/>
+          <a:p>
+            <a:pPr algn="ctr"/>
+            <a:endParaRPr kumimoji="1" lang="ja-JP" altLang="en-US"/>
+          </a:p>
+        </p:txBody>
+      </p:sp>
+    </p:spTree>
+    <p:extLst>
+      <p:ext uri="{BB962C8B-B14F-4D97-AF65-F5344CB8AC3E}">
+        <p14:creationId xmlns:p14="http://schemas.microsoft.com/office/powerpoint/2010/main" val="2987393660"/>
+      </p:ext>
+    </p:extLst>
+  </p:cSld>
+  <p:clrMapOvr>
+    <a:masterClrMapping/>
+  </p:clrMapOvr>
+</p:sld>
+</file>
+
+<file path=ppt/slides/slide24.xml><?xml version="1.0" encoding="utf-8"?>
+<p:sld xmlns:a="http://schemas.openxmlformats.org/drawingml/2006/main" xmlns:r="http://schemas.openxmlformats.org/officeDocument/2006/relationships" xmlns:p="http://schemas.openxmlformats.org/presentationml/2006/main">
+  <p:cSld>
+    <p:spTree>
+      <p:nvGrpSpPr>
+        <p:cNvPr id="1" name=""/>
+        <p:cNvGrpSpPr/>
+        <p:nvPr/>
+      </p:nvGrpSpPr>
+      <p:grpSpPr>
+        <a:xfrm>
+          <a:off x="0" y="0"/>
+          <a:ext cx="0" cy="0"/>
+          <a:chOff x="0" y="0"/>
+          <a:chExt cx="0" cy="0"/>
+        </a:xfrm>
+      </p:grpSpPr>
+      <p:pic>
+        <p:nvPicPr>
+          <p:cNvPr id="3" name="図 2">
+            <a:extLst>
+              <a:ext uri="{FF2B5EF4-FFF2-40B4-BE49-F238E27FC236}">
+                <a16:creationId xmlns:a16="http://schemas.microsoft.com/office/drawing/2014/main" id="{3ADA5CAA-2A37-ADCD-0C7F-8087EADF3EBE}"/>
+              </a:ext>
+            </a:extLst>
+          </p:cNvPr>
+          <p:cNvPicPr>
+            <a:picLocks noChangeAspect="1"/>
+          </p:cNvPicPr>
+          <p:nvPr/>
+        </p:nvPicPr>
+        <p:blipFill>
+          <a:blip r:embed="rId2"/>
+          <a:stretch>
+            <a:fillRect/>
+          </a:stretch>
+        </p:blipFill>
+        <p:spPr>
+          <a:xfrm>
+            <a:off x="3204759" y="2585920"/>
+            <a:ext cx="5782482" cy="1686160"/>
+          </a:xfrm>
+          <a:prstGeom prst="rect">
+            <a:avLst/>
+          </a:prstGeom>
+        </p:spPr>
+      </p:pic>
+    </p:spTree>
+    <p:extLst>
+      <p:ext uri="{BB962C8B-B14F-4D97-AF65-F5344CB8AC3E}">
+        <p14:creationId xmlns:p14="http://schemas.microsoft.com/office/powerpoint/2010/main" val="1006177146"/>
+      </p:ext>
+    </p:extLst>
+  </p:cSld>
+  <p:clrMapOvr>
+    <a:masterClrMapping/>
+  </p:clrMapOvr>
+</p:sld>
+</file>
+
+<file path=ppt/slides/slide25.xml><?xml version="1.0" encoding="utf-8"?>
+<p:sld xmlns:a="http://schemas.openxmlformats.org/drawingml/2006/main" xmlns:r="http://schemas.openxmlformats.org/officeDocument/2006/relationships" xmlns:p="http://schemas.openxmlformats.org/presentationml/2006/main">
+  <p:cSld>
+    <p:spTree>
+      <p:nvGrpSpPr>
+        <p:cNvPr id="1" name=""/>
+        <p:cNvGrpSpPr/>
+        <p:nvPr/>
+      </p:nvGrpSpPr>
+      <p:grpSpPr>
+        <a:xfrm>
+          <a:off x="0" y="0"/>
+          <a:ext cx="0" cy="0"/>
+          <a:chOff x="0" y="0"/>
+          <a:chExt cx="0" cy="0"/>
+        </a:xfrm>
+      </p:grpSpPr>
+      <p:pic>
+        <p:nvPicPr>
+          <p:cNvPr id="3" name="図 2">
+            <a:extLst>
+              <a:ext uri="{FF2B5EF4-FFF2-40B4-BE49-F238E27FC236}">
+                <a16:creationId xmlns:a16="http://schemas.microsoft.com/office/drawing/2014/main" id="{1B40D9CB-F678-9F62-C04A-6FAB67772338}"/>
+              </a:ext>
+            </a:extLst>
+          </p:cNvPr>
+          <p:cNvPicPr>
+            <a:picLocks noChangeAspect="1"/>
+          </p:cNvPicPr>
+          <p:nvPr/>
+        </p:nvPicPr>
+        <p:blipFill>
+          <a:blip r:embed="rId2"/>
+          <a:stretch>
+            <a:fillRect/>
+          </a:stretch>
+        </p:blipFill>
+        <p:spPr>
+          <a:xfrm>
+            <a:off x="3530379" y="710020"/>
+            <a:ext cx="4712628" cy="5272544"/>
+          </a:xfrm>
+          <a:prstGeom prst="rect">
+            <a:avLst/>
+          </a:prstGeom>
+        </p:spPr>
+      </p:pic>
+    </p:spTree>
+    <p:extLst>
+      <p:ext uri="{BB962C8B-B14F-4D97-AF65-F5344CB8AC3E}">
+        <p14:creationId xmlns:p14="http://schemas.microsoft.com/office/powerpoint/2010/main" val="2684564316"/>
+      </p:ext>
+    </p:extLst>
+  </p:cSld>
+  <p:clrMapOvr>
+    <a:masterClrMapping/>
+  </p:clrMapOvr>
+</p:sld>
+</file>
+
+<file path=ppt/slides/slide26.xml><?xml version="1.0" encoding="utf-8"?>
+<p:sld xmlns:a="http://schemas.openxmlformats.org/drawingml/2006/main" xmlns:r="http://schemas.openxmlformats.org/officeDocument/2006/relationships" xmlns:p="http://schemas.openxmlformats.org/presentationml/2006/main">
+  <p:cSld>
+    <p:spTree>
+      <p:nvGrpSpPr>
+        <p:cNvPr id="1" name=""/>
+        <p:cNvGrpSpPr/>
+        <p:nvPr/>
+      </p:nvGrpSpPr>
+      <p:grpSpPr>
+        <a:xfrm>
+          <a:off x="0" y="0"/>
+          <a:ext cx="0" cy="0"/>
+          <a:chOff x="0" y="0"/>
+          <a:chExt cx="0" cy="0"/>
+        </a:xfrm>
+      </p:grpSpPr>
+      <p:pic>
+        <p:nvPicPr>
+          <p:cNvPr id="3" name="図 2">
+            <a:extLst>
+              <a:ext uri="{FF2B5EF4-FFF2-40B4-BE49-F238E27FC236}">
+                <a16:creationId xmlns:a16="http://schemas.microsoft.com/office/drawing/2014/main" id="{7CDF92D9-2B3C-EE19-D829-33BA5F6AE103}"/>
+              </a:ext>
+            </a:extLst>
+          </p:cNvPr>
+          <p:cNvPicPr>
+            <a:picLocks noChangeAspect="1"/>
+          </p:cNvPicPr>
+          <p:nvPr/>
+        </p:nvPicPr>
+        <p:blipFill>
+          <a:blip r:embed="rId2"/>
+          <a:stretch>
+            <a:fillRect/>
+          </a:stretch>
+        </p:blipFill>
+        <p:spPr>
+          <a:xfrm>
+            <a:off x="1606162" y="1057748"/>
+            <a:ext cx="8590935" cy="4351775"/>
+          </a:xfrm>
+          <a:prstGeom prst="rect">
+            <a:avLst/>
+          </a:prstGeom>
+        </p:spPr>
+      </p:pic>
+    </p:spTree>
+    <p:extLst>
+      <p:ext uri="{BB962C8B-B14F-4D97-AF65-F5344CB8AC3E}">
+        <p14:creationId xmlns:p14="http://schemas.microsoft.com/office/powerpoint/2010/main" val="2873733604"/>
+      </p:ext>
+    </p:extLst>
+  </p:cSld>
+  <p:clrMapOvr>
+    <a:masterClrMapping/>
+  </p:clrMapOvr>
+</p:sld>
+</file>
+
+<file path=ppt/slides/slide27.xml><?xml version="1.0" encoding="utf-8"?>
+<p:sld xmlns:a="http://schemas.openxmlformats.org/drawingml/2006/main" xmlns:r="http://schemas.openxmlformats.org/officeDocument/2006/relationships" xmlns:p="http://schemas.openxmlformats.org/presentationml/2006/main">
+  <p:cSld>
+    <p:spTree>
+      <p:nvGrpSpPr>
+        <p:cNvPr id="1" name=""/>
+        <p:cNvGrpSpPr/>
+        <p:nvPr/>
+      </p:nvGrpSpPr>
+      <p:grpSpPr>
+        <a:xfrm>
+          <a:off x="0" y="0"/>
+          <a:ext cx="0" cy="0"/>
+          <a:chOff x="0" y="0"/>
+          <a:chExt cx="0" cy="0"/>
+        </a:xfrm>
+      </p:grpSpPr>
+      <p:pic>
+        <p:nvPicPr>
+          <p:cNvPr id="3" name="図 2">
+            <a:extLst>
+              <a:ext uri="{FF2B5EF4-FFF2-40B4-BE49-F238E27FC236}">
+                <a16:creationId xmlns:a16="http://schemas.microsoft.com/office/drawing/2014/main" id="{361359E3-5898-738F-D0D2-7DA8647893E8}"/>
+              </a:ext>
+            </a:extLst>
+          </p:cNvPr>
+          <p:cNvPicPr>
+            <a:picLocks noChangeAspect="1"/>
+          </p:cNvPicPr>
+          <p:nvPr/>
+        </p:nvPicPr>
+        <p:blipFill>
+          <a:blip r:embed="rId2"/>
+          <a:stretch>
+            <a:fillRect/>
+          </a:stretch>
+        </p:blipFill>
+        <p:spPr>
+          <a:xfrm>
+            <a:off x="4047213" y="1338084"/>
+            <a:ext cx="3751739" cy="3819035"/>
+          </a:xfrm>
+          <a:prstGeom prst="rect">
+            <a:avLst/>
+          </a:prstGeom>
+        </p:spPr>
+      </p:pic>
+      <p:sp>
+        <p:nvSpPr>
+          <p:cNvPr id="4" name="四角形: 角を丸くする 3">
+            <a:extLst>
+              <a:ext uri="{FF2B5EF4-FFF2-40B4-BE49-F238E27FC236}">
+                <a16:creationId xmlns:a16="http://schemas.microsoft.com/office/drawing/2014/main" id="{D15532D9-2B0B-E2E9-B7B6-3B8AC1FABE4F}"/>
+              </a:ext>
+            </a:extLst>
+          </p:cNvPr>
+          <p:cNvSpPr/>
+          <p:nvPr/>
+        </p:nvSpPr>
+        <p:spPr>
+          <a:xfrm>
+            <a:off x="4160864" y="3809925"/>
+            <a:ext cx="3638088" cy="1040372"/>
+          </a:xfrm>
+          <a:prstGeom prst="roundRect">
+            <a:avLst>
+              <a:gd name="adj" fmla="val 4167"/>
+            </a:avLst>
+          </a:prstGeom>
+          <a:noFill/>
+          <a:ln>
+            <a:solidFill>
+              <a:srgbClr val="FF6F61"/>
+            </a:solidFill>
+          </a:ln>
+        </p:spPr>
+        <p:style>
+          <a:lnRef idx="2">
+            <a:schemeClr val="accent1">
+              <a:shade val="50000"/>
+            </a:schemeClr>
+          </a:lnRef>
+          <a:fillRef idx="1">
+            <a:schemeClr val="accent1"/>
+          </a:fillRef>
+          <a:effectRef idx="0">
+            <a:schemeClr val="accent1"/>
+          </a:effectRef>
+          <a:fontRef idx="minor">
+            <a:schemeClr val="lt1"/>
+          </a:fontRef>
+        </p:style>
+        <p:txBody>
+          <a:bodyPr rtlCol="0" anchor="ctr"/>
+          <a:lstStyle/>
+          <a:p>
+            <a:pPr algn="ctr"/>
+            <a:endParaRPr kumimoji="1" lang="ja-JP" altLang="en-US"/>
+          </a:p>
+        </p:txBody>
+      </p:sp>
+    </p:spTree>
+    <p:extLst>
+      <p:ext uri="{BB962C8B-B14F-4D97-AF65-F5344CB8AC3E}">
+        <p14:creationId xmlns:p14="http://schemas.microsoft.com/office/powerpoint/2010/main" val="3711151650"/>
+      </p:ext>
+    </p:extLst>
+  </p:cSld>
+  <p:clrMapOvr>
+    <a:masterClrMapping/>
+  </p:clrMapOvr>
+</p:sld>
+</file>
+
+<file path=ppt/slides/slide28.xml><?xml version="1.0" encoding="utf-8"?>
+<p:sld xmlns:a="http://schemas.openxmlformats.org/drawingml/2006/main" xmlns:r="http://schemas.openxmlformats.org/officeDocument/2006/relationships" xmlns:p="http://schemas.openxmlformats.org/presentationml/2006/main">
+  <p:cSld>
+    <p:spTree>
+      <p:nvGrpSpPr>
+        <p:cNvPr id="1" name=""/>
+        <p:cNvGrpSpPr/>
+        <p:nvPr/>
+      </p:nvGrpSpPr>
+      <p:grpSpPr>
+        <a:xfrm>
+          <a:off x="0" y="0"/>
+          <a:ext cx="0" cy="0"/>
+          <a:chOff x="0" y="0"/>
+          <a:chExt cx="0" cy="0"/>
+        </a:xfrm>
+      </p:grpSpPr>
+      <p:pic>
+        <p:nvPicPr>
+          <p:cNvPr id="3" name="図 2">
+            <a:extLst>
+              <a:ext uri="{FF2B5EF4-FFF2-40B4-BE49-F238E27FC236}">
+                <a16:creationId xmlns:a16="http://schemas.microsoft.com/office/drawing/2014/main" id="{4307D6B1-46A9-2F68-4C48-8229227B008B}"/>
+              </a:ext>
+            </a:extLst>
+          </p:cNvPr>
+          <p:cNvPicPr>
+            <a:picLocks noChangeAspect="1"/>
+          </p:cNvPicPr>
+          <p:nvPr/>
+        </p:nvPicPr>
+        <p:blipFill rotWithShape="1">
+          <a:blip r:embed="rId2"/>
+          <a:srcRect b="29194"/>
+          <a:stretch/>
+        </p:blipFill>
+        <p:spPr>
+          <a:xfrm>
+            <a:off x="3260034" y="707456"/>
+            <a:ext cx="5033455" cy="3673713"/>
+          </a:xfrm>
+          <a:prstGeom prst="rect">
+            <a:avLst/>
+          </a:prstGeom>
+        </p:spPr>
+      </p:pic>
+      <p:sp>
+        <p:nvSpPr>
+          <p:cNvPr id="4" name="四角形: 角を丸くする 3">
+            <a:extLst>
+              <a:ext uri="{FF2B5EF4-FFF2-40B4-BE49-F238E27FC236}">
+                <a16:creationId xmlns:a16="http://schemas.microsoft.com/office/drawing/2014/main" id="{318BD2D8-639D-3FC9-D7DF-8C920653BEBA}"/>
+              </a:ext>
+            </a:extLst>
+          </p:cNvPr>
+          <p:cNvSpPr/>
+          <p:nvPr/>
+        </p:nvSpPr>
+        <p:spPr>
+          <a:xfrm>
+            <a:off x="6647291" y="3054552"/>
+            <a:ext cx="1485616" cy="308850"/>
+          </a:xfrm>
+          <a:prstGeom prst="roundRect">
+            <a:avLst>
+              <a:gd name="adj" fmla="val 4167"/>
+            </a:avLst>
+          </a:prstGeom>
+          <a:noFill/>
+          <a:ln>
+            <a:solidFill>
+              <a:srgbClr val="FF6F61"/>
+            </a:solidFill>
+          </a:ln>
+        </p:spPr>
+        <p:style>
+          <a:lnRef idx="2">
+            <a:schemeClr val="accent1">
+              <a:shade val="50000"/>
+            </a:schemeClr>
+          </a:lnRef>
+          <a:fillRef idx="1">
+            <a:schemeClr val="accent1"/>
+          </a:fillRef>
+          <a:effectRef idx="0">
+            <a:schemeClr val="accent1"/>
+          </a:effectRef>
+          <a:fontRef idx="minor">
+            <a:schemeClr val="lt1"/>
+          </a:fontRef>
+        </p:style>
+        <p:txBody>
+          <a:bodyPr rtlCol="0" anchor="ctr"/>
+          <a:lstStyle/>
+          <a:p>
+            <a:pPr algn="ctr"/>
+            <a:endParaRPr kumimoji="1" lang="ja-JP" altLang="en-US"/>
+          </a:p>
+        </p:txBody>
+      </p:sp>
+    </p:spTree>
+    <p:extLst>
+      <p:ext uri="{BB962C8B-B14F-4D97-AF65-F5344CB8AC3E}">
+        <p14:creationId xmlns:p14="http://schemas.microsoft.com/office/powerpoint/2010/main" val="549450800"/>
+      </p:ext>
+    </p:extLst>
+  </p:cSld>
+  <p:clrMapOvr>
+    <a:masterClrMapping/>
+  </p:clrMapOvr>
+</p:sld>
+</file>
+
+<file path=ppt/slides/slide29.xml><?xml version="1.0" encoding="utf-8"?>
+<p:sld xmlns:a="http://schemas.openxmlformats.org/drawingml/2006/main" xmlns:r="http://schemas.openxmlformats.org/officeDocument/2006/relationships" xmlns:p="http://schemas.openxmlformats.org/presentationml/2006/main">
+  <p:cSld>
+    <p:spTree>
+      <p:nvGrpSpPr>
+        <p:cNvPr id="1" name=""/>
+        <p:cNvGrpSpPr/>
+        <p:nvPr/>
+      </p:nvGrpSpPr>
+      <p:grpSpPr>
+        <a:xfrm>
+          <a:off x="0" y="0"/>
+          <a:ext cx="0" cy="0"/>
+          <a:chOff x="0" y="0"/>
+          <a:chExt cx="0" cy="0"/>
+        </a:xfrm>
+      </p:grpSpPr>
+      <p:pic>
+        <p:nvPicPr>
+          <p:cNvPr id="3" name="図 2">
+            <a:extLst>
+              <a:ext uri="{FF2B5EF4-FFF2-40B4-BE49-F238E27FC236}">
+                <a16:creationId xmlns:a16="http://schemas.microsoft.com/office/drawing/2014/main" id="{8919EEDE-6A00-2CE0-4B5E-52A081CEF568}"/>
+              </a:ext>
+            </a:extLst>
+          </p:cNvPr>
+          <p:cNvPicPr>
+            <a:picLocks noChangeAspect="1"/>
+          </p:cNvPicPr>
+          <p:nvPr/>
+        </p:nvPicPr>
+        <p:blipFill>
+          <a:blip r:embed="rId2"/>
+          <a:stretch>
+            <a:fillRect/>
+          </a:stretch>
+        </p:blipFill>
+        <p:spPr>
+          <a:xfrm>
+            <a:off x="1170711" y="1394315"/>
+            <a:ext cx="5481776" cy="3615785"/>
+          </a:xfrm>
+          <a:prstGeom prst="rect">
+            <a:avLst/>
+          </a:prstGeom>
+        </p:spPr>
+      </p:pic>
+      <p:pic>
+        <p:nvPicPr>
+          <p:cNvPr id="5" name="図 4">
+            <a:extLst>
+              <a:ext uri="{FF2B5EF4-FFF2-40B4-BE49-F238E27FC236}">
+                <a16:creationId xmlns:a16="http://schemas.microsoft.com/office/drawing/2014/main" id="{86A20561-F1F4-8CF5-DAF9-662A1A75FFDF}"/>
+              </a:ext>
+            </a:extLst>
+          </p:cNvPr>
+          <p:cNvPicPr>
+            <a:picLocks noChangeAspect="1"/>
+          </p:cNvPicPr>
+          <p:nvPr/>
+        </p:nvPicPr>
+        <p:blipFill>
+          <a:blip r:embed="rId3"/>
+          <a:stretch>
+            <a:fillRect/>
+          </a:stretch>
+        </p:blipFill>
+        <p:spPr>
+          <a:xfrm>
+            <a:off x="7204053" y="1264447"/>
+            <a:ext cx="2966447" cy="3875520"/>
+          </a:xfrm>
+          <a:prstGeom prst="rect">
+            <a:avLst/>
+          </a:prstGeom>
+        </p:spPr>
+      </p:pic>
+      <p:sp>
+        <p:nvSpPr>
+          <p:cNvPr id="6" name="四角形: 角を丸くする 5">
+            <a:extLst>
+              <a:ext uri="{FF2B5EF4-FFF2-40B4-BE49-F238E27FC236}">
+                <a16:creationId xmlns:a16="http://schemas.microsoft.com/office/drawing/2014/main" id="{1CB2656C-21F7-9D2E-BC95-3CA1F1329502}"/>
+              </a:ext>
+            </a:extLst>
+          </p:cNvPr>
+          <p:cNvSpPr/>
+          <p:nvPr/>
+        </p:nvSpPr>
+        <p:spPr>
+          <a:xfrm>
+            <a:off x="1407381" y="1519950"/>
+            <a:ext cx="1152939" cy="189580"/>
+          </a:xfrm>
+          <a:prstGeom prst="roundRect">
+            <a:avLst>
+              <a:gd name="adj" fmla="val 4167"/>
+            </a:avLst>
+          </a:prstGeom>
+          <a:noFill/>
+          <a:ln>
+            <a:solidFill>
+              <a:srgbClr val="FF6F61"/>
+            </a:solidFill>
+          </a:ln>
+        </p:spPr>
+        <p:style>
+          <a:lnRef idx="2">
+            <a:schemeClr val="accent1">
+              <a:shade val="50000"/>
+            </a:schemeClr>
+          </a:lnRef>
+          <a:fillRef idx="1">
+            <a:schemeClr val="accent1"/>
+          </a:fillRef>
+          <a:effectRef idx="0">
+            <a:schemeClr val="accent1"/>
+          </a:effectRef>
+          <a:fontRef idx="minor">
+            <a:schemeClr val="lt1"/>
+          </a:fontRef>
+        </p:style>
+        <p:txBody>
+          <a:bodyPr rtlCol="0" anchor="ctr"/>
+          <a:lstStyle/>
+          <a:p>
+            <a:pPr algn="ctr"/>
+            <a:endParaRPr kumimoji="1" lang="ja-JP" altLang="en-US"/>
+          </a:p>
+        </p:txBody>
+      </p:sp>
+      <p:sp>
+        <p:nvSpPr>
+          <p:cNvPr id="7" name="四角形: 角を丸くする 6">
+            <a:extLst>
+              <a:ext uri="{FF2B5EF4-FFF2-40B4-BE49-F238E27FC236}">
+                <a16:creationId xmlns:a16="http://schemas.microsoft.com/office/drawing/2014/main" id="{027E350D-59F3-A14C-B8C5-DF779D5B5A3D}"/>
+              </a:ext>
+            </a:extLst>
+          </p:cNvPr>
+          <p:cNvSpPr/>
+          <p:nvPr/>
+        </p:nvSpPr>
+        <p:spPr>
+          <a:xfrm>
+            <a:off x="1090655" y="3517051"/>
+            <a:ext cx="2551042" cy="402941"/>
+          </a:xfrm>
+          <a:prstGeom prst="roundRect">
+            <a:avLst>
+              <a:gd name="adj" fmla="val 4167"/>
+            </a:avLst>
+          </a:prstGeom>
+          <a:noFill/>
+          <a:ln>
+            <a:solidFill>
+              <a:srgbClr val="FF6F61"/>
+            </a:solidFill>
+          </a:ln>
+        </p:spPr>
+        <p:style>
+          <a:lnRef idx="2">
+            <a:schemeClr val="accent1">
+              <a:shade val="50000"/>
+            </a:schemeClr>
+          </a:lnRef>
+          <a:fillRef idx="1">
+            <a:schemeClr val="accent1"/>
+          </a:fillRef>
+          <a:effectRef idx="0">
+            <a:schemeClr val="accent1"/>
+          </a:effectRef>
+          <a:fontRef idx="minor">
+            <a:schemeClr val="lt1"/>
+          </a:fontRef>
+        </p:style>
+        <p:txBody>
+          <a:bodyPr rtlCol="0" anchor="ctr"/>
+          <a:lstStyle/>
+          <a:p>
+            <a:pPr algn="ctr"/>
+            <a:endParaRPr kumimoji="1" lang="ja-JP" altLang="en-US"/>
+          </a:p>
+        </p:txBody>
+      </p:sp>
+      <p:sp>
+        <p:nvSpPr>
+          <p:cNvPr id="8" name="四角形: 角を丸くする 7">
+            <a:extLst>
+              <a:ext uri="{FF2B5EF4-FFF2-40B4-BE49-F238E27FC236}">
+                <a16:creationId xmlns:a16="http://schemas.microsoft.com/office/drawing/2014/main" id="{C0AEBEBB-FF37-60F5-6259-24452B7114C1}"/>
+              </a:ext>
+            </a:extLst>
+          </p:cNvPr>
+          <p:cNvSpPr/>
+          <p:nvPr/>
+        </p:nvSpPr>
+        <p:spPr>
+          <a:xfrm>
+            <a:off x="1090655" y="4062104"/>
+            <a:ext cx="2551042" cy="493993"/>
+          </a:xfrm>
+          <a:prstGeom prst="roundRect">
+            <a:avLst>
+              <a:gd name="adj" fmla="val 4167"/>
+            </a:avLst>
+          </a:prstGeom>
+          <a:noFill/>
+          <a:ln>
+            <a:solidFill>
+              <a:srgbClr val="FF6F61"/>
+            </a:solidFill>
+          </a:ln>
+        </p:spPr>
+        <p:style>
+          <a:lnRef idx="2">
+            <a:schemeClr val="accent1">
+              <a:shade val="50000"/>
+            </a:schemeClr>
+          </a:lnRef>
+          <a:fillRef idx="1">
+            <a:schemeClr val="accent1"/>
+          </a:fillRef>
+          <a:effectRef idx="0">
+            <a:schemeClr val="accent1"/>
+          </a:effectRef>
+          <a:fontRef idx="minor">
+            <a:schemeClr val="lt1"/>
+          </a:fontRef>
+        </p:style>
+        <p:txBody>
+          <a:bodyPr rtlCol="0" anchor="ctr"/>
+          <a:lstStyle/>
+          <a:p>
+            <a:pPr algn="ctr"/>
+            <a:endParaRPr kumimoji="1" lang="ja-JP" altLang="en-US"/>
+          </a:p>
+        </p:txBody>
+      </p:sp>
+      <p:sp>
+        <p:nvSpPr>
+          <p:cNvPr id="9" name="四角形: 角を丸くする 8">
+            <a:extLst>
+              <a:ext uri="{FF2B5EF4-FFF2-40B4-BE49-F238E27FC236}">
+                <a16:creationId xmlns:a16="http://schemas.microsoft.com/office/drawing/2014/main" id="{CC0C64D2-E1E8-B086-5026-D46D3DA54591}"/>
+              </a:ext>
+            </a:extLst>
+          </p:cNvPr>
+          <p:cNvSpPr/>
+          <p:nvPr/>
+        </p:nvSpPr>
+        <p:spPr>
+          <a:xfrm>
+            <a:off x="7293998" y="3270054"/>
+            <a:ext cx="2876502" cy="1198579"/>
+          </a:xfrm>
+          <a:prstGeom prst="roundRect">
+            <a:avLst>
+              <a:gd name="adj" fmla="val 4167"/>
+            </a:avLst>
+          </a:prstGeom>
+          <a:noFill/>
+          <a:ln>
+            <a:solidFill>
+              <a:srgbClr val="FF6F61"/>
+            </a:solidFill>
+          </a:ln>
+        </p:spPr>
+        <p:style>
+          <a:lnRef idx="2">
+            <a:schemeClr val="accent1">
+              <a:shade val="50000"/>
+            </a:schemeClr>
+          </a:lnRef>
+          <a:fillRef idx="1">
+            <a:schemeClr val="accent1"/>
+          </a:fillRef>
+          <a:effectRef idx="0">
+            <a:schemeClr val="accent1"/>
+          </a:effectRef>
+          <a:fontRef idx="minor">
+            <a:schemeClr val="lt1"/>
+          </a:fontRef>
+        </p:style>
+        <p:txBody>
+          <a:bodyPr rtlCol="0" anchor="ctr"/>
+          <a:lstStyle/>
+          <a:p>
+            <a:pPr algn="ctr"/>
+            <a:endParaRPr kumimoji="1" lang="ja-JP" altLang="en-US"/>
+          </a:p>
+        </p:txBody>
+      </p:sp>
+    </p:spTree>
+    <p:extLst>
+      <p:ext uri="{BB962C8B-B14F-4D97-AF65-F5344CB8AC3E}">
+        <p14:creationId xmlns:p14="http://schemas.microsoft.com/office/powerpoint/2010/main" val="3245997486"/>
+      </p:ext>
+    </p:extLst>
+  </p:cSld>
+  <p:clrMapOvr>
+    <a:masterClrMapping/>
+  </p:clrMapOvr>
+</p:sld>
+</file>
+
 <file path=ppt/slides/slide3.xml><?xml version="1.0" encoding="utf-8"?>
 <p:sld xmlns:a="http://schemas.openxmlformats.org/drawingml/2006/main" xmlns:r="http://schemas.openxmlformats.org/officeDocument/2006/relationships" xmlns:p="http://schemas.openxmlformats.org/presentationml/2006/main">
   <p:cSld>
@@ -10024,6 +11543,227 @@
     <p:extLst>
       <p:ext uri="{BB962C8B-B14F-4D97-AF65-F5344CB8AC3E}">
         <p14:creationId xmlns:p14="http://schemas.microsoft.com/office/powerpoint/2010/main" val="3053063929"/>
+      </p:ext>
+    </p:extLst>
+  </p:cSld>
+  <p:clrMapOvr>
+    <a:masterClrMapping/>
+  </p:clrMapOvr>
+</p:sld>
+</file>
+
+<file path=ppt/slides/slide30.xml><?xml version="1.0" encoding="utf-8"?>
+<p:sld xmlns:a="http://schemas.openxmlformats.org/drawingml/2006/main" xmlns:r="http://schemas.openxmlformats.org/officeDocument/2006/relationships" xmlns:p="http://schemas.openxmlformats.org/presentationml/2006/main">
+  <p:cSld>
+    <p:spTree>
+      <p:nvGrpSpPr>
+        <p:cNvPr id="1" name=""/>
+        <p:cNvGrpSpPr/>
+        <p:nvPr/>
+      </p:nvGrpSpPr>
+      <p:grpSpPr>
+        <a:xfrm>
+          <a:off x="0" y="0"/>
+          <a:ext cx="0" cy="0"/>
+          <a:chOff x="0" y="0"/>
+          <a:chExt cx="0" cy="0"/>
+        </a:xfrm>
+      </p:grpSpPr>
+      <p:pic>
+        <p:nvPicPr>
+          <p:cNvPr id="3" name="図 2">
+            <a:extLst>
+              <a:ext uri="{FF2B5EF4-FFF2-40B4-BE49-F238E27FC236}">
+                <a16:creationId xmlns:a16="http://schemas.microsoft.com/office/drawing/2014/main" id="{138DD4B1-7F82-EDA8-5922-B8E5AB69EFEB}"/>
+              </a:ext>
+            </a:extLst>
+          </p:cNvPr>
+          <p:cNvPicPr>
+            <a:picLocks noChangeAspect="1"/>
+          </p:cNvPicPr>
+          <p:nvPr/>
+        </p:nvPicPr>
+        <p:blipFill rotWithShape="1">
+          <a:blip r:embed="rId2"/>
+          <a:srcRect l="317" r="1"/>
+          <a:stretch/>
+        </p:blipFill>
+        <p:spPr>
+          <a:xfrm>
+            <a:off x="1749288" y="1212402"/>
+            <a:ext cx="3069203" cy="3389910"/>
+          </a:xfrm>
+          <a:prstGeom prst="rect">
+            <a:avLst/>
+          </a:prstGeom>
+        </p:spPr>
+      </p:pic>
+      <p:pic>
+        <p:nvPicPr>
+          <p:cNvPr id="5" name="図 4">
+            <a:extLst>
+              <a:ext uri="{FF2B5EF4-FFF2-40B4-BE49-F238E27FC236}">
+                <a16:creationId xmlns:a16="http://schemas.microsoft.com/office/drawing/2014/main" id="{ADFB8E3B-8E04-1B31-A06F-A581CF246709}"/>
+              </a:ext>
+            </a:extLst>
+          </p:cNvPr>
+          <p:cNvPicPr>
+            <a:picLocks noChangeAspect="1"/>
+          </p:cNvPicPr>
+          <p:nvPr/>
+        </p:nvPicPr>
+        <p:blipFill>
+          <a:blip r:embed="rId3"/>
+          <a:stretch>
+            <a:fillRect/>
+          </a:stretch>
+        </p:blipFill>
+        <p:spPr>
+          <a:xfrm>
+            <a:off x="6270929" y="1371427"/>
+            <a:ext cx="3405077" cy="2828717"/>
+          </a:xfrm>
+          <a:prstGeom prst="rect">
+            <a:avLst/>
+          </a:prstGeom>
+        </p:spPr>
+      </p:pic>
+      <p:cxnSp>
+        <p:nvCxnSpPr>
+          <p:cNvPr id="6" name="直線矢印コネクタ 24">
+            <a:extLst>
+              <a:ext uri="{FF2B5EF4-FFF2-40B4-BE49-F238E27FC236}">
+                <a16:creationId xmlns:a16="http://schemas.microsoft.com/office/drawing/2014/main" id="{21A045BB-14FC-55A7-29BC-DF35673B0001}"/>
+              </a:ext>
+            </a:extLst>
+          </p:cNvPr>
+          <p:cNvCxnSpPr>
+            <a:cxnSpLocks/>
+          </p:cNvCxnSpPr>
+          <p:nvPr/>
+        </p:nvCxnSpPr>
+        <p:spPr>
+          <a:xfrm flipV="1">
+            <a:off x="2655736" y="1693628"/>
+            <a:ext cx="3721210" cy="254442"/>
+          </a:xfrm>
+          <a:prstGeom prst="straightConnector1">
+            <a:avLst/>
+          </a:prstGeom>
+          <a:ln w="12700">
+            <a:solidFill>
+              <a:srgbClr val="FF6F61"/>
+            </a:solidFill>
+            <a:tailEnd type="triangle"/>
+          </a:ln>
+        </p:spPr>
+        <p:style>
+          <a:lnRef idx="1">
+            <a:schemeClr val="accent1"/>
+          </a:lnRef>
+          <a:fillRef idx="0">
+            <a:schemeClr val="accent1"/>
+          </a:fillRef>
+          <a:effectRef idx="0">
+            <a:schemeClr val="accent1"/>
+          </a:effectRef>
+          <a:fontRef idx="minor">
+            <a:schemeClr val="tx1"/>
+          </a:fontRef>
+        </p:style>
+      </p:cxnSp>
+      <p:cxnSp>
+        <p:nvCxnSpPr>
+          <p:cNvPr id="10" name="直線矢印コネクタ 24">
+            <a:extLst>
+              <a:ext uri="{FF2B5EF4-FFF2-40B4-BE49-F238E27FC236}">
+                <a16:creationId xmlns:a16="http://schemas.microsoft.com/office/drawing/2014/main" id="{4D7B30D3-E67A-7783-871D-2B3DC1C108E3}"/>
+              </a:ext>
+            </a:extLst>
+          </p:cNvPr>
+          <p:cNvCxnSpPr>
+            <a:cxnSpLocks/>
+          </p:cNvCxnSpPr>
+          <p:nvPr/>
+        </p:nvCxnSpPr>
+        <p:spPr>
+          <a:xfrm flipV="1">
+            <a:off x="4238045" y="3729162"/>
+            <a:ext cx="3466769" cy="373711"/>
+          </a:xfrm>
+          <a:prstGeom prst="straightConnector1">
+            <a:avLst/>
+          </a:prstGeom>
+          <a:ln w="12700">
+            <a:solidFill>
+              <a:srgbClr val="FF6F61"/>
+            </a:solidFill>
+            <a:tailEnd type="triangle"/>
+          </a:ln>
+        </p:spPr>
+        <p:style>
+          <a:lnRef idx="1">
+            <a:schemeClr val="accent1"/>
+          </a:lnRef>
+          <a:fillRef idx="0">
+            <a:schemeClr val="accent1"/>
+          </a:fillRef>
+          <a:effectRef idx="0">
+            <a:schemeClr val="accent1"/>
+          </a:effectRef>
+          <a:fontRef idx="minor">
+            <a:schemeClr val="tx1"/>
+          </a:fontRef>
+        </p:style>
+      </p:cxnSp>
+      <p:cxnSp>
+        <p:nvCxnSpPr>
+          <p:cNvPr id="13" name="直線矢印コネクタ 24">
+            <a:extLst>
+              <a:ext uri="{FF2B5EF4-FFF2-40B4-BE49-F238E27FC236}">
+                <a16:creationId xmlns:a16="http://schemas.microsoft.com/office/drawing/2014/main" id="{66127B51-89B7-DCC8-39C6-2B25A1AAC7E7}"/>
+              </a:ext>
+            </a:extLst>
+          </p:cNvPr>
+          <p:cNvCxnSpPr>
+            <a:cxnSpLocks/>
+          </p:cNvCxnSpPr>
+          <p:nvPr/>
+        </p:nvCxnSpPr>
+        <p:spPr>
+          <a:xfrm flipV="1">
+            <a:off x="4142629" y="2785785"/>
+            <a:ext cx="2305879" cy="1076435"/>
+          </a:xfrm>
+          <a:prstGeom prst="straightConnector1">
+            <a:avLst/>
+          </a:prstGeom>
+          <a:ln w="12700">
+            <a:solidFill>
+              <a:srgbClr val="FF6F61"/>
+            </a:solidFill>
+            <a:tailEnd type="triangle"/>
+          </a:ln>
+        </p:spPr>
+        <p:style>
+          <a:lnRef idx="1">
+            <a:schemeClr val="accent1"/>
+          </a:lnRef>
+          <a:fillRef idx="0">
+            <a:schemeClr val="accent1"/>
+          </a:fillRef>
+          <a:effectRef idx="0">
+            <a:schemeClr val="accent1"/>
+          </a:effectRef>
+          <a:fontRef idx="minor">
+            <a:schemeClr val="tx1"/>
+          </a:fontRef>
+        </p:style>
+      </p:cxnSp>
+    </p:spTree>
+    <p:extLst>
+      <p:ext uri="{BB962C8B-B14F-4D97-AF65-F5344CB8AC3E}">
+        <p14:creationId xmlns:p14="http://schemas.microsoft.com/office/powerpoint/2010/main" val="604382118"/>
       </p:ext>
     </p:extLst>
   </p:cSld>

--- a/work/work.pptx
+++ b/work/work.pptx
@@ -7314,16 +7314,15 @@
           </p:cNvPicPr>
           <p:nvPr/>
         </p:nvPicPr>
-        <p:blipFill>
+        <p:blipFill rotWithShape="1">
           <a:blip r:embed="rId2"/>
-          <a:stretch>
-            <a:fillRect/>
-          </a:stretch>
+          <a:srcRect l="20332" t="35195" r="20373" b="18486"/>
+          <a:stretch/>
         </p:blipFill>
         <p:spPr>
           <a:xfrm>
-            <a:off x="2938022" y="871180"/>
-            <a:ext cx="6315956" cy="5115639"/>
+            <a:off x="4222143" y="2242268"/>
+            <a:ext cx="3745064" cy="2369489"/>
           </a:xfrm>
           <a:prstGeom prst="rect">
             <a:avLst/>

--- a/work/work.pptx
+++ b/work/work.pptx
@@ -35,6 +35,9 @@
     <p:sldId id="288" r:id="rId29"/>
     <p:sldId id="289" r:id="rId30"/>
     <p:sldId id="284" r:id="rId31"/>
+    <p:sldId id="292" r:id="rId32"/>
+    <p:sldId id="291" r:id="rId33"/>
+    <p:sldId id="290" r:id="rId34"/>
   </p:sldIdLst>
   <p:sldSz cx="12192000" cy="6858000"/>
   <p:notesSz cx="6858000" cy="9144000"/>
@@ -11772,6 +11775,480 @@
 </p:sld>
 </file>
 
+<file path=ppt/slides/slide31.xml><?xml version="1.0" encoding="utf-8"?>
+<p:sld xmlns:a="http://schemas.openxmlformats.org/drawingml/2006/main" xmlns:r="http://schemas.openxmlformats.org/officeDocument/2006/relationships" xmlns:p="http://schemas.openxmlformats.org/presentationml/2006/main">
+  <p:cSld>
+    <p:spTree>
+      <p:nvGrpSpPr>
+        <p:cNvPr id="1" name=""/>
+        <p:cNvGrpSpPr/>
+        <p:nvPr/>
+      </p:nvGrpSpPr>
+      <p:grpSpPr>
+        <a:xfrm>
+          <a:off x="0" y="0"/>
+          <a:ext cx="0" cy="0"/>
+          <a:chOff x="0" y="0"/>
+          <a:chExt cx="0" cy="0"/>
+        </a:xfrm>
+      </p:grpSpPr>
+      <p:pic>
+        <p:nvPicPr>
+          <p:cNvPr id="5" name="図 4">
+            <a:extLst>
+              <a:ext uri="{FF2B5EF4-FFF2-40B4-BE49-F238E27FC236}">
+                <a16:creationId xmlns:a16="http://schemas.microsoft.com/office/drawing/2014/main" id="{1D8158B2-FCE8-0136-F021-8B18025B4E63}"/>
+              </a:ext>
+            </a:extLst>
+          </p:cNvPr>
+          <p:cNvPicPr>
+            <a:picLocks noChangeAspect="1"/>
+          </p:cNvPicPr>
+          <p:nvPr/>
+        </p:nvPicPr>
+        <p:blipFill>
+          <a:blip r:embed="rId2"/>
+          <a:stretch>
+            <a:fillRect/>
+          </a:stretch>
+        </p:blipFill>
+        <p:spPr>
+          <a:xfrm>
+            <a:off x="6861312" y="501115"/>
+            <a:ext cx="3375991" cy="2399395"/>
+          </a:xfrm>
+          <a:prstGeom prst="rect">
+            <a:avLst/>
+          </a:prstGeom>
+        </p:spPr>
+      </p:pic>
+      <p:pic>
+        <p:nvPicPr>
+          <p:cNvPr id="7" name="図 6">
+            <a:extLst>
+              <a:ext uri="{FF2B5EF4-FFF2-40B4-BE49-F238E27FC236}">
+                <a16:creationId xmlns:a16="http://schemas.microsoft.com/office/drawing/2014/main" id="{3E737F46-1EAE-14BD-5025-B1AEEBF0308B}"/>
+              </a:ext>
+            </a:extLst>
+          </p:cNvPr>
+          <p:cNvPicPr>
+            <a:picLocks noChangeAspect="1"/>
+          </p:cNvPicPr>
+          <p:nvPr/>
+        </p:nvPicPr>
+        <p:blipFill>
+          <a:blip r:embed="rId3"/>
+          <a:stretch>
+            <a:fillRect/>
+          </a:stretch>
+        </p:blipFill>
+        <p:spPr>
+          <a:xfrm>
+            <a:off x="6861311" y="3224435"/>
+            <a:ext cx="3375991" cy="3132450"/>
+          </a:xfrm>
+          <a:prstGeom prst="rect">
+            <a:avLst/>
+          </a:prstGeom>
+        </p:spPr>
+      </p:pic>
+      <p:pic>
+        <p:nvPicPr>
+          <p:cNvPr id="12" name="図 11">
+            <a:extLst>
+              <a:ext uri="{FF2B5EF4-FFF2-40B4-BE49-F238E27FC236}">
+                <a16:creationId xmlns:a16="http://schemas.microsoft.com/office/drawing/2014/main" id="{089A0DAE-C541-96A7-5BDF-AD58D369F31B}"/>
+              </a:ext>
+            </a:extLst>
+          </p:cNvPr>
+          <p:cNvPicPr>
+            <a:picLocks noChangeAspect="1"/>
+          </p:cNvPicPr>
+          <p:nvPr/>
+        </p:nvPicPr>
+        <p:blipFill>
+          <a:blip r:embed="rId4"/>
+          <a:stretch>
+            <a:fillRect/>
+          </a:stretch>
+        </p:blipFill>
+        <p:spPr>
+          <a:xfrm>
+            <a:off x="2382639" y="1558868"/>
+            <a:ext cx="3159104" cy="3331134"/>
+          </a:xfrm>
+          <a:prstGeom prst="rect">
+            <a:avLst/>
+          </a:prstGeom>
+        </p:spPr>
+      </p:pic>
+      <p:cxnSp>
+        <p:nvCxnSpPr>
+          <p:cNvPr id="13" name="直線矢印コネクタ 24">
+            <a:extLst>
+              <a:ext uri="{FF2B5EF4-FFF2-40B4-BE49-F238E27FC236}">
+                <a16:creationId xmlns:a16="http://schemas.microsoft.com/office/drawing/2014/main" id="{A35BF8E0-227C-3C04-AF7B-7D995A804C59}"/>
+              </a:ext>
+            </a:extLst>
+          </p:cNvPr>
+          <p:cNvCxnSpPr>
+            <a:cxnSpLocks/>
+          </p:cNvCxnSpPr>
+          <p:nvPr/>
+        </p:nvCxnSpPr>
+        <p:spPr>
+          <a:xfrm flipV="1">
+            <a:off x="2792896" y="844826"/>
+            <a:ext cx="4134678" cy="1848678"/>
+          </a:xfrm>
+          <a:prstGeom prst="bentConnector3">
+            <a:avLst>
+              <a:gd name="adj1" fmla="val -16346"/>
+            </a:avLst>
+          </a:prstGeom>
+          <a:ln w="12700">
+            <a:solidFill>
+              <a:srgbClr val="FF6F61"/>
+            </a:solidFill>
+            <a:tailEnd type="triangle"/>
+          </a:ln>
+        </p:spPr>
+        <p:style>
+          <a:lnRef idx="1">
+            <a:schemeClr val="accent1"/>
+          </a:lnRef>
+          <a:fillRef idx="0">
+            <a:schemeClr val="accent1"/>
+          </a:fillRef>
+          <a:effectRef idx="0">
+            <a:schemeClr val="accent1"/>
+          </a:effectRef>
+          <a:fontRef idx="minor">
+            <a:schemeClr val="tx1"/>
+          </a:fontRef>
+        </p:style>
+      </p:cxnSp>
+      <p:cxnSp>
+        <p:nvCxnSpPr>
+          <p:cNvPr id="16" name="直線矢印コネクタ 24">
+            <a:extLst>
+              <a:ext uri="{FF2B5EF4-FFF2-40B4-BE49-F238E27FC236}">
+                <a16:creationId xmlns:a16="http://schemas.microsoft.com/office/drawing/2014/main" id="{299719DB-D30D-6029-E2B7-A730C84FD6A8}"/>
+              </a:ext>
+            </a:extLst>
+          </p:cNvPr>
+          <p:cNvCxnSpPr>
+            <a:cxnSpLocks/>
+          </p:cNvCxnSpPr>
+          <p:nvPr/>
+        </p:nvCxnSpPr>
+        <p:spPr>
+          <a:xfrm>
+            <a:off x="3466420" y="2435087"/>
+            <a:ext cx="4780722" cy="0"/>
+          </a:xfrm>
+          <a:prstGeom prst="straightConnector1">
+            <a:avLst/>
+          </a:prstGeom>
+          <a:ln w="12700">
+            <a:solidFill>
+              <a:schemeClr val="accent1"/>
+            </a:solidFill>
+            <a:tailEnd type="triangle"/>
+          </a:ln>
+        </p:spPr>
+        <p:style>
+          <a:lnRef idx="1">
+            <a:schemeClr val="accent1"/>
+          </a:lnRef>
+          <a:fillRef idx="0">
+            <a:schemeClr val="accent1"/>
+          </a:fillRef>
+          <a:effectRef idx="0">
+            <a:schemeClr val="accent1"/>
+          </a:effectRef>
+          <a:fontRef idx="minor">
+            <a:schemeClr val="tx1"/>
+          </a:fontRef>
+        </p:style>
+      </p:cxnSp>
+      <p:cxnSp>
+        <p:nvCxnSpPr>
+          <p:cNvPr id="28" name="直線矢印コネクタ 24">
+            <a:extLst>
+              <a:ext uri="{FF2B5EF4-FFF2-40B4-BE49-F238E27FC236}">
+                <a16:creationId xmlns:a16="http://schemas.microsoft.com/office/drawing/2014/main" id="{D37C85CE-19CE-BF25-D62E-FDBBE605F989}"/>
+              </a:ext>
+            </a:extLst>
+          </p:cNvPr>
+          <p:cNvCxnSpPr>
+            <a:cxnSpLocks/>
+          </p:cNvCxnSpPr>
+          <p:nvPr/>
+        </p:nvCxnSpPr>
+        <p:spPr>
+          <a:xfrm>
+            <a:off x="3178185" y="2693504"/>
+            <a:ext cx="5068957" cy="3150705"/>
+          </a:xfrm>
+          <a:prstGeom prst="straightConnector1">
+            <a:avLst/>
+          </a:prstGeom>
+          <a:ln w="12700">
+            <a:solidFill>
+              <a:schemeClr val="accent1"/>
+            </a:solidFill>
+            <a:tailEnd type="triangle"/>
+          </a:ln>
+        </p:spPr>
+        <p:style>
+          <a:lnRef idx="1">
+            <a:schemeClr val="accent1"/>
+          </a:lnRef>
+          <a:fillRef idx="0">
+            <a:schemeClr val="accent1"/>
+          </a:fillRef>
+          <a:effectRef idx="0">
+            <a:schemeClr val="accent1"/>
+          </a:effectRef>
+          <a:fontRef idx="minor">
+            <a:schemeClr val="tx1"/>
+          </a:fontRef>
+        </p:style>
+      </p:cxnSp>
+      <p:cxnSp>
+        <p:nvCxnSpPr>
+          <p:cNvPr id="31" name="直線矢印コネクタ 24">
+            <a:extLst>
+              <a:ext uri="{FF2B5EF4-FFF2-40B4-BE49-F238E27FC236}">
+                <a16:creationId xmlns:a16="http://schemas.microsoft.com/office/drawing/2014/main" id="{0945371C-C68D-EF64-F0D9-A77AB326DD75}"/>
+              </a:ext>
+            </a:extLst>
+          </p:cNvPr>
+          <p:cNvCxnSpPr>
+            <a:cxnSpLocks/>
+          </p:cNvCxnSpPr>
+          <p:nvPr/>
+        </p:nvCxnSpPr>
+        <p:spPr>
+          <a:xfrm>
+            <a:off x="2792896" y="2817719"/>
+            <a:ext cx="4134678" cy="796833"/>
+          </a:xfrm>
+          <a:prstGeom prst="bentConnector3">
+            <a:avLst>
+              <a:gd name="adj1" fmla="val -16587"/>
+            </a:avLst>
+          </a:prstGeom>
+          <a:ln w="12700">
+            <a:solidFill>
+              <a:srgbClr val="FF6F61"/>
+            </a:solidFill>
+            <a:tailEnd type="triangle"/>
+          </a:ln>
+        </p:spPr>
+        <p:style>
+          <a:lnRef idx="1">
+            <a:schemeClr val="accent1"/>
+          </a:lnRef>
+          <a:fillRef idx="0">
+            <a:schemeClr val="accent1"/>
+          </a:fillRef>
+          <a:effectRef idx="0">
+            <a:schemeClr val="accent1"/>
+          </a:effectRef>
+          <a:fontRef idx="minor">
+            <a:schemeClr val="tx1"/>
+          </a:fontRef>
+        </p:style>
+      </p:cxnSp>
+    </p:spTree>
+    <p:extLst>
+      <p:ext uri="{BB962C8B-B14F-4D97-AF65-F5344CB8AC3E}">
+        <p14:creationId xmlns:p14="http://schemas.microsoft.com/office/powerpoint/2010/main" val="561086372"/>
+      </p:ext>
+    </p:extLst>
+  </p:cSld>
+  <p:clrMapOvr>
+    <a:masterClrMapping/>
+  </p:clrMapOvr>
+</p:sld>
+</file>
+
+<file path=ppt/slides/slide32.xml><?xml version="1.0" encoding="utf-8"?>
+<p:sld xmlns:a="http://schemas.openxmlformats.org/drawingml/2006/main" xmlns:r="http://schemas.openxmlformats.org/officeDocument/2006/relationships" xmlns:p="http://schemas.openxmlformats.org/presentationml/2006/main">
+  <p:cSld>
+    <p:spTree>
+      <p:nvGrpSpPr>
+        <p:cNvPr id="1" name=""/>
+        <p:cNvGrpSpPr/>
+        <p:nvPr/>
+      </p:nvGrpSpPr>
+      <p:grpSpPr>
+        <a:xfrm>
+          <a:off x="0" y="0"/>
+          <a:ext cx="0" cy="0"/>
+          <a:chOff x="0" y="0"/>
+          <a:chExt cx="0" cy="0"/>
+        </a:xfrm>
+      </p:grpSpPr>
+      <p:pic>
+        <p:nvPicPr>
+          <p:cNvPr id="3" name="図 2">
+            <a:extLst>
+              <a:ext uri="{FF2B5EF4-FFF2-40B4-BE49-F238E27FC236}">
+                <a16:creationId xmlns:a16="http://schemas.microsoft.com/office/drawing/2014/main" id="{DEF4256A-30E7-D22A-DC71-AE9DB7318093}"/>
+              </a:ext>
+            </a:extLst>
+          </p:cNvPr>
+          <p:cNvPicPr>
+            <a:picLocks noChangeAspect="1"/>
+          </p:cNvPicPr>
+          <p:nvPr/>
+        </p:nvPicPr>
+        <p:blipFill>
+          <a:blip r:embed="rId2"/>
+          <a:stretch>
+            <a:fillRect/>
+          </a:stretch>
+        </p:blipFill>
+        <p:spPr>
+          <a:xfrm>
+            <a:off x="2928495" y="1790471"/>
+            <a:ext cx="6335009" cy="3277057"/>
+          </a:xfrm>
+          <a:prstGeom prst="rect">
+            <a:avLst/>
+          </a:prstGeom>
+        </p:spPr>
+      </p:pic>
+    </p:spTree>
+    <p:extLst>
+      <p:ext uri="{BB962C8B-B14F-4D97-AF65-F5344CB8AC3E}">
+        <p14:creationId xmlns:p14="http://schemas.microsoft.com/office/powerpoint/2010/main" val="3377177689"/>
+      </p:ext>
+    </p:extLst>
+  </p:cSld>
+  <p:clrMapOvr>
+    <a:masterClrMapping/>
+  </p:clrMapOvr>
+</p:sld>
+</file>
+
+<file path=ppt/slides/slide33.xml><?xml version="1.0" encoding="utf-8"?>
+<p:sld xmlns:a="http://schemas.openxmlformats.org/drawingml/2006/main" xmlns:r="http://schemas.openxmlformats.org/officeDocument/2006/relationships" xmlns:p="http://schemas.openxmlformats.org/presentationml/2006/main">
+  <p:cSld>
+    <p:spTree>
+      <p:nvGrpSpPr>
+        <p:cNvPr id="1" name=""/>
+        <p:cNvGrpSpPr/>
+        <p:nvPr/>
+      </p:nvGrpSpPr>
+      <p:grpSpPr>
+        <a:xfrm>
+          <a:off x="0" y="0"/>
+          <a:ext cx="0" cy="0"/>
+          <a:chOff x="0" y="0"/>
+          <a:chExt cx="0" cy="0"/>
+        </a:xfrm>
+      </p:grpSpPr>
+      <p:pic>
+        <p:nvPicPr>
+          <p:cNvPr id="6" name="図 5">
+            <a:extLst>
+              <a:ext uri="{FF2B5EF4-FFF2-40B4-BE49-F238E27FC236}">
+                <a16:creationId xmlns:a16="http://schemas.microsoft.com/office/drawing/2014/main" id="{DFDE22D0-D8B0-292F-1EF3-7035446A220D}"/>
+              </a:ext>
+            </a:extLst>
+          </p:cNvPr>
+          <p:cNvPicPr>
+            <a:picLocks noChangeAspect="1"/>
+          </p:cNvPicPr>
+          <p:nvPr/>
+        </p:nvPicPr>
+        <p:blipFill>
+          <a:blip r:embed="rId2"/>
+          <a:stretch>
+            <a:fillRect/>
+          </a:stretch>
+        </p:blipFill>
+        <p:spPr>
+          <a:xfrm>
+            <a:off x="3971628" y="1690445"/>
+            <a:ext cx="4248743" cy="3477110"/>
+          </a:xfrm>
+          <a:prstGeom prst="rect">
+            <a:avLst/>
+          </a:prstGeom>
+        </p:spPr>
+      </p:pic>
+      <p:sp>
+        <p:nvSpPr>
+          <p:cNvPr id="4" name="四角形: 角を丸くする 3">
+            <a:extLst>
+              <a:ext uri="{FF2B5EF4-FFF2-40B4-BE49-F238E27FC236}">
+                <a16:creationId xmlns:a16="http://schemas.microsoft.com/office/drawing/2014/main" id="{A1D0EA3F-A925-3FEE-B054-E993D9AF3449}"/>
+              </a:ext>
+            </a:extLst>
+          </p:cNvPr>
+          <p:cNvSpPr/>
+          <p:nvPr/>
+        </p:nvSpPr>
+        <p:spPr>
+          <a:xfrm>
+            <a:off x="4019457" y="3776681"/>
+            <a:ext cx="4248744" cy="399903"/>
+          </a:xfrm>
+          <a:prstGeom prst="roundRect">
+            <a:avLst>
+              <a:gd name="adj" fmla="val 4167"/>
+            </a:avLst>
+          </a:prstGeom>
+          <a:noFill/>
+          <a:ln>
+            <a:solidFill>
+              <a:srgbClr val="FF6F61"/>
+            </a:solidFill>
+          </a:ln>
+        </p:spPr>
+        <p:style>
+          <a:lnRef idx="2">
+            <a:schemeClr val="accent1">
+              <a:shade val="50000"/>
+            </a:schemeClr>
+          </a:lnRef>
+          <a:fillRef idx="1">
+            <a:schemeClr val="accent1"/>
+          </a:fillRef>
+          <a:effectRef idx="0">
+            <a:schemeClr val="accent1"/>
+          </a:effectRef>
+          <a:fontRef idx="minor">
+            <a:schemeClr val="lt1"/>
+          </a:fontRef>
+        </p:style>
+        <p:txBody>
+          <a:bodyPr rtlCol="0" anchor="ctr"/>
+          <a:lstStyle/>
+          <a:p>
+            <a:pPr algn="ctr"/>
+            <a:endParaRPr kumimoji="1" lang="ja-JP" altLang="en-US"/>
+          </a:p>
+        </p:txBody>
+      </p:sp>
+    </p:spTree>
+    <p:extLst>
+      <p:ext uri="{BB962C8B-B14F-4D97-AF65-F5344CB8AC3E}">
+        <p14:creationId xmlns:p14="http://schemas.microsoft.com/office/powerpoint/2010/main" val="1103960192"/>
+      </p:ext>
+    </p:extLst>
+  </p:cSld>
+  <p:clrMapOvr>
+    <a:masterClrMapping/>
+  </p:clrMapOvr>
+</p:sld>
+</file>
+
 <file path=ppt/slides/slide4.xml><?xml version="1.0" encoding="utf-8"?>
 <p:sld xmlns:a="http://schemas.openxmlformats.org/drawingml/2006/main" xmlns:r="http://schemas.openxmlformats.org/officeDocument/2006/relationships" xmlns:p="http://schemas.openxmlformats.org/presentationml/2006/main">
   <p:cSld>

--- a/work/work.pptx
+++ b/work/work.pptx
@@ -16,6 +16,28 @@
     <p:sldId id="265" r:id="rId10"/>
     <p:sldId id="269" r:id="rId11"/>
     <p:sldId id="270" r:id="rId12"/>
+    <p:sldId id="272" r:id="rId13"/>
+    <p:sldId id="271" r:id="rId14"/>
+    <p:sldId id="274" r:id="rId15"/>
+    <p:sldId id="273" r:id="rId16"/>
+    <p:sldId id="275" r:id="rId17"/>
+    <p:sldId id="276" r:id="rId18"/>
+    <p:sldId id="277" r:id="rId19"/>
+    <p:sldId id="278" r:id="rId20"/>
+    <p:sldId id="286" r:id="rId21"/>
+    <p:sldId id="285" r:id="rId22"/>
+    <p:sldId id="287" r:id="rId23"/>
+    <p:sldId id="279" r:id="rId24"/>
+    <p:sldId id="280" r:id="rId25"/>
+    <p:sldId id="281" r:id="rId26"/>
+    <p:sldId id="282" r:id="rId27"/>
+    <p:sldId id="283" r:id="rId28"/>
+    <p:sldId id="288" r:id="rId29"/>
+    <p:sldId id="289" r:id="rId30"/>
+    <p:sldId id="284" r:id="rId31"/>
+    <p:sldId id="292" r:id="rId32"/>
+    <p:sldId id="291" r:id="rId33"/>
+    <p:sldId id="290" r:id="rId34"/>
   </p:sldIdLst>
   <p:sldSz cx="12192000" cy="6858000"/>
   <p:notesSz cx="6858000" cy="9144000"/>
@@ -269,7 +291,7 @@
           <a:p>
             <a:fld id="{DADCA3C0-8A91-47C6-9688-037592343C81}" type="datetimeFigureOut">
               <a:rPr kumimoji="1" lang="ja-JP" altLang="en-US" smtClean="0"/>
-              <a:t>2022/11/11</a:t>
+              <a:t>2022/11/14</a:t>
             </a:fld>
             <a:endParaRPr kumimoji="1" lang="ja-JP" altLang="en-US"/>
           </a:p>
@@ -499,7 +521,7 @@
           <a:p>
             <a:fld id="{DADCA3C0-8A91-47C6-9688-037592343C81}" type="datetimeFigureOut">
               <a:rPr kumimoji="1" lang="ja-JP" altLang="en-US" smtClean="0"/>
-              <a:t>2022/11/11</a:t>
+              <a:t>2022/11/14</a:t>
             </a:fld>
             <a:endParaRPr kumimoji="1" lang="ja-JP" altLang="en-US"/>
           </a:p>
@@ -739,7 +761,7 @@
           <a:p>
             <a:fld id="{DADCA3C0-8A91-47C6-9688-037592343C81}" type="datetimeFigureOut">
               <a:rPr kumimoji="1" lang="ja-JP" altLang="en-US" smtClean="0"/>
-              <a:t>2022/11/11</a:t>
+              <a:t>2022/11/14</a:t>
             </a:fld>
             <a:endParaRPr kumimoji="1" lang="ja-JP" altLang="en-US"/>
           </a:p>
@@ -969,7 +991,7 @@
           <a:p>
             <a:fld id="{DADCA3C0-8A91-47C6-9688-037592343C81}" type="datetimeFigureOut">
               <a:rPr kumimoji="1" lang="ja-JP" altLang="en-US" smtClean="0"/>
-              <a:t>2022/11/11</a:t>
+              <a:t>2022/11/14</a:t>
             </a:fld>
             <a:endParaRPr kumimoji="1" lang="ja-JP" altLang="en-US"/>
           </a:p>
@@ -1244,7 +1266,7 @@
           <a:p>
             <a:fld id="{DADCA3C0-8A91-47C6-9688-037592343C81}" type="datetimeFigureOut">
               <a:rPr kumimoji="1" lang="ja-JP" altLang="en-US" smtClean="0"/>
-              <a:t>2022/11/11</a:t>
+              <a:t>2022/11/14</a:t>
             </a:fld>
             <a:endParaRPr kumimoji="1" lang="ja-JP" altLang="en-US"/>
           </a:p>
@@ -1573,7 +1595,7 @@
           <a:p>
             <a:fld id="{DADCA3C0-8A91-47C6-9688-037592343C81}" type="datetimeFigureOut">
               <a:rPr kumimoji="1" lang="ja-JP" altLang="en-US" smtClean="0"/>
-              <a:t>2022/11/11</a:t>
+              <a:t>2022/11/14</a:t>
             </a:fld>
             <a:endParaRPr kumimoji="1" lang="ja-JP" altLang="en-US"/>
           </a:p>
@@ -2049,7 +2071,7 @@
           <a:p>
             <a:fld id="{DADCA3C0-8A91-47C6-9688-037592343C81}" type="datetimeFigureOut">
               <a:rPr kumimoji="1" lang="ja-JP" altLang="en-US" smtClean="0"/>
-              <a:t>2022/11/11</a:t>
+              <a:t>2022/11/14</a:t>
             </a:fld>
             <a:endParaRPr kumimoji="1" lang="ja-JP" altLang="en-US"/>
           </a:p>
@@ -2190,7 +2212,7 @@
           <a:p>
             <a:fld id="{DADCA3C0-8A91-47C6-9688-037592343C81}" type="datetimeFigureOut">
               <a:rPr kumimoji="1" lang="ja-JP" altLang="en-US" smtClean="0"/>
-              <a:t>2022/11/11</a:t>
+              <a:t>2022/11/14</a:t>
             </a:fld>
             <a:endParaRPr kumimoji="1" lang="ja-JP" altLang="en-US"/>
           </a:p>
@@ -2303,7 +2325,7 @@
           <a:p>
             <a:fld id="{DADCA3C0-8A91-47C6-9688-037592343C81}" type="datetimeFigureOut">
               <a:rPr kumimoji="1" lang="ja-JP" altLang="en-US" smtClean="0"/>
-              <a:t>2022/11/11</a:t>
+              <a:t>2022/11/14</a:t>
             </a:fld>
             <a:endParaRPr kumimoji="1" lang="ja-JP" altLang="en-US"/>
           </a:p>
@@ -2646,7 +2668,7 @@
           <a:p>
             <a:fld id="{DADCA3C0-8A91-47C6-9688-037592343C81}" type="datetimeFigureOut">
               <a:rPr kumimoji="1" lang="ja-JP" altLang="en-US" smtClean="0"/>
-              <a:t>2022/11/11</a:t>
+              <a:t>2022/11/14</a:t>
             </a:fld>
             <a:endParaRPr kumimoji="1" lang="ja-JP" altLang="en-US"/>
           </a:p>
@@ -2934,7 +2956,7 @@
           <a:p>
             <a:fld id="{DADCA3C0-8A91-47C6-9688-037592343C81}" type="datetimeFigureOut">
               <a:rPr kumimoji="1" lang="ja-JP" altLang="en-US" smtClean="0"/>
-              <a:t>2022/11/11</a:t>
+              <a:t>2022/11/14</a:t>
             </a:fld>
             <a:endParaRPr kumimoji="1" lang="ja-JP" altLang="en-US"/>
           </a:p>
@@ -3207,7 +3229,7 @@
           <a:p>
             <a:fld id="{DADCA3C0-8A91-47C6-9688-037592343C81}" type="datetimeFigureOut">
               <a:rPr kumimoji="1" lang="ja-JP" altLang="en-US" smtClean="0"/>
-              <a:t>2022/11/11</a:t>
+              <a:t>2022/11/14</a:t>
             </a:fld>
             <a:endParaRPr kumimoji="1" lang="ja-JP" altLang="en-US"/>
           </a:p>
@@ -4666,6 +4688,791 @@
 </p:sld>
 </file>
 
+<file path=ppt/slides/slide12.xml><?xml version="1.0" encoding="utf-8"?>
+<p:sld xmlns:a="http://schemas.openxmlformats.org/drawingml/2006/main" xmlns:r="http://schemas.openxmlformats.org/officeDocument/2006/relationships" xmlns:p="http://schemas.openxmlformats.org/presentationml/2006/main">
+  <p:cSld>
+    <p:spTree>
+      <p:nvGrpSpPr>
+        <p:cNvPr id="1" name=""/>
+        <p:cNvGrpSpPr/>
+        <p:nvPr/>
+      </p:nvGrpSpPr>
+      <p:grpSpPr>
+        <a:xfrm>
+          <a:off x="0" y="0"/>
+          <a:ext cx="0" cy="0"/>
+          <a:chOff x="0" y="0"/>
+          <a:chExt cx="0" cy="0"/>
+        </a:xfrm>
+      </p:grpSpPr>
+      <p:sp>
+        <p:nvSpPr>
+          <p:cNvPr id="2" name="正方形/長方形 1">
+            <a:extLst>
+              <a:ext uri="{FF2B5EF4-FFF2-40B4-BE49-F238E27FC236}">
+                <a16:creationId xmlns:a16="http://schemas.microsoft.com/office/drawing/2014/main" id="{118C2B25-EF84-FA7C-A8E5-DC4461F3FC34}"/>
+              </a:ext>
+            </a:extLst>
+          </p:cNvPr>
+          <p:cNvSpPr/>
+          <p:nvPr/>
+        </p:nvSpPr>
+        <p:spPr>
+          <a:xfrm>
+            <a:off x="0" y="0"/>
+            <a:ext cx="12192000" cy="6857999"/>
+          </a:xfrm>
+          <a:prstGeom prst="rect">
+            <a:avLst/>
+          </a:prstGeom>
+          <a:solidFill>
+            <a:srgbClr val="FF6F61"/>
+          </a:solidFill>
+          <a:ln>
+            <a:solidFill>
+              <a:schemeClr val="bg1"/>
+            </a:solidFill>
+          </a:ln>
+        </p:spPr>
+        <p:style>
+          <a:lnRef idx="2">
+            <a:schemeClr val="accent1">
+              <a:shade val="50000"/>
+            </a:schemeClr>
+          </a:lnRef>
+          <a:fillRef idx="1">
+            <a:schemeClr val="accent1"/>
+          </a:fillRef>
+          <a:effectRef idx="0">
+            <a:schemeClr val="accent1"/>
+          </a:effectRef>
+          <a:fontRef idx="minor">
+            <a:schemeClr val="lt1"/>
+          </a:fontRef>
+        </p:style>
+        <p:txBody>
+          <a:bodyPr rtlCol="0" anchor="ctr"/>
+          <a:lstStyle/>
+          <a:p>
+            <a:pPr algn="ctr"/>
+            <a:r>
+              <a:rPr kumimoji="1" lang="en-US" altLang="ja-JP" sz="4800">
+                <a:solidFill>
+                  <a:schemeClr val="bg1"/>
+                </a:solidFill>
+                <a:latin typeface="Meiryo UI" panose="020B0604030504040204" pitchFamily="50" charset="-128"/>
+                <a:ea typeface="Meiryo UI" panose="020B0604030504040204" pitchFamily="50" charset="-128"/>
+              </a:rPr>
+              <a:t>Learning</a:t>
+            </a:r>
+            <a:endParaRPr kumimoji="1" lang="ja-JP" altLang="en-US" sz="4800">
+              <a:solidFill>
+                <a:schemeClr val="bg1"/>
+              </a:solidFill>
+              <a:latin typeface="Meiryo UI" panose="020B0604030504040204" pitchFamily="50" charset="-128"/>
+              <a:ea typeface="Meiryo UI" panose="020B0604030504040204" pitchFamily="50" charset="-128"/>
+            </a:endParaRPr>
+          </a:p>
+        </p:txBody>
+      </p:sp>
+    </p:spTree>
+    <p:extLst>
+      <p:ext uri="{BB962C8B-B14F-4D97-AF65-F5344CB8AC3E}">
+        <p14:creationId xmlns:p14="http://schemas.microsoft.com/office/powerpoint/2010/main" val="87252734"/>
+      </p:ext>
+    </p:extLst>
+  </p:cSld>
+  <p:clrMapOvr>
+    <a:masterClrMapping/>
+  </p:clrMapOvr>
+</p:sld>
+</file>
+
+<file path=ppt/slides/slide13.xml><?xml version="1.0" encoding="utf-8"?>
+<p:sld xmlns:a="http://schemas.openxmlformats.org/drawingml/2006/main" xmlns:r="http://schemas.openxmlformats.org/officeDocument/2006/relationships" xmlns:p="http://schemas.openxmlformats.org/presentationml/2006/main">
+  <p:cSld>
+    <p:spTree>
+      <p:nvGrpSpPr>
+        <p:cNvPr id="1" name=""/>
+        <p:cNvGrpSpPr/>
+        <p:nvPr/>
+      </p:nvGrpSpPr>
+      <p:grpSpPr>
+        <a:xfrm>
+          <a:off x="0" y="0"/>
+          <a:ext cx="0" cy="0"/>
+          <a:chOff x="0" y="0"/>
+          <a:chExt cx="0" cy="0"/>
+        </a:xfrm>
+      </p:grpSpPr>
+      <p:pic>
+        <p:nvPicPr>
+          <p:cNvPr id="3" name="図 2">
+            <a:extLst>
+              <a:ext uri="{FF2B5EF4-FFF2-40B4-BE49-F238E27FC236}">
+                <a16:creationId xmlns:a16="http://schemas.microsoft.com/office/drawing/2014/main" id="{B59878D4-E132-E6A1-6EF9-61878481B412}"/>
+              </a:ext>
+            </a:extLst>
+          </p:cNvPr>
+          <p:cNvPicPr>
+            <a:picLocks noChangeAspect="1"/>
+          </p:cNvPicPr>
+          <p:nvPr/>
+        </p:nvPicPr>
+        <p:blipFill>
+          <a:blip r:embed="rId2"/>
+          <a:stretch>
+            <a:fillRect/>
+          </a:stretch>
+        </p:blipFill>
+        <p:spPr>
+          <a:xfrm>
+            <a:off x="3250366" y="1478942"/>
+            <a:ext cx="6265035" cy="3670920"/>
+          </a:xfrm>
+          <a:prstGeom prst="rect">
+            <a:avLst/>
+          </a:prstGeom>
+        </p:spPr>
+      </p:pic>
+    </p:spTree>
+    <p:extLst>
+      <p:ext uri="{BB962C8B-B14F-4D97-AF65-F5344CB8AC3E}">
+        <p14:creationId xmlns:p14="http://schemas.microsoft.com/office/powerpoint/2010/main" val="98335032"/>
+      </p:ext>
+    </p:extLst>
+  </p:cSld>
+  <p:clrMapOvr>
+    <a:masterClrMapping/>
+  </p:clrMapOvr>
+</p:sld>
+</file>
+
+<file path=ppt/slides/slide14.xml><?xml version="1.0" encoding="utf-8"?>
+<p:sld xmlns:a="http://schemas.openxmlformats.org/drawingml/2006/main" xmlns:r="http://schemas.openxmlformats.org/officeDocument/2006/relationships" xmlns:p="http://schemas.openxmlformats.org/presentationml/2006/main">
+  <p:cSld>
+    <p:spTree>
+      <p:nvGrpSpPr>
+        <p:cNvPr id="1" name=""/>
+        <p:cNvGrpSpPr/>
+        <p:nvPr/>
+      </p:nvGrpSpPr>
+      <p:grpSpPr>
+        <a:xfrm>
+          <a:off x="0" y="0"/>
+          <a:ext cx="0" cy="0"/>
+          <a:chOff x="0" y="0"/>
+          <a:chExt cx="0" cy="0"/>
+        </a:xfrm>
+      </p:grpSpPr>
+      <p:pic>
+        <p:nvPicPr>
+          <p:cNvPr id="3" name="図 2">
+            <a:extLst>
+              <a:ext uri="{FF2B5EF4-FFF2-40B4-BE49-F238E27FC236}">
+                <a16:creationId xmlns:a16="http://schemas.microsoft.com/office/drawing/2014/main" id="{73272BBF-4420-BC31-B548-A98B5668BECB}"/>
+              </a:ext>
+            </a:extLst>
+          </p:cNvPr>
+          <p:cNvPicPr>
+            <a:picLocks noChangeAspect="1"/>
+          </p:cNvPicPr>
+          <p:nvPr/>
+        </p:nvPicPr>
+        <p:blipFill>
+          <a:blip r:embed="rId2"/>
+          <a:stretch>
+            <a:fillRect/>
+          </a:stretch>
+        </p:blipFill>
+        <p:spPr>
+          <a:xfrm>
+            <a:off x="3890654" y="1871445"/>
+            <a:ext cx="4410691" cy="3115110"/>
+          </a:xfrm>
+          <a:prstGeom prst="rect">
+            <a:avLst/>
+          </a:prstGeom>
+        </p:spPr>
+      </p:pic>
+    </p:spTree>
+    <p:extLst>
+      <p:ext uri="{BB962C8B-B14F-4D97-AF65-F5344CB8AC3E}">
+        <p14:creationId xmlns:p14="http://schemas.microsoft.com/office/powerpoint/2010/main" val="3277588058"/>
+      </p:ext>
+    </p:extLst>
+  </p:cSld>
+  <p:clrMapOvr>
+    <a:masterClrMapping/>
+  </p:clrMapOvr>
+</p:sld>
+</file>
+
+<file path=ppt/slides/slide15.xml><?xml version="1.0" encoding="utf-8"?>
+<p:sld xmlns:a="http://schemas.openxmlformats.org/drawingml/2006/main" xmlns:r="http://schemas.openxmlformats.org/officeDocument/2006/relationships" xmlns:p="http://schemas.openxmlformats.org/presentationml/2006/main">
+  <p:cSld>
+    <p:spTree>
+      <p:nvGrpSpPr>
+        <p:cNvPr id="1" name=""/>
+        <p:cNvGrpSpPr/>
+        <p:nvPr/>
+      </p:nvGrpSpPr>
+      <p:grpSpPr>
+        <a:xfrm>
+          <a:off x="0" y="0"/>
+          <a:ext cx="0" cy="0"/>
+          <a:chOff x="0" y="0"/>
+          <a:chExt cx="0" cy="0"/>
+        </a:xfrm>
+      </p:grpSpPr>
+      <p:pic>
+        <p:nvPicPr>
+          <p:cNvPr id="5" name="図 4">
+            <a:extLst>
+              <a:ext uri="{FF2B5EF4-FFF2-40B4-BE49-F238E27FC236}">
+                <a16:creationId xmlns:a16="http://schemas.microsoft.com/office/drawing/2014/main" id="{DF46F414-1667-A538-9B24-5E12F6CE0079}"/>
+              </a:ext>
+            </a:extLst>
+          </p:cNvPr>
+          <p:cNvPicPr>
+            <a:picLocks noChangeAspect="1"/>
+          </p:cNvPicPr>
+          <p:nvPr/>
+        </p:nvPicPr>
+        <p:blipFill>
+          <a:blip r:embed="rId2"/>
+          <a:stretch>
+            <a:fillRect/>
+          </a:stretch>
+        </p:blipFill>
+        <p:spPr>
+          <a:xfrm>
+            <a:off x="3077153" y="1303803"/>
+            <a:ext cx="5884747" cy="3881585"/>
+          </a:xfrm>
+          <a:prstGeom prst="rect">
+            <a:avLst/>
+          </a:prstGeom>
+        </p:spPr>
+      </p:pic>
+    </p:spTree>
+    <p:extLst>
+      <p:ext uri="{BB962C8B-B14F-4D97-AF65-F5344CB8AC3E}">
+        <p14:creationId xmlns:p14="http://schemas.microsoft.com/office/powerpoint/2010/main" val="2746979175"/>
+      </p:ext>
+    </p:extLst>
+  </p:cSld>
+  <p:clrMapOvr>
+    <a:masterClrMapping/>
+  </p:clrMapOvr>
+</p:sld>
+</file>
+
+<file path=ppt/slides/slide16.xml><?xml version="1.0" encoding="utf-8"?>
+<p:sld xmlns:a="http://schemas.openxmlformats.org/drawingml/2006/main" xmlns:r="http://schemas.openxmlformats.org/officeDocument/2006/relationships" xmlns:p="http://schemas.openxmlformats.org/presentationml/2006/main">
+  <p:cSld>
+    <p:spTree>
+      <p:nvGrpSpPr>
+        <p:cNvPr id="1" name=""/>
+        <p:cNvGrpSpPr/>
+        <p:nvPr/>
+      </p:nvGrpSpPr>
+      <p:grpSpPr>
+        <a:xfrm>
+          <a:off x="0" y="0"/>
+          <a:ext cx="0" cy="0"/>
+          <a:chOff x="0" y="0"/>
+          <a:chExt cx="0" cy="0"/>
+        </a:xfrm>
+      </p:grpSpPr>
+      <p:pic>
+        <p:nvPicPr>
+          <p:cNvPr id="3" name="図 2">
+            <a:extLst>
+              <a:ext uri="{FF2B5EF4-FFF2-40B4-BE49-F238E27FC236}">
+                <a16:creationId xmlns:a16="http://schemas.microsoft.com/office/drawing/2014/main" id="{69ADB5F5-E87A-6365-60E8-20AABD571085}"/>
+              </a:ext>
+            </a:extLst>
+          </p:cNvPr>
+          <p:cNvPicPr>
+            <a:picLocks noChangeAspect="1"/>
+          </p:cNvPicPr>
+          <p:nvPr/>
+        </p:nvPicPr>
+        <p:blipFill>
+          <a:blip r:embed="rId2"/>
+          <a:stretch>
+            <a:fillRect/>
+          </a:stretch>
+        </p:blipFill>
+        <p:spPr>
+          <a:xfrm>
+            <a:off x="1617058" y="1037457"/>
+            <a:ext cx="3846231" cy="1467204"/>
+          </a:xfrm>
+          <a:prstGeom prst="rect">
+            <a:avLst/>
+          </a:prstGeom>
+        </p:spPr>
+      </p:pic>
+      <p:pic>
+        <p:nvPicPr>
+          <p:cNvPr id="5" name="図 4">
+            <a:extLst>
+              <a:ext uri="{FF2B5EF4-FFF2-40B4-BE49-F238E27FC236}">
+                <a16:creationId xmlns:a16="http://schemas.microsoft.com/office/drawing/2014/main" id="{0243E6DD-0DF2-F48B-2242-E974C664ED3D}"/>
+              </a:ext>
+            </a:extLst>
+          </p:cNvPr>
+          <p:cNvPicPr>
+            <a:picLocks noChangeAspect="1"/>
+          </p:cNvPicPr>
+          <p:nvPr/>
+        </p:nvPicPr>
+        <p:blipFill>
+          <a:blip r:embed="rId3"/>
+          <a:stretch>
+            <a:fillRect/>
+          </a:stretch>
+        </p:blipFill>
+        <p:spPr>
+          <a:xfrm>
+            <a:off x="6663610" y="870762"/>
+            <a:ext cx="3050459" cy="3995438"/>
+          </a:xfrm>
+          <a:prstGeom prst="rect">
+            <a:avLst/>
+          </a:prstGeom>
+        </p:spPr>
+      </p:pic>
+      <p:cxnSp>
+        <p:nvCxnSpPr>
+          <p:cNvPr id="6" name="直線矢印コネクタ 24">
+            <a:extLst>
+              <a:ext uri="{FF2B5EF4-FFF2-40B4-BE49-F238E27FC236}">
+                <a16:creationId xmlns:a16="http://schemas.microsoft.com/office/drawing/2014/main" id="{AE88893D-70C3-41D5-1929-8116E4FB4EBA}"/>
+              </a:ext>
+            </a:extLst>
+          </p:cNvPr>
+          <p:cNvCxnSpPr>
+            <a:cxnSpLocks/>
+          </p:cNvCxnSpPr>
+          <p:nvPr/>
+        </p:nvCxnSpPr>
+        <p:spPr>
+          <a:xfrm flipV="1">
+            <a:off x="4524292" y="1240403"/>
+            <a:ext cx="2218414" cy="530656"/>
+          </a:xfrm>
+          <a:prstGeom prst="straightConnector1">
+            <a:avLst/>
+          </a:prstGeom>
+          <a:ln w="12700">
+            <a:solidFill>
+              <a:srgbClr val="FF6F61"/>
+            </a:solidFill>
+            <a:tailEnd type="triangle"/>
+          </a:ln>
+        </p:spPr>
+        <p:style>
+          <a:lnRef idx="1">
+            <a:schemeClr val="accent1"/>
+          </a:lnRef>
+          <a:fillRef idx="0">
+            <a:schemeClr val="accent1"/>
+          </a:fillRef>
+          <a:effectRef idx="0">
+            <a:schemeClr val="accent1"/>
+          </a:effectRef>
+          <a:fontRef idx="minor">
+            <a:schemeClr val="tx1"/>
+          </a:fontRef>
+        </p:style>
+      </p:cxnSp>
+      <p:sp>
+        <p:nvSpPr>
+          <p:cNvPr id="9" name="四角形: 角を丸くする 8">
+            <a:extLst>
+              <a:ext uri="{FF2B5EF4-FFF2-40B4-BE49-F238E27FC236}">
+                <a16:creationId xmlns:a16="http://schemas.microsoft.com/office/drawing/2014/main" id="{F76D6728-364B-92A3-E583-FBE9BE8DB95C}"/>
+              </a:ext>
+            </a:extLst>
+          </p:cNvPr>
+          <p:cNvSpPr/>
+          <p:nvPr/>
+        </p:nvSpPr>
+        <p:spPr>
+          <a:xfrm>
+            <a:off x="6742706" y="3323645"/>
+            <a:ext cx="2971363" cy="858741"/>
+          </a:xfrm>
+          <a:prstGeom prst="roundRect">
+            <a:avLst>
+              <a:gd name="adj" fmla="val 4167"/>
+            </a:avLst>
+          </a:prstGeom>
+          <a:noFill/>
+          <a:ln>
+            <a:solidFill>
+              <a:srgbClr val="FF6F61"/>
+            </a:solidFill>
+          </a:ln>
+        </p:spPr>
+        <p:style>
+          <a:lnRef idx="2">
+            <a:schemeClr val="accent1">
+              <a:shade val="50000"/>
+            </a:schemeClr>
+          </a:lnRef>
+          <a:fillRef idx="1">
+            <a:schemeClr val="accent1"/>
+          </a:fillRef>
+          <a:effectRef idx="0">
+            <a:schemeClr val="accent1"/>
+          </a:effectRef>
+          <a:fontRef idx="minor">
+            <a:schemeClr val="lt1"/>
+          </a:fontRef>
+        </p:style>
+        <p:txBody>
+          <a:bodyPr rtlCol="0" anchor="ctr"/>
+          <a:lstStyle/>
+          <a:p>
+            <a:pPr algn="ctr"/>
+            <a:endParaRPr kumimoji="1" lang="ja-JP" altLang="en-US"/>
+          </a:p>
+        </p:txBody>
+      </p:sp>
+    </p:spTree>
+    <p:extLst>
+      <p:ext uri="{BB962C8B-B14F-4D97-AF65-F5344CB8AC3E}">
+        <p14:creationId xmlns:p14="http://schemas.microsoft.com/office/powerpoint/2010/main" val="3077331776"/>
+      </p:ext>
+    </p:extLst>
+  </p:cSld>
+  <p:clrMapOvr>
+    <a:masterClrMapping/>
+  </p:clrMapOvr>
+</p:sld>
+</file>
+
+<file path=ppt/slides/slide17.xml><?xml version="1.0" encoding="utf-8"?>
+<p:sld xmlns:a="http://schemas.openxmlformats.org/drawingml/2006/main" xmlns:r="http://schemas.openxmlformats.org/officeDocument/2006/relationships" xmlns:p="http://schemas.openxmlformats.org/presentationml/2006/main">
+  <p:cSld>
+    <p:spTree>
+      <p:nvGrpSpPr>
+        <p:cNvPr id="1" name=""/>
+        <p:cNvGrpSpPr/>
+        <p:nvPr/>
+      </p:nvGrpSpPr>
+      <p:grpSpPr>
+        <a:xfrm>
+          <a:off x="0" y="0"/>
+          <a:ext cx="0" cy="0"/>
+          <a:chOff x="0" y="0"/>
+          <a:chExt cx="0" cy="0"/>
+        </a:xfrm>
+      </p:grpSpPr>
+      <p:pic>
+        <p:nvPicPr>
+          <p:cNvPr id="3" name="図 2">
+            <a:extLst>
+              <a:ext uri="{FF2B5EF4-FFF2-40B4-BE49-F238E27FC236}">
+                <a16:creationId xmlns:a16="http://schemas.microsoft.com/office/drawing/2014/main" id="{7EC74E15-8451-5A6E-7F32-D0D81944F8BE}"/>
+              </a:ext>
+            </a:extLst>
+          </p:cNvPr>
+          <p:cNvPicPr>
+            <a:picLocks noChangeAspect="1"/>
+          </p:cNvPicPr>
+          <p:nvPr/>
+        </p:nvPicPr>
+        <p:blipFill>
+          <a:blip r:embed="rId2"/>
+          <a:stretch>
+            <a:fillRect/>
+          </a:stretch>
+        </p:blipFill>
+        <p:spPr>
+          <a:xfrm>
+            <a:off x="3871602" y="2795499"/>
+            <a:ext cx="4448796" cy="1267002"/>
+          </a:xfrm>
+          <a:prstGeom prst="rect">
+            <a:avLst/>
+          </a:prstGeom>
+        </p:spPr>
+      </p:pic>
+    </p:spTree>
+    <p:extLst>
+      <p:ext uri="{BB962C8B-B14F-4D97-AF65-F5344CB8AC3E}">
+        <p14:creationId xmlns:p14="http://schemas.microsoft.com/office/powerpoint/2010/main" val="1354909815"/>
+      </p:ext>
+    </p:extLst>
+  </p:cSld>
+  <p:clrMapOvr>
+    <a:masterClrMapping/>
+  </p:clrMapOvr>
+</p:sld>
+</file>
+
+<file path=ppt/slides/slide18.xml><?xml version="1.0" encoding="utf-8"?>
+<p:sld xmlns:a="http://schemas.openxmlformats.org/drawingml/2006/main" xmlns:r="http://schemas.openxmlformats.org/officeDocument/2006/relationships" xmlns:p="http://schemas.openxmlformats.org/presentationml/2006/main">
+  <p:cSld>
+    <p:spTree>
+      <p:nvGrpSpPr>
+        <p:cNvPr id="1" name=""/>
+        <p:cNvGrpSpPr/>
+        <p:nvPr/>
+      </p:nvGrpSpPr>
+      <p:grpSpPr>
+        <a:xfrm>
+          <a:off x="0" y="0"/>
+          <a:ext cx="0" cy="0"/>
+          <a:chOff x="0" y="0"/>
+          <a:chExt cx="0" cy="0"/>
+        </a:xfrm>
+      </p:grpSpPr>
+      <p:pic>
+        <p:nvPicPr>
+          <p:cNvPr id="3" name="図 2">
+            <a:extLst>
+              <a:ext uri="{FF2B5EF4-FFF2-40B4-BE49-F238E27FC236}">
+                <a16:creationId xmlns:a16="http://schemas.microsoft.com/office/drawing/2014/main" id="{AB7459ED-82E5-4480-33D5-49E80EF405C6}"/>
+              </a:ext>
+            </a:extLst>
+          </p:cNvPr>
+          <p:cNvPicPr>
+            <a:picLocks noChangeAspect="1"/>
+          </p:cNvPicPr>
+          <p:nvPr/>
+        </p:nvPicPr>
+        <p:blipFill rotWithShape="1">
+          <a:blip r:embed="rId2"/>
+          <a:srcRect b="28007"/>
+          <a:stretch/>
+        </p:blipFill>
+        <p:spPr>
+          <a:xfrm>
+            <a:off x="3482671" y="920842"/>
+            <a:ext cx="4866478" cy="3611402"/>
+          </a:xfrm>
+          <a:prstGeom prst="rect">
+            <a:avLst/>
+          </a:prstGeom>
+        </p:spPr>
+      </p:pic>
+      <p:sp>
+        <p:nvSpPr>
+          <p:cNvPr id="4" name="四角形: 角を丸くする 3">
+            <a:extLst>
+              <a:ext uri="{FF2B5EF4-FFF2-40B4-BE49-F238E27FC236}">
+                <a16:creationId xmlns:a16="http://schemas.microsoft.com/office/drawing/2014/main" id="{5CC035FB-7D66-22DA-B8D9-044F51805CEF}"/>
+              </a:ext>
+            </a:extLst>
+          </p:cNvPr>
+          <p:cNvSpPr/>
+          <p:nvPr/>
+        </p:nvSpPr>
+        <p:spPr>
+          <a:xfrm>
+            <a:off x="4853904" y="2214948"/>
+            <a:ext cx="3407500" cy="1999243"/>
+          </a:xfrm>
+          <a:prstGeom prst="roundRect">
+            <a:avLst>
+              <a:gd name="adj" fmla="val 2576"/>
+            </a:avLst>
+          </a:prstGeom>
+          <a:noFill/>
+          <a:ln>
+            <a:solidFill>
+              <a:srgbClr val="FF6F61"/>
+            </a:solidFill>
+          </a:ln>
+        </p:spPr>
+        <p:style>
+          <a:lnRef idx="2">
+            <a:schemeClr val="accent1">
+              <a:shade val="50000"/>
+            </a:schemeClr>
+          </a:lnRef>
+          <a:fillRef idx="1">
+            <a:schemeClr val="accent1"/>
+          </a:fillRef>
+          <a:effectRef idx="0">
+            <a:schemeClr val="accent1"/>
+          </a:effectRef>
+          <a:fontRef idx="minor">
+            <a:schemeClr val="lt1"/>
+          </a:fontRef>
+        </p:style>
+        <p:txBody>
+          <a:bodyPr rtlCol="0" anchor="ctr"/>
+          <a:lstStyle/>
+          <a:p>
+            <a:pPr algn="ctr"/>
+            <a:endParaRPr kumimoji="1" lang="ja-JP" altLang="en-US"/>
+          </a:p>
+        </p:txBody>
+      </p:sp>
+    </p:spTree>
+    <p:extLst>
+      <p:ext uri="{BB962C8B-B14F-4D97-AF65-F5344CB8AC3E}">
+        <p14:creationId xmlns:p14="http://schemas.microsoft.com/office/powerpoint/2010/main" val="3389473115"/>
+      </p:ext>
+    </p:extLst>
+  </p:cSld>
+  <p:clrMapOvr>
+    <a:masterClrMapping/>
+  </p:clrMapOvr>
+</p:sld>
+</file>
+
+<file path=ppt/slides/slide19.xml><?xml version="1.0" encoding="utf-8"?>
+<p:sld xmlns:a="http://schemas.openxmlformats.org/drawingml/2006/main" xmlns:r="http://schemas.openxmlformats.org/officeDocument/2006/relationships" xmlns:p="http://schemas.openxmlformats.org/presentationml/2006/main">
+  <p:cSld>
+    <p:spTree>
+      <p:nvGrpSpPr>
+        <p:cNvPr id="1" name=""/>
+        <p:cNvGrpSpPr/>
+        <p:nvPr/>
+      </p:nvGrpSpPr>
+      <p:grpSpPr>
+        <a:xfrm>
+          <a:off x="0" y="0"/>
+          <a:ext cx="0" cy="0"/>
+          <a:chOff x="0" y="0"/>
+          <a:chExt cx="0" cy="0"/>
+        </a:xfrm>
+      </p:grpSpPr>
+      <p:pic>
+        <p:nvPicPr>
+          <p:cNvPr id="3" name="図 2">
+            <a:extLst>
+              <a:ext uri="{FF2B5EF4-FFF2-40B4-BE49-F238E27FC236}">
+                <a16:creationId xmlns:a16="http://schemas.microsoft.com/office/drawing/2014/main" id="{33E94753-E175-1E76-176B-601B6785EBF9}"/>
+              </a:ext>
+            </a:extLst>
+          </p:cNvPr>
+          <p:cNvPicPr>
+            <a:picLocks noChangeAspect="1"/>
+          </p:cNvPicPr>
+          <p:nvPr/>
+        </p:nvPicPr>
+        <p:blipFill>
+          <a:blip r:embed="rId2"/>
+          <a:stretch>
+            <a:fillRect/>
+          </a:stretch>
+        </p:blipFill>
+        <p:spPr>
+          <a:xfrm>
+            <a:off x="1051440" y="1354559"/>
+            <a:ext cx="5564978" cy="3670665"/>
+          </a:xfrm>
+          <a:prstGeom prst="rect">
+            <a:avLst/>
+          </a:prstGeom>
+        </p:spPr>
+      </p:pic>
+      <p:pic>
+        <p:nvPicPr>
+          <p:cNvPr id="5" name="図 4">
+            <a:extLst>
+              <a:ext uri="{FF2B5EF4-FFF2-40B4-BE49-F238E27FC236}">
+                <a16:creationId xmlns:a16="http://schemas.microsoft.com/office/drawing/2014/main" id="{E7694B74-1B28-DA7E-3FC8-238CABF073C7}"/>
+              </a:ext>
+            </a:extLst>
+          </p:cNvPr>
+          <p:cNvPicPr>
+            <a:picLocks noChangeAspect="1"/>
+          </p:cNvPicPr>
+          <p:nvPr/>
+        </p:nvPicPr>
+        <p:blipFill>
+          <a:blip r:embed="rId3"/>
+          <a:stretch>
+            <a:fillRect/>
+          </a:stretch>
+        </p:blipFill>
+        <p:spPr>
+          <a:xfrm>
+            <a:off x="7377366" y="1354559"/>
+            <a:ext cx="2570866" cy="3670665"/>
+          </a:xfrm>
+          <a:prstGeom prst="rect">
+            <a:avLst/>
+          </a:prstGeom>
+        </p:spPr>
+      </p:pic>
+      <p:sp>
+        <p:nvSpPr>
+          <p:cNvPr id="6" name="四角形: 角を丸くする 5">
+            <a:extLst>
+              <a:ext uri="{FF2B5EF4-FFF2-40B4-BE49-F238E27FC236}">
+                <a16:creationId xmlns:a16="http://schemas.microsoft.com/office/drawing/2014/main" id="{B21EA2AB-D50B-C579-507A-902E493172EA}"/>
+              </a:ext>
+            </a:extLst>
+          </p:cNvPr>
+          <p:cNvSpPr/>
+          <p:nvPr/>
+        </p:nvSpPr>
+        <p:spPr>
+          <a:xfrm>
+            <a:off x="7450372" y="3429000"/>
+            <a:ext cx="2497860" cy="1047584"/>
+          </a:xfrm>
+          <a:prstGeom prst="roundRect">
+            <a:avLst>
+              <a:gd name="adj" fmla="val 2576"/>
+            </a:avLst>
+          </a:prstGeom>
+          <a:noFill/>
+          <a:ln>
+            <a:solidFill>
+              <a:srgbClr val="FF6F61"/>
+            </a:solidFill>
+          </a:ln>
+        </p:spPr>
+        <p:style>
+          <a:lnRef idx="2">
+            <a:schemeClr val="accent1">
+              <a:shade val="50000"/>
+            </a:schemeClr>
+          </a:lnRef>
+          <a:fillRef idx="1">
+            <a:schemeClr val="accent1"/>
+          </a:fillRef>
+          <a:effectRef idx="0">
+            <a:schemeClr val="accent1"/>
+          </a:effectRef>
+          <a:fontRef idx="minor">
+            <a:schemeClr val="lt1"/>
+          </a:fontRef>
+        </p:style>
+        <p:txBody>
+          <a:bodyPr rtlCol="0" anchor="ctr"/>
+          <a:lstStyle/>
+          <a:p>
+            <a:pPr algn="ctr"/>
+            <a:endParaRPr kumimoji="1" lang="ja-JP" altLang="en-US"/>
+          </a:p>
+        </p:txBody>
+      </p:sp>
+    </p:spTree>
+    <p:extLst>
+      <p:ext uri="{BB962C8B-B14F-4D97-AF65-F5344CB8AC3E}">
+        <p14:creationId xmlns:p14="http://schemas.microsoft.com/office/powerpoint/2010/main" val="3669843080"/>
+      </p:ext>
+    </p:extLst>
+  </p:cSld>
+  <p:clrMapOvr>
+    <a:masterClrMapping/>
+  </p:clrMapOvr>
+</p:sld>
+</file>
+
 <file path=ppt/slides/slide2.xml><?xml version="1.0" encoding="utf-8"?>
 <p:sld xmlns:a="http://schemas.openxmlformats.org/drawingml/2006/main" xmlns:r="http://schemas.openxmlformats.org/officeDocument/2006/relationships" xmlns:p="http://schemas.openxmlformats.org/presentationml/2006/main">
   <p:cSld>
@@ -6104,6 +6911,1406 @@
     <p:extLst>
       <p:ext uri="{BB962C8B-B14F-4D97-AF65-F5344CB8AC3E}">
         <p14:creationId xmlns:p14="http://schemas.microsoft.com/office/powerpoint/2010/main" val="4067618148"/>
+      </p:ext>
+    </p:extLst>
+  </p:cSld>
+  <p:clrMapOvr>
+    <a:masterClrMapping/>
+  </p:clrMapOvr>
+</p:sld>
+</file>
+
+<file path=ppt/slides/slide20.xml><?xml version="1.0" encoding="utf-8"?>
+<p:sld xmlns:a="http://schemas.openxmlformats.org/drawingml/2006/main" xmlns:r="http://schemas.openxmlformats.org/officeDocument/2006/relationships" xmlns:p="http://schemas.openxmlformats.org/presentationml/2006/main">
+  <p:cSld>
+    <p:spTree>
+      <p:nvGrpSpPr>
+        <p:cNvPr id="1" name=""/>
+        <p:cNvGrpSpPr/>
+        <p:nvPr/>
+      </p:nvGrpSpPr>
+      <p:grpSpPr>
+        <a:xfrm>
+          <a:off x="0" y="0"/>
+          <a:ext cx="0" cy="0"/>
+          <a:chOff x="0" y="0"/>
+          <a:chExt cx="0" cy="0"/>
+        </a:xfrm>
+      </p:grpSpPr>
+      <p:pic>
+        <p:nvPicPr>
+          <p:cNvPr id="3" name="図 2">
+            <a:extLst>
+              <a:ext uri="{FF2B5EF4-FFF2-40B4-BE49-F238E27FC236}">
+                <a16:creationId xmlns:a16="http://schemas.microsoft.com/office/drawing/2014/main" id="{487B7400-6FB4-A812-2C63-4466015AFED5}"/>
+              </a:ext>
+            </a:extLst>
+          </p:cNvPr>
+          <p:cNvPicPr>
+            <a:picLocks noChangeAspect="1"/>
+          </p:cNvPicPr>
+          <p:nvPr/>
+        </p:nvPicPr>
+        <p:blipFill>
+          <a:blip r:embed="rId2"/>
+          <a:stretch>
+            <a:fillRect/>
+          </a:stretch>
+        </p:blipFill>
+        <p:spPr>
+          <a:xfrm>
+            <a:off x="3644050" y="2463310"/>
+            <a:ext cx="4267796" cy="1486107"/>
+          </a:xfrm>
+          <a:prstGeom prst="rect">
+            <a:avLst/>
+          </a:prstGeom>
+        </p:spPr>
+      </p:pic>
+      <p:sp>
+        <p:nvSpPr>
+          <p:cNvPr id="2" name="四角形: 角を丸くする 1">
+            <a:extLst>
+              <a:ext uri="{FF2B5EF4-FFF2-40B4-BE49-F238E27FC236}">
+                <a16:creationId xmlns:a16="http://schemas.microsoft.com/office/drawing/2014/main" id="{025ECEBA-090C-2DF7-48DA-95884E1F081E}"/>
+              </a:ext>
+            </a:extLst>
+          </p:cNvPr>
+          <p:cNvSpPr/>
+          <p:nvPr/>
+        </p:nvSpPr>
+        <p:spPr>
+          <a:xfrm>
+            <a:off x="5343276" y="2673627"/>
+            <a:ext cx="2568570" cy="268357"/>
+          </a:xfrm>
+          <a:prstGeom prst="roundRect">
+            <a:avLst>
+              <a:gd name="adj" fmla="val 2576"/>
+            </a:avLst>
+          </a:prstGeom>
+          <a:noFill/>
+          <a:ln>
+            <a:solidFill>
+              <a:srgbClr val="FF6F61"/>
+            </a:solidFill>
+          </a:ln>
+        </p:spPr>
+        <p:style>
+          <a:lnRef idx="2">
+            <a:schemeClr val="accent1">
+              <a:shade val="50000"/>
+            </a:schemeClr>
+          </a:lnRef>
+          <a:fillRef idx="1">
+            <a:schemeClr val="accent1"/>
+          </a:fillRef>
+          <a:effectRef idx="0">
+            <a:schemeClr val="accent1"/>
+          </a:effectRef>
+          <a:fontRef idx="minor">
+            <a:schemeClr val="lt1"/>
+          </a:fontRef>
+        </p:style>
+        <p:txBody>
+          <a:bodyPr rtlCol="0" anchor="ctr"/>
+          <a:lstStyle/>
+          <a:p>
+            <a:pPr algn="ctr"/>
+            <a:endParaRPr kumimoji="1" lang="ja-JP" altLang="en-US"/>
+          </a:p>
+        </p:txBody>
+      </p:sp>
+    </p:spTree>
+    <p:extLst>
+      <p:ext uri="{BB962C8B-B14F-4D97-AF65-F5344CB8AC3E}">
+        <p14:creationId xmlns:p14="http://schemas.microsoft.com/office/powerpoint/2010/main" val="4223811269"/>
+      </p:ext>
+    </p:extLst>
+  </p:cSld>
+  <p:clrMapOvr>
+    <a:masterClrMapping/>
+  </p:clrMapOvr>
+</p:sld>
+</file>
+
+<file path=ppt/slides/slide21.xml><?xml version="1.0" encoding="utf-8"?>
+<p:sld xmlns:a="http://schemas.openxmlformats.org/drawingml/2006/main" xmlns:r="http://schemas.openxmlformats.org/officeDocument/2006/relationships" xmlns:p="http://schemas.openxmlformats.org/presentationml/2006/main">
+  <p:cSld>
+    <p:spTree>
+      <p:nvGrpSpPr>
+        <p:cNvPr id="1" name=""/>
+        <p:cNvGrpSpPr/>
+        <p:nvPr/>
+      </p:nvGrpSpPr>
+      <p:grpSpPr>
+        <a:xfrm>
+          <a:off x="0" y="0"/>
+          <a:ext cx="0" cy="0"/>
+          <a:chOff x="0" y="0"/>
+          <a:chExt cx="0" cy="0"/>
+        </a:xfrm>
+      </p:grpSpPr>
+      <p:pic>
+        <p:nvPicPr>
+          <p:cNvPr id="5" name="図 4">
+            <a:extLst>
+              <a:ext uri="{FF2B5EF4-FFF2-40B4-BE49-F238E27FC236}">
+                <a16:creationId xmlns:a16="http://schemas.microsoft.com/office/drawing/2014/main" id="{D6C3A604-7B39-C4E6-47CA-EDCE19C9798C}"/>
+              </a:ext>
+            </a:extLst>
+          </p:cNvPr>
+          <p:cNvPicPr>
+            <a:picLocks noChangeAspect="1"/>
+          </p:cNvPicPr>
+          <p:nvPr/>
+        </p:nvPicPr>
+        <p:blipFill>
+          <a:blip r:embed="rId2"/>
+          <a:stretch>
+            <a:fillRect/>
+          </a:stretch>
+        </p:blipFill>
+        <p:spPr>
+          <a:xfrm>
+            <a:off x="4243585" y="1609674"/>
+            <a:ext cx="4277322" cy="1905266"/>
+          </a:xfrm>
+          <a:prstGeom prst="rect">
+            <a:avLst/>
+          </a:prstGeom>
+        </p:spPr>
+      </p:pic>
+      <p:pic>
+        <p:nvPicPr>
+          <p:cNvPr id="7" name="図 6">
+            <a:extLst>
+              <a:ext uri="{FF2B5EF4-FFF2-40B4-BE49-F238E27FC236}">
+                <a16:creationId xmlns:a16="http://schemas.microsoft.com/office/drawing/2014/main" id="{B489D712-310A-496F-3216-637240BB27FB}"/>
+              </a:ext>
+            </a:extLst>
+          </p:cNvPr>
+          <p:cNvPicPr>
+            <a:picLocks noChangeAspect="1"/>
+          </p:cNvPicPr>
+          <p:nvPr/>
+        </p:nvPicPr>
+        <p:blipFill>
+          <a:blip r:embed="rId3"/>
+          <a:stretch>
+            <a:fillRect/>
+          </a:stretch>
+        </p:blipFill>
+        <p:spPr>
+          <a:xfrm>
+            <a:off x="4243585" y="3743166"/>
+            <a:ext cx="4277322" cy="1505160"/>
+          </a:xfrm>
+          <a:prstGeom prst="rect">
+            <a:avLst/>
+          </a:prstGeom>
+        </p:spPr>
+      </p:pic>
+      <p:sp>
+        <p:nvSpPr>
+          <p:cNvPr id="10" name="四角形: 角を丸くする 9">
+            <a:extLst>
+              <a:ext uri="{FF2B5EF4-FFF2-40B4-BE49-F238E27FC236}">
+                <a16:creationId xmlns:a16="http://schemas.microsoft.com/office/drawing/2014/main" id="{3ED37A61-71E6-C4D7-0D37-9C3D96D8B9A1}"/>
+              </a:ext>
+            </a:extLst>
+          </p:cNvPr>
+          <p:cNvSpPr/>
+          <p:nvPr/>
+        </p:nvSpPr>
+        <p:spPr>
+          <a:xfrm>
+            <a:off x="4293705" y="1886448"/>
+            <a:ext cx="699715" cy="665921"/>
+          </a:xfrm>
+          <a:prstGeom prst="roundRect">
+            <a:avLst>
+              <a:gd name="adj" fmla="val 2576"/>
+            </a:avLst>
+          </a:prstGeom>
+          <a:noFill/>
+          <a:ln>
+            <a:solidFill>
+              <a:srgbClr val="FF6F61"/>
+            </a:solidFill>
+          </a:ln>
+        </p:spPr>
+        <p:style>
+          <a:lnRef idx="2">
+            <a:schemeClr val="accent1">
+              <a:shade val="50000"/>
+            </a:schemeClr>
+          </a:lnRef>
+          <a:fillRef idx="1">
+            <a:schemeClr val="accent1"/>
+          </a:fillRef>
+          <a:effectRef idx="0">
+            <a:schemeClr val="accent1"/>
+          </a:effectRef>
+          <a:fontRef idx="minor">
+            <a:schemeClr val="lt1"/>
+          </a:fontRef>
+        </p:style>
+        <p:txBody>
+          <a:bodyPr rtlCol="0" anchor="ctr"/>
+          <a:lstStyle/>
+          <a:p>
+            <a:pPr algn="ctr"/>
+            <a:endParaRPr kumimoji="1" lang="ja-JP" altLang="en-US"/>
+          </a:p>
+        </p:txBody>
+      </p:sp>
+      <p:sp>
+        <p:nvSpPr>
+          <p:cNvPr id="11" name="四角形: 角を丸くする 10">
+            <a:extLst>
+              <a:ext uri="{FF2B5EF4-FFF2-40B4-BE49-F238E27FC236}">
+                <a16:creationId xmlns:a16="http://schemas.microsoft.com/office/drawing/2014/main" id="{B6BF4A62-662B-4DFE-BDEC-25818A0B12B1}"/>
+              </a:ext>
+            </a:extLst>
+          </p:cNvPr>
+          <p:cNvSpPr/>
+          <p:nvPr/>
+        </p:nvSpPr>
+        <p:spPr>
+          <a:xfrm>
+            <a:off x="5861437" y="1886447"/>
+            <a:ext cx="2659470" cy="785191"/>
+          </a:xfrm>
+          <a:prstGeom prst="roundRect">
+            <a:avLst>
+              <a:gd name="adj" fmla="val 2576"/>
+            </a:avLst>
+          </a:prstGeom>
+          <a:noFill/>
+          <a:ln>
+            <a:solidFill>
+              <a:srgbClr val="FF6F61"/>
+            </a:solidFill>
+          </a:ln>
+        </p:spPr>
+        <p:style>
+          <a:lnRef idx="2">
+            <a:schemeClr val="accent1">
+              <a:shade val="50000"/>
+            </a:schemeClr>
+          </a:lnRef>
+          <a:fillRef idx="1">
+            <a:schemeClr val="accent1"/>
+          </a:fillRef>
+          <a:effectRef idx="0">
+            <a:schemeClr val="accent1"/>
+          </a:effectRef>
+          <a:fontRef idx="minor">
+            <a:schemeClr val="lt1"/>
+          </a:fontRef>
+        </p:style>
+        <p:txBody>
+          <a:bodyPr rtlCol="0" anchor="ctr"/>
+          <a:lstStyle/>
+          <a:p>
+            <a:pPr algn="ctr"/>
+            <a:endParaRPr kumimoji="1" lang="ja-JP" altLang="en-US"/>
+          </a:p>
+        </p:txBody>
+      </p:sp>
+      <p:sp>
+        <p:nvSpPr>
+          <p:cNvPr id="12" name="四角形: 角を丸くする 11">
+            <a:extLst>
+              <a:ext uri="{FF2B5EF4-FFF2-40B4-BE49-F238E27FC236}">
+                <a16:creationId xmlns:a16="http://schemas.microsoft.com/office/drawing/2014/main" id="{E0DB4254-2566-B265-BE54-91D5E0909944}"/>
+              </a:ext>
+            </a:extLst>
+          </p:cNvPr>
+          <p:cNvSpPr/>
+          <p:nvPr/>
+        </p:nvSpPr>
+        <p:spPr>
+          <a:xfrm>
+            <a:off x="5917097" y="4162786"/>
+            <a:ext cx="2587908" cy="210432"/>
+          </a:xfrm>
+          <a:prstGeom prst="roundRect">
+            <a:avLst>
+              <a:gd name="adj" fmla="val 2576"/>
+            </a:avLst>
+          </a:prstGeom>
+          <a:noFill/>
+          <a:ln>
+            <a:solidFill>
+              <a:srgbClr val="FF6F61"/>
+            </a:solidFill>
+          </a:ln>
+        </p:spPr>
+        <p:style>
+          <a:lnRef idx="2">
+            <a:schemeClr val="accent1">
+              <a:shade val="50000"/>
+            </a:schemeClr>
+          </a:lnRef>
+          <a:fillRef idx="1">
+            <a:schemeClr val="accent1"/>
+          </a:fillRef>
+          <a:effectRef idx="0">
+            <a:schemeClr val="accent1"/>
+          </a:effectRef>
+          <a:fontRef idx="minor">
+            <a:schemeClr val="lt1"/>
+          </a:fontRef>
+        </p:style>
+        <p:txBody>
+          <a:bodyPr rtlCol="0" anchor="ctr"/>
+          <a:lstStyle/>
+          <a:p>
+            <a:pPr algn="ctr"/>
+            <a:endParaRPr kumimoji="1" lang="ja-JP" altLang="en-US"/>
+          </a:p>
+        </p:txBody>
+      </p:sp>
+    </p:spTree>
+    <p:extLst>
+      <p:ext uri="{BB962C8B-B14F-4D97-AF65-F5344CB8AC3E}">
+        <p14:creationId xmlns:p14="http://schemas.microsoft.com/office/powerpoint/2010/main" val="2015049987"/>
+      </p:ext>
+    </p:extLst>
+  </p:cSld>
+  <p:clrMapOvr>
+    <a:masterClrMapping/>
+  </p:clrMapOvr>
+</p:sld>
+</file>
+
+<file path=ppt/slides/slide22.xml><?xml version="1.0" encoding="utf-8"?>
+<p:sld xmlns:a="http://schemas.openxmlformats.org/drawingml/2006/main" xmlns:r="http://schemas.openxmlformats.org/officeDocument/2006/relationships" xmlns:p="http://schemas.openxmlformats.org/presentationml/2006/main">
+  <p:cSld>
+    <p:spTree>
+      <p:nvGrpSpPr>
+        <p:cNvPr id="1" name=""/>
+        <p:cNvGrpSpPr/>
+        <p:nvPr/>
+      </p:nvGrpSpPr>
+      <p:grpSpPr>
+        <a:xfrm>
+          <a:off x="0" y="0"/>
+          <a:ext cx="0" cy="0"/>
+          <a:chOff x="0" y="0"/>
+          <a:chExt cx="0" cy="0"/>
+        </a:xfrm>
+      </p:grpSpPr>
+      <p:pic>
+        <p:nvPicPr>
+          <p:cNvPr id="3" name="図 2">
+            <a:extLst>
+              <a:ext uri="{FF2B5EF4-FFF2-40B4-BE49-F238E27FC236}">
+                <a16:creationId xmlns:a16="http://schemas.microsoft.com/office/drawing/2014/main" id="{7B4BF600-2F30-2AD2-08E5-CA443CC20142}"/>
+              </a:ext>
+            </a:extLst>
+          </p:cNvPr>
+          <p:cNvPicPr>
+            <a:picLocks noChangeAspect="1"/>
+          </p:cNvPicPr>
+          <p:nvPr/>
+        </p:nvPicPr>
+        <p:blipFill rotWithShape="1">
+          <a:blip r:embed="rId2"/>
+          <a:srcRect l="20332" t="35195" r="20373" b="18486"/>
+          <a:stretch/>
+        </p:blipFill>
+        <p:spPr>
+          <a:xfrm>
+            <a:off x="4222143" y="2242268"/>
+            <a:ext cx="3745064" cy="2369489"/>
+          </a:xfrm>
+          <a:prstGeom prst="rect">
+            <a:avLst/>
+          </a:prstGeom>
+        </p:spPr>
+      </p:pic>
+    </p:spTree>
+    <p:extLst>
+      <p:ext uri="{BB962C8B-B14F-4D97-AF65-F5344CB8AC3E}">
+        <p14:creationId xmlns:p14="http://schemas.microsoft.com/office/powerpoint/2010/main" val="3110030472"/>
+      </p:ext>
+    </p:extLst>
+  </p:cSld>
+  <p:clrMapOvr>
+    <a:masterClrMapping/>
+  </p:clrMapOvr>
+</p:sld>
+</file>
+
+<file path=ppt/slides/slide23.xml><?xml version="1.0" encoding="utf-8"?>
+<p:sld xmlns:a="http://schemas.openxmlformats.org/drawingml/2006/main" xmlns:r="http://schemas.openxmlformats.org/officeDocument/2006/relationships" xmlns:p="http://schemas.openxmlformats.org/presentationml/2006/main">
+  <p:cSld>
+    <p:spTree>
+      <p:nvGrpSpPr>
+        <p:cNvPr id="1" name=""/>
+        <p:cNvGrpSpPr/>
+        <p:nvPr/>
+      </p:nvGrpSpPr>
+      <p:grpSpPr>
+        <a:xfrm>
+          <a:off x="0" y="0"/>
+          <a:ext cx="0" cy="0"/>
+          <a:chOff x="0" y="0"/>
+          <a:chExt cx="0" cy="0"/>
+        </a:xfrm>
+      </p:grpSpPr>
+      <p:pic>
+        <p:nvPicPr>
+          <p:cNvPr id="5" name="図 4">
+            <a:extLst>
+              <a:ext uri="{FF2B5EF4-FFF2-40B4-BE49-F238E27FC236}">
+                <a16:creationId xmlns:a16="http://schemas.microsoft.com/office/drawing/2014/main" id="{A8E87213-ED6F-0298-F773-CFC728A96D52}"/>
+              </a:ext>
+            </a:extLst>
+          </p:cNvPr>
+          <p:cNvPicPr>
+            <a:picLocks noChangeAspect="1"/>
+          </p:cNvPicPr>
+          <p:nvPr/>
+        </p:nvPicPr>
+        <p:blipFill>
+          <a:blip r:embed="rId2"/>
+          <a:stretch>
+            <a:fillRect/>
+          </a:stretch>
+        </p:blipFill>
+        <p:spPr>
+          <a:xfrm>
+            <a:off x="1973389" y="3194423"/>
+            <a:ext cx="4360323" cy="1326418"/>
+          </a:xfrm>
+          <a:prstGeom prst="rect">
+            <a:avLst/>
+          </a:prstGeom>
+        </p:spPr>
+      </p:pic>
+      <p:pic>
+        <p:nvPicPr>
+          <p:cNvPr id="7" name="図 6">
+            <a:extLst>
+              <a:ext uri="{FF2B5EF4-FFF2-40B4-BE49-F238E27FC236}">
+                <a16:creationId xmlns:a16="http://schemas.microsoft.com/office/drawing/2014/main" id="{64D98D73-4B32-A6FC-07E2-805B65EF69E1}"/>
+              </a:ext>
+            </a:extLst>
+          </p:cNvPr>
+          <p:cNvPicPr>
+            <a:picLocks noChangeAspect="1"/>
+          </p:cNvPicPr>
+          <p:nvPr/>
+        </p:nvPicPr>
+        <p:blipFill>
+          <a:blip r:embed="rId3"/>
+          <a:stretch>
+            <a:fillRect/>
+          </a:stretch>
+        </p:blipFill>
+        <p:spPr>
+          <a:xfrm>
+            <a:off x="7243184" y="1755785"/>
+            <a:ext cx="3642152" cy="2572224"/>
+          </a:xfrm>
+          <a:prstGeom prst="rect">
+            <a:avLst/>
+          </a:prstGeom>
+        </p:spPr>
+      </p:pic>
+      <p:pic>
+        <p:nvPicPr>
+          <p:cNvPr id="9" name="図 8">
+            <a:extLst>
+              <a:ext uri="{FF2B5EF4-FFF2-40B4-BE49-F238E27FC236}">
+                <a16:creationId xmlns:a16="http://schemas.microsoft.com/office/drawing/2014/main" id="{70756106-E8F9-F238-C079-D26736D9D96D}"/>
+              </a:ext>
+            </a:extLst>
+          </p:cNvPr>
+          <p:cNvPicPr>
+            <a:picLocks noChangeAspect="1"/>
+          </p:cNvPicPr>
+          <p:nvPr/>
+        </p:nvPicPr>
+        <p:blipFill>
+          <a:blip r:embed="rId4"/>
+          <a:stretch>
+            <a:fillRect/>
+          </a:stretch>
+        </p:blipFill>
+        <p:spPr>
+          <a:xfrm>
+            <a:off x="1074929" y="1588439"/>
+            <a:ext cx="5417809" cy="860838"/>
+          </a:xfrm>
+          <a:prstGeom prst="rect">
+            <a:avLst/>
+          </a:prstGeom>
+        </p:spPr>
+      </p:pic>
+      <p:cxnSp>
+        <p:nvCxnSpPr>
+          <p:cNvPr id="10" name="直線矢印コネクタ 24">
+            <a:extLst>
+              <a:ext uri="{FF2B5EF4-FFF2-40B4-BE49-F238E27FC236}">
+                <a16:creationId xmlns:a16="http://schemas.microsoft.com/office/drawing/2014/main" id="{A6ED5A5A-57B7-3D1D-668E-E02FF003124E}"/>
+              </a:ext>
+            </a:extLst>
+          </p:cNvPr>
+          <p:cNvCxnSpPr>
+            <a:cxnSpLocks/>
+          </p:cNvCxnSpPr>
+          <p:nvPr/>
+        </p:nvCxnSpPr>
+        <p:spPr>
+          <a:xfrm flipH="1">
+            <a:off x="4198289" y="2091193"/>
+            <a:ext cx="1566407" cy="1876508"/>
+          </a:xfrm>
+          <a:prstGeom prst="straightConnector1">
+            <a:avLst/>
+          </a:prstGeom>
+          <a:ln w="12700">
+            <a:solidFill>
+              <a:srgbClr val="FF6F61"/>
+            </a:solidFill>
+            <a:tailEnd type="triangle"/>
+          </a:ln>
+        </p:spPr>
+        <p:style>
+          <a:lnRef idx="1">
+            <a:schemeClr val="accent1"/>
+          </a:lnRef>
+          <a:fillRef idx="0">
+            <a:schemeClr val="accent1"/>
+          </a:fillRef>
+          <a:effectRef idx="0">
+            <a:schemeClr val="accent1"/>
+          </a:effectRef>
+          <a:fontRef idx="minor">
+            <a:schemeClr val="tx1"/>
+          </a:fontRef>
+        </p:style>
+      </p:cxnSp>
+      <p:cxnSp>
+        <p:nvCxnSpPr>
+          <p:cNvPr id="13" name="直線矢印コネクタ 24">
+            <a:extLst>
+              <a:ext uri="{FF2B5EF4-FFF2-40B4-BE49-F238E27FC236}">
+                <a16:creationId xmlns:a16="http://schemas.microsoft.com/office/drawing/2014/main" id="{C11B71DB-1B33-87D1-8B28-18D161EADDD7}"/>
+              </a:ext>
+            </a:extLst>
+          </p:cNvPr>
+          <p:cNvCxnSpPr>
+            <a:cxnSpLocks/>
+          </p:cNvCxnSpPr>
+          <p:nvPr/>
+        </p:nvCxnSpPr>
+        <p:spPr>
+          <a:xfrm flipV="1">
+            <a:off x="4253948" y="2146852"/>
+            <a:ext cx="3101009" cy="1916265"/>
+          </a:xfrm>
+          <a:prstGeom prst="straightConnector1">
+            <a:avLst/>
+          </a:prstGeom>
+          <a:ln w="12700">
+            <a:solidFill>
+              <a:srgbClr val="FF6F61"/>
+            </a:solidFill>
+            <a:tailEnd type="triangle"/>
+          </a:ln>
+        </p:spPr>
+        <p:style>
+          <a:lnRef idx="1">
+            <a:schemeClr val="accent1"/>
+          </a:lnRef>
+          <a:fillRef idx="0">
+            <a:schemeClr val="accent1"/>
+          </a:fillRef>
+          <a:effectRef idx="0">
+            <a:schemeClr val="accent1"/>
+          </a:effectRef>
+          <a:fontRef idx="minor">
+            <a:schemeClr val="tx1"/>
+          </a:fontRef>
+        </p:style>
+      </p:cxnSp>
+      <p:sp>
+        <p:nvSpPr>
+          <p:cNvPr id="16" name="四角形: 角を丸くする 15">
+            <a:extLst>
+              <a:ext uri="{FF2B5EF4-FFF2-40B4-BE49-F238E27FC236}">
+                <a16:creationId xmlns:a16="http://schemas.microsoft.com/office/drawing/2014/main" id="{FBEDA373-19E1-A1A9-0044-40E05C350C07}"/>
+              </a:ext>
+            </a:extLst>
+          </p:cNvPr>
+          <p:cNvSpPr/>
+          <p:nvPr/>
+        </p:nvSpPr>
+        <p:spPr>
+          <a:xfrm>
+            <a:off x="7247248" y="2990940"/>
+            <a:ext cx="3638088" cy="1183495"/>
+          </a:xfrm>
+          <a:prstGeom prst="roundRect">
+            <a:avLst>
+              <a:gd name="adj" fmla="val 4167"/>
+            </a:avLst>
+          </a:prstGeom>
+          <a:noFill/>
+          <a:ln>
+            <a:solidFill>
+              <a:srgbClr val="FF6F61"/>
+            </a:solidFill>
+          </a:ln>
+        </p:spPr>
+        <p:style>
+          <a:lnRef idx="2">
+            <a:schemeClr val="accent1">
+              <a:shade val="50000"/>
+            </a:schemeClr>
+          </a:lnRef>
+          <a:fillRef idx="1">
+            <a:schemeClr val="accent1"/>
+          </a:fillRef>
+          <a:effectRef idx="0">
+            <a:schemeClr val="accent1"/>
+          </a:effectRef>
+          <a:fontRef idx="minor">
+            <a:schemeClr val="lt1"/>
+          </a:fontRef>
+        </p:style>
+        <p:txBody>
+          <a:bodyPr rtlCol="0" anchor="ctr"/>
+          <a:lstStyle/>
+          <a:p>
+            <a:pPr algn="ctr"/>
+            <a:endParaRPr kumimoji="1" lang="ja-JP" altLang="en-US"/>
+          </a:p>
+        </p:txBody>
+      </p:sp>
+    </p:spTree>
+    <p:extLst>
+      <p:ext uri="{BB962C8B-B14F-4D97-AF65-F5344CB8AC3E}">
+        <p14:creationId xmlns:p14="http://schemas.microsoft.com/office/powerpoint/2010/main" val="2987393660"/>
+      </p:ext>
+    </p:extLst>
+  </p:cSld>
+  <p:clrMapOvr>
+    <a:masterClrMapping/>
+  </p:clrMapOvr>
+</p:sld>
+</file>
+
+<file path=ppt/slides/slide24.xml><?xml version="1.0" encoding="utf-8"?>
+<p:sld xmlns:a="http://schemas.openxmlformats.org/drawingml/2006/main" xmlns:r="http://schemas.openxmlformats.org/officeDocument/2006/relationships" xmlns:p="http://schemas.openxmlformats.org/presentationml/2006/main">
+  <p:cSld>
+    <p:spTree>
+      <p:nvGrpSpPr>
+        <p:cNvPr id="1" name=""/>
+        <p:cNvGrpSpPr/>
+        <p:nvPr/>
+      </p:nvGrpSpPr>
+      <p:grpSpPr>
+        <a:xfrm>
+          <a:off x="0" y="0"/>
+          <a:ext cx="0" cy="0"/>
+          <a:chOff x="0" y="0"/>
+          <a:chExt cx="0" cy="0"/>
+        </a:xfrm>
+      </p:grpSpPr>
+      <p:pic>
+        <p:nvPicPr>
+          <p:cNvPr id="3" name="図 2">
+            <a:extLst>
+              <a:ext uri="{FF2B5EF4-FFF2-40B4-BE49-F238E27FC236}">
+                <a16:creationId xmlns:a16="http://schemas.microsoft.com/office/drawing/2014/main" id="{3ADA5CAA-2A37-ADCD-0C7F-8087EADF3EBE}"/>
+              </a:ext>
+            </a:extLst>
+          </p:cNvPr>
+          <p:cNvPicPr>
+            <a:picLocks noChangeAspect="1"/>
+          </p:cNvPicPr>
+          <p:nvPr/>
+        </p:nvPicPr>
+        <p:blipFill>
+          <a:blip r:embed="rId2"/>
+          <a:stretch>
+            <a:fillRect/>
+          </a:stretch>
+        </p:blipFill>
+        <p:spPr>
+          <a:xfrm>
+            <a:off x="3204759" y="2585920"/>
+            <a:ext cx="5782482" cy="1686160"/>
+          </a:xfrm>
+          <a:prstGeom prst="rect">
+            <a:avLst/>
+          </a:prstGeom>
+        </p:spPr>
+      </p:pic>
+    </p:spTree>
+    <p:extLst>
+      <p:ext uri="{BB962C8B-B14F-4D97-AF65-F5344CB8AC3E}">
+        <p14:creationId xmlns:p14="http://schemas.microsoft.com/office/powerpoint/2010/main" val="1006177146"/>
+      </p:ext>
+    </p:extLst>
+  </p:cSld>
+  <p:clrMapOvr>
+    <a:masterClrMapping/>
+  </p:clrMapOvr>
+</p:sld>
+</file>
+
+<file path=ppt/slides/slide25.xml><?xml version="1.0" encoding="utf-8"?>
+<p:sld xmlns:a="http://schemas.openxmlformats.org/drawingml/2006/main" xmlns:r="http://schemas.openxmlformats.org/officeDocument/2006/relationships" xmlns:p="http://schemas.openxmlformats.org/presentationml/2006/main">
+  <p:cSld>
+    <p:spTree>
+      <p:nvGrpSpPr>
+        <p:cNvPr id="1" name=""/>
+        <p:cNvGrpSpPr/>
+        <p:nvPr/>
+      </p:nvGrpSpPr>
+      <p:grpSpPr>
+        <a:xfrm>
+          <a:off x="0" y="0"/>
+          <a:ext cx="0" cy="0"/>
+          <a:chOff x="0" y="0"/>
+          <a:chExt cx="0" cy="0"/>
+        </a:xfrm>
+      </p:grpSpPr>
+      <p:pic>
+        <p:nvPicPr>
+          <p:cNvPr id="3" name="図 2">
+            <a:extLst>
+              <a:ext uri="{FF2B5EF4-FFF2-40B4-BE49-F238E27FC236}">
+                <a16:creationId xmlns:a16="http://schemas.microsoft.com/office/drawing/2014/main" id="{1B40D9CB-F678-9F62-C04A-6FAB67772338}"/>
+              </a:ext>
+            </a:extLst>
+          </p:cNvPr>
+          <p:cNvPicPr>
+            <a:picLocks noChangeAspect="1"/>
+          </p:cNvPicPr>
+          <p:nvPr/>
+        </p:nvPicPr>
+        <p:blipFill>
+          <a:blip r:embed="rId2"/>
+          <a:stretch>
+            <a:fillRect/>
+          </a:stretch>
+        </p:blipFill>
+        <p:spPr>
+          <a:xfrm>
+            <a:off x="3530379" y="710020"/>
+            <a:ext cx="4712628" cy="5272544"/>
+          </a:xfrm>
+          <a:prstGeom prst="rect">
+            <a:avLst/>
+          </a:prstGeom>
+        </p:spPr>
+      </p:pic>
+    </p:spTree>
+    <p:extLst>
+      <p:ext uri="{BB962C8B-B14F-4D97-AF65-F5344CB8AC3E}">
+        <p14:creationId xmlns:p14="http://schemas.microsoft.com/office/powerpoint/2010/main" val="2684564316"/>
+      </p:ext>
+    </p:extLst>
+  </p:cSld>
+  <p:clrMapOvr>
+    <a:masterClrMapping/>
+  </p:clrMapOvr>
+</p:sld>
+</file>
+
+<file path=ppt/slides/slide26.xml><?xml version="1.0" encoding="utf-8"?>
+<p:sld xmlns:a="http://schemas.openxmlformats.org/drawingml/2006/main" xmlns:r="http://schemas.openxmlformats.org/officeDocument/2006/relationships" xmlns:p="http://schemas.openxmlformats.org/presentationml/2006/main">
+  <p:cSld>
+    <p:spTree>
+      <p:nvGrpSpPr>
+        <p:cNvPr id="1" name=""/>
+        <p:cNvGrpSpPr/>
+        <p:nvPr/>
+      </p:nvGrpSpPr>
+      <p:grpSpPr>
+        <a:xfrm>
+          <a:off x="0" y="0"/>
+          <a:ext cx="0" cy="0"/>
+          <a:chOff x="0" y="0"/>
+          <a:chExt cx="0" cy="0"/>
+        </a:xfrm>
+      </p:grpSpPr>
+      <p:pic>
+        <p:nvPicPr>
+          <p:cNvPr id="3" name="図 2">
+            <a:extLst>
+              <a:ext uri="{FF2B5EF4-FFF2-40B4-BE49-F238E27FC236}">
+                <a16:creationId xmlns:a16="http://schemas.microsoft.com/office/drawing/2014/main" id="{7CDF92D9-2B3C-EE19-D829-33BA5F6AE103}"/>
+              </a:ext>
+            </a:extLst>
+          </p:cNvPr>
+          <p:cNvPicPr>
+            <a:picLocks noChangeAspect="1"/>
+          </p:cNvPicPr>
+          <p:nvPr/>
+        </p:nvPicPr>
+        <p:blipFill>
+          <a:blip r:embed="rId2"/>
+          <a:stretch>
+            <a:fillRect/>
+          </a:stretch>
+        </p:blipFill>
+        <p:spPr>
+          <a:xfrm>
+            <a:off x="1606162" y="1057748"/>
+            <a:ext cx="8590935" cy="4351775"/>
+          </a:xfrm>
+          <a:prstGeom prst="rect">
+            <a:avLst/>
+          </a:prstGeom>
+        </p:spPr>
+      </p:pic>
+    </p:spTree>
+    <p:extLst>
+      <p:ext uri="{BB962C8B-B14F-4D97-AF65-F5344CB8AC3E}">
+        <p14:creationId xmlns:p14="http://schemas.microsoft.com/office/powerpoint/2010/main" val="2873733604"/>
+      </p:ext>
+    </p:extLst>
+  </p:cSld>
+  <p:clrMapOvr>
+    <a:masterClrMapping/>
+  </p:clrMapOvr>
+</p:sld>
+</file>
+
+<file path=ppt/slides/slide27.xml><?xml version="1.0" encoding="utf-8"?>
+<p:sld xmlns:a="http://schemas.openxmlformats.org/drawingml/2006/main" xmlns:r="http://schemas.openxmlformats.org/officeDocument/2006/relationships" xmlns:p="http://schemas.openxmlformats.org/presentationml/2006/main">
+  <p:cSld>
+    <p:spTree>
+      <p:nvGrpSpPr>
+        <p:cNvPr id="1" name=""/>
+        <p:cNvGrpSpPr/>
+        <p:nvPr/>
+      </p:nvGrpSpPr>
+      <p:grpSpPr>
+        <a:xfrm>
+          <a:off x="0" y="0"/>
+          <a:ext cx="0" cy="0"/>
+          <a:chOff x="0" y="0"/>
+          <a:chExt cx="0" cy="0"/>
+        </a:xfrm>
+      </p:grpSpPr>
+      <p:pic>
+        <p:nvPicPr>
+          <p:cNvPr id="3" name="図 2">
+            <a:extLst>
+              <a:ext uri="{FF2B5EF4-FFF2-40B4-BE49-F238E27FC236}">
+                <a16:creationId xmlns:a16="http://schemas.microsoft.com/office/drawing/2014/main" id="{361359E3-5898-738F-D0D2-7DA8647893E8}"/>
+              </a:ext>
+            </a:extLst>
+          </p:cNvPr>
+          <p:cNvPicPr>
+            <a:picLocks noChangeAspect="1"/>
+          </p:cNvPicPr>
+          <p:nvPr/>
+        </p:nvPicPr>
+        <p:blipFill>
+          <a:blip r:embed="rId2"/>
+          <a:stretch>
+            <a:fillRect/>
+          </a:stretch>
+        </p:blipFill>
+        <p:spPr>
+          <a:xfrm>
+            <a:off x="4047213" y="1338084"/>
+            <a:ext cx="3751739" cy="3819035"/>
+          </a:xfrm>
+          <a:prstGeom prst="rect">
+            <a:avLst/>
+          </a:prstGeom>
+        </p:spPr>
+      </p:pic>
+      <p:sp>
+        <p:nvSpPr>
+          <p:cNvPr id="4" name="四角形: 角を丸くする 3">
+            <a:extLst>
+              <a:ext uri="{FF2B5EF4-FFF2-40B4-BE49-F238E27FC236}">
+                <a16:creationId xmlns:a16="http://schemas.microsoft.com/office/drawing/2014/main" id="{D15532D9-2B0B-E2E9-B7B6-3B8AC1FABE4F}"/>
+              </a:ext>
+            </a:extLst>
+          </p:cNvPr>
+          <p:cNvSpPr/>
+          <p:nvPr/>
+        </p:nvSpPr>
+        <p:spPr>
+          <a:xfrm>
+            <a:off x="4160864" y="3809925"/>
+            <a:ext cx="3638088" cy="1040372"/>
+          </a:xfrm>
+          <a:prstGeom prst="roundRect">
+            <a:avLst>
+              <a:gd name="adj" fmla="val 4167"/>
+            </a:avLst>
+          </a:prstGeom>
+          <a:noFill/>
+          <a:ln>
+            <a:solidFill>
+              <a:srgbClr val="FF6F61"/>
+            </a:solidFill>
+          </a:ln>
+        </p:spPr>
+        <p:style>
+          <a:lnRef idx="2">
+            <a:schemeClr val="accent1">
+              <a:shade val="50000"/>
+            </a:schemeClr>
+          </a:lnRef>
+          <a:fillRef idx="1">
+            <a:schemeClr val="accent1"/>
+          </a:fillRef>
+          <a:effectRef idx="0">
+            <a:schemeClr val="accent1"/>
+          </a:effectRef>
+          <a:fontRef idx="minor">
+            <a:schemeClr val="lt1"/>
+          </a:fontRef>
+        </p:style>
+        <p:txBody>
+          <a:bodyPr rtlCol="0" anchor="ctr"/>
+          <a:lstStyle/>
+          <a:p>
+            <a:pPr algn="ctr"/>
+            <a:endParaRPr kumimoji="1" lang="ja-JP" altLang="en-US"/>
+          </a:p>
+        </p:txBody>
+      </p:sp>
+    </p:spTree>
+    <p:extLst>
+      <p:ext uri="{BB962C8B-B14F-4D97-AF65-F5344CB8AC3E}">
+        <p14:creationId xmlns:p14="http://schemas.microsoft.com/office/powerpoint/2010/main" val="3711151650"/>
+      </p:ext>
+    </p:extLst>
+  </p:cSld>
+  <p:clrMapOvr>
+    <a:masterClrMapping/>
+  </p:clrMapOvr>
+</p:sld>
+</file>
+
+<file path=ppt/slides/slide28.xml><?xml version="1.0" encoding="utf-8"?>
+<p:sld xmlns:a="http://schemas.openxmlformats.org/drawingml/2006/main" xmlns:r="http://schemas.openxmlformats.org/officeDocument/2006/relationships" xmlns:p="http://schemas.openxmlformats.org/presentationml/2006/main">
+  <p:cSld>
+    <p:spTree>
+      <p:nvGrpSpPr>
+        <p:cNvPr id="1" name=""/>
+        <p:cNvGrpSpPr/>
+        <p:nvPr/>
+      </p:nvGrpSpPr>
+      <p:grpSpPr>
+        <a:xfrm>
+          <a:off x="0" y="0"/>
+          <a:ext cx="0" cy="0"/>
+          <a:chOff x="0" y="0"/>
+          <a:chExt cx="0" cy="0"/>
+        </a:xfrm>
+      </p:grpSpPr>
+      <p:pic>
+        <p:nvPicPr>
+          <p:cNvPr id="3" name="図 2">
+            <a:extLst>
+              <a:ext uri="{FF2B5EF4-FFF2-40B4-BE49-F238E27FC236}">
+                <a16:creationId xmlns:a16="http://schemas.microsoft.com/office/drawing/2014/main" id="{4307D6B1-46A9-2F68-4C48-8229227B008B}"/>
+              </a:ext>
+            </a:extLst>
+          </p:cNvPr>
+          <p:cNvPicPr>
+            <a:picLocks noChangeAspect="1"/>
+          </p:cNvPicPr>
+          <p:nvPr/>
+        </p:nvPicPr>
+        <p:blipFill rotWithShape="1">
+          <a:blip r:embed="rId2"/>
+          <a:srcRect b="29194"/>
+          <a:stretch/>
+        </p:blipFill>
+        <p:spPr>
+          <a:xfrm>
+            <a:off x="3260034" y="707456"/>
+            <a:ext cx="5033455" cy="3673713"/>
+          </a:xfrm>
+          <a:prstGeom prst="rect">
+            <a:avLst/>
+          </a:prstGeom>
+        </p:spPr>
+      </p:pic>
+      <p:sp>
+        <p:nvSpPr>
+          <p:cNvPr id="4" name="四角形: 角を丸くする 3">
+            <a:extLst>
+              <a:ext uri="{FF2B5EF4-FFF2-40B4-BE49-F238E27FC236}">
+                <a16:creationId xmlns:a16="http://schemas.microsoft.com/office/drawing/2014/main" id="{318BD2D8-639D-3FC9-D7DF-8C920653BEBA}"/>
+              </a:ext>
+            </a:extLst>
+          </p:cNvPr>
+          <p:cNvSpPr/>
+          <p:nvPr/>
+        </p:nvSpPr>
+        <p:spPr>
+          <a:xfrm>
+            <a:off x="6647291" y="3054552"/>
+            <a:ext cx="1485616" cy="308850"/>
+          </a:xfrm>
+          <a:prstGeom prst="roundRect">
+            <a:avLst>
+              <a:gd name="adj" fmla="val 4167"/>
+            </a:avLst>
+          </a:prstGeom>
+          <a:noFill/>
+          <a:ln>
+            <a:solidFill>
+              <a:srgbClr val="FF6F61"/>
+            </a:solidFill>
+          </a:ln>
+        </p:spPr>
+        <p:style>
+          <a:lnRef idx="2">
+            <a:schemeClr val="accent1">
+              <a:shade val="50000"/>
+            </a:schemeClr>
+          </a:lnRef>
+          <a:fillRef idx="1">
+            <a:schemeClr val="accent1"/>
+          </a:fillRef>
+          <a:effectRef idx="0">
+            <a:schemeClr val="accent1"/>
+          </a:effectRef>
+          <a:fontRef idx="minor">
+            <a:schemeClr val="lt1"/>
+          </a:fontRef>
+        </p:style>
+        <p:txBody>
+          <a:bodyPr rtlCol="0" anchor="ctr"/>
+          <a:lstStyle/>
+          <a:p>
+            <a:pPr algn="ctr"/>
+            <a:endParaRPr kumimoji="1" lang="ja-JP" altLang="en-US"/>
+          </a:p>
+        </p:txBody>
+      </p:sp>
+    </p:spTree>
+    <p:extLst>
+      <p:ext uri="{BB962C8B-B14F-4D97-AF65-F5344CB8AC3E}">
+        <p14:creationId xmlns:p14="http://schemas.microsoft.com/office/powerpoint/2010/main" val="549450800"/>
+      </p:ext>
+    </p:extLst>
+  </p:cSld>
+  <p:clrMapOvr>
+    <a:masterClrMapping/>
+  </p:clrMapOvr>
+</p:sld>
+</file>
+
+<file path=ppt/slides/slide29.xml><?xml version="1.0" encoding="utf-8"?>
+<p:sld xmlns:a="http://schemas.openxmlformats.org/drawingml/2006/main" xmlns:r="http://schemas.openxmlformats.org/officeDocument/2006/relationships" xmlns:p="http://schemas.openxmlformats.org/presentationml/2006/main">
+  <p:cSld>
+    <p:spTree>
+      <p:nvGrpSpPr>
+        <p:cNvPr id="1" name=""/>
+        <p:cNvGrpSpPr/>
+        <p:nvPr/>
+      </p:nvGrpSpPr>
+      <p:grpSpPr>
+        <a:xfrm>
+          <a:off x="0" y="0"/>
+          <a:ext cx="0" cy="0"/>
+          <a:chOff x="0" y="0"/>
+          <a:chExt cx="0" cy="0"/>
+        </a:xfrm>
+      </p:grpSpPr>
+      <p:pic>
+        <p:nvPicPr>
+          <p:cNvPr id="3" name="図 2">
+            <a:extLst>
+              <a:ext uri="{FF2B5EF4-FFF2-40B4-BE49-F238E27FC236}">
+                <a16:creationId xmlns:a16="http://schemas.microsoft.com/office/drawing/2014/main" id="{8919EEDE-6A00-2CE0-4B5E-52A081CEF568}"/>
+              </a:ext>
+            </a:extLst>
+          </p:cNvPr>
+          <p:cNvPicPr>
+            <a:picLocks noChangeAspect="1"/>
+          </p:cNvPicPr>
+          <p:nvPr/>
+        </p:nvPicPr>
+        <p:blipFill>
+          <a:blip r:embed="rId2"/>
+          <a:stretch>
+            <a:fillRect/>
+          </a:stretch>
+        </p:blipFill>
+        <p:spPr>
+          <a:xfrm>
+            <a:off x="1170711" y="1394315"/>
+            <a:ext cx="5481776" cy="3615785"/>
+          </a:xfrm>
+          <a:prstGeom prst="rect">
+            <a:avLst/>
+          </a:prstGeom>
+        </p:spPr>
+      </p:pic>
+      <p:pic>
+        <p:nvPicPr>
+          <p:cNvPr id="5" name="図 4">
+            <a:extLst>
+              <a:ext uri="{FF2B5EF4-FFF2-40B4-BE49-F238E27FC236}">
+                <a16:creationId xmlns:a16="http://schemas.microsoft.com/office/drawing/2014/main" id="{86A20561-F1F4-8CF5-DAF9-662A1A75FFDF}"/>
+              </a:ext>
+            </a:extLst>
+          </p:cNvPr>
+          <p:cNvPicPr>
+            <a:picLocks noChangeAspect="1"/>
+          </p:cNvPicPr>
+          <p:nvPr/>
+        </p:nvPicPr>
+        <p:blipFill>
+          <a:blip r:embed="rId3"/>
+          <a:stretch>
+            <a:fillRect/>
+          </a:stretch>
+        </p:blipFill>
+        <p:spPr>
+          <a:xfrm>
+            <a:off x="7204053" y="1264447"/>
+            <a:ext cx="2966447" cy="3875520"/>
+          </a:xfrm>
+          <a:prstGeom prst="rect">
+            <a:avLst/>
+          </a:prstGeom>
+        </p:spPr>
+      </p:pic>
+      <p:sp>
+        <p:nvSpPr>
+          <p:cNvPr id="6" name="四角形: 角を丸くする 5">
+            <a:extLst>
+              <a:ext uri="{FF2B5EF4-FFF2-40B4-BE49-F238E27FC236}">
+                <a16:creationId xmlns:a16="http://schemas.microsoft.com/office/drawing/2014/main" id="{1CB2656C-21F7-9D2E-BC95-3CA1F1329502}"/>
+              </a:ext>
+            </a:extLst>
+          </p:cNvPr>
+          <p:cNvSpPr/>
+          <p:nvPr/>
+        </p:nvSpPr>
+        <p:spPr>
+          <a:xfrm>
+            <a:off x="1407381" y="1519950"/>
+            <a:ext cx="1152939" cy="189580"/>
+          </a:xfrm>
+          <a:prstGeom prst="roundRect">
+            <a:avLst>
+              <a:gd name="adj" fmla="val 4167"/>
+            </a:avLst>
+          </a:prstGeom>
+          <a:noFill/>
+          <a:ln>
+            <a:solidFill>
+              <a:srgbClr val="FF6F61"/>
+            </a:solidFill>
+          </a:ln>
+        </p:spPr>
+        <p:style>
+          <a:lnRef idx="2">
+            <a:schemeClr val="accent1">
+              <a:shade val="50000"/>
+            </a:schemeClr>
+          </a:lnRef>
+          <a:fillRef idx="1">
+            <a:schemeClr val="accent1"/>
+          </a:fillRef>
+          <a:effectRef idx="0">
+            <a:schemeClr val="accent1"/>
+          </a:effectRef>
+          <a:fontRef idx="minor">
+            <a:schemeClr val="lt1"/>
+          </a:fontRef>
+        </p:style>
+        <p:txBody>
+          <a:bodyPr rtlCol="0" anchor="ctr"/>
+          <a:lstStyle/>
+          <a:p>
+            <a:pPr algn="ctr"/>
+            <a:endParaRPr kumimoji="1" lang="ja-JP" altLang="en-US"/>
+          </a:p>
+        </p:txBody>
+      </p:sp>
+      <p:sp>
+        <p:nvSpPr>
+          <p:cNvPr id="7" name="四角形: 角を丸くする 6">
+            <a:extLst>
+              <a:ext uri="{FF2B5EF4-FFF2-40B4-BE49-F238E27FC236}">
+                <a16:creationId xmlns:a16="http://schemas.microsoft.com/office/drawing/2014/main" id="{027E350D-59F3-A14C-B8C5-DF779D5B5A3D}"/>
+              </a:ext>
+            </a:extLst>
+          </p:cNvPr>
+          <p:cNvSpPr/>
+          <p:nvPr/>
+        </p:nvSpPr>
+        <p:spPr>
+          <a:xfrm>
+            <a:off x="1090655" y="3517051"/>
+            <a:ext cx="2551042" cy="402941"/>
+          </a:xfrm>
+          <a:prstGeom prst="roundRect">
+            <a:avLst>
+              <a:gd name="adj" fmla="val 4167"/>
+            </a:avLst>
+          </a:prstGeom>
+          <a:noFill/>
+          <a:ln>
+            <a:solidFill>
+              <a:srgbClr val="FF6F61"/>
+            </a:solidFill>
+          </a:ln>
+        </p:spPr>
+        <p:style>
+          <a:lnRef idx="2">
+            <a:schemeClr val="accent1">
+              <a:shade val="50000"/>
+            </a:schemeClr>
+          </a:lnRef>
+          <a:fillRef idx="1">
+            <a:schemeClr val="accent1"/>
+          </a:fillRef>
+          <a:effectRef idx="0">
+            <a:schemeClr val="accent1"/>
+          </a:effectRef>
+          <a:fontRef idx="minor">
+            <a:schemeClr val="lt1"/>
+          </a:fontRef>
+        </p:style>
+        <p:txBody>
+          <a:bodyPr rtlCol="0" anchor="ctr"/>
+          <a:lstStyle/>
+          <a:p>
+            <a:pPr algn="ctr"/>
+            <a:endParaRPr kumimoji="1" lang="ja-JP" altLang="en-US"/>
+          </a:p>
+        </p:txBody>
+      </p:sp>
+      <p:sp>
+        <p:nvSpPr>
+          <p:cNvPr id="8" name="四角形: 角を丸くする 7">
+            <a:extLst>
+              <a:ext uri="{FF2B5EF4-FFF2-40B4-BE49-F238E27FC236}">
+                <a16:creationId xmlns:a16="http://schemas.microsoft.com/office/drawing/2014/main" id="{C0AEBEBB-FF37-60F5-6259-24452B7114C1}"/>
+              </a:ext>
+            </a:extLst>
+          </p:cNvPr>
+          <p:cNvSpPr/>
+          <p:nvPr/>
+        </p:nvSpPr>
+        <p:spPr>
+          <a:xfrm>
+            <a:off x="1090655" y="4062104"/>
+            <a:ext cx="2551042" cy="493993"/>
+          </a:xfrm>
+          <a:prstGeom prst="roundRect">
+            <a:avLst>
+              <a:gd name="adj" fmla="val 4167"/>
+            </a:avLst>
+          </a:prstGeom>
+          <a:noFill/>
+          <a:ln>
+            <a:solidFill>
+              <a:srgbClr val="FF6F61"/>
+            </a:solidFill>
+          </a:ln>
+        </p:spPr>
+        <p:style>
+          <a:lnRef idx="2">
+            <a:schemeClr val="accent1">
+              <a:shade val="50000"/>
+            </a:schemeClr>
+          </a:lnRef>
+          <a:fillRef idx="1">
+            <a:schemeClr val="accent1"/>
+          </a:fillRef>
+          <a:effectRef idx="0">
+            <a:schemeClr val="accent1"/>
+          </a:effectRef>
+          <a:fontRef idx="minor">
+            <a:schemeClr val="lt1"/>
+          </a:fontRef>
+        </p:style>
+        <p:txBody>
+          <a:bodyPr rtlCol="0" anchor="ctr"/>
+          <a:lstStyle/>
+          <a:p>
+            <a:pPr algn="ctr"/>
+            <a:endParaRPr kumimoji="1" lang="ja-JP" altLang="en-US"/>
+          </a:p>
+        </p:txBody>
+      </p:sp>
+      <p:sp>
+        <p:nvSpPr>
+          <p:cNvPr id="9" name="四角形: 角を丸くする 8">
+            <a:extLst>
+              <a:ext uri="{FF2B5EF4-FFF2-40B4-BE49-F238E27FC236}">
+                <a16:creationId xmlns:a16="http://schemas.microsoft.com/office/drawing/2014/main" id="{CC0C64D2-E1E8-B086-5026-D46D3DA54591}"/>
+              </a:ext>
+            </a:extLst>
+          </p:cNvPr>
+          <p:cNvSpPr/>
+          <p:nvPr/>
+        </p:nvSpPr>
+        <p:spPr>
+          <a:xfrm>
+            <a:off x="7293998" y="3270054"/>
+            <a:ext cx="2876502" cy="1198579"/>
+          </a:xfrm>
+          <a:prstGeom prst="roundRect">
+            <a:avLst>
+              <a:gd name="adj" fmla="val 4167"/>
+            </a:avLst>
+          </a:prstGeom>
+          <a:noFill/>
+          <a:ln>
+            <a:solidFill>
+              <a:srgbClr val="FF6F61"/>
+            </a:solidFill>
+          </a:ln>
+        </p:spPr>
+        <p:style>
+          <a:lnRef idx="2">
+            <a:schemeClr val="accent1">
+              <a:shade val="50000"/>
+            </a:schemeClr>
+          </a:lnRef>
+          <a:fillRef idx="1">
+            <a:schemeClr val="accent1"/>
+          </a:fillRef>
+          <a:effectRef idx="0">
+            <a:schemeClr val="accent1"/>
+          </a:effectRef>
+          <a:fontRef idx="minor">
+            <a:schemeClr val="lt1"/>
+          </a:fontRef>
+        </p:style>
+        <p:txBody>
+          <a:bodyPr rtlCol="0" anchor="ctr"/>
+          <a:lstStyle/>
+          <a:p>
+            <a:pPr algn="ctr"/>
+            <a:endParaRPr kumimoji="1" lang="ja-JP" altLang="en-US"/>
+          </a:p>
+        </p:txBody>
+      </p:sp>
+    </p:spTree>
+    <p:extLst>
+      <p:ext uri="{BB962C8B-B14F-4D97-AF65-F5344CB8AC3E}">
+        <p14:creationId xmlns:p14="http://schemas.microsoft.com/office/powerpoint/2010/main" val="3245997486"/>
       </p:ext>
     </p:extLst>
   </p:cSld>
@@ -9338,6 +11545,701 @@
     <p:extLst>
       <p:ext uri="{BB962C8B-B14F-4D97-AF65-F5344CB8AC3E}">
         <p14:creationId xmlns:p14="http://schemas.microsoft.com/office/powerpoint/2010/main" val="3053063929"/>
+      </p:ext>
+    </p:extLst>
+  </p:cSld>
+  <p:clrMapOvr>
+    <a:masterClrMapping/>
+  </p:clrMapOvr>
+</p:sld>
+</file>
+
+<file path=ppt/slides/slide30.xml><?xml version="1.0" encoding="utf-8"?>
+<p:sld xmlns:a="http://schemas.openxmlformats.org/drawingml/2006/main" xmlns:r="http://schemas.openxmlformats.org/officeDocument/2006/relationships" xmlns:p="http://schemas.openxmlformats.org/presentationml/2006/main">
+  <p:cSld>
+    <p:spTree>
+      <p:nvGrpSpPr>
+        <p:cNvPr id="1" name=""/>
+        <p:cNvGrpSpPr/>
+        <p:nvPr/>
+      </p:nvGrpSpPr>
+      <p:grpSpPr>
+        <a:xfrm>
+          <a:off x="0" y="0"/>
+          <a:ext cx="0" cy="0"/>
+          <a:chOff x="0" y="0"/>
+          <a:chExt cx="0" cy="0"/>
+        </a:xfrm>
+      </p:grpSpPr>
+      <p:pic>
+        <p:nvPicPr>
+          <p:cNvPr id="3" name="図 2">
+            <a:extLst>
+              <a:ext uri="{FF2B5EF4-FFF2-40B4-BE49-F238E27FC236}">
+                <a16:creationId xmlns:a16="http://schemas.microsoft.com/office/drawing/2014/main" id="{138DD4B1-7F82-EDA8-5922-B8E5AB69EFEB}"/>
+              </a:ext>
+            </a:extLst>
+          </p:cNvPr>
+          <p:cNvPicPr>
+            <a:picLocks noChangeAspect="1"/>
+          </p:cNvPicPr>
+          <p:nvPr/>
+        </p:nvPicPr>
+        <p:blipFill rotWithShape="1">
+          <a:blip r:embed="rId2"/>
+          <a:srcRect l="317" r="1"/>
+          <a:stretch/>
+        </p:blipFill>
+        <p:spPr>
+          <a:xfrm>
+            <a:off x="1749288" y="1212402"/>
+            <a:ext cx="3069203" cy="3389910"/>
+          </a:xfrm>
+          <a:prstGeom prst="rect">
+            <a:avLst/>
+          </a:prstGeom>
+        </p:spPr>
+      </p:pic>
+      <p:pic>
+        <p:nvPicPr>
+          <p:cNvPr id="5" name="図 4">
+            <a:extLst>
+              <a:ext uri="{FF2B5EF4-FFF2-40B4-BE49-F238E27FC236}">
+                <a16:creationId xmlns:a16="http://schemas.microsoft.com/office/drawing/2014/main" id="{ADFB8E3B-8E04-1B31-A06F-A581CF246709}"/>
+              </a:ext>
+            </a:extLst>
+          </p:cNvPr>
+          <p:cNvPicPr>
+            <a:picLocks noChangeAspect="1"/>
+          </p:cNvPicPr>
+          <p:nvPr/>
+        </p:nvPicPr>
+        <p:blipFill>
+          <a:blip r:embed="rId3"/>
+          <a:stretch>
+            <a:fillRect/>
+          </a:stretch>
+        </p:blipFill>
+        <p:spPr>
+          <a:xfrm>
+            <a:off x="6270929" y="1371427"/>
+            <a:ext cx="3405077" cy="2828717"/>
+          </a:xfrm>
+          <a:prstGeom prst="rect">
+            <a:avLst/>
+          </a:prstGeom>
+        </p:spPr>
+      </p:pic>
+      <p:cxnSp>
+        <p:nvCxnSpPr>
+          <p:cNvPr id="6" name="直線矢印コネクタ 24">
+            <a:extLst>
+              <a:ext uri="{FF2B5EF4-FFF2-40B4-BE49-F238E27FC236}">
+                <a16:creationId xmlns:a16="http://schemas.microsoft.com/office/drawing/2014/main" id="{21A045BB-14FC-55A7-29BC-DF35673B0001}"/>
+              </a:ext>
+            </a:extLst>
+          </p:cNvPr>
+          <p:cNvCxnSpPr>
+            <a:cxnSpLocks/>
+          </p:cNvCxnSpPr>
+          <p:nvPr/>
+        </p:nvCxnSpPr>
+        <p:spPr>
+          <a:xfrm flipV="1">
+            <a:off x="2655736" y="1693628"/>
+            <a:ext cx="3721210" cy="254442"/>
+          </a:xfrm>
+          <a:prstGeom prst="straightConnector1">
+            <a:avLst/>
+          </a:prstGeom>
+          <a:ln w="12700">
+            <a:solidFill>
+              <a:srgbClr val="FF6F61"/>
+            </a:solidFill>
+            <a:tailEnd type="triangle"/>
+          </a:ln>
+        </p:spPr>
+        <p:style>
+          <a:lnRef idx="1">
+            <a:schemeClr val="accent1"/>
+          </a:lnRef>
+          <a:fillRef idx="0">
+            <a:schemeClr val="accent1"/>
+          </a:fillRef>
+          <a:effectRef idx="0">
+            <a:schemeClr val="accent1"/>
+          </a:effectRef>
+          <a:fontRef idx="minor">
+            <a:schemeClr val="tx1"/>
+          </a:fontRef>
+        </p:style>
+      </p:cxnSp>
+      <p:cxnSp>
+        <p:nvCxnSpPr>
+          <p:cNvPr id="10" name="直線矢印コネクタ 24">
+            <a:extLst>
+              <a:ext uri="{FF2B5EF4-FFF2-40B4-BE49-F238E27FC236}">
+                <a16:creationId xmlns:a16="http://schemas.microsoft.com/office/drawing/2014/main" id="{4D7B30D3-E67A-7783-871D-2B3DC1C108E3}"/>
+              </a:ext>
+            </a:extLst>
+          </p:cNvPr>
+          <p:cNvCxnSpPr>
+            <a:cxnSpLocks/>
+          </p:cNvCxnSpPr>
+          <p:nvPr/>
+        </p:nvCxnSpPr>
+        <p:spPr>
+          <a:xfrm flipV="1">
+            <a:off x="4238045" y="3729162"/>
+            <a:ext cx="3466769" cy="373711"/>
+          </a:xfrm>
+          <a:prstGeom prst="straightConnector1">
+            <a:avLst/>
+          </a:prstGeom>
+          <a:ln w="12700">
+            <a:solidFill>
+              <a:srgbClr val="FF6F61"/>
+            </a:solidFill>
+            <a:tailEnd type="triangle"/>
+          </a:ln>
+        </p:spPr>
+        <p:style>
+          <a:lnRef idx="1">
+            <a:schemeClr val="accent1"/>
+          </a:lnRef>
+          <a:fillRef idx="0">
+            <a:schemeClr val="accent1"/>
+          </a:fillRef>
+          <a:effectRef idx="0">
+            <a:schemeClr val="accent1"/>
+          </a:effectRef>
+          <a:fontRef idx="minor">
+            <a:schemeClr val="tx1"/>
+          </a:fontRef>
+        </p:style>
+      </p:cxnSp>
+      <p:cxnSp>
+        <p:nvCxnSpPr>
+          <p:cNvPr id="13" name="直線矢印コネクタ 24">
+            <a:extLst>
+              <a:ext uri="{FF2B5EF4-FFF2-40B4-BE49-F238E27FC236}">
+                <a16:creationId xmlns:a16="http://schemas.microsoft.com/office/drawing/2014/main" id="{66127B51-89B7-DCC8-39C6-2B25A1AAC7E7}"/>
+              </a:ext>
+            </a:extLst>
+          </p:cNvPr>
+          <p:cNvCxnSpPr>
+            <a:cxnSpLocks/>
+          </p:cNvCxnSpPr>
+          <p:nvPr/>
+        </p:nvCxnSpPr>
+        <p:spPr>
+          <a:xfrm flipV="1">
+            <a:off x="4142629" y="2785785"/>
+            <a:ext cx="2305879" cy="1076435"/>
+          </a:xfrm>
+          <a:prstGeom prst="straightConnector1">
+            <a:avLst/>
+          </a:prstGeom>
+          <a:ln w="12700">
+            <a:solidFill>
+              <a:srgbClr val="FF6F61"/>
+            </a:solidFill>
+            <a:tailEnd type="triangle"/>
+          </a:ln>
+        </p:spPr>
+        <p:style>
+          <a:lnRef idx="1">
+            <a:schemeClr val="accent1"/>
+          </a:lnRef>
+          <a:fillRef idx="0">
+            <a:schemeClr val="accent1"/>
+          </a:fillRef>
+          <a:effectRef idx="0">
+            <a:schemeClr val="accent1"/>
+          </a:effectRef>
+          <a:fontRef idx="minor">
+            <a:schemeClr val="tx1"/>
+          </a:fontRef>
+        </p:style>
+      </p:cxnSp>
+    </p:spTree>
+    <p:extLst>
+      <p:ext uri="{BB962C8B-B14F-4D97-AF65-F5344CB8AC3E}">
+        <p14:creationId xmlns:p14="http://schemas.microsoft.com/office/powerpoint/2010/main" val="604382118"/>
+      </p:ext>
+    </p:extLst>
+  </p:cSld>
+  <p:clrMapOvr>
+    <a:masterClrMapping/>
+  </p:clrMapOvr>
+</p:sld>
+</file>
+
+<file path=ppt/slides/slide31.xml><?xml version="1.0" encoding="utf-8"?>
+<p:sld xmlns:a="http://schemas.openxmlformats.org/drawingml/2006/main" xmlns:r="http://schemas.openxmlformats.org/officeDocument/2006/relationships" xmlns:p="http://schemas.openxmlformats.org/presentationml/2006/main">
+  <p:cSld>
+    <p:spTree>
+      <p:nvGrpSpPr>
+        <p:cNvPr id="1" name=""/>
+        <p:cNvGrpSpPr/>
+        <p:nvPr/>
+      </p:nvGrpSpPr>
+      <p:grpSpPr>
+        <a:xfrm>
+          <a:off x="0" y="0"/>
+          <a:ext cx="0" cy="0"/>
+          <a:chOff x="0" y="0"/>
+          <a:chExt cx="0" cy="0"/>
+        </a:xfrm>
+      </p:grpSpPr>
+      <p:pic>
+        <p:nvPicPr>
+          <p:cNvPr id="5" name="図 4">
+            <a:extLst>
+              <a:ext uri="{FF2B5EF4-FFF2-40B4-BE49-F238E27FC236}">
+                <a16:creationId xmlns:a16="http://schemas.microsoft.com/office/drawing/2014/main" id="{1D8158B2-FCE8-0136-F021-8B18025B4E63}"/>
+              </a:ext>
+            </a:extLst>
+          </p:cNvPr>
+          <p:cNvPicPr>
+            <a:picLocks noChangeAspect="1"/>
+          </p:cNvPicPr>
+          <p:nvPr/>
+        </p:nvPicPr>
+        <p:blipFill>
+          <a:blip r:embed="rId2"/>
+          <a:stretch>
+            <a:fillRect/>
+          </a:stretch>
+        </p:blipFill>
+        <p:spPr>
+          <a:xfrm>
+            <a:off x="6861312" y="501115"/>
+            <a:ext cx="3375991" cy="2399395"/>
+          </a:xfrm>
+          <a:prstGeom prst="rect">
+            <a:avLst/>
+          </a:prstGeom>
+        </p:spPr>
+      </p:pic>
+      <p:pic>
+        <p:nvPicPr>
+          <p:cNvPr id="7" name="図 6">
+            <a:extLst>
+              <a:ext uri="{FF2B5EF4-FFF2-40B4-BE49-F238E27FC236}">
+                <a16:creationId xmlns:a16="http://schemas.microsoft.com/office/drawing/2014/main" id="{3E737F46-1EAE-14BD-5025-B1AEEBF0308B}"/>
+              </a:ext>
+            </a:extLst>
+          </p:cNvPr>
+          <p:cNvPicPr>
+            <a:picLocks noChangeAspect="1"/>
+          </p:cNvPicPr>
+          <p:nvPr/>
+        </p:nvPicPr>
+        <p:blipFill>
+          <a:blip r:embed="rId3"/>
+          <a:stretch>
+            <a:fillRect/>
+          </a:stretch>
+        </p:blipFill>
+        <p:spPr>
+          <a:xfrm>
+            <a:off x="6861311" y="3224435"/>
+            <a:ext cx="3375991" cy="3132450"/>
+          </a:xfrm>
+          <a:prstGeom prst="rect">
+            <a:avLst/>
+          </a:prstGeom>
+        </p:spPr>
+      </p:pic>
+      <p:pic>
+        <p:nvPicPr>
+          <p:cNvPr id="12" name="図 11">
+            <a:extLst>
+              <a:ext uri="{FF2B5EF4-FFF2-40B4-BE49-F238E27FC236}">
+                <a16:creationId xmlns:a16="http://schemas.microsoft.com/office/drawing/2014/main" id="{089A0DAE-C541-96A7-5BDF-AD58D369F31B}"/>
+              </a:ext>
+            </a:extLst>
+          </p:cNvPr>
+          <p:cNvPicPr>
+            <a:picLocks noChangeAspect="1"/>
+          </p:cNvPicPr>
+          <p:nvPr/>
+        </p:nvPicPr>
+        <p:blipFill>
+          <a:blip r:embed="rId4"/>
+          <a:stretch>
+            <a:fillRect/>
+          </a:stretch>
+        </p:blipFill>
+        <p:spPr>
+          <a:xfrm>
+            <a:off x="2382639" y="1558868"/>
+            <a:ext cx="3159104" cy="3331134"/>
+          </a:xfrm>
+          <a:prstGeom prst="rect">
+            <a:avLst/>
+          </a:prstGeom>
+        </p:spPr>
+      </p:pic>
+      <p:cxnSp>
+        <p:nvCxnSpPr>
+          <p:cNvPr id="13" name="直線矢印コネクタ 24">
+            <a:extLst>
+              <a:ext uri="{FF2B5EF4-FFF2-40B4-BE49-F238E27FC236}">
+                <a16:creationId xmlns:a16="http://schemas.microsoft.com/office/drawing/2014/main" id="{A35BF8E0-227C-3C04-AF7B-7D995A804C59}"/>
+              </a:ext>
+            </a:extLst>
+          </p:cNvPr>
+          <p:cNvCxnSpPr>
+            <a:cxnSpLocks/>
+          </p:cNvCxnSpPr>
+          <p:nvPr/>
+        </p:nvCxnSpPr>
+        <p:spPr>
+          <a:xfrm flipV="1">
+            <a:off x="2792896" y="844826"/>
+            <a:ext cx="4134678" cy="1848678"/>
+          </a:xfrm>
+          <a:prstGeom prst="bentConnector3">
+            <a:avLst>
+              <a:gd name="adj1" fmla="val -16346"/>
+            </a:avLst>
+          </a:prstGeom>
+          <a:ln w="12700">
+            <a:solidFill>
+              <a:srgbClr val="FF6F61"/>
+            </a:solidFill>
+            <a:tailEnd type="triangle"/>
+          </a:ln>
+        </p:spPr>
+        <p:style>
+          <a:lnRef idx="1">
+            <a:schemeClr val="accent1"/>
+          </a:lnRef>
+          <a:fillRef idx="0">
+            <a:schemeClr val="accent1"/>
+          </a:fillRef>
+          <a:effectRef idx="0">
+            <a:schemeClr val="accent1"/>
+          </a:effectRef>
+          <a:fontRef idx="minor">
+            <a:schemeClr val="tx1"/>
+          </a:fontRef>
+        </p:style>
+      </p:cxnSp>
+      <p:cxnSp>
+        <p:nvCxnSpPr>
+          <p:cNvPr id="16" name="直線矢印コネクタ 24">
+            <a:extLst>
+              <a:ext uri="{FF2B5EF4-FFF2-40B4-BE49-F238E27FC236}">
+                <a16:creationId xmlns:a16="http://schemas.microsoft.com/office/drawing/2014/main" id="{299719DB-D30D-6029-E2B7-A730C84FD6A8}"/>
+              </a:ext>
+            </a:extLst>
+          </p:cNvPr>
+          <p:cNvCxnSpPr>
+            <a:cxnSpLocks/>
+          </p:cNvCxnSpPr>
+          <p:nvPr/>
+        </p:nvCxnSpPr>
+        <p:spPr>
+          <a:xfrm>
+            <a:off x="3466420" y="2435087"/>
+            <a:ext cx="4780722" cy="0"/>
+          </a:xfrm>
+          <a:prstGeom prst="straightConnector1">
+            <a:avLst/>
+          </a:prstGeom>
+          <a:ln w="12700">
+            <a:solidFill>
+              <a:schemeClr val="accent1"/>
+            </a:solidFill>
+            <a:tailEnd type="triangle"/>
+          </a:ln>
+        </p:spPr>
+        <p:style>
+          <a:lnRef idx="1">
+            <a:schemeClr val="accent1"/>
+          </a:lnRef>
+          <a:fillRef idx="0">
+            <a:schemeClr val="accent1"/>
+          </a:fillRef>
+          <a:effectRef idx="0">
+            <a:schemeClr val="accent1"/>
+          </a:effectRef>
+          <a:fontRef idx="minor">
+            <a:schemeClr val="tx1"/>
+          </a:fontRef>
+        </p:style>
+      </p:cxnSp>
+      <p:cxnSp>
+        <p:nvCxnSpPr>
+          <p:cNvPr id="28" name="直線矢印コネクタ 24">
+            <a:extLst>
+              <a:ext uri="{FF2B5EF4-FFF2-40B4-BE49-F238E27FC236}">
+                <a16:creationId xmlns:a16="http://schemas.microsoft.com/office/drawing/2014/main" id="{D37C85CE-19CE-BF25-D62E-FDBBE605F989}"/>
+              </a:ext>
+            </a:extLst>
+          </p:cNvPr>
+          <p:cNvCxnSpPr>
+            <a:cxnSpLocks/>
+          </p:cNvCxnSpPr>
+          <p:nvPr/>
+        </p:nvCxnSpPr>
+        <p:spPr>
+          <a:xfrm>
+            <a:off x="3178185" y="2693504"/>
+            <a:ext cx="5068957" cy="3150705"/>
+          </a:xfrm>
+          <a:prstGeom prst="straightConnector1">
+            <a:avLst/>
+          </a:prstGeom>
+          <a:ln w="12700">
+            <a:solidFill>
+              <a:schemeClr val="accent1"/>
+            </a:solidFill>
+            <a:tailEnd type="triangle"/>
+          </a:ln>
+        </p:spPr>
+        <p:style>
+          <a:lnRef idx="1">
+            <a:schemeClr val="accent1"/>
+          </a:lnRef>
+          <a:fillRef idx="0">
+            <a:schemeClr val="accent1"/>
+          </a:fillRef>
+          <a:effectRef idx="0">
+            <a:schemeClr val="accent1"/>
+          </a:effectRef>
+          <a:fontRef idx="minor">
+            <a:schemeClr val="tx1"/>
+          </a:fontRef>
+        </p:style>
+      </p:cxnSp>
+      <p:cxnSp>
+        <p:nvCxnSpPr>
+          <p:cNvPr id="31" name="直線矢印コネクタ 24">
+            <a:extLst>
+              <a:ext uri="{FF2B5EF4-FFF2-40B4-BE49-F238E27FC236}">
+                <a16:creationId xmlns:a16="http://schemas.microsoft.com/office/drawing/2014/main" id="{0945371C-C68D-EF64-F0D9-A77AB326DD75}"/>
+              </a:ext>
+            </a:extLst>
+          </p:cNvPr>
+          <p:cNvCxnSpPr>
+            <a:cxnSpLocks/>
+          </p:cNvCxnSpPr>
+          <p:nvPr/>
+        </p:nvCxnSpPr>
+        <p:spPr>
+          <a:xfrm>
+            <a:off x="2792896" y="2817719"/>
+            <a:ext cx="4134678" cy="796833"/>
+          </a:xfrm>
+          <a:prstGeom prst="bentConnector3">
+            <a:avLst>
+              <a:gd name="adj1" fmla="val -16587"/>
+            </a:avLst>
+          </a:prstGeom>
+          <a:ln w="12700">
+            <a:solidFill>
+              <a:srgbClr val="FF6F61"/>
+            </a:solidFill>
+            <a:tailEnd type="triangle"/>
+          </a:ln>
+        </p:spPr>
+        <p:style>
+          <a:lnRef idx="1">
+            <a:schemeClr val="accent1"/>
+          </a:lnRef>
+          <a:fillRef idx="0">
+            <a:schemeClr val="accent1"/>
+          </a:fillRef>
+          <a:effectRef idx="0">
+            <a:schemeClr val="accent1"/>
+          </a:effectRef>
+          <a:fontRef idx="minor">
+            <a:schemeClr val="tx1"/>
+          </a:fontRef>
+        </p:style>
+      </p:cxnSp>
+    </p:spTree>
+    <p:extLst>
+      <p:ext uri="{BB962C8B-B14F-4D97-AF65-F5344CB8AC3E}">
+        <p14:creationId xmlns:p14="http://schemas.microsoft.com/office/powerpoint/2010/main" val="561086372"/>
+      </p:ext>
+    </p:extLst>
+  </p:cSld>
+  <p:clrMapOvr>
+    <a:masterClrMapping/>
+  </p:clrMapOvr>
+</p:sld>
+</file>
+
+<file path=ppt/slides/slide32.xml><?xml version="1.0" encoding="utf-8"?>
+<p:sld xmlns:a="http://schemas.openxmlformats.org/drawingml/2006/main" xmlns:r="http://schemas.openxmlformats.org/officeDocument/2006/relationships" xmlns:p="http://schemas.openxmlformats.org/presentationml/2006/main">
+  <p:cSld>
+    <p:spTree>
+      <p:nvGrpSpPr>
+        <p:cNvPr id="1" name=""/>
+        <p:cNvGrpSpPr/>
+        <p:nvPr/>
+      </p:nvGrpSpPr>
+      <p:grpSpPr>
+        <a:xfrm>
+          <a:off x="0" y="0"/>
+          <a:ext cx="0" cy="0"/>
+          <a:chOff x="0" y="0"/>
+          <a:chExt cx="0" cy="0"/>
+        </a:xfrm>
+      </p:grpSpPr>
+      <p:pic>
+        <p:nvPicPr>
+          <p:cNvPr id="3" name="図 2">
+            <a:extLst>
+              <a:ext uri="{FF2B5EF4-FFF2-40B4-BE49-F238E27FC236}">
+                <a16:creationId xmlns:a16="http://schemas.microsoft.com/office/drawing/2014/main" id="{DEF4256A-30E7-D22A-DC71-AE9DB7318093}"/>
+              </a:ext>
+            </a:extLst>
+          </p:cNvPr>
+          <p:cNvPicPr>
+            <a:picLocks noChangeAspect="1"/>
+          </p:cNvPicPr>
+          <p:nvPr/>
+        </p:nvPicPr>
+        <p:blipFill>
+          <a:blip r:embed="rId2"/>
+          <a:stretch>
+            <a:fillRect/>
+          </a:stretch>
+        </p:blipFill>
+        <p:spPr>
+          <a:xfrm>
+            <a:off x="2928495" y="1790471"/>
+            <a:ext cx="6335009" cy="3277057"/>
+          </a:xfrm>
+          <a:prstGeom prst="rect">
+            <a:avLst/>
+          </a:prstGeom>
+        </p:spPr>
+      </p:pic>
+    </p:spTree>
+    <p:extLst>
+      <p:ext uri="{BB962C8B-B14F-4D97-AF65-F5344CB8AC3E}">
+        <p14:creationId xmlns:p14="http://schemas.microsoft.com/office/powerpoint/2010/main" val="3377177689"/>
+      </p:ext>
+    </p:extLst>
+  </p:cSld>
+  <p:clrMapOvr>
+    <a:masterClrMapping/>
+  </p:clrMapOvr>
+</p:sld>
+</file>
+
+<file path=ppt/slides/slide33.xml><?xml version="1.0" encoding="utf-8"?>
+<p:sld xmlns:a="http://schemas.openxmlformats.org/drawingml/2006/main" xmlns:r="http://schemas.openxmlformats.org/officeDocument/2006/relationships" xmlns:p="http://schemas.openxmlformats.org/presentationml/2006/main">
+  <p:cSld>
+    <p:spTree>
+      <p:nvGrpSpPr>
+        <p:cNvPr id="1" name=""/>
+        <p:cNvGrpSpPr/>
+        <p:nvPr/>
+      </p:nvGrpSpPr>
+      <p:grpSpPr>
+        <a:xfrm>
+          <a:off x="0" y="0"/>
+          <a:ext cx="0" cy="0"/>
+          <a:chOff x="0" y="0"/>
+          <a:chExt cx="0" cy="0"/>
+        </a:xfrm>
+      </p:grpSpPr>
+      <p:pic>
+        <p:nvPicPr>
+          <p:cNvPr id="6" name="図 5">
+            <a:extLst>
+              <a:ext uri="{FF2B5EF4-FFF2-40B4-BE49-F238E27FC236}">
+                <a16:creationId xmlns:a16="http://schemas.microsoft.com/office/drawing/2014/main" id="{DFDE22D0-D8B0-292F-1EF3-7035446A220D}"/>
+              </a:ext>
+            </a:extLst>
+          </p:cNvPr>
+          <p:cNvPicPr>
+            <a:picLocks noChangeAspect="1"/>
+          </p:cNvPicPr>
+          <p:nvPr/>
+        </p:nvPicPr>
+        <p:blipFill>
+          <a:blip r:embed="rId2"/>
+          <a:stretch>
+            <a:fillRect/>
+          </a:stretch>
+        </p:blipFill>
+        <p:spPr>
+          <a:xfrm>
+            <a:off x="3971628" y="1690445"/>
+            <a:ext cx="4248743" cy="3477110"/>
+          </a:xfrm>
+          <a:prstGeom prst="rect">
+            <a:avLst/>
+          </a:prstGeom>
+        </p:spPr>
+      </p:pic>
+      <p:sp>
+        <p:nvSpPr>
+          <p:cNvPr id="4" name="四角形: 角を丸くする 3">
+            <a:extLst>
+              <a:ext uri="{FF2B5EF4-FFF2-40B4-BE49-F238E27FC236}">
+                <a16:creationId xmlns:a16="http://schemas.microsoft.com/office/drawing/2014/main" id="{A1D0EA3F-A925-3FEE-B054-E993D9AF3449}"/>
+              </a:ext>
+            </a:extLst>
+          </p:cNvPr>
+          <p:cNvSpPr/>
+          <p:nvPr/>
+        </p:nvSpPr>
+        <p:spPr>
+          <a:xfrm>
+            <a:off x="4019457" y="3776681"/>
+            <a:ext cx="4248744" cy="399903"/>
+          </a:xfrm>
+          <a:prstGeom prst="roundRect">
+            <a:avLst>
+              <a:gd name="adj" fmla="val 4167"/>
+            </a:avLst>
+          </a:prstGeom>
+          <a:noFill/>
+          <a:ln>
+            <a:solidFill>
+              <a:srgbClr val="FF6F61"/>
+            </a:solidFill>
+          </a:ln>
+        </p:spPr>
+        <p:style>
+          <a:lnRef idx="2">
+            <a:schemeClr val="accent1">
+              <a:shade val="50000"/>
+            </a:schemeClr>
+          </a:lnRef>
+          <a:fillRef idx="1">
+            <a:schemeClr val="accent1"/>
+          </a:fillRef>
+          <a:effectRef idx="0">
+            <a:schemeClr val="accent1"/>
+          </a:effectRef>
+          <a:fontRef idx="minor">
+            <a:schemeClr val="lt1"/>
+          </a:fontRef>
+        </p:style>
+        <p:txBody>
+          <a:bodyPr rtlCol="0" anchor="ctr"/>
+          <a:lstStyle/>
+          <a:p>
+            <a:pPr algn="ctr"/>
+            <a:endParaRPr kumimoji="1" lang="ja-JP" altLang="en-US"/>
+          </a:p>
+        </p:txBody>
+      </p:sp>
+    </p:spTree>
+    <p:extLst>
+      <p:ext uri="{BB962C8B-B14F-4D97-AF65-F5344CB8AC3E}">
+        <p14:creationId xmlns:p14="http://schemas.microsoft.com/office/powerpoint/2010/main" val="1103960192"/>
       </p:ext>
     </p:extLst>
   </p:cSld>

--- a/work/work.pptx
+++ b/work/work.pptx
@@ -291,7 +291,7 @@
           <a:p>
             <a:fld id="{DADCA3C0-8A91-47C6-9688-037592343C81}" type="datetimeFigureOut">
               <a:rPr kumimoji="1" lang="ja-JP" altLang="en-US" smtClean="0"/>
-              <a:t>2022/11/14</a:t>
+              <a:t>2022/11/25</a:t>
             </a:fld>
             <a:endParaRPr kumimoji="1" lang="ja-JP" altLang="en-US"/>
           </a:p>
@@ -521,7 +521,7 @@
           <a:p>
             <a:fld id="{DADCA3C0-8A91-47C6-9688-037592343C81}" type="datetimeFigureOut">
               <a:rPr kumimoji="1" lang="ja-JP" altLang="en-US" smtClean="0"/>
-              <a:t>2022/11/14</a:t>
+              <a:t>2022/11/25</a:t>
             </a:fld>
             <a:endParaRPr kumimoji="1" lang="ja-JP" altLang="en-US"/>
           </a:p>
@@ -761,7 +761,7 @@
           <a:p>
             <a:fld id="{DADCA3C0-8A91-47C6-9688-037592343C81}" type="datetimeFigureOut">
               <a:rPr kumimoji="1" lang="ja-JP" altLang="en-US" smtClean="0"/>
-              <a:t>2022/11/14</a:t>
+              <a:t>2022/11/25</a:t>
             </a:fld>
             <a:endParaRPr kumimoji="1" lang="ja-JP" altLang="en-US"/>
           </a:p>
@@ -991,7 +991,7 @@
           <a:p>
             <a:fld id="{DADCA3C0-8A91-47C6-9688-037592343C81}" type="datetimeFigureOut">
               <a:rPr kumimoji="1" lang="ja-JP" altLang="en-US" smtClean="0"/>
-              <a:t>2022/11/14</a:t>
+              <a:t>2022/11/25</a:t>
             </a:fld>
             <a:endParaRPr kumimoji="1" lang="ja-JP" altLang="en-US"/>
           </a:p>
@@ -1266,7 +1266,7 @@
           <a:p>
             <a:fld id="{DADCA3C0-8A91-47C6-9688-037592343C81}" type="datetimeFigureOut">
               <a:rPr kumimoji="1" lang="ja-JP" altLang="en-US" smtClean="0"/>
-              <a:t>2022/11/14</a:t>
+              <a:t>2022/11/25</a:t>
             </a:fld>
             <a:endParaRPr kumimoji="1" lang="ja-JP" altLang="en-US"/>
           </a:p>
@@ -1595,7 +1595,7 @@
           <a:p>
             <a:fld id="{DADCA3C0-8A91-47C6-9688-037592343C81}" type="datetimeFigureOut">
               <a:rPr kumimoji="1" lang="ja-JP" altLang="en-US" smtClean="0"/>
-              <a:t>2022/11/14</a:t>
+              <a:t>2022/11/25</a:t>
             </a:fld>
             <a:endParaRPr kumimoji="1" lang="ja-JP" altLang="en-US"/>
           </a:p>
@@ -2071,7 +2071,7 @@
           <a:p>
             <a:fld id="{DADCA3C0-8A91-47C6-9688-037592343C81}" type="datetimeFigureOut">
               <a:rPr kumimoji="1" lang="ja-JP" altLang="en-US" smtClean="0"/>
-              <a:t>2022/11/14</a:t>
+              <a:t>2022/11/25</a:t>
             </a:fld>
             <a:endParaRPr kumimoji="1" lang="ja-JP" altLang="en-US"/>
           </a:p>
@@ -2212,7 +2212,7 @@
           <a:p>
             <a:fld id="{DADCA3C0-8A91-47C6-9688-037592343C81}" type="datetimeFigureOut">
               <a:rPr kumimoji="1" lang="ja-JP" altLang="en-US" smtClean="0"/>
-              <a:t>2022/11/14</a:t>
+              <a:t>2022/11/25</a:t>
             </a:fld>
             <a:endParaRPr kumimoji="1" lang="ja-JP" altLang="en-US"/>
           </a:p>
@@ -2325,7 +2325,7 @@
           <a:p>
             <a:fld id="{DADCA3C0-8A91-47C6-9688-037592343C81}" type="datetimeFigureOut">
               <a:rPr kumimoji="1" lang="ja-JP" altLang="en-US" smtClean="0"/>
-              <a:t>2022/11/14</a:t>
+              <a:t>2022/11/25</a:t>
             </a:fld>
             <a:endParaRPr kumimoji="1" lang="ja-JP" altLang="en-US"/>
           </a:p>
@@ -2668,7 +2668,7 @@
           <a:p>
             <a:fld id="{DADCA3C0-8A91-47C6-9688-037592343C81}" type="datetimeFigureOut">
               <a:rPr kumimoji="1" lang="ja-JP" altLang="en-US" smtClean="0"/>
-              <a:t>2022/11/14</a:t>
+              <a:t>2022/11/25</a:t>
             </a:fld>
             <a:endParaRPr kumimoji="1" lang="ja-JP" altLang="en-US"/>
           </a:p>
@@ -2956,7 +2956,7 @@
           <a:p>
             <a:fld id="{DADCA3C0-8A91-47C6-9688-037592343C81}" type="datetimeFigureOut">
               <a:rPr kumimoji="1" lang="ja-JP" altLang="en-US" smtClean="0"/>
-              <a:t>2022/11/14</a:t>
+              <a:t>2022/11/25</a:t>
             </a:fld>
             <a:endParaRPr kumimoji="1" lang="ja-JP" altLang="en-US"/>
           </a:p>
@@ -3229,7 +3229,7 @@
           <a:p>
             <a:fld id="{DADCA3C0-8A91-47C6-9688-037592343C81}" type="datetimeFigureOut">
               <a:rPr kumimoji="1" lang="ja-JP" altLang="en-US" smtClean="0"/>
-              <a:t>2022/11/14</a:t>
+              <a:t>2022/11/25</a:t>
             </a:fld>
             <a:endParaRPr kumimoji="1" lang="ja-JP" altLang="en-US"/>
           </a:p>
@@ -5715,7 +5715,7 @@
         </p:nvSpPr>
         <p:spPr>
           <a:xfrm>
-            <a:off x="3959920" y="2081049"/>
+            <a:off x="3935876" y="2277458"/>
             <a:ext cx="1631256" cy="341919"/>
           </a:xfrm>
           <a:prstGeom prst="rect">
@@ -5779,7 +5779,7 @@
         </p:nvSpPr>
         <p:spPr>
           <a:xfrm>
-            <a:off x="2620540" y="2081047"/>
+            <a:off x="2596496" y="2277456"/>
             <a:ext cx="1051742" cy="341919"/>
           </a:xfrm>
           <a:prstGeom prst="rect">
@@ -5821,70 +5821,6 @@
                 <a:ea typeface="Meiryo UI" panose="020B0604030504040204" pitchFamily="50" charset="-128"/>
               </a:rPr>
               <a:t>Logging</a:t>
-            </a:r>
-            <a:endParaRPr kumimoji="1" lang="ja-JP" altLang="en-US" sz="1200">
-              <a:latin typeface="Meiryo UI" panose="020B0604030504040204" pitchFamily="50" charset="-128"/>
-              <a:ea typeface="Meiryo UI" panose="020B0604030504040204" pitchFamily="50" charset="-128"/>
-            </a:endParaRPr>
-          </a:p>
-        </p:txBody>
-      </p:sp>
-      <p:sp>
-        <p:nvSpPr>
-          <p:cNvPr id="7" name="正方形/長方形 6">
-            <a:extLst>
-              <a:ext uri="{FF2B5EF4-FFF2-40B4-BE49-F238E27FC236}">
-                <a16:creationId xmlns:a16="http://schemas.microsoft.com/office/drawing/2014/main" id="{BCA1D956-1380-D572-17DE-B03A2229DF00}"/>
-              </a:ext>
-            </a:extLst>
-          </p:cNvPr>
-          <p:cNvSpPr/>
-          <p:nvPr/>
-        </p:nvSpPr>
-        <p:spPr>
-          <a:xfrm>
-            <a:off x="3260828" y="2668433"/>
-            <a:ext cx="1634310" cy="341919"/>
-          </a:xfrm>
-          <a:prstGeom prst="rect">
-            <a:avLst/>
-          </a:prstGeom>
-          <a:solidFill>
-            <a:srgbClr val="6667AB"/>
-          </a:solidFill>
-          <a:ln>
-            <a:solidFill>
-              <a:schemeClr val="bg1"/>
-            </a:solidFill>
-          </a:ln>
-        </p:spPr>
-        <p:style>
-          <a:lnRef idx="2">
-            <a:schemeClr val="accent1">
-              <a:shade val="50000"/>
-            </a:schemeClr>
-          </a:lnRef>
-          <a:fillRef idx="1">
-            <a:schemeClr val="accent1"/>
-          </a:fillRef>
-          <a:effectRef idx="0">
-            <a:schemeClr val="accent1"/>
-          </a:effectRef>
-          <a:fontRef idx="minor">
-            <a:schemeClr val="lt1"/>
-          </a:fontRef>
-        </p:style>
-        <p:txBody>
-          <a:bodyPr rtlCol="0" anchor="ctr"/>
-          <a:lstStyle/>
-          <a:p>
-            <a:pPr algn="ctr"/>
-            <a:r>
-              <a:rPr kumimoji="1" lang="en-US" altLang="ja-JP" sz="1200">
-                <a:latin typeface="Meiryo UI" panose="020B0604030504040204" pitchFamily="50" charset="-128"/>
-                <a:ea typeface="Meiryo UI" panose="020B0604030504040204" pitchFamily="50" charset="-128"/>
-              </a:rPr>
-              <a:t>Resource Provider</a:t>
             </a:r>
             <a:endParaRPr kumimoji="1" lang="ja-JP" altLang="en-US" sz="1200">
               <a:latin typeface="Meiryo UI" panose="020B0604030504040204" pitchFamily="50" charset="-128"/>
@@ -6656,54 +6592,6 @@
             </a:avLst>
           </a:prstGeom>
           <a:ln w="12700">
-            <a:solidFill>
-              <a:schemeClr val="accent4"/>
-            </a:solidFill>
-            <a:tailEnd type="triangle"/>
-          </a:ln>
-        </p:spPr>
-        <p:style>
-          <a:lnRef idx="1">
-            <a:schemeClr val="accent1"/>
-          </a:lnRef>
-          <a:fillRef idx="0">
-            <a:schemeClr val="accent1"/>
-          </a:fillRef>
-          <a:effectRef idx="0">
-            <a:schemeClr val="accent1"/>
-          </a:effectRef>
-          <a:fontRef idx="minor">
-            <a:schemeClr val="tx1"/>
-          </a:fontRef>
-        </p:style>
-      </p:cxnSp>
-      <p:cxnSp>
-        <p:nvCxnSpPr>
-          <p:cNvPr id="37" name="直線矢印コネクタ 24">
-            <a:extLst>
-              <a:ext uri="{FF2B5EF4-FFF2-40B4-BE49-F238E27FC236}">
-                <a16:creationId xmlns:a16="http://schemas.microsoft.com/office/drawing/2014/main" id="{E83D989B-8489-E4EC-0A6A-1A229C167686}"/>
-              </a:ext>
-            </a:extLst>
-          </p:cNvPr>
-          <p:cNvCxnSpPr>
-            <a:cxnSpLocks/>
-            <a:stCxn id="7" idx="2"/>
-            <a:endCxn id="11" idx="0"/>
-          </p:cNvCxnSpPr>
-          <p:nvPr/>
-        </p:nvCxnSpPr>
-        <p:spPr>
-          <a:xfrm rot="16200000" flipH="1">
-            <a:off x="3070501" y="4017834"/>
-            <a:ext cx="2257161" cy="242196"/>
-          </a:xfrm>
-          <a:prstGeom prst="bentConnector3">
-            <a:avLst>
-              <a:gd name="adj1" fmla="val 40136"/>
-            </a:avLst>
-          </a:prstGeom>
-          <a:ln>
             <a:solidFill>
               <a:schemeClr val="accent4"/>
             </a:solidFill>

--- a/work/work.pptx
+++ b/work/work.pptx
@@ -7252,10 +7252,10 @@
       </p:grpSpPr>
       <p:pic>
         <p:nvPicPr>
-          <p:cNvPr id="5" name="図 4">
-            <a:extLst>
-              <a:ext uri="{FF2B5EF4-FFF2-40B4-BE49-F238E27FC236}">
-                <a16:creationId xmlns:a16="http://schemas.microsoft.com/office/drawing/2014/main" id="{A8E87213-ED6F-0298-F773-CFC728A96D52}"/>
+          <p:cNvPr id="3" name="図 2">
+            <a:extLst>
+              <a:ext uri="{FF2B5EF4-FFF2-40B4-BE49-F238E27FC236}">
+                <a16:creationId xmlns:a16="http://schemas.microsoft.com/office/drawing/2014/main" id="{CB52C42E-C8E0-6941-F324-9D5B9493E0AC}"/>
               </a:ext>
             </a:extLst>
           </p:cNvPr>
@@ -7272,8 +7272,8 @@
         </p:blipFill>
         <p:spPr>
           <a:xfrm>
-            <a:off x="1973389" y="3194423"/>
-            <a:ext cx="4360323" cy="1326418"/>
+            <a:off x="7092005" y="1755786"/>
+            <a:ext cx="3813209" cy="2572224"/>
           </a:xfrm>
           <a:prstGeom prst="rect">
             <a:avLst/>
@@ -7282,10 +7282,10 @@
       </p:pic>
       <p:pic>
         <p:nvPicPr>
-          <p:cNvPr id="7" name="図 6">
-            <a:extLst>
-              <a:ext uri="{FF2B5EF4-FFF2-40B4-BE49-F238E27FC236}">
-                <a16:creationId xmlns:a16="http://schemas.microsoft.com/office/drawing/2014/main" id="{64D98D73-4B32-A6FC-07E2-805B65EF69E1}"/>
+          <p:cNvPr id="5" name="図 4">
+            <a:extLst>
+              <a:ext uri="{FF2B5EF4-FFF2-40B4-BE49-F238E27FC236}">
+                <a16:creationId xmlns:a16="http://schemas.microsoft.com/office/drawing/2014/main" id="{A8E87213-ED6F-0298-F773-CFC728A96D52}"/>
               </a:ext>
             </a:extLst>
           </p:cNvPr>
@@ -7302,8 +7302,8 @@
         </p:blipFill>
         <p:spPr>
           <a:xfrm>
-            <a:off x="7243184" y="1755785"/>
-            <a:ext cx="3642152" cy="2572224"/>
+            <a:off x="1973389" y="3194423"/>
+            <a:ext cx="4360323" cy="1326418"/>
           </a:xfrm>
           <a:prstGeom prst="rect">
             <a:avLst/>
@@ -7400,8 +7400,8 @@
         </p:nvCxnSpPr>
         <p:spPr>
           <a:xfrm flipV="1">
-            <a:off x="4253948" y="2146852"/>
-            <a:ext cx="3101009" cy="1916265"/>
+            <a:off x="4253948" y="2166730"/>
+            <a:ext cx="2912165" cy="1896387"/>
           </a:xfrm>
           <a:prstGeom prst="straightConnector1">
             <a:avLst/>
@@ -7442,8 +7442,8 @@
         </p:nvSpPr>
         <p:spPr>
           <a:xfrm>
-            <a:off x="7247248" y="2990940"/>
-            <a:ext cx="3638088" cy="1183495"/>
+            <a:off x="7092005" y="2990940"/>
+            <a:ext cx="3793331" cy="1183495"/>
           </a:xfrm>
           <a:prstGeom prst="roundRect">
             <a:avLst>
@@ -7574,10 +7574,10 @@
       </p:grpSpPr>
       <p:pic>
         <p:nvPicPr>
-          <p:cNvPr id="3" name="図 2">
-            <a:extLst>
-              <a:ext uri="{FF2B5EF4-FFF2-40B4-BE49-F238E27FC236}">
-                <a16:creationId xmlns:a16="http://schemas.microsoft.com/office/drawing/2014/main" id="{1B40D9CB-F678-9F62-C04A-6FAB67772338}"/>
+          <p:cNvPr id="4" name="図 3">
+            <a:extLst>
+              <a:ext uri="{FF2B5EF4-FFF2-40B4-BE49-F238E27FC236}">
+                <a16:creationId xmlns:a16="http://schemas.microsoft.com/office/drawing/2014/main" id="{A37D21AF-7A2A-20DD-B866-D7A5B1B85988}"/>
               </a:ext>
             </a:extLst>
           </p:cNvPr>
@@ -7594,8 +7594,8 @@
         </p:blipFill>
         <p:spPr>
           <a:xfrm>
-            <a:off x="3530379" y="710020"/>
-            <a:ext cx="4712628" cy="5272544"/>
+            <a:off x="2618571" y="907746"/>
+            <a:ext cx="6406698" cy="5042507"/>
           </a:xfrm>
           <a:prstGeom prst="rect">
             <a:avLst/>
@@ -7694,10 +7694,10 @@
       </p:grpSpPr>
       <p:pic>
         <p:nvPicPr>
-          <p:cNvPr id="3" name="図 2">
-            <a:extLst>
-              <a:ext uri="{FF2B5EF4-FFF2-40B4-BE49-F238E27FC236}">
-                <a16:creationId xmlns:a16="http://schemas.microsoft.com/office/drawing/2014/main" id="{361359E3-5898-738F-D0D2-7DA8647893E8}"/>
+          <p:cNvPr id="5" name="図 4">
+            <a:extLst>
+              <a:ext uri="{FF2B5EF4-FFF2-40B4-BE49-F238E27FC236}">
+                <a16:creationId xmlns:a16="http://schemas.microsoft.com/office/drawing/2014/main" id="{F508B672-09B2-EF3B-550C-2C2F74824312}"/>
               </a:ext>
             </a:extLst>
           </p:cNvPr>
@@ -7714,8 +7714,8 @@
         </p:blipFill>
         <p:spPr>
           <a:xfrm>
-            <a:off x="4047213" y="1338084"/>
-            <a:ext cx="3751739" cy="3819035"/>
+            <a:off x="3646493" y="1338084"/>
+            <a:ext cx="4154325" cy="3819035"/>
           </a:xfrm>
           <a:prstGeom prst="rect">
             <a:avLst/>
@@ -7736,8 +7736,8 @@
         </p:nvSpPr>
         <p:spPr>
           <a:xfrm>
-            <a:off x="4160864" y="3809925"/>
-            <a:ext cx="3638088" cy="1040372"/>
+            <a:off x="3755524" y="3740351"/>
+            <a:ext cx="4045293" cy="1040372"/>
           </a:xfrm>
           <a:prstGeom prst="roundRect">
             <a:avLst>
@@ -8285,7 +8285,7 @@
                 <a:latin typeface="Meiryo UI" panose="020B0604030504040204" pitchFamily="50" charset="-128"/>
                 <a:ea typeface="Meiryo UI" panose="020B0604030504040204" pitchFamily="50" charset="-128"/>
               </a:rPr>
-              <a:t>TitleScreen</a:t>
+              <a:t>TitleStage</a:t>
             </a:r>
             <a:endParaRPr kumimoji="1" lang="ja-JP" altLang="en-US" sz="1000">
               <a:latin typeface="Meiryo UI" panose="020B0604030504040204" pitchFamily="50" charset="-128"/>
@@ -8544,10 +8544,10 @@
       </p:sp>
       <p:sp>
         <p:nvSpPr>
-          <p:cNvPr id="100" name="正方形/長方形 99">
-            <a:extLst>
-              <a:ext uri="{FF2B5EF4-FFF2-40B4-BE49-F238E27FC236}">
-                <a16:creationId xmlns:a16="http://schemas.microsoft.com/office/drawing/2014/main" id="{3AB52E67-FF63-408E-B299-0022DB6E36BE}"/>
+          <p:cNvPr id="104" name="正方形/長方形 103">
+            <a:extLst>
+              <a:ext uri="{FF2B5EF4-FFF2-40B4-BE49-F238E27FC236}">
+                <a16:creationId xmlns:a16="http://schemas.microsoft.com/office/drawing/2014/main" id="{320155D2-7EB5-4DD3-BE1B-507A0BDE2851}"/>
               </a:ext>
             </a:extLst>
           </p:cNvPr>
@@ -8556,303 +8556,7 @@
         </p:nvSpPr>
         <p:spPr>
           <a:xfrm>
-            <a:off x="482923" y="874008"/>
-            <a:ext cx="1829282" cy="963385"/>
-          </a:xfrm>
-          <a:prstGeom prst="rect">
-            <a:avLst/>
-          </a:prstGeom>
-          <a:solidFill>
-            <a:schemeClr val="bg1">
-              <a:lumMod val="75000"/>
-            </a:schemeClr>
-          </a:solidFill>
-          <a:ln>
-            <a:noFill/>
-          </a:ln>
-        </p:spPr>
-        <p:style>
-          <a:lnRef idx="2">
-            <a:schemeClr val="accent1">
-              <a:shade val="50000"/>
-            </a:schemeClr>
-          </a:lnRef>
-          <a:fillRef idx="1">
-            <a:schemeClr val="accent1"/>
-          </a:fillRef>
-          <a:effectRef idx="0">
-            <a:schemeClr val="accent1"/>
-          </a:effectRef>
-          <a:fontRef idx="minor">
-            <a:schemeClr val="lt1"/>
-          </a:fontRef>
-        </p:style>
-        <p:txBody>
-          <a:bodyPr rtlCol="0" anchor="ctr"/>
-          <a:lstStyle/>
-          <a:p>
-            <a:pPr algn="ctr"/>
-            <a:r>
-              <a:rPr kumimoji="1" lang="en-US" altLang="ja-JP" sz="1200">
-                <a:latin typeface="Meiryo UI" panose="020B0604030504040204" pitchFamily="50" charset="-128"/>
-                <a:ea typeface="Meiryo UI" panose="020B0604030504040204" pitchFamily="50" charset="-128"/>
-              </a:rPr>
-              <a:t>TODO</a:t>
-            </a:r>
-          </a:p>
-          <a:p>
-            <a:pPr algn="ctr"/>
-            <a:r>
-              <a:rPr lang="ja-JP" altLang="en-US" sz="1200">
-                <a:latin typeface="Meiryo UI" panose="020B0604030504040204" pitchFamily="50" charset="-128"/>
-                <a:ea typeface="Meiryo UI" panose="020B0604030504040204" pitchFamily="50" charset="-128"/>
-              </a:rPr>
-              <a:t>サンプルアプリができたらスクリーンショットを貼る</a:t>
-            </a:r>
-            <a:endParaRPr kumimoji="1" lang="ja-JP" altLang="en-US" sz="1200">
-              <a:latin typeface="Meiryo UI" panose="020B0604030504040204" pitchFamily="50" charset="-128"/>
-              <a:ea typeface="Meiryo UI" panose="020B0604030504040204" pitchFamily="50" charset="-128"/>
-            </a:endParaRPr>
-          </a:p>
-        </p:txBody>
-      </p:sp>
-      <p:sp>
-        <p:nvSpPr>
-          <p:cNvPr id="101" name="正方形/長方形 100">
-            <a:extLst>
-              <a:ext uri="{FF2B5EF4-FFF2-40B4-BE49-F238E27FC236}">
-                <a16:creationId xmlns:a16="http://schemas.microsoft.com/office/drawing/2014/main" id="{FBD0775C-6CD3-4085-8E2B-FDEBDADB8330}"/>
-              </a:ext>
-            </a:extLst>
-          </p:cNvPr>
-          <p:cNvSpPr/>
-          <p:nvPr/>
-        </p:nvSpPr>
-        <p:spPr>
-          <a:xfrm>
-            <a:off x="2945816" y="874008"/>
-            <a:ext cx="1829282" cy="963385"/>
-          </a:xfrm>
-          <a:prstGeom prst="rect">
-            <a:avLst/>
-          </a:prstGeom>
-          <a:solidFill>
-            <a:schemeClr val="bg1">
-              <a:lumMod val="75000"/>
-            </a:schemeClr>
-          </a:solidFill>
-          <a:ln>
-            <a:noFill/>
-          </a:ln>
-        </p:spPr>
-        <p:style>
-          <a:lnRef idx="2">
-            <a:schemeClr val="accent1">
-              <a:shade val="50000"/>
-            </a:schemeClr>
-          </a:lnRef>
-          <a:fillRef idx="1">
-            <a:schemeClr val="accent1"/>
-          </a:fillRef>
-          <a:effectRef idx="0">
-            <a:schemeClr val="accent1"/>
-          </a:effectRef>
-          <a:fontRef idx="minor">
-            <a:schemeClr val="lt1"/>
-          </a:fontRef>
-        </p:style>
-        <p:txBody>
-          <a:bodyPr rtlCol="0" anchor="ctr"/>
-          <a:lstStyle/>
-          <a:p>
-            <a:pPr algn="ctr"/>
-            <a:r>
-              <a:rPr kumimoji="1" lang="en-US" altLang="ja-JP" sz="1200">
-                <a:latin typeface="Meiryo UI" panose="020B0604030504040204" pitchFamily="50" charset="-128"/>
-                <a:ea typeface="Meiryo UI" panose="020B0604030504040204" pitchFamily="50" charset="-128"/>
-              </a:rPr>
-              <a:t>TODO</a:t>
-            </a:r>
-          </a:p>
-          <a:p>
-            <a:pPr algn="ctr"/>
-            <a:r>
-              <a:rPr lang="ja-JP" altLang="en-US" sz="1200">
-                <a:latin typeface="Meiryo UI" panose="020B0604030504040204" pitchFamily="50" charset="-128"/>
-                <a:ea typeface="Meiryo UI" panose="020B0604030504040204" pitchFamily="50" charset="-128"/>
-              </a:rPr>
-              <a:t>サンプルアプリができたらスクリーンショットを貼る</a:t>
-            </a:r>
-            <a:endParaRPr kumimoji="1" lang="ja-JP" altLang="en-US" sz="1200">
-              <a:latin typeface="Meiryo UI" panose="020B0604030504040204" pitchFamily="50" charset="-128"/>
-              <a:ea typeface="Meiryo UI" panose="020B0604030504040204" pitchFamily="50" charset="-128"/>
-            </a:endParaRPr>
-          </a:p>
-        </p:txBody>
-      </p:sp>
-      <p:sp>
-        <p:nvSpPr>
-          <p:cNvPr id="102" name="正方形/長方形 101">
-            <a:extLst>
-              <a:ext uri="{FF2B5EF4-FFF2-40B4-BE49-F238E27FC236}">
-                <a16:creationId xmlns:a16="http://schemas.microsoft.com/office/drawing/2014/main" id="{3F091157-4CEE-4AB2-B981-9A290223AA08}"/>
-              </a:ext>
-            </a:extLst>
-          </p:cNvPr>
-          <p:cNvSpPr/>
-          <p:nvPr/>
-        </p:nvSpPr>
-        <p:spPr>
-          <a:xfrm>
-            <a:off x="5408709" y="874007"/>
-            <a:ext cx="1829282" cy="963385"/>
-          </a:xfrm>
-          <a:prstGeom prst="rect">
-            <a:avLst/>
-          </a:prstGeom>
-          <a:solidFill>
-            <a:schemeClr val="bg1">
-              <a:lumMod val="75000"/>
-            </a:schemeClr>
-          </a:solidFill>
-          <a:ln>
-            <a:noFill/>
-          </a:ln>
-        </p:spPr>
-        <p:style>
-          <a:lnRef idx="2">
-            <a:schemeClr val="accent1">
-              <a:shade val="50000"/>
-            </a:schemeClr>
-          </a:lnRef>
-          <a:fillRef idx="1">
-            <a:schemeClr val="accent1"/>
-          </a:fillRef>
-          <a:effectRef idx="0">
-            <a:schemeClr val="accent1"/>
-          </a:effectRef>
-          <a:fontRef idx="minor">
-            <a:schemeClr val="lt1"/>
-          </a:fontRef>
-        </p:style>
-        <p:txBody>
-          <a:bodyPr rtlCol="0" anchor="ctr"/>
-          <a:lstStyle/>
-          <a:p>
-            <a:pPr algn="ctr"/>
-            <a:r>
-              <a:rPr kumimoji="1" lang="en-US" altLang="ja-JP" sz="1200">
-                <a:latin typeface="Meiryo UI" panose="020B0604030504040204" pitchFamily="50" charset="-128"/>
-                <a:ea typeface="Meiryo UI" panose="020B0604030504040204" pitchFamily="50" charset="-128"/>
-              </a:rPr>
-              <a:t>TODO</a:t>
-            </a:r>
-          </a:p>
-          <a:p>
-            <a:pPr algn="ctr"/>
-            <a:r>
-              <a:rPr lang="ja-JP" altLang="en-US" sz="1200">
-                <a:latin typeface="Meiryo UI" panose="020B0604030504040204" pitchFamily="50" charset="-128"/>
-                <a:ea typeface="Meiryo UI" panose="020B0604030504040204" pitchFamily="50" charset="-128"/>
-              </a:rPr>
-              <a:t>サンプルアプリができたらスクリーンショットを貼る</a:t>
-            </a:r>
-            <a:endParaRPr kumimoji="1" lang="ja-JP" altLang="en-US" sz="1200">
-              <a:latin typeface="Meiryo UI" panose="020B0604030504040204" pitchFamily="50" charset="-128"/>
-              <a:ea typeface="Meiryo UI" panose="020B0604030504040204" pitchFamily="50" charset="-128"/>
-            </a:endParaRPr>
-          </a:p>
-        </p:txBody>
-      </p:sp>
-      <p:sp>
-        <p:nvSpPr>
-          <p:cNvPr id="103" name="正方形/長方形 102">
-            <a:extLst>
-              <a:ext uri="{FF2B5EF4-FFF2-40B4-BE49-F238E27FC236}">
-                <a16:creationId xmlns:a16="http://schemas.microsoft.com/office/drawing/2014/main" id="{9E7C8354-C1B0-405A-BF4D-5CA7D05B8A99}"/>
-              </a:ext>
-            </a:extLst>
-          </p:cNvPr>
-          <p:cNvSpPr/>
-          <p:nvPr/>
-        </p:nvSpPr>
-        <p:spPr>
-          <a:xfrm>
-            <a:off x="7871602" y="874007"/>
-            <a:ext cx="1819450" cy="963385"/>
-          </a:xfrm>
-          <a:prstGeom prst="rect">
-            <a:avLst/>
-          </a:prstGeom>
-          <a:solidFill>
-            <a:schemeClr val="bg1">
-              <a:lumMod val="75000"/>
-            </a:schemeClr>
-          </a:solidFill>
-          <a:ln>
-            <a:noFill/>
-          </a:ln>
-        </p:spPr>
-        <p:style>
-          <a:lnRef idx="2">
-            <a:schemeClr val="accent1">
-              <a:shade val="50000"/>
-            </a:schemeClr>
-          </a:lnRef>
-          <a:fillRef idx="1">
-            <a:schemeClr val="accent1"/>
-          </a:fillRef>
-          <a:effectRef idx="0">
-            <a:schemeClr val="accent1"/>
-          </a:effectRef>
-          <a:fontRef idx="minor">
-            <a:schemeClr val="lt1"/>
-          </a:fontRef>
-        </p:style>
-        <p:txBody>
-          <a:bodyPr rtlCol="0" anchor="ctr"/>
-          <a:lstStyle/>
-          <a:p>
-            <a:pPr algn="ctr"/>
-            <a:r>
-              <a:rPr kumimoji="1" lang="en-US" altLang="ja-JP" sz="1200">
-                <a:latin typeface="Meiryo UI" panose="020B0604030504040204" pitchFamily="50" charset="-128"/>
-                <a:ea typeface="Meiryo UI" panose="020B0604030504040204" pitchFamily="50" charset="-128"/>
-              </a:rPr>
-              <a:t>TODO</a:t>
-            </a:r>
-          </a:p>
-          <a:p>
-            <a:pPr algn="ctr"/>
-            <a:r>
-              <a:rPr lang="ja-JP" altLang="en-US" sz="1200">
-                <a:latin typeface="Meiryo UI" panose="020B0604030504040204" pitchFamily="50" charset="-128"/>
-                <a:ea typeface="Meiryo UI" panose="020B0604030504040204" pitchFamily="50" charset="-128"/>
-              </a:rPr>
-              <a:t>サンプルアプリができたらスクリーンショットを貼る</a:t>
-            </a:r>
-            <a:endParaRPr kumimoji="1" lang="ja-JP" altLang="en-US" sz="1200">
-              <a:latin typeface="Meiryo UI" panose="020B0604030504040204" pitchFamily="50" charset="-128"/>
-              <a:ea typeface="Meiryo UI" panose="020B0604030504040204" pitchFamily="50" charset="-128"/>
-            </a:endParaRPr>
-          </a:p>
-        </p:txBody>
-      </p:sp>
-      <p:sp>
-        <p:nvSpPr>
-          <p:cNvPr id="104" name="正方形/長方形 103">
-            <a:extLst>
-              <a:ext uri="{FF2B5EF4-FFF2-40B4-BE49-F238E27FC236}">
-                <a16:creationId xmlns:a16="http://schemas.microsoft.com/office/drawing/2014/main" id="{320155D2-7EB5-4DD3-BE1B-507A0BDE2851}"/>
-              </a:ext>
-            </a:extLst>
-          </p:cNvPr>
-          <p:cNvSpPr/>
-          <p:nvPr/>
-        </p:nvSpPr>
-        <p:spPr>
-          <a:xfrm>
-            <a:off x="482922" y="530319"/>
+            <a:off x="481087" y="1555882"/>
             <a:ext cx="1829281" cy="341919"/>
           </a:xfrm>
           <a:prstGeom prst="rect">
@@ -8918,7 +8622,7 @@
         </p:nvSpPr>
         <p:spPr>
           <a:xfrm>
-            <a:off x="2902163" y="526858"/>
+            <a:off x="2900328" y="1552421"/>
             <a:ext cx="1927862" cy="341919"/>
           </a:xfrm>
           <a:prstGeom prst="rect">
@@ -8984,7 +8688,7 @@
         </p:nvSpPr>
         <p:spPr>
           <a:xfrm>
-            <a:off x="5365056" y="526858"/>
+            <a:off x="5363221" y="1552421"/>
             <a:ext cx="1927862" cy="341919"/>
           </a:xfrm>
           <a:prstGeom prst="rect">
@@ -9050,7 +8754,7 @@
         </p:nvSpPr>
         <p:spPr>
           <a:xfrm>
-            <a:off x="7871603" y="521624"/>
+            <a:off x="7869768" y="1547187"/>
             <a:ext cx="1819450" cy="341919"/>
           </a:xfrm>
           <a:prstGeom prst="rect">
@@ -9122,26 +8826,82 @@
           </a:p>
         </p:txBody>
       </p:sp>
+      <p:sp>
+        <p:nvSpPr>
+          <p:cNvPr id="39" name="正方形/長方形 38">
+            <a:extLst>
+              <a:ext uri="{FF2B5EF4-FFF2-40B4-BE49-F238E27FC236}">
+                <a16:creationId xmlns:a16="http://schemas.microsoft.com/office/drawing/2014/main" id="{C0A7A9D2-3BF1-449E-AA3B-8EDC6DFAFF6A}"/>
+              </a:ext>
+            </a:extLst>
+          </p:cNvPr>
+          <p:cNvSpPr/>
+          <p:nvPr/>
+        </p:nvSpPr>
+        <p:spPr>
+          <a:xfrm>
+            <a:off x="345691" y="2001472"/>
+            <a:ext cx="9439935" cy="3685225"/>
+          </a:xfrm>
+          <a:prstGeom prst="rect">
+            <a:avLst/>
+          </a:prstGeom>
+          <a:noFill/>
+          <a:ln>
+            <a:solidFill>
+              <a:schemeClr val="accent4"/>
+            </a:solidFill>
+            <a:prstDash val="dash"/>
+          </a:ln>
+        </p:spPr>
+        <p:style>
+          <a:lnRef idx="2">
+            <a:schemeClr val="accent1">
+              <a:shade val="50000"/>
+            </a:schemeClr>
+          </a:lnRef>
+          <a:fillRef idx="1">
+            <a:schemeClr val="accent1"/>
+          </a:fillRef>
+          <a:effectRef idx="0">
+            <a:schemeClr val="accent1"/>
+          </a:effectRef>
+          <a:fontRef idx="minor">
+            <a:schemeClr val="lt1"/>
+          </a:fontRef>
+        </p:style>
+        <p:txBody>
+          <a:bodyPr rtlCol="0" anchor="t"/>
+          <a:lstStyle/>
+          <a:p>
+            <a:pPr algn="ctr"/>
+            <a:endParaRPr lang="en-US" altLang="ja-JP" sz="1200">
+              <a:latin typeface="Meiryo UI" panose="020B0604030504040204" pitchFamily="50" charset="-128"/>
+              <a:ea typeface="Meiryo UI" panose="020B0604030504040204" pitchFamily="50" charset="-128"/>
+            </a:endParaRPr>
+          </a:p>
+        </p:txBody>
+      </p:sp>
       <p:cxnSp>
         <p:nvCxnSpPr>
-          <p:cNvPr id="112" name="直線矢印コネクタ 24">
-            <a:extLst>
-              <a:ext uri="{FF2B5EF4-FFF2-40B4-BE49-F238E27FC236}">
-                <a16:creationId xmlns:a16="http://schemas.microsoft.com/office/drawing/2014/main" id="{649B2AA2-3B30-4035-B4D9-EBE8F37BC78F}"/>
+          <p:cNvPr id="51" name="直線矢印コネクタ 24">
+            <a:extLst>
+              <a:ext uri="{FF2B5EF4-FFF2-40B4-BE49-F238E27FC236}">
+                <a16:creationId xmlns:a16="http://schemas.microsoft.com/office/drawing/2014/main" id="{A14A133A-C87C-43EF-B1B4-C0A56342BAF2}"/>
               </a:ext>
             </a:extLst>
           </p:cNvPr>
           <p:cNvCxnSpPr>
             <a:cxnSpLocks/>
-            <a:stCxn id="101" idx="1"/>
-            <a:endCxn id="100" idx="3"/>
+            <a:stCxn id="137" idx="1"/>
+            <a:endCxn id="47" idx="3"/>
           </p:cNvCxnSpPr>
           <p:nvPr/>
         </p:nvCxnSpPr>
         <p:spPr>
-          <a:xfrm flipH="1">
-            <a:off x="2312205" y="1355701"/>
-            <a:ext cx="633611" cy="0"/>
+          <a:xfrm flipH="1" flipV="1">
+            <a:off x="2310369" y="3055415"/>
+            <a:ext cx="633611" cy="304800"/>
           </a:xfrm>
           <a:prstGeom prst="straightConnector1">
             <a:avLst/>
@@ -9171,24 +8931,24 @@
       </p:cxnSp>
       <p:cxnSp>
         <p:nvCxnSpPr>
-          <p:cNvPr id="116" name="直線矢印コネクタ 24">
-            <a:extLst>
-              <a:ext uri="{FF2B5EF4-FFF2-40B4-BE49-F238E27FC236}">
-                <a16:creationId xmlns:a16="http://schemas.microsoft.com/office/drawing/2014/main" id="{CE78C548-EBD3-4C08-A00E-01B03C2ABBCF}"/>
+          <p:cNvPr id="54" name="直線矢印コネクタ 24">
+            <a:extLst>
+              <a:ext uri="{FF2B5EF4-FFF2-40B4-BE49-F238E27FC236}">
+                <a16:creationId xmlns:a16="http://schemas.microsoft.com/office/drawing/2014/main" id="{752A3F71-02B5-4878-9A2A-06BD70A1A94B}"/>
               </a:ext>
             </a:extLst>
           </p:cNvPr>
           <p:cNvCxnSpPr>
             <a:cxnSpLocks/>
-            <a:stCxn id="102" idx="1"/>
-            <a:endCxn id="101" idx="3"/>
+            <a:stCxn id="144" idx="1"/>
+            <a:endCxn id="137" idx="3"/>
           </p:cNvCxnSpPr>
           <p:nvPr/>
         </p:nvCxnSpPr>
         <p:spPr>
-          <a:xfrm flipH="1">
-            <a:off x="4775098" y="1355700"/>
-            <a:ext cx="633611" cy="1"/>
+          <a:xfrm flipH="1" flipV="1">
+            <a:off x="4773262" y="3360215"/>
+            <a:ext cx="633611" cy="161109"/>
           </a:xfrm>
           <a:prstGeom prst="straightConnector1">
             <a:avLst/>
@@ -9218,24 +8978,24 @@
       </p:cxnSp>
       <p:cxnSp>
         <p:nvCxnSpPr>
-          <p:cNvPr id="119" name="直線矢印コネクタ 24">
-            <a:extLst>
-              <a:ext uri="{FF2B5EF4-FFF2-40B4-BE49-F238E27FC236}">
-                <a16:creationId xmlns:a16="http://schemas.microsoft.com/office/drawing/2014/main" id="{923171F1-BEC2-46FE-A03F-5A2888C7E474}"/>
+          <p:cNvPr id="57" name="直線矢印コネクタ 24">
+            <a:extLst>
+              <a:ext uri="{FF2B5EF4-FFF2-40B4-BE49-F238E27FC236}">
+                <a16:creationId xmlns:a16="http://schemas.microsoft.com/office/drawing/2014/main" id="{A86B8FE2-D235-4A63-AF5A-8E0FA4E61FB5}"/>
               </a:ext>
             </a:extLst>
           </p:cNvPr>
           <p:cNvCxnSpPr>
             <a:cxnSpLocks/>
-            <a:stCxn id="103" idx="1"/>
-            <a:endCxn id="102" idx="3"/>
+            <a:stCxn id="144" idx="3"/>
+            <a:endCxn id="152" idx="1"/>
           </p:cNvCxnSpPr>
           <p:nvPr/>
         </p:nvCxnSpPr>
         <p:spPr>
-          <a:xfrm flipH="1">
-            <a:off x="7237991" y="1355700"/>
-            <a:ext cx="633611" cy="0"/>
+          <a:xfrm>
+            <a:off x="7236155" y="3521324"/>
+            <a:ext cx="623779" cy="302198"/>
           </a:xfrm>
           <a:prstGeom prst="straightConnector1">
             <a:avLst/>
@@ -9265,203 +9025,6 @@
       </p:cxnSp>
       <p:sp>
         <p:nvSpPr>
-          <p:cNvPr id="39" name="正方形/長方形 38">
-            <a:extLst>
-              <a:ext uri="{FF2B5EF4-FFF2-40B4-BE49-F238E27FC236}">
-                <a16:creationId xmlns:a16="http://schemas.microsoft.com/office/drawing/2014/main" id="{C0A7A9D2-3BF1-449E-AA3B-8EDC6DFAFF6A}"/>
-              </a:ext>
-            </a:extLst>
-          </p:cNvPr>
-          <p:cNvSpPr/>
-          <p:nvPr/>
-        </p:nvSpPr>
-        <p:spPr>
-          <a:xfrm>
-            <a:off x="345691" y="2001472"/>
-            <a:ext cx="9439935" cy="3685225"/>
-          </a:xfrm>
-          <a:prstGeom prst="rect">
-            <a:avLst/>
-          </a:prstGeom>
-          <a:noFill/>
-          <a:ln>
-            <a:solidFill>
-              <a:schemeClr val="accent4"/>
-            </a:solidFill>
-            <a:prstDash val="dash"/>
-          </a:ln>
-        </p:spPr>
-        <p:style>
-          <a:lnRef idx="2">
-            <a:schemeClr val="accent1">
-              <a:shade val="50000"/>
-            </a:schemeClr>
-          </a:lnRef>
-          <a:fillRef idx="1">
-            <a:schemeClr val="accent1"/>
-          </a:fillRef>
-          <a:effectRef idx="0">
-            <a:schemeClr val="accent1"/>
-          </a:effectRef>
-          <a:fontRef idx="minor">
-            <a:schemeClr val="lt1"/>
-          </a:fontRef>
-        </p:style>
-        <p:txBody>
-          <a:bodyPr rtlCol="0" anchor="t"/>
-          <a:lstStyle/>
-          <a:p>
-            <a:pPr algn="ctr"/>
-            <a:endParaRPr lang="en-US" altLang="ja-JP" sz="1200">
-              <a:latin typeface="Meiryo UI" panose="020B0604030504040204" pitchFamily="50" charset="-128"/>
-              <a:ea typeface="Meiryo UI" panose="020B0604030504040204" pitchFamily="50" charset="-128"/>
-            </a:endParaRPr>
-          </a:p>
-        </p:txBody>
-      </p:sp>
-      <p:cxnSp>
-        <p:nvCxnSpPr>
-          <p:cNvPr id="51" name="直線矢印コネクタ 24">
-            <a:extLst>
-              <a:ext uri="{FF2B5EF4-FFF2-40B4-BE49-F238E27FC236}">
-                <a16:creationId xmlns:a16="http://schemas.microsoft.com/office/drawing/2014/main" id="{A14A133A-C87C-43EF-B1B4-C0A56342BAF2}"/>
-              </a:ext>
-            </a:extLst>
-          </p:cNvPr>
-          <p:cNvCxnSpPr>
-            <a:cxnSpLocks/>
-            <a:stCxn id="137" idx="1"/>
-            <a:endCxn id="47" idx="3"/>
-          </p:cNvCxnSpPr>
-          <p:nvPr/>
-        </p:nvCxnSpPr>
-        <p:spPr>
-          <a:xfrm flipH="1" flipV="1">
-            <a:off x="2310369" y="3055415"/>
-            <a:ext cx="633611" cy="304800"/>
-          </a:xfrm>
-          <a:prstGeom prst="straightConnector1">
-            <a:avLst/>
-          </a:prstGeom>
-          <a:ln w="12700">
-            <a:solidFill>
-              <a:schemeClr val="accent5"/>
-            </a:solidFill>
-            <a:headEnd type="triangle"/>
-            <a:tailEnd type="triangle"/>
-          </a:ln>
-        </p:spPr>
-        <p:style>
-          <a:lnRef idx="1">
-            <a:schemeClr val="accent1"/>
-          </a:lnRef>
-          <a:fillRef idx="0">
-            <a:schemeClr val="accent1"/>
-          </a:fillRef>
-          <a:effectRef idx="0">
-            <a:schemeClr val="accent1"/>
-          </a:effectRef>
-          <a:fontRef idx="minor">
-            <a:schemeClr val="tx1"/>
-          </a:fontRef>
-        </p:style>
-      </p:cxnSp>
-      <p:cxnSp>
-        <p:nvCxnSpPr>
-          <p:cNvPr id="54" name="直線矢印コネクタ 24">
-            <a:extLst>
-              <a:ext uri="{FF2B5EF4-FFF2-40B4-BE49-F238E27FC236}">
-                <a16:creationId xmlns:a16="http://schemas.microsoft.com/office/drawing/2014/main" id="{752A3F71-02B5-4878-9A2A-06BD70A1A94B}"/>
-              </a:ext>
-            </a:extLst>
-          </p:cNvPr>
-          <p:cNvCxnSpPr>
-            <a:cxnSpLocks/>
-            <a:stCxn id="144" idx="1"/>
-            <a:endCxn id="137" idx="3"/>
-          </p:cNvCxnSpPr>
-          <p:nvPr/>
-        </p:nvCxnSpPr>
-        <p:spPr>
-          <a:xfrm flipH="1" flipV="1">
-            <a:off x="4773262" y="3360215"/>
-            <a:ext cx="633611" cy="161109"/>
-          </a:xfrm>
-          <a:prstGeom prst="straightConnector1">
-            <a:avLst/>
-          </a:prstGeom>
-          <a:ln w="12700">
-            <a:solidFill>
-              <a:schemeClr val="accent5"/>
-            </a:solidFill>
-            <a:headEnd type="triangle"/>
-            <a:tailEnd type="triangle"/>
-          </a:ln>
-        </p:spPr>
-        <p:style>
-          <a:lnRef idx="1">
-            <a:schemeClr val="accent1"/>
-          </a:lnRef>
-          <a:fillRef idx="0">
-            <a:schemeClr val="accent1"/>
-          </a:fillRef>
-          <a:effectRef idx="0">
-            <a:schemeClr val="accent1"/>
-          </a:effectRef>
-          <a:fontRef idx="minor">
-            <a:schemeClr val="tx1"/>
-          </a:fontRef>
-        </p:style>
-      </p:cxnSp>
-      <p:cxnSp>
-        <p:nvCxnSpPr>
-          <p:cNvPr id="57" name="直線矢印コネクタ 24">
-            <a:extLst>
-              <a:ext uri="{FF2B5EF4-FFF2-40B4-BE49-F238E27FC236}">
-                <a16:creationId xmlns:a16="http://schemas.microsoft.com/office/drawing/2014/main" id="{A86B8FE2-D235-4A63-AF5A-8E0FA4E61FB5}"/>
-              </a:ext>
-            </a:extLst>
-          </p:cNvPr>
-          <p:cNvCxnSpPr>
-            <a:cxnSpLocks/>
-            <a:stCxn id="144" idx="3"/>
-            <a:endCxn id="152" idx="1"/>
-          </p:cNvCxnSpPr>
-          <p:nvPr/>
-        </p:nvCxnSpPr>
-        <p:spPr>
-          <a:xfrm>
-            <a:off x="7236155" y="3521324"/>
-            <a:ext cx="623779" cy="302198"/>
-          </a:xfrm>
-          <a:prstGeom prst="straightConnector1">
-            <a:avLst/>
-          </a:prstGeom>
-          <a:ln w="12700">
-            <a:solidFill>
-              <a:schemeClr val="accent5"/>
-            </a:solidFill>
-            <a:headEnd type="triangle"/>
-            <a:tailEnd type="triangle"/>
-          </a:ln>
-        </p:spPr>
-        <p:style>
-          <a:lnRef idx="1">
-            <a:schemeClr val="accent1"/>
-          </a:lnRef>
-          <a:fillRef idx="0">
-            <a:schemeClr val="accent1"/>
-          </a:fillRef>
-          <a:effectRef idx="0">
-            <a:schemeClr val="accent1"/>
-          </a:effectRef>
-          <a:fontRef idx="minor">
-            <a:schemeClr val="tx1"/>
-          </a:fontRef>
-        </p:style>
-      </p:cxnSp>
-      <p:sp>
-        <p:nvSpPr>
           <p:cNvPr id="137" name="正方形/長方形 136">
             <a:extLst>
               <a:ext uri="{FF2B5EF4-FFF2-40B4-BE49-F238E27FC236}">
@@ -9520,7 +9083,7 @@
                 <a:latin typeface="Meiryo UI" panose="020B0604030504040204" pitchFamily="50" charset="-128"/>
                 <a:ea typeface="Meiryo UI" panose="020B0604030504040204" pitchFamily="50" charset="-128"/>
               </a:rPr>
-              <a:t>AvatarSelectionScreen</a:t>
+              <a:t>AvatarSelectionStage</a:t>
             </a:r>
             <a:endParaRPr kumimoji="1" lang="ja-JP" altLang="en-US" sz="1000">
               <a:latin typeface="Meiryo UI" panose="020B0604030504040204" pitchFamily="50" charset="-128"/>
@@ -9968,7 +9531,7 @@
                 <a:latin typeface="Meiryo UI" panose="020B0604030504040204" pitchFamily="50" charset="-128"/>
                 <a:ea typeface="Meiryo UI" panose="020B0604030504040204" pitchFamily="50" charset="-128"/>
               </a:rPr>
-              <a:t>SelectionScreen</a:t>
+              <a:t>SelectionStage</a:t>
             </a:r>
             <a:endParaRPr kumimoji="1" lang="ja-JP" altLang="en-US" sz="1000">
               <a:latin typeface="Meiryo UI" panose="020B0604030504040204" pitchFamily="50" charset="-128"/>
@@ -10478,7 +10041,7 @@
                 <a:latin typeface="Meiryo UI" panose="020B0604030504040204" pitchFamily="50" charset="-128"/>
                 <a:ea typeface="Meiryo UI" panose="020B0604030504040204" pitchFamily="50" charset="-128"/>
               </a:rPr>
-              <a:t>VirtualSpace</a:t>
+              <a:t>VirtualStage</a:t>
             </a:r>
             <a:endParaRPr kumimoji="1" lang="ja-JP" altLang="en-US" sz="1000">
               <a:latin typeface="Meiryo UI" panose="020B0604030504040204" pitchFamily="50" charset="-128"/>
@@ -16002,7 +15565,7 @@
                 <a:latin typeface="Meiryo UI" panose="020B0604030504040204" pitchFamily="50" charset="-128"/>
                 <a:ea typeface="Meiryo UI" panose="020B0604030504040204" pitchFamily="50" charset="-128"/>
               </a:rPr>
-              <a:t>VirtualSpace</a:t>
+              <a:t>VirtualStage</a:t>
             </a:r>
             <a:endParaRPr kumimoji="1" lang="ja-JP" altLang="en-US" sz="1000">
               <a:latin typeface="Meiryo UI" panose="020B0604030504040204" pitchFamily="50" charset="-128"/>
@@ -16691,7 +16254,7 @@
                 <a:latin typeface="Meiryo UI" panose="020B0604030504040204" pitchFamily="50" charset="-128"/>
                 <a:ea typeface="Meiryo UI" panose="020B0604030504040204" pitchFamily="50" charset="-128"/>
               </a:rPr>
-              <a:t>AvatarSelectionScreen</a:t>
+              <a:t>AvatarSelectionStage</a:t>
             </a:r>
             <a:endParaRPr kumimoji="1" lang="ja-JP" altLang="en-US" sz="1000">
               <a:latin typeface="Meiryo UI" panose="020B0604030504040204" pitchFamily="50" charset="-128"/>
@@ -17263,7 +16826,7 @@
                 <a:latin typeface="Meiryo UI" panose="020B0604030504040204" pitchFamily="50" charset="-128"/>
                 <a:ea typeface="Meiryo UI" panose="020B0604030504040204" pitchFamily="50" charset="-128"/>
               </a:rPr>
-              <a:t>TitleScreen</a:t>
+              <a:t>TitleStage</a:t>
             </a:r>
             <a:endParaRPr kumimoji="1" lang="ja-JP" altLang="en-US" sz="1000">
               <a:latin typeface="Meiryo UI" panose="020B0604030504040204" pitchFamily="50" charset="-128"/>

--- a/work/work.pptx
+++ b/work/work.pptx
@@ -5175,10 +5175,10 @@
       </p:grpSpPr>
       <p:pic>
         <p:nvPicPr>
-          <p:cNvPr id="3" name="図 2">
-            <a:extLst>
-              <a:ext uri="{FF2B5EF4-FFF2-40B4-BE49-F238E27FC236}">
-                <a16:creationId xmlns:a16="http://schemas.microsoft.com/office/drawing/2014/main" id="{7EC74E15-8451-5A6E-7F32-D0D81944F8BE}"/>
+          <p:cNvPr id="6" name="図 5">
+            <a:extLst>
+              <a:ext uri="{FF2B5EF4-FFF2-40B4-BE49-F238E27FC236}">
+                <a16:creationId xmlns:a16="http://schemas.microsoft.com/office/drawing/2014/main" id="{4AF234C2-75D4-2B9F-EFB8-5F74E516AB57}"/>
               </a:ext>
             </a:extLst>
           </p:cNvPr>
@@ -5195,8 +5195,8 @@
         </p:blipFill>
         <p:spPr>
           <a:xfrm>
-            <a:off x="3871602" y="2795499"/>
-            <a:ext cx="4448796" cy="1267002"/>
+            <a:off x="2670365" y="2353827"/>
+            <a:ext cx="6551052" cy="1631764"/>
           </a:xfrm>
           <a:prstGeom prst="rect">
             <a:avLst/>
@@ -7514,10 +7514,10 @@
       </p:grpSpPr>
       <p:pic>
         <p:nvPicPr>
-          <p:cNvPr id="3" name="図 2">
-            <a:extLst>
-              <a:ext uri="{FF2B5EF4-FFF2-40B4-BE49-F238E27FC236}">
-                <a16:creationId xmlns:a16="http://schemas.microsoft.com/office/drawing/2014/main" id="{3ADA5CAA-2A37-ADCD-0C7F-8087EADF3EBE}"/>
+          <p:cNvPr id="4" name="図 3">
+            <a:extLst>
+              <a:ext uri="{FF2B5EF4-FFF2-40B4-BE49-F238E27FC236}">
+                <a16:creationId xmlns:a16="http://schemas.microsoft.com/office/drawing/2014/main" id="{05684E31-878F-D84B-776C-6BA2255B6936}"/>
               </a:ext>
             </a:extLst>
           </p:cNvPr>
@@ -7534,8 +7534,8 @@
         </p:blipFill>
         <p:spPr>
           <a:xfrm>
-            <a:off x="3204759" y="2585920"/>
-            <a:ext cx="5782482" cy="1686160"/>
+            <a:off x="3042620" y="2600209"/>
+            <a:ext cx="5868219" cy="1657581"/>
           </a:xfrm>
           <a:prstGeom prst="rect">
             <a:avLst/>
@@ -7574,10 +7574,10 @@
       </p:grpSpPr>
       <p:pic>
         <p:nvPicPr>
-          <p:cNvPr id="4" name="図 3">
-            <a:extLst>
-              <a:ext uri="{FF2B5EF4-FFF2-40B4-BE49-F238E27FC236}">
-                <a16:creationId xmlns:a16="http://schemas.microsoft.com/office/drawing/2014/main" id="{A37D21AF-7A2A-20DD-B866-D7A5B1B85988}"/>
+          <p:cNvPr id="6" name="図 5">
+            <a:extLst>
+              <a:ext uri="{FF2B5EF4-FFF2-40B4-BE49-F238E27FC236}">
+                <a16:creationId xmlns:a16="http://schemas.microsoft.com/office/drawing/2014/main" id="{2F6B024C-7D87-B7A3-C71E-C7E6D910EDC5}"/>
               </a:ext>
             </a:extLst>
           </p:cNvPr>
@@ -7594,8 +7594,8 @@
         </p:blipFill>
         <p:spPr>
           <a:xfrm>
-            <a:off x="2618571" y="907746"/>
-            <a:ext cx="6406698" cy="5042507"/>
+            <a:off x="2837232" y="194811"/>
+            <a:ext cx="5868219" cy="6468378"/>
           </a:xfrm>
           <a:prstGeom prst="rect">
             <a:avLst/>
@@ -11545,10 +11545,10 @@
       </p:grpSpPr>
       <p:pic>
         <p:nvPicPr>
-          <p:cNvPr id="3" name="図 2">
-            <a:extLst>
-              <a:ext uri="{FF2B5EF4-FFF2-40B4-BE49-F238E27FC236}">
-                <a16:creationId xmlns:a16="http://schemas.microsoft.com/office/drawing/2014/main" id="{DEF4256A-30E7-D22A-DC71-AE9DB7318093}"/>
+          <p:cNvPr id="4" name="図 3">
+            <a:extLst>
+              <a:ext uri="{FF2B5EF4-FFF2-40B4-BE49-F238E27FC236}">
+                <a16:creationId xmlns:a16="http://schemas.microsoft.com/office/drawing/2014/main" id="{53C9F0C6-95E5-D6C7-AE75-216106D31210}"/>
               </a:ext>
             </a:extLst>
           </p:cNvPr>
@@ -11565,8 +11565,8 @@
         </p:blipFill>
         <p:spPr>
           <a:xfrm>
-            <a:off x="2928495" y="1790471"/>
-            <a:ext cx="6335009" cy="3277057"/>
+            <a:off x="2424911" y="1790471"/>
+            <a:ext cx="6749437" cy="3277057"/>
           </a:xfrm>
           <a:prstGeom prst="rect">
             <a:avLst/>

--- a/work/work.pptx
+++ b/work/work.pptx
@@ -293,7 +293,7 @@
           <a:p>
             <a:fld id="{DADCA3C0-8A91-47C6-9688-037592343C81}" type="datetimeFigureOut">
               <a:rPr kumimoji="1" lang="ja-JP" altLang="en-US" smtClean="0"/>
-              <a:t>2022/11/27</a:t>
+              <a:t>2022/12/3</a:t>
             </a:fld>
             <a:endParaRPr kumimoji="1" lang="ja-JP" altLang="en-US"/>
           </a:p>
@@ -523,7 +523,7 @@
           <a:p>
             <a:fld id="{DADCA3C0-8A91-47C6-9688-037592343C81}" type="datetimeFigureOut">
               <a:rPr kumimoji="1" lang="ja-JP" altLang="en-US" smtClean="0"/>
-              <a:t>2022/11/27</a:t>
+              <a:t>2022/12/3</a:t>
             </a:fld>
             <a:endParaRPr kumimoji="1" lang="ja-JP" altLang="en-US"/>
           </a:p>
@@ -763,7 +763,7 @@
           <a:p>
             <a:fld id="{DADCA3C0-8A91-47C6-9688-037592343C81}" type="datetimeFigureOut">
               <a:rPr kumimoji="1" lang="ja-JP" altLang="en-US" smtClean="0"/>
-              <a:t>2022/11/27</a:t>
+              <a:t>2022/12/3</a:t>
             </a:fld>
             <a:endParaRPr kumimoji="1" lang="ja-JP" altLang="en-US"/>
           </a:p>
@@ -993,7 +993,7 @@
           <a:p>
             <a:fld id="{DADCA3C0-8A91-47C6-9688-037592343C81}" type="datetimeFigureOut">
               <a:rPr kumimoji="1" lang="ja-JP" altLang="en-US" smtClean="0"/>
-              <a:t>2022/11/27</a:t>
+              <a:t>2022/12/3</a:t>
             </a:fld>
             <a:endParaRPr kumimoji="1" lang="ja-JP" altLang="en-US"/>
           </a:p>
@@ -1268,7 +1268,7 @@
           <a:p>
             <a:fld id="{DADCA3C0-8A91-47C6-9688-037592343C81}" type="datetimeFigureOut">
               <a:rPr kumimoji="1" lang="ja-JP" altLang="en-US" smtClean="0"/>
-              <a:t>2022/11/27</a:t>
+              <a:t>2022/12/3</a:t>
             </a:fld>
             <a:endParaRPr kumimoji="1" lang="ja-JP" altLang="en-US"/>
           </a:p>
@@ -1597,7 +1597,7 @@
           <a:p>
             <a:fld id="{DADCA3C0-8A91-47C6-9688-037592343C81}" type="datetimeFigureOut">
               <a:rPr kumimoji="1" lang="ja-JP" altLang="en-US" smtClean="0"/>
-              <a:t>2022/11/27</a:t>
+              <a:t>2022/12/3</a:t>
             </a:fld>
             <a:endParaRPr kumimoji="1" lang="ja-JP" altLang="en-US"/>
           </a:p>
@@ -2073,7 +2073,7 @@
           <a:p>
             <a:fld id="{DADCA3C0-8A91-47C6-9688-037592343C81}" type="datetimeFigureOut">
               <a:rPr kumimoji="1" lang="ja-JP" altLang="en-US" smtClean="0"/>
-              <a:t>2022/11/27</a:t>
+              <a:t>2022/12/3</a:t>
             </a:fld>
             <a:endParaRPr kumimoji="1" lang="ja-JP" altLang="en-US"/>
           </a:p>
@@ -2214,7 +2214,7 @@
           <a:p>
             <a:fld id="{DADCA3C0-8A91-47C6-9688-037592343C81}" type="datetimeFigureOut">
               <a:rPr kumimoji="1" lang="ja-JP" altLang="en-US" smtClean="0"/>
-              <a:t>2022/11/27</a:t>
+              <a:t>2022/12/3</a:t>
             </a:fld>
             <a:endParaRPr kumimoji="1" lang="ja-JP" altLang="en-US"/>
           </a:p>
@@ -2327,7 +2327,7 @@
           <a:p>
             <a:fld id="{DADCA3C0-8A91-47C6-9688-037592343C81}" type="datetimeFigureOut">
               <a:rPr kumimoji="1" lang="ja-JP" altLang="en-US" smtClean="0"/>
-              <a:t>2022/11/27</a:t>
+              <a:t>2022/12/3</a:t>
             </a:fld>
             <a:endParaRPr kumimoji="1" lang="ja-JP" altLang="en-US"/>
           </a:p>
@@ -2670,7 +2670,7 @@
           <a:p>
             <a:fld id="{DADCA3C0-8A91-47C6-9688-037592343C81}" type="datetimeFigureOut">
               <a:rPr kumimoji="1" lang="ja-JP" altLang="en-US" smtClean="0"/>
-              <a:t>2022/11/27</a:t>
+              <a:t>2022/12/3</a:t>
             </a:fld>
             <a:endParaRPr kumimoji="1" lang="ja-JP" altLang="en-US"/>
           </a:p>
@@ -2958,7 +2958,7 @@
           <a:p>
             <a:fld id="{DADCA3C0-8A91-47C6-9688-037592343C81}" type="datetimeFigureOut">
               <a:rPr kumimoji="1" lang="ja-JP" altLang="en-US" smtClean="0"/>
-              <a:t>2022/11/27</a:t>
+              <a:t>2022/12/3</a:t>
             </a:fld>
             <a:endParaRPr kumimoji="1" lang="ja-JP" altLang="en-US"/>
           </a:p>
@@ -3231,7 +3231,7 @@
           <a:p>
             <a:fld id="{DADCA3C0-8A91-47C6-9688-037592343C81}" type="datetimeFigureOut">
               <a:rPr kumimoji="1" lang="ja-JP" altLang="en-US" smtClean="0"/>
-              <a:t>2022/11/27</a:t>
+              <a:t>2022/12/3</a:t>
             </a:fld>
             <a:endParaRPr kumimoji="1" lang="ja-JP" altLang="en-US"/>
           </a:p>
@@ -10397,284 +10397,6 @@
           </a:p>
         </p:txBody>
       </p:sp>
-      <p:cxnSp>
-        <p:nvCxnSpPr>
-          <p:cNvPr id="25" name="直線矢印コネクタ 24">
-            <a:extLst>
-              <a:ext uri="{FF2B5EF4-FFF2-40B4-BE49-F238E27FC236}">
-                <a16:creationId xmlns:a16="http://schemas.microsoft.com/office/drawing/2014/main" id="{B70DDA4B-3431-BCEC-953C-AA8F89DBE5FA}"/>
-              </a:ext>
-            </a:extLst>
-          </p:cNvPr>
-          <p:cNvCxnSpPr>
-            <a:cxnSpLocks/>
-            <a:stCxn id="8" idx="2"/>
-            <a:endCxn id="22" idx="0"/>
-          </p:cNvCxnSpPr>
-          <p:nvPr/>
-        </p:nvCxnSpPr>
-        <p:spPr>
-          <a:xfrm rot="16200000" flipH="1">
-            <a:off x="7923759" y="3265887"/>
-            <a:ext cx="1489874" cy="196855"/>
-          </a:xfrm>
-          <a:prstGeom prst="bentConnector3">
-            <a:avLst>
-              <a:gd name="adj1" fmla="val 50000"/>
-            </a:avLst>
-          </a:prstGeom>
-          <a:ln>
-            <a:solidFill>
-              <a:schemeClr val="accent4"/>
-            </a:solidFill>
-            <a:tailEnd type="triangle"/>
-          </a:ln>
-        </p:spPr>
-        <p:style>
-          <a:lnRef idx="1">
-            <a:schemeClr val="accent1"/>
-          </a:lnRef>
-          <a:fillRef idx="0">
-            <a:schemeClr val="accent1"/>
-          </a:fillRef>
-          <a:effectRef idx="0">
-            <a:schemeClr val="accent1"/>
-          </a:effectRef>
-          <a:fontRef idx="minor">
-            <a:schemeClr val="tx1"/>
-          </a:fontRef>
-        </p:style>
-      </p:cxnSp>
-      <p:cxnSp>
-        <p:nvCxnSpPr>
-          <p:cNvPr id="32" name="直線矢印コネクタ 24">
-            <a:extLst>
-              <a:ext uri="{FF2B5EF4-FFF2-40B4-BE49-F238E27FC236}">
-                <a16:creationId xmlns:a16="http://schemas.microsoft.com/office/drawing/2014/main" id="{DF2EEC10-2FCD-6BD4-4DAA-C9EDC9B81CEF}"/>
-              </a:ext>
-            </a:extLst>
-          </p:cNvPr>
-          <p:cNvCxnSpPr>
-            <a:cxnSpLocks/>
-            <a:stCxn id="9" idx="2"/>
-            <a:endCxn id="12" idx="0"/>
-          </p:cNvCxnSpPr>
-          <p:nvPr/>
-        </p:nvCxnSpPr>
-        <p:spPr>
-          <a:xfrm rot="16200000" flipH="1">
-            <a:off x="6311176" y="3517005"/>
-            <a:ext cx="2648135" cy="852879"/>
-          </a:xfrm>
-          <a:prstGeom prst="bentConnector3">
-            <a:avLst>
-              <a:gd name="adj1" fmla="val 50000"/>
-            </a:avLst>
-          </a:prstGeom>
-          <a:ln w="12700">
-            <a:solidFill>
-              <a:schemeClr val="accent4"/>
-            </a:solidFill>
-            <a:tailEnd type="triangle"/>
-          </a:ln>
-        </p:spPr>
-        <p:style>
-          <a:lnRef idx="1">
-            <a:schemeClr val="accent1"/>
-          </a:lnRef>
-          <a:fillRef idx="0">
-            <a:schemeClr val="accent1"/>
-          </a:fillRef>
-          <a:effectRef idx="0">
-            <a:schemeClr val="accent1"/>
-          </a:effectRef>
-          <a:fontRef idx="minor">
-            <a:schemeClr val="tx1"/>
-          </a:fontRef>
-        </p:style>
-      </p:cxnSp>
-      <p:cxnSp>
-        <p:nvCxnSpPr>
-          <p:cNvPr id="264" name="直線矢印コネクタ 24">
-            <a:extLst>
-              <a:ext uri="{FF2B5EF4-FFF2-40B4-BE49-F238E27FC236}">
-                <a16:creationId xmlns:a16="http://schemas.microsoft.com/office/drawing/2014/main" id="{FC06F846-B919-E0BE-564B-4B885DA17646}"/>
-              </a:ext>
-            </a:extLst>
-          </p:cNvPr>
-          <p:cNvCxnSpPr>
-            <a:cxnSpLocks/>
-            <a:stCxn id="3" idx="1"/>
-            <a:endCxn id="2" idx="3"/>
-          </p:cNvCxnSpPr>
-          <p:nvPr/>
-        </p:nvCxnSpPr>
-        <p:spPr>
-          <a:xfrm flipH="1" flipV="1">
-            <a:off x="5791683" y="2356405"/>
-            <a:ext cx="361467" cy="374"/>
-          </a:xfrm>
-          <a:prstGeom prst="straightConnector1">
-            <a:avLst/>
-          </a:prstGeom>
-          <a:ln>
-            <a:solidFill>
-              <a:schemeClr val="accent4"/>
-            </a:solidFill>
-            <a:tailEnd type="triangle"/>
-          </a:ln>
-        </p:spPr>
-        <p:style>
-          <a:lnRef idx="1">
-            <a:schemeClr val="accent1"/>
-          </a:lnRef>
-          <a:fillRef idx="0">
-            <a:schemeClr val="accent1"/>
-          </a:fillRef>
-          <a:effectRef idx="0">
-            <a:schemeClr val="accent1"/>
-          </a:effectRef>
-          <a:fontRef idx="minor">
-            <a:schemeClr val="tx1"/>
-          </a:fontRef>
-        </p:style>
-      </p:cxnSp>
-      <p:cxnSp>
-        <p:nvCxnSpPr>
-          <p:cNvPr id="26" name="直線矢印コネクタ 24">
-            <a:extLst>
-              <a:ext uri="{FF2B5EF4-FFF2-40B4-BE49-F238E27FC236}">
-                <a16:creationId xmlns:a16="http://schemas.microsoft.com/office/drawing/2014/main" id="{BF40281B-B3DF-470F-A2C8-584738F330A2}"/>
-              </a:ext>
-            </a:extLst>
-          </p:cNvPr>
-          <p:cNvCxnSpPr>
-            <a:cxnSpLocks/>
-          </p:cNvCxnSpPr>
-          <p:nvPr/>
-        </p:nvCxnSpPr>
-        <p:spPr>
-          <a:xfrm flipH="1">
-            <a:off x="5791683" y="2351090"/>
-            <a:ext cx="361467" cy="5316"/>
-          </a:xfrm>
-          <a:prstGeom prst="straightConnector1">
-            <a:avLst/>
-          </a:prstGeom>
-          <a:ln>
-            <a:solidFill>
-              <a:schemeClr val="accent4"/>
-            </a:solidFill>
-            <a:tailEnd type="triangle"/>
-          </a:ln>
-        </p:spPr>
-        <p:style>
-          <a:lnRef idx="1">
-            <a:schemeClr val="accent1"/>
-          </a:lnRef>
-          <a:fillRef idx="0">
-            <a:schemeClr val="accent1"/>
-          </a:fillRef>
-          <a:effectRef idx="0">
-            <a:schemeClr val="accent1"/>
-          </a:effectRef>
-          <a:fontRef idx="minor">
-            <a:schemeClr val="tx1"/>
-          </a:fontRef>
-        </p:style>
-      </p:cxnSp>
-      <p:cxnSp>
-        <p:nvCxnSpPr>
-          <p:cNvPr id="27" name="直線矢印コネクタ 24">
-            <a:extLst>
-              <a:ext uri="{FF2B5EF4-FFF2-40B4-BE49-F238E27FC236}">
-                <a16:creationId xmlns:a16="http://schemas.microsoft.com/office/drawing/2014/main" id="{6AB6C3EE-710A-4479-8645-A0338A240223}"/>
-              </a:ext>
-            </a:extLst>
-          </p:cNvPr>
-          <p:cNvCxnSpPr>
-            <a:cxnSpLocks/>
-          </p:cNvCxnSpPr>
-          <p:nvPr/>
-        </p:nvCxnSpPr>
-        <p:spPr>
-          <a:xfrm rot="16200000" flipH="1">
-            <a:off x="7923760" y="3265888"/>
-            <a:ext cx="1489874" cy="196855"/>
-          </a:xfrm>
-          <a:prstGeom prst="bentConnector3">
-            <a:avLst>
-              <a:gd name="adj1" fmla="val 50000"/>
-            </a:avLst>
-          </a:prstGeom>
-          <a:ln w="12700">
-            <a:solidFill>
-              <a:schemeClr val="accent4"/>
-            </a:solidFill>
-            <a:tailEnd type="triangle"/>
-          </a:ln>
-        </p:spPr>
-        <p:style>
-          <a:lnRef idx="1">
-            <a:schemeClr val="accent1"/>
-          </a:lnRef>
-          <a:fillRef idx="0">
-            <a:schemeClr val="accent1"/>
-          </a:fillRef>
-          <a:effectRef idx="0">
-            <a:schemeClr val="accent1"/>
-          </a:effectRef>
-          <a:fontRef idx="minor">
-            <a:schemeClr val="tx1"/>
-          </a:fontRef>
-        </p:style>
-      </p:cxnSp>
-      <p:cxnSp>
-        <p:nvCxnSpPr>
-          <p:cNvPr id="29" name="直線矢印コネクタ 24">
-            <a:extLst>
-              <a:ext uri="{FF2B5EF4-FFF2-40B4-BE49-F238E27FC236}">
-                <a16:creationId xmlns:a16="http://schemas.microsoft.com/office/drawing/2014/main" id="{C48BAFFF-6120-4E37-BD77-17BE76B0577B}"/>
-              </a:ext>
-            </a:extLst>
-          </p:cNvPr>
-          <p:cNvCxnSpPr>
-            <a:cxnSpLocks/>
-            <a:stCxn id="3" idx="1"/>
-            <a:endCxn id="2" idx="3"/>
-          </p:cNvCxnSpPr>
-          <p:nvPr/>
-        </p:nvCxnSpPr>
-        <p:spPr>
-          <a:xfrm flipH="1" flipV="1">
-            <a:off x="5791683" y="2356405"/>
-            <a:ext cx="361467" cy="374"/>
-          </a:xfrm>
-          <a:prstGeom prst="straightConnector1">
-            <a:avLst/>
-          </a:prstGeom>
-          <a:ln w="12700">
-            <a:solidFill>
-              <a:schemeClr val="accent4"/>
-            </a:solidFill>
-            <a:tailEnd type="triangle"/>
-          </a:ln>
-        </p:spPr>
-        <p:style>
-          <a:lnRef idx="1">
-            <a:schemeClr val="accent1"/>
-          </a:lnRef>
-          <a:fillRef idx="0">
-            <a:schemeClr val="accent1"/>
-          </a:fillRef>
-          <a:effectRef idx="0">
-            <a:schemeClr val="accent1"/>
-          </a:effectRef>
-          <a:fontRef idx="minor">
-            <a:schemeClr val="tx1"/>
-          </a:fontRef>
-        </p:style>
-      </p:cxnSp>
     </p:spTree>
     <p:extLst>
       <p:ext uri="{BB962C8B-B14F-4D97-AF65-F5344CB8AC3E}">

--- a/work/work.pptx
+++ b/work/work.pptx
@@ -15829,14 +15829,13 @@
             </a:extLst>
           </p:cNvPr>
           <p:cNvCxnSpPr>
-            <a:stCxn id="6" idx="3"/>
-            <a:endCxn id="8" idx="1"/>
+            <a:cxnSpLocks/>
           </p:cNvCxnSpPr>
           <p:nvPr/>
         </p:nvCxnSpPr>
         <p:spPr>
           <a:xfrm flipV="1">
-            <a:off x="4594412" y="3120261"/>
+            <a:off x="4594412" y="3025011"/>
             <a:ext cx="1098604" cy="1"/>
           </a:xfrm>
           <a:prstGeom prst="straightConnector1">
@@ -15875,14 +15874,12 @@
           </p:cNvPr>
           <p:cNvCxnSpPr>
             <a:cxnSpLocks/>
-            <a:stCxn id="6" idx="1"/>
-            <a:endCxn id="7" idx="3"/>
           </p:cNvCxnSpPr>
           <p:nvPr/>
         </p:nvCxnSpPr>
         <p:spPr>
           <a:xfrm flipH="1">
-            <a:off x="2475100" y="3120262"/>
+            <a:off x="2475100" y="3234562"/>
             <a:ext cx="1093841" cy="0"/>
           </a:xfrm>
           <a:prstGeom prst="straightConnector1">
@@ -15921,27 +15918,24 @@
           </p:cNvPr>
           <p:cNvCxnSpPr>
             <a:cxnSpLocks/>
-            <a:stCxn id="6" idx="0"/>
-            <a:endCxn id="7" idx="0"/>
           </p:cNvCxnSpPr>
           <p:nvPr/>
         </p:nvCxnSpPr>
         <p:spPr>
-          <a:xfrm rot="16200000" flipV="1">
-            <a:off x="3022021" y="1889646"/>
-            <a:ext cx="12700" cy="2119312"/>
-          </a:xfrm>
-          <a:prstGeom prst="bentConnector3">
-            <a:avLst>
-              <a:gd name="adj1" fmla="val 1800000"/>
-            </a:avLst>
+          <a:xfrm flipH="1">
+            <a:off x="2475100" y="3018662"/>
+            <a:ext cx="1093841" cy="0"/>
+          </a:xfrm>
+          <a:prstGeom prst="straightConnector1">
+            <a:avLst/>
           </a:prstGeom>
           <a:ln w="12700">
             <a:solidFill>
               <a:schemeClr val="accent6"/>
             </a:solidFill>
             <a:prstDash val="dash"/>
-            <a:tailEnd type="triangle"/>
+            <a:headEnd type="triangle"/>
+            <a:tailEnd type="none"/>
           </a:ln>
         </p:spPr>
         <p:style>
@@ -15970,27 +15964,24 @@
           </p:cNvPr>
           <p:cNvCxnSpPr>
             <a:cxnSpLocks/>
-            <a:stCxn id="6" idx="2"/>
-            <a:endCxn id="8" idx="2"/>
           </p:cNvCxnSpPr>
           <p:nvPr/>
         </p:nvCxnSpPr>
         <p:spPr>
-          <a:xfrm rot="5400000" flipH="1" flipV="1">
-            <a:off x="5143713" y="2229183"/>
-            <a:ext cx="1" cy="2124075"/>
-          </a:xfrm>
-          <a:prstGeom prst="bentConnector3">
-            <a:avLst>
-              <a:gd name="adj1" fmla="val -22860000000"/>
-            </a:avLst>
+          <a:xfrm flipV="1">
+            <a:off x="4594412" y="3240911"/>
+            <a:ext cx="1098604" cy="1"/>
+          </a:xfrm>
+          <a:prstGeom prst="straightConnector1">
+            <a:avLst/>
           </a:prstGeom>
           <a:ln w="12700">
             <a:solidFill>
               <a:schemeClr val="accent5"/>
             </a:solidFill>
             <a:prstDash val="dash"/>
-            <a:tailEnd type="triangle"/>
+            <a:headEnd type="triangle"/>
+            <a:tailEnd type="none"/>
           </a:ln>
         </p:spPr>
         <p:style>
@@ -16022,7 +16013,7 @@
         </p:nvSpPr>
         <p:spPr>
           <a:xfrm>
-            <a:off x="4594412" y="3310270"/>
+            <a:off x="4594412" y="3043570"/>
             <a:ext cx="1025471" cy="208895"/>
           </a:xfrm>
           <a:prstGeom prst="rect">
@@ -16062,7 +16053,7 @@
                 <a:latin typeface="Meiryo UI" panose="020B0604030504040204" pitchFamily="50" charset="-128"/>
                 <a:ea typeface="Meiryo UI" panose="020B0604030504040204" pitchFamily="50" charset="-128"/>
               </a:rPr>
-              <a:t>subscribe</a:t>
+              <a:t>event</a:t>
             </a:r>
           </a:p>
         </p:txBody>
@@ -16081,7 +16072,7 @@
         </p:nvSpPr>
         <p:spPr>
           <a:xfrm>
-            <a:off x="4594411" y="2911364"/>
+            <a:off x="4594411" y="2828814"/>
             <a:ext cx="1025471" cy="208895"/>
           </a:xfrm>
           <a:prstGeom prst="rect">
@@ -16140,7 +16131,7 @@
         </p:nvSpPr>
         <p:spPr>
           <a:xfrm>
-            <a:off x="2543470" y="2911364"/>
+            <a:off x="2543470" y="3044714"/>
             <a:ext cx="1025471" cy="208895"/>
           </a:xfrm>
           <a:prstGeom prst="rect">
@@ -16199,7 +16190,7 @@
         </p:nvSpPr>
         <p:spPr>
           <a:xfrm>
-            <a:off x="2543470" y="2517700"/>
+            <a:off x="2543469" y="2825477"/>
             <a:ext cx="1025471" cy="208895"/>
           </a:xfrm>
           <a:prstGeom prst="rect">
@@ -16239,7 +16230,7 @@
                 <a:latin typeface="Meiryo UI" panose="020B0604030504040204" pitchFamily="50" charset="-128"/>
                 <a:ea typeface="Meiryo UI" panose="020B0604030504040204" pitchFamily="50" charset="-128"/>
               </a:rPr>
-              <a:t>subscribe</a:t>
+              <a:t>event</a:t>
             </a:r>
           </a:p>
         </p:txBody>
@@ -16258,8 +16249,8 @@
         </p:nvSpPr>
         <p:spPr>
           <a:xfrm>
-            <a:off x="1276990" y="2424793"/>
-            <a:ext cx="5613667" cy="1298121"/>
+            <a:off x="1276990" y="2641600"/>
+            <a:ext cx="5613667" cy="882650"/>
           </a:xfrm>
           <a:prstGeom prst="rect">
             <a:avLst/>
@@ -16464,19 +16455,17 @@
           </p:cNvPr>
           <p:cNvCxnSpPr>
             <a:cxnSpLocks/>
-            <a:stCxn id="37" idx="2"/>
-            <a:endCxn id="23" idx="2"/>
           </p:cNvCxnSpPr>
           <p:nvPr/>
         </p:nvCxnSpPr>
         <p:spPr>
           <a:xfrm rot="5400000" flipH="1">
-            <a:off x="6842846" y="1783468"/>
-            <a:ext cx="75396" cy="3546791"/>
+            <a:off x="6719608" y="1650117"/>
+            <a:ext cx="342096" cy="3546791"/>
           </a:xfrm>
           <a:prstGeom prst="bentConnector3">
             <a:avLst>
-              <a:gd name="adj1" fmla="val -303199"/>
+              <a:gd name="adj1" fmla="val -38980"/>
             </a:avLst>
           </a:prstGeom>
           <a:ln w="12700">
@@ -16519,8 +16508,8 @@
         </p:nvCxnSpPr>
         <p:spPr>
           <a:xfrm rot="10800000" flipV="1">
-            <a:off x="6890658" y="2731450"/>
-            <a:ext cx="1238217" cy="342404"/>
+            <a:off x="6890658" y="2731449"/>
+            <a:ext cx="1238217" cy="351475"/>
           </a:xfrm>
           <a:prstGeom prst="bentConnector3">
             <a:avLst>

--- a/work/work.pptx
+++ b/work/work.pptx
@@ -293,7 +293,7 @@
           <a:p>
             <a:fld id="{DADCA3C0-8A91-47C6-9688-037592343C81}" type="datetimeFigureOut">
               <a:rPr kumimoji="1" lang="ja-JP" altLang="en-US" smtClean="0"/>
-              <a:t>2022/12/3</a:t>
+              <a:t>2022/12/4</a:t>
             </a:fld>
             <a:endParaRPr kumimoji="1" lang="ja-JP" altLang="en-US"/>
           </a:p>
@@ -523,7 +523,7 @@
           <a:p>
             <a:fld id="{DADCA3C0-8A91-47C6-9688-037592343C81}" type="datetimeFigureOut">
               <a:rPr kumimoji="1" lang="ja-JP" altLang="en-US" smtClean="0"/>
-              <a:t>2022/12/3</a:t>
+              <a:t>2022/12/4</a:t>
             </a:fld>
             <a:endParaRPr kumimoji="1" lang="ja-JP" altLang="en-US"/>
           </a:p>
@@ -763,7 +763,7 @@
           <a:p>
             <a:fld id="{DADCA3C0-8A91-47C6-9688-037592343C81}" type="datetimeFigureOut">
               <a:rPr kumimoji="1" lang="ja-JP" altLang="en-US" smtClean="0"/>
-              <a:t>2022/12/3</a:t>
+              <a:t>2022/12/4</a:t>
             </a:fld>
             <a:endParaRPr kumimoji="1" lang="ja-JP" altLang="en-US"/>
           </a:p>
@@ -993,7 +993,7 @@
           <a:p>
             <a:fld id="{DADCA3C0-8A91-47C6-9688-037592343C81}" type="datetimeFigureOut">
               <a:rPr kumimoji="1" lang="ja-JP" altLang="en-US" smtClean="0"/>
-              <a:t>2022/12/3</a:t>
+              <a:t>2022/12/4</a:t>
             </a:fld>
             <a:endParaRPr kumimoji="1" lang="ja-JP" altLang="en-US"/>
           </a:p>
@@ -1268,7 +1268,7 @@
           <a:p>
             <a:fld id="{DADCA3C0-8A91-47C6-9688-037592343C81}" type="datetimeFigureOut">
               <a:rPr kumimoji="1" lang="ja-JP" altLang="en-US" smtClean="0"/>
-              <a:t>2022/12/3</a:t>
+              <a:t>2022/12/4</a:t>
             </a:fld>
             <a:endParaRPr kumimoji="1" lang="ja-JP" altLang="en-US"/>
           </a:p>
@@ -1597,7 +1597,7 @@
           <a:p>
             <a:fld id="{DADCA3C0-8A91-47C6-9688-037592343C81}" type="datetimeFigureOut">
               <a:rPr kumimoji="1" lang="ja-JP" altLang="en-US" smtClean="0"/>
-              <a:t>2022/12/3</a:t>
+              <a:t>2022/12/4</a:t>
             </a:fld>
             <a:endParaRPr kumimoji="1" lang="ja-JP" altLang="en-US"/>
           </a:p>
@@ -2073,7 +2073,7 @@
           <a:p>
             <a:fld id="{DADCA3C0-8A91-47C6-9688-037592343C81}" type="datetimeFigureOut">
               <a:rPr kumimoji="1" lang="ja-JP" altLang="en-US" smtClean="0"/>
-              <a:t>2022/12/3</a:t>
+              <a:t>2022/12/4</a:t>
             </a:fld>
             <a:endParaRPr kumimoji="1" lang="ja-JP" altLang="en-US"/>
           </a:p>
@@ -2214,7 +2214,7 @@
           <a:p>
             <a:fld id="{DADCA3C0-8A91-47C6-9688-037592343C81}" type="datetimeFigureOut">
               <a:rPr kumimoji="1" lang="ja-JP" altLang="en-US" smtClean="0"/>
-              <a:t>2022/12/3</a:t>
+              <a:t>2022/12/4</a:t>
             </a:fld>
             <a:endParaRPr kumimoji="1" lang="ja-JP" altLang="en-US"/>
           </a:p>
@@ -2327,7 +2327,7 @@
           <a:p>
             <a:fld id="{DADCA3C0-8A91-47C6-9688-037592343C81}" type="datetimeFigureOut">
               <a:rPr kumimoji="1" lang="ja-JP" altLang="en-US" smtClean="0"/>
-              <a:t>2022/12/3</a:t>
+              <a:t>2022/12/4</a:t>
             </a:fld>
             <a:endParaRPr kumimoji="1" lang="ja-JP" altLang="en-US"/>
           </a:p>
@@ -2670,7 +2670,7 @@
           <a:p>
             <a:fld id="{DADCA3C0-8A91-47C6-9688-037592343C81}" type="datetimeFigureOut">
               <a:rPr kumimoji="1" lang="ja-JP" altLang="en-US" smtClean="0"/>
-              <a:t>2022/12/3</a:t>
+              <a:t>2022/12/4</a:t>
             </a:fld>
             <a:endParaRPr kumimoji="1" lang="ja-JP" altLang="en-US"/>
           </a:p>
@@ -2958,7 +2958,7 @@
           <a:p>
             <a:fld id="{DADCA3C0-8A91-47C6-9688-037592343C81}" type="datetimeFigureOut">
               <a:rPr kumimoji="1" lang="ja-JP" altLang="en-US" smtClean="0"/>
-              <a:t>2022/12/3</a:t>
+              <a:t>2022/12/4</a:t>
             </a:fld>
             <a:endParaRPr kumimoji="1" lang="ja-JP" altLang="en-US"/>
           </a:p>
@@ -3231,7 +3231,7 @@
           <a:p>
             <a:fld id="{DADCA3C0-8A91-47C6-9688-037592343C81}" type="datetimeFigureOut">
               <a:rPr kumimoji="1" lang="ja-JP" altLang="en-US" smtClean="0"/>
-              <a:t>2022/12/3</a:t>
+              <a:t>2022/12/4</a:t>
             </a:fld>
             <a:endParaRPr kumimoji="1" lang="ja-JP" altLang="en-US"/>
           </a:p>
@@ -10429,10 +10429,10 @@
       </p:grpSpPr>
       <p:pic>
         <p:nvPicPr>
-          <p:cNvPr id="3" name="図 2">
-            <a:extLst>
-              <a:ext uri="{FF2B5EF4-FFF2-40B4-BE49-F238E27FC236}">
-                <a16:creationId xmlns:a16="http://schemas.microsoft.com/office/drawing/2014/main" id="{AB7459ED-82E5-4480-33D5-49E80EF405C6}"/>
+          <p:cNvPr id="6" name="図 5">
+            <a:extLst>
+              <a:ext uri="{FF2B5EF4-FFF2-40B4-BE49-F238E27FC236}">
+                <a16:creationId xmlns:a16="http://schemas.microsoft.com/office/drawing/2014/main" id="{022DF200-48EF-8E96-7937-4BE62DEE74F3}"/>
               </a:ext>
             </a:extLst>
           </p:cNvPr>
@@ -10441,15 +10441,16 @@
           </p:cNvPicPr>
           <p:nvPr/>
         </p:nvPicPr>
-        <p:blipFill rotWithShape="1">
+        <p:blipFill>
           <a:blip r:embed="rId2"/>
-          <a:srcRect b="28007"/>
-          <a:stretch/>
+          <a:stretch>
+            <a:fillRect/>
+          </a:stretch>
         </p:blipFill>
         <p:spPr>
           <a:xfrm>
-            <a:off x="3482671" y="920842"/>
-            <a:ext cx="4866478" cy="3611402"/>
+            <a:off x="3392555" y="1478333"/>
+            <a:ext cx="5113765" cy="3639959"/>
           </a:xfrm>
           <a:prstGeom prst="rect">
             <a:avLst/>
@@ -10458,10 +10459,10 @@
       </p:pic>
       <p:sp>
         <p:nvSpPr>
-          <p:cNvPr id="4" name="四角形: 角を丸くする 3">
-            <a:extLst>
-              <a:ext uri="{FF2B5EF4-FFF2-40B4-BE49-F238E27FC236}">
-                <a16:creationId xmlns:a16="http://schemas.microsoft.com/office/drawing/2014/main" id="{5CC035FB-7D66-22DA-B8D9-044F51805CEF}"/>
+          <p:cNvPr id="7" name="四角形: 角を丸くする 6">
+            <a:extLst>
+              <a:ext uri="{FF2B5EF4-FFF2-40B4-BE49-F238E27FC236}">
+                <a16:creationId xmlns:a16="http://schemas.microsoft.com/office/drawing/2014/main" id="{ED63D3DA-9719-5535-D8C0-E1CBC4F86441}"/>
               </a:ext>
             </a:extLst>
           </p:cNvPr>
@@ -10470,8 +10471,8 @@
         </p:nvSpPr>
         <p:spPr>
           <a:xfrm>
-            <a:off x="4853904" y="2214948"/>
-            <a:ext cx="3407500" cy="1999243"/>
+            <a:off x="4850295" y="2842591"/>
+            <a:ext cx="3568147" cy="2067340"/>
           </a:xfrm>
           <a:prstGeom prst="roundRect">
             <a:avLst>
@@ -10572,10 +10573,10 @@
       </p:pic>
       <p:pic>
         <p:nvPicPr>
-          <p:cNvPr id="5" name="図 4">
-            <a:extLst>
-              <a:ext uri="{FF2B5EF4-FFF2-40B4-BE49-F238E27FC236}">
-                <a16:creationId xmlns:a16="http://schemas.microsoft.com/office/drawing/2014/main" id="{E7694B74-1B28-DA7E-3FC8-238CABF073C7}"/>
+          <p:cNvPr id="4" name="図 3">
+            <a:extLst>
+              <a:ext uri="{FF2B5EF4-FFF2-40B4-BE49-F238E27FC236}">
+                <a16:creationId xmlns:a16="http://schemas.microsoft.com/office/drawing/2014/main" id="{1F9E6FB4-6F0E-7C2C-844B-EDC57293DD01}"/>
               </a:ext>
             </a:extLst>
           </p:cNvPr>
@@ -10592,8 +10593,8 @@
         </p:blipFill>
         <p:spPr>
           <a:xfrm>
-            <a:off x="7377366" y="1354559"/>
-            <a:ext cx="2570866" cy="3670665"/>
+            <a:off x="7049607" y="1354559"/>
+            <a:ext cx="2666968" cy="3670665"/>
           </a:xfrm>
           <a:prstGeom prst="rect">
             <a:avLst/>
@@ -10614,8 +10615,8 @@
         </p:nvSpPr>
         <p:spPr>
           <a:xfrm>
-            <a:off x="7450372" y="3429000"/>
-            <a:ext cx="2497860" cy="1047584"/>
+            <a:off x="7114283" y="3498574"/>
+            <a:ext cx="2582414" cy="1192696"/>
           </a:xfrm>
           <a:prstGeom prst="roundRect">
             <a:avLst>
@@ -14464,10 +14465,10 @@
       </p:grpSpPr>
       <p:pic>
         <p:nvPicPr>
-          <p:cNvPr id="3" name="図 2">
-            <a:extLst>
-              <a:ext uri="{FF2B5EF4-FFF2-40B4-BE49-F238E27FC236}">
-                <a16:creationId xmlns:a16="http://schemas.microsoft.com/office/drawing/2014/main" id="{4307D6B1-46A9-2F68-4C48-8229227B008B}"/>
+          <p:cNvPr id="7" name="図 6">
+            <a:extLst>
+              <a:ext uri="{FF2B5EF4-FFF2-40B4-BE49-F238E27FC236}">
+                <a16:creationId xmlns:a16="http://schemas.microsoft.com/office/drawing/2014/main" id="{63F52FD4-7AC6-37DC-B6AD-BF014B51AEF3}"/>
               </a:ext>
             </a:extLst>
           </p:cNvPr>
@@ -14476,15 +14477,16 @@
           </p:cNvPicPr>
           <p:nvPr/>
         </p:nvPicPr>
-        <p:blipFill rotWithShape="1">
+        <p:blipFill>
           <a:blip r:embed="rId2"/>
-          <a:srcRect b="29194"/>
-          <a:stretch/>
+          <a:stretch>
+            <a:fillRect/>
+          </a:stretch>
         </p:blipFill>
         <p:spPr>
           <a:xfrm>
-            <a:off x="3260034" y="707456"/>
-            <a:ext cx="5033455" cy="3673713"/>
+            <a:off x="3160644" y="1290786"/>
+            <a:ext cx="5171536" cy="3669229"/>
           </a:xfrm>
           <a:prstGeom prst="rect">
             <a:avLst/>
@@ -14505,8 +14507,8 @@
         </p:nvSpPr>
         <p:spPr>
           <a:xfrm>
-            <a:off x="6647291" y="3054552"/>
-            <a:ext cx="1485616" cy="308850"/>
+            <a:off x="6667170" y="3876260"/>
+            <a:ext cx="1485616" cy="163002"/>
           </a:xfrm>
           <a:prstGeom prst="roundRect">
             <a:avLst>
@@ -14577,10 +14579,10 @@
       </p:grpSpPr>
       <p:pic>
         <p:nvPicPr>
-          <p:cNvPr id="3" name="図 2">
-            <a:extLst>
-              <a:ext uri="{FF2B5EF4-FFF2-40B4-BE49-F238E27FC236}">
-                <a16:creationId xmlns:a16="http://schemas.microsoft.com/office/drawing/2014/main" id="{8919EEDE-6A00-2CE0-4B5E-52A081CEF568}"/>
+          <p:cNvPr id="4" name="図 3">
+            <a:extLst>
+              <a:ext uri="{FF2B5EF4-FFF2-40B4-BE49-F238E27FC236}">
+                <a16:creationId xmlns:a16="http://schemas.microsoft.com/office/drawing/2014/main" id="{4D926856-F5C6-B826-0C5A-0C314FFE9486}"/>
               </a:ext>
             </a:extLst>
           </p:cNvPr>
@@ -14597,20 +14599,128 @@
         </p:blipFill>
         <p:spPr>
           <a:xfrm>
-            <a:off x="1170711" y="1394315"/>
-            <a:ext cx="5481776" cy="3615785"/>
+            <a:off x="1090655" y="1264447"/>
+            <a:ext cx="5886680" cy="3875520"/>
           </a:xfrm>
           <a:prstGeom prst="rect">
             <a:avLst/>
           </a:prstGeom>
         </p:spPr>
       </p:pic>
+      <p:sp>
+        <p:nvSpPr>
+          <p:cNvPr id="6" name="四角形: 角を丸くする 5">
+            <a:extLst>
+              <a:ext uri="{FF2B5EF4-FFF2-40B4-BE49-F238E27FC236}">
+                <a16:creationId xmlns:a16="http://schemas.microsoft.com/office/drawing/2014/main" id="{1CB2656C-21F7-9D2E-BC95-3CA1F1329502}"/>
+              </a:ext>
+            </a:extLst>
+          </p:cNvPr>
+          <p:cNvSpPr/>
+          <p:nvPr/>
+        </p:nvSpPr>
+        <p:spPr>
+          <a:xfrm>
+            <a:off x="1357685" y="1390742"/>
+            <a:ext cx="1152939" cy="189580"/>
+          </a:xfrm>
+          <a:prstGeom prst="roundRect">
+            <a:avLst>
+              <a:gd name="adj" fmla="val 4167"/>
+            </a:avLst>
+          </a:prstGeom>
+          <a:noFill/>
+          <a:ln>
+            <a:solidFill>
+              <a:srgbClr val="FF6F61"/>
+            </a:solidFill>
+          </a:ln>
+        </p:spPr>
+        <p:style>
+          <a:lnRef idx="2">
+            <a:schemeClr val="accent1">
+              <a:shade val="50000"/>
+            </a:schemeClr>
+          </a:lnRef>
+          <a:fillRef idx="1">
+            <a:schemeClr val="accent1"/>
+          </a:fillRef>
+          <a:effectRef idx="0">
+            <a:schemeClr val="accent1"/>
+          </a:effectRef>
+          <a:fontRef idx="minor">
+            <a:schemeClr val="lt1"/>
+          </a:fontRef>
+        </p:style>
+        <p:txBody>
+          <a:bodyPr rtlCol="0" anchor="ctr"/>
+          <a:lstStyle/>
+          <a:p>
+            <a:pPr algn="ctr"/>
+            <a:endParaRPr kumimoji="1" lang="ja-JP" altLang="en-US"/>
+          </a:p>
+        </p:txBody>
+      </p:sp>
+      <p:sp>
+        <p:nvSpPr>
+          <p:cNvPr id="8" name="四角形: 角を丸くする 7">
+            <a:extLst>
+              <a:ext uri="{FF2B5EF4-FFF2-40B4-BE49-F238E27FC236}">
+                <a16:creationId xmlns:a16="http://schemas.microsoft.com/office/drawing/2014/main" id="{C0AEBEBB-FF37-60F5-6259-24452B7114C1}"/>
+              </a:ext>
+            </a:extLst>
+          </p:cNvPr>
+          <p:cNvSpPr/>
+          <p:nvPr/>
+        </p:nvSpPr>
+        <p:spPr>
+          <a:xfrm>
+            <a:off x="1120472" y="3925957"/>
+            <a:ext cx="2606702" cy="512859"/>
+          </a:xfrm>
+          <a:prstGeom prst="roundRect">
+            <a:avLst>
+              <a:gd name="adj" fmla="val 4167"/>
+            </a:avLst>
+          </a:prstGeom>
+          <a:noFill/>
+          <a:ln>
+            <a:solidFill>
+              <a:srgbClr val="FF6F61"/>
+            </a:solidFill>
+          </a:ln>
+        </p:spPr>
+        <p:style>
+          <a:lnRef idx="2">
+            <a:schemeClr val="accent1">
+              <a:shade val="50000"/>
+            </a:schemeClr>
+          </a:lnRef>
+          <a:fillRef idx="1">
+            <a:schemeClr val="accent1"/>
+          </a:fillRef>
+          <a:effectRef idx="0">
+            <a:schemeClr val="accent1"/>
+          </a:effectRef>
+          <a:fontRef idx="minor">
+            <a:schemeClr val="lt1"/>
+          </a:fontRef>
+        </p:style>
+        <p:txBody>
+          <a:bodyPr rtlCol="0" anchor="ctr"/>
+          <a:lstStyle/>
+          <a:p>
+            <a:pPr algn="ctr"/>
+            <a:endParaRPr kumimoji="1" lang="ja-JP" altLang="en-US"/>
+          </a:p>
+        </p:txBody>
+      </p:sp>
       <p:pic>
         <p:nvPicPr>
-          <p:cNvPr id="5" name="図 4">
-            <a:extLst>
-              <a:ext uri="{FF2B5EF4-FFF2-40B4-BE49-F238E27FC236}">
-                <a16:creationId xmlns:a16="http://schemas.microsoft.com/office/drawing/2014/main" id="{86A20561-F1F4-8CF5-DAF9-662A1A75FFDF}"/>
+          <p:cNvPr id="11" name="図 10">
+            <a:extLst>
+              <a:ext uri="{FF2B5EF4-FFF2-40B4-BE49-F238E27FC236}">
+                <a16:creationId xmlns:a16="http://schemas.microsoft.com/office/drawing/2014/main" id="{37178DEF-A6A9-ADC2-2FF6-A4E01A37FCB8}"/>
               </a:ext>
             </a:extLst>
           </p:cNvPr>
@@ -14627,8 +14737,8 @@
         </p:blipFill>
         <p:spPr>
           <a:xfrm>
-            <a:off x="7204053" y="1264447"/>
-            <a:ext cx="2966447" cy="3875520"/>
+            <a:off x="7321863" y="1264447"/>
+            <a:ext cx="2749245" cy="3879982"/>
           </a:xfrm>
           <a:prstGeom prst="rect">
             <a:avLst/>
@@ -14637,10 +14747,10 @@
       </p:pic>
       <p:sp>
         <p:nvSpPr>
-          <p:cNvPr id="6" name="四角形: 角を丸くする 5">
-            <a:extLst>
-              <a:ext uri="{FF2B5EF4-FFF2-40B4-BE49-F238E27FC236}">
-                <a16:creationId xmlns:a16="http://schemas.microsoft.com/office/drawing/2014/main" id="{1CB2656C-21F7-9D2E-BC95-3CA1F1329502}"/>
+          <p:cNvPr id="9" name="四角形: 角を丸くする 8">
+            <a:extLst>
+              <a:ext uri="{FF2B5EF4-FFF2-40B4-BE49-F238E27FC236}">
+                <a16:creationId xmlns:a16="http://schemas.microsoft.com/office/drawing/2014/main" id="{CC0C64D2-E1E8-B086-5026-D46D3DA54591}"/>
               </a:ext>
             </a:extLst>
           </p:cNvPr>
@@ -14649,174 +14759,12 @@
         </p:nvSpPr>
         <p:spPr>
           <a:xfrm>
-            <a:off x="1407381" y="1519950"/>
-            <a:ext cx="1152939" cy="189580"/>
+            <a:off x="7403327" y="3468756"/>
+            <a:ext cx="2667781" cy="1401418"/>
           </a:xfrm>
           <a:prstGeom prst="roundRect">
             <a:avLst>
-              <a:gd name="adj" fmla="val 4167"/>
-            </a:avLst>
-          </a:prstGeom>
-          <a:noFill/>
-          <a:ln>
-            <a:solidFill>
-              <a:srgbClr val="FF6F61"/>
-            </a:solidFill>
-          </a:ln>
-        </p:spPr>
-        <p:style>
-          <a:lnRef idx="2">
-            <a:schemeClr val="accent1">
-              <a:shade val="50000"/>
-            </a:schemeClr>
-          </a:lnRef>
-          <a:fillRef idx="1">
-            <a:schemeClr val="accent1"/>
-          </a:fillRef>
-          <a:effectRef idx="0">
-            <a:schemeClr val="accent1"/>
-          </a:effectRef>
-          <a:fontRef idx="minor">
-            <a:schemeClr val="lt1"/>
-          </a:fontRef>
-        </p:style>
-        <p:txBody>
-          <a:bodyPr rtlCol="0" anchor="ctr"/>
-          <a:lstStyle/>
-          <a:p>
-            <a:pPr algn="ctr"/>
-            <a:endParaRPr kumimoji="1" lang="ja-JP" altLang="en-US"/>
-          </a:p>
-        </p:txBody>
-      </p:sp>
-      <p:sp>
-        <p:nvSpPr>
-          <p:cNvPr id="7" name="四角形: 角を丸くする 6">
-            <a:extLst>
-              <a:ext uri="{FF2B5EF4-FFF2-40B4-BE49-F238E27FC236}">
-                <a16:creationId xmlns:a16="http://schemas.microsoft.com/office/drawing/2014/main" id="{027E350D-59F3-A14C-B8C5-DF779D5B5A3D}"/>
-              </a:ext>
-            </a:extLst>
-          </p:cNvPr>
-          <p:cNvSpPr/>
-          <p:nvPr/>
-        </p:nvSpPr>
-        <p:spPr>
-          <a:xfrm>
-            <a:off x="1090655" y="3517051"/>
-            <a:ext cx="2551042" cy="402941"/>
-          </a:xfrm>
-          <a:prstGeom prst="roundRect">
-            <a:avLst>
-              <a:gd name="adj" fmla="val 4167"/>
-            </a:avLst>
-          </a:prstGeom>
-          <a:noFill/>
-          <a:ln>
-            <a:solidFill>
-              <a:srgbClr val="FF6F61"/>
-            </a:solidFill>
-          </a:ln>
-        </p:spPr>
-        <p:style>
-          <a:lnRef idx="2">
-            <a:schemeClr val="accent1">
-              <a:shade val="50000"/>
-            </a:schemeClr>
-          </a:lnRef>
-          <a:fillRef idx="1">
-            <a:schemeClr val="accent1"/>
-          </a:fillRef>
-          <a:effectRef idx="0">
-            <a:schemeClr val="accent1"/>
-          </a:effectRef>
-          <a:fontRef idx="minor">
-            <a:schemeClr val="lt1"/>
-          </a:fontRef>
-        </p:style>
-        <p:txBody>
-          <a:bodyPr rtlCol="0" anchor="ctr"/>
-          <a:lstStyle/>
-          <a:p>
-            <a:pPr algn="ctr"/>
-            <a:endParaRPr kumimoji="1" lang="ja-JP" altLang="en-US"/>
-          </a:p>
-        </p:txBody>
-      </p:sp>
-      <p:sp>
-        <p:nvSpPr>
-          <p:cNvPr id="8" name="四角形: 角を丸くする 7">
-            <a:extLst>
-              <a:ext uri="{FF2B5EF4-FFF2-40B4-BE49-F238E27FC236}">
-                <a16:creationId xmlns:a16="http://schemas.microsoft.com/office/drawing/2014/main" id="{C0AEBEBB-FF37-60F5-6259-24452B7114C1}"/>
-              </a:ext>
-            </a:extLst>
-          </p:cNvPr>
-          <p:cNvSpPr/>
-          <p:nvPr/>
-        </p:nvSpPr>
-        <p:spPr>
-          <a:xfrm>
-            <a:off x="1090655" y="4062104"/>
-            <a:ext cx="2551042" cy="493993"/>
-          </a:xfrm>
-          <a:prstGeom prst="roundRect">
-            <a:avLst>
-              <a:gd name="adj" fmla="val 4167"/>
-            </a:avLst>
-          </a:prstGeom>
-          <a:noFill/>
-          <a:ln>
-            <a:solidFill>
-              <a:srgbClr val="FF6F61"/>
-            </a:solidFill>
-          </a:ln>
-        </p:spPr>
-        <p:style>
-          <a:lnRef idx="2">
-            <a:schemeClr val="accent1">
-              <a:shade val="50000"/>
-            </a:schemeClr>
-          </a:lnRef>
-          <a:fillRef idx="1">
-            <a:schemeClr val="accent1"/>
-          </a:fillRef>
-          <a:effectRef idx="0">
-            <a:schemeClr val="accent1"/>
-          </a:effectRef>
-          <a:fontRef idx="minor">
-            <a:schemeClr val="lt1"/>
-          </a:fontRef>
-        </p:style>
-        <p:txBody>
-          <a:bodyPr rtlCol="0" anchor="ctr"/>
-          <a:lstStyle/>
-          <a:p>
-            <a:pPr algn="ctr"/>
-            <a:endParaRPr kumimoji="1" lang="ja-JP" altLang="en-US"/>
-          </a:p>
-        </p:txBody>
-      </p:sp>
-      <p:sp>
-        <p:nvSpPr>
-          <p:cNvPr id="9" name="四角形: 角を丸くする 8">
-            <a:extLst>
-              <a:ext uri="{FF2B5EF4-FFF2-40B4-BE49-F238E27FC236}">
-                <a16:creationId xmlns:a16="http://schemas.microsoft.com/office/drawing/2014/main" id="{CC0C64D2-E1E8-B086-5026-D46D3DA54591}"/>
-              </a:ext>
-            </a:extLst>
-          </p:cNvPr>
-          <p:cNvSpPr/>
-          <p:nvPr/>
-        </p:nvSpPr>
-        <p:spPr>
-          <a:xfrm>
-            <a:off x="7293998" y="3270054"/>
-            <a:ext cx="2876502" cy="1198579"/>
-          </a:xfrm>
-          <a:prstGeom prst="roundRect">
-            <a:avLst>
-              <a:gd name="adj" fmla="val 4167"/>
+              <a:gd name="adj" fmla="val 5825"/>
             </a:avLst>
           </a:prstGeom>
           <a:noFill/>

--- a/work/work.pptx
+++ b/work/work.pptx
@@ -8902,6 +8902,26 @@
               </a:rPr>
               <a:t>Learning</a:t>
             </a:r>
+            <a:r>
+              <a:rPr kumimoji="1" lang="ja-JP" altLang="en-US" sz="4800">
+                <a:solidFill>
+                  <a:schemeClr val="bg1"/>
+                </a:solidFill>
+                <a:latin typeface="Meiryo UI" panose="020B0604030504040204" pitchFamily="50" charset="-128"/>
+                <a:ea typeface="Meiryo UI" panose="020B0604030504040204" pitchFamily="50" charset="-128"/>
+              </a:rPr>
+              <a:t>＞</a:t>
+            </a:r>
+            <a:r>
+              <a:rPr kumimoji="1" lang="en-US" altLang="ja-JP" sz="4800">
+                <a:solidFill>
+                  <a:schemeClr val="bg1"/>
+                </a:solidFill>
+                <a:latin typeface="Meiryo UI" panose="020B0604030504040204" pitchFamily="50" charset="-128"/>
+                <a:ea typeface="Meiryo UI" panose="020B0604030504040204" pitchFamily="50" charset="-128"/>
+              </a:rPr>
+              <a:t>Core</a:t>
+            </a:r>
             <a:endParaRPr kumimoji="1" lang="ja-JP" altLang="en-US" sz="4800">
               <a:solidFill>
                 <a:schemeClr val="bg1"/>
@@ -11374,10 +11394,10 @@
       </p:grpSpPr>
       <p:pic>
         <p:nvPicPr>
-          <p:cNvPr id="4" name="図 3">
-            <a:extLst>
-              <a:ext uri="{FF2B5EF4-FFF2-40B4-BE49-F238E27FC236}">
-                <a16:creationId xmlns:a16="http://schemas.microsoft.com/office/drawing/2014/main" id="{05684E31-878F-D84B-776C-6BA2255B6936}"/>
+          <p:cNvPr id="6" name="図 5">
+            <a:extLst>
+              <a:ext uri="{FF2B5EF4-FFF2-40B4-BE49-F238E27FC236}">
+                <a16:creationId xmlns:a16="http://schemas.microsoft.com/office/drawing/2014/main" id="{9AB8A15F-BB3E-1CF3-8B81-E0E2065F6675}"/>
               </a:ext>
             </a:extLst>
           </p:cNvPr>
@@ -11394,8 +11414,8 @@
         </p:blipFill>
         <p:spPr>
           <a:xfrm>
-            <a:off x="3042620" y="2600209"/>
-            <a:ext cx="5868219" cy="1657581"/>
+            <a:off x="3209522" y="2047682"/>
+            <a:ext cx="5772956" cy="2762636"/>
           </a:xfrm>
           <a:prstGeom prst="rect">
             <a:avLst/>
@@ -11434,10 +11454,10 @@
       </p:grpSpPr>
       <p:pic>
         <p:nvPicPr>
-          <p:cNvPr id="6" name="図 5">
-            <a:extLst>
-              <a:ext uri="{FF2B5EF4-FFF2-40B4-BE49-F238E27FC236}">
-                <a16:creationId xmlns:a16="http://schemas.microsoft.com/office/drawing/2014/main" id="{2F6B024C-7D87-B7A3-C71E-C7E6D910EDC5}"/>
+          <p:cNvPr id="3" name="図 2">
+            <a:extLst>
+              <a:ext uri="{FF2B5EF4-FFF2-40B4-BE49-F238E27FC236}">
+                <a16:creationId xmlns:a16="http://schemas.microsoft.com/office/drawing/2014/main" id="{91B701A3-AABE-77BB-DAF0-2E30B54ED6CE}"/>
               </a:ext>
             </a:extLst>
           </p:cNvPr>
@@ -11454,8 +11474,8 @@
         </p:blipFill>
         <p:spPr>
           <a:xfrm>
-            <a:off x="2837232" y="194811"/>
-            <a:ext cx="5868219" cy="6468378"/>
+            <a:off x="3209522" y="209100"/>
+            <a:ext cx="5772956" cy="6439799"/>
           </a:xfrm>
           <a:prstGeom prst="rect">
             <a:avLst/>

--- a/work/work.pptx
+++ b/work/work.pptx
@@ -293,7 +293,7 @@
           <a:p>
             <a:fld id="{DADCA3C0-8A91-47C6-9688-037592343C81}" type="datetimeFigureOut">
               <a:rPr kumimoji="1" lang="ja-JP" altLang="en-US" smtClean="0"/>
-              <a:t>2022/11/27</a:t>
+              <a:t>2022/12/4</a:t>
             </a:fld>
             <a:endParaRPr kumimoji="1" lang="ja-JP" altLang="en-US"/>
           </a:p>
@@ -523,7 +523,7 @@
           <a:p>
             <a:fld id="{DADCA3C0-8A91-47C6-9688-037592343C81}" type="datetimeFigureOut">
               <a:rPr kumimoji="1" lang="ja-JP" altLang="en-US" smtClean="0"/>
-              <a:t>2022/11/27</a:t>
+              <a:t>2022/12/4</a:t>
             </a:fld>
             <a:endParaRPr kumimoji="1" lang="ja-JP" altLang="en-US"/>
           </a:p>
@@ -763,7 +763,7 @@
           <a:p>
             <a:fld id="{DADCA3C0-8A91-47C6-9688-037592343C81}" type="datetimeFigureOut">
               <a:rPr kumimoji="1" lang="ja-JP" altLang="en-US" smtClean="0"/>
-              <a:t>2022/11/27</a:t>
+              <a:t>2022/12/4</a:t>
             </a:fld>
             <a:endParaRPr kumimoji="1" lang="ja-JP" altLang="en-US"/>
           </a:p>
@@ -993,7 +993,7 @@
           <a:p>
             <a:fld id="{DADCA3C0-8A91-47C6-9688-037592343C81}" type="datetimeFigureOut">
               <a:rPr kumimoji="1" lang="ja-JP" altLang="en-US" smtClean="0"/>
-              <a:t>2022/11/27</a:t>
+              <a:t>2022/12/4</a:t>
             </a:fld>
             <a:endParaRPr kumimoji="1" lang="ja-JP" altLang="en-US"/>
           </a:p>
@@ -1268,7 +1268,7 @@
           <a:p>
             <a:fld id="{DADCA3C0-8A91-47C6-9688-037592343C81}" type="datetimeFigureOut">
               <a:rPr kumimoji="1" lang="ja-JP" altLang="en-US" smtClean="0"/>
-              <a:t>2022/11/27</a:t>
+              <a:t>2022/12/4</a:t>
             </a:fld>
             <a:endParaRPr kumimoji="1" lang="ja-JP" altLang="en-US"/>
           </a:p>
@@ -1597,7 +1597,7 @@
           <a:p>
             <a:fld id="{DADCA3C0-8A91-47C6-9688-037592343C81}" type="datetimeFigureOut">
               <a:rPr kumimoji="1" lang="ja-JP" altLang="en-US" smtClean="0"/>
-              <a:t>2022/11/27</a:t>
+              <a:t>2022/12/4</a:t>
             </a:fld>
             <a:endParaRPr kumimoji="1" lang="ja-JP" altLang="en-US"/>
           </a:p>
@@ -2073,7 +2073,7 @@
           <a:p>
             <a:fld id="{DADCA3C0-8A91-47C6-9688-037592343C81}" type="datetimeFigureOut">
               <a:rPr kumimoji="1" lang="ja-JP" altLang="en-US" smtClean="0"/>
-              <a:t>2022/11/27</a:t>
+              <a:t>2022/12/4</a:t>
             </a:fld>
             <a:endParaRPr kumimoji="1" lang="ja-JP" altLang="en-US"/>
           </a:p>
@@ -2214,7 +2214,7 @@
           <a:p>
             <a:fld id="{DADCA3C0-8A91-47C6-9688-037592343C81}" type="datetimeFigureOut">
               <a:rPr kumimoji="1" lang="ja-JP" altLang="en-US" smtClean="0"/>
-              <a:t>2022/11/27</a:t>
+              <a:t>2022/12/4</a:t>
             </a:fld>
             <a:endParaRPr kumimoji="1" lang="ja-JP" altLang="en-US"/>
           </a:p>
@@ -2327,7 +2327,7 @@
           <a:p>
             <a:fld id="{DADCA3C0-8A91-47C6-9688-037592343C81}" type="datetimeFigureOut">
               <a:rPr kumimoji="1" lang="ja-JP" altLang="en-US" smtClean="0"/>
-              <a:t>2022/11/27</a:t>
+              <a:t>2022/12/4</a:t>
             </a:fld>
             <a:endParaRPr kumimoji="1" lang="ja-JP" altLang="en-US"/>
           </a:p>
@@ -2670,7 +2670,7 @@
           <a:p>
             <a:fld id="{DADCA3C0-8A91-47C6-9688-037592343C81}" type="datetimeFigureOut">
               <a:rPr kumimoji="1" lang="ja-JP" altLang="en-US" smtClean="0"/>
-              <a:t>2022/11/27</a:t>
+              <a:t>2022/12/4</a:t>
             </a:fld>
             <a:endParaRPr kumimoji="1" lang="ja-JP" altLang="en-US"/>
           </a:p>
@@ -2958,7 +2958,7 @@
           <a:p>
             <a:fld id="{DADCA3C0-8A91-47C6-9688-037592343C81}" type="datetimeFigureOut">
               <a:rPr kumimoji="1" lang="ja-JP" altLang="en-US" smtClean="0"/>
-              <a:t>2022/11/27</a:t>
+              <a:t>2022/12/4</a:t>
             </a:fld>
             <a:endParaRPr kumimoji="1" lang="ja-JP" altLang="en-US"/>
           </a:p>
@@ -3231,7 +3231,7 @@
           <a:p>
             <a:fld id="{DADCA3C0-8A91-47C6-9688-037592343C81}" type="datetimeFigureOut">
               <a:rPr kumimoji="1" lang="ja-JP" altLang="en-US" smtClean="0"/>
-              <a:t>2022/11/27</a:t>
+              <a:t>2022/12/4</a:t>
             </a:fld>
             <a:endParaRPr kumimoji="1" lang="ja-JP" altLang="en-US"/>
           </a:p>
@@ -8902,6 +8902,26 @@
               </a:rPr>
               <a:t>Learning</a:t>
             </a:r>
+            <a:r>
+              <a:rPr kumimoji="1" lang="ja-JP" altLang="en-US" sz="4800">
+                <a:solidFill>
+                  <a:schemeClr val="bg1"/>
+                </a:solidFill>
+                <a:latin typeface="Meiryo UI" panose="020B0604030504040204" pitchFamily="50" charset="-128"/>
+                <a:ea typeface="Meiryo UI" panose="020B0604030504040204" pitchFamily="50" charset="-128"/>
+              </a:rPr>
+              <a:t>＞</a:t>
+            </a:r>
+            <a:r>
+              <a:rPr kumimoji="1" lang="en-US" altLang="ja-JP" sz="4800">
+                <a:solidFill>
+                  <a:schemeClr val="bg1"/>
+                </a:solidFill>
+                <a:latin typeface="Meiryo UI" panose="020B0604030504040204" pitchFamily="50" charset="-128"/>
+                <a:ea typeface="Meiryo UI" panose="020B0604030504040204" pitchFamily="50" charset="-128"/>
+              </a:rPr>
+              <a:t>Core</a:t>
+            </a:r>
             <a:endParaRPr kumimoji="1" lang="ja-JP" altLang="en-US" sz="4800">
               <a:solidFill>
                 <a:schemeClr val="bg1"/>
@@ -10397,284 +10417,6 @@
           </a:p>
         </p:txBody>
       </p:sp>
-      <p:cxnSp>
-        <p:nvCxnSpPr>
-          <p:cNvPr id="25" name="直線矢印コネクタ 24">
-            <a:extLst>
-              <a:ext uri="{FF2B5EF4-FFF2-40B4-BE49-F238E27FC236}">
-                <a16:creationId xmlns:a16="http://schemas.microsoft.com/office/drawing/2014/main" id="{B70DDA4B-3431-BCEC-953C-AA8F89DBE5FA}"/>
-              </a:ext>
-            </a:extLst>
-          </p:cNvPr>
-          <p:cNvCxnSpPr>
-            <a:cxnSpLocks/>
-            <a:stCxn id="8" idx="2"/>
-            <a:endCxn id="22" idx="0"/>
-          </p:cNvCxnSpPr>
-          <p:nvPr/>
-        </p:nvCxnSpPr>
-        <p:spPr>
-          <a:xfrm rot="16200000" flipH="1">
-            <a:off x="7923759" y="3265887"/>
-            <a:ext cx="1489874" cy="196855"/>
-          </a:xfrm>
-          <a:prstGeom prst="bentConnector3">
-            <a:avLst>
-              <a:gd name="adj1" fmla="val 50000"/>
-            </a:avLst>
-          </a:prstGeom>
-          <a:ln>
-            <a:solidFill>
-              <a:schemeClr val="accent4"/>
-            </a:solidFill>
-            <a:tailEnd type="triangle"/>
-          </a:ln>
-        </p:spPr>
-        <p:style>
-          <a:lnRef idx="1">
-            <a:schemeClr val="accent1"/>
-          </a:lnRef>
-          <a:fillRef idx="0">
-            <a:schemeClr val="accent1"/>
-          </a:fillRef>
-          <a:effectRef idx="0">
-            <a:schemeClr val="accent1"/>
-          </a:effectRef>
-          <a:fontRef idx="minor">
-            <a:schemeClr val="tx1"/>
-          </a:fontRef>
-        </p:style>
-      </p:cxnSp>
-      <p:cxnSp>
-        <p:nvCxnSpPr>
-          <p:cNvPr id="32" name="直線矢印コネクタ 24">
-            <a:extLst>
-              <a:ext uri="{FF2B5EF4-FFF2-40B4-BE49-F238E27FC236}">
-                <a16:creationId xmlns:a16="http://schemas.microsoft.com/office/drawing/2014/main" id="{DF2EEC10-2FCD-6BD4-4DAA-C9EDC9B81CEF}"/>
-              </a:ext>
-            </a:extLst>
-          </p:cNvPr>
-          <p:cNvCxnSpPr>
-            <a:cxnSpLocks/>
-            <a:stCxn id="9" idx="2"/>
-            <a:endCxn id="12" idx="0"/>
-          </p:cNvCxnSpPr>
-          <p:nvPr/>
-        </p:nvCxnSpPr>
-        <p:spPr>
-          <a:xfrm rot="16200000" flipH="1">
-            <a:off x="6311176" y="3517005"/>
-            <a:ext cx="2648135" cy="852879"/>
-          </a:xfrm>
-          <a:prstGeom prst="bentConnector3">
-            <a:avLst>
-              <a:gd name="adj1" fmla="val 50000"/>
-            </a:avLst>
-          </a:prstGeom>
-          <a:ln w="12700">
-            <a:solidFill>
-              <a:schemeClr val="accent4"/>
-            </a:solidFill>
-            <a:tailEnd type="triangle"/>
-          </a:ln>
-        </p:spPr>
-        <p:style>
-          <a:lnRef idx="1">
-            <a:schemeClr val="accent1"/>
-          </a:lnRef>
-          <a:fillRef idx="0">
-            <a:schemeClr val="accent1"/>
-          </a:fillRef>
-          <a:effectRef idx="0">
-            <a:schemeClr val="accent1"/>
-          </a:effectRef>
-          <a:fontRef idx="minor">
-            <a:schemeClr val="tx1"/>
-          </a:fontRef>
-        </p:style>
-      </p:cxnSp>
-      <p:cxnSp>
-        <p:nvCxnSpPr>
-          <p:cNvPr id="264" name="直線矢印コネクタ 24">
-            <a:extLst>
-              <a:ext uri="{FF2B5EF4-FFF2-40B4-BE49-F238E27FC236}">
-                <a16:creationId xmlns:a16="http://schemas.microsoft.com/office/drawing/2014/main" id="{FC06F846-B919-E0BE-564B-4B885DA17646}"/>
-              </a:ext>
-            </a:extLst>
-          </p:cNvPr>
-          <p:cNvCxnSpPr>
-            <a:cxnSpLocks/>
-            <a:stCxn id="3" idx="1"/>
-            <a:endCxn id="2" idx="3"/>
-          </p:cNvCxnSpPr>
-          <p:nvPr/>
-        </p:nvCxnSpPr>
-        <p:spPr>
-          <a:xfrm flipH="1" flipV="1">
-            <a:off x="5791683" y="2356405"/>
-            <a:ext cx="361467" cy="374"/>
-          </a:xfrm>
-          <a:prstGeom prst="straightConnector1">
-            <a:avLst/>
-          </a:prstGeom>
-          <a:ln>
-            <a:solidFill>
-              <a:schemeClr val="accent4"/>
-            </a:solidFill>
-            <a:tailEnd type="triangle"/>
-          </a:ln>
-        </p:spPr>
-        <p:style>
-          <a:lnRef idx="1">
-            <a:schemeClr val="accent1"/>
-          </a:lnRef>
-          <a:fillRef idx="0">
-            <a:schemeClr val="accent1"/>
-          </a:fillRef>
-          <a:effectRef idx="0">
-            <a:schemeClr val="accent1"/>
-          </a:effectRef>
-          <a:fontRef idx="minor">
-            <a:schemeClr val="tx1"/>
-          </a:fontRef>
-        </p:style>
-      </p:cxnSp>
-      <p:cxnSp>
-        <p:nvCxnSpPr>
-          <p:cNvPr id="26" name="直線矢印コネクタ 24">
-            <a:extLst>
-              <a:ext uri="{FF2B5EF4-FFF2-40B4-BE49-F238E27FC236}">
-                <a16:creationId xmlns:a16="http://schemas.microsoft.com/office/drawing/2014/main" id="{BF40281B-B3DF-470F-A2C8-584738F330A2}"/>
-              </a:ext>
-            </a:extLst>
-          </p:cNvPr>
-          <p:cNvCxnSpPr>
-            <a:cxnSpLocks/>
-          </p:cNvCxnSpPr>
-          <p:nvPr/>
-        </p:nvCxnSpPr>
-        <p:spPr>
-          <a:xfrm flipH="1">
-            <a:off x="5791683" y="2351090"/>
-            <a:ext cx="361467" cy="5316"/>
-          </a:xfrm>
-          <a:prstGeom prst="straightConnector1">
-            <a:avLst/>
-          </a:prstGeom>
-          <a:ln>
-            <a:solidFill>
-              <a:schemeClr val="accent4"/>
-            </a:solidFill>
-            <a:tailEnd type="triangle"/>
-          </a:ln>
-        </p:spPr>
-        <p:style>
-          <a:lnRef idx="1">
-            <a:schemeClr val="accent1"/>
-          </a:lnRef>
-          <a:fillRef idx="0">
-            <a:schemeClr val="accent1"/>
-          </a:fillRef>
-          <a:effectRef idx="0">
-            <a:schemeClr val="accent1"/>
-          </a:effectRef>
-          <a:fontRef idx="minor">
-            <a:schemeClr val="tx1"/>
-          </a:fontRef>
-        </p:style>
-      </p:cxnSp>
-      <p:cxnSp>
-        <p:nvCxnSpPr>
-          <p:cNvPr id="27" name="直線矢印コネクタ 24">
-            <a:extLst>
-              <a:ext uri="{FF2B5EF4-FFF2-40B4-BE49-F238E27FC236}">
-                <a16:creationId xmlns:a16="http://schemas.microsoft.com/office/drawing/2014/main" id="{6AB6C3EE-710A-4479-8645-A0338A240223}"/>
-              </a:ext>
-            </a:extLst>
-          </p:cNvPr>
-          <p:cNvCxnSpPr>
-            <a:cxnSpLocks/>
-          </p:cNvCxnSpPr>
-          <p:nvPr/>
-        </p:nvCxnSpPr>
-        <p:spPr>
-          <a:xfrm rot="16200000" flipH="1">
-            <a:off x="7923760" y="3265888"/>
-            <a:ext cx="1489874" cy="196855"/>
-          </a:xfrm>
-          <a:prstGeom prst="bentConnector3">
-            <a:avLst>
-              <a:gd name="adj1" fmla="val 50000"/>
-            </a:avLst>
-          </a:prstGeom>
-          <a:ln w="12700">
-            <a:solidFill>
-              <a:schemeClr val="accent4"/>
-            </a:solidFill>
-            <a:tailEnd type="triangle"/>
-          </a:ln>
-        </p:spPr>
-        <p:style>
-          <a:lnRef idx="1">
-            <a:schemeClr val="accent1"/>
-          </a:lnRef>
-          <a:fillRef idx="0">
-            <a:schemeClr val="accent1"/>
-          </a:fillRef>
-          <a:effectRef idx="0">
-            <a:schemeClr val="accent1"/>
-          </a:effectRef>
-          <a:fontRef idx="minor">
-            <a:schemeClr val="tx1"/>
-          </a:fontRef>
-        </p:style>
-      </p:cxnSp>
-      <p:cxnSp>
-        <p:nvCxnSpPr>
-          <p:cNvPr id="29" name="直線矢印コネクタ 24">
-            <a:extLst>
-              <a:ext uri="{FF2B5EF4-FFF2-40B4-BE49-F238E27FC236}">
-                <a16:creationId xmlns:a16="http://schemas.microsoft.com/office/drawing/2014/main" id="{C48BAFFF-6120-4E37-BD77-17BE76B0577B}"/>
-              </a:ext>
-            </a:extLst>
-          </p:cNvPr>
-          <p:cNvCxnSpPr>
-            <a:cxnSpLocks/>
-            <a:stCxn id="3" idx="1"/>
-            <a:endCxn id="2" idx="3"/>
-          </p:cNvCxnSpPr>
-          <p:nvPr/>
-        </p:nvCxnSpPr>
-        <p:spPr>
-          <a:xfrm flipH="1" flipV="1">
-            <a:off x="5791683" y="2356405"/>
-            <a:ext cx="361467" cy="374"/>
-          </a:xfrm>
-          <a:prstGeom prst="straightConnector1">
-            <a:avLst/>
-          </a:prstGeom>
-          <a:ln w="12700">
-            <a:solidFill>
-              <a:schemeClr val="accent4"/>
-            </a:solidFill>
-            <a:tailEnd type="triangle"/>
-          </a:ln>
-        </p:spPr>
-        <p:style>
-          <a:lnRef idx="1">
-            <a:schemeClr val="accent1"/>
-          </a:lnRef>
-          <a:fillRef idx="0">
-            <a:schemeClr val="accent1"/>
-          </a:fillRef>
-          <a:effectRef idx="0">
-            <a:schemeClr val="accent1"/>
-          </a:effectRef>
-          <a:fontRef idx="minor">
-            <a:schemeClr val="tx1"/>
-          </a:fontRef>
-        </p:style>
-      </p:cxnSp>
     </p:spTree>
     <p:extLst>
       <p:ext uri="{BB962C8B-B14F-4D97-AF65-F5344CB8AC3E}">
@@ -10707,10 +10449,10 @@
       </p:grpSpPr>
       <p:pic>
         <p:nvPicPr>
-          <p:cNvPr id="3" name="図 2">
-            <a:extLst>
-              <a:ext uri="{FF2B5EF4-FFF2-40B4-BE49-F238E27FC236}">
-                <a16:creationId xmlns:a16="http://schemas.microsoft.com/office/drawing/2014/main" id="{AB7459ED-82E5-4480-33D5-49E80EF405C6}"/>
+          <p:cNvPr id="6" name="図 5">
+            <a:extLst>
+              <a:ext uri="{FF2B5EF4-FFF2-40B4-BE49-F238E27FC236}">
+                <a16:creationId xmlns:a16="http://schemas.microsoft.com/office/drawing/2014/main" id="{022DF200-48EF-8E96-7937-4BE62DEE74F3}"/>
               </a:ext>
             </a:extLst>
           </p:cNvPr>
@@ -10719,15 +10461,16 @@
           </p:cNvPicPr>
           <p:nvPr/>
         </p:nvPicPr>
-        <p:blipFill rotWithShape="1">
+        <p:blipFill>
           <a:blip r:embed="rId2"/>
-          <a:srcRect b="28007"/>
-          <a:stretch/>
+          <a:stretch>
+            <a:fillRect/>
+          </a:stretch>
         </p:blipFill>
         <p:spPr>
           <a:xfrm>
-            <a:off x="3482671" y="920842"/>
-            <a:ext cx="4866478" cy="3611402"/>
+            <a:off x="3392555" y="1478333"/>
+            <a:ext cx="5113765" cy="3639959"/>
           </a:xfrm>
           <a:prstGeom prst="rect">
             <a:avLst/>
@@ -10736,10 +10479,10 @@
       </p:pic>
       <p:sp>
         <p:nvSpPr>
-          <p:cNvPr id="4" name="四角形: 角を丸くする 3">
-            <a:extLst>
-              <a:ext uri="{FF2B5EF4-FFF2-40B4-BE49-F238E27FC236}">
-                <a16:creationId xmlns:a16="http://schemas.microsoft.com/office/drawing/2014/main" id="{5CC035FB-7D66-22DA-B8D9-044F51805CEF}"/>
+          <p:cNvPr id="7" name="四角形: 角を丸くする 6">
+            <a:extLst>
+              <a:ext uri="{FF2B5EF4-FFF2-40B4-BE49-F238E27FC236}">
+                <a16:creationId xmlns:a16="http://schemas.microsoft.com/office/drawing/2014/main" id="{ED63D3DA-9719-5535-D8C0-E1CBC4F86441}"/>
               </a:ext>
             </a:extLst>
           </p:cNvPr>
@@ -10748,8 +10491,8 @@
         </p:nvSpPr>
         <p:spPr>
           <a:xfrm>
-            <a:off x="4853904" y="2214948"/>
-            <a:ext cx="3407500" cy="1999243"/>
+            <a:off x="4850295" y="2842591"/>
+            <a:ext cx="3568147" cy="2067340"/>
           </a:xfrm>
           <a:prstGeom prst="roundRect">
             <a:avLst>
@@ -10850,10 +10593,10 @@
       </p:pic>
       <p:pic>
         <p:nvPicPr>
-          <p:cNvPr id="5" name="図 4">
-            <a:extLst>
-              <a:ext uri="{FF2B5EF4-FFF2-40B4-BE49-F238E27FC236}">
-                <a16:creationId xmlns:a16="http://schemas.microsoft.com/office/drawing/2014/main" id="{E7694B74-1B28-DA7E-3FC8-238CABF073C7}"/>
+          <p:cNvPr id="4" name="図 3">
+            <a:extLst>
+              <a:ext uri="{FF2B5EF4-FFF2-40B4-BE49-F238E27FC236}">
+                <a16:creationId xmlns:a16="http://schemas.microsoft.com/office/drawing/2014/main" id="{1F9E6FB4-6F0E-7C2C-844B-EDC57293DD01}"/>
               </a:ext>
             </a:extLst>
           </p:cNvPr>
@@ -10870,8 +10613,8 @@
         </p:blipFill>
         <p:spPr>
           <a:xfrm>
-            <a:off x="7377366" y="1354559"/>
-            <a:ext cx="2570866" cy="3670665"/>
+            <a:off x="7049607" y="1354559"/>
+            <a:ext cx="2666968" cy="3670665"/>
           </a:xfrm>
           <a:prstGeom prst="rect">
             <a:avLst/>
@@ -10892,8 +10635,8 @@
         </p:nvSpPr>
         <p:spPr>
           <a:xfrm>
-            <a:off x="7450372" y="3429000"/>
-            <a:ext cx="2497860" cy="1047584"/>
+            <a:off x="7114283" y="3498574"/>
+            <a:ext cx="2582414" cy="1192696"/>
           </a:xfrm>
           <a:prstGeom prst="roundRect">
             <a:avLst>
@@ -11651,10 +11394,10 @@
       </p:grpSpPr>
       <p:pic>
         <p:nvPicPr>
-          <p:cNvPr id="4" name="図 3">
-            <a:extLst>
-              <a:ext uri="{FF2B5EF4-FFF2-40B4-BE49-F238E27FC236}">
-                <a16:creationId xmlns:a16="http://schemas.microsoft.com/office/drawing/2014/main" id="{05684E31-878F-D84B-776C-6BA2255B6936}"/>
+          <p:cNvPr id="6" name="図 5">
+            <a:extLst>
+              <a:ext uri="{FF2B5EF4-FFF2-40B4-BE49-F238E27FC236}">
+                <a16:creationId xmlns:a16="http://schemas.microsoft.com/office/drawing/2014/main" id="{9AB8A15F-BB3E-1CF3-8B81-E0E2065F6675}"/>
               </a:ext>
             </a:extLst>
           </p:cNvPr>
@@ -11671,8 +11414,8 @@
         </p:blipFill>
         <p:spPr>
           <a:xfrm>
-            <a:off x="3042620" y="2600209"/>
-            <a:ext cx="5868219" cy="1657581"/>
+            <a:off x="3209522" y="2047682"/>
+            <a:ext cx="5772956" cy="2762636"/>
           </a:xfrm>
           <a:prstGeom prst="rect">
             <a:avLst/>
@@ -11711,10 +11454,10 @@
       </p:grpSpPr>
       <p:pic>
         <p:nvPicPr>
-          <p:cNvPr id="6" name="図 5">
-            <a:extLst>
-              <a:ext uri="{FF2B5EF4-FFF2-40B4-BE49-F238E27FC236}">
-                <a16:creationId xmlns:a16="http://schemas.microsoft.com/office/drawing/2014/main" id="{2F6B024C-7D87-B7A3-C71E-C7E6D910EDC5}"/>
+          <p:cNvPr id="3" name="図 2">
+            <a:extLst>
+              <a:ext uri="{FF2B5EF4-FFF2-40B4-BE49-F238E27FC236}">
+                <a16:creationId xmlns:a16="http://schemas.microsoft.com/office/drawing/2014/main" id="{91B701A3-AABE-77BB-DAF0-2E30B54ED6CE}"/>
               </a:ext>
             </a:extLst>
           </p:cNvPr>
@@ -11731,8 +11474,8 @@
         </p:blipFill>
         <p:spPr>
           <a:xfrm>
-            <a:off x="2837232" y="194811"/>
-            <a:ext cx="5868219" cy="6468378"/>
+            <a:off x="3209522" y="209100"/>
+            <a:ext cx="5772956" cy="6439799"/>
           </a:xfrm>
           <a:prstGeom prst="rect">
             <a:avLst/>
@@ -14742,10 +14485,10 @@
       </p:grpSpPr>
       <p:pic>
         <p:nvPicPr>
-          <p:cNvPr id="3" name="図 2">
-            <a:extLst>
-              <a:ext uri="{FF2B5EF4-FFF2-40B4-BE49-F238E27FC236}">
-                <a16:creationId xmlns:a16="http://schemas.microsoft.com/office/drawing/2014/main" id="{4307D6B1-46A9-2F68-4C48-8229227B008B}"/>
+          <p:cNvPr id="7" name="図 6">
+            <a:extLst>
+              <a:ext uri="{FF2B5EF4-FFF2-40B4-BE49-F238E27FC236}">
+                <a16:creationId xmlns:a16="http://schemas.microsoft.com/office/drawing/2014/main" id="{63F52FD4-7AC6-37DC-B6AD-BF014B51AEF3}"/>
               </a:ext>
             </a:extLst>
           </p:cNvPr>
@@ -14754,15 +14497,16 @@
           </p:cNvPicPr>
           <p:nvPr/>
         </p:nvPicPr>
-        <p:blipFill rotWithShape="1">
+        <p:blipFill>
           <a:blip r:embed="rId2"/>
-          <a:srcRect b="29194"/>
-          <a:stretch/>
+          <a:stretch>
+            <a:fillRect/>
+          </a:stretch>
         </p:blipFill>
         <p:spPr>
           <a:xfrm>
-            <a:off x="3260034" y="707456"/>
-            <a:ext cx="5033455" cy="3673713"/>
+            <a:off x="3160644" y="1290786"/>
+            <a:ext cx="5171536" cy="3669229"/>
           </a:xfrm>
           <a:prstGeom prst="rect">
             <a:avLst/>
@@ -14783,8 +14527,8 @@
         </p:nvSpPr>
         <p:spPr>
           <a:xfrm>
-            <a:off x="6647291" y="3054552"/>
-            <a:ext cx="1485616" cy="308850"/>
+            <a:off x="6667170" y="3876260"/>
+            <a:ext cx="1485616" cy="163002"/>
           </a:xfrm>
           <a:prstGeom prst="roundRect">
             <a:avLst>
@@ -14855,10 +14599,10 @@
       </p:grpSpPr>
       <p:pic>
         <p:nvPicPr>
-          <p:cNvPr id="3" name="図 2">
-            <a:extLst>
-              <a:ext uri="{FF2B5EF4-FFF2-40B4-BE49-F238E27FC236}">
-                <a16:creationId xmlns:a16="http://schemas.microsoft.com/office/drawing/2014/main" id="{8919EEDE-6A00-2CE0-4B5E-52A081CEF568}"/>
+          <p:cNvPr id="4" name="図 3">
+            <a:extLst>
+              <a:ext uri="{FF2B5EF4-FFF2-40B4-BE49-F238E27FC236}">
+                <a16:creationId xmlns:a16="http://schemas.microsoft.com/office/drawing/2014/main" id="{4D926856-F5C6-B826-0C5A-0C314FFE9486}"/>
               </a:ext>
             </a:extLst>
           </p:cNvPr>
@@ -14875,20 +14619,128 @@
         </p:blipFill>
         <p:spPr>
           <a:xfrm>
-            <a:off x="1170711" y="1394315"/>
-            <a:ext cx="5481776" cy="3615785"/>
+            <a:off x="1090655" y="1264447"/>
+            <a:ext cx="5886680" cy="3875520"/>
           </a:xfrm>
           <a:prstGeom prst="rect">
             <a:avLst/>
           </a:prstGeom>
         </p:spPr>
       </p:pic>
+      <p:sp>
+        <p:nvSpPr>
+          <p:cNvPr id="6" name="四角形: 角を丸くする 5">
+            <a:extLst>
+              <a:ext uri="{FF2B5EF4-FFF2-40B4-BE49-F238E27FC236}">
+                <a16:creationId xmlns:a16="http://schemas.microsoft.com/office/drawing/2014/main" id="{1CB2656C-21F7-9D2E-BC95-3CA1F1329502}"/>
+              </a:ext>
+            </a:extLst>
+          </p:cNvPr>
+          <p:cNvSpPr/>
+          <p:nvPr/>
+        </p:nvSpPr>
+        <p:spPr>
+          <a:xfrm>
+            <a:off x="1357685" y="1390742"/>
+            <a:ext cx="1152939" cy="189580"/>
+          </a:xfrm>
+          <a:prstGeom prst="roundRect">
+            <a:avLst>
+              <a:gd name="adj" fmla="val 4167"/>
+            </a:avLst>
+          </a:prstGeom>
+          <a:noFill/>
+          <a:ln>
+            <a:solidFill>
+              <a:srgbClr val="FF6F61"/>
+            </a:solidFill>
+          </a:ln>
+        </p:spPr>
+        <p:style>
+          <a:lnRef idx="2">
+            <a:schemeClr val="accent1">
+              <a:shade val="50000"/>
+            </a:schemeClr>
+          </a:lnRef>
+          <a:fillRef idx="1">
+            <a:schemeClr val="accent1"/>
+          </a:fillRef>
+          <a:effectRef idx="0">
+            <a:schemeClr val="accent1"/>
+          </a:effectRef>
+          <a:fontRef idx="minor">
+            <a:schemeClr val="lt1"/>
+          </a:fontRef>
+        </p:style>
+        <p:txBody>
+          <a:bodyPr rtlCol="0" anchor="ctr"/>
+          <a:lstStyle/>
+          <a:p>
+            <a:pPr algn="ctr"/>
+            <a:endParaRPr kumimoji="1" lang="ja-JP" altLang="en-US"/>
+          </a:p>
+        </p:txBody>
+      </p:sp>
+      <p:sp>
+        <p:nvSpPr>
+          <p:cNvPr id="8" name="四角形: 角を丸くする 7">
+            <a:extLst>
+              <a:ext uri="{FF2B5EF4-FFF2-40B4-BE49-F238E27FC236}">
+                <a16:creationId xmlns:a16="http://schemas.microsoft.com/office/drawing/2014/main" id="{C0AEBEBB-FF37-60F5-6259-24452B7114C1}"/>
+              </a:ext>
+            </a:extLst>
+          </p:cNvPr>
+          <p:cNvSpPr/>
+          <p:nvPr/>
+        </p:nvSpPr>
+        <p:spPr>
+          <a:xfrm>
+            <a:off x="1120472" y="3925957"/>
+            <a:ext cx="2606702" cy="512859"/>
+          </a:xfrm>
+          <a:prstGeom prst="roundRect">
+            <a:avLst>
+              <a:gd name="adj" fmla="val 4167"/>
+            </a:avLst>
+          </a:prstGeom>
+          <a:noFill/>
+          <a:ln>
+            <a:solidFill>
+              <a:srgbClr val="FF6F61"/>
+            </a:solidFill>
+          </a:ln>
+        </p:spPr>
+        <p:style>
+          <a:lnRef idx="2">
+            <a:schemeClr val="accent1">
+              <a:shade val="50000"/>
+            </a:schemeClr>
+          </a:lnRef>
+          <a:fillRef idx="1">
+            <a:schemeClr val="accent1"/>
+          </a:fillRef>
+          <a:effectRef idx="0">
+            <a:schemeClr val="accent1"/>
+          </a:effectRef>
+          <a:fontRef idx="minor">
+            <a:schemeClr val="lt1"/>
+          </a:fontRef>
+        </p:style>
+        <p:txBody>
+          <a:bodyPr rtlCol="0" anchor="ctr"/>
+          <a:lstStyle/>
+          <a:p>
+            <a:pPr algn="ctr"/>
+            <a:endParaRPr kumimoji="1" lang="ja-JP" altLang="en-US"/>
+          </a:p>
+        </p:txBody>
+      </p:sp>
       <p:pic>
         <p:nvPicPr>
-          <p:cNvPr id="5" name="図 4">
-            <a:extLst>
-              <a:ext uri="{FF2B5EF4-FFF2-40B4-BE49-F238E27FC236}">
-                <a16:creationId xmlns:a16="http://schemas.microsoft.com/office/drawing/2014/main" id="{86A20561-F1F4-8CF5-DAF9-662A1A75FFDF}"/>
+          <p:cNvPr id="11" name="図 10">
+            <a:extLst>
+              <a:ext uri="{FF2B5EF4-FFF2-40B4-BE49-F238E27FC236}">
+                <a16:creationId xmlns:a16="http://schemas.microsoft.com/office/drawing/2014/main" id="{37178DEF-A6A9-ADC2-2FF6-A4E01A37FCB8}"/>
               </a:ext>
             </a:extLst>
           </p:cNvPr>
@@ -14905,8 +14757,8 @@
         </p:blipFill>
         <p:spPr>
           <a:xfrm>
-            <a:off x="7204053" y="1264447"/>
-            <a:ext cx="2966447" cy="3875520"/>
+            <a:off x="7321863" y="1264447"/>
+            <a:ext cx="2749245" cy="3879982"/>
           </a:xfrm>
           <a:prstGeom prst="rect">
             <a:avLst/>
@@ -14915,10 +14767,10 @@
       </p:pic>
       <p:sp>
         <p:nvSpPr>
-          <p:cNvPr id="6" name="四角形: 角を丸くする 5">
-            <a:extLst>
-              <a:ext uri="{FF2B5EF4-FFF2-40B4-BE49-F238E27FC236}">
-                <a16:creationId xmlns:a16="http://schemas.microsoft.com/office/drawing/2014/main" id="{1CB2656C-21F7-9D2E-BC95-3CA1F1329502}"/>
+          <p:cNvPr id="9" name="四角形: 角を丸くする 8">
+            <a:extLst>
+              <a:ext uri="{FF2B5EF4-FFF2-40B4-BE49-F238E27FC236}">
+                <a16:creationId xmlns:a16="http://schemas.microsoft.com/office/drawing/2014/main" id="{CC0C64D2-E1E8-B086-5026-D46D3DA54591}"/>
               </a:ext>
             </a:extLst>
           </p:cNvPr>
@@ -14927,174 +14779,12 @@
         </p:nvSpPr>
         <p:spPr>
           <a:xfrm>
-            <a:off x="1407381" y="1519950"/>
-            <a:ext cx="1152939" cy="189580"/>
+            <a:off x="7403327" y="3468756"/>
+            <a:ext cx="2667781" cy="1401418"/>
           </a:xfrm>
           <a:prstGeom prst="roundRect">
             <a:avLst>
-              <a:gd name="adj" fmla="val 4167"/>
-            </a:avLst>
-          </a:prstGeom>
-          <a:noFill/>
-          <a:ln>
-            <a:solidFill>
-              <a:srgbClr val="FF6F61"/>
-            </a:solidFill>
-          </a:ln>
-        </p:spPr>
-        <p:style>
-          <a:lnRef idx="2">
-            <a:schemeClr val="accent1">
-              <a:shade val="50000"/>
-            </a:schemeClr>
-          </a:lnRef>
-          <a:fillRef idx="1">
-            <a:schemeClr val="accent1"/>
-          </a:fillRef>
-          <a:effectRef idx="0">
-            <a:schemeClr val="accent1"/>
-          </a:effectRef>
-          <a:fontRef idx="minor">
-            <a:schemeClr val="lt1"/>
-          </a:fontRef>
-        </p:style>
-        <p:txBody>
-          <a:bodyPr rtlCol="0" anchor="ctr"/>
-          <a:lstStyle/>
-          <a:p>
-            <a:pPr algn="ctr"/>
-            <a:endParaRPr kumimoji="1" lang="ja-JP" altLang="en-US"/>
-          </a:p>
-        </p:txBody>
-      </p:sp>
-      <p:sp>
-        <p:nvSpPr>
-          <p:cNvPr id="7" name="四角形: 角を丸くする 6">
-            <a:extLst>
-              <a:ext uri="{FF2B5EF4-FFF2-40B4-BE49-F238E27FC236}">
-                <a16:creationId xmlns:a16="http://schemas.microsoft.com/office/drawing/2014/main" id="{027E350D-59F3-A14C-B8C5-DF779D5B5A3D}"/>
-              </a:ext>
-            </a:extLst>
-          </p:cNvPr>
-          <p:cNvSpPr/>
-          <p:nvPr/>
-        </p:nvSpPr>
-        <p:spPr>
-          <a:xfrm>
-            <a:off x="1090655" y="3517051"/>
-            <a:ext cx="2551042" cy="402941"/>
-          </a:xfrm>
-          <a:prstGeom prst="roundRect">
-            <a:avLst>
-              <a:gd name="adj" fmla="val 4167"/>
-            </a:avLst>
-          </a:prstGeom>
-          <a:noFill/>
-          <a:ln>
-            <a:solidFill>
-              <a:srgbClr val="FF6F61"/>
-            </a:solidFill>
-          </a:ln>
-        </p:spPr>
-        <p:style>
-          <a:lnRef idx="2">
-            <a:schemeClr val="accent1">
-              <a:shade val="50000"/>
-            </a:schemeClr>
-          </a:lnRef>
-          <a:fillRef idx="1">
-            <a:schemeClr val="accent1"/>
-          </a:fillRef>
-          <a:effectRef idx="0">
-            <a:schemeClr val="accent1"/>
-          </a:effectRef>
-          <a:fontRef idx="minor">
-            <a:schemeClr val="lt1"/>
-          </a:fontRef>
-        </p:style>
-        <p:txBody>
-          <a:bodyPr rtlCol="0" anchor="ctr"/>
-          <a:lstStyle/>
-          <a:p>
-            <a:pPr algn="ctr"/>
-            <a:endParaRPr kumimoji="1" lang="ja-JP" altLang="en-US"/>
-          </a:p>
-        </p:txBody>
-      </p:sp>
-      <p:sp>
-        <p:nvSpPr>
-          <p:cNvPr id="8" name="四角形: 角を丸くする 7">
-            <a:extLst>
-              <a:ext uri="{FF2B5EF4-FFF2-40B4-BE49-F238E27FC236}">
-                <a16:creationId xmlns:a16="http://schemas.microsoft.com/office/drawing/2014/main" id="{C0AEBEBB-FF37-60F5-6259-24452B7114C1}"/>
-              </a:ext>
-            </a:extLst>
-          </p:cNvPr>
-          <p:cNvSpPr/>
-          <p:nvPr/>
-        </p:nvSpPr>
-        <p:spPr>
-          <a:xfrm>
-            <a:off x="1090655" y="4062104"/>
-            <a:ext cx="2551042" cy="493993"/>
-          </a:xfrm>
-          <a:prstGeom prst="roundRect">
-            <a:avLst>
-              <a:gd name="adj" fmla="val 4167"/>
-            </a:avLst>
-          </a:prstGeom>
-          <a:noFill/>
-          <a:ln>
-            <a:solidFill>
-              <a:srgbClr val="FF6F61"/>
-            </a:solidFill>
-          </a:ln>
-        </p:spPr>
-        <p:style>
-          <a:lnRef idx="2">
-            <a:schemeClr val="accent1">
-              <a:shade val="50000"/>
-            </a:schemeClr>
-          </a:lnRef>
-          <a:fillRef idx="1">
-            <a:schemeClr val="accent1"/>
-          </a:fillRef>
-          <a:effectRef idx="0">
-            <a:schemeClr val="accent1"/>
-          </a:effectRef>
-          <a:fontRef idx="minor">
-            <a:schemeClr val="lt1"/>
-          </a:fontRef>
-        </p:style>
-        <p:txBody>
-          <a:bodyPr rtlCol="0" anchor="ctr"/>
-          <a:lstStyle/>
-          <a:p>
-            <a:pPr algn="ctr"/>
-            <a:endParaRPr kumimoji="1" lang="ja-JP" altLang="en-US"/>
-          </a:p>
-        </p:txBody>
-      </p:sp>
-      <p:sp>
-        <p:nvSpPr>
-          <p:cNvPr id="9" name="四角形: 角を丸くする 8">
-            <a:extLst>
-              <a:ext uri="{FF2B5EF4-FFF2-40B4-BE49-F238E27FC236}">
-                <a16:creationId xmlns:a16="http://schemas.microsoft.com/office/drawing/2014/main" id="{CC0C64D2-E1E8-B086-5026-D46D3DA54591}"/>
-              </a:ext>
-            </a:extLst>
-          </p:cNvPr>
-          <p:cNvSpPr/>
-          <p:nvPr/>
-        </p:nvSpPr>
-        <p:spPr>
-          <a:xfrm>
-            <a:off x="7293998" y="3270054"/>
-            <a:ext cx="2876502" cy="1198579"/>
-          </a:xfrm>
-          <a:prstGeom prst="roundRect">
-            <a:avLst>
-              <a:gd name="adj" fmla="val 4167"/>
+              <a:gd name="adj" fmla="val 5825"/>
             </a:avLst>
           </a:prstGeom>
           <a:noFill/>
@@ -16107,14 +15797,13 @@
             </a:extLst>
           </p:cNvPr>
           <p:cNvCxnSpPr>
-            <a:stCxn id="6" idx="3"/>
-            <a:endCxn id="8" idx="1"/>
+            <a:cxnSpLocks/>
           </p:cNvCxnSpPr>
           <p:nvPr/>
         </p:nvCxnSpPr>
         <p:spPr>
           <a:xfrm flipV="1">
-            <a:off x="4594412" y="3120261"/>
+            <a:off x="4594412" y="3025011"/>
             <a:ext cx="1098604" cy="1"/>
           </a:xfrm>
           <a:prstGeom prst="straightConnector1">
@@ -16153,14 +15842,12 @@
           </p:cNvPr>
           <p:cNvCxnSpPr>
             <a:cxnSpLocks/>
-            <a:stCxn id="6" idx="1"/>
-            <a:endCxn id="7" idx="3"/>
           </p:cNvCxnSpPr>
           <p:nvPr/>
         </p:nvCxnSpPr>
         <p:spPr>
           <a:xfrm flipH="1">
-            <a:off x="2475100" y="3120262"/>
+            <a:off x="2475100" y="3234562"/>
             <a:ext cx="1093841" cy="0"/>
           </a:xfrm>
           <a:prstGeom prst="straightConnector1">
@@ -16199,27 +15886,24 @@
           </p:cNvPr>
           <p:cNvCxnSpPr>
             <a:cxnSpLocks/>
-            <a:stCxn id="6" idx="0"/>
-            <a:endCxn id="7" idx="0"/>
           </p:cNvCxnSpPr>
           <p:nvPr/>
         </p:nvCxnSpPr>
         <p:spPr>
-          <a:xfrm rot="16200000" flipV="1">
-            <a:off x="3022021" y="1889646"/>
-            <a:ext cx="12700" cy="2119312"/>
-          </a:xfrm>
-          <a:prstGeom prst="bentConnector3">
-            <a:avLst>
-              <a:gd name="adj1" fmla="val 1800000"/>
-            </a:avLst>
+          <a:xfrm flipH="1">
+            <a:off x="2475100" y="3018662"/>
+            <a:ext cx="1093841" cy="0"/>
+          </a:xfrm>
+          <a:prstGeom prst="straightConnector1">
+            <a:avLst/>
           </a:prstGeom>
           <a:ln w="12700">
             <a:solidFill>
               <a:schemeClr val="accent6"/>
             </a:solidFill>
             <a:prstDash val="dash"/>
-            <a:tailEnd type="triangle"/>
+            <a:headEnd type="triangle"/>
+            <a:tailEnd type="none"/>
           </a:ln>
         </p:spPr>
         <p:style>
@@ -16248,27 +15932,24 @@
           </p:cNvPr>
           <p:cNvCxnSpPr>
             <a:cxnSpLocks/>
-            <a:stCxn id="6" idx="2"/>
-            <a:endCxn id="8" idx="2"/>
           </p:cNvCxnSpPr>
           <p:nvPr/>
         </p:nvCxnSpPr>
         <p:spPr>
-          <a:xfrm rot="5400000" flipH="1" flipV="1">
-            <a:off x="5143713" y="2229183"/>
-            <a:ext cx="1" cy="2124075"/>
-          </a:xfrm>
-          <a:prstGeom prst="bentConnector3">
-            <a:avLst>
-              <a:gd name="adj1" fmla="val -22860000000"/>
-            </a:avLst>
+          <a:xfrm flipV="1">
+            <a:off x="4594412" y="3240911"/>
+            <a:ext cx="1098604" cy="1"/>
+          </a:xfrm>
+          <a:prstGeom prst="straightConnector1">
+            <a:avLst/>
           </a:prstGeom>
           <a:ln w="12700">
             <a:solidFill>
               <a:schemeClr val="accent5"/>
             </a:solidFill>
             <a:prstDash val="dash"/>
-            <a:tailEnd type="triangle"/>
+            <a:headEnd type="triangle"/>
+            <a:tailEnd type="none"/>
           </a:ln>
         </p:spPr>
         <p:style>
@@ -16300,7 +15981,7 @@
         </p:nvSpPr>
         <p:spPr>
           <a:xfrm>
-            <a:off x="4594412" y="3310270"/>
+            <a:off x="4594412" y="3043570"/>
             <a:ext cx="1025471" cy="208895"/>
           </a:xfrm>
           <a:prstGeom prst="rect">
@@ -16340,7 +16021,7 @@
                 <a:latin typeface="Meiryo UI" panose="020B0604030504040204" pitchFamily="50" charset="-128"/>
                 <a:ea typeface="Meiryo UI" panose="020B0604030504040204" pitchFamily="50" charset="-128"/>
               </a:rPr>
-              <a:t>subscribe</a:t>
+              <a:t>event</a:t>
             </a:r>
           </a:p>
         </p:txBody>
@@ -16359,7 +16040,7 @@
         </p:nvSpPr>
         <p:spPr>
           <a:xfrm>
-            <a:off x="4594411" y="2911364"/>
+            <a:off x="4594411" y="2828814"/>
             <a:ext cx="1025471" cy="208895"/>
           </a:xfrm>
           <a:prstGeom prst="rect">
@@ -16418,7 +16099,7 @@
         </p:nvSpPr>
         <p:spPr>
           <a:xfrm>
-            <a:off x="2543470" y="2911364"/>
+            <a:off x="2543470" y="3044714"/>
             <a:ext cx="1025471" cy="208895"/>
           </a:xfrm>
           <a:prstGeom prst="rect">
@@ -16477,7 +16158,7 @@
         </p:nvSpPr>
         <p:spPr>
           <a:xfrm>
-            <a:off x="2543470" y="2517700"/>
+            <a:off x="2543469" y="2825477"/>
             <a:ext cx="1025471" cy="208895"/>
           </a:xfrm>
           <a:prstGeom prst="rect">
@@ -16517,7 +16198,7 @@
                 <a:latin typeface="Meiryo UI" panose="020B0604030504040204" pitchFamily="50" charset="-128"/>
                 <a:ea typeface="Meiryo UI" panose="020B0604030504040204" pitchFamily="50" charset="-128"/>
               </a:rPr>
-              <a:t>subscribe</a:t>
+              <a:t>event</a:t>
             </a:r>
           </a:p>
         </p:txBody>
@@ -16536,8 +16217,8 @@
         </p:nvSpPr>
         <p:spPr>
           <a:xfrm>
-            <a:off x="1276990" y="2424793"/>
-            <a:ext cx="5613667" cy="1298121"/>
+            <a:off x="1276990" y="2641600"/>
+            <a:ext cx="5613667" cy="882650"/>
           </a:xfrm>
           <a:prstGeom prst="rect">
             <a:avLst/>
@@ -16742,19 +16423,17 @@
           </p:cNvPr>
           <p:cNvCxnSpPr>
             <a:cxnSpLocks/>
-            <a:stCxn id="37" idx="2"/>
-            <a:endCxn id="23" idx="2"/>
           </p:cNvCxnSpPr>
           <p:nvPr/>
         </p:nvCxnSpPr>
         <p:spPr>
           <a:xfrm rot="5400000" flipH="1">
-            <a:off x="6842846" y="1783468"/>
-            <a:ext cx="75396" cy="3546791"/>
+            <a:off x="6719608" y="1650117"/>
+            <a:ext cx="342096" cy="3546791"/>
           </a:xfrm>
           <a:prstGeom prst="bentConnector3">
             <a:avLst>
-              <a:gd name="adj1" fmla="val -303199"/>
+              <a:gd name="adj1" fmla="val -38980"/>
             </a:avLst>
           </a:prstGeom>
           <a:ln w="12700">
@@ -16797,8 +16476,8 @@
         </p:nvCxnSpPr>
         <p:spPr>
           <a:xfrm rot="10800000" flipV="1">
-            <a:off x="6890658" y="2731450"/>
-            <a:ext cx="1238217" cy="342404"/>
+            <a:off x="6890658" y="2731449"/>
+            <a:ext cx="1238217" cy="351475"/>
           </a:xfrm>
           <a:prstGeom prst="bentConnector3">
             <a:avLst>

--- a/work/work.pptx
+++ b/work/work.pptx
@@ -293,7 +293,7 @@
           <a:p>
             <a:fld id="{DADCA3C0-8A91-47C6-9688-037592343C81}" type="datetimeFigureOut">
               <a:rPr kumimoji="1" lang="ja-JP" altLang="en-US" smtClean="0"/>
-              <a:t>2022/12/4</a:t>
+              <a:t>2022/12/6</a:t>
             </a:fld>
             <a:endParaRPr kumimoji="1" lang="ja-JP" altLang="en-US"/>
           </a:p>
@@ -523,7 +523,7 @@
           <a:p>
             <a:fld id="{DADCA3C0-8A91-47C6-9688-037592343C81}" type="datetimeFigureOut">
               <a:rPr kumimoji="1" lang="ja-JP" altLang="en-US" smtClean="0"/>
-              <a:t>2022/12/4</a:t>
+              <a:t>2022/12/6</a:t>
             </a:fld>
             <a:endParaRPr kumimoji="1" lang="ja-JP" altLang="en-US"/>
           </a:p>
@@ -763,7 +763,7 @@
           <a:p>
             <a:fld id="{DADCA3C0-8A91-47C6-9688-037592343C81}" type="datetimeFigureOut">
               <a:rPr kumimoji="1" lang="ja-JP" altLang="en-US" smtClean="0"/>
-              <a:t>2022/12/4</a:t>
+              <a:t>2022/12/6</a:t>
             </a:fld>
             <a:endParaRPr kumimoji="1" lang="ja-JP" altLang="en-US"/>
           </a:p>
@@ -993,7 +993,7 @@
           <a:p>
             <a:fld id="{DADCA3C0-8A91-47C6-9688-037592343C81}" type="datetimeFigureOut">
               <a:rPr kumimoji="1" lang="ja-JP" altLang="en-US" smtClean="0"/>
-              <a:t>2022/12/4</a:t>
+              <a:t>2022/12/6</a:t>
             </a:fld>
             <a:endParaRPr kumimoji="1" lang="ja-JP" altLang="en-US"/>
           </a:p>
@@ -1268,7 +1268,7 @@
           <a:p>
             <a:fld id="{DADCA3C0-8A91-47C6-9688-037592343C81}" type="datetimeFigureOut">
               <a:rPr kumimoji="1" lang="ja-JP" altLang="en-US" smtClean="0"/>
-              <a:t>2022/12/4</a:t>
+              <a:t>2022/12/6</a:t>
             </a:fld>
             <a:endParaRPr kumimoji="1" lang="ja-JP" altLang="en-US"/>
           </a:p>
@@ -1597,7 +1597,7 @@
           <a:p>
             <a:fld id="{DADCA3C0-8A91-47C6-9688-037592343C81}" type="datetimeFigureOut">
               <a:rPr kumimoji="1" lang="ja-JP" altLang="en-US" smtClean="0"/>
-              <a:t>2022/12/4</a:t>
+              <a:t>2022/12/6</a:t>
             </a:fld>
             <a:endParaRPr kumimoji="1" lang="ja-JP" altLang="en-US"/>
           </a:p>
@@ -2073,7 +2073,7 @@
           <a:p>
             <a:fld id="{DADCA3C0-8A91-47C6-9688-037592343C81}" type="datetimeFigureOut">
               <a:rPr kumimoji="1" lang="ja-JP" altLang="en-US" smtClean="0"/>
-              <a:t>2022/12/4</a:t>
+              <a:t>2022/12/6</a:t>
             </a:fld>
             <a:endParaRPr kumimoji="1" lang="ja-JP" altLang="en-US"/>
           </a:p>
@@ -2214,7 +2214,7 @@
           <a:p>
             <a:fld id="{DADCA3C0-8A91-47C6-9688-037592343C81}" type="datetimeFigureOut">
               <a:rPr kumimoji="1" lang="ja-JP" altLang="en-US" smtClean="0"/>
-              <a:t>2022/12/4</a:t>
+              <a:t>2022/12/6</a:t>
             </a:fld>
             <a:endParaRPr kumimoji="1" lang="ja-JP" altLang="en-US"/>
           </a:p>
@@ -2327,7 +2327,7 @@
           <a:p>
             <a:fld id="{DADCA3C0-8A91-47C6-9688-037592343C81}" type="datetimeFigureOut">
               <a:rPr kumimoji="1" lang="ja-JP" altLang="en-US" smtClean="0"/>
-              <a:t>2022/12/4</a:t>
+              <a:t>2022/12/6</a:t>
             </a:fld>
             <a:endParaRPr kumimoji="1" lang="ja-JP" altLang="en-US"/>
           </a:p>
@@ -2670,7 +2670,7 @@
           <a:p>
             <a:fld id="{DADCA3C0-8A91-47C6-9688-037592343C81}" type="datetimeFigureOut">
               <a:rPr kumimoji="1" lang="ja-JP" altLang="en-US" smtClean="0"/>
-              <a:t>2022/12/4</a:t>
+              <a:t>2022/12/6</a:t>
             </a:fld>
             <a:endParaRPr kumimoji="1" lang="ja-JP" altLang="en-US"/>
           </a:p>
@@ -2958,7 +2958,7 @@
           <a:p>
             <a:fld id="{DADCA3C0-8A91-47C6-9688-037592343C81}" type="datetimeFigureOut">
               <a:rPr kumimoji="1" lang="ja-JP" altLang="en-US" smtClean="0"/>
-              <a:t>2022/12/4</a:t>
+              <a:t>2022/12/6</a:t>
             </a:fld>
             <a:endParaRPr kumimoji="1" lang="ja-JP" altLang="en-US"/>
           </a:p>
@@ -3231,7 +3231,7 @@
           <a:p>
             <a:fld id="{DADCA3C0-8A91-47C6-9688-037592343C81}" type="datetimeFigureOut">
               <a:rPr kumimoji="1" lang="ja-JP" altLang="en-US" smtClean="0"/>
-              <a:t>2022/12/4</a:t>
+              <a:t>2022/12/6</a:t>
             </a:fld>
             <a:endParaRPr kumimoji="1" lang="ja-JP" altLang="en-US"/>
           </a:p>
@@ -5176,7 +5176,7 @@
         </p:nvCxnSpPr>
         <p:spPr>
           <a:xfrm>
-            <a:off x="6415499" y="4083921"/>
+            <a:off x="6415499" y="3963271"/>
             <a:ext cx="1017547" cy="0"/>
           </a:xfrm>
           <a:prstGeom prst="straightConnector1">
@@ -5220,7 +5220,7 @@
         <p:spPr>
           <a:xfrm>
             <a:off x="7437880" y="1974261"/>
-            <a:ext cx="1829282" cy="3823196"/>
+            <a:ext cx="1829282" cy="4175358"/>
           </a:xfrm>
           <a:prstGeom prst="rect">
             <a:avLst/>
@@ -5288,7 +5288,7 @@
         </p:nvSpPr>
         <p:spPr>
           <a:xfrm>
-            <a:off x="7546610" y="2517258"/>
+            <a:off x="7536957" y="2514856"/>
             <a:ext cx="1626768" cy="259099"/>
           </a:xfrm>
           <a:prstGeom prst="rect">
@@ -5338,10 +5338,10 @@
       </p:sp>
       <p:sp>
         <p:nvSpPr>
-          <p:cNvPr id="154" name="正方形/長方形 153">
-            <a:extLst>
-              <a:ext uri="{FF2B5EF4-FFF2-40B4-BE49-F238E27FC236}">
-                <a16:creationId xmlns:a16="http://schemas.microsoft.com/office/drawing/2014/main" id="{BCE80D03-9AB6-4421-B196-4D12E645D186}"/>
+          <p:cNvPr id="155" name="正方形/長方形 154">
+            <a:extLst>
+              <a:ext uri="{FF2B5EF4-FFF2-40B4-BE49-F238E27FC236}">
+                <a16:creationId xmlns:a16="http://schemas.microsoft.com/office/drawing/2014/main" id="{EAEAB2DD-541B-46B9-B19B-3B5583B09833}"/>
               </a:ext>
             </a:extLst>
           </p:cNvPr>
@@ -5350,7 +5350,7 @@
         </p:nvSpPr>
         <p:spPr>
           <a:xfrm>
-            <a:off x="7536957" y="3132047"/>
+            <a:off x="7536957" y="3326339"/>
             <a:ext cx="1626768" cy="259099"/>
           </a:xfrm>
           <a:prstGeom prst="rect">
@@ -5385,11 +5385,11 @@
           <a:p>
             <a:pPr algn="ctr"/>
             <a:r>
-              <a:rPr kumimoji="1" lang="en-US" altLang="ja-JP" sz="1000">
+              <a:rPr kumimoji="1" lang="en-US" altLang="ja-JP" sz="1000" err="1">
                 <a:latin typeface="Meiryo UI" panose="020B0604030504040204" pitchFamily="50" charset="-128"/>
                 <a:ea typeface="Meiryo UI" panose="020B0604030504040204" pitchFamily="50" charset="-128"/>
               </a:rPr>
-              <a:t>Models</a:t>
+              <a:t>InputControl</a:t>
             </a:r>
             <a:endParaRPr kumimoji="1" lang="ja-JP" altLang="en-US" sz="1000">
               <a:latin typeface="Meiryo UI" panose="020B0604030504040204" pitchFamily="50" charset="-128"/>
@@ -5400,10 +5400,10 @@
       </p:sp>
       <p:sp>
         <p:nvSpPr>
-          <p:cNvPr id="155" name="正方形/長方形 154">
-            <a:extLst>
-              <a:ext uri="{FF2B5EF4-FFF2-40B4-BE49-F238E27FC236}">
-                <a16:creationId xmlns:a16="http://schemas.microsoft.com/office/drawing/2014/main" id="{EAEAB2DD-541B-46B9-B19B-3B5583B09833}"/>
+          <p:cNvPr id="156" name="正方形/長方形 155">
+            <a:extLst>
+              <a:ext uri="{FF2B5EF4-FFF2-40B4-BE49-F238E27FC236}">
+                <a16:creationId xmlns:a16="http://schemas.microsoft.com/office/drawing/2014/main" id="{7AF348D0-FCD0-4CC9-8431-1F266A5FFBF9}"/>
               </a:ext>
             </a:extLst>
           </p:cNvPr>
@@ -5412,7 +5412,7 @@
         </p:nvSpPr>
         <p:spPr>
           <a:xfrm>
-            <a:off x="7536957" y="3446989"/>
+            <a:off x="7536957" y="3643097"/>
             <a:ext cx="1626768" cy="259099"/>
           </a:xfrm>
           <a:prstGeom prst="rect">
@@ -5447,6 +5447,578 @@
           <a:p>
             <a:pPr algn="ctr"/>
             <a:r>
+              <a:rPr kumimoji="1" lang="en-US" altLang="ja-JP" sz="1000">
+                <a:latin typeface="Meiryo UI" panose="020B0604030504040204" pitchFamily="50" charset="-128"/>
+                <a:ea typeface="Meiryo UI" panose="020B0604030504040204" pitchFamily="50" charset="-128"/>
+              </a:rPr>
+              <a:t>LightControl</a:t>
+            </a:r>
+            <a:endParaRPr kumimoji="1" lang="ja-JP" altLang="en-US" sz="1000">
+              <a:latin typeface="Meiryo UI" panose="020B0604030504040204" pitchFamily="50" charset="-128"/>
+              <a:ea typeface="Meiryo UI" panose="020B0604030504040204" pitchFamily="50" charset="-128"/>
+            </a:endParaRPr>
+          </a:p>
+        </p:txBody>
+      </p:sp>
+      <p:sp>
+        <p:nvSpPr>
+          <p:cNvPr id="157" name="正方形/長方形 156">
+            <a:extLst>
+              <a:ext uri="{FF2B5EF4-FFF2-40B4-BE49-F238E27FC236}">
+                <a16:creationId xmlns:a16="http://schemas.microsoft.com/office/drawing/2014/main" id="{AD2BE2D6-27E1-4D93-96C6-3DE0D724C1FC}"/>
+              </a:ext>
+            </a:extLst>
+          </p:cNvPr>
+          <p:cNvSpPr/>
+          <p:nvPr/>
+        </p:nvSpPr>
+        <p:spPr>
+          <a:xfrm>
+            <a:off x="7536957" y="3947921"/>
+            <a:ext cx="1626768" cy="259099"/>
+          </a:xfrm>
+          <a:prstGeom prst="rect">
+            <a:avLst/>
+          </a:prstGeom>
+          <a:solidFill>
+            <a:schemeClr val="tx2"/>
+          </a:solidFill>
+          <a:ln>
+            <a:noFill/>
+          </a:ln>
+        </p:spPr>
+        <p:style>
+          <a:lnRef idx="2">
+            <a:schemeClr val="accent1">
+              <a:shade val="50000"/>
+            </a:schemeClr>
+          </a:lnRef>
+          <a:fillRef idx="1">
+            <a:schemeClr val="accent1"/>
+          </a:fillRef>
+          <a:effectRef idx="0">
+            <a:schemeClr val="accent1"/>
+          </a:effectRef>
+          <a:fontRef idx="minor">
+            <a:schemeClr val="lt1"/>
+          </a:fontRef>
+        </p:style>
+        <p:txBody>
+          <a:bodyPr rtlCol="0" anchor="ctr"/>
+          <a:lstStyle/>
+          <a:p>
+            <a:pPr algn="ctr"/>
+            <a:r>
+              <a:rPr kumimoji="1" lang="en-US" altLang="ja-JP" sz="1000">
+                <a:latin typeface="Meiryo UI" panose="020B0604030504040204" pitchFamily="50" charset="-128"/>
+                <a:ea typeface="Meiryo UI" panose="020B0604030504040204" pitchFamily="50" charset="-128"/>
+              </a:rPr>
+              <a:t>BackgroundScreen</a:t>
+            </a:r>
+            <a:endParaRPr kumimoji="1" lang="ja-JP" altLang="en-US" sz="1000">
+              <a:latin typeface="Meiryo UI" panose="020B0604030504040204" pitchFamily="50" charset="-128"/>
+              <a:ea typeface="Meiryo UI" panose="020B0604030504040204" pitchFamily="50" charset="-128"/>
+            </a:endParaRPr>
+          </a:p>
+        </p:txBody>
+      </p:sp>
+      <p:sp>
+        <p:nvSpPr>
+          <p:cNvPr id="158" name="正方形/長方形 157">
+            <a:extLst>
+              <a:ext uri="{FF2B5EF4-FFF2-40B4-BE49-F238E27FC236}">
+                <a16:creationId xmlns:a16="http://schemas.microsoft.com/office/drawing/2014/main" id="{63302712-51BE-4B2C-B4D1-E494AA5FBCB5}"/>
+              </a:ext>
+            </a:extLst>
+          </p:cNvPr>
+          <p:cNvSpPr/>
+          <p:nvPr/>
+        </p:nvSpPr>
+        <p:spPr>
+          <a:xfrm>
+            <a:off x="7536957" y="4255459"/>
+            <a:ext cx="1626768" cy="259099"/>
+          </a:xfrm>
+          <a:prstGeom prst="rect">
+            <a:avLst/>
+          </a:prstGeom>
+          <a:solidFill>
+            <a:schemeClr val="tx2"/>
+          </a:solidFill>
+          <a:ln>
+            <a:noFill/>
+          </a:ln>
+        </p:spPr>
+        <p:style>
+          <a:lnRef idx="2">
+            <a:schemeClr val="accent1">
+              <a:shade val="50000"/>
+            </a:schemeClr>
+          </a:lnRef>
+          <a:fillRef idx="1">
+            <a:schemeClr val="accent1"/>
+          </a:fillRef>
+          <a:effectRef idx="0">
+            <a:schemeClr val="accent1"/>
+          </a:effectRef>
+          <a:fontRef idx="minor">
+            <a:schemeClr val="lt1"/>
+          </a:fontRef>
+        </p:style>
+        <p:txBody>
+          <a:bodyPr rtlCol="0" anchor="ctr"/>
+          <a:lstStyle/>
+          <a:p>
+            <a:pPr algn="ctr"/>
+            <a:r>
+              <a:rPr kumimoji="1" lang="en-US" altLang="ja-JP" sz="1000">
+                <a:latin typeface="Meiryo UI" panose="020B0604030504040204" pitchFamily="50" charset="-128"/>
+                <a:ea typeface="Meiryo UI" panose="020B0604030504040204" pitchFamily="50" charset="-128"/>
+              </a:rPr>
+              <a:t>LoadingScreen</a:t>
+            </a:r>
+            <a:endParaRPr kumimoji="1" lang="ja-JP" altLang="en-US" sz="1000">
+              <a:latin typeface="Meiryo UI" panose="020B0604030504040204" pitchFamily="50" charset="-128"/>
+              <a:ea typeface="Meiryo UI" panose="020B0604030504040204" pitchFamily="50" charset="-128"/>
+            </a:endParaRPr>
+          </a:p>
+        </p:txBody>
+      </p:sp>
+      <p:sp>
+        <p:nvSpPr>
+          <p:cNvPr id="159" name="正方形/長方形 158">
+            <a:extLst>
+              <a:ext uri="{FF2B5EF4-FFF2-40B4-BE49-F238E27FC236}">
+                <a16:creationId xmlns:a16="http://schemas.microsoft.com/office/drawing/2014/main" id="{1AEE5956-E4E9-4382-9A7E-D0BA01053C8E}"/>
+              </a:ext>
+            </a:extLst>
+          </p:cNvPr>
+          <p:cNvSpPr/>
+          <p:nvPr/>
+        </p:nvSpPr>
+        <p:spPr>
+          <a:xfrm>
+            <a:off x="7536957" y="4778428"/>
+            <a:ext cx="1626768" cy="259099"/>
+          </a:xfrm>
+          <a:prstGeom prst="rect">
+            <a:avLst/>
+          </a:prstGeom>
+          <a:solidFill>
+            <a:schemeClr val="tx2"/>
+          </a:solidFill>
+          <a:ln>
+            <a:noFill/>
+          </a:ln>
+        </p:spPr>
+        <p:style>
+          <a:lnRef idx="2">
+            <a:schemeClr val="accent1">
+              <a:shade val="50000"/>
+            </a:schemeClr>
+          </a:lnRef>
+          <a:fillRef idx="1">
+            <a:schemeClr val="accent1"/>
+          </a:fillRef>
+          <a:effectRef idx="0">
+            <a:schemeClr val="accent1"/>
+          </a:effectRef>
+          <a:fontRef idx="minor">
+            <a:schemeClr val="lt1"/>
+          </a:fontRef>
+        </p:style>
+        <p:txBody>
+          <a:bodyPr rtlCol="0" anchor="ctr"/>
+          <a:lstStyle/>
+          <a:p>
+            <a:pPr algn="ctr"/>
+            <a:r>
+              <a:rPr lang="en-US" altLang="ja-JP" sz="1000">
+                <a:latin typeface="Meiryo UI" panose="020B0604030504040204" pitchFamily="50" charset="-128"/>
+                <a:ea typeface="Meiryo UI" panose="020B0604030504040204" pitchFamily="50" charset="-128"/>
+              </a:rPr>
+              <a:t>Multiplay</a:t>
+            </a:r>
+            <a:r>
+              <a:rPr kumimoji="1" lang="en-US" altLang="ja-JP" sz="1000">
+                <a:latin typeface="Meiryo UI" panose="020B0604030504040204" pitchFamily="50" charset="-128"/>
+                <a:ea typeface="Meiryo UI" panose="020B0604030504040204" pitchFamily="50" charset="-128"/>
+              </a:rPr>
+              <a:t>Control</a:t>
+            </a:r>
+            <a:endParaRPr kumimoji="1" lang="ja-JP" altLang="en-US" sz="1000">
+              <a:latin typeface="Meiryo UI" panose="020B0604030504040204" pitchFamily="50" charset="-128"/>
+              <a:ea typeface="Meiryo UI" panose="020B0604030504040204" pitchFamily="50" charset="-128"/>
+            </a:endParaRPr>
+          </a:p>
+        </p:txBody>
+      </p:sp>
+      <p:sp>
+        <p:nvSpPr>
+          <p:cNvPr id="160" name="正方形/長方形 159">
+            <a:extLst>
+              <a:ext uri="{FF2B5EF4-FFF2-40B4-BE49-F238E27FC236}">
+                <a16:creationId xmlns:a16="http://schemas.microsoft.com/office/drawing/2014/main" id="{AB7D5AB4-5EDD-4A36-91E2-C774E5A11C56}"/>
+              </a:ext>
+            </a:extLst>
+          </p:cNvPr>
+          <p:cNvSpPr/>
+          <p:nvPr/>
+        </p:nvSpPr>
+        <p:spPr>
+          <a:xfrm>
+            <a:off x="7536957" y="5708263"/>
+            <a:ext cx="1626768" cy="259099"/>
+          </a:xfrm>
+          <a:prstGeom prst="rect">
+            <a:avLst/>
+          </a:prstGeom>
+          <a:solidFill>
+            <a:schemeClr val="tx2"/>
+          </a:solidFill>
+          <a:ln>
+            <a:noFill/>
+          </a:ln>
+        </p:spPr>
+        <p:style>
+          <a:lnRef idx="2">
+            <a:schemeClr val="accent1">
+              <a:shade val="50000"/>
+            </a:schemeClr>
+          </a:lnRef>
+          <a:fillRef idx="1">
+            <a:schemeClr val="accent1"/>
+          </a:fillRef>
+          <a:effectRef idx="0">
+            <a:schemeClr val="accent1"/>
+          </a:effectRef>
+          <a:fontRef idx="minor">
+            <a:schemeClr val="lt1"/>
+          </a:fontRef>
+        </p:style>
+        <p:txBody>
+          <a:bodyPr rtlCol="0" anchor="ctr"/>
+          <a:lstStyle/>
+          <a:p>
+            <a:pPr algn="ctr"/>
+            <a:r>
+              <a:rPr kumimoji="1" lang="en-US" altLang="ja-JP" sz="1000">
+                <a:latin typeface="Meiryo UI" panose="020B0604030504040204" pitchFamily="50" charset="-128"/>
+                <a:ea typeface="Meiryo UI" panose="020B0604030504040204" pitchFamily="50" charset="-128"/>
+              </a:rPr>
+              <a:t>VirtualSpace</a:t>
+            </a:r>
+            <a:endParaRPr kumimoji="1" lang="ja-JP" altLang="en-US" sz="1000">
+              <a:latin typeface="Meiryo UI" panose="020B0604030504040204" pitchFamily="50" charset="-128"/>
+              <a:ea typeface="Meiryo UI" panose="020B0604030504040204" pitchFamily="50" charset="-128"/>
+            </a:endParaRPr>
+          </a:p>
+        </p:txBody>
+      </p:sp>
+      <p:sp>
+        <p:nvSpPr>
+          <p:cNvPr id="167" name="正方形/長方形 166">
+            <a:extLst>
+              <a:ext uri="{FF2B5EF4-FFF2-40B4-BE49-F238E27FC236}">
+                <a16:creationId xmlns:a16="http://schemas.microsoft.com/office/drawing/2014/main" id="{7FAE003D-582A-40E2-AE48-C97083F8091E}"/>
+              </a:ext>
+            </a:extLst>
+          </p:cNvPr>
+          <p:cNvSpPr/>
+          <p:nvPr/>
+        </p:nvSpPr>
+        <p:spPr>
+          <a:xfrm>
+            <a:off x="2662160" y="6404281"/>
+            <a:ext cx="833647" cy="259099"/>
+          </a:xfrm>
+          <a:prstGeom prst="rect">
+            <a:avLst/>
+          </a:prstGeom>
+          <a:solidFill>
+            <a:schemeClr val="tx2"/>
+          </a:solidFill>
+          <a:ln>
+            <a:noFill/>
+          </a:ln>
+        </p:spPr>
+        <p:style>
+          <a:lnRef idx="2">
+            <a:schemeClr val="accent1">
+              <a:shade val="50000"/>
+            </a:schemeClr>
+          </a:lnRef>
+          <a:fillRef idx="1">
+            <a:schemeClr val="accent1"/>
+          </a:fillRef>
+          <a:effectRef idx="0">
+            <a:schemeClr val="accent1"/>
+          </a:effectRef>
+          <a:fontRef idx="minor">
+            <a:schemeClr val="lt1"/>
+          </a:fontRef>
+        </p:style>
+        <p:txBody>
+          <a:bodyPr rtlCol="0" anchor="ctr"/>
+          <a:lstStyle/>
+          <a:p>
+            <a:pPr algn="ctr"/>
+            <a:r>
+              <a:rPr kumimoji="1" lang="en-US" altLang="ja-JP" sz="1000">
+                <a:latin typeface="Meiryo UI" panose="020B0604030504040204" pitchFamily="50" charset="-128"/>
+                <a:ea typeface="Meiryo UI" panose="020B0604030504040204" pitchFamily="50" charset="-128"/>
+              </a:rPr>
+              <a:t>Scene</a:t>
+            </a:r>
+            <a:endParaRPr kumimoji="1" lang="ja-JP" altLang="en-US" sz="1000">
+              <a:latin typeface="Meiryo UI" panose="020B0604030504040204" pitchFamily="50" charset="-128"/>
+              <a:ea typeface="Meiryo UI" panose="020B0604030504040204" pitchFamily="50" charset="-128"/>
+            </a:endParaRPr>
+          </a:p>
+        </p:txBody>
+      </p:sp>
+      <p:sp>
+        <p:nvSpPr>
+          <p:cNvPr id="168" name="正方形/長方形 167">
+            <a:extLst>
+              <a:ext uri="{FF2B5EF4-FFF2-40B4-BE49-F238E27FC236}">
+                <a16:creationId xmlns:a16="http://schemas.microsoft.com/office/drawing/2014/main" id="{25E67E7F-F55A-41CA-8EF4-81B7E011A0FA}"/>
+              </a:ext>
+            </a:extLst>
+          </p:cNvPr>
+          <p:cNvSpPr/>
+          <p:nvPr/>
+        </p:nvSpPr>
+        <p:spPr>
+          <a:xfrm>
+            <a:off x="1744222" y="6404281"/>
+            <a:ext cx="833647" cy="259099"/>
+          </a:xfrm>
+          <a:prstGeom prst="rect">
+            <a:avLst/>
+          </a:prstGeom>
+          <a:solidFill>
+            <a:schemeClr val="accent5"/>
+          </a:solidFill>
+          <a:ln>
+            <a:noFill/>
+          </a:ln>
+        </p:spPr>
+        <p:style>
+          <a:lnRef idx="2">
+            <a:schemeClr val="accent1">
+              <a:shade val="50000"/>
+            </a:schemeClr>
+          </a:lnRef>
+          <a:fillRef idx="1">
+            <a:schemeClr val="accent1"/>
+          </a:fillRef>
+          <a:effectRef idx="0">
+            <a:schemeClr val="accent1"/>
+          </a:effectRef>
+          <a:fontRef idx="minor">
+            <a:schemeClr val="lt1"/>
+          </a:fontRef>
+        </p:style>
+        <p:txBody>
+          <a:bodyPr rtlCol="0" anchor="ctr"/>
+          <a:lstStyle/>
+          <a:p>
+            <a:pPr algn="ctr"/>
+            <a:r>
+              <a:rPr kumimoji="1" lang="en-US" altLang="ja-JP" sz="1000">
+                <a:latin typeface="Meiryo UI" panose="020B0604030504040204" pitchFamily="50" charset="-128"/>
+                <a:ea typeface="Meiryo UI" panose="020B0604030504040204" pitchFamily="50" charset="-128"/>
+              </a:rPr>
+              <a:t>Stage</a:t>
+            </a:r>
+            <a:endParaRPr kumimoji="1" lang="ja-JP" altLang="en-US" sz="1000">
+              <a:latin typeface="Meiryo UI" panose="020B0604030504040204" pitchFamily="50" charset="-128"/>
+              <a:ea typeface="Meiryo UI" panose="020B0604030504040204" pitchFamily="50" charset="-128"/>
+            </a:endParaRPr>
+          </a:p>
+        </p:txBody>
+      </p:sp>
+      <p:sp>
+        <p:nvSpPr>
+          <p:cNvPr id="9" name="正方形/長方形 8">
+            <a:extLst>
+              <a:ext uri="{FF2B5EF4-FFF2-40B4-BE49-F238E27FC236}">
+                <a16:creationId xmlns:a16="http://schemas.microsoft.com/office/drawing/2014/main" id="{F150FC63-F841-9F55-ECDC-2DD0E9912565}"/>
+              </a:ext>
+            </a:extLst>
+          </p:cNvPr>
+          <p:cNvSpPr/>
+          <p:nvPr/>
+        </p:nvSpPr>
+        <p:spPr>
+          <a:xfrm>
+            <a:off x="4591051" y="1974261"/>
+            <a:ext cx="1829282" cy="4175358"/>
+          </a:xfrm>
+          <a:prstGeom prst="rect">
+            <a:avLst/>
+          </a:prstGeom>
+          <a:solidFill>
+            <a:schemeClr val="accent5"/>
+          </a:solidFill>
+          <a:ln>
+            <a:noFill/>
+          </a:ln>
+        </p:spPr>
+        <p:style>
+          <a:lnRef idx="2">
+            <a:schemeClr val="accent1">
+              <a:shade val="50000"/>
+            </a:schemeClr>
+          </a:lnRef>
+          <a:fillRef idx="1">
+            <a:schemeClr val="accent1"/>
+          </a:fillRef>
+          <a:effectRef idx="0">
+            <a:schemeClr val="accent1"/>
+          </a:effectRef>
+          <a:fontRef idx="minor">
+            <a:schemeClr val="lt1"/>
+          </a:fontRef>
+        </p:style>
+        <p:txBody>
+          <a:bodyPr rtlCol="0" anchor="t"/>
+          <a:lstStyle/>
+          <a:p>
+            <a:pPr algn="ctr"/>
+            <a:endParaRPr kumimoji="1" lang="en-US" altLang="ja-JP" sz="1000">
+              <a:latin typeface="Meiryo UI" panose="020B0604030504040204" pitchFamily="50" charset="-128"/>
+              <a:ea typeface="Meiryo UI" panose="020B0604030504040204" pitchFamily="50" charset="-128"/>
+            </a:endParaRPr>
+          </a:p>
+          <a:p>
+            <a:pPr algn="ctr"/>
+            <a:r>
+              <a:rPr kumimoji="1" lang="en-US" altLang="ja-JP" sz="1000">
+                <a:latin typeface="Meiryo UI" panose="020B0604030504040204" pitchFamily="50" charset="-128"/>
+                <a:ea typeface="Meiryo UI" panose="020B0604030504040204" pitchFamily="50" charset="-128"/>
+              </a:rPr>
+              <a:t>AvatarSelectionStage</a:t>
+            </a:r>
+            <a:endParaRPr kumimoji="1" lang="ja-JP" altLang="en-US" sz="1000">
+              <a:latin typeface="Meiryo UI" panose="020B0604030504040204" pitchFamily="50" charset="-128"/>
+              <a:ea typeface="Meiryo UI" panose="020B0604030504040204" pitchFamily="50" charset="-128"/>
+            </a:endParaRPr>
+          </a:p>
+        </p:txBody>
+      </p:sp>
+      <p:sp>
+        <p:nvSpPr>
+          <p:cNvPr id="10" name="正方形/長方形 9">
+            <a:extLst>
+              <a:ext uri="{FF2B5EF4-FFF2-40B4-BE49-F238E27FC236}">
+                <a16:creationId xmlns:a16="http://schemas.microsoft.com/office/drawing/2014/main" id="{CA1737A0-D62B-AB11-3D98-E9A41ACD1D46}"/>
+              </a:ext>
+            </a:extLst>
+          </p:cNvPr>
+          <p:cNvSpPr/>
+          <p:nvPr/>
+        </p:nvSpPr>
+        <p:spPr>
+          <a:xfrm>
+            <a:off x="4699781" y="2517258"/>
+            <a:ext cx="1626768" cy="259099"/>
+          </a:xfrm>
+          <a:prstGeom prst="rect">
+            <a:avLst/>
+          </a:prstGeom>
+          <a:solidFill>
+            <a:schemeClr val="tx2"/>
+          </a:solidFill>
+          <a:ln>
+            <a:noFill/>
+          </a:ln>
+        </p:spPr>
+        <p:style>
+          <a:lnRef idx="2">
+            <a:schemeClr val="accent1">
+              <a:shade val="50000"/>
+            </a:schemeClr>
+          </a:lnRef>
+          <a:fillRef idx="1">
+            <a:schemeClr val="accent1"/>
+          </a:fillRef>
+          <a:effectRef idx="0">
+            <a:schemeClr val="accent1"/>
+          </a:effectRef>
+          <a:fontRef idx="minor">
+            <a:schemeClr val="lt1"/>
+          </a:fontRef>
+        </p:style>
+        <p:txBody>
+          <a:bodyPr rtlCol="0" anchor="ctr"/>
+          <a:lstStyle/>
+          <a:p>
+            <a:pPr algn="ctr"/>
+            <a:r>
+              <a:rPr kumimoji="1" lang="en-US" altLang="ja-JP" sz="1000">
+                <a:latin typeface="Meiryo UI" panose="020B0604030504040204" pitchFamily="50" charset="-128"/>
+                <a:ea typeface="Meiryo UI" panose="020B0604030504040204" pitchFamily="50" charset="-128"/>
+              </a:rPr>
+              <a:t>App</a:t>
+            </a:r>
+            <a:endParaRPr kumimoji="1" lang="ja-JP" altLang="en-US" sz="1000">
+              <a:latin typeface="Meiryo UI" panose="020B0604030504040204" pitchFamily="50" charset="-128"/>
+              <a:ea typeface="Meiryo UI" panose="020B0604030504040204" pitchFamily="50" charset="-128"/>
+            </a:endParaRPr>
+          </a:p>
+        </p:txBody>
+      </p:sp>
+      <p:sp>
+        <p:nvSpPr>
+          <p:cNvPr id="12" name="正方形/長方形 11">
+            <a:extLst>
+              <a:ext uri="{FF2B5EF4-FFF2-40B4-BE49-F238E27FC236}">
+                <a16:creationId xmlns:a16="http://schemas.microsoft.com/office/drawing/2014/main" id="{BAF20622-D002-0D3F-1073-D7E9CE0518A5}"/>
+              </a:ext>
+            </a:extLst>
+          </p:cNvPr>
+          <p:cNvSpPr/>
+          <p:nvPr/>
+        </p:nvSpPr>
+        <p:spPr>
+          <a:xfrm>
+            <a:off x="4696467" y="3326339"/>
+            <a:ext cx="1626768" cy="259099"/>
+          </a:xfrm>
+          <a:prstGeom prst="rect">
+            <a:avLst/>
+          </a:prstGeom>
+          <a:solidFill>
+            <a:schemeClr val="tx2"/>
+          </a:solidFill>
+          <a:ln>
+            <a:noFill/>
+          </a:ln>
+        </p:spPr>
+        <p:style>
+          <a:lnRef idx="2">
+            <a:schemeClr val="accent1">
+              <a:shade val="50000"/>
+            </a:schemeClr>
+          </a:lnRef>
+          <a:fillRef idx="1">
+            <a:schemeClr val="accent1"/>
+          </a:fillRef>
+          <a:effectRef idx="0">
+            <a:schemeClr val="accent1"/>
+          </a:effectRef>
+          <a:fontRef idx="minor">
+            <a:schemeClr val="lt1"/>
+          </a:fontRef>
+        </p:style>
+        <p:txBody>
+          <a:bodyPr rtlCol="0" anchor="ctr"/>
+          <a:lstStyle/>
+          <a:p>
+            <a:pPr algn="ctr"/>
+            <a:r>
               <a:rPr kumimoji="1" lang="en-US" altLang="ja-JP" sz="1000" err="1">
                 <a:latin typeface="Meiryo UI" panose="020B0604030504040204" pitchFamily="50" charset="-128"/>
                 <a:ea typeface="Meiryo UI" panose="020B0604030504040204" pitchFamily="50" charset="-128"/>
@@ -5462,10 +6034,10 @@
       </p:sp>
       <p:sp>
         <p:nvSpPr>
-          <p:cNvPr id="156" name="正方形/長方形 155">
-            <a:extLst>
-              <a:ext uri="{FF2B5EF4-FFF2-40B4-BE49-F238E27FC236}">
-                <a16:creationId xmlns:a16="http://schemas.microsoft.com/office/drawing/2014/main" id="{7AF348D0-FCD0-4CC9-8431-1F266A5FFBF9}"/>
+          <p:cNvPr id="13" name="正方形/長方形 12">
+            <a:extLst>
+              <a:ext uri="{FF2B5EF4-FFF2-40B4-BE49-F238E27FC236}">
+                <a16:creationId xmlns:a16="http://schemas.microsoft.com/office/drawing/2014/main" id="{9963635E-AAFF-B4BA-01A4-B7E4803ED3A6}"/>
               </a:ext>
             </a:extLst>
           </p:cNvPr>
@@ -5474,7 +6046,7 @@
         </p:nvSpPr>
         <p:spPr>
           <a:xfrm>
-            <a:off x="7543296" y="3757780"/>
+            <a:off x="4696467" y="3637130"/>
             <a:ext cx="1626768" cy="259099"/>
           </a:xfrm>
           <a:prstGeom prst="rect">
@@ -5524,10 +6096,10 @@
       </p:sp>
       <p:sp>
         <p:nvSpPr>
-          <p:cNvPr id="157" name="正方形/長方形 156">
-            <a:extLst>
-              <a:ext uri="{FF2B5EF4-FFF2-40B4-BE49-F238E27FC236}">
-                <a16:creationId xmlns:a16="http://schemas.microsoft.com/office/drawing/2014/main" id="{AD2BE2D6-27E1-4D93-96C6-3DE0D724C1FC}"/>
+          <p:cNvPr id="14" name="正方形/長方形 13">
+            <a:extLst>
+              <a:ext uri="{FF2B5EF4-FFF2-40B4-BE49-F238E27FC236}">
+                <a16:creationId xmlns:a16="http://schemas.microsoft.com/office/drawing/2014/main" id="{4C86C418-3F58-BD4D-C550-2846219132C1}"/>
               </a:ext>
             </a:extLst>
           </p:cNvPr>
@@ -5536,7 +6108,7 @@
         </p:nvSpPr>
         <p:spPr>
           <a:xfrm>
-            <a:off x="7546610" y="4068571"/>
+            <a:off x="4699781" y="3947921"/>
             <a:ext cx="1626768" cy="259099"/>
           </a:xfrm>
           <a:prstGeom prst="rect">
@@ -5586,10 +6158,10 @@
       </p:sp>
       <p:sp>
         <p:nvSpPr>
-          <p:cNvPr id="158" name="正方形/長方形 157">
-            <a:extLst>
-              <a:ext uri="{FF2B5EF4-FFF2-40B4-BE49-F238E27FC236}">
-                <a16:creationId xmlns:a16="http://schemas.microsoft.com/office/drawing/2014/main" id="{63302712-51BE-4B2C-B4D1-E494AA5FBCB5}"/>
+          <p:cNvPr id="15" name="正方形/長方形 14">
+            <a:extLst>
+              <a:ext uri="{FF2B5EF4-FFF2-40B4-BE49-F238E27FC236}">
+                <a16:creationId xmlns:a16="http://schemas.microsoft.com/office/drawing/2014/main" id="{A03A1B19-5E04-109D-04B6-418F1570DD02}"/>
               </a:ext>
             </a:extLst>
           </p:cNvPr>
@@ -5598,7 +6170,7 @@
         </p:nvSpPr>
         <p:spPr>
           <a:xfrm>
-            <a:off x="7546610" y="4376109"/>
+            <a:off x="4699781" y="4255459"/>
             <a:ext cx="1626768" cy="259099"/>
           </a:xfrm>
           <a:prstGeom prst="rect">
@@ -5648,10 +6220,10 @@
       </p:sp>
       <p:sp>
         <p:nvSpPr>
-          <p:cNvPr id="159" name="正方形/長方形 158">
-            <a:extLst>
-              <a:ext uri="{FF2B5EF4-FFF2-40B4-BE49-F238E27FC236}">
-                <a16:creationId xmlns:a16="http://schemas.microsoft.com/office/drawing/2014/main" id="{1AEE5956-E4E9-4382-9A7E-D0BA01053C8E}"/>
+          <p:cNvPr id="17" name="正方形/長方形 16">
+            <a:extLst>
+              <a:ext uri="{FF2B5EF4-FFF2-40B4-BE49-F238E27FC236}">
+                <a16:creationId xmlns:a16="http://schemas.microsoft.com/office/drawing/2014/main" id="{E47BD35D-5FCE-A6C0-630F-574474A6D7CF}"/>
               </a:ext>
             </a:extLst>
           </p:cNvPr>
@@ -5660,7 +6232,7 @@
         </p:nvSpPr>
         <p:spPr>
           <a:xfrm>
-            <a:off x="7546610" y="5019728"/>
+            <a:off x="4699781" y="4778428"/>
             <a:ext cx="1626768" cy="259099"/>
           </a:xfrm>
           <a:prstGeom prst="rect">
@@ -5699,7 +6271,7 @@
                 <a:latin typeface="Meiryo UI" panose="020B0604030504040204" pitchFamily="50" charset="-128"/>
                 <a:ea typeface="Meiryo UI" panose="020B0604030504040204" pitchFamily="50" charset="-128"/>
               </a:rPr>
-              <a:t>PlayerControl</a:t>
+              <a:t>AvatarSelectionScreen</a:t>
             </a:r>
             <a:endParaRPr kumimoji="1" lang="ja-JP" altLang="en-US" sz="1000">
               <a:latin typeface="Meiryo UI" panose="020B0604030504040204" pitchFamily="50" charset="-128"/>
@@ -5710,10 +6282,10 @@
       </p:sp>
       <p:sp>
         <p:nvSpPr>
-          <p:cNvPr id="160" name="正方形/長方形 159">
-            <a:extLst>
-              <a:ext uri="{FF2B5EF4-FFF2-40B4-BE49-F238E27FC236}">
-                <a16:creationId xmlns:a16="http://schemas.microsoft.com/office/drawing/2014/main" id="{AB7D5AB4-5EDD-4A36-91E2-C774E5A11C56}"/>
+          <p:cNvPr id="18" name="正方形/長方形 17">
+            <a:extLst>
+              <a:ext uri="{FF2B5EF4-FFF2-40B4-BE49-F238E27FC236}">
+                <a16:creationId xmlns:a16="http://schemas.microsoft.com/office/drawing/2014/main" id="{8D690615-C79A-5C1A-35FF-ED4BF03E35BD}"/>
               </a:ext>
             </a:extLst>
           </p:cNvPr>
@@ -5722,7 +6294,76 @@
         </p:nvSpPr>
         <p:spPr>
           <a:xfrm>
-            <a:off x="7546610" y="5324251"/>
+            <a:off x="1744222" y="1974261"/>
+            <a:ext cx="1829282" cy="4175358"/>
+          </a:xfrm>
+          <a:prstGeom prst="rect">
+            <a:avLst/>
+          </a:prstGeom>
+          <a:solidFill>
+            <a:schemeClr val="accent5"/>
+          </a:solidFill>
+          <a:ln>
+            <a:noFill/>
+          </a:ln>
+        </p:spPr>
+        <p:style>
+          <a:lnRef idx="2">
+            <a:schemeClr val="accent1">
+              <a:shade val="50000"/>
+            </a:schemeClr>
+          </a:lnRef>
+          <a:fillRef idx="1">
+            <a:schemeClr val="accent1"/>
+          </a:fillRef>
+          <a:effectRef idx="0">
+            <a:schemeClr val="accent1"/>
+          </a:effectRef>
+          <a:fontRef idx="minor">
+            <a:schemeClr val="lt1"/>
+          </a:fontRef>
+        </p:style>
+        <p:txBody>
+          <a:bodyPr rtlCol="0" anchor="t"/>
+          <a:lstStyle/>
+          <a:p>
+            <a:pPr algn="ctr"/>
+            <a:endParaRPr kumimoji="1" lang="en-US" altLang="ja-JP" sz="1000">
+              <a:latin typeface="Meiryo UI" panose="020B0604030504040204" pitchFamily="50" charset="-128"/>
+              <a:ea typeface="Meiryo UI" panose="020B0604030504040204" pitchFamily="50" charset="-128"/>
+            </a:endParaRPr>
+          </a:p>
+          <a:p>
+            <a:pPr algn="ctr"/>
+            <a:r>
+              <a:rPr kumimoji="1" lang="en-US" altLang="ja-JP" sz="1000">
+                <a:latin typeface="Meiryo UI" panose="020B0604030504040204" pitchFamily="50" charset="-128"/>
+                <a:ea typeface="Meiryo UI" panose="020B0604030504040204" pitchFamily="50" charset="-128"/>
+              </a:rPr>
+              <a:t>TitleStage</a:t>
+            </a:r>
+            <a:endParaRPr kumimoji="1" lang="ja-JP" altLang="en-US" sz="1000">
+              <a:latin typeface="Meiryo UI" panose="020B0604030504040204" pitchFamily="50" charset="-128"/>
+              <a:ea typeface="Meiryo UI" panose="020B0604030504040204" pitchFamily="50" charset="-128"/>
+            </a:endParaRPr>
+          </a:p>
+        </p:txBody>
+      </p:sp>
+      <p:sp>
+        <p:nvSpPr>
+          <p:cNvPr id="19" name="正方形/長方形 18">
+            <a:extLst>
+              <a:ext uri="{FF2B5EF4-FFF2-40B4-BE49-F238E27FC236}">
+                <a16:creationId xmlns:a16="http://schemas.microsoft.com/office/drawing/2014/main" id="{5841676D-E9AE-DE21-568E-5ABA37437CBB}"/>
+              </a:ext>
+            </a:extLst>
+          </p:cNvPr>
+          <p:cNvSpPr/>
+          <p:nvPr/>
+        </p:nvSpPr>
+        <p:spPr>
+          <a:xfrm>
+            <a:off x="1839526" y="2547425"/>
             <a:ext cx="1626768" cy="259099"/>
           </a:xfrm>
           <a:prstGeom prst="rect">
@@ -5761,7 +6402,7 @@
                 <a:latin typeface="Meiryo UI" panose="020B0604030504040204" pitchFamily="50" charset="-128"/>
                 <a:ea typeface="Meiryo UI" panose="020B0604030504040204" pitchFamily="50" charset="-128"/>
               </a:rPr>
-              <a:t>VirtualSpace</a:t>
+              <a:t>App</a:t>
             </a:r>
             <a:endParaRPr kumimoji="1" lang="ja-JP" altLang="en-US" sz="1000">
               <a:latin typeface="Meiryo UI" panose="020B0604030504040204" pitchFamily="50" charset="-128"/>
@@ -5772,10 +6413,10 @@
       </p:sp>
       <p:sp>
         <p:nvSpPr>
-          <p:cNvPr id="167" name="正方形/長方形 166">
-            <a:extLst>
-              <a:ext uri="{FF2B5EF4-FFF2-40B4-BE49-F238E27FC236}">
-                <a16:creationId xmlns:a16="http://schemas.microsoft.com/office/drawing/2014/main" id="{7FAE003D-582A-40E2-AE48-C97083F8091E}"/>
+          <p:cNvPr id="21" name="正方形/長方形 20">
+            <a:extLst>
+              <a:ext uri="{FF2B5EF4-FFF2-40B4-BE49-F238E27FC236}">
+                <a16:creationId xmlns:a16="http://schemas.microsoft.com/office/drawing/2014/main" id="{D2B36C17-4F9F-7E9F-8F9D-78AE8CD82B7E}"/>
               </a:ext>
             </a:extLst>
           </p:cNvPr>
@@ -5784,8 +6425,8 @@
         </p:nvSpPr>
         <p:spPr>
           <a:xfrm>
-            <a:off x="1744222" y="6252060"/>
-            <a:ext cx="833647" cy="259099"/>
+            <a:off x="1843299" y="3326339"/>
+            <a:ext cx="1626768" cy="259099"/>
           </a:xfrm>
           <a:prstGeom prst="rect">
             <a:avLst/>
@@ -5819,11 +6460,11 @@
           <a:p>
             <a:pPr algn="ctr"/>
             <a:r>
-              <a:rPr kumimoji="1" lang="en-US" altLang="ja-JP" sz="1000">
+              <a:rPr kumimoji="1" lang="en-US" altLang="ja-JP" sz="1000" err="1">
                 <a:latin typeface="Meiryo UI" panose="020B0604030504040204" pitchFamily="50" charset="-128"/>
                 <a:ea typeface="Meiryo UI" panose="020B0604030504040204" pitchFamily="50" charset="-128"/>
               </a:rPr>
-              <a:t>Scene</a:t>
+              <a:t>InputControl</a:t>
             </a:r>
             <a:endParaRPr kumimoji="1" lang="ja-JP" altLang="en-US" sz="1000">
               <a:latin typeface="Meiryo UI" panose="020B0604030504040204" pitchFamily="50" charset="-128"/>
@@ -5834,10 +6475,10 @@
       </p:sp>
       <p:sp>
         <p:nvSpPr>
-          <p:cNvPr id="168" name="正方形/長方形 167">
-            <a:extLst>
-              <a:ext uri="{FF2B5EF4-FFF2-40B4-BE49-F238E27FC236}">
-                <a16:creationId xmlns:a16="http://schemas.microsoft.com/office/drawing/2014/main" id="{25E67E7F-F55A-41CA-8EF4-81B7E011A0FA}"/>
+          <p:cNvPr id="22" name="正方形/長方形 21">
+            <a:extLst>
+              <a:ext uri="{FF2B5EF4-FFF2-40B4-BE49-F238E27FC236}">
+                <a16:creationId xmlns:a16="http://schemas.microsoft.com/office/drawing/2014/main" id="{053116BF-51F1-BED2-AA21-6891036EBC91}"/>
               </a:ext>
             </a:extLst>
           </p:cNvPr>
@@ -5846,138 +6487,7 @@
         </p:nvSpPr>
         <p:spPr>
           <a:xfrm>
-            <a:off x="1744222" y="5914668"/>
-            <a:ext cx="833647" cy="259099"/>
-          </a:xfrm>
-          <a:prstGeom prst="rect">
-            <a:avLst/>
-          </a:prstGeom>
-          <a:solidFill>
-            <a:schemeClr val="accent5"/>
-          </a:solidFill>
-          <a:ln>
-            <a:noFill/>
-          </a:ln>
-        </p:spPr>
-        <p:style>
-          <a:lnRef idx="2">
-            <a:schemeClr val="accent1">
-              <a:shade val="50000"/>
-            </a:schemeClr>
-          </a:lnRef>
-          <a:fillRef idx="1">
-            <a:schemeClr val="accent1"/>
-          </a:fillRef>
-          <a:effectRef idx="0">
-            <a:schemeClr val="accent1"/>
-          </a:effectRef>
-          <a:fontRef idx="minor">
-            <a:schemeClr val="lt1"/>
-          </a:fontRef>
-        </p:style>
-        <p:txBody>
-          <a:bodyPr rtlCol="0" anchor="ctr"/>
-          <a:lstStyle/>
-          <a:p>
-            <a:pPr algn="ctr"/>
-            <a:r>
-              <a:rPr kumimoji="1" lang="en-US" altLang="ja-JP" sz="1000">
-                <a:latin typeface="Meiryo UI" panose="020B0604030504040204" pitchFamily="50" charset="-128"/>
-                <a:ea typeface="Meiryo UI" panose="020B0604030504040204" pitchFamily="50" charset="-128"/>
-              </a:rPr>
-              <a:t>Stage</a:t>
-            </a:r>
-            <a:endParaRPr kumimoji="1" lang="ja-JP" altLang="en-US" sz="1000">
-              <a:latin typeface="Meiryo UI" panose="020B0604030504040204" pitchFamily="50" charset="-128"/>
-              <a:ea typeface="Meiryo UI" panose="020B0604030504040204" pitchFamily="50" charset="-128"/>
-            </a:endParaRPr>
-          </a:p>
-        </p:txBody>
-      </p:sp>
-      <p:sp>
-        <p:nvSpPr>
-          <p:cNvPr id="9" name="正方形/長方形 8">
-            <a:extLst>
-              <a:ext uri="{FF2B5EF4-FFF2-40B4-BE49-F238E27FC236}">
-                <a16:creationId xmlns:a16="http://schemas.microsoft.com/office/drawing/2014/main" id="{F150FC63-F841-9F55-ECDC-2DD0E9912565}"/>
-              </a:ext>
-            </a:extLst>
-          </p:cNvPr>
-          <p:cNvSpPr/>
-          <p:nvPr/>
-        </p:nvSpPr>
-        <p:spPr>
-          <a:xfrm>
-            <a:off x="4591051" y="1974261"/>
-            <a:ext cx="1829282" cy="3823196"/>
-          </a:xfrm>
-          <a:prstGeom prst="rect">
-            <a:avLst/>
-          </a:prstGeom>
-          <a:solidFill>
-            <a:schemeClr val="accent5"/>
-          </a:solidFill>
-          <a:ln>
-            <a:noFill/>
-          </a:ln>
-        </p:spPr>
-        <p:style>
-          <a:lnRef idx="2">
-            <a:schemeClr val="accent1">
-              <a:shade val="50000"/>
-            </a:schemeClr>
-          </a:lnRef>
-          <a:fillRef idx="1">
-            <a:schemeClr val="accent1"/>
-          </a:fillRef>
-          <a:effectRef idx="0">
-            <a:schemeClr val="accent1"/>
-          </a:effectRef>
-          <a:fontRef idx="minor">
-            <a:schemeClr val="lt1"/>
-          </a:fontRef>
-        </p:style>
-        <p:txBody>
-          <a:bodyPr rtlCol="0" anchor="t"/>
-          <a:lstStyle/>
-          <a:p>
-            <a:pPr algn="ctr"/>
-            <a:endParaRPr kumimoji="1" lang="en-US" altLang="ja-JP" sz="1000">
-              <a:latin typeface="Meiryo UI" panose="020B0604030504040204" pitchFamily="50" charset="-128"/>
-              <a:ea typeface="Meiryo UI" panose="020B0604030504040204" pitchFamily="50" charset="-128"/>
-            </a:endParaRPr>
-          </a:p>
-          <a:p>
-            <a:pPr algn="ctr"/>
-            <a:r>
-              <a:rPr kumimoji="1" lang="en-US" altLang="ja-JP" sz="1000">
-                <a:latin typeface="Meiryo UI" panose="020B0604030504040204" pitchFamily="50" charset="-128"/>
-                <a:ea typeface="Meiryo UI" panose="020B0604030504040204" pitchFamily="50" charset="-128"/>
-              </a:rPr>
-              <a:t>AvatarSelectionStage</a:t>
-            </a:r>
-            <a:endParaRPr kumimoji="1" lang="ja-JP" altLang="en-US" sz="1000">
-              <a:latin typeface="Meiryo UI" panose="020B0604030504040204" pitchFamily="50" charset="-128"/>
-              <a:ea typeface="Meiryo UI" panose="020B0604030504040204" pitchFamily="50" charset="-128"/>
-            </a:endParaRPr>
-          </a:p>
-        </p:txBody>
-      </p:sp>
-      <p:sp>
-        <p:nvSpPr>
-          <p:cNvPr id="10" name="正方形/長方形 9">
-            <a:extLst>
-              <a:ext uri="{FF2B5EF4-FFF2-40B4-BE49-F238E27FC236}">
-                <a16:creationId xmlns:a16="http://schemas.microsoft.com/office/drawing/2014/main" id="{CA1737A0-D62B-AB11-3D98-E9A41ACD1D46}"/>
-              </a:ext>
-            </a:extLst>
-          </p:cNvPr>
-          <p:cNvSpPr/>
-          <p:nvPr/>
-        </p:nvSpPr>
-        <p:spPr>
-          <a:xfrm>
-            <a:off x="4699781" y="2517258"/>
+            <a:off x="1843299" y="3637130"/>
             <a:ext cx="1626768" cy="259099"/>
           </a:xfrm>
           <a:prstGeom prst="rect">
@@ -6016,7 +6526,7 @@
                 <a:latin typeface="Meiryo UI" panose="020B0604030504040204" pitchFamily="50" charset="-128"/>
                 <a:ea typeface="Meiryo UI" panose="020B0604030504040204" pitchFamily="50" charset="-128"/>
               </a:rPr>
-              <a:t>App</a:t>
+              <a:t>LightControl</a:t>
             </a:r>
             <a:endParaRPr kumimoji="1" lang="ja-JP" altLang="en-US" sz="1000">
               <a:latin typeface="Meiryo UI" panose="020B0604030504040204" pitchFamily="50" charset="-128"/>
@@ -6027,10 +6537,10 @@
       </p:sp>
       <p:sp>
         <p:nvSpPr>
-          <p:cNvPr id="11" name="正方形/長方形 10">
-            <a:extLst>
-              <a:ext uri="{FF2B5EF4-FFF2-40B4-BE49-F238E27FC236}">
-                <a16:creationId xmlns:a16="http://schemas.microsoft.com/office/drawing/2014/main" id="{A1FC567B-507A-16A7-E1DE-36DDBCA5F242}"/>
+          <p:cNvPr id="23" name="正方形/長方形 22">
+            <a:extLst>
+              <a:ext uri="{FF2B5EF4-FFF2-40B4-BE49-F238E27FC236}">
+                <a16:creationId xmlns:a16="http://schemas.microsoft.com/office/drawing/2014/main" id="{048CE3EE-672B-9600-C77D-9332DC260D40}"/>
               </a:ext>
             </a:extLst>
           </p:cNvPr>
@@ -6039,7 +6549,7 @@
         </p:nvSpPr>
         <p:spPr>
           <a:xfrm>
-            <a:off x="4690128" y="3132047"/>
+            <a:off x="1843299" y="3947921"/>
             <a:ext cx="1626768" cy="259099"/>
           </a:xfrm>
           <a:prstGeom prst="rect">
@@ -6078,7 +6588,7 @@
                 <a:latin typeface="Meiryo UI" panose="020B0604030504040204" pitchFamily="50" charset="-128"/>
                 <a:ea typeface="Meiryo UI" panose="020B0604030504040204" pitchFamily="50" charset="-128"/>
               </a:rPr>
-              <a:t>Models</a:t>
+              <a:t>BackgroundScreen</a:t>
             </a:r>
             <a:endParaRPr kumimoji="1" lang="ja-JP" altLang="en-US" sz="1000">
               <a:latin typeface="Meiryo UI" panose="020B0604030504040204" pitchFamily="50" charset="-128"/>
@@ -6089,10 +6599,10 @@
       </p:sp>
       <p:sp>
         <p:nvSpPr>
-          <p:cNvPr id="12" name="正方形/長方形 11">
-            <a:extLst>
-              <a:ext uri="{FF2B5EF4-FFF2-40B4-BE49-F238E27FC236}">
-                <a16:creationId xmlns:a16="http://schemas.microsoft.com/office/drawing/2014/main" id="{BAF20622-D002-0D3F-1073-D7E9CE0518A5}"/>
+          <p:cNvPr id="24" name="正方形/長方形 23">
+            <a:extLst>
+              <a:ext uri="{FF2B5EF4-FFF2-40B4-BE49-F238E27FC236}">
+                <a16:creationId xmlns:a16="http://schemas.microsoft.com/office/drawing/2014/main" id="{3AA26932-582C-7972-BC2B-D5B47C8AFD15}"/>
               </a:ext>
             </a:extLst>
           </p:cNvPr>
@@ -6101,7 +6611,7 @@
         </p:nvSpPr>
         <p:spPr>
           <a:xfrm>
-            <a:off x="4690128" y="3446989"/>
+            <a:off x="1843299" y="4255459"/>
             <a:ext cx="1626768" cy="259099"/>
           </a:xfrm>
           <a:prstGeom prst="rect">
@@ -6136,11 +6646,11 @@
           <a:p>
             <a:pPr algn="ctr"/>
             <a:r>
-              <a:rPr kumimoji="1" lang="en-US" altLang="ja-JP" sz="1000" err="1">
+              <a:rPr kumimoji="1" lang="en-US" altLang="ja-JP" sz="1000">
                 <a:latin typeface="Meiryo UI" panose="020B0604030504040204" pitchFamily="50" charset="-128"/>
                 <a:ea typeface="Meiryo UI" panose="020B0604030504040204" pitchFamily="50" charset="-128"/>
               </a:rPr>
-              <a:t>InputControl</a:t>
+              <a:t>LoadingScreen</a:t>
             </a:r>
             <a:endParaRPr kumimoji="1" lang="ja-JP" altLang="en-US" sz="1000">
               <a:latin typeface="Meiryo UI" panose="020B0604030504040204" pitchFamily="50" charset="-128"/>
@@ -6151,10 +6661,10 @@
       </p:sp>
       <p:sp>
         <p:nvSpPr>
-          <p:cNvPr id="13" name="正方形/長方形 12">
-            <a:extLst>
-              <a:ext uri="{FF2B5EF4-FFF2-40B4-BE49-F238E27FC236}">
-                <a16:creationId xmlns:a16="http://schemas.microsoft.com/office/drawing/2014/main" id="{9963635E-AAFF-B4BA-01A4-B7E4803ED3A6}"/>
+          <p:cNvPr id="26" name="正方形/長方形 25">
+            <a:extLst>
+              <a:ext uri="{FF2B5EF4-FFF2-40B4-BE49-F238E27FC236}">
+                <a16:creationId xmlns:a16="http://schemas.microsoft.com/office/drawing/2014/main" id="{B407662E-BCC9-3D15-6816-E7CA96AEF23C}"/>
               </a:ext>
             </a:extLst>
           </p:cNvPr>
@@ -6163,7 +6673,7 @@
         </p:nvSpPr>
         <p:spPr>
           <a:xfrm>
-            <a:off x="4696467" y="3757780"/>
+            <a:off x="1852952" y="4778428"/>
             <a:ext cx="1626768" cy="259099"/>
           </a:xfrm>
           <a:prstGeom prst="rect">
@@ -6202,7 +6712,7 @@
                 <a:latin typeface="Meiryo UI" panose="020B0604030504040204" pitchFamily="50" charset="-128"/>
                 <a:ea typeface="Meiryo UI" panose="020B0604030504040204" pitchFamily="50" charset="-128"/>
               </a:rPr>
-              <a:t>LightControl</a:t>
+              <a:t>TitleScreen</a:t>
             </a:r>
             <a:endParaRPr kumimoji="1" lang="ja-JP" altLang="en-US" sz="1000">
               <a:latin typeface="Meiryo UI" panose="020B0604030504040204" pitchFamily="50" charset="-128"/>
@@ -6211,833 +6721,6 @@
           </a:p>
         </p:txBody>
       </p:sp>
-      <p:sp>
-        <p:nvSpPr>
-          <p:cNvPr id="14" name="正方形/長方形 13">
-            <a:extLst>
-              <a:ext uri="{FF2B5EF4-FFF2-40B4-BE49-F238E27FC236}">
-                <a16:creationId xmlns:a16="http://schemas.microsoft.com/office/drawing/2014/main" id="{4C86C418-3F58-BD4D-C550-2846219132C1}"/>
-              </a:ext>
-            </a:extLst>
-          </p:cNvPr>
-          <p:cNvSpPr/>
-          <p:nvPr/>
-        </p:nvSpPr>
-        <p:spPr>
-          <a:xfrm>
-            <a:off x="4699781" y="4068571"/>
-            <a:ext cx="1626768" cy="259099"/>
-          </a:xfrm>
-          <a:prstGeom prst="rect">
-            <a:avLst/>
-          </a:prstGeom>
-          <a:solidFill>
-            <a:schemeClr val="tx2"/>
-          </a:solidFill>
-          <a:ln>
-            <a:noFill/>
-          </a:ln>
-        </p:spPr>
-        <p:style>
-          <a:lnRef idx="2">
-            <a:schemeClr val="accent1">
-              <a:shade val="50000"/>
-            </a:schemeClr>
-          </a:lnRef>
-          <a:fillRef idx="1">
-            <a:schemeClr val="accent1"/>
-          </a:fillRef>
-          <a:effectRef idx="0">
-            <a:schemeClr val="accent1"/>
-          </a:effectRef>
-          <a:fontRef idx="minor">
-            <a:schemeClr val="lt1"/>
-          </a:fontRef>
-        </p:style>
-        <p:txBody>
-          <a:bodyPr rtlCol="0" anchor="ctr"/>
-          <a:lstStyle/>
-          <a:p>
-            <a:pPr algn="ctr"/>
-            <a:r>
-              <a:rPr kumimoji="1" lang="en-US" altLang="ja-JP" sz="1000">
-                <a:latin typeface="Meiryo UI" panose="020B0604030504040204" pitchFamily="50" charset="-128"/>
-                <a:ea typeface="Meiryo UI" panose="020B0604030504040204" pitchFamily="50" charset="-128"/>
-              </a:rPr>
-              <a:t>BackgroundScreen</a:t>
-            </a:r>
-            <a:endParaRPr kumimoji="1" lang="ja-JP" altLang="en-US" sz="1000">
-              <a:latin typeface="Meiryo UI" panose="020B0604030504040204" pitchFamily="50" charset="-128"/>
-              <a:ea typeface="Meiryo UI" panose="020B0604030504040204" pitchFamily="50" charset="-128"/>
-            </a:endParaRPr>
-          </a:p>
-        </p:txBody>
-      </p:sp>
-      <p:sp>
-        <p:nvSpPr>
-          <p:cNvPr id="15" name="正方形/長方形 14">
-            <a:extLst>
-              <a:ext uri="{FF2B5EF4-FFF2-40B4-BE49-F238E27FC236}">
-                <a16:creationId xmlns:a16="http://schemas.microsoft.com/office/drawing/2014/main" id="{A03A1B19-5E04-109D-04B6-418F1570DD02}"/>
-              </a:ext>
-            </a:extLst>
-          </p:cNvPr>
-          <p:cNvSpPr/>
-          <p:nvPr/>
-        </p:nvSpPr>
-        <p:spPr>
-          <a:xfrm>
-            <a:off x="4699781" y="4376109"/>
-            <a:ext cx="1626768" cy="259099"/>
-          </a:xfrm>
-          <a:prstGeom prst="rect">
-            <a:avLst/>
-          </a:prstGeom>
-          <a:solidFill>
-            <a:schemeClr val="tx2"/>
-          </a:solidFill>
-          <a:ln>
-            <a:noFill/>
-          </a:ln>
-        </p:spPr>
-        <p:style>
-          <a:lnRef idx="2">
-            <a:schemeClr val="accent1">
-              <a:shade val="50000"/>
-            </a:schemeClr>
-          </a:lnRef>
-          <a:fillRef idx="1">
-            <a:schemeClr val="accent1"/>
-          </a:fillRef>
-          <a:effectRef idx="0">
-            <a:schemeClr val="accent1"/>
-          </a:effectRef>
-          <a:fontRef idx="minor">
-            <a:schemeClr val="lt1"/>
-          </a:fontRef>
-        </p:style>
-        <p:txBody>
-          <a:bodyPr rtlCol="0" anchor="ctr"/>
-          <a:lstStyle/>
-          <a:p>
-            <a:pPr algn="ctr"/>
-            <a:r>
-              <a:rPr kumimoji="1" lang="en-US" altLang="ja-JP" sz="1000">
-                <a:latin typeface="Meiryo UI" panose="020B0604030504040204" pitchFamily="50" charset="-128"/>
-                <a:ea typeface="Meiryo UI" panose="020B0604030504040204" pitchFamily="50" charset="-128"/>
-              </a:rPr>
-              <a:t>LoadingScreen</a:t>
-            </a:r>
-            <a:endParaRPr kumimoji="1" lang="ja-JP" altLang="en-US" sz="1000">
-              <a:latin typeface="Meiryo UI" panose="020B0604030504040204" pitchFamily="50" charset="-128"/>
-              <a:ea typeface="Meiryo UI" panose="020B0604030504040204" pitchFamily="50" charset="-128"/>
-            </a:endParaRPr>
-          </a:p>
-        </p:txBody>
-      </p:sp>
-      <p:sp>
-        <p:nvSpPr>
-          <p:cNvPr id="16" name="正方形/長方形 15">
-            <a:extLst>
-              <a:ext uri="{FF2B5EF4-FFF2-40B4-BE49-F238E27FC236}">
-                <a16:creationId xmlns:a16="http://schemas.microsoft.com/office/drawing/2014/main" id="{A8FCCFB5-A23C-F874-916E-006C02BB2ECA}"/>
-              </a:ext>
-            </a:extLst>
-          </p:cNvPr>
-          <p:cNvSpPr/>
-          <p:nvPr/>
-        </p:nvSpPr>
-        <p:spPr>
-          <a:xfrm>
-            <a:off x="4699781" y="5019728"/>
-            <a:ext cx="1626768" cy="259099"/>
-          </a:xfrm>
-          <a:prstGeom prst="rect">
-            <a:avLst/>
-          </a:prstGeom>
-          <a:solidFill>
-            <a:schemeClr val="tx2"/>
-          </a:solidFill>
-          <a:ln>
-            <a:noFill/>
-          </a:ln>
-        </p:spPr>
-        <p:style>
-          <a:lnRef idx="2">
-            <a:schemeClr val="accent1">
-              <a:shade val="50000"/>
-            </a:schemeClr>
-          </a:lnRef>
-          <a:fillRef idx="1">
-            <a:schemeClr val="accent1"/>
-          </a:fillRef>
-          <a:effectRef idx="0">
-            <a:schemeClr val="accent1"/>
-          </a:effectRef>
-          <a:fontRef idx="minor">
-            <a:schemeClr val="lt1"/>
-          </a:fontRef>
-        </p:style>
-        <p:txBody>
-          <a:bodyPr rtlCol="0" anchor="ctr"/>
-          <a:lstStyle/>
-          <a:p>
-            <a:pPr algn="ctr"/>
-            <a:r>
-              <a:rPr lang="en-US" altLang="ja-JP" sz="1000">
-                <a:latin typeface="Meiryo UI" panose="020B0604030504040204" pitchFamily="50" charset="-128"/>
-                <a:ea typeface="Meiryo UI" panose="020B0604030504040204" pitchFamily="50" charset="-128"/>
-              </a:rPr>
-              <a:t>Camera</a:t>
-            </a:r>
-            <a:r>
-              <a:rPr kumimoji="1" lang="en-US" altLang="ja-JP" sz="1000">
-                <a:latin typeface="Meiryo UI" panose="020B0604030504040204" pitchFamily="50" charset="-128"/>
-                <a:ea typeface="Meiryo UI" panose="020B0604030504040204" pitchFamily="50" charset="-128"/>
-              </a:rPr>
-              <a:t>Control</a:t>
-            </a:r>
-            <a:endParaRPr kumimoji="1" lang="ja-JP" altLang="en-US" sz="1000">
-              <a:latin typeface="Meiryo UI" panose="020B0604030504040204" pitchFamily="50" charset="-128"/>
-              <a:ea typeface="Meiryo UI" panose="020B0604030504040204" pitchFamily="50" charset="-128"/>
-            </a:endParaRPr>
-          </a:p>
-        </p:txBody>
-      </p:sp>
-      <p:sp>
-        <p:nvSpPr>
-          <p:cNvPr id="17" name="正方形/長方形 16">
-            <a:extLst>
-              <a:ext uri="{FF2B5EF4-FFF2-40B4-BE49-F238E27FC236}">
-                <a16:creationId xmlns:a16="http://schemas.microsoft.com/office/drawing/2014/main" id="{E47BD35D-5FCE-A6C0-630F-574474A6D7CF}"/>
-              </a:ext>
-            </a:extLst>
-          </p:cNvPr>
-          <p:cNvSpPr/>
-          <p:nvPr/>
-        </p:nvSpPr>
-        <p:spPr>
-          <a:xfrm>
-            <a:off x="4699781" y="5324251"/>
-            <a:ext cx="1626768" cy="259099"/>
-          </a:xfrm>
-          <a:prstGeom prst="rect">
-            <a:avLst/>
-          </a:prstGeom>
-          <a:solidFill>
-            <a:schemeClr val="tx2"/>
-          </a:solidFill>
-          <a:ln>
-            <a:noFill/>
-          </a:ln>
-        </p:spPr>
-        <p:style>
-          <a:lnRef idx="2">
-            <a:schemeClr val="accent1">
-              <a:shade val="50000"/>
-            </a:schemeClr>
-          </a:lnRef>
-          <a:fillRef idx="1">
-            <a:schemeClr val="accent1"/>
-          </a:fillRef>
-          <a:effectRef idx="0">
-            <a:schemeClr val="accent1"/>
-          </a:effectRef>
-          <a:fontRef idx="minor">
-            <a:schemeClr val="lt1"/>
-          </a:fontRef>
-        </p:style>
-        <p:txBody>
-          <a:bodyPr rtlCol="0" anchor="ctr"/>
-          <a:lstStyle/>
-          <a:p>
-            <a:pPr algn="ctr"/>
-            <a:r>
-              <a:rPr kumimoji="1" lang="en-US" altLang="ja-JP" sz="1000">
-                <a:latin typeface="Meiryo UI" panose="020B0604030504040204" pitchFamily="50" charset="-128"/>
-                <a:ea typeface="Meiryo UI" panose="020B0604030504040204" pitchFamily="50" charset="-128"/>
-              </a:rPr>
-              <a:t>AvatarSelectionScreen</a:t>
-            </a:r>
-            <a:endParaRPr kumimoji="1" lang="ja-JP" altLang="en-US" sz="1000">
-              <a:latin typeface="Meiryo UI" panose="020B0604030504040204" pitchFamily="50" charset="-128"/>
-              <a:ea typeface="Meiryo UI" panose="020B0604030504040204" pitchFamily="50" charset="-128"/>
-            </a:endParaRPr>
-          </a:p>
-        </p:txBody>
-      </p:sp>
-      <p:sp>
-        <p:nvSpPr>
-          <p:cNvPr id="18" name="正方形/長方形 17">
-            <a:extLst>
-              <a:ext uri="{FF2B5EF4-FFF2-40B4-BE49-F238E27FC236}">
-                <a16:creationId xmlns:a16="http://schemas.microsoft.com/office/drawing/2014/main" id="{8D690615-C79A-5C1A-35FF-ED4BF03E35BD}"/>
-              </a:ext>
-            </a:extLst>
-          </p:cNvPr>
-          <p:cNvSpPr/>
-          <p:nvPr/>
-        </p:nvSpPr>
-        <p:spPr>
-          <a:xfrm>
-            <a:off x="1744222" y="1974261"/>
-            <a:ext cx="1829282" cy="3823196"/>
-          </a:xfrm>
-          <a:prstGeom prst="rect">
-            <a:avLst/>
-          </a:prstGeom>
-          <a:solidFill>
-            <a:schemeClr val="accent5"/>
-          </a:solidFill>
-          <a:ln>
-            <a:noFill/>
-          </a:ln>
-        </p:spPr>
-        <p:style>
-          <a:lnRef idx="2">
-            <a:schemeClr val="accent1">
-              <a:shade val="50000"/>
-            </a:schemeClr>
-          </a:lnRef>
-          <a:fillRef idx="1">
-            <a:schemeClr val="accent1"/>
-          </a:fillRef>
-          <a:effectRef idx="0">
-            <a:schemeClr val="accent1"/>
-          </a:effectRef>
-          <a:fontRef idx="minor">
-            <a:schemeClr val="lt1"/>
-          </a:fontRef>
-        </p:style>
-        <p:txBody>
-          <a:bodyPr rtlCol="0" anchor="t"/>
-          <a:lstStyle/>
-          <a:p>
-            <a:pPr algn="ctr"/>
-            <a:endParaRPr kumimoji="1" lang="en-US" altLang="ja-JP" sz="1000">
-              <a:latin typeface="Meiryo UI" panose="020B0604030504040204" pitchFamily="50" charset="-128"/>
-              <a:ea typeface="Meiryo UI" panose="020B0604030504040204" pitchFamily="50" charset="-128"/>
-            </a:endParaRPr>
-          </a:p>
-          <a:p>
-            <a:pPr algn="ctr"/>
-            <a:r>
-              <a:rPr kumimoji="1" lang="en-US" altLang="ja-JP" sz="1000">
-                <a:latin typeface="Meiryo UI" panose="020B0604030504040204" pitchFamily="50" charset="-128"/>
-                <a:ea typeface="Meiryo UI" panose="020B0604030504040204" pitchFamily="50" charset="-128"/>
-              </a:rPr>
-              <a:t>TitleStage</a:t>
-            </a:r>
-            <a:endParaRPr kumimoji="1" lang="ja-JP" altLang="en-US" sz="1000">
-              <a:latin typeface="Meiryo UI" panose="020B0604030504040204" pitchFamily="50" charset="-128"/>
-              <a:ea typeface="Meiryo UI" panose="020B0604030504040204" pitchFamily="50" charset="-128"/>
-            </a:endParaRPr>
-          </a:p>
-        </p:txBody>
-      </p:sp>
-      <p:sp>
-        <p:nvSpPr>
-          <p:cNvPr id="19" name="正方形/長方形 18">
-            <a:extLst>
-              <a:ext uri="{FF2B5EF4-FFF2-40B4-BE49-F238E27FC236}">
-                <a16:creationId xmlns:a16="http://schemas.microsoft.com/office/drawing/2014/main" id="{5841676D-E9AE-DE21-568E-5ABA37437CBB}"/>
-              </a:ext>
-            </a:extLst>
-          </p:cNvPr>
-          <p:cNvSpPr/>
-          <p:nvPr/>
-        </p:nvSpPr>
-        <p:spPr>
-          <a:xfrm>
-            <a:off x="1852952" y="2517258"/>
-            <a:ext cx="1626768" cy="259099"/>
-          </a:xfrm>
-          <a:prstGeom prst="rect">
-            <a:avLst/>
-          </a:prstGeom>
-          <a:solidFill>
-            <a:schemeClr val="tx2"/>
-          </a:solidFill>
-          <a:ln>
-            <a:noFill/>
-          </a:ln>
-        </p:spPr>
-        <p:style>
-          <a:lnRef idx="2">
-            <a:schemeClr val="accent1">
-              <a:shade val="50000"/>
-            </a:schemeClr>
-          </a:lnRef>
-          <a:fillRef idx="1">
-            <a:schemeClr val="accent1"/>
-          </a:fillRef>
-          <a:effectRef idx="0">
-            <a:schemeClr val="accent1"/>
-          </a:effectRef>
-          <a:fontRef idx="minor">
-            <a:schemeClr val="lt1"/>
-          </a:fontRef>
-        </p:style>
-        <p:txBody>
-          <a:bodyPr rtlCol="0" anchor="ctr"/>
-          <a:lstStyle/>
-          <a:p>
-            <a:pPr algn="ctr"/>
-            <a:r>
-              <a:rPr kumimoji="1" lang="en-US" altLang="ja-JP" sz="1000">
-                <a:latin typeface="Meiryo UI" panose="020B0604030504040204" pitchFamily="50" charset="-128"/>
-                <a:ea typeface="Meiryo UI" panose="020B0604030504040204" pitchFamily="50" charset="-128"/>
-              </a:rPr>
-              <a:t>App</a:t>
-            </a:r>
-            <a:endParaRPr kumimoji="1" lang="ja-JP" altLang="en-US" sz="1000">
-              <a:latin typeface="Meiryo UI" panose="020B0604030504040204" pitchFamily="50" charset="-128"/>
-              <a:ea typeface="Meiryo UI" panose="020B0604030504040204" pitchFamily="50" charset="-128"/>
-            </a:endParaRPr>
-          </a:p>
-        </p:txBody>
-      </p:sp>
-      <p:sp>
-        <p:nvSpPr>
-          <p:cNvPr id="20" name="正方形/長方形 19">
-            <a:extLst>
-              <a:ext uri="{FF2B5EF4-FFF2-40B4-BE49-F238E27FC236}">
-                <a16:creationId xmlns:a16="http://schemas.microsoft.com/office/drawing/2014/main" id="{C4B0DDB4-7C00-B8E7-A117-8DB239FBD77F}"/>
-              </a:ext>
-            </a:extLst>
-          </p:cNvPr>
-          <p:cNvSpPr/>
-          <p:nvPr/>
-        </p:nvSpPr>
-        <p:spPr>
-          <a:xfrm>
-            <a:off x="1843299" y="3132047"/>
-            <a:ext cx="1626768" cy="259099"/>
-          </a:xfrm>
-          <a:prstGeom prst="rect">
-            <a:avLst/>
-          </a:prstGeom>
-          <a:solidFill>
-            <a:schemeClr val="tx2"/>
-          </a:solidFill>
-          <a:ln>
-            <a:noFill/>
-          </a:ln>
-        </p:spPr>
-        <p:style>
-          <a:lnRef idx="2">
-            <a:schemeClr val="accent1">
-              <a:shade val="50000"/>
-            </a:schemeClr>
-          </a:lnRef>
-          <a:fillRef idx="1">
-            <a:schemeClr val="accent1"/>
-          </a:fillRef>
-          <a:effectRef idx="0">
-            <a:schemeClr val="accent1"/>
-          </a:effectRef>
-          <a:fontRef idx="minor">
-            <a:schemeClr val="lt1"/>
-          </a:fontRef>
-        </p:style>
-        <p:txBody>
-          <a:bodyPr rtlCol="0" anchor="ctr"/>
-          <a:lstStyle/>
-          <a:p>
-            <a:pPr algn="ctr"/>
-            <a:r>
-              <a:rPr kumimoji="1" lang="en-US" altLang="ja-JP" sz="1000">
-                <a:latin typeface="Meiryo UI" panose="020B0604030504040204" pitchFamily="50" charset="-128"/>
-                <a:ea typeface="Meiryo UI" panose="020B0604030504040204" pitchFamily="50" charset="-128"/>
-              </a:rPr>
-              <a:t>Models</a:t>
-            </a:r>
-            <a:endParaRPr kumimoji="1" lang="ja-JP" altLang="en-US" sz="1000">
-              <a:latin typeface="Meiryo UI" panose="020B0604030504040204" pitchFamily="50" charset="-128"/>
-              <a:ea typeface="Meiryo UI" panose="020B0604030504040204" pitchFamily="50" charset="-128"/>
-            </a:endParaRPr>
-          </a:p>
-        </p:txBody>
-      </p:sp>
-      <p:sp>
-        <p:nvSpPr>
-          <p:cNvPr id="21" name="正方形/長方形 20">
-            <a:extLst>
-              <a:ext uri="{FF2B5EF4-FFF2-40B4-BE49-F238E27FC236}">
-                <a16:creationId xmlns:a16="http://schemas.microsoft.com/office/drawing/2014/main" id="{D2B36C17-4F9F-7E9F-8F9D-78AE8CD82B7E}"/>
-              </a:ext>
-            </a:extLst>
-          </p:cNvPr>
-          <p:cNvSpPr/>
-          <p:nvPr/>
-        </p:nvSpPr>
-        <p:spPr>
-          <a:xfrm>
-            <a:off x="1843299" y="3446989"/>
-            <a:ext cx="1626768" cy="259099"/>
-          </a:xfrm>
-          <a:prstGeom prst="rect">
-            <a:avLst/>
-          </a:prstGeom>
-          <a:solidFill>
-            <a:schemeClr val="tx2"/>
-          </a:solidFill>
-          <a:ln>
-            <a:noFill/>
-          </a:ln>
-        </p:spPr>
-        <p:style>
-          <a:lnRef idx="2">
-            <a:schemeClr val="accent1">
-              <a:shade val="50000"/>
-            </a:schemeClr>
-          </a:lnRef>
-          <a:fillRef idx="1">
-            <a:schemeClr val="accent1"/>
-          </a:fillRef>
-          <a:effectRef idx="0">
-            <a:schemeClr val="accent1"/>
-          </a:effectRef>
-          <a:fontRef idx="minor">
-            <a:schemeClr val="lt1"/>
-          </a:fontRef>
-        </p:style>
-        <p:txBody>
-          <a:bodyPr rtlCol="0" anchor="ctr"/>
-          <a:lstStyle/>
-          <a:p>
-            <a:pPr algn="ctr"/>
-            <a:r>
-              <a:rPr kumimoji="1" lang="en-US" altLang="ja-JP" sz="1000" err="1">
-                <a:latin typeface="Meiryo UI" panose="020B0604030504040204" pitchFamily="50" charset="-128"/>
-                <a:ea typeface="Meiryo UI" panose="020B0604030504040204" pitchFamily="50" charset="-128"/>
-              </a:rPr>
-              <a:t>InputControl</a:t>
-            </a:r>
-            <a:endParaRPr kumimoji="1" lang="ja-JP" altLang="en-US" sz="1000">
-              <a:latin typeface="Meiryo UI" panose="020B0604030504040204" pitchFamily="50" charset="-128"/>
-              <a:ea typeface="Meiryo UI" panose="020B0604030504040204" pitchFamily="50" charset="-128"/>
-            </a:endParaRPr>
-          </a:p>
-        </p:txBody>
-      </p:sp>
-      <p:sp>
-        <p:nvSpPr>
-          <p:cNvPr id="22" name="正方形/長方形 21">
-            <a:extLst>
-              <a:ext uri="{FF2B5EF4-FFF2-40B4-BE49-F238E27FC236}">
-                <a16:creationId xmlns:a16="http://schemas.microsoft.com/office/drawing/2014/main" id="{053116BF-51F1-BED2-AA21-6891036EBC91}"/>
-              </a:ext>
-            </a:extLst>
-          </p:cNvPr>
-          <p:cNvSpPr/>
-          <p:nvPr/>
-        </p:nvSpPr>
-        <p:spPr>
-          <a:xfrm>
-            <a:off x="1849638" y="3757780"/>
-            <a:ext cx="1626768" cy="259099"/>
-          </a:xfrm>
-          <a:prstGeom prst="rect">
-            <a:avLst/>
-          </a:prstGeom>
-          <a:solidFill>
-            <a:schemeClr val="tx2"/>
-          </a:solidFill>
-          <a:ln>
-            <a:noFill/>
-          </a:ln>
-        </p:spPr>
-        <p:style>
-          <a:lnRef idx="2">
-            <a:schemeClr val="accent1">
-              <a:shade val="50000"/>
-            </a:schemeClr>
-          </a:lnRef>
-          <a:fillRef idx="1">
-            <a:schemeClr val="accent1"/>
-          </a:fillRef>
-          <a:effectRef idx="0">
-            <a:schemeClr val="accent1"/>
-          </a:effectRef>
-          <a:fontRef idx="minor">
-            <a:schemeClr val="lt1"/>
-          </a:fontRef>
-        </p:style>
-        <p:txBody>
-          <a:bodyPr rtlCol="0" anchor="ctr"/>
-          <a:lstStyle/>
-          <a:p>
-            <a:pPr algn="ctr"/>
-            <a:r>
-              <a:rPr kumimoji="1" lang="en-US" altLang="ja-JP" sz="1000">
-                <a:latin typeface="Meiryo UI" panose="020B0604030504040204" pitchFamily="50" charset="-128"/>
-                <a:ea typeface="Meiryo UI" panose="020B0604030504040204" pitchFamily="50" charset="-128"/>
-              </a:rPr>
-              <a:t>LightControl</a:t>
-            </a:r>
-            <a:endParaRPr kumimoji="1" lang="ja-JP" altLang="en-US" sz="1000">
-              <a:latin typeface="Meiryo UI" panose="020B0604030504040204" pitchFamily="50" charset="-128"/>
-              <a:ea typeface="Meiryo UI" panose="020B0604030504040204" pitchFamily="50" charset="-128"/>
-            </a:endParaRPr>
-          </a:p>
-        </p:txBody>
-      </p:sp>
-      <p:sp>
-        <p:nvSpPr>
-          <p:cNvPr id="23" name="正方形/長方形 22">
-            <a:extLst>
-              <a:ext uri="{FF2B5EF4-FFF2-40B4-BE49-F238E27FC236}">
-                <a16:creationId xmlns:a16="http://schemas.microsoft.com/office/drawing/2014/main" id="{048CE3EE-672B-9600-C77D-9332DC260D40}"/>
-              </a:ext>
-            </a:extLst>
-          </p:cNvPr>
-          <p:cNvSpPr/>
-          <p:nvPr/>
-        </p:nvSpPr>
-        <p:spPr>
-          <a:xfrm>
-            <a:off x="1852952" y="4068571"/>
-            <a:ext cx="1626768" cy="259099"/>
-          </a:xfrm>
-          <a:prstGeom prst="rect">
-            <a:avLst/>
-          </a:prstGeom>
-          <a:solidFill>
-            <a:schemeClr val="tx2"/>
-          </a:solidFill>
-          <a:ln>
-            <a:noFill/>
-          </a:ln>
-        </p:spPr>
-        <p:style>
-          <a:lnRef idx="2">
-            <a:schemeClr val="accent1">
-              <a:shade val="50000"/>
-            </a:schemeClr>
-          </a:lnRef>
-          <a:fillRef idx="1">
-            <a:schemeClr val="accent1"/>
-          </a:fillRef>
-          <a:effectRef idx="0">
-            <a:schemeClr val="accent1"/>
-          </a:effectRef>
-          <a:fontRef idx="minor">
-            <a:schemeClr val="lt1"/>
-          </a:fontRef>
-        </p:style>
-        <p:txBody>
-          <a:bodyPr rtlCol="0" anchor="ctr"/>
-          <a:lstStyle/>
-          <a:p>
-            <a:pPr algn="ctr"/>
-            <a:r>
-              <a:rPr kumimoji="1" lang="en-US" altLang="ja-JP" sz="1000">
-                <a:latin typeface="Meiryo UI" panose="020B0604030504040204" pitchFamily="50" charset="-128"/>
-                <a:ea typeface="Meiryo UI" panose="020B0604030504040204" pitchFamily="50" charset="-128"/>
-              </a:rPr>
-              <a:t>BackgroundScreen</a:t>
-            </a:r>
-            <a:endParaRPr kumimoji="1" lang="ja-JP" altLang="en-US" sz="1000">
-              <a:latin typeface="Meiryo UI" panose="020B0604030504040204" pitchFamily="50" charset="-128"/>
-              <a:ea typeface="Meiryo UI" panose="020B0604030504040204" pitchFamily="50" charset="-128"/>
-            </a:endParaRPr>
-          </a:p>
-        </p:txBody>
-      </p:sp>
-      <p:sp>
-        <p:nvSpPr>
-          <p:cNvPr id="24" name="正方形/長方形 23">
-            <a:extLst>
-              <a:ext uri="{FF2B5EF4-FFF2-40B4-BE49-F238E27FC236}">
-                <a16:creationId xmlns:a16="http://schemas.microsoft.com/office/drawing/2014/main" id="{3AA26932-582C-7972-BC2B-D5B47C8AFD15}"/>
-              </a:ext>
-            </a:extLst>
-          </p:cNvPr>
-          <p:cNvSpPr/>
-          <p:nvPr/>
-        </p:nvSpPr>
-        <p:spPr>
-          <a:xfrm>
-            <a:off x="1852952" y="4376109"/>
-            <a:ext cx="1626768" cy="259099"/>
-          </a:xfrm>
-          <a:prstGeom prst="rect">
-            <a:avLst/>
-          </a:prstGeom>
-          <a:solidFill>
-            <a:schemeClr val="tx2"/>
-          </a:solidFill>
-          <a:ln>
-            <a:noFill/>
-          </a:ln>
-        </p:spPr>
-        <p:style>
-          <a:lnRef idx="2">
-            <a:schemeClr val="accent1">
-              <a:shade val="50000"/>
-            </a:schemeClr>
-          </a:lnRef>
-          <a:fillRef idx="1">
-            <a:schemeClr val="accent1"/>
-          </a:fillRef>
-          <a:effectRef idx="0">
-            <a:schemeClr val="accent1"/>
-          </a:effectRef>
-          <a:fontRef idx="minor">
-            <a:schemeClr val="lt1"/>
-          </a:fontRef>
-        </p:style>
-        <p:txBody>
-          <a:bodyPr rtlCol="0" anchor="ctr"/>
-          <a:lstStyle/>
-          <a:p>
-            <a:pPr algn="ctr"/>
-            <a:r>
-              <a:rPr kumimoji="1" lang="en-US" altLang="ja-JP" sz="1000">
-                <a:latin typeface="Meiryo UI" panose="020B0604030504040204" pitchFamily="50" charset="-128"/>
-                <a:ea typeface="Meiryo UI" panose="020B0604030504040204" pitchFamily="50" charset="-128"/>
-              </a:rPr>
-              <a:t>LoadingScreen</a:t>
-            </a:r>
-            <a:endParaRPr kumimoji="1" lang="ja-JP" altLang="en-US" sz="1000">
-              <a:latin typeface="Meiryo UI" panose="020B0604030504040204" pitchFamily="50" charset="-128"/>
-              <a:ea typeface="Meiryo UI" panose="020B0604030504040204" pitchFamily="50" charset="-128"/>
-            </a:endParaRPr>
-          </a:p>
-        </p:txBody>
-      </p:sp>
-      <p:sp>
-        <p:nvSpPr>
-          <p:cNvPr id="25" name="正方形/長方形 24">
-            <a:extLst>
-              <a:ext uri="{FF2B5EF4-FFF2-40B4-BE49-F238E27FC236}">
-                <a16:creationId xmlns:a16="http://schemas.microsoft.com/office/drawing/2014/main" id="{4F41F719-6389-AC90-98CF-C246649E1C2C}"/>
-              </a:ext>
-            </a:extLst>
-          </p:cNvPr>
-          <p:cNvSpPr/>
-          <p:nvPr/>
-        </p:nvSpPr>
-        <p:spPr>
-          <a:xfrm>
-            <a:off x="1852952" y="5019728"/>
-            <a:ext cx="1626768" cy="259099"/>
-          </a:xfrm>
-          <a:prstGeom prst="rect">
-            <a:avLst/>
-          </a:prstGeom>
-          <a:solidFill>
-            <a:schemeClr val="tx2"/>
-          </a:solidFill>
-          <a:ln>
-            <a:noFill/>
-          </a:ln>
-        </p:spPr>
-        <p:style>
-          <a:lnRef idx="2">
-            <a:schemeClr val="accent1">
-              <a:shade val="50000"/>
-            </a:schemeClr>
-          </a:lnRef>
-          <a:fillRef idx="1">
-            <a:schemeClr val="accent1"/>
-          </a:fillRef>
-          <a:effectRef idx="0">
-            <a:schemeClr val="accent1"/>
-          </a:effectRef>
-          <a:fontRef idx="minor">
-            <a:schemeClr val="lt1"/>
-          </a:fontRef>
-        </p:style>
-        <p:txBody>
-          <a:bodyPr rtlCol="0" anchor="ctr"/>
-          <a:lstStyle/>
-          <a:p>
-            <a:pPr algn="ctr"/>
-            <a:r>
-              <a:rPr lang="en-US" altLang="ja-JP" sz="1000">
-                <a:latin typeface="Meiryo UI" panose="020B0604030504040204" pitchFamily="50" charset="-128"/>
-                <a:ea typeface="Meiryo UI" panose="020B0604030504040204" pitchFamily="50" charset="-128"/>
-              </a:rPr>
-              <a:t>Camera</a:t>
-            </a:r>
-            <a:r>
-              <a:rPr kumimoji="1" lang="en-US" altLang="ja-JP" sz="1000">
-                <a:latin typeface="Meiryo UI" panose="020B0604030504040204" pitchFamily="50" charset="-128"/>
-                <a:ea typeface="Meiryo UI" panose="020B0604030504040204" pitchFamily="50" charset="-128"/>
-              </a:rPr>
-              <a:t>Control</a:t>
-            </a:r>
-            <a:endParaRPr kumimoji="1" lang="ja-JP" altLang="en-US" sz="1000">
-              <a:latin typeface="Meiryo UI" panose="020B0604030504040204" pitchFamily="50" charset="-128"/>
-              <a:ea typeface="Meiryo UI" panose="020B0604030504040204" pitchFamily="50" charset="-128"/>
-            </a:endParaRPr>
-          </a:p>
-        </p:txBody>
-      </p:sp>
-      <p:sp>
-        <p:nvSpPr>
-          <p:cNvPr id="26" name="正方形/長方形 25">
-            <a:extLst>
-              <a:ext uri="{FF2B5EF4-FFF2-40B4-BE49-F238E27FC236}">
-                <a16:creationId xmlns:a16="http://schemas.microsoft.com/office/drawing/2014/main" id="{B407662E-BCC9-3D15-6816-E7CA96AEF23C}"/>
-              </a:ext>
-            </a:extLst>
-          </p:cNvPr>
-          <p:cNvSpPr/>
-          <p:nvPr/>
-        </p:nvSpPr>
-        <p:spPr>
-          <a:xfrm>
-            <a:off x="1852952" y="5324251"/>
-            <a:ext cx="1626768" cy="259099"/>
-          </a:xfrm>
-          <a:prstGeom prst="rect">
-            <a:avLst/>
-          </a:prstGeom>
-          <a:solidFill>
-            <a:schemeClr val="tx2"/>
-          </a:solidFill>
-          <a:ln>
-            <a:noFill/>
-          </a:ln>
-        </p:spPr>
-        <p:style>
-          <a:lnRef idx="2">
-            <a:schemeClr val="accent1">
-              <a:shade val="50000"/>
-            </a:schemeClr>
-          </a:lnRef>
-          <a:fillRef idx="1">
-            <a:schemeClr val="accent1"/>
-          </a:fillRef>
-          <a:effectRef idx="0">
-            <a:schemeClr val="accent1"/>
-          </a:effectRef>
-          <a:fontRef idx="minor">
-            <a:schemeClr val="lt1"/>
-          </a:fontRef>
-        </p:style>
-        <p:txBody>
-          <a:bodyPr rtlCol="0" anchor="ctr"/>
-          <a:lstStyle/>
-          <a:p>
-            <a:pPr algn="ctr"/>
-            <a:r>
-              <a:rPr kumimoji="1" lang="en-US" altLang="ja-JP" sz="1000">
-                <a:latin typeface="Meiryo UI" panose="020B0604030504040204" pitchFamily="50" charset="-128"/>
-                <a:ea typeface="Meiryo UI" panose="020B0604030504040204" pitchFamily="50" charset="-128"/>
-              </a:rPr>
-              <a:t>TitleScreen</a:t>
-            </a:r>
-            <a:endParaRPr kumimoji="1" lang="ja-JP" altLang="en-US" sz="1000">
-              <a:latin typeface="Meiryo UI" panose="020B0604030504040204" pitchFamily="50" charset="-128"/>
-              <a:ea typeface="Meiryo UI" panose="020B0604030504040204" pitchFamily="50" charset="-128"/>
-            </a:endParaRPr>
-          </a:p>
-        </p:txBody>
-      </p:sp>
       <p:cxnSp>
         <p:nvCxnSpPr>
           <p:cNvPr id="29" name="直線矢印コネクタ 24">
@@ -7054,7 +6737,7 @@
         </p:nvCxnSpPr>
         <p:spPr>
           <a:xfrm>
-            <a:off x="3568670" y="4083921"/>
+            <a:off x="3568670" y="3963271"/>
             <a:ext cx="1017547" cy="0"/>
           </a:xfrm>
           <a:prstGeom prst="straightConnector1">
@@ -7423,7 +7106,7 @@
         </p:nvSpPr>
         <p:spPr>
           <a:xfrm>
-            <a:off x="9799781" y="3743927"/>
+            <a:off x="9799781" y="3623277"/>
             <a:ext cx="1256146" cy="259099"/>
           </a:xfrm>
           <a:prstGeom prst="rect">
@@ -7510,7 +7193,7 @@
         </p:nvSpPr>
         <p:spPr>
           <a:xfrm>
-            <a:off x="9799781" y="5148032"/>
+            <a:off x="9799781" y="5253460"/>
             <a:ext cx="1256146" cy="259099"/>
           </a:xfrm>
           <a:prstGeom prst="rect">
@@ -7617,7 +7300,7 @@
         </p:nvSpPr>
         <p:spPr>
           <a:xfrm>
-            <a:off x="1634837" y="3032535"/>
+            <a:off x="1634837" y="2911885"/>
             <a:ext cx="7758546" cy="1687241"/>
           </a:xfrm>
           <a:prstGeom prst="rect">
@@ -7673,8 +7356,8 @@
         </p:nvSpPr>
         <p:spPr>
           <a:xfrm>
-            <a:off x="1624239" y="4902517"/>
-            <a:ext cx="7758546" cy="750130"/>
+            <a:off x="1624239" y="4702649"/>
+            <a:ext cx="7758546" cy="1362402"/>
           </a:xfrm>
           <a:prstGeom prst="rect">
             <a:avLst/>
@@ -7779,7 +7462,7 @@
         </p:nvCxnSpPr>
         <p:spPr>
           <a:xfrm flipV="1">
-            <a:off x="9393383" y="3873477"/>
+            <a:off x="9393383" y="3752827"/>
             <a:ext cx="406398" cy="2679"/>
           </a:xfrm>
           <a:prstGeom prst="straightConnector1">
@@ -7824,9 +7507,9 @@
           <p:nvPr/>
         </p:nvCxnSpPr>
         <p:spPr>
-          <a:xfrm>
-            <a:off x="9382785" y="5277582"/>
-            <a:ext cx="416996" cy="0"/>
+          <a:xfrm flipV="1">
+            <a:off x="9382785" y="5383010"/>
+            <a:ext cx="416996" cy="840"/>
           </a:xfrm>
           <a:prstGeom prst="straightConnector1">
             <a:avLst/>
@@ -7853,6 +7536,351 @@
           </a:fontRef>
         </p:style>
       </p:cxnSp>
+      <p:sp>
+        <p:nvSpPr>
+          <p:cNvPr id="2" name="正方形/長方形 1">
+            <a:extLst>
+              <a:ext uri="{FF2B5EF4-FFF2-40B4-BE49-F238E27FC236}">
+                <a16:creationId xmlns:a16="http://schemas.microsoft.com/office/drawing/2014/main" id="{FEFEDA96-5755-3717-EB3A-311CB647B85E}"/>
+              </a:ext>
+            </a:extLst>
+          </p:cNvPr>
+          <p:cNvSpPr/>
+          <p:nvPr/>
+        </p:nvSpPr>
+        <p:spPr>
+          <a:xfrm>
+            <a:off x="1843299" y="3016834"/>
+            <a:ext cx="1626768" cy="259099"/>
+          </a:xfrm>
+          <a:prstGeom prst="rect">
+            <a:avLst/>
+          </a:prstGeom>
+          <a:solidFill>
+            <a:schemeClr val="tx2"/>
+          </a:solidFill>
+          <a:ln>
+            <a:noFill/>
+          </a:ln>
+        </p:spPr>
+        <p:style>
+          <a:lnRef idx="2">
+            <a:schemeClr val="accent1">
+              <a:shade val="50000"/>
+            </a:schemeClr>
+          </a:lnRef>
+          <a:fillRef idx="1">
+            <a:schemeClr val="accent1"/>
+          </a:fillRef>
+          <a:effectRef idx="0">
+            <a:schemeClr val="accent1"/>
+          </a:effectRef>
+          <a:fontRef idx="minor">
+            <a:schemeClr val="lt1"/>
+          </a:fontRef>
+        </p:style>
+        <p:txBody>
+          <a:bodyPr rtlCol="0" anchor="ctr"/>
+          <a:lstStyle/>
+          <a:p>
+            <a:pPr algn="ctr"/>
+            <a:r>
+              <a:rPr lang="en-US" altLang="ja-JP" sz="1000">
+                <a:latin typeface="Meiryo UI" panose="020B0604030504040204" pitchFamily="50" charset="-128"/>
+                <a:ea typeface="Meiryo UI" panose="020B0604030504040204" pitchFamily="50" charset="-128"/>
+              </a:rPr>
+              <a:t>Camera</a:t>
+            </a:r>
+            <a:r>
+              <a:rPr kumimoji="1" lang="en-US" altLang="ja-JP" sz="1000">
+                <a:latin typeface="Meiryo UI" panose="020B0604030504040204" pitchFamily="50" charset="-128"/>
+                <a:ea typeface="Meiryo UI" panose="020B0604030504040204" pitchFamily="50" charset="-128"/>
+              </a:rPr>
+              <a:t>Control</a:t>
+            </a:r>
+            <a:endParaRPr kumimoji="1" lang="ja-JP" altLang="en-US" sz="1000">
+              <a:latin typeface="Meiryo UI" panose="020B0604030504040204" pitchFamily="50" charset="-128"/>
+              <a:ea typeface="Meiryo UI" panose="020B0604030504040204" pitchFamily="50" charset="-128"/>
+            </a:endParaRPr>
+          </a:p>
+        </p:txBody>
+      </p:sp>
+      <p:sp>
+        <p:nvSpPr>
+          <p:cNvPr id="3" name="正方形/長方形 2">
+            <a:extLst>
+              <a:ext uri="{FF2B5EF4-FFF2-40B4-BE49-F238E27FC236}">
+                <a16:creationId xmlns:a16="http://schemas.microsoft.com/office/drawing/2014/main" id="{23C107AB-39A3-05A7-A90B-ECA7F99E41CF}"/>
+              </a:ext>
+            </a:extLst>
+          </p:cNvPr>
+          <p:cNvSpPr/>
+          <p:nvPr/>
+        </p:nvSpPr>
+        <p:spPr>
+          <a:xfrm>
+            <a:off x="4699781" y="3021517"/>
+            <a:ext cx="1626768" cy="259099"/>
+          </a:xfrm>
+          <a:prstGeom prst="rect">
+            <a:avLst/>
+          </a:prstGeom>
+          <a:solidFill>
+            <a:schemeClr val="tx2"/>
+          </a:solidFill>
+          <a:ln>
+            <a:noFill/>
+          </a:ln>
+        </p:spPr>
+        <p:style>
+          <a:lnRef idx="2">
+            <a:schemeClr val="accent1">
+              <a:shade val="50000"/>
+            </a:schemeClr>
+          </a:lnRef>
+          <a:fillRef idx="1">
+            <a:schemeClr val="accent1"/>
+          </a:fillRef>
+          <a:effectRef idx="0">
+            <a:schemeClr val="accent1"/>
+          </a:effectRef>
+          <a:fontRef idx="minor">
+            <a:schemeClr val="lt1"/>
+          </a:fontRef>
+        </p:style>
+        <p:txBody>
+          <a:bodyPr rtlCol="0" anchor="ctr"/>
+          <a:lstStyle/>
+          <a:p>
+            <a:pPr algn="ctr"/>
+            <a:r>
+              <a:rPr lang="en-US" altLang="ja-JP" sz="1000">
+                <a:latin typeface="Meiryo UI" panose="020B0604030504040204" pitchFamily="50" charset="-128"/>
+                <a:ea typeface="Meiryo UI" panose="020B0604030504040204" pitchFamily="50" charset="-128"/>
+              </a:rPr>
+              <a:t>Camera</a:t>
+            </a:r>
+            <a:r>
+              <a:rPr kumimoji="1" lang="en-US" altLang="ja-JP" sz="1000">
+                <a:latin typeface="Meiryo UI" panose="020B0604030504040204" pitchFamily="50" charset="-128"/>
+                <a:ea typeface="Meiryo UI" panose="020B0604030504040204" pitchFamily="50" charset="-128"/>
+              </a:rPr>
+              <a:t>Control</a:t>
+            </a:r>
+            <a:endParaRPr kumimoji="1" lang="ja-JP" altLang="en-US" sz="1000">
+              <a:latin typeface="Meiryo UI" panose="020B0604030504040204" pitchFamily="50" charset="-128"/>
+              <a:ea typeface="Meiryo UI" panose="020B0604030504040204" pitchFamily="50" charset="-128"/>
+            </a:endParaRPr>
+          </a:p>
+        </p:txBody>
+      </p:sp>
+      <p:sp>
+        <p:nvSpPr>
+          <p:cNvPr id="4" name="正方形/長方形 3">
+            <a:extLst>
+              <a:ext uri="{FF2B5EF4-FFF2-40B4-BE49-F238E27FC236}">
+                <a16:creationId xmlns:a16="http://schemas.microsoft.com/office/drawing/2014/main" id="{C2F2E792-AD95-0AED-7B9A-94C8AFF79751}"/>
+              </a:ext>
+            </a:extLst>
+          </p:cNvPr>
+          <p:cNvSpPr/>
+          <p:nvPr/>
+        </p:nvSpPr>
+        <p:spPr>
+          <a:xfrm>
+            <a:off x="7536957" y="3015408"/>
+            <a:ext cx="1626768" cy="259099"/>
+          </a:xfrm>
+          <a:prstGeom prst="rect">
+            <a:avLst/>
+          </a:prstGeom>
+          <a:solidFill>
+            <a:schemeClr val="tx2"/>
+          </a:solidFill>
+          <a:ln>
+            <a:noFill/>
+          </a:ln>
+        </p:spPr>
+        <p:style>
+          <a:lnRef idx="2">
+            <a:schemeClr val="accent1">
+              <a:shade val="50000"/>
+            </a:schemeClr>
+          </a:lnRef>
+          <a:fillRef idx="1">
+            <a:schemeClr val="accent1"/>
+          </a:fillRef>
+          <a:effectRef idx="0">
+            <a:schemeClr val="accent1"/>
+          </a:effectRef>
+          <a:fontRef idx="minor">
+            <a:schemeClr val="lt1"/>
+          </a:fontRef>
+        </p:style>
+        <p:txBody>
+          <a:bodyPr rtlCol="0" anchor="ctr"/>
+          <a:lstStyle/>
+          <a:p>
+            <a:pPr algn="ctr"/>
+            <a:r>
+              <a:rPr lang="en-US" altLang="ja-JP" sz="1000">
+                <a:latin typeface="Meiryo UI" panose="020B0604030504040204" pitchFamily="50" charset="-128"/>
+                <a:ea typeface="Meiryo UI" panose="020B0604030504040204" pitchFamily="50" charset="-128"/>
+              </a:rPr>
+              <a:t>Camera</a:t>
+            </a:r>
+            <a:r>
+              <a:rPr kumimoji="1" lang="en-US" altLang="ja-JP" sz="1000">
+                <a:latin typeface="Meiryo UI" panose="020B0604030504040204" pitchFamily="50" charset="-128"/>
+                <a:ea typeface="Meiryo UI" panose="020B0604030504040204" pitchFamily="50" charset="-128"/>
+              </a:rPr>
+              <a:t>Control</a:t>
+            </a:r>
+            <a:endParaRPr kumimoji="1" lang="ja-JP" altLang="en-US" sz="1000">
+              <a:latin typeface="Meiryo UI" panose="020B0604030504040204" pitchFamily="50" charset="-128"/>
+              <a:ea typeface="Meiryo UI" panose="020B0604030504040204" pitchFamily="50" charset="-128"/>
+            </a:endParaRPr>
+          </a:p>
+        </p:txBody>
+      </p:sp>
+      <p:sp>
+        <p:nvSpPr>
+          <p:cNvPr id="5" name="正方形/長方形 4">
+            <a:extLst>
+              <a:ext uri="{FF2B5EF4-FFF2-40B4-BE49-F238E27FC236}">
+                <a16:creationId xmlns:a16="http://schemas.microsoft.com/office/drawing/2014/main" id="{18A481B2-C648-E2E6-AC25-0AD299D9F288}"/>
+              </a:ext>
+            </a:extLst>
+          </p:cNvPr>
+          <p:cNvSpPr/>
+          <p:nvPr/>
+        </p:nvSpPr>
+        <p:spPr>
+          <a:xfrm>
+            <a:off x="7536957" y="5084024"/>
+            <a:ext cx="1626768" cy="259099"/>
+          </a:xfrm>
+          <a:prstGeom prst="rect">
+            <a:avLst/>
+          </a:prstGeom>
+          <a:solidFill>
+            <a:schemeClr val="tx2"/>
+          </a:solidFill>
+          <a:ln>
+            <a:noFill/>
+          </a:ln>
+        </p:spPr>
+        <p:style>
+          <a:lnRef idx="2">
+            <a:schemeClr val="accent1">
+              <a:shade val="50000"/>
+            </a:schemeClr>
+          </a:lnRef>
+          <a:fillRef idx="1">
+            <a:schemeClr val="accent1"/>
+          </a:fillRef>
+          <a:effectRef idx="0">
+            <a:schemeClr val="accent1"/>
+          </a:effectRef>
+          <a:fontRef idx="minor">
+            <a:schemeClr val="lt1"/>
+          </a:fontRef>
+        </p:style>
+        <p:txBody>
+          <a:bodyPr rtlCol="0" anchor="ctr"/>
+          <a:lstStyle/>
+          <a:p>
+            <a:pPr algn="ctr"/>
+            <a:r>
+              <a:rPr lang="en-US" altLang="ja-JP" sz="1000">
+                <a:latin typeface="Meiryo UI" panose="020B0604030504040204" pitchFamily="50" charset="-128"/>
+                <a:ea typeface="Meiryo UI" panose="020B0604030504040204" pitchFamily="50" charset="-128"/>
+              </a:rPr>
+              <a:t>TextChat</a:t>
+            </a:r>
+            <a:r>
+              <a:rPr kumimoji="1" lang="en-US" altLang="ja-JP" sz="1000">
+                <a:latin typeface="Meiryo UI" panose="020B0604030504040204" pitchFamily="50" charset="-128"/>
+                <a:ea typeface="Meiryo UI" panose="020B0604030504040204" pitchFamily="50" charset="-128"/>
+              </a:rPr>
+              <a:t>Control</a:t>
+            </a:r>
+            <a:endParaRPr kumimoji="1" lang="ja-JP" altLang="en-US" sz="1000">
+              <a:latin typeface="Meiryo UI" panose="020B0604030504040204" pitchFamily="50" charset="-128"/>
+              <a:ea typeface="Meiryo UI" panose="020B0604030504040204" pitchFamily="50" charset="-128"/>
+            </a:endParaRPr>
+          </a:p>
+        </p:txBody>
+      </p:sp>
+      <p:sp>
+        <p:nvSpPr>
+          <p:cNvPr id="6" name="正方形/長方形 5">
+            <a:extLst>
+              <a:ext uri="{FF2B5EF4-FFF2-40B4-BE49-F238E27FC236}">
+                <a16:creationId xmlns:a16="http://schemas.microsoft.com/office/drawing/2014/main" id="{8C979ACF-3A76-A93D-5A21-70969108A39D}"/>
+              </a:ext>
+            </a:extLst>
+          </p:cNvPr>
+          <p:cNvSpPr/>
+          <p:nvPr/>
+        </p:nvSpPr>
+        <p:spPr>
+          <a:xfrm>
+            <a:off x="7536957" y="5389995"/>
+            <a:ext cx="1626768" cy="259099"/>
+          </a:xfrm>
+          <a:prstGeom prst="rect">
+            <a:avLst/>
+          </a:prstGeom>
+          <a:solidFill>
+            <a:schemeClr val="tx2"/>
+          </a:solidFill>
+          <a:ln>
+            <a:noFill/>
+          </a:ln>
+        </p:spPr>
+        <p:style>
+          <a:lnRef idx="2">
+            <a:schemeClr val="accent1">
+              <a:shade val="50000"/>
+            </a:schemeClr>
+          </a:lnRef>
+          <a:fillRef idx="1">
+            <a:schemeClr val="accent1"/>
+          </a:fillRef>
+          <a:effectRef idx="0">
+            <a:schemeClr val="accent1"/>
+          </a:effectRef>
+          <a:fontRef idx="minor">
+            <a:schemeClr val="lt1"/>
+          </a:fontRef>
+        </p:style>
+        <p:txBody>
+          <a:bodyPr rtlCol="0" anchor="ctr"/>
+          <a:lstStyle/>
+          <a:p>
+            <a:pPr algn="ctr"/>
+            <a:r>
+              <a:rPr lang="en-US" altLang="ja-JP" sz="1000">
+                <a:latin typeface="Meiryo UI" panose="020B0604030504040204" pitchFamily="50" charset="-128"/>
+                <a:ea typeface="Meiryo UI" panose="020B0604030504040204" pitchFamily="50" charset="-128"/>
+              </a:rPr>
+              <a:t>VoiceChat</a:t>
+            </a:r>
+            <a:r>
+              <a:rPr kumimoji="1" lang="en-US" altLang="ja-JP" sz="1000">
+                <a:latin typeface="Meiryo UI" panose="020B0604030504040204" pitchFamily="50" charset="-128"/>
+                <a:ea typeface="Meiryo UI" panose="020B0604030504040204" pitchFamily="50" charset="-128"/>
+              </a:rPr>
+              <a:t>Control</a:t>
+            </a:r>
+            <a:endParaRPr kumimoji="1" lang="ja-JP" altLang="en-US" sz="1000">
+              <a:latin typeface="Meiryo UI" panose="020B0604030504040204" pitchFamily="50" charset="-128"/>
+              <a:ea typeface="Meiryo UI" panose="020B0604030504040204" pitchFamily="50" charset="-128"/>
+            </a:endParaRPr>
+          </a:p>
+        </p:txBody>
+      </p:sp>
     </p:spTree>
     <p:extLst>
       <p:ext uri="{BB962C8B-B14F-4D97-AF65-F5344CB8AC3E}">
@@ -7883,12 +7911,148 @@
           <a:chExt cx="0" cy="0"/>
         </a:xfrm>
       </p:grpSpPr>
+      <p:sp>
+        <p:nvSpPr>
+          <p:cNvPr id="8" name="正方形/長方形 7">
+            <a:extLst>
+              <a:ext uri="{FF2B5EF4-FFF2-40B4-BE49-F238E27FC236}">
+                <a16:creationId xmlns:a16="http://schemas.microsoft.com/office/drawing/2014/main" id="{7228F451-B06A-25A2-E9C3-B698B909EBE6}"/>
+              </a:ext>
+            </a:extLst>
+          </p:cNvPr>
+          <p:cNvSpPr/>
+          <p:nvPr/>
+        </p:nvSpPr>
+        <p:spPr>
+          <a:xfrm>
+            <a:off x="2734051" y="1578021"/>
+            <a:ext cx="2422621" cy="259099"/>
+          </a:xfrm>
+          <a:prstGeom prst="rect">
+            <a:avLst/>
+          </a:prstGeom>
+          <a:solidFill>
+            <a:schemeClr val="bg1"/>
+          </a:solidFill>
+          <a:ln>
+            <a:noFill/>
+          </a:ln>
+        </p:spPr>
+        <p:style>
+          <a:lnRef idx="2">
+            <a:schemeClr val="accent1">
+              <a:shade val="50000"/>
+            </a:schemeClr>
+          </a:lnRef>
+          <a:fillRef idx="1">
+            <a:schemeClr val="accent1"/>
+          </a:fillRef>
+          <a:effectRef idx="0">
+            <a:schemeClr val="accent1"/>
+          </a:effectRef>
+          <a:fontRef idx="minor">
+            <a:schemeClr val="lt1"/>
+          </a:fontRef>
+        </p:style>
+        <p:txBody>
+          <a:bodyPr rtlCol="0" anchor="ctr"/>
+          <a:lstStyle/>
+          <a:p>
+            <a:pPr algn="ctr"/>
+            <a:r>
+              <a:rPr kumimoji="1" lang="en-US" altLang="ja-JP" sz="1000">
+                <a:solidFill>
+                  <a:schemeClr val="tx2"/>
+                </a:solidFill>
+                <a:latin typeface="Meiryo UI" panose="020B0604030504040204" pitchFamily="50" charset="-128"/>
+                <a:ea typeface="Meiryo UI" panose="020B0604030504040204" pitchFamily="50" charset="-128"/>
+              </a:rPr>
+              <a:t>App scene</a:t>
+            </a:r>
+            <a:endParaRPr kumimoji="1" lang="ja-JP" altLang="en-US" sz="1000">
+              <a:solidFill>
+                <a:schemeClr val="tx2"/>
+              </a:solidFill>
+              <a:latin typeface="Meiryo UI" panose="020B0604030504040204" pitchFamily="50" charset="-128"/>
+              <a:ea typeface="Meiryo UI" panose="020B0604030504040204" pitchFamily="50" charset="-128"/>
+            </a:endParaRPr>
+          </a:p>
+        </p:txBody>
+      </p:sp>
+      <p:sp>
+        <p:nvSpPr>
+          <p:cNvPr id="10" name="正方形/長方形 9">
+            <a:extLst>
+              <a:ext uri="{FF2B5EF4-FFF2-40B4-BE49-F238E27FC236}">
+                <a16:creationId xmlns:a16="http://schemas.microsoft.com/office/drawing/2014/main" id="{BF38C3C3-90A3-4B79-8B7A-F232043E6CAC}"/>
+              </a:ext>
+            </a:extLst>
+          </p:cNvPr>
+          <p:cNvSpPr/>
+          <p:nvPr/>
+        </p:nvSpPr>
+        <p:spPr>
+          <a:xfrm>
+            <a:off x="6165632" y="1578021"/>
+            <a:ext cx="2422621" cy="259099"/>
+          </a:xfrm>
+          <a:prstGeom prst="rect">
+            <a:avLst/>
+          </a:prstGeom>
+          <a:solidFill>
+            <a:schemeClr val="bg1"/>
+          </a:solidFill>
+          <a:ln>
+            <a:noFill/>
+          </a:ln>
+        </p:spPr>
+        <p:style>
+          <a:lnRef idx="2">
+            <a:schemeClr val="accent1">
+              <a:shade val="50000"/>
+            </a:schemeClr>
+          </a:lnRef>
+          <a:fillRef idx="1">
+            <a:schemeClr val="accent1"/>
+          </a:fillRef>
+          <a:effectRef idx="0">
+            <a:schemeClr val="accent1"/>
+          </a:effectRef>
+          <a:fontRef idx="minor">
+            <a:schemeClr val="lt1"/>
+          </a:fontRef>
+        </p:style>
+        <p:txBody>
+          <a:bodyPr rtlCol="0" anchor="ctr"/>
+          <a:lstStyle/>
+          <a:p>
+            <a:pPr algn="ctr"/>
+            <a:r>
+              <a:rPr kumimoji="1" lang="en-US" altLang="ja-JP" sz="1000">
+                <a:solidFill>
+                  <a:schemeClr val="tx2"/>
+                </a:solidFill>
+                <a:latin typeface="Meiryo UI" panose="020B0604030504040204" pitchFamily="50" charset="-128"/>
+                <a:ea typeface="Meiryo UI" panose="020B0604030504040204" pitchFamily="50" charset="-128"/>
+              </a:rPr>
+              <a:t>AvatarSelectionScreen scene</a:t>
+            </a:r>
+            <a:endParaRPr kumimoji="1" lang="ja-JP" altLang="en-US" sz="1000">
+              <a:solidFill>
+                <a:schemeClr val="tx2"/>
+              </a:solidFill>
+              <a:latin typeface="Meiryo UI" panose="020B0604030504040204" pitchFamily="50" charset="-128"/>
+              <a:ea typeface="Meiryo UI" panose="020B0604030504040204" pitchFamily="50" charset="-128"/>
+            </a:endParaRPr>
+          </a:p>
+        </p:txBody>
+      </p:sp>
       <p:pic>
         <p:nvPicPr>
-          <p:cNvPr id="3" name="図 2">
-            <a:extLst>
-              <a:ext uri="{FF2B5EF4-FFF2-40B4-BE49-F238E27FC236}">
-                <a16:creationId xmlns:a16="http://schemas.microsoft.com/office/drawing/2014/main" id="{10B71FC0-554C-6F1A-AB39-06D237A95C71}"/>
+          <p:cNvPr id="4" name="図 3">
+            <a:extLst>
+              <a:ext uri="{FF2B5EF4-FFF2-40B4-BE49-F238E27FC236}">
+                <a16:creationId xmlns:a16="http://schemas.microsoft.com/office/drawing/2014/main" id="{C54ACEF1-9009-12FB-18E3-3CEE93F46ADC}"/>
               </a:ext>
             </a:extLst>
           </p:cNvPr>
@@ -7905,8 +8069,8 @@
         </p:blipFill>
         <p:spPr>
           <a:xfrm>
-            <a:off x="1749983" y="1418464"/>
-            <a:ext cx="2422621" cy="2654036"/>
+            <a:off x="5868332" y="1914947"/>
+            <a:ext cx="3017220" cy="2654036"/>
           </a:xfrm>
           <a:prstGeom prst="rect">
             <a:avLst/>
@@ -7915,10 +8079,10 @@
       </p:pic>
       <p:pic>
         <p:nvPicPr>
-          <p:cNvPr id="5" name="図 4">
-            <a:extLst>
-              <a:ext uri="{FF2B5EF4-FFF2-40B4-BE49-F238E27FC236}">
-                <a16:creationId xmlns:a16="http://schemas.microsoft.com/office/drawing/2014/main" id="{06CAD6C4-CB33-7801-EC72-D8664DE64BCC}"/>
+          <p:cNvPr id="11" name="図 10">
+            <a:extLst>
+              <a:ext uri="{FF2B5EF4-FFF2-40B4-BE49-F238E27FC236}">
+                <a16:creationId xmlns:a16="http://schemas.microsoft.com/office/drawing/2014/main" id="{2EBF03F5-B2E3-2B61-C0D3-005A2852CF98}"/>
               </a:ext>
             </a:extLst>
           </p:cNvPr>
@@ -7935,314 +8099,20 @@
         </p:blipFill>
         <p:spPr>
           <a:xfrm>
-            <a:off x="4578993" y="1418464"/>
-            <a:ext cx="2415390" cy="2813134"/>
+            <a:off x="2621414" y="1914946"/>
+            <a:ext cx="2647893" cy="2654036"/>
           </a:xfrm>
           <a:prstGeom prst="rect">
             <a:avLst/>
           </a:prstGeom>
         </p:spPr>
       </p:pic>
-      <p:pic>
-        <p:nvPicPr>
-          <p:cNvPr id="7" name="図 6">
-            <a:extLst>
-              <a:ext uri="{FF2B5EF4-FFF2-40B4-BE49-F238E27FC236}">
-                <a16:creationId xmlns:a16="http://schemas.microsoft.com/office/drawing/2014/main" id="{ED552429-A373-C6C1-1DE9-8FD41A3FBABE}"/>
-              </a:ext>
-            </a:extLst>
-          </p:cNvPr>
-          <p:cNvPicPr>
-            <a:picLocks noChangeAspect="1"/>
-          </p:cNvPicPr>
-          <p:nvPr/>
-        </p:nvPicPr>
-        <p:blipFill>
-          <a:blip r:embed="rId4"/>
-          <a:stretch>
-            <a:fillRect/>
-          </a:stretch>
-        </p:blipFill>
-        <p:spPr>
-          <a:xfrm>
-            <a:off x="7400772" y="1419528"/>
-            <a:ext cx="2415390" cy="2682963"/>
-          </a:xfrm>
-          <a:prstGeom prst="rect">
-            <a:avLst/>
-          </a:prstGeom>
-        </p:spPr>
-      </p:pic>
-      <p:sp>
-        <p:nvSpPr>
-          <p:cNvPr id="8" name="正方形/長方形 7">
-            <a:extLst>
-              <a:ext uri="{FF2B5EF4-FFF2-40B4-BE49-F238E27FC236}">
-                <a16:creationId xmlns:a16="http://schemas.microsoft.com/office/drawing/2014/main" id="{7228F451-B06A-25A2-E9C3-B698B909EBE6}"/>
-              </a:ext>
-            </a:extLst>
-          </p:cNvPr>
-          <p:cNvSpPr/>
-          <p:nvPr/>
-        </p:nvSpPr>
-        <p:spPr>
-          <a:xfrm>
-            <a:off x="1749983" y="1081539"/>
-            <a:ext cx="2422621" cy="259099"/>
-          </a:xfrm>
-          <a:prstGeom prst="rect">
-            <a:avLst/>
-          </a:prstGeom>
-          <a:solidFill>
-            <a:schemeClr val="bg1"/>
-          </a:solidFill>
-          <a:ln>
-            <a:noFill/>
-          </a:ln>
-        </p:spPr>
-        <p:style>
-          <a:lnRef idx="2">
-            <a:schemeClr val="accent1">
-              <a:shade val="50000"/>
-            </a:schemeClr>
-          </a:lnRef>
-          <a:fillRef idx="1">
-            <a:schemeClr val="accent1"/>
-          </a:fillRef>
-          <a:effectRef idx="0">
-            <a:schemeClr val="accent1"/>
-          </a:effectRef>
-          <a:fontRef idx="minor">
-            <a:schemeClr val="lt1"/>
-          </a:fontRef>
-        </p:style>
-        <p:txBody>
-          <a:bodyPr rtlCol="0" anchor="ctr"/>
-          <a:lstStyle/>
-          <a:p>
-            <a:pPr algn="ctr"/>
-            <a:r>
-              <a:rPr kumimoji="1" lang="en-US" altLang="ja-JP" sz="1000">
-                <a:solidFill>
-                  <a:schemeClr val="tx2"/>
-                </a:solidFill>
-                <a:latin typeface="Meiryo UI" panose="020B0604030504040204" pitchFamily="50" charset="-128"/>
-                <a:ea typeface="Meiryo UI" panose="020B0604030504040204" pitchFamily="50" charset="-128"/>
-              </a:rPr>
-              <a:t>App</a:t>
-            </a:r>
-            <a:r>
-              <a:rPr kumimoji="1" lang="ja-JP" altLang="en-US" sz="1000">
-                <a:solidFill>
-                  <a:schemeClr val="tx2"/>
-                </a:solidFill>
-                <a:latin typeface="Meiryo UI" panose="020B0604030504040204" pitchFamily="50" charset="-128"/>
-                <a:ea typeface="Meiryo UI" panose="020B0604030504040204" pitchFamily="50" charset="-128"/>
-              </a:rPr>
-              <a:t> </a:t>
-            </a:r>
-            <a:r>
-              <a:rPr kumimoji="1" lang="en-US" altLang="ja-JP" sz="1000">
-                <a:solidFill>
-                  <a:schemeClr val="tx2"/>
-                </a:solidFill>
-                <a:latin typeface="Meiryo UI" panose="020B0604030504040204" pitchFamily="50" charset="-128"/>
-                <a:ea typeface="Meiryo UI" panose="020B0604030504040204" pitchFamily="50" charset="-128"/>
-              </a:rPr>
-              <a:t>scene</a:t>
-            </a:r>
-            <a:endParaRPr kumimoji="1" lang="ja-JP" altLang="en-US" sz="1000">
-              <a:solidFill>
-                <a:schemeClr val="tx2"/>
-              </a:solidFill>
-              <a:latin typeface="Meiryo UI" panose="020B0604030504040204" pitchFamily="50" charset="-128"/>
-              <a:ea typeface="Meiryo UI" panose="020B0604030504040204" pitchFamily="50" charset="-128"/>
-            </a:endParaRPr>
-          </a:p>
-        </p:txBody>
-      </p:sp>
-      <p:sp>
-        <p:nvSpPr>
-          <p:cNvPr id="9" name="正方形/長方形 8">
-            <a:extLst>
-              <a:ext uri="{FF2B5EF4-FFF2-40B4-BE49-F238E27FC236}">
-                <a16:creationId xmlns:a16="http://schemas.microsoft.com/office/drawing/2014/main" id="{1C4223E7-3B1F-05EC-06EB-776A3576F0C5}"/>
-              </a:ext>
-            </a:extLst>
-          </p:cNvPr>
-          <p:cNvSpPr/>
-          <p:nvPr/>
-        </p:nvSpPr>
-        <p:spPr>
-          <a:xfrm>
-            <a:off x="4571762" y="1081539"/>
-            <a:ext cx="2422621" cy="259099"/>
-          </a:xfrm>
-          <a:prstGeom prst="rect">
-            <a:avLst/>
-          </a:prstGeom>
-          <a:solidFill>
-            <a:schemeClr val="bg1"/>
-          </a:solidFill>
-          <a:ln>
-            <a:noFill/>
-          </a:ln>
-        </p:spPr>
-        <p:style>
-          <a:lnRef idx="2">
-            <a:schemeClr val="accent1">
-              <a:shade val="50000"/>
-            </a:schemeClr>
-          </a:lnRef>
-          <a:fillRef idx="1">
-            <a:schemeClr val="accent1"/>
-          </a:fillRef>
-          <a:effectRef idx="0">
-            <a:schemeClr val="accent1"/>
-          </a:effectRef>
-          <a:fontRef idx="minor">
-            <a:schemeClr val="lt1"/>
-          </a:fontRef>
-        </p:style>
-        <p:txBody>
-          <a:bodyPr rtlCol="0" anchor="ctr"/>
-          <a:lstStyle/>
-          <a:p>
-            <a:pPr algn="ctr"/>
-            <a:r>
-              <a:rPr kumimoji="1" lang="en-US" altLang="ja-JP" sz="1000">
-                <a:solidFill>
-                  <a:schemeClr val="tx2"/>
-                </a:solidFill>
-                <a:latin typeface="Meiryo UI" panose="020B0604030504040204" pitchFamily="50" charset="-128"/>
-                <a:ea typeface="Meiryo UI" panose="020B0604030504040204" pitchFamily="50" charset="-128"/>
-              </a:rPr>
-              <a:t>Models</a:t>
-            </a:r>
-            <a:r>
-              <a:rPr kumimoji="1" lang="ja-JP" altLang="en-US" sz="1000">
-                <a:solidFill>
-                  <a:schemeClr val="tx2"/>
-                </a:solidFill>
-                <a:latin typeface="Meiryo UI" panose="020B0604030504040204" pitchFamily="50" charset="-128"/>
-                <a:ea typeface="Meiryo UI" panose="020B0604030504040204" pitchFamily="50" charset="-128"/>
-              </a:rPr>
-              <a:t> </a:t>
-            </a:r>
-            <a:r>
-              <a:rPr kumimoji="1" lang="en-US" altLang="ja-JP" sz="1000">
-                <a:solidFill>
-                  <a:schemeClr val="tx2"/>
-                </a:solidFill>
-                <a:latin typeface="Meiryo UI" panose="020B0604030504040204" pitchFamily="50" charset="-128"/>
-                <a:ea typeface="Meiryo UI" panose="020B0604030504040204" pitchFamily="50" charset="-128"/>
-              </a:rPr>
-              <a:t>scene</a:t>
-            </a:r>
-            <a:endParaRPr kumimoji="1" lang="ja-JP" altLang="en-US" sz="1000">
-              <a:solidFill>
-                <a:schemeClr val="tx2"/>
-              </a:solidFill>
-              <a:latin typeface="Meiryo UI" panose="020B0604030504040204" pitchFamily="50" charset="-128"/>
-              <a:ea typeface="Meiryo UI" panose="020B0604030504040204" pitchFamily="50" charset="-128"/>
-            </a:endParaRPr>
-          </a:p>
-        </p:txBody>
-      </p:sp>
-      <p:sp>
-        <p:nvSpPr>
-          <p:cNvPr id="10" name="正方形/長方形 9">
-            <a:extLst>
-              <a:ext uri="{FF2B5EF4-FFF2-40B4-BE49-F238E27FC236}">
-                <a16:creationId xmlns:a16="http://schemas.microsoft.com/office/drawing/2014/main" id="{BF38C3C3-90A3-4B79-8B7A-F232043E6CAC}"/>
-              </a:ext>
-            </a:extLst>
-          </p:cNvPr>
-          <p:cNvSpPr/>
-          <p:nvPr/>
-        </p:nvSpPr>
-        <p:spPr>
-          <a:xfrm>
-            <a:off x="7393541" y="1081538"/>
-            <a:ext cx="2422621" cy="259099"/>
-          </a:xfrm>
-          <a:prstGeom prst="rect">
-            <a:avLst/>
-          </a:prstGeom>
-          <a:solidFill>
-            <a:schemeClr val="bg1"/>
-          </a:solidFill>
-          <a:ln>
-            <a:noFill/>
-          </a:ln>
-        </p:spPr>
-        <p:style>
-          <a:lnRef idx="2">
-            <a:schemeClr val="accent1">
-              <a:shade val="50000"/>
-            </a:schemeClr>
-          </a:lnRef>
-          <a:fillRef idx="1">
-            <a:schemeClr val="accent1"/>
-          </a:fillRef>
-          <a:effectRef idx="0">
-            <a:schemeClr val="accent1"/>
-          </a:effectRef>
-          <a:fontRef idx="minor">
-            <a:schemeClr val="lt1"/>
-          </a:fontRef>
-        </p:style>
-        <p:txBody>
-          <a:bodyPr rtlCol="0" anchor="ctr"/>
-          <a:lstStyle/>
-          <a:p>
-            <a:pPr algn="ctr"/>
-            <a:r>
-              <a:rPr kumimoji="1" lang="en-US" altLang="ja-JP" sz="1000">
-                <a:solidFill>
-                  <a:schemeClr val="tx2"/>
-                </a:solidFill>
-                <a:latin typeface="Meiryo UI" panose="020B0604030504040204" pitchFamily="50" charset="-128"/>
-                <a:ea typeface="Meiryo UI" panose="020B0604030504040204" pitchFamily="50" charset="-128"/>
-              </a:rPr>
-              <a:t>AvatarSelectionScreen</a:t>
-            </a:r>
-            <a:r>
-              <a:rPr kumimoji="1" lang="ja-JP" altLang="en-US" sz="1000">
-                <a:solidFill>
-                  <a:schemeClr val="tx2"/>
-                </a:solidFill>
-                <a:latin typeface="Meiryo UI" panose="020B0604030504040204" pitchFamily="50" charset="-128"/>
-                <a:ea typeface="Meiryo UI" panose="020B0604030504040204" pitchFamily="50" charset="-128"/>
-              </a:rPr>
-              <a:t> </a:t>
-            </a:r>
-            <a:r>
-              <a:rPr kumimoji="1" lang="en-US" altLang="ja-JP" sz="1000">
-                <a:solidFill>
-                  <a:schemeClr val="tx2"/>
-                </a:solidFill>
-                <a:latin typeface="Meiryo UI" panose="020B0604030504040204" pitchFamily="50" charset="-128"/>
-                <a:ea typeface="Meiryo UI" panose="020B0604030504040204" pitchFamily="50" charset="-128"/>
-              </a:rPr>
-              <a:t>scene</a:t>
-            </a:r>
-            <a:endParaRPr kumimoji="1" lang="ja-JP" altLang="en-US" sz="1000">
-              <a:solidFill>
-                <a:schemeClr val="tx2"/>
-              </a:solidFill>
-              <a:latin typeface="Meiryo UI" panose="020B0604030504040204" pitchFamily="50" charset="-128"/>
-              <a:ea typeface="Meiryo UI" panose="020B0604030504040204" pitchFamily="50" charset="-128"/>
-            </a:endParaRPr>
-          </a:p>
-        </p:txBody>
-      </p:sp>
       <p:cxnSp>
         <p:nvCxnSpPr>
-          <p:cNvPr id="14" name="直線矢印コネクタ 24">
-            <a:extLst>
-              <a:ext uri="{FF2B5EF4-FFF2-40B4-BE49-F238E27FC236}">
-                <a16:creationId xmlns:a16="http://schemas.microsoft.com/office/drawing/2014/main" id="{6E5F0D0B-4697-4FAE-2FA8-73D133491FC4}"/>
+          <p:cNvPr id="17" name="直線矢印コネクタ 24">
+            <a:extLst>
+              <a:ext uri="{FF2B5EF4-FFF2-40B4-BE49-F238E27FC236}">
+                <a16:creationId xmlns:a16="http://schemas.microsoft.com/office/drawing/2014/main" id="{2ADAC91D-1C39-BD05-3AB1-2ADA8D4AE489}"/>
               </a:ext>
             </a:extLst>
           </p:cNvPr>
@@ -8253,52 +8123,8 @@
         </p:nvCxnSpPr>
         <p:spPr>
           <a:xfrm flipH="1" flipV="1">
-            <a:off x="3417455" y="2964873"/>
-            <a:ext cx="1330036" cy="277091"/>
-          </a:xfrm>
-          <a:prstGeom prst="straightConnector1">
-            <a:avLst/>
-          </a:prstGeom>
-          <a:ln w="12700">
-            <a:solidFill>
-              <a:srgbClr val="FF6F61"/>
-            </a:solidFill>
-            <a:tailEnd type="triangle"/>
-          </a:ln>
-        </p:spPr>
-        <p:style>
-          <a:lnRef idx="1">
-            <a:schemeClr val="accent1"/>
-          </a:lnRef>
-          <a:fillRef idx="0">
-            <a:schemeClr val="accent1"/>
-          </a:fillRef>
-          <a:effectRef idx="0">
-            <a:schemeClr val="accent1"/>
-          </a:effectRef>
-          <a:fontRef idx="minor">
-            <a:schemeClr val="tx1"/>
-          </a:fontRef>
-        </p:style>
-      </p:cxnSp>
-      <p:cxnSp>
-        <p:nvCxnSpPr>
-          <p:cNvPr id="17" name="直線矢印コネクタ 24">
-            <a:extLst>
-              <a:ext uri="{FF2B5EF4-FFF2-40B4-BE49-F238E27FC236}">
-                <a16:creationId xmlns:a16="http://schemas.microsoft.com/office/drawing/2014/main" id="{2ADAC91D-1C39-BD05-3AB1-2ADA8D4AE489}"/>
-              </a:ext>
-            </a:extLst>
-          </p:cNvPr>
-          <p:cNvCxnSpPr>
-            <a:cxnSpLocks/>
-          </p:cNvCxnSpPr>
-          <p:nvPr/>
-        </p:nvCxnSpPr>
-        <p:spPr>
-          <a:xfrm flipH="1" flipV="1">
-            <a:off x="6336145" y="2964873"/>
-            <a:ext cx="1209964" cy="277091"/>
+            <a:off x="3718560" y="3074126"/>
+            <a:ext cx="2272937" cy="566057"/>
           </a:xfrm>
           <a:prstGeom prst="straightConnector1">
             <a:avLst/>
@@ -8357,10 +8183,10 @@
       </p:grpSpPr>
       <p:pic>
         <p:nvPicPr>
-          <p:cNvPr id="3" name="図 2">
-            <a:extLst>
-              <a:ext uri="{FF2B5EF4-FFF2-40B4-BE49-F238E27FC236}">
-                <a16:creationId xmlns:a16="http://schemas.microsoft.com/office/drawing/2014/main" id="{CA51928B-3D83-C12B-54FE-2D008F8D7786}"/>
+          <p:cNvPr id="2" name="図 1">
+            <a:extLst>
+              <a:ext uri="{FF2B5EF4-FFF2-40B4-BE49-F238E27FC236}">
+                <a16:creationId xmlns:a16="http://schemas.microsoft.com/office/drawing/2014/main" id="{5AD5C882-78E2-A9C2-BB96-56C9D4443BC3}"/>
               </a:ext>
             </a:extLst>
           </p:cNvPr>
@@ -8377,8 +8203,8 @@
         </p:blipFill>
         <p:spPr>
           <a:xfrm>
-            <a:off x="2032000" y="2749786"/>
-            <a:ext cx="2247634" cy="1732395"/>
+            <a:off x="4604678" y="362445"/>
+            <a:ext cx="3166103" cy="2784998"/>
           </a:xfrm>
           <a:prstGeom prst="rect">
             <a:avLst/>
@@ -8387,10 +8213,10 @@
       </p:pic>
       <p:pic>
         <p:nvPicPr>
-          <p:cNvPr id="5" name="図 4">
-            <a:extLst>
-              <a:ext uri="{FF2B5EF4-FFF2-40B4-BE49-F238E27FC236}">
-                <a16:creationId xmlns:a16="http://schemas.microsoft.com/office/drawing/2014/main" id="{F4F92ADF-2757-2A23-5B49-0EBB623A8337}"/>
+          <p:cNvPr id="3" name="図 2">
+            <a:extLst>
+              <a:ext uri="{FF2B5EF4-FFF2-40B4-BE49-F238E27FC236}">
+                <a16:creationId xmlns:a16="http://schemas.microsoft.com/office/drawing/2014/main" id="{CA51928B-3D83-C12B-54FE-2D008F8D7786}"/>
               </a:ext>
             </a:extLst>
           </p:cNvPr>
@@ -8407,8 +8233,8 @@
         </p:blipFill>
         <p:spPr>
           <a:xfrm>
-            <a:off x="4612147" y="388301"/>
-            <a:ext cx="3158635" cy="2747938"/>
+            <a:off x="2032000" y="2749786"/>
+            <a:ext cx="2247634" cy="1732395"/>
           </a:xfrm>
           <a:prstGeom prst="rect">
             <a:avLst/>

--- a/work/work.pptx
+++ b/work/work.pptx
@@ -40,6 +40,16 @@
     <p:sldId id="292" r:id="rId34"/>
     <p:sldId id="291" r:id="rId35"/>
     <p:sldId id="290" r:id="rId36"/>
+    <p:sldId id="296" r:id="rId37"/>
+    <p:sldId id="295" r:id="rId38"/>
+    <p:sldId id="297" r:id="rId39"/>
+    <p:sldId id="298" r:id="rId40"/>
+    <p:sldId id="299" r:id="rId41"/>
+    <p:sldId id="300" r:id="rId42"/>
+    <p:sldId id="303" r:id="rId43"/>
+    <p:sldId id="304" r:id="rId44"/>
+    <p:sldId id="301" r:id="rId45"/>
+    <p:sldId id="305" r:id="rId46"/>
   </p:sldIdLst>
   <p:sldSz cx="12192000" cy="6858000"/>
   <p:notesSz cx="6858000" cy="9144000"/>
@@ -293,7 +303,7 @@
           <a:p>
             <a:fld id="{DADCA3C0-8A91-47C6-9688-037592343C81}" type="datetimeFigureOut">
               <a:rPr kumimoji="1" lang="ja-JP" altLang="en-US" smtClean="0"/>
-              <a:t>2022/12/6</a:t>
+              <a:t>2022/12/7</a:t>
             </a:fld>
             <a:endParaRPr kumimoji="1" lang="ja-JP" altLang="en-US"/>
           </a:p>
@@ -523,7 +533,7 @@
           <a:p>
             <a:fld id="{DADCA3C0-8A91-47C6-9688-037592343C81}" type="datetimeFigureOut">
               <a:rPr kumimoji="1" lang="ja-JP" altLang="en-US" smtClean="0"/>
-              <a:t>2022/12/6</a:t>
+              <a:t>2022/12/7</a:t>
             </a:fld>
             <a:endParaRPr kumimoji="1" lang="ja-JP" altLang="en-US"/>
           </a:p>
@@ -763,7 +773,7 @@
           <a:p>
             <a:fld id="{DADCA3C0-8A91-47C6-9688-037592343C81}" type="datetimeFigureOut">
               <a:rPr kumimoji="1" lang="ja-JP" altLang="en-US" smtClean="0"/>
-              <a:t>2022/12/6</a:t>
+              <a:t>2022/12/7</a:t>
             </a:fld>
             <a:endParaRPr kumimoji="1" lang="ja-JP" altLang="en-US"/>
           </a:p>
@@ -993,7 +1003,7 @@
           <a:p>
             <a:fld id="{DADCA3C0-8A91-47C6-9688-037592343C81}" type="datetimeFigureOut">
               <a:rPr kumimoji="1" lang="ja-JP" altLang="en-US" smtClean="0"/>
-              <a:t>2022/12/6</a:t>
+              <a:t>2022/12/7</a:t>
             </a:fld>
             <a:endParaRPr kumimoji="1" lang="ja-JP" altLang="en-US"/>
           </a:p>
@@ -1268,7 +1278,7 @@
           <a:p>
             <a:fld id="{DADCA3C0-8A91-47C6-9688-037592343C81}" type="datetimeFigureOut">
               <a:rPr kumimoji="1" lang="ja-JP" altLang="en-US" smtClean="0"/>
-              <a:t>2022/12/6</a:t>
+              <a:t>2022/12/7</a:t>
             </a:fld>
             <a:endParaRPr kumimoji="1" lang="ja-JP" altLang="en-US"/>
           </a:p>
@@ -1597,7 +1607,7 @@
           <a:p>
             <a:fld id="{DADCA3C0-8A91-47C6-9688-037592343C81}" type="datetimeFigureOut">
               <a:rPr kumimoji="1" lang="ja-JP" altLang="en-US" smtClean="0"/>
-              <a:t>2022/12/6</a:t>
+              <a:t>2022/12/7</a:t>
             </a:fld>
             <a:endParaRPr kumimoji="1" lang="ja-JP" altLang="en-US"/>
           </a:p>
@@ -2073,7 +2083,7 @@
           <a:p>
             <a:fld id="{DADCA3C0-8A91-47C6-9688-037592343C81}" type="datetimeFigureOut">
               <a:rPr kumimoji="1" lang="ja-JP" altLang="en-US" smtClean="0"/>
-              <a:t>2022/12/6</a:t>
+              <a:t>2022/12/7</a:t>
             </a:fld>
             <a:endParaRPr kumimoji="1" lang="ja-JP" altLang="en-US"/>
           </a:p>
@@ -2214,7 +2224,7 @@
           <a:p>
             <a:fld id="{DADCA3C0-8A91-47C6-9688-037592343C81}" type="datetimeFigureOut">
               <a:rPr kumimoji="1" lang="ja-JP" altLang="en-US" smtClean="0"/>
-              <a:t>2022/12/6</a:t>
+              <a:t>2022/12/7</a:t>
             </a:fld>
             <a:endParaRPr kumimoji="1" lang="ja-JP" altLang="en-US"/>
           </a:p>
@@ -2327,7 +2337,7 @@
           <a:p>
             <a:fld id="{DADCA3C0-8A91-47C6-9688-037592343C81}" type="datetimeFigureOut">
               <a:rPr kumimoji="1" lang="ja-JP" altLang="en-US" smtClean="0"/>
-              <a:t>2022/12/6</a:t>
+              <a:t>2022/12/7</a:t>
             </a:fld>
             <a:endParaRPr kumimoji="1" lang="ja-JP" altLang="en-US"/>
           </a:p>
@@ -2670,7 +2680,7 @@
           <a:p>
             <a:fld id="{DADCA3C0-8A91-47C6-9688-037592343C81}" type="datetimeFigureOut">
               <a:rPr kumimoji="1" lang="ja-JP" altLang="en-US" smtClean="0"/>
-              <a:t>2022/12/6</a:t>
+              <a:t>2022/12/7</a:t>
             </a:fld>
             <a:endParaRPr kumimoji="1" lang="ja-JP" altLang="en-US"/>
           </a:p>
@@ -2958,7 +2968,7 @@
           <a:p>
             <a:fld id="{DADCA3C0-8A91-47C6-9688-037592343C81}" type="datetimeFigureOut">
               <a:rPr kumimoji="1" lang="ja-JP" altLang="en-US" smtClean="0"/>
-              <a:t>2022/12/6</a:t>
+              <a:t>2022/12/7</a:t>
             </a:fld>
             <a:endParaRPr kumimoji="1" lang="ja-JP" altLang="en-US"/>
           </a:p>
@@ -3231,7 +3241,7 @@
           <a:p>
             <a:fld id="{DADCA3C0-8A91-47C6-9688-037592343C81}" type="datetimeFigureOut">
               <a:rPr kumimoji="1" lang="ja-JP" altLang="en-US" smtClean="0"/>
-              <a:t>2022/12/6</a:t>
+              <a:t>2022/12/7</a:t>
             </a:fld>
             <a:endParaRPr kumimoji="1" lang="ja-JP" altLang="en-US"/>
           </a:p>
@@ -15353,6 +15363,816 @@
 </p:sld>
 </file>
 
+<file path=ppt/slides/slide36.xml><?xml version="1.0" encoding="utf-8"?>
+<p:sld xmlns:a="http://schemas.openxmlformats.org/drawingml/2006/main" xmlns:r="http://schemas.openxmlformats.org/officeDocument/2006/relationships" xmlns:p="http://schemas.openxmlformats.org/presentationml/2006/main">
+  <p:cSld>
+    <p:spTree>
+      <p:nvGrpSpPr>
+        <p:cNvPr id="1" name=""/>
+        <p:cNvGrpSpPr/>
+        <p:nvPr/>
+      </p:nvGrpSpPr>
+      <p:grpSpPr>
+        <a:xfrm>
+          <a:off x="0" y="0"/>
+          <a:ext cx="0" cy="0"/>
+          <a:chOff x="0" y="0"/>
+          <a:chExt cx="0" cy="0"/>
+        </a:xfrm>
+      </p:grpSpPr>
+      <p:sp>
+        <p:nvSpPr>
+          <p:cNvPr id="2" name="正方形/長方形 1">
+            <a:extLst>
+              <a:ext uri="{FF2B5EF4-FFF2-40B4-BE49-F238E27FC236}">
+                <a16:creationId xmlns:a16="http://schemas.microsoft.com/office/drawing/2014/main" id="{118C2B25-EF84-FA7C-A8E5-DC4461F3FC34}"/>
+              </a:ext>
+            </a:extLst>
+          </p:cNvPr>
+          <p:cNvSpPr/>
+          <p:nvPr/>
+        </p:nvSpPr>
+        <p:spPr>
+          <a:xfrm>
+            <a:off x="0" y="0"/>
+            <a:ext cx="12192000" cy="6857999"/>
+          </a:xfrm>
+          <a:prstGeom prst="rect">
+            <a:avLst/>
+          </a:prstGeom>
+          <a:solidFill>
+            <a:srgbClr val="FF6F61"/>
+          </a:solidFill>
+          <a:ln>
+            <a:solidFill>
+              <a:schemeClr val="bg1"/>
+            </a:solidFill>
+          </a:ln>
+        </p:spPr>
+        <p:style>
+          <a:lnRef idx="2">
+            <a:schemeClr val="accent1">
+              <a:shade val="50000"/>
+            </a:schemeClr>
+          </a:lnRef>
+          <a:fillRef idx="1">
+            <a:schemeClr val="accent1"/>
+          </a:fillRef>
+          <a:effectRef idx="0">
+            <a:schemeClr val="accent1"/>
+          </a:effectRef>
+          <a:fontRef idx="minor">
+            <a:schemeClr val="lt1"/>
+          </a:fontRef>
+        </p:style>
+        <p:txBody>
+          <a:bodyPr rtlCol="0" anchor="ctr"/>
+          <a:lstStyle/>
+          <a:p>
+            <a:pPr algn="ctr"/>
+            <a:r>
+              <a:rPr kumimoji="1" lang="en-US" altLang="ja-JP" sz="4800">
+                <a:solidFill>
+                  <a:schemeClr val="bg1"/>
+                </a:solidFill>
+                <a:latin typeface="Meiryo UI" panose="020B0604030504040204" pitchFamily="50" charset="-128"/>
+                <a:ea typeface="Meiryo UI" panose="020B0604030504040204" pitchFamily="50" charset="-128"/>
+              </a:rPr>
+              <a:t>Learning</a:t>
+            </a:r>
+            <a:r>
+              <a:rPr kumimoji="1" lang="ja-JP" altLang="en-US" sz="4800">
+                <a:solidFill>
+                  <a:schemeClr val="bg1"/>
+                </a:solidFill>
+                <a:latin typeface="Meiryo UI" panose="020B0604030504040204" pitchFamily="50" charset="-128"/>
+                <a:ea typeface="Meiryo UI" panose="020B0604030504040204" pitchFamily="50" charset="-128"/>
+              </a:rPr>
+              <a:t>＞</a:t>
+            </a:r>
+            <a:r>
+              <a:rPr kumimoji="1" lang="en-US" altLang="ja-JP" sz="4800">
+                <a:solidFill>
+                  <a:schemeClr val="bg1"/>
+                </a:solidFill>
+                <a:latin typeface="Meiryo UI" panose="020B0604030504040204" pitchFamily="50" charset="-128"/>
+                <a:ea typeface="Meiryo UI" panose="020B0604030504040204" pitchFamily="50" charset="-128"/>
+              </a:rPr>
+              <a:t>Multiplay.NGO</a:t>
+            </a:r>
+            <a:endParaRPr kumimoji="1" lang="ja-JP" altLang="en-US" sz="4800">
+              <a:solidFill>
+                <a:schemeClr val="bg1"/>
+              </a:solidFill>
+              <a:latin typeface="Meiryo UI" panose="020B0604030504040204" pitchFamily="50" charset="-128"/>
+              <a:ea typeface="Meiryo UI" panose="020B0604030504040204" pitchFamily="50" charset="-128"/>
+            </a:endParaRPr>
+          </a:p>
+        </p:txBody>
+      </p:sp>
+    </p:spTree>
+    <p:extLst>
+      <p:ext uri="{BB962C8B-B14F-4D97-AF65-F5344CB8AC3E}">
+        <p14:creationId xmlns:p14="http://schemas.microsoft.com/office/powerpoint/2010/main" val="222958062"/>
+      </p:ext>
+    </p:extLst>
+  </p:cSld>
+  <p:clrMapOvr>
+    <a:masterClrMapping/>
+  </p:clrMapOvr>
+</p:sld>
+</file>
+
+<file path=ppt/slides/slide37.xml><?xml version="1.0" encoding="utf-8"?>
+<p:sld xmlns:a="http://schemas.openxmlformats.org/drawingml/2006/main" xmlns:r="http://schemas.openxmlformats.org/officeDocument/2006/relationships" xmlns:p="http://schemas.openxmlformats.org/presentationml/2006/main">
+  <p:cSld>
+    <p:spTree>
+      <p:nvGrpSpPr>
+        <p:cNvPr id="1" name=""/>
+        <p:cNvGrpSpPr/>
+        <p:nvPr/>
+      </p:nvGrpSpPr>
+      <p:grpSpPr>
+        <a:xfrm>
+          <a:off x="0" y="0"/>
+          <a:ext cx="0" cy="0"/>
+          <a:chOff x="0" y="0"/>
+          <a:chExt cx="0" cy="0"/>
+        </a:xfrm>
+      </p:grpSpPr>
+      <p:cxnSp>
+        <p:nvCxnSpPr>
+          <p:cNvPr id="6" name="直線矢印コネクタ 24">
+            <a:extLst>
+              <a:ext uri="{FF2B5EF4-FFF2-40B4-BE49-F238E27FC236}">
+                <a16:creationId xmlns:a16="http://schemas.microsoft.com/office/drawing/2014/main" id="{57375E5A-5621-7BF1-3852-2616E506C5B3}"/>
+              </a:ext>
+            </a:extLst>
+          </p:cNvPr>
+          <p:cNvCxnSpPr>
+            <a:cxnSpLocks/>
+            <a:stCxn id="4" idx="3"/>
+            <a:endCxn id="8" idx="1"/>
+          </p:cNvCxnSpPr>
+          <p:nvPr/>
+        </p:nvCxnSpPr>
+        <p:spPr>
+          <a:xfrm>
+            <a:off x="5240273" y="3428999"/>
+            <a:ext cx="855727" cy="1"/>
+          </a:xfrm>
+          <a:prstGeom prst="straightConnector1">
+            <a:avLst/>
+          </a:prstGeom>
+          <a:ln w="12700">
+            <a:solidFill>
+              <a:srgbClr val="FF6F61"/>
+            </a:solidFill>
+            <a:headEnd type="triangle"/>
+            <a:tailEnd type="triangle"/>
+          </a:ln>
+        </p:spPr>
+        <p:style>
+          <a:lnRef idx="1">
+            <a:schemeClr val="accent1"/>
+          </a:lnRef>
+          <a:fillRef idx="0">
+            <a:schemeClr val="accent1"/>
+          </a:fillRef>
+          <a:effectRef idx="0">
+            <a:schemeClr val="accent1"/>
+          </a:effectRef>
+          <a:fontRef idx="minor">
+            <a:schemeClr val="tx1"/>
+          </a:fontRef>
+        </p:style>
+      </p:cxnSp>
+      <p:pic>
+        <p:nvPicPr>
+          <p:cNvPr id="4" name="図 3">
+            <a:extLst>
+              <a:ext uri="{FF2B5EF4-FFF2-40B4-BE49-F238E27FC236}">
+                <a16:creationId xmlns:a16="http://schemas.microsoft.com/office/drawing/2014/main" id="{BFE49033-CCDD-62F0-2185-DA4D0DE03425}"/>
+              </a:ext>
+            </a:extLst>
+          </p:cNvPr>
+          <p:cNvPicPr>
+            <a:picLocks noChangeAspect="1"/>
+          </p:cNvPicPr>
+          <p:nvPr/>
+        </p:nvPicPr>
+        <p:blipFill>
+          <a:blip r:embed="rId2"/>
+          <a:stretch>
+            <a:fillRect/>
+          </a:stretch>
+        </p:blipFill>
+        <p:spPr>
+          <a:xfrm>
+            <a:off x="1246401" y="780803"/>
+            <a:ext cx="3993872" cy="5296391"/>
+          </a:xfrm>
+          <a:prstGeom prst="rect">
+            <a:avLst/>
+          </a:prstGeom>
+        </p:spPr>
+      </p:pic>
+      <p:pic>
+        <p:nvPicPr>
+          <p:cNvPr id="8" name="図 7">
+            <a:extLst>
+              <a:ext uri="{FF2B5EF4-FFF2-40B4-BE49-F238E27FC236}">
+                <a16:creationId xmlns:a16="http://schemas.microsoft.com/office/drawing/2014/main" id="{4412AF56-7FB2-B8C7-50E1-22B008929B3C}"/>
+              </a:ext>
+            </a:extLst>
+          </p:cNvPr>
+          <p:cNvPicPr>
+            <a:picLocks noChangeAspect="1"/>
+          </p:cNvPicPr>
+          <p:nvPr/>
+        </p:nvPicPr>
+        <p:blipFill>
+          <a:blip r:embed="rId3"/>
+          <a:stretch>
+            <a:fillRect/>
+          </a:stretch>
+        </p:blipFill>
+        <p:spPr>
+          <a:xfrm>
+            <a:off x="6096000" y="639567"/>
+            <a:ext cx="4009564" cy="5578865"/>
+          </a:xfrm>
+          <a:prstGeom prst="rect">
+            <a:avLst/>
+          </a:prstGeom>
+        </p:spPr>
+      </p:pic>
+    </p:spTree>
+    <p:extLst>
+      <p:ext uri="{BB962C8B-B14F-4D97-AF65-F5344CB8AC3E}">
+        <p14:creationId xmlns:p14="http://schemas.microsoft.com/office/powerpoint/2010/main" val="2643432827"/>
+      </p:ext>
+    </p:extLst>
+  </p:cSld>
+  <p:clrMapOvr>
+    <a:masterClrMapping/>
+  </p:clrMapOvr>
+</p:sld>
+</file>
+
+<file path=ppt/slides/slide38.xml><?xml version="1.0" encoding="utf-8"?>
+<p:sld xmlns:a="http://schemas.openxmlformats.org/drawingml/2006/main" xmlns:r="http://schemas.openxmlformats.org/officeDocument/2006/relationships" xmlns:p="http://schemas.openxmlformats.org/presentationml/2006/main">
+  <p:cSld>
+    <p:spTree>
+      <p:nvGrpSpPr>
+        <p:cNvPr id="1" name=""/>
+        <p:cNvGrpSpPr/>
+        <p:nvPr/>
+      </p:nvGrpSpPr>
+      <p:grpSpPr>
+        <a:xfrm>
+          <a:off x="0" y="0"/>
+          <a:ext cx="0" cy="0"/>
+          <a:chOff x="0" y="0"/>
+          <a:chExt cx="0" cy="0"/>
+        </a:xfrm>
+      </p:grpSpPr>
+      <p:pic>
+        <p:nvPicPr>
+          <p:cNvPr id="3" name="図 2">
+            <a:extLst>
+              <a:ext uri="{FF2B5EF4-FFF2-40B4-BE49-F238E27FC236}">
+                <a16:creationId xmlns:a16="http://schemas.microsoft.com/office/drawing/2014/main" id="{9342ED47-070F-06CE-612F-93EC12223326}"/>
+              </a:ext>
+            </a:extLst>
+          </p:cNvPr>
+          <p:cNvPicPr>
+            <a:picLocks noChangeAspect="1"/>
+          </p:cNvPicPr>
+          <p:nvPr/>
+        </p:nvPicPr>
+        <p:blipFill>
+          <a:blip r:embed="rId2"/>
+          <a:stretch>
+            <a:fillRect/>
+          </a:stretch>
+        </p:blipFill>
+        <p:spPr>
+          <a:xfrm>
+            <a:off x="1532299" y="824946"/>
+            <a:ext cx="4563701" cy="1271204"/>
+          </a:xfrm>
+          <a:prstGeom prst="rect">
+            <a:avLst/>
+          </a:prstGeom>
+        </p:spPr>
+      </p:pic>
+      <p:pic>
+        <p:nvPicPr>
+          <p:cNvPr id="5" name="図 4">
+            <a:extLst>
+              <a:ext uri="{FF2B5EF4-FFF2-40B4-BE49-F238E27FC236}">
+                <a16:creationId xmlns:a16="http://schemas.microsoft.com/office/drawing/2014/main" id="{17F1C6C2-9B6C-EC6C-AEC4-4A24CD38A42B}"/>
+              </a:ext>
+            </a:extLst>
+          </p:cNvPr>
+          <p:cNvPicPr>
+            <a:picLocks noChangeAspect="1"/>
+          </p:cNvPicPr>
+          <p:nvPr/>
+        </p:nvPicPr>
+        <p:blipFill>
+          <a:blip r:embed="rId3"/>
+          <a:stretch>
+            <a:fillRect/>
+          </a:stretch>
+        </p:blipFill>
+        <p:spPr>
+          <a:xfrm>
+            <a:off x="1532299" y="2707863"/>
+            <a:ext cx="4566558" cy="3384824"/>
+          </a:xfrm>
+          <a:prstGeom prst="rect">
+            <a:avLst/>
+          </a:prstGeom>
+        </p:spPr>
+      </p:pic>
+      <p:pic>
+        <p:nvPicPr>
+          <p:cNvPr id="7" name="図 6">
+            <a:extLst>
+              <a:ext uri="{FF2B5EF4-FFF2-40B4-BE49-F238E27FC236}">
+                <a16:creationId xmlns:a16="http://schemas.microsoft.com/office/drawing/2014/main" id="{A99D1E10-1FEF-2360-CA88-502C2D5A3C1E}"/>
+              </a:ext>
+            </a:extLst>
+          </p:cNvPr>
+          <p:cNvPicPr>
+            <a:picLocks noChangeAspect="1"/>
+          </p:cNvPicPr>
+          <p:nvPr/>
+        </p:nvPicPr>
+        <p:blipFill>
+          <a:blip r:embed="rId4"/>
+          <a:stretch>
+            <a:fillRect/>
+          </a:stretch>
+        </p:blipFill>
+        <p:spPr>
+          <a:xfrm>
+            <a:off x="6858759" y="824946"/>
+            <a:ext cx="4279456" cy="5361163"/>
+          </a:xfrm>
+          <a:prstGeom prst="rect">
+            <a:avLst/>
+          </a:prstGeom>
+        </p:spPr>
+      </p:pic>
+      <p:cxnSp>
+        <p:nvCxnSpPr>
+          <p:cNvPr id="8" name="直線矢印コネクタ 24">
+            <a:extLst>
+              <a:ext uri="{FF2B5EF4-FFF2-40B4-BE49-F238E27FC236}">
+                <a16:creationId xmlns:a16="http://schemas.microsoft.com/office/drawing/2014/main" id="{0E479E18-9C9C-2D90-7884-6552845E39D1}"/>
+              </a:ext>
+            </a:extLst>
+          </p:cNvPr>
+          <p:cNvCxnSpPr>
+            <a:cxnSpLocks/>
+            <a:stCxn id="3" idx="2"/>
+            <a:endCxn id="5" idx="0"/>
+          </p:cNvCxnSpPr>
+          <p:nvPr/>
+        </p:nvCxnSpPr>
+        <p:spPr>
+          <a:xfrm>
+            <a:off x="3814150" y="2096150"/>
+            <a:ext cx="1428" cy="611713"/>
+          </a:xfrm>
+          <a:prstGeom prst="straightConnector1">
+            <a:avLst/>
+          </a:prstGeom>
+          <a:ln w="12700">
+            <a:solidFill>
+              <a:srgbClr val="FF6F61"/>
+            </a:solidFill>
+            <a:tailEnd type="triangle"/>
+          </a:ln>
+        </p:spPr>
+        <p:style>
+          <a:lnRef idx="1">
+            <a:schemeClr val="accent1"/>
+          </a:lnRef>
+          <a:fillRef idx="0">
+            <a:schemeClr val="accent1"/>
+          </a:fillRef>
+          <a:effectRef idx="0">
+            <a:schemeClr val="accent1"/>
+          </a:effectRef>
+          <a:fontRef idx="minor">
+            <a:schemeClr val="tx1"/>
+          </a:fontRef>
+        </p:style>
+      </p:cxnSp>
+      <p:cxnSp>
+        <p:nvCxnSpPr>
+          <p:cNvPr id="13" name="直線矢印コネクタ 24">
+            <a:extLst>
+              <a:ext uri="{FF2B5EF4-FFF2-40B4-BE49-F238E27FC236}">
+                <a16:creationId xmlns:a16="http://schemas.microsoft.com/office/drawing/2014/main" id="{0F36776E-EF65-B0FA-CBBD-5A777D0D9584}"/>
+              </a:ext>
+            </a:extLst>
+          </p:cNvPr>
+          <p:cNvCxnSpPr>
+            <a:cxnSpLocks/>
+            <a:stCxn id="5" idx="3"/>
+            <a:endCxn id="7" idx="1"/>
+          </p:cNvCxnSpPr>
+          <p:nvPr/>
+        </p:nvCxnSpPr>
+        <p:spPr>
+          <a:xfrm flipV="1">
+            <a:off x="6098857" y="3505528"/>
+            <a:ext cx="759902" cy="894747"/>
+          </a:xfrm>
+          <a:prstGeom prst="straightConnector1">
+            <a:avLst/>
+          </a:prstGeom>
+          <a:ln w="12700">
+            <a:solidFill>
+              <a:srgbClr val="FF6F61"/>
+            </a:solidFill>
+            <a:tailEnd type="triangle"/>
+          </a:ln>
+        </p:spPr>
+        <p:style>
+          <a:lnRef idx="1">
+            <a:schemeClr val="accent1"/>
+          </a:lnRef>
+          <a:fillRef idx="0">
+            <a:schemeClr val="accent1"/>
+          </a:fillRef>
+          <a:effectRef idx="0">
+            <a:schemeClr val="accent1"/>
+          </a:effectRef>
+          <a:fontRef idx="minor">
+            <a:schemeClr val="tx1"/>
+          </a:fontRef>
+        </p:style>
+      </p:cxnSp>
+      <p:sp>
+        <p:nvSpPr>
+          <p:cNvPr id="16" name="四角形: 角を丸くする 15">
+            <a:extLst>
+              <a:ext uri="{FF2B5EF4-FFF2-40B4-BE49-F238E27FC236}">
+                <a16:creationId xmlns:a16="http://schemas.microsoft.com/office/drawing/2014/main" id="{68169595-FEA8-66BD-850D-38F5378AC1F5}"/>
+              </a:ext>
+            </a:extLst>
+          </p:cNvPr>
+          <p:cNvSpPr/>
+          <p:nvPr/>
+        </p:nvSpPr>
+        <p:spPr>
+          <a:xfrm>
+            <a:off x="2687613" y="4237683"/>
+            <a:ext cx="2242196" cy="1948426"/>
+          </a:xfrm>
+          <a:prstGeom prst="roundRect">
+            <a:avLst>
+              <a:gd name="adj" fmla="val 4167"/>
+            </a:avLst>
+          </a:prstGeom>
+          <a:noFill/>
+          <a:ln>
+            <a:solidFill>
+              <a:srgbClr val="FF6F61"/>
+            </a:solidFill>
+          </a:ln>
+        </p:spPr>
+        <p:style>
+          <a:lnRef idx="2">
+            <a:schemeClr val="accent1">
+              <a:shade val="50000"/>
+            </a:schemeClr>
+          </a:lnRef>
+          <a:fillRef idx="1">
+            <a:schemeClr val="accent1"/>
+          </a:fillRef>
+          <a:effectRef idx="0">
+            <a:schemeClr val="accent1"/>
+          </a:effectRef>
+          <a:fontRef idx="minor">
+            <a:schemeClr val="lt1"/>
+          </a:fontRef>
+        </p:style>
+        <p:txBody>
+          <a:bodyPr rtlCol="0" anchor="ctr"/>
+          <a:lstStyle/>
+          <a:p>
+            <a:pPr algn="ctr"/>
+            <a:endParaRPr kumimoji="1" lang="ja-JP" altLang="en-US"/>
+          </a:p>
+        </p:txBody>
+      </p:sp>
+      <p:sp>
+        <p:nvSpPr>
+          <p:cNvPr id="19" name="四角形: 角を丸くする 18">
+            <a:extLst>
+              <a:ext uri="{FF2B5EF4-FFF2-40B4-BE49-F238E27FC236}">
+                <a16:creationId xmlns:a16="http://schemas.microsoft.com/office/drawing/2014/main" id="{2B9CDA50-B612-CE58-A6A5-C87C8CB56859}"/>
+              </a:ext>
+            </a:extLst>
+          </p:cNvPr>
+          <p:cNvSpPr/>
+          <p:nvPr/>
+        </p:nvSpPr>
+        <p:spPr>
+          <a:xfrm>
+            <a:off x="6906709" y="4909574"/>
+            <a:ext cx="4105848" cy="865061"/>
+          </a:xfrm>
+          <a:prstGeom prst="roundRect">
+            <a:avLst>
+              <a:gd name="adj" fmla="val 4167"/>
+            </a:avLst>
+          </a:prstGeom>
+          <a:noFill/>
+          <a:ln>
+            <a:solidFill>
+              <a:srgbClr val="FF6F61"/>
+            </a:solidFill>
+          </a:ln>
+        </p:spPr>
+        <p:style>
+          <a:lnRef idx="2">
+            <a:schemeClr val="accent1">
+              <a:shade val="50000"/>
+            </a:schemeClr>
+          </a:lnRef>
+          <a:fillRef idx="1">
+            <a:schemeClr val="accent1"/>
+          </a:fillRef>
+          <a:effectRef idx="0">
+            <a:schemeClr val="accent1"/>
+          </a:effectRef>
+          <a:fontRef idx="minor">
+            <a:schemeClr val="lt1"/>
+          </a:fontRef>
+        </p:style>
+        <p:txBody>
+          <a:bodyPr rtlCol="0" anchor="ctr"/>
+          <a:lstStyle/>
+          <a:p>
+            <a:pPr algn="ctr"/>
+            <a:endParaRPr kumimoji="1" lang="ja-JP" altLang="en-US"/>
+          </a:p>
+        </p:txBody>
+      </p:sp>
+      <p:sp>
+        <p:nvSpPr>
+          <p:cNvPr id="20" name="四角形: 角を丸くする 19">
+            <a:extLst>
+              <a:ext uri="{FF2B5EF4-FFF2-40B4-BE49-F238E27FC236}">
+                <a16:creationId xmlns:a16="http://schemas.microsoft.com/office/drawing/2014/main" id="{F2C06BBB-4202-3732-A053-73A83AB05204}"/>
+              </a:ext>
+            </a:extLst>
+          </p:cNvPr>
+          <p:cNvSpPr/>
+          <p:nvPr/>
+        </p:nvSpPr>
+        <p:spPr>
+          <a:xfrm>
+            <a:off x="1953997" y="1388210"/>
+            <a:ext cx="1087377" cy="172233"/>
+          </a:xfrm>
+          <a:prstGeom prst="roundRect">
+            <a:avLst>
+              <a:gd name="adj" fmla="val 4167"/>
+            </a:avLst>
+          </a:prstGeom>
+          <a:noFill/>
+          <a:ln>
+            <a:solidFill>
+              <a:srgbClr val="FF6F61"/>
+            </a:solidFill>
+          </a:ln>
+        </p:spPr>
+        <p:style>
+          <a:lnRef idx="2">
+            <a:schemeClr val="accent1">
+              <a:shade val="50000"/>
+            </a:schemeClr>
+          </a:lnRef>
+          <a:fillRef idx="1">
+            <a:schemeClr val="accent1"/>
+          </a:fillRef>
+          <a:effectRef idx="0">
+            <a:schemeClr val="accent1"/>
+          </a:effectRef>
+          <a:fontRef idx="minor">
+            <a:schemeClr val="lt1"/>
+          </a:fontRef>
+        </p:style>
+        <p:txBody>
+          <a:bodyPr rtlCol="0" anchor="ctr"/>
+          <a:lstStyle/>
+          <a:p>
+            <a:pPr algn="ctr"/>
+            <a:endParaRPr kumimoji="1" lang="ja-JP" altLang="en-US"/>
+          </a:p>
+        </p:txBody>
+      </p:sp>
+    </p:spTree>
+    <p:extLst>
+      <p:ext uri="{BB962C8B-B14F-4D97-AF65-F5344CB8AC3E}">
+        <p14:creationId xmlns:p14="http://schemas.microsoft.com/office/powerpoint/2010/main" val="481571290"/>
+      </p:ext>
+    </p:extLst>
+  </p:cSld>
+  <p:clrMapOvr>
+    <a:masterClrMapping/>
+  </p:clrMapOvr>
+</p:sld>
+</file>
+
+<file path=ppt/slides/slide39.xml><?xml version="1.0" encoding="utf-8"?>
+<p:sld xmlns:a="http://schemas.openxmlformats.org/drawingml/2006/main" xmlns:r="http://schemas.openxmlformats.org/officeDocument/2006/relationships" xmlns:p="http://schemas.openxmlformats.org/presentationml/2006/main">
+  <p:cSld>
+    <p:spTree>
+      <p:nvGrpSpPr>
+        <p:cNvPr id="1" name=""/>
+        <p:cNvGrpSpPr/>
+        <p:nvPr/>
+      </p:nvGrpSpPr>
+      <p:grpSpPr>
+        <a:xfrm>
+          <a:off x="0" y="0"/>
+          <a:ext cx="0" cy="0"/>
+          <a:chOff x="0" y="0"/>
+          <a:chExt cx="0" cy="0"/>
+        </a:xfrm>
+      </p:grpSpPr>
+      <p:pic>
+        <p:nvPicPr>
+          <p:cNvPr id="3" name="図 2">
+            <a:extLst>
+              <a:ext uri="{FF2B5EF4-FFF2-40B4-BE49-F238E27FC236}">
+                <a16:creationId xmlns:a16="http://schemas.microsoft.com/office/drawing/2014/main" id="{331DE51F-6FFF-5155-CFC8-DDD29B05E714}"/>
+              </a:ext>
+            </a:extLst>
+          </p:cNvPr>
+          <p:cNvPicPr>
+            <a:picLocks noChangeAspect="1"/>
+          </p:cNvPicPr>
+          <p:nvPr/>
+        </p:nvPicPr>
+        <p:blipFill rotWithShape="1">
+          <a:blip r:embed="rId2"/>
+          <a:srcRect r="33993"/>
+          <a:stretch/>
+        </p:blipFill>
+        <p:spPr>
+          <a:xfrm>
+            <a:off x="1268122" y="2341445"/>
+            <a:ext cx="3621930" cy="1476581"/>
+          </a:xfrm>
+          <a:prstGeom prst="rect">
+            <a:avLst/>
+          </a:prstGeom>
+        </p:spPr>
+      </p:pic>
+      <p:pic>
+        <p:nvPicPr>
+          <p:cNvPr id="5" name="図 4">
+            <a:extLst>
+              <a:ext uri="{FF2B5EF4-FFF2-40B4-BE49-F238E27FC236}">
+                <a16:creationId xmlns:a16="http://schemas.microsoft.com/office/drawing/2014/main" id="{80ADF59D-541A-BEC8-8F49-E3245D111EBB}"/>
+              </a:ext>
+            </a:extLst>
+          </p:cNvPr>
+          <p:cNvPicPr>
+            <a:picLocks noChangeAspect="1"/>
+          </p:cNvPicPr>
+          <p:nvPr/>
+        </p:nvPicPr>
+        <p:blipFill>
+          <a:blip r:embed="rId3"/>
+          <a:stretch>
+            <a:fillRect/>
+          </a:stretch>
+        </p:blipFill>
+        <p:spPr>
+          <a:xfrm>
+            <a:off x="5869937" y="1392874"/>
+            <a:ext cx="5163271" cy="3734321"/>
+          </a:xfrm>
+          <a:prstGeom prst="rect">
+            <a:avLst/>
+          </a:prstGeom>
+        </p:spPr>
+      </p:pic>
+      <p:cxnSp>
+        <p:nvCxnSpPr>
+          <p:cNvPr id="9" name="直線矢印コネクタ 24">
+            <a:extLst>
+              <a:ext uri="{FF2B5EF4-FFF2-40B4-BE49-F238E27FC236}">
+                <a16:creationId xmlns:a16="http://schemas.microsoft.com/office/drawing/2014/main" id="{522AB8D9-C349-FFC6-38F3-F01E7382DF46}"/>
+              </a:ext>
+            </a:extLst>
+          </p:cNvPr>
+          <p:cNvCxnSpPr>
+            <a:cxnSpLocks/>
+          </p:cNvCxnSpPr>
+          <p:nvPr/>
+        </p:nvCxnSpPr>
+        <p:spPr>
+          <a:xfrm flipV="1">
+            <a:off x="1818861" y="1750683"/>
+            <a:ext cx="4124739" cy="1509351"/>
+          </a:xfrm>
+          <a:prstGeom prst="bentConnector3">
+            <a:avLst>
+              <a:gd name="adj1" fmla="val -19398"/>
+            </a:avLst>
+          </a:prstGeom>
+          <a:ln w="12700">
+            <a:solidFill>
+              <a:srgbClr val="FF6F61"/>
+            </a:solidFill>
+            <a:tailEnd type="triangle"/>
+          </a:ln>
+        </p:spPr>
+        <p:style>
+          <a:lnRef idx="1">
+            <a:schemeClr val="accent1"/>
+          </a:lnRef>
+          <a:fillRef idx="0">
+            <a:schemeClr val="accent1"/>
+          </a:fillRef>
+          <a:effectRef idx="0">
+            <a:schemeClr val="accent1"/>
+          </a:effectRef>
+          <a:fontRef idx="minor">
+            <a:schemeClr val="tx1"/>
+          </a:fontRef>
+        </p:style>
+      </p:cxnSp>
+      <p:cxnSp>
+        <p:nvCxnSpPr>
+          <p:cNvPr id="16" name="直線矢印コネクタ 24">
+            <a:extLst>
+              <a:ext uri="{FF2B5EF4-FFF2-40B4-BE49-F238E27FC236}">
+                <a16:creationId xmlns:a16="http://schemas.microsoft.com/office/drawing/2014/main" id="{CE716BF3-438B-FDA4-368C-C05FF251CDF9}"/>
+              </a:ext>
+            </a:extLst>
+          </p:cNvPr>
+          <p:cNvCxnSpPr>
+            <a:cxnSpLocks/>
+          </p:cNvCxnSpPr>
+          <p:nvPr/>
+        </p:nvCxnSpPr>
+        <p:spPr>
+          <a:xfrm>
+            <a:off x="2991678" y="3110949"/>
+            <a:ext cx="5088835" cy="1212574"/>
+          </a:xfrm>
+          <a:prstGeom prst="straightConnector1">
+            <a:avLst/>
+          </a:prstGeom>
+          <a:ln w="12700">
+            <a:solidFill>
+              <a:schemeClr val="accent1"/>
+            </a:solidFill>
+            <a:tailEnd type="triangle"/>
+          </a:ln>
+        </p:spPr>
+        <p:style>
+          <a:lnRef idx="1">
+            <a:schemeClr val="accent1"/>
+          </a:lnRef>
+          <a:fillRef idx="0">
+            <a:schemeClr val="accent1"/>
+          </a:fillRef>
+          <a:effectRef idx="0">
+            <a:schemeClr val="accent1"/>
+          </a:effectRef>
+          <a:fontRef idx="minor">
+            <a:schemeClr val="tx1"/>
+          </a:fontRef>
+        </p:style>
+      </p:cxnSp>
+    </p:spTree>
+    <p:extLst>
+      <p:ext uri="{BB962C8B-B14F-4D97-AF65-F5344CB8AC3E}">
+        <p14:creationId xmlns:p14="http://schemas.microsoft.com/office/powerpoint/2010/main" val="3518013614"/>
+      </p:ext>
+    </p:extLst>
+  </p:cSld>
+  <p:clrMapOvr>
+    <a:masterClrMapping/>
+  </p:clrMapOvr>
+</p:sld>
+</file>
+
 <file path=ppt/slides/slide4.xml><?xml version="1.0" encoding="utf-8"?>
 <p:sld xmlns:a="http://schemas.openxmlformats.org/drawingml/2006/main" xmlns:r="http://schemas.openxmlformats.org/officeDocument/2006/relationships" xmlns:p="http://schemas.openxmlformats.org/presentationml/2006/main">
   <p:cSld>
@@ -16403,6 +17223,1416 @@
     <p:extLst>
       <p:ext uri="{BB962C8B-B14F-4D97-AF65-F5344CB8AC3E}">
         <p14:creationId xmlns:p14="http://schemas.microsoft.com/office/powerpoint/2010/main" val="770288212"/>
+      </p:ext>
+    </p:extLst>
+  </p:cSld>
+  <p:clrMapOvr>
+    <a:masterClrMapping/>
+  </p:clrMapOvr>
+</p:sld>
+</file>
+
+<file path=ppt/slides/slide40.xml><?xml version="1.0" encoding="utf-8"?>
+<p:sld xmlns:a="http://schemas.openxmlformats.org/drawingml/2006/main" xmlns:r="http://schemas.openxmlformats.org/officeDocument/2006/relationships" xmlns:p="http://schemas.openxmlformats.org/presentationml/2006/main">
+  <p:cSld>
+    <p:spTree>
+      <p:nvGrpSpPr>
+        <p:cNvPr id="1" name=""/>
+        <p:cNvGrpSpPr/>
+        <p:nvPr/>
+      </p:nvGrpSpPr>
+      <p:grpSpPr>
+        <a:xfrm>
+          <a:off x="0" y="0"/>
+          <a:ext cx="0" cy="0"/>
+          <a:chOff x="0" y="0"/>
+          <a:chExt cx="0" cy="0"/>
+        </a:xfrm>
+      </p:grpSpPr>
+      <p:pic>
+        <p:nvPicPr>
+          <p:cNvPr id="3" name="図 2">
+            <a:extLst>
+              <a:ext uri="{FF2B5EF4-FFF2-40B4-BE49-F238E27FC236}">
+                <a16:creationId xmlns:a16="http://schemas.microsoft.com/office/drawing/2014/main" id="{36459918-6430-A72A-C39E-2B28841540A9}"/>
+              </a:ext>
+            </a:extLst>
+          </p:cNvPr>
+          <p:cNvPicPr>
+            <a:picLocks noChangeAspect="1"/>
+          </p:cNvPicPr>
+          <p:nvPr/>
+        </p:nvPicPr>
+        <p:blipFill>
+          <a:blip r:embed="rId2"/>
+          <a:stretch>
+            <a:fillRect/>
+          </a:stretch>
+        </p:blipFill>
+        <p:spPr>
+          <a:xfrm>
+            <a:off x="3419101" y="2819315"/>
+            <a:ext cx="5353797" cy="1219370"/>
+          </a:xfrm>
+          <a:prstGeom prst="rect">
+            <a:avLst/>
+          </a:prstGeom>
+        </p:spPr>
+      </p:pic>
+    </p:spTree>
+    <p:extLst>
+      <p:ext uri="{BB962C8B-B14F-4D97-AF65-F5344CB8AC3E}">
+        <p14:creationId xmlns:p14="http://schemas.microsoft.com/office/powerpoint/2010/main" val="1903588437"/>
+      </p:ext>
+    </p:extLst>
+  </p:cSld>
+  <p:clrMapOvr>
+    <a:masterClrMapping/>
+  </p:clrMapOvr>
+</p:sld>
+</file>
+
+<file path=ppt/slides/slide41.xml><?xml version="1.0" encoding="utf-8"?>
+<p:sld xmlns:a="http://schemas.openxmlformats.org/drawingml/2006/main" xmlns:r="http://schemas.openxmlformats.org/officeDocument/2006/relationships" xmlns:p="http://schemas.openxmlformats.org/presentationml/2006/main">
+  <p:cSld>
+    <p:spTree>
+      <p:nvGrpSpPr>
+        <p:cNvPr id="1" name=""/>
+        <p:cNvGrpSpPr/>
+        <p:nvPr/>
+      </p:nvGrpSpPr>
+      <p:grpSpPr>
+        <a:xfrm>
+          <a:off x="0" y="0"/>
+          <a:ext cx="0" cy="0"/>
+          <a:chOff x="0" y="0"/>
+          <a:chExt cx="0" cy="0"/>
+        </a:xfrm>
+      </p:grpSpPr>
+      <p:pic>
+        <p:nvPicPr>
+          <p:cNvPr id="3" name="図 2">
+            <a:extLst>
+              <a:ext uri="{FF2B5EF4-FFF2-40B4-BE49-F238E27FC236}">
+                <a16:creationId xmlns:a16="http://schemas.microsoft.com/office/drawing/2014/main" id="{EA3C637E-1687-1DAD-A617-65DD4F8E3438}"/>
+              </a:ext>
+            </a:extLst>
+          </p:cNvPr>
+          <p:cNvPicPr>
+            <a:picLocks noChangeAspect="1"/>
+          </p:cNvPicPr>
+          <p:nvPr/>
+        </p:nvPicPr>
+        <p:blipFill>
+          <a:blip r:embed="rId2"/>
+          <a:stretch>
+            <a:fillRect/>
+          </a:stretch>
+        </p:blipFill>
+        <p:spPr>
+          <a:xfrm>
+            <a:off x="887925" y="2342506"/>
+            <a:ext cx="4707805" cy="1457954"/>
+          </a:xfrm>
+          <a:prstGeom prst="rect">
+            <a:avLst/>
+          </a:prstGeom>
+        </p:spPr>
+      </p:pic>
+      <p:pic>
+        <p:nvPicPr>
+          <p:cNvPr id="5" name="図 4">
+            <a:extLst>
+              <a:ext uri="{FF2B5EF4-FFF2-40B4-BE49-F238E27FC236}">
+                <a16:creationId xmlns:a16="http://schemas.microsoft.com/office/drawing/2014/main" id="{3A1EF1CB-2DEE-43A3-FD00-1D7B0C5FCE77}"/>
+              </a:ext>
+            </a:extLst>
+          </p:cNvPr>
+          <p:cNvPicPr>
+            <a:picLocks noChangeAspect="1"/>
+          </p:cNvPicPr>
+          <p:nvPr/>
+        </p:nvPicPr>
+        <p:blipFill>
+          <a:blip r:embed="rId3"/>
+          <a:stretch>
+            <a:fillRect/>
+          </a:stretch>
+        </p:blipFill>
+        <p:spPr>
+          <a:xfrm>
+            <a:off x="6096000" y="2342506"/>
+            <a:ext cx="4707805" cy="2182858"/>
+          </a:xfrm>
+          <a:prstGeom prst="rect">
+            <a:avLst/>
+          </a:prstGeom>
+        </p:spPr>
+      </p:pic>
+      <p:sp>
+        <p:nvSpPr>
+          <p:cNvPr id="6" name="四角形: 角を丸くする 5">
+            <a:extLst>
+              <a:ext uri="{FF2B5EF4-FFF2-40B4-BE49-F238E27FC236}">
+                <a16:creationId xmlns:a16="http://schemas.microsoft.com/office/drawing/2014/main" id="{7FE2D9A8-5A07-0F21-C72C-7972F7E4E60D}"/>
+              </a:ext>
+            </a:extLst>
+          </p:cNvPr>
+          <p:cNvSpPr/>
+          <p:nvPr/>
+        </p:nvSpPr>
+        <p:spPr>
+          <a:xfrm>
+            <a:off x="1301040" y="2935399"/>
+            <a:ext cx="1104230" cy="145731"/>
+          </a:xfrm>
+          <a:prstGeom prst="roundRect">
+            <a:avLst>
+              <a:gd name="adj" fmla="val 4167"/>
+            </a:avLst>
+          </a:prstGeom>
+          <a:noFill/>
+          <a:ln>
+            <a:solidFill>
+              <a:srgbClr val="FF6F61"/>
+            </a:solidFill>
+          </a:ln>
+        </p:spPr>
+        <p:style>
+          <a:lnRef idx="2">
+            <a:schemeClr val="accent1">
+              <a:shade val="50000"/>
+            </a:schemeClr>
+          </a:lnRef>
+          <a:fillRef idx="1">
+            <a:schemeClr val="accent1"/>
+          </a:fillRef>
+          <a:effectRef idx="0">
+            <a:schemeClr val="accent1"/>
+          </a:effectRef>
+          <a:fontRef idx="minor">
+            <a:schemeClr val="lt1"/>
+          </a:fontRef>
+        </p:style>
+        <p:txBody>
+          <a:bodyPr rtlCol="0" anchor="ctr"/>
+          <a:lstStyle/>
+          <a:p>
+            <a:pPr algn="ctr"/>
+            <a:endParaRPr kumimoji="1" lang="ja-JP" altLang="en-US"/>
+          </a:p>
+        </p:txBody>
+      </p:sp>
+      <p:sp>
+        <p:nvSpPr>
+          <p:cNvPr id="7" name="四角形: 角を丸くする 6">
+            <a:extLst>
+              <a:ext uri="{FF2B5EF4-FFF2-40B4-BE49-F238E27FC236}">
+                <a16:creationId xmlns:a16="http://schemas.microsoft.com/office/drawing/2014/main" id="{C631669A-7BB2-45AC-0B80-62E2F8636007}"/>
+              </a:ext>
+            </a:extLst>
+          </p:cNvPr>
+          <p:cNvSpPr/>
+          <p:nvPr/>
+        </p:nvSpPr>
+        <p:spPr>
+          <a:xfrm>
+            <a:off x="8499597" y="3366073"/>
+            <a:ext cx="1104230" cy="145731"/>
+          </a:xfrm>
+          <a:prstGeom prst="roundRect">
+            <a:avLst>
+              <a:gd name="adj" fmla="val 4167"/>
+            </a:avLst>
+          </a:prstGeom>
+          <a:noFill/>
+          <a:ln>
+            <a:solidFill>
+              <a:srgbClr val="FF6F61"/>
+            </a:solidFill>
+          </a:ln>
+        </p:spPr>
+        <p:style>
+          <a:lnRef idx="2">
+            <a:schemeClr val="accent1">
+              <a:shade val="50000"/>
+            </a:schemeClr>
+          </a:lnRef>
+          <a:fillRef idx="1">
+            <a:schemeClr val="accent1"/>
+          </a:fillRef>
+          <a:effectRef idx="0">
+            <a:schemeClr val="accent1"/>
+          </a:effectRef>
+          <a:fontRef idx="minor">
+            <a:schemeClr val="lt1"/>
+          </a:fontRef>
+        </p:style>
+        <p:txBody>
+          <a:bodyPr rtlCol="0" anchor="ctr"/>
+          <a:lstStyle/>
+          <a:p>
+            <a:pPr algn="ctr"/>
+            <a:endParaRPr kumimoji="1" lang="ja-JP" altLang="en-US"/>
+          </a:p>
+        </p:txBody>
+      </p:sp>
+    </p:spTree>
+    <p:extLst>
+      <p:ext uri="{BB962C8B-B14F-4D97-AF65-F5344CB8AC3E}">
+        <p14:creationId xmlns:p14="http://schemas.microsoft.com/office/powerpoint/2010/main" val="1568118660"/>
+      </p:ext>
+    </p:extLst>
+  </p:cSld>
+  <p:clrMapOvr>
+    <a:masterClrMapping/>
+  </p:clrMapOvr>
+</p:sld>
+</file>
+
+<file path=ppt/slides/slide42.xml><?xml version="1.0" encoding="utf-8"?>
+<p:sld xmlns:a="http://schemas.openxmlformats.org/drawingml/2006/main" xmlns:r="http://schemas.openxmlformats.org/officeDocument/2006/relationships" xmlns:p="http://schemas.openxmlformats.org/presentationml/2006/main">
+  <p:cSld>
+    <p:spTree>
+      <p:nvGrpSpPr>
+        <p:cNvPr id="1" name=""/>
+        <p:cNvGrpSpPr/>
+        <p:nvPr/>
+      </p:nvGrpSpPr>
+      <p:grpSpPr>
+        <a:xfrm>
+          <a:off x="0" y="0"/>
+          <a:ext cx="0" cy="0"/>
+          <a:chOff x="0" y="0"/>
+          <a:chExt cx="0" cy="0"/>
+        </a:xfrm>
+      </p:grpSpPr>
+      <p:pic>
+        <p:nvPicPr>
+          <p:cNvPr id="3" name="図 2">
+            <a:extLst>
+              <a:ext uri="{FF2B5EF4-FFF2-40B4-BE49-F238E27FC236}">
+                <a16:creationId xmlns:a16="http://schemas.microsoft.com/office/drawing/2014/main" id="{A2C41A96-2F01-3053-B4B2-76B486403028}"/>
+              </a:ext>
+            </a:extLst>
+          </p:cNvPr>
+          <p:cNvPicPr>
+            <a:picLocks noChangeAspect="1"/>
+          </p:cNvPicPr>
+          <p:nvPr/>
+        </p:nvPicPr>
+        <p:blipFill>
+          <a:blip r:embed="rId2"/>
+          <a:stretch>
+            <a:fillRect/>
+          </a:stretch>
+        </p:blipFill>
+        <p:spPr>
+          <a:xfrm>
+            <a:off x="1654783" y="866419"/>
+            <a:ext cx="4441217" cy="1458675"/>
+          </a:xfrm>
+          <a:prstGeom prst="rect">
+            <a:avLst/>
+          </a:prstGeom>
+        </p:spPr>
+      </p:pic>
+      <p:pic>
+        <p:nvPicPr>
+          <p:cNvPr id="5" name="図 4">
+            <a:extLst>
+              <a:ext uri="{FF2B5EF4-FFF2-40B4-BE49-F238E27FC236}">
+                <a16:creationId xmlns:a16="http://schemas.microsoft.com/office/drawing/2014/main" id="{792AB578-EB1C-5F6D-F446-92D1ABD12490}"/>
+              </a:ext>
+            </a:extLst>
+          </p:cNvPr>
+          <p:cNvPicPr>
+            <a:picLocks noChangeAspect="1"/>
+          </p:cNvPicPr>
+          <p:nvPr/>
+        </p:nvPicPr>
+        <p:blipFill>
+          <a:blip r:embed="rId3"/>
+          <a:stretch>
+            <a:fillRect/>
+          </a:stretch>
+        </p:blipFill>
+        <p:spPr>
+          <a:xfrm>
+            <a:off x="1646634" y="3429000"/>
+            <a:ext cx="4449366" cy="2216534"/>
+          </a:xfrm>
+          <a:prstGeom prst="rect">
+            <a:avLst/>
+          </a:prstGeom>
+        </p:spPr>
+      </p:pic>
+      <p:pic>
+        <p:nvPicPr>
+          <p:cNvPr id="7" name="図 6">
+            <a:extLst>
+              <a:ext uri="{FF2B5EF4-FFF2-40B4-BE49-F238E27FC236}">
+                <a16:creationId xmlns:a16="http://schemas.microsoft.com/office/drawing/2014/main" id="{82C624A1-F6A2-F502-28B0-1D480638F592}"/>
+              </a:ext>
+            </a:extLst>
+          </p:cNvPr>
+          <p:cNvPicPr>
+            <a:picLocks noChangeAspect="1"/>
+          </p:cNvPicPr>
+          <p:nvPr/>
+        </p:nvPicPr>
+        <p:blipFill>
+          <a:blip r:embed="rId4"/>
+          <a:stretch>
+            <a:fillRect/>
+          </a:stretch>
+        </p:blipFill>
+        <p:spPr>
+          <a:xfrm>
+            <a:off x="7306604" y="866419"/>
+            <a:ext cx="3846338" cy="3300354"/>
+          </a:xfrm>
+          <a:prstGeom prst="rect">
+            <a:avLst/>
+          </a:prstGeom>
+        </p:spPr>
+      </p:pic>
+      <p:cxnSp>
+        <p:nvCxnSpPr>
+          <p:cNvPr id="11" name="直線矢印コネクタ 24">
+            <a:extLst>
+              <a:ext uri="{FF2B5EF4-FFF2-40B4-BE49-F238E27FC236}">
+                <a16:creationId xmlns:a16="http://schemas.microsoft.com/office/drawing/2014/main" id="{4703AAB5-B942-F637-9B65-4B24A504C0FE}"/>
+              </a:ext>
+            </a:extLst>
+          </p:cNvPr>
+          <p:cNvCxnSpPr>
+            <a:cxnSpLocks/>
+          </p:cNvCxnSpPr>
+          <p:nvPr/>
+        </p:nvCxnSpPr>
+        <p:spPr>
+          <a:xfrm flipV="1">
+            <a:off x="2584174" y="1212466"/>
+            <a:ext cx="4722430" cy="179012"/>
+          </a:xfrm>
+          <a:prstGeom prst="straightConnector1">
+            <a:avLst/>
+          </a:prstGeom>
+          <a:ln w="12700">
+            <a:solidFill>
+              <a:srgbClr val="FF6F61"/>
+            </a:solidFill>
+            <a:tailEnd type="triangle"/>
+          </a:ln>
+        </p:spPr>
+        <p:style>
+          <a:lnRef idx="1">
+            <a:schemeClr val="accent1"/>
+          </a:lnRef>
+          <a:fillRef idx="0">
+            <a:schemeClr val="accent1"/>
+          </a:fillRef>
+          <a:effectRef idx="0">
+            <a:schemeClr val="accent1"/>
+          </a:effectRef>
+          <a:fontRef idx="minor">
+            <a:schemeClr val="tx1"/>
+          </a:fontRef>
+        </p:style>
+      </p:cxnSp>
+      <p:cxnSp>
+        <p:nvCxnSpPr>
+          <p:cNvPr id="14" name="直線矢印コネクタ 24">
+            <a:extLst>
+              <a:ext uri="{FF2B5EF4-FFF2-40B4-BE49-F238E27FC236}">
+                <a16:creationId xmlns:a16="http://schemas.microsoft.com/office/drawing/2014/main" id="{3CECE46F-4442-9879-95AE-B6F51C535311}"/>
+              </a:ext>
+            </a:extLst>
+          </p:cNvPr>
+          <p:cNvCxnSpPr>
+            <a:cxnSpLocks/>
+          </p:cNvCxnSpPr>
+          <p:nvPr/>
+        </p:nvCxnSpPr>
+        <p:spPr>
+          <a:xfrm flipH="1" flipV="1">
+            <a:off x="2653748" y="1600200"/>
+            <a:ext cx="1520687" cy="3031435"/>
+          </a:xfrm>
+          <a:prstGeom prst="straightConnector1">
+            <a:avLst/>
+          </a:prstGeom>
+          <a:ln w="12700">
+            <a:solidFill>
+              <a:schemeClr val="accent1"/>
+            </a:solidFill>
+            <a:tailEnd type="triangle"/>
+          </a:ln>
+        </p:spPr>
+        <p:style>
+          <a:lnRef idx="1">
+            <a:schemeClr val="accent1"/>
+          </a:lnRef>
+          <a:fillRef idx="0">
+            <a:schemeClr val="accent1"/>
+          </a:fillRef>
+          <a:effectRef idx="0">
+            <a:schemeClr val="accent1"/>
+          </a:effectRef>
+          <a:fontRef idx="minor">
+            <a:schemeClr val="tx1"/>
+          </a:fontRef>
+        </p:style>
+      </p:cxnSp>
+      <p:cxnSp>
+        <p:nvCxnSpPr>
+          <p:cNvPr id="17" name="直線矢印コネクタ 24">
+            <a:extLst>
+              <a:ext uri="{FF2B5EF4-FFF2-40B4-BE49-F238E27FC236}">
+                <a16:creationId xmlns:a16="http://schemas.microsoft.com/office/drawing/2014/main" id="{858301B6-AAF5-D0C1-C636-0300EBCBEE38}"/>
+              </a:ext>
+            </a:extLst>
+          </p:cNvPr>
+          <p:cNvCxnSpPr>
+            <a:cxnSpLocks/>
+          </p:cNvCxnSpPr>
+          <p:nvPr/>
+        </p:nvCxnSpPr>
+        <p:spPr>
+          <a:xfrm>
+            <a:off x="3120887" y="1530626"/>
+            <a:ext cx="5774635" cy="2047461"/>
+          </a:xfrm>
+          <a:prstGeom prst="straightConnector1">
+            <a:avLst/>
+          </a:prstGeom>
+          <a:ln w="12700">
+            <a:solidFill>
+              <a:schemeClr val="accent1"/>
+            </a:solidFill>
+            <a:tailEnd type="triangle"/>
+          </a:ln>
+        </p:spPr>
+        <p:style>
+          <a:lnRef idx="1">
+            <a:schemeClr val="accent1"/>
+          </a:lnRef>
+          <a:fillRef idx="0">
+            <a:schemeClr val="accent1"/>
+          </a:fillRef>
+          <a:effectRef idx="0">
+            <a:schemeClr val="accent1"/>
+          </a:effectRef>
+          <a:fontRef idx="minor">
+            <a:schemeClr val="tx1"/>
+          </a:fontRef>
+        </p:style>
+      </p:cxnSp>
+    </p:spTree>
+    <p:extLst>
+      <p:ext uri="{BB962C8B-B14F-4D97-AF65-F5344CB8AC3E}">
+        <p14:creationId xmlns:p14="http://schemas.microsoft.com/office/powerpoint/2010/main" val="371911365"/>
+      </p:ext>
+    </p:extLst>
+  </p:cSld>
+  <p:clrMapOvr>
+    <a:masterClrMapping/>
+  </p:clrMapOvr>
+</p:sld>
+</file>
+
+<file path=ppt/slides/slide43.xml><?xml version="1.0" encoding="utf-8"?>
+<p:sld xmlns:a="http://schemas.openxmlformats.org/drawingml/2006/main" xmlns:r="http://schemas.openxmlformats.org/officeDocument/2006/relationships" xmlns:p="http://schemas.openxmlformats.org/presentationml/2006/main">
+  <p:cSld>
+    <p:spTree>
+      <p:nvGrpSpPr>
+        <p:cNvPr id="1" name=""/>
+        <p:cNvGrpSpPr/>
+        <p:nvPr/>
+      </p:nvGrpSpPr>
+      <p:grpSpPr>
+        <a:xfrm>
+          <a:off x="0" y="0"/>
+          <a:ext cx="0" cy="0"/>
+          <a:chOff x="0" y="0"/>
+          <a:chExt cx="0" cy="0"/>
+        </a:xfrm>
+      </p:grpSpPr>
+      <p:pic>
+        <p:nvPicPr>
+          <p:cNvPr id="3" name="図 2">
+            <a:extLst>
+              <a:ext uri="{FF2B5EF4-FFF2-40B4-BE49-F238E27FC236}">
+                <a16:creationId xmlns:a16="http://schemas.microsoft.com/office/drawing/2014/main" id="{AC2336E2-298C-2313-EC6D-C1A469513FEC}"/>
+              </a:ext>
+            </a:extLst>
+          </p:cNvPr>
+          <p:cNvPicPr>
+            <a:picLocks noChangeAspect="1"/>
+          </p:cNvPicPr>
+          <p:nvPr/>
+        </p:nvPicPr>
+        <p:blipFill>
+          <a:blip r:embed="rId2"/>
+          <a:stretch>
+            <a:fillRect/>
+          </a:stretch>
+        </p:blipFill>
+        <p:spPr>
+          <a:xfrm>
+            <a:off x="1739348" y="1608528"/>
+            <a:ext cx="4556834" cy="1182944"/>
+          </a:xfrm>
+          <a:prstGeom prst="rect">
+            <a:avLst/>
+          </a:prstGeom>
+        </p:spPr>
+      </p:pic>
+      <p:pic>
+        <p:nvPicPr>
+          <p:cNvPr id="5" name="図 4">
+            <a:extLst>
+              <a:ext uri="{FF2B5EF4-FFF2-40B4-BE49-F238E27FC236}">
+                <a16:creationId xmlns:a16="http://schemas.microsoft.com/office/drawing/2014/main" id="{B0C7380C-63C9-A8C9-A51A-C105A986E39F}"/>
+              </a:ext>
+            </a:extLst>
+          </p:cNvPr>
+          <p:cNvPicPr>
+            <a:picLocks noChangeAspect="1"/>
+          </p:cNvPicPr>
+          <p:nvPr/>
+        </p:nvPicPr>
+        <p:blipFill>
+          <a:blip r:embed="rId3"/>
+          <a:stretch>
+            <a:fillRect/>
+          </a:stretch>
+        </p:blipFill>
+        <p:spPr>
+          <a:xfrm>
+            <a:off x="7149002" y="1608528"/>
+            <a:ext cx="3923709" cy="3090650"/>
+          </a:xfrm>
+          <a:prstGeom prst="rect">
+            <a:avLst/>
+          </a:prstGeom>
+        </p:spPr>
+      </p:pic>
+      <p:cxnSp>
+        <p:nvCxnSpPr>
+          <p:cNvPr id="6" name="直線矢印コネクタ 24">
+            <a:extLst>
+              <a:ext uri="{FF2B5EF4-FFF2-40B4-BE49-F238E27FC236}">
+                <a16:creationId xmlns:a16="http://schemas.microsoft.com/office/drawing/2014/main" id="{D19BAA83-5958-B8DD-D505-B4BF2362580C}"/>
+              </a:ext>
+            </a:extLst>
+          </p:cNvPr>
+          <p:cNvCxnSpPr>
+            <a:cxnSpLocks/>
+          </p:cNvCxnSpPr>
+          <p:nvPr/>
+        </p:nvCxnSpPr>
+        <p:spPr>
+          <a:xfrm flipV="1">
+            <a:off x="2733261" y="1958009"/>
+            <a:ext cx="4415741" cy="208721"/>
+          </a:xfrm>
+          <a:prstGeom prst="straightConnector1">
+            <a:avLst/>
+          </a:prstGeom>
+          <a:ln w="12700">
+            <a:solidFill>
+              <a:srgbClr val="FF6F61"/>
+            </a:solidFill>
+            <a:tailEnd type="triangle"/>
+          </a:ln>
+        </p:spPr>
+        <p:style>
+          <a:lnRef idx="1">
+            <a:schemeClr val="accent1"/>
+          </a:lnRef>
+          <a:fillRef idx="0">
+            <a:schemeClr val="accent1"/>
+          </a:fillRef>
+          <a:effectRef idx="0">
+            <a:schemeClr val="accent1"/>
+          </a:effectRef>
+          <a:fontRef idx="minor">
+            <a:schemeClr val="tx1"/>
+          </a:fontRef>
+        </p:style>
+      </p:cxnSp>
+      <p:sp>
+        <p:nvSpPr>
+          <p:cNvPr id="9" name="四角形: 角を丸くする 8">
+            <a:extLst>
+              <a:ext uri="{FF2B5EF4-FFF2-40B4-BE49-F238E27FC236}">
+                <a16:creationId xmlns:a16="http://schemas.microsoft.com/office/drawing/2014/main" id="{D7CD9FC9-FC8E-E51D-9BC0-232F5E4139BE}"/>
+              </a:ext>
+            </a:extLst>
+          </p:cNvPr>
+          <p:cNvSpPr/>
+          <p:nvPr/>
+        </p:nvSpPr>
+        <p:spPr>
+          <a:xfrm>
+            <a:off x="7261493" y="3458817"/>
+            <a:ext cx="3801279" cy="357809"/>
+          </a:xfrm>
+          <a:prstGeom prst="roundRect">
+            <a:avLst>
+              <a:gd name="adj" fmla="val 4167"/>
+            </a:avLst>
+          </a:prstGeom>
+          <a:noFill/>
+          <a:ln>
+            <a:solidFill>
+              <a:srgbClr val="FF6F61"/>
+            </a:solidFill>
+          </a:ln>
+        </p:spPr>
+        <p:style>
+          <a:lnRef idx="2">
+            <a:schemeClr val="accent1">
+              <a:shade val="50000"/>
+            </a:schemeClr>
+          </a:lnRef>
+          <a:fillRef idx="1">
+            <a:schemeClr val="accent1"/>
+          </a:fillRef>
+          <a:effectRef idx="0">
+            <a:schemeClr val="accent1"/>
+          </a:effectRef>
+          <a:fontRef idx="minor">
+            <a:schemeClr val="lt1"/>
+          </a:fontRef>
+        </p:style>
+        <p:txBody>
+          <a:bodyPr rtlCol="0" anchor="ctr"/>
+          <a:lstStyle/>
+          <a:p>
+            <a:pPr algn="ctr"/>
+            <a:endParaRPr kumimoji="1" lang="ja-JP" altLang="en-US"/>
+          </a:p>
+        </p:txBody>
+      </p:sp>
+    </p:spTree>
+    <p:extLst>
+      <p:ext uri="{BB962C8B-B14F-4D97-AF65-F5344CB8AC3E}">
+        <p14:creationId xmlns:p14="http://schemas.microsoft.com/office/powerpoint/2010/main" val="2800489593"/>
+      </p:ext>
+    </p:extLst>
+  </p:cSld>
+  <p:clrMapOvr>
+    <a:masterClrMapping/>
+  </p:clrMapOvr>
+</p:sld>
+</file>
+
+<file path=ppt/slides/slide44.xml><?xml version="1.0" encoding="utf-8"?>
+<p:sld xmlns:a="http://schemas.openxmlformats.org/drawingml/2006/main" xmlns:r="http://schemas.openxmlformats.org/officeDocument/2006/relationships" xmlns:p="http://schemas.openxmlformats.org/presentationml/2006/main">
+  <p:cSld>
+    <p:spTree>
+      <p:nvGrpSpPr>
+        <p:cNvPr id="1" name=""/>
+        <p:cNvGrpSpPr/>
+        <p:nvPr/>
+      </p:nvGrpSpPr>
+      <p:grpSpPr>
+        <a:xfrm>
+          <a:off x="0" y="0"/>
+          <a:ext cx="0" cy="0"/>
+          <a:chOff x="0" y="0"/>
+          <a:chExt cx="0" cy="0"/>
+        </a:xfrm>
+      </p:grpSpPr>
+      <p:pic>
+        <p:nvPicPr>
+          <p:cNvPr id="3" name="図 2">
+            <a:extLst>
+              <a:ext uri="{FF2B5EF4-FFF2-40B4-BE49-F238E27FC236}">
+                <a16:creationId xmlns:a16="http://schemas.microsoft.com/office/drawing/2014/main" id="{1AC92B0D-151A-B276-9E4B-B735D95D0329}"/>
+              </a:ext>
+            </a:extLst>
+          </p:cNvPr>
+          <p:cNvPicPr>
+            <a:picLocks noChangeAspect="1"/>
+          </p:cNvPicPr>
+          <p:nvPr/>
+        </p:nvPicPr>
+        <p:blipFill>
+          <a:blip r:embed="rId2"/>
+          <a:stretch>
+            <a:fillRect/>
+          </a:stretch>
+        </p:blipFill>
+        <p:spPr>
+          <a:xfrm>
+            <a:off x="563236" y="2285597"/>
+            <a:ext cx="2876229" cy="2965455"/>
+          </a:xfrm>
+          <a:prstGeom prst="rect">
+            <a:avLst/>
+          </a:prstGeom>
+        </p:spPr>
+      </p:pic>
+      <p:pic>
+        <p:nvPicPr>
+          <p:cNvPr id="5" name="図 4">
+            <a:extLst>
+              <a:ext uri="{FF2B5EF4-FFF2-40B4-BE49-F238E27FC236}">
+                <a16:creationId xmlns:a16="http://schemas.microsoft.com/office/drawing/2014/main" id="{718DCC0A-618D-E44B-1E3E-BA3EAB54463F}"/>
+              </a:ext>
+            </a:extLst>
+          </p:cNvPr>
+          <p:cNvPicPr>
+            <a:picLocks noChangeAspect="1"/>
+          </p:cNvPicPr>
+          <p:nvPr/>
+        </p:nvPicPr>
+        <p:blipFill>
+          <a:blip r:embed="rId3"/>
+          <a:stretch>
+            <a:fillRect/>
+          </a:stretch>
+        </p:blipFill>
+        <p:spPr>
+          <a:xfrm>
+            <a:off x="3834536" y="2285597"/>
+            <a:ext cx="2865732" cy="2965455"/>
+          </a:xfrm>
+          <a:prstGeom prst="rect">
+            <a:avLst/>
+          </a:prstGeom>
+        </p:spPr>
+      </p:pic>
+      <p:pic>
+        <p:nvPicPr>
+          <p:cNvPr id="4" name="図 3">
+            <a:extLst>
+              <a:ext uri="{FF2B5EF4-FFF2-40B4-BE49-F238E27FC236}">
+                <a16:creationId xmlns:a16="http://schemas.microsoft.com/office/drawing/2014/main" id="{805C5683-2AEA-42DA-818A-550A60DA32EC}"/>
+              </a:ext>
+            </a:extLst>
+          </p:cNvPr>
+          <p:cNvPicPr>
+            <a:picLocks noChangeAspect="1"/>
+          </p:cNvPicPr>
+          <p:nvPr/>
+        </p:nvPicPr>
+        <p:blipFill>
+          <a:blip r:embed="rId4"/>
+          <a:stretch>
+            <a:fillRect/>
+          </a:stretch>
+        </p:blipFill>
+        <p:spPr>
+          <a:xfrm>
+            <a:off x="563236" y="442229"/>
+            <a:ext cx="4068398" cy="1321887"/>
+          </a:xfrm>
+          <a:prstGeom prst="rect">
+            <a:avLst/>
+          </a:prstGeom>
+        </p:spPr>
+      </p:pic>
+      <p:pic>
+        <p:nvPicPr>
+          <p:cNvPr id="7" name="図 6">
+            <a:extLst>
+              <a:ext uri="{FF2B5EF4-FFF2-40B4-BE49-F238E27FC236}">
+                <a16:creationId xmlns:a16="http://schemas.microsoft.com/office/drawing/2014/main" id="{76302A94-EE14-B81C-ACA1-93F7B55767AC}"/>
+              </a:ext>
+            </a:extLst>
+          </p:cNvPr>
+          <p:cNvPicPr>
+            <a:picLocks noChangeAspect="1"/>
+          </p:cNvPicPr>
+          <p:nvPr/>
+        </p:nvPicPr>
+        <p:blipFill>
+          <a:blip r:embed="rId5"/>
+          <a:stretch>
+            <a:fillRect/>
+          </a:stretch>
+        </p:blipFill>
+        <p:spPr>
+          <a:xfrm>
+            <a:off x="7095339" y="2285597"/>
+            <a:ext cx="2865732" cy="2965455"/>
+          </a:xfrm>
+          <a:prstGeom prst="rect">
+            <a:avLst/>
+          </a:prstGeom>
+        </p:spPr>
+      </p:pic>
+      <p:cxnSp>
+        <p:nvCxnSpPr>
+          <p:cNvPr id="8" name="直線矢印コネクタ 24">
+            <a:extLst>
+              <a:ext uri="{FF2B5EF4-FFF2-40B4-BE49-F238E27FC236}">
+                <a16:creationId xmlns:a16="http://schemas.microsoft.com/office/drawing/2014/main" id="{428075EE-3838-6D40-31A9-CC31F658BC15}"/>
+              </a:ext>
+            </a:extLst>
+          </p:cNvPr>
+          <p:cNvCxnSpPr>
+            <a:cxnSpLocks/>
+          </p:cNvCxnSpPr>
+          <p:nvPr/>
+        </p:nvCxnSpPr>
+        <p:spPr>
+          <a:xfrm flipH="1">
+            <a:off x="2846567" y="922351"/>
+            <a:ext cx="1129085" cy="1363246"/>
+          </a:xfrm>
+          <a:prstGeom prst="straightConnector1">
+            <a:avLst/>
+          </a:prstGeom>
+          <a:ln w="12700">
+            <a:solidFill>
+              <a:srgbClr val="FF6F61"/>
+            </a:solidFill>
+            <a:tailEnd type="triangle"/>
+          </a:ln>
+        </p:spPr>
+        <p:style>
+          <a:lnRef idx="1">
+            <a:schemeClr val="accent1"/>
+          </a:lnRef>
+          <a:fillRef idx="0">
+            <a:schemeClr val="accent1"/>
+          </a:fillRef>
+          <a:effectRef idx="0">
+            <a:schemeClr val="accent1"/>
+          </a:effectRef>
+          <a:fontRef idx="minor">
+            <a:schemeClr val="tx1"/>
+          </a:fontRef>
+        </p:style>
+      </p:cxnSp>
+      <p:cxnSp>
+        <p:nvCxnSpPr>
+          <p:cNvPr id="11" name="直線矢印コネクタ 24">
+            <a:extLst>
+              <a:ext uri="{FF2B5EF4-FFF2-40B4-BE49-F238E27FC236}">
+                <a16:creationId xmlns:a16="http://schemas.microsoft.com/office/drawing/2014/main" id="{79471CF3-CF0C-0458-A860-19B939008036}"/>
+              </a:ext>
+            </a:extLst>
+          </p:cNvPr>
+          <p:cNvCxnSpPr>
+            <a:cxnSpLocks/>
+            <a:stCxn id="35" idx="3"/>
+          </p:cNvCxnSpPr>
+          <p:nvPr/>
+        </p:nvCxnSpPr>
+        <p:spPr>
+          <a:xfrm>
+            <a:off x="2480862" y="2659449"/>
+            <a:ext cx="1429643" cy="373851"/>
+          </a:xfrm>
+          <a:prstGeom prst="straightConnector1">
+            <a:avLst/>
+          </a:prstGeom>
+          <a:ln w="12700">
+            <a:solidFill>
+              <a:srgbClr val="FF6F61"/>
+            </a:solidFill>
+            <a:tailEnd type="triangle"/>
+          </a:ln>
+        </p:spPr>
+        <p:style>
+          <a:lnRef idx="1">
+            <a:schemeClr val="accent1"/>
+          </a:lnRef>
+          <a:fillRef idx="0">
+            <a:schemeClr val="accent1"/>
+          </a:fillRef>
+          <a:effectRef idx="0">
+            <a:schemeClr val="accent1"/>
+          </a:effectRef>
+          <a:fontRef idx="minor">
+            <a:schemeClr val="tx1"/>
+          </a:fontRef>
+        </p:style>
+      </p:cxnSp>
+      <p:cxnSp>
+        <p:nvCxnSpPr>
+          <p:cNvPr id="14" name="直線矢印コネクタ 24">
+            <a:extLst>
+              <a:ext uri="{FF2B5EF4-FFF2-40B4-BE49-F238E27FC236}">
+                <a16:creationId xmlns:a16="http://schemas.microsoft.com/office/drawing/2014/main" id="{09A90C96-9EA4-2ADB-8A54-0CE0E2BA1333}"/>
+              </a:ext>
+            </a:extLst>
+          </p:cNvPr>
+          <p:cNvCxnSpPr>
+            <a:cxnSpLocks/>
+            <a:stCxn id="33" idx="3"/>
+          </p:cNvCxnSpPr>
+          <p:nvPr/>
+        </p:nvCxnSpPr>
+        <p:spPr>
+          <a:xfrm>
+            <a:off x="5746914" y="3699745"/>
+            <a:ext cx="1424394" cy="419031"/>
+          </a:xfrm>
+          <a:prstGeom prst="straightConnector1">
+            <a:avLst/>
+          </a:prstGeom>
+          <a:ln w="12700">
+            <a:solidFill>
+              <a:srgbClr val="FF6F61"/>
+            </a:solidFill>
+            <a:tailEnd type="triangle"/>
+          </a:ln>
+        </p:spPr>
+        <p:style>
+          <a:lnRef idx="1">
+            <a:schemeClr val="accent1"/>
+          </a:lnRef>
+          <a:fillRef idx="0">
+            <a:schemeClr val="accent1"/>
+          </a:fillRef>
+          <a:effectRef idx="0">
+            <a:schemeClr val="accent1"/>
+          </a:effectRef>
+          <a:fontRef idx="minor">
+            <a:schemeClr val="tx1"/>
+          </a:fontRef>
+        </p:style>
+      </p:cxnSp>
+      <p:sp>
+        <p:nvSpPr>
+          <p:cNvPr id="29" name="四角形: 角を丸くする 28">
+            <a:extLst>
+              <a:ext uri="{FF2B5EF4-FFF2-40B4-BE49-F238E27FC236}">
+                <a16:creationId xmlns:a16="http://schemas.microsoft.com/office/drawing/2014/main" id="{BD2A92AD-17C9-78B6-4AC3-72E8A42B3500}"/>
+              </a:ext>
+            </a:extLst>
+          </p:cNvPr>
+          <p:cNvSpPr/>
+          <p:nvPr/>
+        </p:nvSpPr>
+        <p:spPr>
+          <a:xfrm>
+            <a:off x="8051134" y="3307743"/>
+            <a:ext cx="959025" cy="137159"/>
+          </a:xfrm>
+          <a:prstGeom prst="roundRect">
+            <a:avLst>
+              <a:gd name="adj" fmla="val 4167"/>
+            </a:avLst>
+          </a:prstGeom>
+          <a:noFill/>
+          <a:ln>
+            <a:solidFill>
+              <a:srgbClr val="FF6F61"/>
+            </a:solidFill>
+          </a:ln>
+        </p:spPr>
+        <p:style>
+          <a:lnRef idx="2">
+            <a:schemeClr val="accent1">
+              <a:shade val="50000"/>
+            </a:schemeClr>
+          </a:lnRef>
+          <a:fillRef idx="1">
+            <a:schemeClr val="accent1"/>
+          </a:fillRef>
+          <a:effectRef idx="0">
+            <a:schemeClr val="accent1"/>
+          </a:effectRef>
+          <a:fontRef idx="minor">
+            <a:schemeClr val="lt1"/>
+          </a:fontRef>
+        </p:style>
+        <p:txBody>
+          <a:bodyPr rtlCol="0" anchor="ctr"/>
+          <a:lstStyle/>
+          <a:p>
+            <a:pPr algn="ctr"/>
+            <a:endParaRPr kumimoji="1" lang="ja-JP" altLang="en-US"/>
+          </a:p>
+        </p:txBody>
+      </p:sp>
+      <p:sp>
+        <p:nvSpPr>
+          <p:cNvPr id="30" name="四角形: 角を丸くする 29">
+            <a:extLst>
+              <a:ext uri="{FF2B5EF4-FFF2-40B4-BE49-F238E27FC236}">
+                <a16:creationId xmlns:a16="http://schemas.microsoft.com/office/drawing/2014/main" id="{D0360206-D5F3-D100-5CBE-669AE6F9C37D}"/>
+              </a:ext>
+            </a:extLst>
+          </p:cNvPr>
+          <p:cNvSpPr/>
+          <p:nvPr/>
+        </p:nvSpPr>
+        <p:spPr>
+          <a:xfrm>
+            <a:off x="8036555" y="4372957"/>
+            <a:ext cx="959025" cy="137159"/>
+          </a:xfrm>
+          <a:prstGeom prst="roundRect">
+            <a:avLst>
+              <a:gd name="adj" fmla="val 4167"/>
+            </a:avLst>
+          </a:prstGeom>
+          <a:noFill/>
+          <a:ln>
+            <a:solidFill>
+              <a:srgbClr val="FF6F61"/>
+            </a:solidFill>
+          </a:ln>
+        </p:spPr>
+        <p:style>
+          <a:lnRef idx="2">
+            <a:schemeClr val="accent1">
+              <a:shade val="50000"/>
+            </a:schemeClr>
+          </a:lnRef>
+          <a:fillRef idx="1">
+            <a:schemeClr val="accent1"/>
+          </a:fillRef>
+          <a:effectRef idx="0">
+            <a:schemeClr val="accent1"/>
+          </a:effectRef>
+          <a:fontRef idx="minor">
+            <a:schemeClr val="lt1"/>
+          </a:fontRef>
+        </p:style>
+        <p:txBody>
+          <a:bodyPr rtlCol="0" anchor="ctr"/>
+          <a:lstStyle/>
+          <a:p>
+            <a:pPr algn="ctr"/>
+            <a:endParaRPr kumimoji="1" lang="ja-JP" altLang="en-US"/>
+          </a:p>
+        </p:txBody>
+      </p:sp>
+      <p:sp>
+        <p:nvSpPr>
+          <p:cNvPr id="33" name="四角形: 角を丸くする 32">
+            <a:extLst>
+              <a:ext uri="{FF2B5EF4-FFF2-40B4-BE49-F238E27FC236}">
+                <a16:creationId xmlns:a16="http://schemas.microsoft.com/office/drawing/2014/main" id="{C938FF51-DD39-E67B-6B5D-087D9B342835}"/>
+              </a:ext>
+            </a:extLst>
+          </p:cNvPr>
+          <p:cNvSpPr/>
+          <p:nvPr/>
+        </p:nvSpPr>
+        <p:spPr>
+          <a:xfrm>
+            <a:off x="4787889" y="3631165"/>
+            <a:ext cx="959025" cy="137159"/>
+          </a:xfrm>
+          <a:prstGeom prst="roundRect">
+            <a:avLst>
+              <a:gd name="adj" fmla="val 4167"/>
+            </a:avLst>
+          </a:prstGeom>
+          <a:noFill/>
+          <a:ln>
+            <a:solidFill>
+              <a:srgbClr val="FF6F61"/>
+            </a:solidFill>
+          </a:ln>
+        </p:spPr>
+        <p:style>
+          <a:lnRef idx="2">
+            <a:schemeClr val="accent1">
+              <a:shade val="50000"/>
+            </a:schemeClr>
+          </a:lnRef>
+          <a:fillRef idx="1">
+            <a:schemeClr val="accent1"/>
+          </a:fillRef>
+          <a:effectRef idx="0">
+            <a:schemeClr val="accent1"/>
+          </a:effectRef>
+          <a:fontRef idx="minor">
+            <a:schemeClr val="lt1"/>
+          </a:fontRef>
+        </p:style>
+        <p:txBody>
+          <a:bodyPr rtlCol="0" anchor="ctr"/>
+          <a:lstStyle/>
+          <a:p>
+            <a:pPr algn="ctr"/>
+            <a:endParaRPr kumimoji="1" lang="ja-JP" altLang="en-US"/>
+          </a:p>
+        </p:txBody>
+      </p:sp>
+      <p:sp>
+        <p:nvSpPr>
+          <p:cNvPr id="35" name="四角形: 角を丸くする 34">
+            <a:extLst>
+              <a:ext uri="{FF2B5EF4-FFF2-40B4-BE49-F238E27FC236}">
+                <a16:creationId xmlns:a16="http://schemas.microsoft.com/office/drawing/2014/main" id="{182B67AA-9E7D-1771-059B-0F7C1105D34C}"/>
+              </a:ext>
+            </a:extLst>
+          </p:cNvPr>
+          <p:cNvSpPr/>
+          <p:nvPr/>
+        </p:nvSpPr>
+        <p:spPr>
+          <a:xfrm>
+            <a:off x="1521837" y="2590869"/>
+            <a:ext cx="959025" cy="137159"/>
+          </a:xfrm>
+          <a:prstGeom prst="roundRect">
+            <a:avLst>
+              <a:gd name="adj" fmla="val 4167"/>
+            </a:avLst>
+          </a:prstGeom>
+          <a:noFill/>
+          <a:ln>
+            <a:solidFill>
+              <a:srgbClr val="FF6F61"/>
+            </a:solidFill>
+          </a:ln>
+        </p:spPr>
+        <p:style>
+          <a:lnRef idx="2">
+            <a:schemeClr val="accent1">
+              <a:shade val="50000"/>
+            </a:schemeClr>
+          </a:lnRef>
+          <a:fillRef idx="1">
+            <a:schemeClr val="accent1"/>
+          </a:fillRef>
+          <a:effectRef idx="0">
+            <a:schemeClr val="accent1"/>
+          </a:effectRef>
+          <a:fontRef idx="minor">
+            <a:schemeClr val="lt1"/>
+          </a:fontRef>
+        </p:style>
+        <p:txBody>
+          <a:bodyPr rtlCol="0" anchor="ctr"/>
+          <a:lstStyle/>
+          <a:p>
+            <a:pPr algn="ctr"/>
+            <a:endParaRPr kumimoji="1" lang="ja-JP" altLang="en-US"/>
+          </a:p>
+        </p:txBody>
+      </p:sp>
+      <p:pic>
+        <p:nvPicPr>
+          <p:cNvPr id="38" name="図 37">
+            <a:extLst>
+              <a:ext uri="{FF2B5EF4-FFF2-40B4-BE49-F238E27FC236}">
+                <a16:creationId xmlns:a16="http://schemas.microsoft.com/office/drawing/2014/main" id="{4752D869-D404-5450-4E26-B12EB8F42FF3}"/>
+              </a:ext>
+            </a:extLst>
+          </p:cNvPr>
+          <p:cNvPicPr>
+            <a:picLocks noChangeAspect="1"/>
+          </p:cNvPicPr>
+          <p:nvPr/>
+        </p:nvPicPr>
+        <p:blipFill>
+          <a:blip r:embed="rId6"/>
+          <a:stretch>
+            <a:fillRect/>
+          </a:stretch>
+        </p:blipFill>
+        <p:spPr>
+          <a:xfrm>
+            <a:off x="10432111" y="2282024"/>
+            <a:ext cx="1420065" cy="1146976"/>
+          </a:xfrm>
+          <a:prstGeom prst="rect">
+            <a:avLst/>
+          </a:prstGeom>
+        </p:spPr>
+      </p:pic>
+      <p:pic>
+        <p:nvPicPr>
+          <p:cNvPr id="39" name="図 38">
+            <a:extLst>
+              <a:ext uri="{FF2B5EF4-FFF2-40B4-BE49-F238E27FC236}">
+                <a16:creationId xmlns:a16="http://schemas.microsoft.com/office/drawing/2014/main" id="{3E4CF624-4167-7C12-0012-102F4F977FA9}"/>
+              </a:ext>
+            </a:extLst>
+          </p:cNvPr>
+          <p:cNvPicPr>
+            <a:picLocks noChangeAspect="1"/>
+          </p:cNvPicPr>
+          <p:nvPr/>
+        </p:nvPicPr>
+        <p:blipFill>
+          <a:blip r:embed="rId6"/>
+          <a:stretch>
+            <a:fillRect/>
+          </a:stretch>
+        </p:blipFill>
+        <p:spPr>
+          <a:xfrm>
+            <a:off x="10432111" y="3768324"/>
+            <a:ext cx="1420065" cy="1146976"/>
+          </a:xfrm>
+          <a:prstGeom prst="rect">
+            <a:avLst/>
+          </a:prstGeom>
+        </p:spPr>
+      </p:pic>
+      <p:cxnSp>
+        <p:nvCxnSpPr>
+          <p:cNvPr id="40" name="直線矢印コネクタ 24">
+            <a:extLst>
+              <a:ext uri="{FF2B5EF4-FFF2-40B4-BE49-F238E27FC236}">
+                <a16:creationId xmlns:a16="http://schemas.microsoft.com/office/drawing/2014/main" id="{B8A8B857-55FD-A227-99C4-B3030701CC3D}"/>
+              </a:ext>
+            </a:extLst>
+          </p:cNvPr>
+          <p:cNvCxnSpPr>
+            <a:cxnSpLocks/>
+            <a:stCxn id="29" idx="3"/>
+            <a:endCxn id="38" idx="1"/>
+          </p:cNvCxnSpPr>
+          <p:nvPr/>
+        </p:nvCxnSpPr>
+        <p:spPr>
+          <a:xfrm flipV="1">
+            <a:off x="9010159" y="2855512"/>
+            <a:ext cx="1421952" cy="520811"/>
+          </a:xfrm>
+          <a:prstGeom prst="straightConnector1">
+            <a:avLst/>
+          </a:prstGeom>
+          <a:ln w="12700">
+            <a:solidFill>
+              <a:srgbClr val="FF6F61"/>
+            </a:solidFill>
+            <a:tailEnd type="triangle"/>
+          </a:ln>
+        </p:spPr>
+        <p:style>
+          <a:lnRef idx="1">
+            <a:schemeClr val="accent1"/>
+          </a:lnRef>
+          <a:fillRef idx="0">
+            <a:schemeClr val="accent1"/>
+          </a:fillRef>
+          <a:effectRef idx="0">
+            <a:schemeClr val="accent1"/>
+          </a:effectRef>
+          <a:fontRef idx="minor">
+            <a:schemeClr val="tx1"/>
+          </a:fontRef>
+        </p:style>
+      </p:cxnSp>
+      <p:cxnSp>
+        <p:nvCxnSpPr>
+          <p:cNvPr id="43" name="直線矢印コネクタ 24">
+            <a:extLst>
+              <a:ext uri="{FF2B5EF4-FFF2-40B4-BE49-F238E27FC236}">
+                <a16:creationId xmlns:a16="http://schemas.microsoft.com/office/drawing/2014/main" id="{9832DB6C-5D6C-AFD9-0467-ED3F36076024}"/>
+              </a:ext>
+            </a:extLst>
+          </p:cNvPr>
+          <p:cNvCxnSpPr>
+            <a:cxnSpLocks/>
+            <a:stCxn id="30" idx="3"/>
+            <a:endCxn id="39" idx="1"/>
+          </p:cNvCxnSpPr>
+          <p:nvPr/>
+        </p:nvCxnSpPr>
+        <p:spPr>
+          <a:xfrm flipV="1">
+            <a:off x="8995580" y="4341812"/>
+            <a:ext cx="1436531" cy="99725"/>
+          </a:xfrm>
+          <a:prstGeom prst="straightConnector1">
+            <a:avLst/>
+          </a:prstGeom>
+          <a:ln w="12700">
+            <a:solidFill>
+              <a:srgbClr val="FF6F61"/>
+            </a:solidFill>
+            <a:tailEnd type="triangle"/>
+          </a:ln>
+        </p:spPr>
+        <p:style>
+          <a:lnRef idx="1">
+            <a:schemeClr val="accent1"/>
+          </a:lnRef>
+          <a:fillRef idx="0">
+            <a:schemeClr val="accent1"/>
+          </a:fillRef>
+          <a:effectRef idx="0">
+            <a:schemeClr val="accent1"/>
+          </a:effectRef>
+          <a:fontRef idx="minor">
+            <a:schemeClr val="tx1"/>
+          </a:fontRef>
+        </p:style>
+      </p:cxnSp>
+    </p:spTree>
+    <p:extLst>
+      <p:ext uri="{BB962C8B-B14F-4D97-AF65-F5344CB8AC3E}">
+        <p14:creationId xmlns:p14="http://schemas.microsoft.com/office/powerpoint/2010/main" val="2498763385"/>
+      </p:ext>
+    </p:extLst>
+  </p:cSld>
+  <p:clrMapOvr>
+    <a:masterClrMapping/>
+  </p:clrMapOvr>
+</p:sld>
+</file>
+
+<file path=ppt/slides/slide45.xml><?xml version="1.0" encoding="utf-8"?>
+<p:sld xmlns:a="http://schemas.openxmlformats.org/drawingml/2006/main" xmlns:r="http://schemas.openxmlformats.org/officeDocument/2006/relationships" xmlns:p="http://schemas.openxmlformats.org/presentationml/2006/main">
+  <p:cSld>
+    <p:spTree>
+      <p:nvGrpSpPr>
+        <p:cNvPr id="1" name=""/>
+        <p:cNvGrpSpPr/>
+        <p:nvPr/>
+      </p:nvGrpSpPr>
+      <p:grpSpPr>
+        <a:xfrm>
+          <a:off x="0" y="0"/>
+          <a:ext cx="0" cy="0"/>
+          <a:chOff x="0" y="0"/>
+          <a:chExt cx="0" cy="0"/>
+        </a:xfrm>
+      </p:grpSpPr>
+      <p:pic>
+        <p:nvPicPr>
+          <p:cNvPr id="3" name="図 2">
+            <a:extLst>
+              <a:ext uri="{FF2B5EF4-FFF2-40B4-BE49-F238E27FC236}">
+                <a16:creationId xmlns:a16="http://schemas.microsoft.com/office/drawing/2014/main" id="{11C4DE8A-15EF-5EFD-6766-AC80B23190E5}"/>
+              </a:ext>
+            </a:extLst>
+          </p:cNvPr>
+          <p:cNvPicPr>
+            <a:picLocks noChangeAspect="1"/>
+          </p:cNvPicPr>
+          <p:nvPr/>
+        </p:nvPicPr>
+        <p:blipFill>
+          <a:blip r:embed="rId2"/>
+          <a:stretch>
+            <a:fillRect/>
+          </a:stretch>
+        </p:blipFill>
+        <p:spPr>
+          <a:xfrm>
+            <a:off x="2449001" y="1246146"/>
+            <a:ext cx="7484828" cy="4050705"/>
+          </a:xfrm>
+          <a:prstGeom prst="rect">
+            <a:avLst/>
+          </a:prstGeom>
+        </p:spPr>
+      </p:pic>
+    </p:spTree>
+    <p:extLst>
+      <p:ext uri="{BB962C8B-B14F-4D97-AF65-F5344CB8AC3E}">
+        <p14:creationId xmlns:p14="http://schemas.microsoft.com/office/powerpoint/2010/main" val="4210685151"/>
       </p:ext>
     </p:extLst>
   </p:cSld>

--- a/work/work.pptx
+++ b/work/work.pptx
@@ -47,9 +47,10 @@
     <p:sldId id="299" r:id="rId41"/>
     <p:sldId id="300" r:id="rId42"/>
     <p:sldId id="303" r:id="rId43"/>
-    <p:sldId id="304" r:id="rId44"/>
-    <p:sldId id="301" r:id="rId45"/>
-    <p:sldId id="305" r:id="rId46"/>
+    <p:sldId id="306" r:id="rId44"/>
+    <p:sldId id="304" r:id="rId45"/>
+    <p:sldId id="301" r:id="rId46"/>
+    <p:sldId id="305" r:id="rId47"/>
   </p:sldIdLst>
   <p:sldSz cx="12192000" cy="6858000"/>
   <p:notesSz cx="6858000" cy="9144000"/>
@@ -17764,7 +17765,7 @@
           <p:cNvPr id="3" name="図 2">
             <a:extLst>
               <a:ext uri="{FF2B5EF4-FFF2-40B4-BE49-F238E27FC236}">
-                <a16:creationId xmlns:a16="http://schemas.microsoft.com/office/drawing/2014/main" id="{AC2336E2-298C-2313-EC6D-C1A469513FEC}"/>
+                <a16:creationId xmlns:a16="http://schemas.microsoft.com/office/drawing/2014/main" id="{3C5E23FD-33F0-9A9B-0DBF-B5A42812CE2C}"/>
               </a:ext>
             </a:extLst>
           </p:cNvPr>
@@ -17781,8 +17782,8 @@
         </p:blipFill>
         <p:spPr>
           <a:xfrm>
-            <a:off x="1739348" y="1608528"/>
-            <a:ext cx="4556834" cy="1182944"/>
+            <a:off x="1330896" y="3029619"/>
+            <a:ext cx="4486667" cy="2228125"/>
           </a:xfrm>
           <a:prstGeom prst="rect">
             <a:avLst/>
@@ -17794,7 +17795,7 @@
           <p:cNvPr id="5" name="図 4">
             <a:extLst>
               <a:ext uri="{FF2B5EF4-FFF2-40B4-BE49-F238E27FC236}">
-                <a16:creationId xmlns:a16="http://schemas.microsoft.com/office/drawing/2014/main" id="{B0C7380C-63C9-A8C9-A51A-C105A986E39F}"/>
+                <a16:creationId xmlns:a16="http://schemas.microsoft.com/office/drawing/2014/main" id="{7034DDB3-68E8-6AB7-E005-4E110B58020C}"/>
               </a:ext>
             </a:extLst>
           </p:cNvPr>
@@ -17811,8 +17812,8 @@
         </p:blipFill>
         <p:spPr>
           <a:xfrm>
-            <a:off x="7149002" y="1608528"/>
-            <a:ext cx="3923709" cy="3090650"/>
+            <a:off x="7317397" y="737000"/>
+            <a:ext cx="3543707" cy="5384000"/>
           </a:xfrm>
           <a:prstGeom prst="rect">
             <a:avLst/>
@@ -17824,7 +17825,7 @@
           <p:cNvPr id="6" name="直線矢印コネクタ 24">
             <a:extLst>
               <a:ext uri="{FF2B5EF4-FFF2-40B4-BE49-F238E27FC236}">
-                <a16:creationId xmlns:a16="http://schemas.microsoft.com/office/drawing/2014/main" id="{D19BAA83-5958-B8DD-D505-B4BF2362580C}"/>
+                <a16:creationId xmlns:a16="http://schemas.microsoft.com/office/drawing/2014/main" id="{C32BA5DA-9A20-68E1-7B5E-316AD822B415}"/>
               </a:ext>
             </a:extLst>
           </p:cNvPr>
@@ -17834,9 +17835,53 @@
           <p:nvPr/>
         </p:nvCxnSpPr>
         <p:spPr>
+          <a:xfrm>
+            <a:off x="4439653" y="4211053"/>
+            <a:ext cx="3176336" cy="709863"/>
+          </a:xfrm>
+          <a:prstGeom prst="straightConnector1">
+            <a:avLst/>
+          </a:prstGeom>
+          <a:ln w="12700">
+            <a:solidFill>
+              <a:schemeClr val="accent1"/>
+            </a:solidFill>
+            <a:tailEnd type="triangle"/>
+          </a:ln>
+        </p:spPr>
+        <p:style>
+          <a:lnRef idx="1">
+            <a:schemeClr val="accent1"/>
+          </a:lnRef>
+          <a:fillRef idx="0">
+            <a:schemeClr val="accent1"/>
+          </a:fillRef>
+          <a:effectRef idx="0">
+            <a:schemeClr val="accent1"/>
+          </a:effectRef>
+          <a:fontRef idx="minor">
+            <a:schemeClr val="tx1"/>
+          </a:fontRef>
+        </p:style>
+      </p:cxnSp>
+      <p:cxnSp>
+        <p:nvCxnSpPr>
+          <p:cNvPr id="9" name="直線矢印コネクタ 24">
+            <a:extLst>
+              <a:ext uri="{FF2B5EF4-FFF2-40B4-BE49-F238E27FC236}">
+                <a16:creationId xmlns:a16="http://schemas.microsoft.com/office/drawing/2014/main" id="{AFB68864-4267-4332-CCEE-5EEECC1C7BB2}"/>
+              </a:ext>
+            </a:extLst>
+          </p:cNvPr>
+          <p:cNvCxnSpPr>
+            <a:cxnSpLocks/>
+          </p:cNvCxnSpPr>
+          <p:nvPr/>
+        </p:nvCxnSpPr>
+        <p:spPr>
           <a:xfrm flipV="1">
-            <a:off x="2733261" y="1958009"/>
-            <a:ext cx="4415741" cy="208721"/>
+            <a:off x="4572000" y="1070811"/>
+            <a:ext cx="2745397" cy="2959768"/>
           </a:xfrm>
           <a:prstGeom prst="straightConnector1">
             <a:avLst/>
@@ -17863,64 +17908,10 @@
           </a:fontRef>
         </p:style>
       </p:cxnSp>
-      <p:sp>
-        <p:nvSpPr>
-          <p:cNvPr id="9" name="四角形: 角を丸くする 8">
-            <a:extLst>
-              <a:ext uri="{FF2B5EF4-FFF2-40B4-BE49-F238E27FC236}">
-                <a16:creationId xmlns:a16="http://schemas.microsoft.com/office/drawing/2014/main" id="{D7CD9FC9-FC8E-E51D-9BC0-232F5E4139BE}"/>
-              </a:ext>
-            </a:extLst>
-          </p:cNvPr>
-          <p:cNvSpPr/>
-          <p:nvPr/>
-        </p:nvSpPr>
-        <p:spPr>
-          <a:xfrm>
-            <a:off x="7261493" y="3458817"/>
-            <a:ext cx="3801279" cy="357809"/>
-          </a:xfrm>
-          <a:prstGeom prst="roundRect">
-            <a:avLst>
-              <a:gd name="adj" fmla="val 4167"/>
-            </a:avLst>
-          </a:prstGeom>
-          <a:noFill/>
-          <a:ln>
-            <a:solidFill>
-              <a:srgbClr val="FF6F61"/>
-            </a:solidFill>
-          </a:ln>
-        </p:spPr>
-        <p:style>
-          <a:lnRef idx="2">
-            <a:schemeClr val="accent1">
-              <a:shade val="50000"/>
-            </a:schemeClr>
-          </a:lnRef>
-          <a:fillRef idx="1">
-            <a:schemeClr val="accent1"/>
-          </a:fillRef>
-          <a:effectRef idx="0">
-            <a:schemeClr val="accent1"/>
-          </a:effectRef>
-          <a:fontRef idx="minor">
-            <a:schemeClr val="lt1"/>
-          </a:fontRef>
-        </p:style>
-        <p:txBody>
-          <a:bodyPr rtlCol="0" anchor="ctr"/>
-          <a:lstStyle/>
-          <a:p>
-            <a:pPr algn="ctr"/>
-            <a:endParaRPr kumimoji="1" lang="ja-JP" altLang="en-US"/>
-          </a:p>
-        </p:txBody>
-      </p:sp>
     </p:spTree>
     <p:extLst>
       <p:ext uri="{BB962C8B-B14F-4D97-AF65-F5344CB8AC3E}">
-        <p14:creationId xmlns:p14="http://schemas.microsoft.com/office/powerpoint/2010/main" val="2800489593"/>
+        <p14:creationId xmlns:p14="http://schemas.microsoft.com/office/powerpoint/2010/main" val="3430723378"/>
       </p:ext>
     </p:extLst>
   </p:cSld>
@@ -17952,6 +17943,194 @@
           <p:cNvPr id="3" name="図 2">
             <a:extLst>
               <a:ext uri="{FF2B5EF4-FFF2-40B4-BE49-F238E27FC236}">
+                <a16:creationId xmlns:a16="http://schemas.microsoft.com/office/drawing/2014/main" id="{AC2336E2-298C-2313-EC6D-C1A469513FEC}"/>
+              </a:ext>
+            </a:extLst>
+          </p:cNvPr>
+          <p:cNvPicPr>
+            <a:picLocks noChangeAspect="1"/>
+          </p:cNvPicPr>
+          <p:nvPr/>
+        </p:nvPicPr>
+        <p:blipFill>
+          <a:blip r:embed="rId2"/>
+          <a:stretch>
+            <a:fillRect/>
+          </a:stretch>
+        </p:blipFill>
+        <p:spPr>
+          <a:xfrm>
+            <a:off x="1739348" y="1608528"/>
+            <a:ext cx="4556834" cy="1182944"/>
+          </a:xfrm>
+          <a:prstGeom prst="rect">
+            <a:avLst/>
+          </a:prstGeom>
+        </p:spPr>
+      </p:pic>
+      <p:pic>
+        <p:nvPicPr>
+          <p:cNvPr id="5" name="図 4">
+            <a:extLst>
+              <a:ext uri="{FF2B5EF4-FFF2-40B4-BE49-F238E27FC236}">
+                <a16:creationId xmlns:a16="http://schemas.microsoft.com/office/drawing/2014/main" id="{B0C7380C-63C9-A8C9-A51A-C105A986E39F}"/>
+              </a:ext>
+            </a:extLst>
+          </p:cNvPr>
+          <p:cNvPicPr>
+            <a:picLocks noChangeAspect="1"/>
+          </p:cNvPicPr>
+          <p:nvPr/>
+        </p:nvPicPr>
+        <p:blipFill>
+          <a:blip r:embed="rId3"/>
+          <a:stretch>
+            <a:fillRect/>
+          </a:stretch>
+        </p:blipFill>
+        <p:spPr>
+          <a:xfrm>
+            <a:off x="7149002" y="1608528"/>
+            <a:ext cx="3923709" cy="3090650"/>
+          </a:xfrm>
+          <a:prstGeom prst="rect">
+            <a:avLst/>
+          </a:prstGeom>
+        </p:spPr>
+      </p:pic>
+      <p:cxnSp>
+        <p:nvCxnSpPr>
+          <p:cNvPr id="6" name="直線矢印コネクタ 24">
+            <a:extLst>
+              <a:ext uri="{FF2B5EF4-FFF2-40B4-BE49-F238E27FC236}">
+                <a16:creationId xmlns:a16="http://schemas.microsoft.com/office/drawing/2014/main" id="{D19BAA83-5958-B8DD-D505-B4BF2362580C}"/>
+              </a:ext>
+            </a:extLst>
+          </p:cNvPr>
+          <p:cNvCxnSpPr>
+            <a:cxnSpLocks/>
+          </p:cNvCxnSpPr>
+          <p:nvPr/>
+        </p:nvCxnSpPr>
+        <p:spPr>
+          <a:xfrm flipV="1">
+            <a:off x="2733261" y="1958009"/>
+            <a:ext cx="4415741" cy="208721"/>
+          </a:xfrm>
+          <a:prstGeom prst="straightConnector1">
+            <a:avLst/>
+          </a:prstGeom>
+          <a:ln w="12700">
+            <a:solidFill>
+              <a:srgbClr val="FF6F61"/>
+            </a:solidFill>
+            <a:tailEnd type="triangle"/>
+          </a:ln>
+        </p:spPr>
+        <p:style>
+          <a:lnRef idx="1">
+            <a:schemeClr val="accent1"/>
+          </a:lnRef>
+          <a:fillRef idx="0">
+            <a:schemeClr val="accent1"/>
+          </a:fillRef>
+          <a:effectRef idx="0">
+            <a:schemeClr val="accent1"/>
+          </a:effectRef>
+          <a:fontRef idx="minor">
+            <a:schemeClr val="tx1"/>
+          </a:fontRef>
+        </p:style>
+      </p:cxnSp>
+      <p:sp>
+        <p:nvSpPr>
+          <p:cNvPr id="9" name="四角形: 角を丸くする 8">
+            <a:extLst>
+              <a:ext uri="{FF2B5EF4-FFF2-40B4-BE49-F238E27FC236}">
+                <a16:creationId xmlns:a16="http://schemas.microsoft.com/office/drawing/2014/main" id="{D7CD9FC9-FC8E-E51D-9BC0-232F5E4139BE}"/>
+              </a:ext>
+            </a:extLst>
+          </p:cNvPr>
+          <p:cNvSpPr/>
+          <p:nvPr/>
+        </p:nvSpPr>
+        <p:spPr>
+          <a:xfrm>
+            <a:off x="7261493" y="3458817"/>
+            <a:ext cx="3801279" cy="357809"/>
+          </a:xfrm>
+          <a:prstGeom prst="roundRect">
+            <a:avLst>
+              <a:gd name="adj" fmla="val 4167"/>
+            </a:avLst>
+          </a:prstGeom>
+          <a:noFill/>
+          <a:ln>
+            <a:solidFill>
+              <a:srgbClr val="FF6F61"/>
+            </a:solidFill>
+          </a:ln>
+        </p:spPr>
+        <p:style>
+          <a:lnRef idx="2">
+            <a:schemeClr val="accent1">
+              <a:shade val="50000"/>
+            </a:schemeClr>
+          </a:lnRef>
+          <a:fillRef idx="1">
+            <a:schemeClr val="accent1"/>
+          </a:fillRef>
+          <a:effectRef idx="0">
+            <a:schemeClr val="accent1"/>
+          </a:effectRef>
+          <a:fontRef idx="minor">
+            <a:schemeClr val="lt1"/>
+          </a:fontRef>
+        </p:style>
+        <p:txBody>
+          <a:bodyPr rtlCol="0" anchor="ctr"/>
+          <a:lstStyle/>
+          <a:p>
+            <a:pPr algn="ctr"/>
+            <a:endParaRPr kumimoji="1" lang="ja-JP" altLang="en-US"/>
+          </a:p>
+        </p:txBody>
+      </p:sp>
+    </p:spTree>
+    <p:extLst>
+      <p:ext uri="{BB962C8B-B14F-4D97-AF65-F5344CB8AC3E}">
+        <p14:creationId xmlns:p14="http://schemas.microsoft.com/office/powerpoint/2010/main" val="2800489593"/>
+      </p:ext>
+    </p:extLst>
+  </p:cSld>
+  <p:clrMapOvr>
+    <a:masterClrMapping/>
+  </p:clrMapOvr>
+</p:sld>
+</file>
+
+<file path=ppt/slides/slide45.xml><?xml version="1.0" encoding="utf-8"?>
+<p:sld xmlns:a="http://schemas.openxmlformats.org/drawingml/2006/main" xmlns:r="http://schemas.openxmlformats.org/officeDocument/2006/relationships" xmlns:p="http://schemas.openxmlformats.org/presentationml/2006/main">
+  <p:cSld>
+    <p:spTree>
+      <p:nvGrpSpPr>
+        <p:cNvPr id="1" name=""/>
+        <p:cNvGrpSpPr/>
+        <p:nvPr/>
+      </p:nvGrpSpPr>
+      <p:grpSpPr>
+        <a:xfrm>
+          <a:off x="0" y="0"/>
+          <a:ext cx="0" cy="0"/>
+          <a:chOff x="0" y="0"/>
+          <a:chExt cx="0" cy="0"/>
+        </a:xfrm>
+      </p:grpSpPr>
+      <p:pic>
+        <p:nvPicPr>
+          <p:cNvPr id="3" name="図 2">
+            <a:extLst>
+              <a:ext uri="{FF2B5EF4-FFF2-40B4-BE49-F238E27FC236}">
                 <a16:creationId xmlns:a16="http://schemas.microsoft.com/office/drawing/2014/main" id="{1AC92B0D-151A-B276-9E4B-B735D95D0329}"/>
               </a:ext>
             </a:extLst>
@@ -18582,7 +18761,7 @@
 </p:sld>
 </file>
 
-<file path=ppt/slides/slide45.xml><?xml version="1.0" encoding="utf-8"?>
+<file path=ppt/slides/slide46.xml><?xml version="1.0" encoding="utf-8"?>
 <p:sld xmlns:a="http://schemas.openxmlformats.org/drawingml/2006/main" xmlns:r="http://schemas.openxmlformats.org/officeDocument/2006/relationships" xmlns:p="http://schemas.openxmlformats.org/presentationml/2006/main">
   <p:cSld>
     <p:spTree>

--- a/work/work.pptx
+++ b/work/work.pptx
@@ -40,6 +40,17 @@
     <p:sldId id="292" r:id="rId34"/>
     <p:sldId id="291" r:id="rId35"/>
     <p:sldId id="290" r:id="rId36"/>
+    <p:sldId id="296" r:id="rId37"/>
+    <p:sldId id="295" r:id="rId38"/>
+    <p:sldId id="297" r:id="rId39"/>
+    <p:sldId id="298" r:id="rId40"/>
+    <p:sldId id="299" r:id="rId41"/>
+    <p:sldId id="300" r:id="rId42"/>
+    <p:sldId id="303" r:id="rId43"/>
+    <p:sldId id="306" r:id="rId44"/>
+    <p:sldId id="304" r:id="rId45"/>
+    <p:sldId id="301" r:id="rId46"/>
+    <p:sldId id="305" r:id="rId47"/>
   </p:sldIdLst>
   <p:sldSz cx="12192000" cy="6858000"/>
   <p:notesSz cx="6858000" cy="9144000"/>
@@ -293,7 +304,7 @@
           <a:p>
             <a:fld id="{DADCA3C0-8A91-47C6-9688-037592343C81}" type="datetimeFigureOut">
               <a:rPr kumimoji="1" lang="ja-JP" altLang="en-US" smtClean="0"/>
-              <a:t>2022/12/6</a:t>
+              <a:t>2022/12/7</a:t>
             </a:fld>
             <a:endParaRPr kumimoji="1" lang="ja-JP" altLang="en-US"/>
           </a:p>
@@ -523,7 +534,7 @@
           <a:p>
             <a:fld id="{DADCA3C0-8A91-47C6-9688-037592343C81}" type="datetimeFigureOut">
               <a:rPr kumimoji="1" lang="ja-JP" altLang="en-US" smtClean="0"/>
-              <a:t>2022/12/6</a:t>
+              <a:t>2022/12/7</a:t>
             </a:fld>
             <a:endParaRPr kumimoji="1" lang="ja-JP" altLang="en-US"/>
           </a:p>
@@ -763,7 +774,7 @@
           <a:p>
             <a:fld id="{DADCA3C0-8A91-47C6-9688-037592343C81}" type="datetimeFigureOut">
               <a:rPr kumimoji="1" lang="ja-JP" altLang="en-US" smtClean="0"/>
-              <a:t>2022/12/6</a:t>
+              <a:t>2022/12/7</a:t>
             </a:fld>
             <a:endParaRPr kumimoji="1" lang="ja-JP" altLang="en-US"/>
           </a:p>
@@ -993,7 +1004,7 @@
           <a:p>
             <a:fld id="{DADCA3C0-8A91-47C6-9688-037592343C81}" type="datetimeFigureOut">
               <a:rPr kumimoji="1" lang="ja-JP" altLang="en-US" smtClean="0"/>
-              <a:t>2022/12/6</a:t>
+              <a:t>2022/12/7</a:t>
             </a:fld>
             <a:endParaRPr kumimoji="1" lang="ja-JP" altLang="en-US"/>
           </a:p>
@@ -1268,7 +1279,7 @@
           <a:p>
             <a:fld id="{DADCA3C0-8A91-47C6-9688-037592343C81}" type="datetimeFigureOut">
               <a:rPr kumimoji="1" lang="ja-JP" altLang="en-US" smtClean="0"/>
-              <a:t>2022/12/6</a:t>
+              <a:t>2022/12/7</a:t>
             </a:fld>
             <a:endParaRPr kumimoji="1" lang="ja-JP" altLang="en-US"/>
           </a:p>
@@ -1597,7 +1608,7 @@
           <a:p>
             <a:fld id="{DADCA3C0-8A91-47C6-9688-037592343C81}" type="datetimeFigureOut">
               <a:rPr kumimoji="1" lang="ja-JP" altLang="en-US" smtClean="0"/>
-              <a:t>2022/12/6</a:t>
+              <a:t>2022/12/7</a:t>
             </a:fld>
             <a:endParaRPr kumimoji="1" lang="ja-JP" altLang="en-US"/>
           </a:p>
@@ -2073,7 +2084,7 @@
           <a:p>
             <a:fld id="{DADCA3C0-8A91-47C6-9688-037592343C81}" type="datetimeFigureOut">
               <a:rPr kumimoji="1" lang="ja-JP" altLang="en-US" smtClean="0"/>
-              <a:t>2022/12/6</a:t>
+              <a:t>2022/12/7</a:t>
             </a:fld>
             <a:endParaRPr kumimoji="1" lang="ja-JP" altLang="en-US"/>
           </a:p>
@@ -2214,7 +2225,7 @@
           <a:p>
             <a:fld id="{DADCA3C0-8A91-47C6-9688-037592343C81}" type="datetimeFigureOut">
               <a:rPr kumimoji="1" lang="ja-JP" altLang="en-US" smtClean="0"/>
-              <a:t>2022/12/6</a:t>
+              <a:t>2022/12/7</a:t>
             </a:fld>
             <a:endParaRPr kumimoji="1" lang="ja-JP" altLang="en-US"/>
           </a:p>
@@ -2327,7 +2338,7 @@
           <a:p>
             <a:fld id="{DADCA3C0-8A91-47C6-9688-037592343C81}" type="datetimeFigureOut">
               <a:rPr kumimoji="1" lang="ja-JP" altLang="en-US" smtClean="0"/>
-              <a:t>2022/12/6</a:t>
+              <a:t>2022/12/7</a:t>
             </a:fld>
             <a:endParaRPr kumimoji="1" lang="ja-JP" altLang="en-US"/>
           </a:p>
@@ -2670,7 +2681,7 @@
           <a:p>
             <a:fld id="{DADCA3C0-8A91-47C6-9688-037592343C81}" type="datetimeFigureOut">
               <a:rPr kumimoji="1" lang="ja-JP" altLang="en-US" smtClean="0"/>
-              <a:t>2022/12/6</a:t>
+              <a:t>2022/12/7</a:t>
             </a:fld>
             <a:endParaRPr kumimoji="1" lang="ja-JP" altLang="en-US"/>
           </a:p>
@@ -2958,7 +2969,7 @@
           <a:p>
             <a:fld id="{DADCA3C0-8A91-47C6-9688-037592343C81}" type="datetimeFigureOut">
               <a:rPr kumimoji="1" lang="ja-JP" altLang="en-US" smtClean="0"/>
-              <a:t>2022/12/6</a:t>
+              <a:t>2022/12/7</a:t>
             </a:fld>
             <a:endParaRPr kumimoji="1" lang="ja-JP" altLang="en-US"/>
           </a:p>
@@ -3231,7 +3242,7 @@
           <a:p>
             <a:fld id="{DADCA3C0-8A91-47C6-9688-037592343C81}" type="datetimeFigureOut">
               <a:rPr kumimoji="1" lang="ja-JP" altLang="en-US" smtClean="0"/>
-              <a:t>2022/12/6</a:t>
+              <a:t>2022/12/7</a:t>
             </a:fld>
             <a:endParaRPr kumimoji="1" lang="ja-JP" altLang="en-US"/>
           </a:p>
@@ -15353,6 +15364,816 @@
 </p:sld>
 </file>
 
+<file path=ppt/slides/slide36.xml><?xml version="1.0" encoding="utf-8"?>
+<p:sld xmlns:a="http://schemas.openxmlformats.org/drawingml/2006/main" xmlns:r="http://schemas.openxmlformats.org/officeDocument/2006/relationships" xmlns:p="http://schemas.openxmlformats.org/presentationml/2006/main">
+  <p:cSld>
+    <p:spTree>
+      <p:nvGrpSpPr>
+        <p:cNvPr id="1" name=""/>
+        <p:cNvGrpSpPr/>
+        <p:nvPr/>
+      </p:nvGrpSpPr>
+      <p:grpSpPr>
+        <a:xfrm>
+          <a:off x="0" y="0"/>
+          <a:ext cx="0" cy="0"/>
+          <a:chOff x="0" y="0"/>
+          <a:chExt cx="0" cy="0"/>
+        </a:xfrm>
+      </p:grpSpPr>
+      <p:sp>
+        <p:nvSpPr>
+          <p:cNvPr id="2" name="正方形/長方形 1">
+            <a:extLst>
+              <a:ext uri="{FF2B5EF4-FFF2-40B4-BE49-F238E27FC236}">
+                <a16:creationId xmlns:a16="http://schemas.microsoft.com/office/drawing/2014/main" id="{118C2B25-EF84-FA7C-A8E5-DC4461F3FC34}"/>
+              </a:ext>
+            </a:extLst>
+          </p:cNvPr>
+          <p:cNvSpPr/>
+          <p:nvPr/>
+        </p:nvSpPr>
+        <p:spPr>
+          <a:xfrm>
+            <a:off x="0" y="0"/>
+            <a:ext cx="12192000" cy="6857999"/>
+          </a:xfrm>
+          <a:prstGeom prst="rect">
+            <a:avLst/>
+          </a:prstGeom>
+          <a:solidFill>
+            <a:srgbClr val="FF6F61"/>
+          </a:solidFill>
+          <a:ln>
+            <a:solidFill>
+              <a:schemeClr val="bg1"/>
+            </a:solidFill>
+          </a:ln>
+        </p:spPr>
+        <p:style>
+          <a:lnRef idx="2">
+            <a:schemeClr val="accent1">
+              <a:shade val="50000"/>
+            </a:schemeClr>
+          </a:lnRef>
+          <a:fillRef idx="1">
+            <a:schemeClr val="accent1"/>
+          </a:fillRef>
+          <a:effectRef idx="0">
+            <a:schemeClr val="accent1"/>
+          </a:effectRef>
+          <a:fontRef idx="minor">
+            <a:schemeClr val="lt1"/>
+          </a:fontRef>
+        </p:style>
+        <p:txBody>
+          <a:bodyPr rtlCol="0" anchor="ctr"/>
+          <a:lstStyle/>
+          <a:p>
+            <a:pPr algn="ctr"/>
+            <a:r>
+              <a:rPr kumimoji="1" lang="en-US" altLang="ja-JP" sz="4800">
+                <a:solidFill>
+                  <a:schemeClr val="bg1"/>
+                </a:solidFill>
+                <a:latin typeface="Meiryo UI" panose="020B0604030504040204" pitchFamily="50" charset="-128"/>
+                <a:ea typeface="Meiryo UI" panose="020B0604030504040204" pitchFamily="50" charset="-128"/>
+              </a:rPr>
+              <a:t>Learning</a:t>
+            </a:r>
+            <a:r>
+              <a:rPr kumimoji="1" lang="ja-JP" altLang="en-US" sz="4800">
+                <a:solidFill>
+                  <a:schemeClr val="bg1"/>
+                </a:solidFill>
+                <a:latin typeface="Meiryo UI" panose="020B0604030504040204" pitchFamily="50" charset="-128"/>
+                <a:ea typeface="Meiryo UI" panose="020B0604030504040204" pitchFamily="50" charset="-128"/>
+              </a:rPr>
+              <a:t>＞</a:t>
+            </a:r>
+            <a:r>
+              <a:rPr kumimoji="1" lang="en-US" altLang="ja-JP" sz="4800">
+                <a:solidFill>
+                  <a:schemeClr val="bg1"/>
+                </a:solidFill>
+                <a:latin typeface="Meiryo UI" panose="020B0604030504040204" pitchFamily="50" charset="-128"/>
+                <a:ea typeface="Meiryo UI" panose="020B0604030504040204" pitchFamily="50" charset="-128"/>
+              </a:rPr>
+              <a:t>Multiplay.NGO</a:t>
+            </a:r>
+            <a:endParaRPr kumimoji="1" lang="ja-JP" altLang="en-US" sz="4800">
+              <a:solidFill>
+                <a:schemeClr val="bg1"/>
+              </a:solidFill>
+              <a:latin typeface="Meiryo UI" panose="020B0604030504040204" pitchFamily="50" charset="-128"/>
+              <a:ea typeface="Meiryo UI" panose="020B0604030504040204" pitchFamily="50" charset="-128"/>
+            </a:endParaRPr>
+          </a:p>
+        </p:txBody>
+      </p:sp>
+    </p:spTree>
+    <p:extLst>
+      <p:ext uri="{BB962C8B-B14F-4D97-AF65-F5344CB8AC3E}">
+        <p14:creationId xmlns:p14="http://schemas.microsoft.com/office/powerpoint/2010/main" val="222958062"/>
+      </p:ext>
+    </p:extLst>
+  </p:cSld>
+  <p:clrMapOvr>
+    <a:masterClrMapping/>
+  </p:clrMapOvr>
+</p:sld>
+</file>
+
+<file path=ppt/slides/slide37.xml><?xml version="1.0" encoding="utf-8"?>
+<p:sld xmlns:a="http://schemas.openxmlformats.org/drawingml/2006/main" xmlns:r="http://schemas.openxmlformats.org/officeDocument/2006/relationships" xmlns:p="http://schemas.openxmlformats.org/presentationml/2006/main">
+  <p:cSld>
+    <p:spTree>
+      <p:nvGrpSpPr>
+        <p:cNvPr id="1" name=""/>
+        <p:cNvGrpSpPr/>
+        <p:nvPr/>
+      </p:nvGrpSpPr>
+      <p:grpSpPr>
+        <a:xfrm>
+          <a:off x="0" y="0"/>
+          <a:ext cx="0" cy="0"/>
+          <a:chOff x="0" y="0"/>
+          <a:chExt cx="0" cy="0"/>
+        </a:xfrm>
+      </p:grpSpPr>
+      <p:cxnSp>
+        <p:nvCxnSpPr>
+          <p:cNvPr id="6" name="直線矢印コネクタ 24">
+            <a:extLst>
+              <a:ext uri="{FF2B5EF4-FFF2-40B4-BE49-F238E27FC236}">
+                <a16:creationId xmlns:a16="http://schemas.microsoft.com/office/drawing/2014/main" id="{57375E5A-5621-7BF1-3852-2616E506C5B3}"/>
+              </a:ext>
+            </a:extLst>
+          </p:cNvPr>
+          <p:cNvCxnSpPr>
+            <a:cxnSpLocks/>
+            <a:stCxn id="4" idx="3"/>
+            <a:endCxn id="8" idx="1"/>
+          </p:cNvCxnSpPr>
+          <p:nvPr/>
+        </p:nvCxnSpPr>
+        <p:spPr>
+          <a:xfrm>
+            <a:off x="5240273" y="3428999"/>
+            <a:ext cx="855727" cy="1"/>
+          </a:xfrm>
+          <a:prstGeom prst="straightConnector1">
+            <a:avLst/>
+          </a:prstGeom>
+          <a:ln w="12700">
+            <a:solidFill>
+              <a:srgbClr val="FF6F61"/>
+            </a:solidFill>
+            <a:headEnd type="triangle"/>
+            <a:tailEnd type="triangle"/>
+          </a:ln>
+        </p:spPr>
+        <p:style>
+          <a:lnRef idx="1">
+            <a:schemeClr val="accent1"/>
+          </a:lnRef>
+          <a:fillRef idx="0">
+            <a:schemeClr val="accent1"/>
+          </a:fillRef>
+          <a:effectRef idx="0">
+            <a:schemeClr val="accent1"/>
+          </a:effectRef>
+          <a:fontRef idx="minor">
+            <a:schemeClr val="tx1"/>
+          </a:fontRef>
+        </p:style>
+      </p:cxnSp>
+      <p:pic>
+        <p:nvPicPr>
+          <p:cNvPr id="4" name="図 3">
+            <a:extLst>
+              <a:ext uri="{FF2B5EF4-FFF2-40B4-BE49-F238E27FC236}">
+                <a16:creationId xmlns:a16="http://schemas.microsoft.com/office/drawing/2014/main" id="{BFE49033-CCDD-62F0-2185-DA4D0DE03425}"/>
+              </a:ext>
+            </a:extLst>
+          </p:cNvPr>
+          <p:cNvPicPr>
+            <a:picLocks noChangeAspect="1"/>
+          </p:cNvPicPr>
+          <p:nvPr/>
+        </p:nvPicPr>
+        <p:blipFill>
+          <a:blip r:embed="rId2"/>
+          <a:stretch>
+            <a:fillRect/>
+          </a:stretch>
+        </p:blipFill>
+        <p:spPr>
+          <a:xfrm>
+            <a:off x="1246401" y="780803"/>
+            <a:ext cx="3993872" cy="5296391"/>
+          </a:xfrm>
+          <a:prstGeom prst="rect">
+            <a:avLst/>
+          </a:prstGeom>
+        </p:spPr>
+      </p:pic>
+      <p:pic>
+        <p:nvPicPr>
+          <p:cNvPr id="8" name="図 7">
+            <a:extLst>
+              <a:ext uri="{FF2B5EF4-FFF2-40B4-BE49-F238E27FC236}">
+                <a16:creationId xmlns:a16="http://schemas.microsoft.com/office/drawing/2014/main" id="{4412AF56-7FB2-B8C7-50E1-22B008929B3C}"/>
+              </a:ext>
+            </a:extLst>
+          </p:cNvPr>
+          <p:cNvPicPr>
+            <a:picLocks noChangeAspect="1"/>
+          </p:cNvPicPr>
+          <p:nvPr/>
+        </p:nvPicPr>
+        <p:blipFill>
+          <a:blip r:embed="rId3"/>
+          <a:stretch>
+            <a:fillRect/>
+          </a:stretch>
+        </p:blipFill>
+        <p:spPr>
+          <a:xfrm>
+            <a:off x="6096000" y="639567"/>
+            <a:ext cx="4009564" cy="5578865"/>
+          </a:xfrm>
+          <a:prstGeom prst="rect">
+            <a:avLst/>
+          </a:prstGeom>
+        </p:spPr>
+      </p:pic>
+    </p:spTree>
+    <p:extLst>
+      <p:ext uri="{BB962C8B-B14F-4D97-AF65-F5344CB8AC3E}">
+        <p14:creationId xmlns:p14="http://schemas.microsoft.com/office/powerpoint/2010/main" val="2643432827"/>
+      </p:ext>
+    </p:extLst>
+  </p:cSld>
+  <p:clrMapOvr>
+    <a:masterClrMapping/>
+  </p:clrMapOvr>
+</p:sld>
+</file>
+
+<file path=ppt/slides/slide38.xml><?xml version="1.0" encoding="utf-8"?>
+<p:sld xmlns:a="http://schemas.openxmlformats.org/drawingml/2006/main" xmlns:r="http://schemas.openxmlformats.org/officeDocument/2006/relationships" xmlns:p="http://schemas.openxmlformats.org/presentationml/2006/main">
+  <p:cSld>
+    <p:spTree>
+      <p:nvGrpSpPr>
+        <p:cNvPr id="1" name=""/>
+        <p:cNvGrpSpPr/>
+        <p:nvPr/>
+      </p:nvGrpSpPr>
+      <p:grpSpPr>
+        <a:xfrm>
+          <a:off x="0" y="0"/>
+          <a:ext cx="0" cy="0"/>
+          <a:chOff x="0" y="0"/>
+          <a:chExt cx="0" cy="0"/>
+        </a:xfrm>
+      </p:grpSpPr>
+      <p:pic>
+        <p:nvPicPr>
+          <p:cNvPr id="3" name="図 2">
+            <a:extLst>
+              <a:ext uri="{FF2B5EF4-FFF2-40B4-BE49-F238E27FC236}">
+                <a16:creationId xmlns:a16="http://schemas.microsoft.com/office/drawing/2014/main" id="{9342ED47-070F-06CE-612F-93EC12223326}"/>
+              </a:ext>
+            </a:extLst>
+          </p:cNvPr>
+          <p:cNvPicPr>
+            <a:picLocks noChangeAspect="1"/>
+          </p:cNvPicPr>
+          <p:nvPr/>
+        </p:nvPicPr>
+        <p:blipFill>
+          <a:blip r:embed="rId2"/>
+          <a:stretch>
+            <a:fillRect/>
+          </a:stretch>
+        </p:blipFill>
+        <p:spPr>
+          <a:xfrm>
+            <a:off x="1532299" y="824946"/>
+            <a:ext cx="4563701" cy="1271204"/>
+          </a:xfrm>
+          <a:prstGeom prst="rect">
+            <a:avLst/>
+          </a:prstGeom>
+        </p:spPr>
+      </p:pic>
+      <p:pic>
+        <p:nvPicPr>
+          <p:cNvPr id="5" name="図 4">
+            <a:extLst>
+              <a:ext uri="{FF2B5EF4-FFF2-40B4-BE49-F238E27FC236}">
+                <a16:creationId xmlns:a16="http://schemas.microsoft.com/office/drawing/2014/main" id="{17F1C6C2-9B6C-EC6C-AEC4-4A24CD38A42B}"/>
+              </a:ext>
+            </a:extLst>
+          </p:cNvPr>
+          <p:cNvPicPr>
+            <a:picLocks noChangeAspect="1"/>
+          </p:cNvPicPr>
+          <p:nvPr/>
+        </p:nvPicPr>
+        <p:blipFill>
+          <a:blip r:embed="rId3"/>
+          <a:stretch>
+            <a:fillRect/>
+          </a:stretch>
+        </p:blipFill>
+        <p:spPr>
+          <a:xfrm>
+            <a:off x="1532299" y="2707863"/>
+            <a:ext cx="4566558" cy="3384824"/>
+          </a:xfrm>
+          <a:prstGeom prst="rect">
+            <a:avLst/>
+          </a:prstGeom>
+        </p:spPr>
+      </p:pic>
+      <p:pic>
+        <p:nvPicPr>
+          <p:cNvPr id="7" name="図 6">
+            <a:extLst>
+              <a:ext uri="{FF2B5EF4-FFF2-40B4-BE49-F238E27FC236}">
+                <a16:creationId xmlns:a16="http://schemas.microsoft.com/office/drawing/2014/main" id="{A99D1E10-1FEF-2360-CA88-502C2D5A3C1E}"/>
+              </a:ext>
+            </a:extLst>
+          </p:cNvPr>
+          <p:cNvPicPr>
+            <a:picLocks noChangeAspect="1"/>
+          </p:cNvPicPr>
+          <p:nvPr/>
+        </p:nvPicPr>
+        <p:blipFill>
+          <a:blip r:embed="rId4"/>
+          <a:stretch>
+            <a:fillRect/>
+          </a:stretch>
+        </p:blipFill>
+        <p:spPr>
+          <a:xfrm>
+            <a:off x="6858759" y="824946"/>
+            <a:ext cx="4279456" cy="5361163"/>
+          </a:xfrm>
+          <a:prstGeom prst="rect">
+            <a:avLst/>
+          </a:prstGeom>
+        </p:spPr>
+      </p:pic>
+      <p:cxnSp>
+        <p:nvCxnSpPr>
+          <p:cNvPr id="8" name="直線矢印コネクタ 24">
+            <a:extLst>
+              <a:ext uri="{FF2B5EF4-FFF2-40B4-BE49-F238E27FC236}">
+                <a16:creationId xmlns:a16="http://schemas.microsoft.com/office/drawing/2014/main" id="{0E479E18-9C9C-2D90-7884-6552845E39D1}"/>
+              </a:ext>
+            </a:extLst>
+          </p:cNvPr>
+          <p:cNvCxnSpPr>
+            <a:cxnSpLocks/>
+            <a:stCxn id="3" idx="2"/>
+            <a:endCxn id="5" idx="0"/>
+          </p:cNvCxnSpPr>
+          <p:nvPr/>
+        </p:nvCxnSpPr>
+        <p:spPr>
+          <a:xfrm>
+            <a:off x="3814150" y="2096150"/>
+            <a:ext cx="1428" cy="611713"/>
+          </a:xfrm>
+          <a:prstGeom prst="straightConnector1">
+            <a:avLst/>
+          </a:prstGeom>
+          <a:ln w="12700">
+            <a:solidFill>
+              <a:srgbClr val="FF6F61"/>
+            </a:solidFill>
+            <a:tailEnd type="triangle"/>
+          </a:ln>
+        </p:spPr>
+        <p:style>
+          <a:lnRef idx="1">
+            <a:schemeClr val="accent1"/>
+          </a:lnRef>
+          <a:fillRef idx="0">
+            <a:schemeClr val="accent1"/>
+          </a:fillRef>
+          <a:effectRef idx="0">
+            <a:schemeClr val="accent1"/>
+          </a:effectRef>
+          <a:fontRef idx="minor">
+            <a:schemeClr val="tx1"/>
+          </a:fontRef>
+        </p:style>
+      </p:cxnSp>
+      <p:cxnSp>
+        <p:nvCxnSpPr>
+          <p:cNvPr id="13" name="直線矢印コネクタ 24">
+            <a:extLst>
+              <a:ext uri="{FF2B5EF4-FFF2-40B4-BE49-F238E27FC236}">
+                <a16:creationId xmlns:a16="http://schemas.microsoft.com/office/drawing/2014/main" id="{0F36776E-EF65-B0FA-CBBD-5A777D0D9584}"/>
+              </a:ext>
+            </a:extLst>
+          </p:cNvPr>
+          <p:cNvCxnSpPr>
+            <a:cxnSpLocks/>
+            <a:stCxn id="5" idx="3"/>
+            <a:endCxn id="7" idx="1"/>
+          </p:cNvCxnSpPr>
+          <p:nvPr/>
+        </p:nvCxnSpPr>
+        <p:spPr>
+          <a:xfrm flipV="1">
+            <a:off x="6098857" y="3505528"/>
+            <a:ext cx="759902" cy="894747"/>
+          </a:xfrm>
+          <a:prstGeom prst="straightConnector1">
+            <a:avLst/>
+          </a:prstGeom>
+          <a:ln w="12700">
+            <a:solidFill>
+              <a:srgbClr val="FF6F61"/>
+            </a:solidFill>
+            <a:tailEnd type="triangle"/>
+          </a:ln>
+        </p:spPr>
+        <p:style>
+          <a:lnRef idx="1">
+            <a:schemeClr val="accent1"/>
+          </a:lnRef>
+          <a:fillRef idx="0">
+            <a:schemeClr val="accent1"/>
+          </a:fillRef>
+          <a:effectRef idx="0">
+            <a:schemeClr val="accent1"/>
+          </a:effectRef>
+          <a:fontRef idx="minor">
+            <a:schemeClr val="tx1"/>
+          </a:fontRef>
+        </p:style>
+      </p:cxnSp>
+      <p:sp>
+        <p:nvSpPr>
+          <p:cNvPr id="16" name="四角形: 角を丸くする 15">
+            <a:extLst>
+              <a:ext uri="{FF2B5EF4-FFF2-40B4-BE49-F238E27FC236}">
+                <a16:creationId xmlns:a16="http://schemas.microsoft.com/office/drawing/2014/main" id="{68169595-FEA8-66BD-850D-38F5378AC1F5}"/>
+              </a:ext>
+            </a:extLst>
+          </p:cNvPr>
+          <p:cNvSpPr/>
+          <p:nvPr/>
+        </p:nvSpPr>
+        <p:spPr>
+          <a:xfrm>
+            <a:off x="2687613" y="4237683"/>
+            <a:ext cx="2242196" cy="1948426"/>
+          </a:xfrm>
+          <a:prstGeom prst="roundRect">
+            <a:avLst>
+              <a:gd name="adj" fmla="val 4167"/>
+            </a:avLst>
+          </a:prstGeom>
+          <a:noFill/>
+          <a:ln>
+            <a:solidFill>
+              <a:srgbClr val="FF6F61"/>
+            </a:solidFill>
+          </a:ln>
+        </p:spPr>
+        <p:style>
+          <a:lnRef idx="2">
+            <a:schemeClr val="accent1">
+              <a:shade val="50000"/>
+            </a:schemeClr>
+          </a:lnRef>
+          <a:fillRef idx="1">
+            <a:schemeClr val="accent1"/>
+          </a:fillRef>
+          <a:effectRef idx="0">
+            <a:schemeClr val="accent1"/>
+          </a:effectRef>
+          <a:fontRef idx="minor">
+            <a:schemeClr val="lt1"/>
+          </a:fontRef>
+        </p:style>
+        <p:txBody>
+          <a:bodyPr rtlCol="0" anchor="ctr"/>
+          <a:lstStyle/>
+          <a:p>
+            <a:pPr algn="ctr"/>
+            <a:endParaRPr kumimoji="1" lang="ja-JP" altLang="en-US"/>
+          </a:p>
+        </p:txBody>
+      </p:sp>
+      <p:sp>
+        <p:nvSpPr>
+          <p:cNvPr id="19" name="四角形: 角を丸くする 18">
+            <a:extLst>
+              <a:ext uri="{FF2B5EF4-FFF2-40B4-BE49-F238E27FC236}">
+                <a16:creationId xmlns:a16="http://schemas.microsoft.com/office/drawing/2014/main" id="{2B9CDA50-B612-CE58-A6A5-C87C8CB56859}"/>
+              </a:ext>
+            </a:extLst>
+          </p:cNvPr>
+          <p:cNvSpPr/>
+          <p:nvPr/>
+        </p:nvSpPr>
+        <p:spPr>
+          <a:xfrm>
+            <a:off x="6906709" y="4909574"/>
+            <a:ext cx="4105848" cy="865061"/>
+          </a:xfrm>
+          <a:prstGeom prst="roundRect">
+            <a:avLst>
+              <a:gd name="adj" fmla="val 4167"/>
+            </a:avLst>
+          </a:prstGeom>
+          <a:noFill/>
+          <a:ln>
+            <a:solidFill>
+              <a:srgbClr val="FF6F61"/>
+            </a:solidFill>
+          </a:ln>
+        </p:spPr>
+        <p:style>
+          <a:lnRef idx="2">
+            <a:schemeClr val="accent1">
+              <a:shade val="50000"/>
+            </a:schemeClr>
+          </a:lnRef>
+          <a:fillRef idx="1">
+            <a:schemeClr val="accent1"/>
+          </a:fillRef>
+          <a:effectRef idx="0">
+            <a:schemeClr val="accent1"/>
+          </a:effectRef>
+          <a:fontRef idx="minor">
+            <a:schemeClr val="lt1"/>
+          </a:fontRef>
+        </p:style>
+        <p:txBody>
+          <a:bodyPr rtlCol="0" anchor="ctr"/>
+          <a:lstStyle/>
+          <a:p>
+            <a:pPr algn="ctr"/>
+            <a:endParaRPr kumimoji="1" lang="ja-JP" altLang="en-US"/>
+          </a:p>
+        </p:txBody>
+      </p:sp>
+      <p:sp>
+        <p:nvSpPr>
+          <p:cNvPr id="20" name="四角形: 角を丸くする 19">
+            <a:extLst>
+              <a:ext uri="{FF2B5EF4-FFF2-40B4-BE49-F238E27FC236}">
+                <a16:creationId xmlns:a16="http://schemas.microsoft.com/office/drawing/2014/main" id="{F2C06BBB-4202-3732-A053-73A83AB05204}"/>
+              </a:ext>
+            </a:extLst>
+          </p:cNvPr>
+          <p:cNvSpPr/>
+          <p:nvPr/>
+        </p:nvSpPr>
+        <p:spPr>
+          <a:xfrm>
+            <a:off x="1953997" y="1388210"/>
+            <a:ext cx="1087377" cy="172233"/>
+          </a:xfrm>
+          <a:prstGeom prst="roundRect">
+            <a:avLst>
+              <a:gd name="adj" fmla="val 4167"/>
+            </a:avLst>
+          </a:prstGeom>
+          <a:noFill/>
+          <a:ln>
+            <a:solidFill>
+              <a:srgbClr val="FF6F61"/>
+            </a:solidFill>
+          </a:ln>
+        </p:spPr>
+        <p:style>
+          <a:lnRef idx="2">
+            <a:schemeClr val="accent1">
+              <a:shade val="50000"/>
+            </a:schemeClr>
+          </a:lnRef>
+          <a:fillRef idx="1">
+            <a:schemeClr val="accent1"/>
+          </a:fillRef>
+          <a:effectRef idx="0">
+            <a:schemeClr val="accent1"/>
+          </a:effectRef>
+          <a:fontRef idx="minor">
+            <a:schemeClr val="lt1"/>
+          </a:fontRef>
+        </p:style>
+        <p:txBody>
+          <a:bodyPr rtlCol="0" anchor="ctr"/>
+          <a:lstStyle/>
+          <a:p>
+            <a:pPr algn="ctr"/>
+            <a:endParaRPr kumimoji="1" lang="ja-JP" altLang="en-US"/>
+          </a:p>
+        </p:txBody>
+      </p:sp>
+    </p:spTree>
+    <p:extLst>
+      <p:ext uri="{BB962C8B-B14F-4D97-AF65-F5344CB8AC3E}">
+        <p14:creationId xmlns:p14="http://schemas.microsoft.com/office/powerpoint/2010/main" val="481571290"/>
+      </p:ext>
+    </p:extLst>
+  </p:cSld>
+  <p:clrMapOvr>
+    <a:masterClrMapping/>
+  </p:clrMapOvr>
+</p:sld>
+</file>
+
+<file path=ppt/slides/slide39.xml><?xml version="1.0" encoding="utf-8"?>
+<p:sld xmlns:a="http://schemas.openxmlformats.org/drawingml/2006/main" xmlns:r="http://schemas.openxmlformats.org/officeDocument/2006/relationships" xmlns:p="http://schemas.openxmlformats.org/presentationml/2006/main">
+  <p:cSld>
+    <p:spTree>
+      <p:nvGrpSpPr>
+        <p:cNvPr id="1" name=""/>
+        <p:cNvGrpSpPr/>
+        <p:nvPr/>
+      </p:nvGrpSpPr>
+      <p:grpSpPr>
+        <a:xfrm>
+          <a:off x="0" y="0"/>
+          <a:ext cx="0" cy="0"/>
+          <a:chOff x="0" y="0"/>
+          <a:chExt cx="0" cy="0"/>
+        </a:xfrm>
+      </p:grpSpPr>
+      <p:pic>
+        <p:nvPicPr>
+          <p:cNvPr id="3" name="図 2">
+            <a:extLst>
+              <a:ext uri="{FF2B5EF4-FFF2-40B4-BE49-F238E27FC236}">
+                <a16:creationId xmlns:a16="http://schemas.microsoft.com/office/drawing/2014/main" id="{331DE51F-6FFF-5155-CFC8-DDD29B05E714}"/>
+              </a:ext>
+            </a:extLst>
+          </p:cNvPr>
+          <p:cNvPicPr>
+            <a:picLocks noChangeAspect="1"/>
+          </p:cNvPicPr>
+          <p:nvPr/>
+        </p:nvPicPr>
+        <p:blipFill rotWithShape="1">
+          <a:blip r:embed="rId2"/>
+          <a:srcRect r="33993"/>
+          <a:stretch/>
+        </p:blipFill>
+        <p:spPr>
+          <a:xfrm>
+            <a:off x="1268122" y="2341445"/>
+            <a:ext cx="3621930" cy="1476581"/>
+          </a:xfrm>
+          <a:prstGeom prst="rect">
+            <a:avLst/>
+          </a:prstGeom>
+        </p:spPr>
+      </p:pic>
+      <p:pic>
+        <p:nvPicPr>
+          <p:cNvPr id="5" name="図 4">
+            <a:extLst>
+              <a:ext uri="{FF2B5EF4-FFF2-40B4-BE49-F238E27FC236}">
+                <a16:creationId xmlns:a16="http://schemas.microsoft.com/office/drawing/2014/main" id="{80ADF59D-541A-BEC8-8F49-E3245D111EBB}"/>
+              </a:ext>
+            </a:extLst>
+          </p:cNvPr>
+          <p:cNvPicPr>
+            <a:picLocks noChangeAspect="1"/>
+          </p:cNvPicPr>
+          <p:nvPr/>
+        </p:nvPicPr>
+        <p:blipFill>
+          <a:blip r:embed="rId3"/>
+          <a:stretch>
+            <a:fillRect/>
+          </a:stretch>
+        </p:blipFill>
+        <p:spPr>
+          <a:xfrm>
+            <a:off x="5869937" y="1392874"/>
+            <a:ext cx="5163271" cy="3734321"/>
+          </a:xfrm>
+          <a:prstGeom prst="rect">
+            <a:avLst/>
+          </a:prstGeom>
+        </p:spPr>
+      </p:pic>
+      <p:cxnSp>
+        <p:nvCxnSpPr>
+          <p:cNvPr id="9" name="直線矢印コネクタ 24">
+            <a:extLst>
+              <a:ext uri="{FF2B5EF4-FFF2-40B4-BE49-F238E27FC236}">
+                <a16:creationId xmlns:a16="http://schemas.microsoft.com/office/drawing/2014/main" id="{522AB8D9-C349-FFC6-38F3-F01E7382DF46}"/>
+              </a:ext>
+            </a:extLst>
+          </p:cNvPr>
+          <p:cNvCxnSpPr>
+            <a:cxnSpLocks/>
+          </p:cNvCxnSpPr>
+          <p:nvPr/>
+        </p:nvCxnSpPr>
+        <p:spPr>
+          <a:xfrm flipV="1">
+            <a:off x="1818861" y="1750683"/>
+            <a:ext cx="4124739" cy="1509351"/>
+          </a:xfrm>
+          <a:prstGeom prst="bentConnector3">
+            <a:avLst>
+              <a:gd name="adj1" fmla="val -19398"/>
+            </a:avLst>
+          </a:prstGeom>
+          <a:ln w="12700">
+            <a:solidFill>
+              <a:srgbClr val="FF6F61"/>
+            </a:solidFill>
+            <a:tailEnd type="triangle"/>
+          </a:ln>
+        </p:spPr>
+        <p:style>
+          <a:lnRef idx="1">
+            <a:schemeClr val="accent1"/>
+          </a:lnRef>
+          <a:fillRef idx="0">
+            <a:schemeClr val="accent1"/>
+          </a:fillRef>
+          <a:effectRef idx="0">
+            <a:schemeClr val="accent1"/>
+          </a:effectRef>
+          <a:fontRef idx="minor">
+            <a:schemeClr val="tx1"/>
+          </a:fontRef>
+        </p:style>
+      </p:cxnSp>
+      <p:cxnSp>
+        <p:nvCxnSpPr>
+          <p:cNvPr id="16" name="直線矢印コネクタ 24">
+            <a:extLst>
+              <a:ext uri="{FF2B5EF4-FFF2-40B4-BE49-F238E27FC236}">
+                <a16:creationId xmlns:a16="http://schemas.microsoft.com/office/drawing/2014/main" id="{CE716BF3-438B-FDA4-368C-C05FF251CDF9}"/>
+              </a:ext>
+            </a:extLst>
+          </p:cNvPr>
+          <p:cNvCxnSpPr>
+            <a:cxnSpLocks/>
+          </p:cNvCxnSpPr>
+          <p:nvPr/>
+        </p:nvCxnSpPr>
+        <p:spPr>
+          <a:xfrm>
+            <a:off x="2991678" y="3110949"/>
+            <a:ext cx="5088835" cy="1212574"/>
+          </a:xfrm>
+          <a:prstGeom prst="straightConnector1">
+            <a:avLst/>
+          </a:prstGeom>
+          <a:ln w="12700">
+            <a:solidFill>
+              <a:schemeClr val="accent1"/>
+            </a:solidFill>
+            <a:tailEnd type="triangle"/>
+          </a:ln>
+        </p:spPr>
+        <p:style>
+          <a:lnRef idx="1">
+            <a:schemeClr val="accent1"/>
+          </a:lnRef>
+          <a:fillRef idx="0">
+            <a:schemeClr val="accent1"/>
+          </a:fillRef>
+          <a:effectRef idx="0">
+            <a:schemeClr val="accent1"/>
+          </a:effectRef>
+          <a:fontRef idx="minor">
+            <a:schemeClr val="tx1"/>
+          </a:fontRef>
+        </p:style>
+      </p:cxnSp>
+    </p:spTree>
+    <p:extLst>
+      <p:ext uri="{BB962C8B-B14F-4D97-AF65-F5344CB8AC3E}">
+        <p14:creationId xmlns:p14="http://schemas.microsoft.com/office/powerpoint/2010/main" val="3518013614"/>
+      </p:ext>
+    </p:extLst>
+  </p:cSld>
+  <p:clrMapOvr>
+    <a:masterClrMapping/>
+  </p:clrMapOvr>
+</p:sld>
+</file>
+
 <file path=ppt/slides/slide4.xml><?xml version="1.0" encoding="utf-8"?>
 <p:sld xmlns:a="http://schemas.openxmlformats.org/drawingml/2006/main" xmlns:r="http://schemas.openxmlformats.org/officeDocument/2006/relationships" xmlns:p="http://schemas.openxmlformats.org/presentationml/2006/main">
   <p:cSld>
@@ -16403,6 +17224,1594 @@
     <p:extLst>
       <p:ext uri="{BB962C8B-B14F-4D97-AF65-F5344CB8AC3E}">
         <p14:creationId xmlns:p14="http://schemas.microsoft.com/office/powerpoint/2010/main" val="770288212"/>
+      </p:ext>
+    </p:extLst>
+  </p:cSld>
+  <p:clrMapOvr>
+    <a:masterClrMapping/>
+  </p:clrMapOvr>
+</p:sld>
+</file>
+
+<file path=ppt/slides/slide40.xml><?xml version="1.0" encoding="utf-8"?>
+<p:sld xmlns:a="http://schemas.openxmlformats.org/drawingml/2006/main" xmlns:r="http://schemas.openxmlformats.org/officeDocument/2006/relationships" xmlns:p="http://schemas.openxmlformats.org/presentationml/2006/main">
+  <p:cSld>
+    <p:spTree>
+      <p:nvGrpSpPr>
+        <p:cNvPr id="1" name=""/>
+        <p:cNvGrpSpPr/>
+        <p:nvPr/>
+      </p:nvGrpSpPr>
+      <p:grpSpPr>
+        <a:xfrm>
+          <a:off x="0" y="0"/>
+          <a:ext cx="0" cy="0"/>
+          <a:chOff x="0" y="0"/>
+          <a:chExt cx="0" cy="0"/>
+        </a:xfrm>
+      </p:grpSpPr>
+      <p:pic>
+        <p:nvPicPr>
+          <p:cNvPr id="3" name="図 2">
+            <a:extLst>
+              <a:ext uri="{FF2B5EF4-FFF2-40B4-BE49-F238E27FC236}">
+                <a16:creationId xmlns:a16="http://schemas.microsoft.com/office/drawing/2014/main" id="{36459918-6430-A72A-C39E-2B28841540A9}"/>
+              </a:ext>
+            </a:extLst>
+          </p:cNvPr>
+          <p:cNvPicPr>
+            <a:picLocks noChangeAspect="1"/>
+          </p:cNvPicPr>
+          <p:nvPr/>
+        </p:nvPicPr>
+        <p:blipFill>
+          <a:blip r:embed="rId2"/>
+          <a:stretch>
+            <a:fillRect/>
+          </a:stretch>
+        </p:blipFill>
+        <p:spPr>
+          <a:xfrm>
+            <a:off x="3419101" y="2819315"/>
+            <a:ext cx="5353797" cy="1219370"/>
+          </a:xfrm>
+          <a:prstGeom prst="rect">
+            <a:avLst/>
+          </a:prstGeom>
+        </p:spPr>
+      </p:pic>
+    </p:spTree>
+    <p:extLst>
+      <p:ext uri="{BB962C8B-B14F-4D97-AF65-F5344CB8AC3E}">
+        <p14:creationId xmlns:p14="http://schemas.microsoft.com/office/powerpoint/2010/main" val="1903588437"/>
+      </p:ext>
+    </p:extLst>
+  </p:cSld>
+  <p:clrMapOvr>
+    <a:masterClrMapping/>
+  </p:clrMapOvr>
+</p:sld>
+</file>
+
+<file path=ppt/slides/slide41.xml><?xml version="1.0" encoding="utf-8"?>
+<p:sld xmlns:a="http://schemas.openxmlformats.org/drawingml/2006/main" xmlns:r="http://schemas.openxmlformats.org/officeDocument/2006/relationships" xmlns:p="http://schemas.openxmlformats.org/presentationml/2006/main">
+  <p:cSld>
+    <p:spTree>
+      <p:nvGrpSpPr>
+        <p:cNvPr id="1" name=""/>
+        <p:cNvGrpSpPr/>
+        <p:nvPr/>
+      </p:nvGrpSpPr>
+      <p:grpSpPr>
+        <a:xfrm>
+          <a:off x="0" y="0"/>
+          <a:ext cx="0" cy="0"/>
+          <a:chOff x="0" y="0"/>
+          <a:chExt cx="0" cy="0"/>
+        </a:xfrm>
+      </p:grpSpPr>
+      <p:pic>
+        <p:nvPicPr>
+          <p:cNvPr id="3" name="図 2">
+            <a:extLst>
+              <a:ext uri="{FF2B5EF4-FFF2-40B4-BE49-F238E27FC236}">
+                <a16:creationId xmlns:a16="http://schemas.microsoft.com/office/drawing/2014/main" id="{EA3C637E-1687-1DAD-A617-65DD4F8E3438}"/>
+              </a:ext>
+            </a:extLst>
+          </p:cNvPr>
+          <p:cNvPicPr>
+            <a:picLocks noChangeAspect="1"/>
+          </p:cNvPicPr>
+          <p:nvPr/>
+        </p:nvPicPr>
+        <p:blipFill>
+          <a:blip r:embed="rId2"/>
+          <a:stretch>
+            <a:fillRect/>
+          </a:stretch>
+        </p:blipFill>
+        <p:spPr>
+          <a:xfrm>
+            <a:off x="887925" y="2342506"/>
+            <a:ext cx="4707805" cy="1457954"/>
+          </a:xfrm>
+          <a:prstGeom prst="rect">
+            <a:avLst/>
+          </a:prstGeom>
+        </p:spPr>
+      </p:pic>
+      <p:pic>
+        <p:nvPicPr>
+          <p:cNvPr id="5" name="図 4">
+            <a:extLst>
+              <a:ext uri="{FF2B5EF4-FFF2-40B4-BE49-F238E27FC236}">
+                <a16:creationId xmlns:a16="http://schemas.microsoft.com/office/drawing/2014/main" id="{3A1EF1CB-2DEE-43A3-FD00-1D7B0C5FCE77}"/>
+              </a:ext>
+            </a:extLst>
+          </p:cNvPr>
+          <p:cNvPicPr>
+            <a:picLocks noChangeAspect="1"/>
+          </p:cNvPicPr>
+          <p:nvPr/>
+        </p:nvPicPr>
+        <p:blipFill>
+          <a:blip r:embed="rId3"/>
+          <a:stretch>
+            <a:fillRect/>
+          </a:stretch>
+        </p:blipFill>
+        <p:spPr>
+          <a:xfrm>
+            <a:off x="6096000" y="2342506"/>
+            <a:ext cx="4707805" cy="2182858"/>
+          </a:xfrm>
+          <a:prstGeom prst="rect">
+            <a:avLst/>
+          </a:prstGeom>
+        </p:spPr>
+      </p:pic>
+      <p:sp>
+        <p:nvSpPr>
+          <p:cNvPr id="6" name="四角形: 角を丸くする 5">
+            <a:extLst>
+              <a:ext uri="{FF2B5EF4-FFF2-40B4-BE49-F238E27FC236}">
+                <a16:creationId xmlns:a16="http://schemas.microsoft.com/office/drawing/2014/main" id="{7FE2D9A8-5A07-0F21-C72C-7972F7E4E60D}"/>
+              </a:ext>
+            </a:extLst>
+          </p:cNvPr>
+          <p:cNvSpPr/>
+          <p:nvPr/>
+        </p:nvSpPr>
+        <p:spPr>
+          <a:xfrm>
+            <a:off x="1301040" y="2935399"/>
+            <a:ext cx="1104230" cy="145731"/>
+          </a:xfrm>
+          <a:prstGeom prst="roundRect">
+            <a:avLst>
+              <a:gd name="adj" fmla="val 4167"/>
+            </a:avLst>
+          </a:prstGeom>
+          <a:noFill/>
+          <a:ln>
+            <a:solidFill>
+              <a:srgbClr val="FF6F61"/>
+            </a:solidFill>
+          </a:ln>
+        </p:spPr>
+        <p:style>
+          <a:lnRef idx="2">
+            <a:schemeClr val="accent1">
+              <a:shade val="50000"/>
+            </a:schemeClr>
+          </a:lnRef>
+          <a:fillRef idx="1">
+            <a:schemeClr val="accent1"/>
+          </a:fillRef>
+          <a:effectRef idx="0">
+            <a:schemeClr val="accent1"/>
+          </a:effectRef>
+          <a:fontRef idx="minor">
+            <a:schemeClr val="lt1"/>
+          </a:fontRef>
+        </p:style>
+        <p:txBody>
+          <a:bodyPr rtlCol="0" anchor="ctr"/>
+          <a:lstStyle/>
+          <a:p>
+            <a:pPr algn="ctr"/>
+            <a:endParaRPr kumimoji="1" lang="ja-JP" altLang="en-US"/>
+          </a:p>
+        </p:txBody>
+      </p:sp>
+      <p:sp>
+        <p:nvSpPr>
+          <p:cNvPr id="7" name="四角形: 角を丸くする 6">
+            <a:extLst>
+              <a:ext uri="{FF2B5EF4-FFF2-40B4-BE49-F238E27FC236}">
+                <a16:creationId xmlns:a16="http://schemas.microsoft.com/office/drawing/2014/main" id="{C631669A-7BB2-45AC-0B80-62E2F8636007}"/>
+              </a:ext>
+            </a:extLst>
+          </p:cNvPr>
+          <p:cNvSpPr/>
+          <p:nvPr/>
+        </p:nvSpPr>
+        <p:spPr>
+          <a:xfrm>
+            <a:off x="8499597" y="3366073"/>
+            <a:ext cx="1104230" cy="145731"/>
+          </a:xfrm>
+          <a:prstGeom prst="roundRect">
+            <a:avLst>
+              <a:gd name="adj" fmla="val 4167"/>
+            </a:avLst>
+          </a:prstGeom>
+          <a:noFill/>
+          <a:ln>
+            <a:solidFill>
+              <a:srgbClr val="FF6F61"/>
+            </a:solidFill>
+          </a:ln>
+        </p:spPr>
+        <p:style>
+          <a:lnRef idx="2">
+            <a:schemeClr val="accent1">
+              <a:shade val="50000"/>
+            </a:schemeClr>
+          </a:lnRef>
+          <a:fillRef idx="1">
+            <a:schemeClr val="accent1"/>
+          </a:fillRef>
+          <a:effectRef idx="0">
+            <a:schemeClr val="accent1"/>
+          </a:effectRef>
+          <a:fontRef idx="minor">
+            <a:schemeClr val="lt1"/>
+          </a:fontRef>
+        </p:style>
+        <p:txBody>
+          <a:bodyPr rtlCol="0" anchor="ctr"/>
+          <a:lstStyle/>
+          <a:p>
+            <a:pPr algn="ctr"/>
+            <a:endParaRPr kumimoji="1" lang="ja-JP" altLang="en-US"/>
+          </a:p>
+        </p:txBody>
+      </p:sp>
+    </p:spTree>
+    <p:extLst>
+      <p:ext uri="{BB962C8B-B14F-4D97-AF65-F5344CB8AC3E}">
+        <p14:creationId xmlns:p14="http://schemas.microsoft.com/office/powerpoint/2010/main" val="1568118660"/>
+      </p:ext>
+    </p:extLst>
+  </p:cSld>
+  <p:clrMapOvr>
+    <a:masterClrMapping/>
+  </p:clrMapOvr>
+</p:sld>
+</file>
+
+<file path=ppt/slides/slide42.xml><?xml version="1.0" encoding="utf-8"?>
+<p:sld xmlns:a="http://schemas.openxmlformats.org/drawingml/2006/main" xmlns:r="http://schemas.openxmlformats.org/officeDocument/2006/relationships" xmlns:p="http://schemas.openxmlformats.org/presentationml/2006/main">
+  <p:cSld>
+    <p:spTree>
+      <p:nvGrpSpPr>
+        <p:cNvPr id="1" name=""/>
+        <p:cNvGrpSpPr/>
+        <p:nvPr/>
+      </p:nvGrpSpPr>
+      <p:grpSpPr>
+        <a:xfrm>
+          <a:off x="0" y="0"/>
+          <a:ext cx="0" cy="0"/>
+          <a:chOff x="0" y="0"/>
+          <a:chExt cx="0" cy="0"/>
+        </a:xfrm>
+      </p:grpSpPr>
+      <p:pic>
+        <p:nvPicPr>
+          <p:cNvPr id="3" name="図 2">
+            <a:extLst>
+              <a:ext uri="{FF2B5EF4-FFF2-40B4-BE49-F238E27FC236}">
+                <a16:creationId xmlns:a16="http://schemas.microsoft.com/office/drawing/2014/main" id="{A2C41A96-2F01-3053-B4B2-76B486403028}"/>
+              </a:ext>
+            </a:extLst>
+          </p:cNvPr>
+          <p:cNvPicPr>
+            <a:picLocks noChangeAspect="1"/>
+          </p:cNvPicPr>
+          <p:nvPr/>
+        </p:nvPicPr>
+        <p:blipFill>
+          <a:blip r:embed="rId2"/>
+          <a:stretch>
+            <a:fillRect/>
+          </a:stretch>
+        </p:blipFill>
+        <p:spPr>
+          <a:xfrm>
+            <a:off x="1654783" y="866419"/>
+            <a:ext cx="4441217" cy="1458675"/>
+          </a:xfrm>
+          <a:prstGeom prst="rect">
+            <a:avLst/>
+          </a:prstGeom>
+        </p:spPr>
+      </p:pic>
+      <p:pic>
+        <p:nvPicPr>
+          <p:cNvPr id="5" name="図 4">
+            <a:extLst>
+              <a:ext uri="{FF2B5EF4-FFF2-40B4-BE49-F238E27FC236}">
+                <a16:creationId xmlns:a16="http://schemas.microsoft.com/office/drawing/2014/main" id="{792AB578-EB1C-5F6D-F446-92D1ABD12490}"/>
+              </a:ext>
+            </a:extLst>
+          </p:cNvPr>
+          <p:cNvPicPr>
+            <a:picLocks noChangeAspect="1"/>
+          </p:cNvPicPr>
+          <p:nvPr/>
+        </p:nvPicPr>
+        <p:blipFill>
+          <a:blip r:embed="rId3"/>
+          <a:stretch>
+            <a:fillRect/>
+          </a:stretch>
+        </p:blipFill>
+        <p:spPr>
+          <a:xfrm>
+            <a:off x="1646634" y="3429000"/>
+            <a:ext cx="4449366" cy="2216534"/>
+          </a:xfrm>
+          <a:prstGeom prst="rect">
+            <a:avLst/>
+          </a:prstGeom>
+        </p:spPr>
+      </p:pic>
+      <p:pic>
+        <p:nvPicPr>
+          <p:cNvPr id="7" name="図 6">
+            <a:extLst>
+              <a:ext uri="{FF2B5EF4-FFF2-40B4-BE49-F238E27FC236}">
+                <a16:creationId xmlns:a16="http://schemas.microsoft.com/office/drawing/2014/main" id="{82C624A1-F6A2-F502-28B0-1D480638F592}"/>
+              </a:ext>
+            </a:extLst>
+          </p:cNvPr>
+          <p:cNvPicPr>
+            <a:picLocks noChangeAspect="1"/>
+          </p:cNvPicPr>
+          <p:nvPr/>
+        </p:nvPicPr>
+        <p:blipFill>
+          <a:blip r:embed="rId4"/>
+          <a:stretch>
+            <a:fillRect/>
+          </a:stretch>
+        </p:blipFill>
+        <p:spPr>
+          <a:xfrm>
+            <a:off x="7306604" y="866419"/>
+            <a:ext cx="3846338" cy="3300354"/>
+          </a:xfrm>
+          <a:prstGeom prst="rect">
+            <a:avLst/>
+          </a:prstGeom>
+        </p:spPr>
+      </p:pic>
+      <p:cxnSp>
+        <p:nvCxnSpPr>
+          <p:cNvPr id="11" name="直線矢印コネクタ 24">
+            <a:extLst>
+              <a:ext uri="{FF2B5EF4-FFF2-40B4-BE49-F238E27FC236}">
+                <a16:creationId xmlns:a16="http://schemas.microsoft.com/office/drawing/2014/main" id="{4703AAB5-B942-F637-9B65-4B24A504C0FE}"/>
+              </a:ext>
+            </a:extLst>
+          </p:cNvPr>
+          <p:cNvCxnSpPr>
+            <a:cxnSpLocks/>
+          </p:cNvCxnSpPr>
+          <p:nvPr/>
+        </p:nvCxnSpPr>
+        <p:spPr>
+          <a:xfrm flipV="1">
+            <a:off x="2584174" y="1212466"/>
+            <a:ext cx="4722430" cy="179012"/>
+          </a:xfrm>
+          <a:prstGeom prst="straightConnector1">
+            <a:avLst/>
+          </a:prstGeom>
+          <a:ln w="12700">
+            <a:solidFill>
+              <a:srgbClr val="FF6F61"/>
+            </a:solidFill>
+            <a:tailEnd type="triangle"/>
+          </a:ln>
+        </p:spPr>
+        <p:style>
+          <a:lnRef idx="1">
+            <a:schemeClr val="accent1"/>
+          </a:lnRef>
+          <a:fillRef idx="0">
+            <a:schemeClr val="accent1"/>
+          </a:fillRef>
+          <a:effectRef idx="0">
+            <a:schemeClr val="accent1"/>
+          </a:effectRef>
+          <a:fontRef idx="minor">
+            <a:schemeClr val="tx1"/>
+          </a:fontRef>
+        </p:style>
+      </p:cxnSp>
+      <p:cxnSp>
+        <p:nvCxnSpPr>
+          <p:cNvPr id="14" name="直線矢印コネクタ 24">
+            <a:extLst>
+              <a:ext uri="{FF2B5EF4-FFF2-40B4-BE49-F238E27FC236}">
+                <a16:creationId xmlns:a16="http://schemas.microsoft.com/office/drawing/2014/main" id="{3CECE46F-4442-9879-95AE-B6F51C535311}"/>
+              </a:ext>
+            </a:extLst>
+          </p:cNvPr>
+          <p:cNvCxnSpPr>
+            <a:cxnSpLocks/>
+          </p:cNvCxnSpPr>
+          <p:nvPr/>
+        </p:nvCxnSpPr>
+        <p:spPr>
+          <a:xfrm flipH="1" flipV="1">
+            <a:off x="2653748" y="1600200"/>
+            <a:ext cx="1520687" cy="3031435"/>
+          </a:xfrm>
+          <a:prstGeom prst="straightConnector1">
+            <a:avLst/>
+          </a:prstGeom>
+          <a:ln w="12700">
+            <a:solidFill>
+              <a:schemeClr val="accent1"/>
+            </a:solidFill>
+            <a:tailEnd type="triangle"/>
+          </a:ln>
+        </p:spPr>
+        <p:style>
+          <a:lnRef idx="1">
+            <a:schemeClr val="accent1"/>
+          </a:lnRef>
+          <a:fillRef idx="0">
+            <a:schemeClr val="accent1"/>
+          </a:fillRef>
+          <a:effectRef idx="0">
+            <a:schemeClr val="accent1"/>
+          </a:effectRef>
+          <a:fontRef idx="minor">
+            <a:schemeClr val="tx1"/>
+          </a:fontRef>
+        </p:style>
+      </p:cxnSp>
+      <p:cxnSp>
+        <p:nvCxnSpPr>
+          <p:cNvPr id="17" name="直線矢印コネクタ 24">
+            <a:extLst>
+              <a:ext uri="{FF2B5EF4-FFF2-40B4-BE49-F238E27FC236}">
+                <a16:creationId xmlns:a16="http://schemas.microsoft.com/office/drawing/2014/main" id="{858301B6-AAF5-D0C1-C636-0300EBCBEE38}"/>
+              </a:ext>
+            </a:extLst>
+          </p:cNvPr>
+          <p:cNvCxnSpPr>
+            <a:cxnSpLocks/>
+          </p:cNvCxnSpPr>
+          <p:nvPr/>
+        </p:nvCxnSpPr>
+        <p:spPr>
+          <a:xfrm>
+            <a:off x="3120887" y="1530626"/>
+            <a:ext cx="5774635" cy="2047461"/>
+          </a:xfrm>
+          <a:prstGeom prst="straightConnector1">
+            <a:avLst/>
+          </a:prstGeom>
+          <a:ln w="12700">
+            <a:solidFill>
+              <a:schemeClr val="accent1"/>
+            </a:solidFill>
+            <a:tailEnd type="triangle"/>
+          </a:ln>
+        </p:spPr>
+        <p:style>
+          <a:lnRef idx="1">
+            <a:schemeClr val="accent1"/>
+          </a:lnRef>
+          <a:fillRef idx="0">
+            <a:schemeClr val="accent1"/>
+          </a:fillRef>
+          <a:effectRef idx="0">
+            <a:schemeClr val="accent1"/>
+          </a:effectRef>
+          <a:fontRef idx="minor">
+            <a:schemeClr val="tx1"/>
+          </a:fontRef>
+        </p:style>
+      </p:cxnSp>
+    </p:spTree>
+    <p:extLst>
+      <p:ext uri="{BB962C8B-B14F-4D97-AF65-F5344CB8AC3E}">
+        <p14:creationId xmlns:p14="http://schemas.microsoft.com/office/powerpoint/2010/main" val="371911365"/>
+      </p:ext>
+    </p:extLst>
+  </p:cSld>
+  <p:clrMapOvr>
+    <a:masterClrMapping/>
+  </p:clrMapOvr>
+</p:sld>
+</file>
+
+<file path=ppt/slides/slide43.xml><?xml version="1.0" encoding="utf-8"?>
+<p:sld xmlns:a="http://schemas.openxmlformats.org/drawingml/2006/main" xmlns:r="http://schemas.openxmlformats.org/officeDocument/2006/relationships" xmlns:p="http://schemas.openxmlformats.org/presentationml/2006/main">
+  <p:cSld>
+    <p:spTree>
+      <p:nvGrpSpPr>
+        <p:cNvPr id="1" name=""/>
+        <p:cNvGrpSpPr/>
+        <p:nvPr/>
+      </p:nvGrpSpPr>
+      <p:grpSpPr>
+        <a:xfrm>
+          <a:off x="0" y="0"/>
+          <a:ext cx="0" cy="0"/>
+          <a:chOff x="0" y="0"/>
+          <a:chExt cx="0" cy="0"/>
+        </a:xfrm>
+      </p:grpSpPr>
+      <p:pic>
+        <p:nvPicPr>
+          <p:cNvPr id="3" name="図 2">
+            <a:extLst>
+              <a:ext uri="{FF2B5EF4-FFF2-40B4-BE49-F238E27FC236}">
+                <a16:creationId xmlns:a16="http://schemas.microsoft.com/office/drawing/2014/main" id="{3C5E23FD-33F0-9A9B-0DBF-B5A42812CE2C}"/>
+              </a:ext>
+            </a:extLst>
+          </p:cNvPr>
+          <p:cNvPicPr>
+            <a:picLocks noChangeAspect="1"/>
+          </p:cNvPicPr>
+          <p:nvPr/>
+        </p:nvPicPr>
+        <p:blipFill>
+          <a:blip r:embed="rId2"/>
+          <a:stretch>
+            <a:fillRect/>
+          </a:stretch>
+        </p:blipFill>
+        <p:spPr>
+          <a:xfrm>
+            <a:off x="1330896" y="3029619"/>
+            <a:ext cx="4486667" cy="2228125"/>
+          </a:xfrm>
+          <a:prstGeom prst="rect">
+            <a:avLst/>
+          </a:prstGeom>
+        </p:spPr>
+      </p:pic>
+      <p:pic>
+        <p:nvPicPr>
+          <p:cNvPr id="5" name="図 4">
+            <a:extLst>
+              <a:ext uri="{FF2B5EF4-FFF2-40B4-BE49-F238E27FC236}">
+                <a16:creationId xmlns:a16="http://schemas.microsoft.com/office/drawing/2014/main" id="{7034DDB3-68E8-6AB7-E005-4E110B58020C}"/>
+              </a:ext>
+            </a:extLst>
+          </p:cNvPr>
+          <p:cNvPicPr>
+            <a:picLocks noChangeAspect="1"/>
+          </p:cNvPicPr>
+          <p:nvPr/>
+        </p:nvPicPr>
+        <p:blipFill>
+          <a:blip r:embed="rId3"/>
+          <a:stretch>
+            <a:fillRect/>
+          </a:stretch>
+        </p:blipFill>
+        <p:spPr>
+          <a:xfrm>
+            <a:off x="7317397" y="737000"/>
+            <a:ext cx="3543707" cy="5384000"/>
+          </a:xfrm>
+          <a:prstGeom prst="rect">
+            <a:avLst/>
+          </a:prstGeom>
+        </p:spPr>
+      </p:pic>
+      <p:cxnSp>
+        <p:nvCxnSpPr>
+          <p:cNvPr id="6" name="直線矢印コネクタ 24">
+            <a:extLst>
+              <a:ext uri="{FF2B5EF4-FFF2-40B4-BE49-F238E27FC236}">
+                <a16:creationId xmlns:a16="http://schemas.microsoft.com/office/drawing/2014/main" id="{C32BA5DA-9A20-68E1-7B5E-316AD822B415}"/>
+              </a:ext>
+            </a:extLst>
+          </p:cNvPr>
+          <p:cNvCxnSpPr>
+            <a:cxnSpLocks/>
+          </p:cNvCxnSpPr>
+          <p:nvPr/>
+        </p:nvCxnSpPr>
+        <p:spPr>
+          <a:xfrm>
+            <a:off x="4439653" y="4211053"/>
+            <a:ext cx="3176336" cy="709863"/>
+          </a:xfrm>
+          <a:prstGeom prst="straightConnector1">
+            <a:avLst/>
+          </a:prstGeom>
+          <a:ln w="12700">
+            <a:solidFill>
+              <a:schemeClr val="accent1"/>
+            </a:solidFill>
+            <a:tailEnd type="triangle"/>
+          </a:ln>
+        </p:spPr>
+        <p:style>
+          <a:lnRef idx="1">
+            <a:schemeClr val="accent1"/>
+          </a:lnRef>
+          <a:fillRef idx="0">
+            <a:schemeClr val="accent1"/>
+          </a:fillRef>
+          <a:effectRef idx="0">
+            <a:schemeClr val="accent1"/>
+          </a:effectRef>
+          <a:fontRef idx="minor">
+            <a:schemeClr val="tx1"/>
+          </a:fontRef>
+        </p:style>
+      </p:cxnSp>
+      <p:cxnSp>
+        <p:nvCxnSpPr>
+          <p:cNvPr id="9" name="直線矢印コネクタ 24">
+            <a:extLst>
+              <a:ext uri="{FF2B5EF4-FFF2-40B4-BE49-F238E27FC236}">
+                <a16:creationId xmlns:a16="http://schemas.microsoft.com/office/drawing/2014/main" id="{AFB68864-4267-4332-CCEE-5EEECC1C7BB2}"/>
+              </a:ext>
+            </a:extLst>
+          </p:cNvPr>
+          <p:cNvCxnSpPr>
+            <a:cxnSpLocks/>
+          </p:cNvCxnSpPr>
+          <p:nvPr/>
+        </p:nvCxnSpPr>
+        <p:spPr>
+          <a:xfrm flipV="1">
+            <a:off x="4572000" y="1070811"/>
+            <a:ext cx="2745397" cy="2959768"/>
+          </a:xfrm>
+          <a:prstGeom prst="straightConnector1">
+            <a:avLst/>
+          </a:prstGeom>
+          <a:ln w="12700">
+            <a:solidFill>
+              <a:srgbClr val="FF6F61"/>
+            </a:solidFill>
+            <a:tailEnd type="triangle"/>
+          </a:ln>
+        </p:spPr>
+        <p:style>
+          <a:lnRef idx="1">
+            <a:schemeClr val="accent1"/>
+          </a:lnRef>
+          <a:fillRef idx="0">
+            <a:schemeClr val="accent1"/>
+          </a:fillRef>
+          <a:effectRef idx="0">
+            <a:schemeClr val="accent1"/>
+          </a:effectRef>
+          <a:fontRef idx="minor">
+            <a:schemeClr val="tx1"/>
+          </a:fontRef>
+        </p:style>
+      </p:cxnSp>
+    </p:spTree>
+    <p:extLst>
+      <p:ext uri="{BB962C8B-B14F-4D97-AF65-F5344CB8AC3E}">
+        <p14:creationId xmlns:p14="http://schemas.microsoft.com/office/powerpoint/2010/main" val="3430723378"/>
+      </p:ext>
+    </p:extLst>
+  </p:cSld>
+  <p:clrMapOvr>
+    <a:masterClrMapping/>
+  </p:clrMapOvr>
+</p:sld>
+</file>
+
+<file path=ppt/slides/slide44.xml><?xml version="1.0" encoding="utf-8"?>
+<p:sld xmlns:a="http://schemas.openxmlformats.org/drawingml/2006/main" xmlns:r="http://schemas.openxmlformats.org/officeDocument/2006/relationships" xmlns:p="http://schemas.openxmlformats.org/presentationml/2006/main">
+  <p:cSld>
+    <p:spTree>
+      <p:nvGrpSpPr>
+        <p:cNvPr id="1" name=""/>
+        <p:cNvGrpSpPr/>
+        <p:nvPr/>
+      </p:nvGrpSpPr>
+      <p:grpSpPr>
+        <a:xfrm>
+          <a:off x="0" y="0"/>
+          <a:ext cx="0" cy="0"/>
+          <a:chOff x="0" y="0"/>
+          <a:chExt cx="0" cy="0"/>
+        </a:xfrm>
+      </p:grpSpPr>
+      <p:pic>
+        <p:nvPicPr>
+          <p:cNvPr id="3" name="図 2">
+            <a:extLst>
+              <a:ext uri="{FF2B5EF4-FFF2-40B4-BE49-F238E27FC236}">
+                <a16:creationId xmlns:a16="http://schemas.microsoft.com/office/drawing/2014/main" id="{AC2336E2-298C-2313-EC6D-C1A469513FEC}"/>
+              </a:ext>
+            </a:extLst>
+          </p:cNvPr>
+          <p:cNvPicPr>
+            <a:picLocks noChangeAspect="1"/>
+          </p:cNvPicPr>
+          <p:nvPr/>
+        </p:nvPicPr>
+        <p:blipFill>
+          <a:blip r:embed="rId2"/>
+          <a:stretch>
+            <a:fillRect/>
+          </a:stretch>
+        </p:blipFill>
+        <p:spPr>
+          <a:xfrm>
+            <a:off x="1739348" y="1608528"/>
+            <a:ext cx="4556834" cy="1182944"/>
+          </a:xfrm>
+          <a:prstGeom prst="rect">
+            <a:avLst/>
+          </a:prstGeom>
+        </p:spPr>
+      </p:pic>
+      <p:pic>
+        <p:nvPicPr>
+          <p:cNvPr id="5" name="図 4">
+            <a:extLst>
+              <a:ext uri="{FF2B5EF4-FFF2-40B4-BE49-F238E27FC236}">
+                <a16:creationId xmlns:a16="http://schemas.microsoft.com/office/drawing/2014/main" id="{B0C7380C-63C9-A8C9-A51A-C105A986E39F}"/>
+              </a:ext>
+            </a:extLst>
+          </p:cNvPr>
+          <p:cNvPicPr>
+            <a:picLocks noChangeAspect="1"/>
+          </p:cNvPicPr>
+          <p:nvPr/>
+        </p:nvPicPr>
+        <p:blipFill>
+          <a:blip r:embed="rId3"/>
+          <a:stretch>
+            <a:fillRect/>
+          </a:stretch>
+        </p:blipFill>
+        <p:spPr>
+          <a:xfrm>
+            <a:off x="7149002" y="1608528"/>
+            <a:ext cx="3923709" cy="3090650"/>
+          </a:xfrm>
+          <a:prstGeom prst="rect">
+            <a:avLst/>
+          </a:prstGeom>
+        </p:spPr>
+      </p:pic>
+      <p:cxnSp>
+        <p:nvCxnSpPr>
+          <p:cNvPr id="6" name="直線矢印コネクタ 24">
+            <a:extLst>
+              <a:ext uri="{FF2B5EF4-FFF2-40B4-BE49-F238E27FC236}">
+                <a16:creationId xmlns:a16="http://schemas.microsoft.com/office/drawing/2014/main" id="{D19BAA83-5958-B8DD-D505-B4BF2362580C}"/>
+              </a:ext>
+            </a:extLst>
+          </p:cNvPr>
+          <p:cNvCxnSpPr>
+            <a:cxnSpLocks/>
+          </p:cNvCxnSpPr>
+          <p:nvPr/>
+        </p:nvCxnSpPr>
+        <p:spPr>
+          <a:xfrm flipV="1">
+            <a:off x="2733261" y="1958009"/>
+            <a:ext cx="4415741" cy="208721"/>
+          </a:xfrm>
+          <a:prstGeom prst="straightConnector1">
+            <a:avLst/>
+          </a:prstGeom>
+          <a:ln w="12700">
+            <a:solidFill>
+              <a:srgbClr val="FF6F61"/>
+            </a:solidFill>
+            <a:tailEnd type="triangle"/>
+          </a:ln>
+        </p:spPr>
+        <p:style>
+          <a:lnRef idx="1">
+            <a:schemeClr val="accent1"/>
+          </a:lnRef>
+          <a:fillRef idx="0">
+            <a:schemeClr val="accent1"/>
+          </a:fillRef>
+          <a:effectRef idx="0">
+            <a:schemeClr val="accent1"/>
+          </a:effectRef>
+          <a:fontRef idx="minor">
+            <a:schemeClr val="tx1"/>
+          </a:fontRef>
+        </p:style>
+      </p:cxnSp>
+      <p:sp>
+        <p:nvSpPr>
+          <p:cNvPr id="9" name="四角形: 角を丸くする 8">
+            <a:extLst>
+              <a:ext uri="{FF2B5EF4-FFF2-40B4-BE49-F238E27FC236}">
+                <a16:creationId xmlns:a16="http://schemas.microsoft.com/office/drawing/2014/main" id="{D7CD9FC9-FC8E-E51D-9BC0-232F5E4139BE}"/>
+              </a:ext>
+            </a:extLst>
+          </p:cNvPr>
+          <p:cNvSpPr/>
+          <p:nvPr/>
+        </p:nvSpPr>
+        <p:spPr>
+          <a:xfrm>
+            <a:off x="7261493" y="3458817"/>
+            <a:ext cx="3801279" cy="357809"/>
+          </a:xfrm>
+          <a:prstGeom prst="roundRect">
+            <a:avLst>
+              <a:gd name="adj" fmla="val 4167"/>
+            </a:avLst>
+          </a:prstGeom>
+          <a:noFill/>
+          <a:ln>
+            <a:solidFill>
+              <a:srgbClr val="FF6F61"/>
+            </a:solidFill>
+          </a:ln>
+        </p:spPr>
+        <p:style>
+          <a:lnRef idx="2">
+            <a:schemeClr val="accent1">
+              <a:shade val="50000"/>
+            </a:schemeClr>
+          </a:lnRef>
+          <a:fillRef idx="1">
+            <a:schemeClr val="accent1"/>
+          </a:fillRef>
+          <a:effectRef idx="0">
+            <a:schemeClr val="accent1"/>
+          </a:effectRef>
+          <a:fontRef idx="minor">
+            <a:schemeClr val="lt1"/>
+          </a:fontRef>
+        </p:style>
+        <p:txBody>
+          <a:bodyPr rtlCol="0" anchor="ctr"/>
+          <a:lstStyle/>
+          <a:p>
+            <a:pPr algn="ctr"/>
+            <a:endParaRPr kumimoji="1" lang="ja-JP" altLang="en-US"/>
+          </a:p>
+        </p:txBody>
+      </p:sp>
+    </p:spTree>
+    <p:extLst>
+      <p:ext uri="{BB962C8B-B14F-4D97-AF65-F5344CB8AC3E}">
+        <p14:creationId xmlns:p14="http://schemas.microsoft.com/office/powerpoint/2010/main" val="2800489593"/>
+      </p:ext>
+    </p:extLst>
+  </p:cSld>
+  <p:clrMapOvr>
+    <a:masterClrMapping/>
+  </p:clrMapOvr>
+</p:sld>
+</file>
+
+<file path=ppt/slides/slide45.xml><?xml version="1.0" encoding="utf-8"?>
+<p:sld xmlns:a="http://schemas.openxmlformats.org/drawingml/2006/main" xmlns:r="http://schemas.openxmlformats.org/officeDocument/2006/relationships" xmlns:p="http://schemas.openxmlformats.org/presentationml/2006/main">
+  <p:cSld>
+    <p:spTree>
+      <p:nvGrpSpPr>
+        <p:cNvPr id="1" name=""/>
+        <p:cNvGrpSpPr/>
+        <p:nvPr/>
+      </p:nvGrpSpPr>
+      <p:grpSpPr>
+        <a:xfrm>
+          <a:off x="0" y="0"/>
+          <a:ext cx="0" cy="0"/>
+          <a:chOff x="0" y="0"/>
+          <a:chExt cx="0" cy="0"/>
+        </a:xfrm>
+      </p:grpSpPr>
+      <p:pic>
+        <p:nvPicPr>
+          <p:cNvPr id="3" name="図 2">
+            <a:extLst>
+              <a:ext uri="{FF2B5EF4-FFF2-40B4-BE49-F238E27FC236}">
+                <a16:creationId xmlns:a16="http://schemas.microsoft.com/office/drawing/2014/main" id="{1AC92B0D-151A-B276-9E4B-B735D95D0329}"/>
+              </a:ext>
+            </a:extLst>
+          </p:cNvPr>
+          <p:cNvPicPr>
+            <a:picLocks noChangeAspect="1"/>
+          </p:cNvPicPr>
+          <p:nvPr/>
+        </p:nvPicPr>
+        <p:blipFill>
+          <a:blip r:embed="rId2"/>
+          <a:stretch>
+            <a:fillRect/>
+          </a:stretch>
+        </p:blipFill>
+        <p:spPr>
+          <a:xfrm>
+            <a:off x="563236" y="2285597"/>
+            <a:ext cx="2876229" cy="2965455"/>
+          </a:xfrm>
+          <a:prstGeom prst="rect">
+            <a:avLst/>
+          </a:prstGeom>
+        </p:spPr>
+      </p:pic>
+      <p:pic>
+        <p:nvPicPr>
+          <p:cNvPr id="5" name="図 4">
+            <a:extLst>
+              <a:ext uri="{FF2B5EF4-FFF2-40B4-BE49-F238E27FC236}">
+                <a16:creationId xmlns:a16="http://schemas.microsoft.com/office/drawing/2014/main" id="{718DCC0A-618D-E44B-1E3E-BA3EAB54463F}"/>
+              </a:ext>
+            </a:extLst>
+          </p:cNvPr>
+          <p:cNvPicPr>
+            <a:picLocks noChangeAspect="1"/>
+          </p:cNvPicPr>
+          <p:nvPr/>
+        </p:nvPicPr>
+        <p:blipFill>
+          <a:blip r:embed="rId3"/>
+          <a:stretch>
+            <a:fillRect/>
+          </a:stretch>
+        </p:blipFill>
+        <p:spPr>
+          <a:xfrm>
+            <a:off x="3834536" y="2285597"/>
+            <a:ext cx="2865732" cy="2965455"/>
+          </a:xfrm>
+          <a:prstGeom prst="rect">
+            <a:avLst/>
+          </a:prstGeom>
+        </p:spPr>
+      </p:pic>
+      <p:pic>
+        <p:nvPicPr>
+          <p:cNvPr id="4" name="図 3">
+            <a:extLst>
+              <a:ext uri="{FF2B5EF4-FFF2-40B4-BE49-F238E27FC236}">
+                <a16:creationId xmlns:a16="http://schemas.microsoft.com/office/drawing/2014/main" id="{805C5683-2AEA-42DA-818A-550A60DA32EC}"/>
+              </a:ext>
+            </a:extLst>
+          </p:cNvPr>
+          <p:cNvPicPr>
+            <a:picLocks noChangeAspect="1"/>
+          </p:cNvPicPr>
+          <p:nvPr/>
+        </p:nvPicPr>
+        <p:blipFill>
+          <a:blip r:embed="rId4"/>
+          <a:stretch>
+            <a:fillRect/>
+          </a:stretch>
+        </p:blipFill>
+        <p:spPr>
+          <a:xfrm>
+            <a:off x="563236" y="442229"/>
+            <a:ext cx="4068398" cy="1321887"/>
+          </a:xfrm>
+          <a:prstGeom prst="rect">
+            <a:avLst/>
+          </a:prstGeom>
+        </p:spPr>
+      </p:pic>
+      <p:pic>
+        <p:nvPicPr>
+          <p:cNvPr id="7" name="図 6">
+            <a:extLst>
+              <a:ext uri="{FF2B5EF4-FFF2-40B4-BE49-F238E27FC236}">
+                <a16:creationId xmlns:a16="http://schemas.microsoft.com/office/drawing/2014/main" id="{76302A94-EE14-B81C-ACA1-93F7B55767AC}"/>
+              </a:ext>
+            </a:extLst>
+          </p:cNvPr>
+          <p:cNvPicPr>
+            <a:picLocks noChangeAspect="1"/>
+          </p:cNvPicPr>
+          <p:nvPr/>
+        </p:nvPicPr>
+        <p:blipFill>
+          <a:blip r:embed="rId5"/>
+          <a:stretch>
+            <a:fillRect/>
+          </a:stretch>
+        </p:blipFill>
+        <p:spPr>
+          <a:xfrm>
+            <a:off x="7095339" y="2285597"/>
+            <a:ext cx="2865732" cy="2965455"/>
+          </a:xfrm>
+          <a:prstGeom prst="rect">
+            <a:avLst/>
+          </a:prstGeom>
+        </p:spPr>
+      </p:pic>
+      <p:cxnSp>
+        <p:nvCxnSpPr>
+          <p:cNvPr id="8" name="直線矢印コネクタ 24">
+            <a:extLst>
+              <a:ext uri="{FF2B5EF4-FFF2-40B4-BE49-F238E27FC236}">
+                <a16:creationId xmlns:a16="http://schemas.microsoft.com/office/drawing/2014/main" id="{428075EE-3838-6D40-31A9-CC31F658BC15}"/>
+              </a:ext>
+            </a:extLst>
+          </p:cNvPr>
+          <p:cNvCxnSpPr>
+            <a:cxnSpLocks/>
+          </p:cNvCxnSpPr>
+          <p:nvPr/>
+        </p:nvCxnSpPr>
+        <p:spPr>
+          <a:xfrm flipH="1">
+            <a:off x="2846567" y="922351"/>
+            <a:ext cx="1129085" cy="1363246"/>
+          </a:xfrm>
+          <a:prstGeom prst="straightConnector1">
+            <a:avLst/>
+          </a:prstGeom>
+          <a:ln w="12700">
+            <a:solidFill>
+              <a:srgbClr val="FF6F61"/>
+            </a:solidFill>
+            <a:tailEnd type="triangle"/>
+          </a:ln>
+        </p:spPr>
+        <p:style>
+          <a:lnRef idx="1">
+            <a:schemeClr val="accent1"/>
+          </a:lnRef>
+          <a:fillRef idx="0">
+            <a:schemeClr val="accent1"/>
+          </a:fillRef>
+          <a:effectRef idx="0">
+            <a:schemeClr val="accent1"/>
+          </a:effectRef>
+          <a:fontRef idx="minor">
+            <a:schemeClr val="tx1"/>
+          </a:fontRef>
+        </p:style>
+      </p:cxnSp>
+      <p:cxnSp>
+        <p:nvCxnSpPr>
+          <p:cNvPr id="11" name="直線矢印コネクタ 24">
+            <a:extLst>
+              <a:ext uri="{FF2B5EF4-FFF2-40B4-BE49-F238E27FC236}">
+                <a16:creationId xmlns:a16="http://schemas.microsoft.com/office/drawing/2014/main" id="{79471CF3-CF0C-0458-A860-19B939008036}"/>
+              </a:ext>
+            </a:extLst>
+          </p:cNvPr>
+          <p:cNvCxnSpPr>
+            <a:cxnSpLocks/>
+            <a:stCxn id="35" idx="3"/>
+          </p:cNvCxnSpPr>
+          <p:nvPr/>
+        </p:nvCxnSpPr>
+        <p:spPr>
+          <a:xfrm>
+            <a:off x="2480862" y="2659449"/>
+            <a:ext cx="1429643" cy="373851"/>
+          </a:xfrm>
+          <a:prstGeom prst="straightConnector1">
+            <a:avLst/>
+          </a:prstGeom>
+          <a:ln w="12700">
+            <a:solidFill>
+              <a:srgbClr val="FF6F61"/>
+            </a:solidFill>
+            <a:tailEnd type="triangle"/>
+          </a:ln>
+        </p:spPr>
+        <p:style>
+          <a:lnRef idx="1">
+            <a:schemeClr val="accent1"/>
+          </a:lnRef>
+          <a:fillRef idx="0">
+            <a:schemeClr val="accent1"/>
+          </a:fillRef>
+          <a:effectRef idx="0">
+            <a:schemeClr val="accent1"/>
+          </a:effectRef>
+          <a:fontRef idx="minor">
+            <a:schemeClr val="tx1"/>
+          </a:fontRef>
+        </p:style>
+      </p:cxnSp>
+      <p:cxnSp>
+        <p:nvCxnSpPr>
+          <p:cNvPr id="14" name="直線矢印コネクタ 24">
+            <a:extLst>
+              <a:ext uri="{FF2B5EF4-FFF2-40B4-BE49-F238E27FC236}">
+                <a16:creationId xmlns:a16="http://schemas.microsoft.com/office/drawing/2014/main" id="{09A90C96-9EA4-2ADB-8A54-0CE0E2BA1333}"/>
+              </a:ext>
+            </a:extLst>
+          </p:cNvPr>
+          <p:cNvCxnSpPr>
+            <a:cxnSpLocks/>
+            <a:stCxn id="33" idx="3"/>
+          </p:cNvCxnSpPr>
+          <p:nvPr/>
+        </p:nvCxnSpPr>
+        <p:spPr>
+          <a:xfrm>
+            <a:off x="5746914" y="3699745"/>
+            <a:ext cx="1424394" cy="419031"/>
+          </a:xfrm>
+          <a:prstGeom prst="straightConnector1">
+            <a:avLst/>
+          </a:prstGeom>
+          <a:ln w="12700">
+            <a:solidFill>
+              <a:srgbClr val="FF6F61"/>
+            </a:solidFill>
+            <a:tailEnd type="triangle"/>
+          </a:ln>
+        </p:spPr>
+        <p:style>
+          <a:lnRef idx="1">
+            <a:schemeClr val="accent1"/>
+          </a:lnRef>
+          <a:fillRef idx="0">
+            <a:schemeClr val="accent1"/>
+          </a:fillRef>
+          <a:effectRef idx="0">
+            <a:schemeClr val="accent1"/>
+          </a:effectRef>
+          <a:fontRef idx="minor">
+            <a:schemeClr val="tx1"/>
+          </a:fontRef>
+        </p:style>
+      </p:cxnSp>
+      <p:sp>
+        <p:nvSpPr>
+          <p:cNvPr id="29" name="四角形: 角を丸くする 28">
+            <a:extLst>
+              <a:ext uri="{FF2B5EF4-FFF2-40B4-BE49-F238E27FC236}">
+                <a16:creationId xmlns:a16="http://schemas.microsoft.com/office/drawing/2014/main" id="{BD2A92AD-17C9-78B6-4AC3-72E8A42B3500}"/>
+              </a:ext>
+            </a:extLst>
+          </p:cNvPr>
+          <p:cNvSpPr/>
+          <p:nvPr/>
+        </p:nvSpPr>
+        <p:spPr>
+          <a:xfrm>
+            <a:off x="8051134" y="3307743"/>
+            <a:ext cx="959025" cy="137159"/>
+          </a:xfrm>
+          <a:prstGeom prst="roundRect">
+            <a:avLst>
+              <a:gd name="adj" fmla="val 4167"/>
+            </a:avLst>
+          </a:prstGeom>
+          <a:noFill/>
+          <a:ln>
+            <a:solidFill>
+              <a:srgbClr val="FF6F61"/>
+            </a:solidFill>
+          </a:ln>
+        </p:spPr>
+        <p:style>
+          <a:lnRef idx="2">
+            <a:schemeClr val="accent1">
+              <a:shade val="50000"/>
+            </a:schemeClr>
+          </a:lnRef>
+          <a:fillRef idx="1">
+            <a:schemeClr val="accent1"/>
+          </a:fillRef>
+          <a:effectRef idx="0">
+            <a:schemeClr val="accent1"/>
+          </a:effectRef>
+          <a:fontRef idx="minor">
+            <a:schemeClr val="lt1"/>
+          </a:fontRef>
+        </p:style>
+        <p:txBody>
+          <a:bodyPr rtlCol="0" anchor="ctr"/>
+          <a:lstStyle/>
+          <a:p>
+            <a:pPr algn="ctr"/>
+            <a:endParaRPr kumimoji="1" lang="ja-JP" altLang="en-US"/>
+          </a:p>
+        </p:txBody>
+      </p:sp>
+      <p:sp>
+        <p:nvSpPr>
+          <p:cNvPr id="30" name="四角形: 角を丸くする 29">
+            <a:extLst>
+              <a:ext uri="{FF2B5EF4-FFF2-40B4-BE49-F238E27FC236}">
+                <a16:creationId xmlns:a16="http://schemas.microsoft.com/office/drawing/2014/main" id="{D0360206-D5F3-D100-5CBE-669AE6F9C37D}"/>
+              </a:ext>
+            </a:extLst>
+          </p:cNvPr>
+          <p:cNvSpPr/>
+          <p:nvPr/>
+        </p:nvSpPr>
+        <p:spPr>
+          <a:xfrm>
+            <a:off x="8036555" y="4372957"/>
+            <a:ext cx="959025" cy="137159"/>
+          </a:xfrm>
+          <a:prstGeom prst="roundRect">
+            <a:avLst>
+              <a:gd name="adj" fmla="val 4167"/>
+            </a:avLst>
+          </a:prstGeom>
+          <a:noFill/>
+          <a:ln>
+            <a:solidFill>
+              <a:srgbClr val="FF6F61"/>
+            </a:solidFill>
+          </a:ln>
+        </p:spPr>
+        <p:style>
+          <a:lnRef idx="2">
+            <a:schemeClr val="accent1">
+              <a:shade val="50000"/>
+            </a:schemeClr>
+          </a:lnRef>
+          <a:fillRef idx="1">
+            <a:schemeClr val="accent1"/>
+          </a:fillRef>
+          <a:effectRef idx="0">
+            <a:schemeClr val="accent1"/>
+          </a:effectRef>
+          <a:fontRef idx="minor">
+            <a:schemeClr val="lt1"/>
+          </a:fontRef>
+        </p:style>
+        <p:txBody>
+          <a:bodyPr rtlCol="0" anchor="ctr"/>
+          <a:lstStyle/>
+          <a:p>
+            <a:pPr algn="ctr"/>
+            <a:endParaRPr kumimoji="1" lang="ja-JP" altLang="en-US"/>
+          </a:p>
+        </p:txBody>
+      </p:sp>
+      <p:sp>
+        <p:nvSpPr>
+          <p:cNvPr id="33" name="四角形: 角を丸くする 32">
+            <a:extLst>
+              <a:ext uri="{FF2B5EF4-FFF2-40B4-BE49-F238E27FC236}">
+                <a16:creationId xmlns:a16="http://schemas.microsoft.com/office/drawing/2014/main" id="{C938FF51-DD39-E67B-6B5D-087D9B342835}"/>
+              </a:ext>
+            </a:extLst>
+          </p:cNvPr>
+          <p:cNvSpPr/>
+          <p:nvPr/>
+        </p:nvSpPr>
+        <p:spPr>
+          <a:xfrm>
+            <a:off x="4787889" y="3631165"/>
+            <a:ext cx="959025" cy="137159"/>
+          </a:xfrm>
+          <a:prstGeom prst="roundRect">
+            <a:avLst>
+              <a:gd name="adj" fmla="val 4167"/>
+            </a:avLst>
+          </a:prstGeom>
+          <a:noFill/>
+          <a:ln>
+            <a:solidFill>
+              <a:srgbClr val="FF6F61"/>
+            </a:solidFill>
+          </a:ln>
+        </p:spPr>
+        <p:style>
+          <a:lnRef idx="2">
+            <a:schemeClr val="accent1">
+              <a:shade val="50000"/>
+            </a:schemeClr>
+          </a:lnRef>
+          <a:fillRef idx="1">
+            <a:schemeClr val="accent1"/>
+          </a:fillRef>
+          <a:effectRef idx="0">
+            <a:schemeClr val="accent1"/>
+          </a:effectRef>
+          <a:fontRef idx="minor">
+            <a:schemeClr val="lt1"/>
+          </a:fontRef>
+        </p:style>
+        <p:txBody>
+          <a:bodyPr rtlCol="0" anchor="ctr"/>
+          <a:lstStyle/>
+          <a:p>
+            <a:pPr algn="ctr"/>
+            <a:endParaRPr kumimoji="1" lang="ja-JP" altLang="en-US"/>
+          </a:p>
+        </p:txBody>
+      </p:sp>
+      <p:sp>
+        <p:nvSpPr>
+          <p:cNvPr id="35" name="四角形: 角を丸くする 34">
+            <a:extLst>
+              <a:ext uri="{FF2B5EF4-FFF2-40B4-BE49-F238E27FC236}">
+                <a16:creationId xmlns:a16="http://schemas.microsoft.com/office/drawing/2014/main" id="{182B67AA-9E7D-1771-059B-0F7C1105D34C}"/>
+              </a:ext>
+            </a:extLst>
+          </p:cNvPr>
+          <p:cNvSpPr/>
+          <p:nvPr/>
+        </p:nvSpPr>
+        <p:spPr>
+          <a:xfrm>
+            <a:off x="1521837" y="2590869"/>
+            <a:ext cx="959025" cy="137159"/>
+          </a:xfrm>
+          <a:prstGeom prst="roundRect">
+            <a:avLst>
+              <a:gd name="adj" fmla="val 4167"/>
+            </a:avLst>
+          </a:prstGeom>
+          <a:noFill/>
+          <a:ln>
+            <a:solidFill>
+              <a:srgbClr val="FF6F61"/>
+            </a:solidFill>
+          </a:ln>
+        </p:spPr>
+        <p:style>
+          <a:lnRef idx="2">
+            <a:schemeClr val="accent1">
+              <a:shade val="50000"/>
+            </a:schemeClr>
+          </a:lnRef>
+          <a:fillRef idx="1">
+            <a:schemeClr val="accent1"/>
+          </a:fillRef>
+          <a:effectRef idx="0">
+            <a:schemeClr val="accent1"/>
+          </a:effectRef>
+          <a:fontRef idx="minor">
+            <a:schemeClr val="lt1"/>
+          </a:fontRef>
+        </p:style>
+        <p:txBody>
+          <a:bodyPr rtlCol="0" anchor="ctr"/>
+          <a:lstStyle/>
+          <a:p>
+            <a:pPr algn="ctr"/>
+            <a:endParaRPr kumimoji="1" lang="ja-JP" altLang="en-US"/>
+          </a:p>
+        </p:txBody>
+      </p:sp>
+      <p:pic>
+        <p:nvPicPr>
+          <p:cNvPr id="38" name="図 37">
+            <a:extLst>
+              <a:ext uri="{FF2B5EF4-FFF2-40B4-BE49-F238E27FC236}">
+                <a16:creationId xmlns:a16="http://schemas.microsoft.com/office/drawing/2014/main" id="{4752D869-D404-5450-4E26-B12EB8F42FF3}"/>
+              </a:ext>
+            </a:extLst>
+          </p:cNvPr>
+          <p:cNvPicPr>
+            <a:picLocks noChangeAspect="1"/>
+          </p:cNvPicPr>
+          <p:nvPr/>
+        </p:nvPicPr>
+        <p:blipFill>
+          <a:blip r:embed="rId6"/>
+          <a:stretch>
+            <a:fillRect/>
+          </a:stretch>
+        </p:blipFill>
+        <p:spPr>
+          <a:xfrm>
+            <a:off x="10432111" y="2282024"/>
+            <a:ext cx="1420065" cy="1146976"/>
+          </a:xfrm>
+          <a:prstGeom prst="rect">
+            <a:avLst/>
+          </a:prstGeom>
+        </p:spPr>
+      </p:pic>
+      <p:pic>
+        <p:nvPicPr>
+          <p:cNvPr id="39" name="図 38">
+            <a:extLst>
+              <a:ext uri="{FF2B5EF4-FFF2-40B4-BE49-F238E27FC236}">
+                <a16:creationId xmlns:a16="http://schemas.microsoft.com/office/drawing/2014/main" id="{3E4CF624-4167-7C12-0012-102F4F977FA9}"/>
+              </a:ext>
+            </a:extLst>
+          </p:cNvPr>
+          <p:cNvPicPr>
+            <a:picLocks noChangeAspect="1"/>
+          </p:cNvPicPr>
+          <p:nvPr/>
+        </p:nvPicPr>
+        <p:blipFill>
+          <a:blip r:embed="rId6"/>
+          <a:stretch>
+            <a:fillRect/>
+          </a:stretch>
+        </p:blipFill>
+        <p:spPr>
+          <a:xfrm>
+            <a:off x="10432111" y="3768324"/>
+            <a:ext cx="1420065" cy="1146976"/>
+          </a:xfrm>
+          <a:prstGeom prst="rect">
+            <a:avLst/>
+          </a:prstGeom>
+        </p:spPr>
+      </p:pic>
+      <p:cxnSp>
+        <p:nvCxnSpPr>
+          <p:cNvPr id="40" name="直線矢印コネクタ 24">
+            <a:extLst>
+              <a:ext uri="{FF2B5EF4-FFF2-40B4-BE49-F238E27FC236}">
+                <a16:creationId xmlns:a16="http://schemas.microsoft.com/office/drawing/2014/main" id="{B8A8B857-55FD-A227-99C4-B3030701CC3D}"/>
+              </a:ext>
+            </a:extLst>
+          </p:cNvPr>
+          <p:cNvCxnSpPr>
+            <a:cxnSpLocks/>
+            <a:stCxn id="29" idx="3"/>
+            <a:endCxn id="38" idx="1"/>
+          </p:cNvCxnSpPr>
+          <p:nvPr/>
+        </p:nvCxnSpPr>
+        <p:spPr>
+          <a:xfrm flipV="1">
+            <a:off x="9010159" y="2855512"/>
+            <a:ext cx="1421952" cy="520811"/>
+          </a:xfrm>
+          <a:prstGeom prst="straightConnector1">
+            <a:avLst/>
+          </a:prstGeom>
+          <a:ln w="12700">
+            <a:solidFill>
+              <a:srgbClr val="FF6F61"/>
+            </a:solidFill>
+            <a:tailEnd type="triangle"/>
+          </a:ln>
+        </p:spPr>
+        <p:style>
+          <a:lnRef idx="1">
+            <a:schemeClr val="accent1"/>
+          </a:lnRef>
+          <a:fillRef idx="0">
+            <a:schemeClr val="accent1"/>
+          </a:fillRef>
+          <a:effectRef idx="0">
+            <a:schemeClr val="accent1"/>
+          </a:effectRef>
+          <a:fontRef idx="minor">
+            <a:schemeClr val="tx1"/>
+          </a:fontRef>
+        </p:style>
+      </p:cxnSp>
+      <p:cxnSp>
+        <p:nvCxnSpPr>
+          <p:cNvPr id="43" name="直線矢印コネクタ 24">
+            <a:extLst>
+              <a:ext uri="{FF2B5EF4-FFF2-40B4-BE49-F238E27FC236}">
+                <a16:creationId xmlns:a16="http://schemas.microsoft.com/office/drawing/2014/main" id="{9832DB6C-5D6C-AFD9-0467-ED3F36076024}"/>
+              </a:ext>
+            </a:extLst>
+          </p:cNvPr>
+          <p:cNvCxnSpPr>
+            <a:cxnSpLocks/>
+            <a:stCxn id="30" idx="3"/>
+            <a:endCxn id="39" idx="1"/>
+          </p:cNvCxnSpPr>
+          <p:nvPr/>
+        </p:nvCxnSpPr>
+        <p:spPr>
+          <a:xfrm flipV="1">
+            <a:off x="8995580" y="4341812"/>
+            <a:ext cx="1436531" cy="99725"/>
+          </a:xfrm>
+          <a:prstGeom prst="straightConnector1">
+            <a:avLst/>
+          </a:prstGeom>
+          <a:ln w="12700">
+            <a:solidFill>
+              <a:srgbClr val="FF6F61"/>
+            </a:solidFill>
+            <a:tailEnd type="triangle"/>
+          </a:ln>
+        </p:spPr>
+        <p:style>
+          <a:lnRef idx="1">
+            <a:schemeClr val="accent1"/>
+          </a:lnRef>
+          <a:fillRef idx="0">
+            <a:schemeClr val="accent1"/>
+          </a:fillRef>
+          <a:effectRef idx="0">
+            <a:schemeClr val="accent1"/>
+          </a:effectRef>
+          <a:fontRef idx="minor">
+            <a:schemeClr val="tx1"/>
+          </a:fontRef>
+        </p:style>
+      </p:cxnSp>
+    </p:spTree>
+    <p:extLst>
+      <p:ext uri="{BB962C8B-B14F-4D97-AF65-F5344CB8AC3E}">
+        <p14:creationId xmlns:p14="http://schemas.microsoft.com/office/powerpoint/2010/main" val="2498763385"/>
+      </p:ext>
+    </p:extLst>
+  </p:cSld>
+  <p:clrMapOvr>
+    <a:masterClrMapping/>
+  </p:clrMapOvr>
+</p:sld>
+</file>
+
+<file path=ppt/slides/slide46.xml><?xml version="1.0" encoding="utf-8"?>
+<p:sld xmlns:a="http://schemas.openxmlformats.org/drawingml/2006/main" xmlns:r="http://schemas.openxmlformats.org/officeDocument/2006/relationships" xmlns:p="http://schemas.openxmlformats.org/presentationml/2006/main">
+  <p:cSld>
+    <p:spTree>
+      <p:nvGrpSpPr>
+        <p:cNvPr id="1" name=""/>
+        <p:cNvGrpSpPr/>
+        <p:nvPr/>
+      </p:nvGrpSpPr>
+      <p:grpSpPr>
+        <a:xfrm>
+          <a:off x="0" y="0"/>
+          <a:ext cx="0" cy="0"/>
+          <a:chOff x="0" y="0"/>
+          <a:chExt cx="0" cy="0"/>
+        </a:xfrm>
+      </p:grpSpPr>
+      <p:pic>
+        <p:nvPicPr>
+          <p:cNvPr id="3" name="図 2">
+            <a:extLst>
+              <a:ext uri="{FF2B5EF4-FFF2-40B4-BE49-F238E27FC236}">
+                <a16:creationId xmlns:a16="http://schemas.microsoft.com/office/drawing/2014/main" id="{11C4DE8A-15EF-5EFD-6766-AC80B23190E5}"/>
+              </a:ext>
+            </a:extLst>
+          </p:cNvPr>
+          <p:cNvPicPr>
+            <a:picLocks noChangeAspect="1"/>
+          </p:cNvPicPr>
+          <p:nvPr/>
+        </p:nvPicPr>
+        <p:blipFill>
+          <a:blip r:embed="rId2"/>
+          <a:stretch>
+            <a:fillRect/>
+          </a:stretch>
+        </p:blipFill>
+        <p:spPr>
+          <a:xfrm>
+            <a:off x="2449001" y="1246146"/>
+            <a:ext cx="7484828" cy="4050705"/>
+          </a:xfrm>
+          <a:prstGeom prst="rect">
+            <a:avLst/>
+          </a:prstGeom>
+        </p:spPr>
+      </p:pic>
+    </p:spTree>
+    <p:extLst>
+      <p:ext uri="{BB962C8B-B14F-4D97-AF65-F5344CB8AC3E}">
+        <p14:creationId xmlns:p14="http://schemas.microsoft.com/office/powerpoint/2010/main" val="4210685151"/>
       </p:ext>
     </p:extLst>
   </p:cSld>
